--- a/Slide_Deck.pptx
+++ b/Slide_Deck.pptx
@@ -5,7 +5,7 @@
     <p:sldMasterId id="2147483648" r:id="rId1"/>
   </p:sldMasterIdLst>
   <p:notesMasterIdLst>
-    <p:notesMasterId r:id="rId17"/>
+    <p:notesMasterId r:id="rId18"/>
   </p:notesMasterIdLst>
   <p:sldIdLst>
     <p:sldId id="256" r:id="rId2"/>
@@ -14,15 +14,16 @@
     <p:sldId id="262" r:id="rId5"/>
     <p:sldId id="263" r:id="rId6"/>
     <p:sldId id="264" r:id="rId7"/>
-    <p:sldId id="261" r:id="rId8"/>
-    <p:sldId id="258" r:id="rId9"/>
-    <p:sldId id="257" r:id="rId10"/>
-    <p:sldId id="265" r:id="rId11"/>
-    <p:sldId id="266" r:id="rId12"/>
-    <p:sldId id="267" r:id="rId13"/>
-    <p:sldId id="268" r:id="rId14"/>
-    <p:sldId id="269" r:id="rId15"/>
-    <p:sldId id="270" r:id="rId16"/>
+    <p:sldId id="271" r:id="rId8"/>
+    <p:sldId id="261" r:id="rId9"/>
+    <p:sldId id="258" r:id="rId10"/>
+    <p:sldId id="257" r:id="rId11"/>
+    <p:sldId id="265" r:id="rId12"/>
+    <p:sldId id="266" r:id="rId13"/>
+    <p:sldId id="267" r:id="rId14"/>
+    <p:sldId id="268" r:id="rId15"/>
+    <p:sldId id="269" r:id="rId16"/>
+    <p:sldId id="270" r:id="rId17"/>
   </p:sldIdLst>
   <p:sldSz cx="12192000" cy="6858000"/>
   <p:notesSz cx="6858000" cy="9144000"/>
@@ -2649,7 +2650,7 @@
           <a:p>
             <a:fld id="{FFFBAEDC-AF75-4BDD-978D-5D83F3B4ECCC}" type="datetimeFigureOut">
               <a:rPr lang="en-US" smtClean="0"/>
-              <a:t>4/5/2023</a:t>
+              <a:t>4/6/2023</a:t>
             </a:fld>
             <a:endParaRPr lang="en-US"/>
           </a:p>
@@ -2981,7 +2982,7 @@
           <a:p>
             <a:fld id="{81877F35-DD72-4AEE-98C4-BACA01E52352}" type="slidenum">
               <a:rPr lang="en-US" smtClean="0"/>
-              <a:t>12</a:t>
+              <a:t>13</a:t>
             </a:fld>
             <a:endParaRPr lang="en-US"/>
           </a:p>
@@ -3065,7 +3066,7 @@
           <a:p>
             <a:fld id="{6624EA6F-41C5-8449-8FBC-886BDC0FF6B4}" type="slidenum">
               <a:rPr lang="en-US" smtClean="0"/>
-              <a:t>15</a:t>
+              <a:t>16</a:t>
             </a:fld>
             <a:endParaRPr lang="en-US"/>
           </a:p>
@@ -3231,7 +3232,7 @@
           <a:p>
             <a:fld id="{F3E3D61B-7364-4AC2-9DB3-C4410285676E}" type="datetimeFigureOut">
               <a:rPr lang="en-US" smtClean="0"/>
-              <a:t>4/5/2023</a:t>
+              <a:t>4/6/2023</a:t>
             </a:fld>
             <a:endParaRPr lang="en-US"/>
           </a:p>
@@ -3429,7 +3430,7 @@
           <a:p>
             <a:fld id="{F3E3D61B-7364-4AC2-9DB3-C4410285676E}" type="datetimeFigureOut">
               <a:rPr lang="en-US" smtClean="0"/>
-              <a:t>4/5/2023</a:t>
+              <a:t>4/6/2023</a:t>
             </a:fld>
             <a:endParaRPr lang="en-US"/>
           </a:p>
@@ -3637,7 +3638,7 @@
           <a:p>
             <a:fld id="{F3E3D61B-7364-4AC2-9DB3-C4410285676E}" type="datetimeFigureOut">
               <a:rPr lang="en-US" smtClean="0"/>
-              <a:t>4/5/2023</a:t>
+              <a:t>4/6/2023</a:t>
             </a:fld>
             <a:endParaRPr lang="en-US"/>
           </a:p>
@@ -3835,7 +3836,7 @@
           <a:p>
             <a:fld id="{F3E3D61B-7364-4AC2-9DB3-C4410285676E}" type="datetimeFigureOut">
               <a:rPr lang="en-US" smtClean="0"/>
-              <a:t>4/5/2023</a:t>
+              <a:t>4/6/2023</a:t>
             </a:fld>
             <a:endParaRPr lang="en-US"/>
           </a:p>
@@ -4110,7 +4111,7 @@
           <a:p>
             <a:fld id="{F3E3D61B-7364-4AC2-9DB3-C4410285676E}" type="datetimeFigureOut">
               <a:rPr lang="en-US" smtClean="0"/>
-              <a:t>4/5/2023</a:t>
+              <a:t>4/6/2023</a:t>
             </a:fld>
             <a:endParaRPr lang="en-US"/>
           </a:p>
@@ -4375,7 +4376,7 @@
           <a:p>
             <a:fld id="{F3E3D61B-7364-4AC2-9DB3-C4410285676E}" type="datetimeFigureOut">
               <a:rPr lang="en-US" smtClean="0"/>
-              <a:t>4/5/2023</a:t>
+              <a:t>4/6/2023</a:t>
             </a:fld>
             <a:endParaRPr lang="en-US"/>
           </a:p>
@@ -4787,7 +4788,7 @@
           <a:p>
             <a:fld id="{F3E3D61B-7364-4AC2-9DB3-C4410285676E}" type="datetimeFigureOut">
               <a:rPr lang="en-US" smtClean="0"/>
-              <a:t>4/5/2023</a:t>
+              <a:t>4/6/2023</a:t>
             </a:fld>
             <a:endParaRPr lang="en-US"/>
           </a:p>
@@ -4928,7 +4929,7 @@
           <a:p>
             <a:fld id="{F3E3D61B-7364-4AC2-9DB3-C4410285676E}" type="datetimeFigureOut">
               <a:rPr lang="en-US" smtClean="0"/>
-              <a:t>4/5/2023</a:t>
+              <a:t>4/6/2023</a:t>
             </a:fld>
             <a:endParaRPr lang="en-US"/>
           </a:p>
@@ -5041,7 +5042,7 @@
           <a:p>
             <a:fld id="{F3E3D61B-7364-4AC2-9DB3-C4410285676E}" type="datetimeFigureOut">
               <a:rPr lang="en-US" smtClean="0"/>
-              <a:t>4/5/2023</a:t>
+              <a:t>4/6/2023</a:t>
             </a:fld>
             <a:endParaRPr lang="en-US"/>
           </a:p>
@@ -5352,7 +5353,7 @@
           <a:p>
             <a:fld id="{F3E3D61B-7364-4AC2-9DB3-C4410285676E}" type="datetimeFigureOut">
               <a:rPr lang="en-US" smtClean="0"/>
-              <a:t>4/5/2023</a:t>
+              <a:t>4/6/2023</a:t>
             </a:fld>
             <a:endParaRPr lang="en-US"/>
           </a:p>
@@ -5640,7 +5641,7 @@
           <a:p>
             <a:fld id="{F3E3D61B-7364-4AC2-9DB3-C4410285676E}" type="datetimeFigureOut">
               <a:rPr lang="en-US" smtClean="0"/>
-              <a:t>4/5/2023</a:t>
+              <a:t>4/6/2023</a:t>
             </a:fld>
             <a:endParaRPr lang="en-US"/>
           </a:p>
@@ -5881,7 +5882,7 @@
           <a:p>
             <a:fld id="{F3E3D61B-7364-4AC2-9DB3-C4410285676E}" type="datetimeFigureOut">
               <a:rPr lang="en-US" smtClean="0"/>
-              <a:t>4/5/2023</a:t>
+              <a:t>4/6/2023</a:t>
             </a:fld>
             <a:endParaRPr lang="en-US"/>
           </a:p>
@@ -6369,6 +6370,756 @@
 <file path=ppt/slides/slide10.xml><?xml version="1.0" encoding="utf-8"?>
 <p:sld xmlns:a="http://schemas.openxmlformats.org/drawingml/2006/main" xmlns:r="http://schemas.openxmlformats.org/officeDocument/2006/relationships" xmlns:p="http://schemas.openxmlformats.org/presentationml/2006/main">
   <p:cSld>
+    <p:bg>
+      <p:bgPr>
+        <a:solidFill>
+          <a:schemeClr val="bg1"/>
+        </a:solidFill>
+        <a:effectLst/>
+      </p:bgPr>
+    </p:bg>
+    <p:spTree>
+      <p:nvGrpSpPr>
+        <p:cNvPr id="1" name=""/>
+        <p:cNvGrpSpPr/>
+        <p:nvPr/>
+      </p:nvGrpSpPr>
+      <p:grpSpPr>
+        <a:xfrm>
+          <a:off x="0" y="0"/>
+          <a:ext cx="0" cy="0"/>
+          <a:chOff x="0" y="0"/>
+          <a:chExt cx="0" cy="0"/>
+        </a:xfrm>
+      </p:grpSpPr>
+      <p:sp useBgFill="1">
+        <p:nvSpPr>
+          <p:cNvPr id="14" name="Rectangle 13">
+            <a:extLst>
+              <a:ext uri="{FF2B5EF4-FFF2-40B4-BE49-F238E27FC236}">
+                <a16:creationId xmlns:a16="http://schemas.microsoft.com/office/drawing/2014/main" id="{115719BB-48A7-4AF4-BB91-DC82E0DF727D}"/>
+              </a:ext>
+              <a:ext uri="{C183D7F6-B498-43B3-948B-1728B52AA6E4}">
+                <adec:decorative xmlns:adec="http://schemas.microsoft.com/office/drawing/2017/decorative" val="1"/>
+              </a:ext>
+            </a:extLst>
+          </p:cNvPr>
+          <p:cNvSpPr>
+            <a:spLocks noGrp="1" noRot="1" noChangeAspect="1" noMove="1" noResize="1" noEditPoints="1" noAdjustHandles="1" noChangeArrowheads="1" noChangeShapeType="1" noTextEdit="1"/>
+          </p:cNvSpPr>
+          <p:nvPr>
+            <p:extLst>
+              <p:ext uri="{386F3935-93C4-4BCD-93E2-E3B085C9AB24}">
+                <p16:designElem xmlns:p16="http://schemas.microsoft.com/office/powerpoint/2015/main" val="1"/>
+              </p:ext>
+            </p:extLst>
+          </p:nvPr>
+        </p:nvSpPr>
+        <p:spPr>
+          <a:xfrm>
+            <a:off x="0" y="0"/>
+            <a:ext cx="12192000" cy="6858000"/>
+          </a:xfrm>
+          <a:prstGeom prst="rect">
+            <a:avLst/>
+          </a:prstGeom>
+          <a:ln>
+            <a:noFill/>
+          </a:ln>
+        </p:spPr>
+        <p:style>
+          <a:lnRef idx="2">
+            <a:schemeClr val="accent1">
+              <a:shade val="50000"/>
+            </a:schemeClr>
+          </a:lnRef>
+          <a:fillRef idx="1">
+            <a:schemeClr val="accent1"/>
+          </a:fillRef>
+          <a:effectRef idx="0">
+            <a:schemeClr val="accent1"/>
+          </a:effectRef>
+          <a:fontRef idx="minor">
+            <a:schemeClr val="lt1"/>
+          </a:fontRef>
+        </p:style>
+        <p:txBody>
+          <a:bodyPr rtlCol="0" anchor="ctr"/>
+          <a:lstStyle/>
+          <a:p>
+            <a:pPr algn="ctr"/>
+            <a:endParaRPr lang="en-US"/>
+          </a:p>
+        </p:txBody>
+      </p:sp>
+      <p:sp useBgFill="1">
+        <p:nvSpPr>
+          <p:cNvPr id="16" name="Freeform: Shape 15">
+            <a:extLst>
+              <a:ext uri="{FF2B5EF4-FFF2-40B4-BE49-F238E27FC236}">
+                <a16:creationId xmlns:a16="http://schemas.microsoft.com/office/drawing/2014/main" id="{10973A55-5440-4A99-B526-B5812E46271E}"/>
+              </a:ext>
+              <a:ext uri="{C183D7F6-B498-43B3-948B-1728B52AA6E4}">
+                <adec:decorative xmlns:adec="http://schemas.microsoft.com/office/drawing/2017/decorative" val="1"/>
+              </a:ext>
+            </a:extLst>
+          </p:cNvPr>
+          <p:cNvSpPr>
+            <a:spLocks noGrp="1" noRot="1" noChangeAspect="1" noMove="1" noResize="1" noEditPoints="1" noAdjustHandles="1" noChangeArrowheads="1" noChangeShapeType="1" noTextEdit="1"/>
+          </p:cNvSpPr>
+          <p:nvPr>
+            <p:extLst>
+              <p:ext uri="{386F3935-93C4-4BCD-93E2-E3B085C9AB24}">
+                <p16:designElem xmlns:p16="http://schemas.microsoft.com/office/powerpoint/2015/main" val="1"/>
+              </p:ext>
+            </p:extLst>
+          </p:nvPr>
+        </p:nvSpPr>
+        <p:spPr>
+          <a:xfrm>
+            <a:off x="-1" y="0"/>
+            <a:ext cx="6096002" cy="6858000"/>
+          </a:xfrm>
+          <a:custGeom>
+            <a:avLst/>
+            <a:gdLst>
+              <a:gd name="connsiteX0" fmla="*/ 0 w 6096002"/>
+              <a:gd name="connsiteY0" fmla="*/ 0 h 6858000"/>
+              <a:gd name="connsiteX1" fmla="*/ 4885967 w 6096002"/>
+              <a:gd name="connsiteY1" fmla="*/ 0 h 6858000"/>
+              <a:gd name="connsiteX2" fmla="*/ 4946007 w 6096002"/>
+              <a:gd name="connsiteY2" fmla="*/ 69271 h 6858000"/>
+              <a:gd name="connsiteX3" fmla="*/ 6096002 w 6096002"/>
+              <a:gd name="connsiteY3" fmla="*/ 3429000 h 6858000"/>
+              <a:gd name="connsiteX4" fmla="*/ 4946007 w 6096002"/>
+              <a:gd name="connsiteY4" fmla="*/ 6788730 h 6858000"/>
+              <a:gd name="connsiteX5" fmla="*/ 4885967 w 6096002"/>
+              <a:gd name="connsiteY5" fmla="*/ 6858000 h 6858000"/>
+              <a:gd name="connsiteX6" fmla="*/ 0 w 6096002"/>
+              <a:gd name="connsiteY6" fmla="*/ 6858000 h 6858000"/>
+            </a:gdLst>
+            <a:ahLst/>
+            <a:cxnLst>
+              <a:cxn ang="0">
+                <a:pos x="connsiteX0" y="connsiteY0"/>
+              </a:cxn>
+              <a:cxn ang="0">
+                <a:pos x="connsiteX1" y="connsiteY1"/>
+              </a:cxn>
+              <a:cxn ang="0">
+                <a:pos x="connsiteX2" y="connsiteY2"/>
+              </a:cxn>
+              <a:cxn ang="0">
+                <a:pos x="connsiteX3" y="connsiteY3"/>
+              </a:cxn>
+              <a:cxn ang="0">
+                <a:pos x="connsiteX4" y="connsiteY4"/>
+              </a:cxn>
+              <a:cxn ang="0">
+                <a:pos x="connsiteX5" y="connsiteY5"/>
+              </a:cxn>
+              <a:cxn ang="0">
+                <a:pos x="connsiteX6" y="connsiteY6"/>
+              </a:cxn>
+            </a:cxnLst>
+            <a:rect l="l" t="t" r="r" b="b"/>
+            <a:pathLst>
+              <a:path w="6096002" h="6858000">
+                <a:moveTo>
+                  <a:pt x="0" y="0"/>
+                </a:moveTo>
+                <a:lnTo>
+                  <a:pt x="4885967" y="0"/>
+                </a:lnTo>
+                <a:lnTo>
+                  <a:pt x="4946007" y="69271"/>
+                </a:lnTo>
+                <a:cubicBezTo>
+                  <a:pt x="5656533" y="929100"/>
+                  <a:pt x="6096002" y="2116944"/>
+                  <a:pt x="6096002" y="3429000"/>
+                </a:cubicBezTo>
+                <a:cubicBezTo>
+                  <a:pt x="6096002" y="4741056"/>
+                  <a:pt x="5656533" y="5928900"/>
+                  <a:pt x="4946007" y="6788730"/>
+                </a:cubicBezTo>
+                <a:lnTo>
+                  <a:pt x="4885967" y="6858000"/>
+                </a:lnTo>
+                <a:lnTo>
+                  <a:pt x="0" y="6858000"/>
+                </a:lnTo>
+                <a:close/>
+              </a:path>
+            </a:pathLst>
+          </a:custGeom>
+          <a:ln w="9525">
+            <a:solidFill>
+              <a:srgbClr val="EFEFEF"/>
+            </a:solidFill>
+          </a:ln>
+          <a:effectLst>
+            <a:outerShdw blurRad="88900" dist="38100" algn="l" rotWithShape="0">
+              <a:schemeClr val="bg1">
+                <a:lumMod val="85000"/>
+                <a:alpha val="50000"/>
+              </a:schemeClr>
+            </a:outerShdw>
+          </a:effectLst>
+        </p:spPr>
+        <p:style>
+          <a:lnRef idx="2">
+            <a:schemeClr val="accent1">
+              <a:shade val="50000"/>
+            </a:schemeClr>
+          </a:lnRef>
+          <a:fillRef idx="1">
+            <a:schemeClr val="accent1"/>
+          </a:fillRef>
+          <a:effectRef idx="0">
+            <a:schemeClr val="accent1"/>
+          </a:effectRef>
+          <a:fontRef idx="minor">
+            <a:schemeClr val="lt1"/>
+          </a:fontRef>
+        </p:style>
+        <p:txBody>
+          <a:bodyPr wrap="square" rtlCol="0" anchor="ctr">
+            <a:noAutofit/>
+          </a:bodyPr>
+          <a:lstStyle/>
+          <a:p>
+            <a:pPr marL="0" marR="0" lvl="0" indent="0" algn="ctr" defTabSz="914400" rtl="0" eaLnBrk="1" fontAlgn="auto" latinLnBrk="0" hangingPunct="1">
+              <a:lnSpc>
+                <a:spcPct val="100000"/>
+              </a:lnSpc>
+              <a:spcBef>
+                <a:spcPts val="0"/>
+              </a:spcBef>
+              <a:spcAft>
+                <a:spcPts val="0"/>
+              </a:spcAft>
+              <a:buClrTx/>
+              <a:buSzTx/>
+              <a:buFontTx/>
+              <a:buNone/>
+              <a:tabLst/>
+              <a:defRPr/>
+            </a:pPr>
+            <a:endParaRPr kumimoji="0" lang="en-US" sz="1800" b="0" i="0" u="none" strike="noStrike" kern="1200" cap="none" spc="0" normalizeH="0" baseline="0" noProof="0">
+              <a:ln>
+                <a:noFill/>
+              </a:ln>
+              <a:solidFill>
+                <a:prstClr val="white"/>
+              </a:solidFill>
+              <a:effectLst/>
+              <a:uLnTx/>
+              <a:uFillTx/>
+              <a:latin typeface="Calibri" panose="020F0502020204030204"/>
+              <a:ea typeface="+mn-ea"/>
+              <a:cs typeface="+mn-cs"/>
+            </a:endParaRPr>
+          </a:p>
+        </p:txBody>
+      </p:sp>
+      <p:sp useBgFill="1">
+        <p:nvSpPr>
+          <p:cNvPr id="18" name="Freeform: Shape 17">
+            <a:extLst>
+              <a:ext uri="{FF2B5EF4-FFF2-40B4-BE49-F238E27FC236}">
+                <a16:creationId xmlns:a16="http://schemas.microsoft.com/office/drawing/2014/main" id="{A9682493-588A-4D52-98F6-FBBD80C07ECB}"/>
+              </a:ext>
+              <a:ext uri="{C183D7F6-B498-43B3-948B-1728B52AA6E4}">
+                <adec:decorative xmlns:adec="http://schemas.microsoft.com/office/drawing/2017/decorative" val="1"/>
+              </a:ext>
+            </a:extLst>
+          </p:cNvPr>
+          <p:cNvSpPr>
+            <a:spLocks noGrp="1" noRot="1" noChangeAspect="1" noMove="1" noResize="1" noEditPoints="1" noAdjustHandles="1" noChangeArrowheads="1" noChangeShapeType="1" noTextEdit="1"/>
+          </p:cNvSpPr>
+          <p:nvPr>
+            <p:extLst>
+              <p:ext uri="{386F3935-93C4-4BCD-93E2-E3B085C9AB24}">
+                <p16:designElem xmlns:p16="http://schemas.microsoft.com/office/powerpoint/2015/main" val="1"/>
+              </p:ext>
+            </p:extLst>
+          </p:nvPr>
+        </p:nvSpPr>
+        <p:spPr>
+          <a:xfrm>
+            <a:off x="0" y="0"/>
+            <a:ext cx="6085370" cy="6858000"/>
+          </a:xfrm>
+          <a:custGeom>
+            <a:avLst/>
+            <a:gdLst>
+              <a:gd name="connsiteX0" fmla="*/ 0 w 6085370"/>
+              <a:gd name="connsiteY0" fmla="*/ 0 h 6858000"/>
+              <a:gd name="connsiteX1" fmla="*/ 4875335 w 6085370"/>
+              <a:gd name="connsiteY1" fmla="*/ 0 h 6858000"/>
+              <a:gd name="connsiteX2" fmla="*/ 4935375 w 6085370"/>
+              <a:gd name="connsiteY2" fmla="*/ 69271 h 6858000"/>
+              <a:gd name="connsiteX3" fmla="*/ 6085370 w 6085370"/>
+              <a:gd name="connsiteY3" fmla="*/ 3429000 h 6858000"/>
+              <a:gd name="connsiteX4" fmla="*/ 4935375 w 6085370"/>
+              <a:gd name="connsiteY4" fmla="*/ 6788730 h 6858000"/>
+              <a:gd name="connsiteX5" fmla="*/ 4875335 w 6085370"/>
+              <a:gd name="connsiteY5" fmla="*/ 6858000 h 6858000"/>
+              <a:gd name="connsiteX6" fmla="*/ 0 w 6085370"/>
+              <a:gd name="connsiteY6" fmla="*/ 6858000 h 6858000"/>
+            </a:gdLst>
+            <a:ahLst/>
+            <a:cxnLst>
+              <a:cxn ang="0">
+                <a:pos x="connsiteX0" y="connsiteY0"/>
+              </a:cxn>
+              <a:cxn ang="0">
+                <a:pos x="connsiteX1" y="connsiteY1"/>
+              </a:cxn>
+              <a:cxn ang="0">
+                <a:pos x="connsiteX2" y="connsiteY2"/>
+              </a:cxn>
+              <a:cxn ang="0">
+                <a:pos x="connsiteX3" y="connsiteY3"/>
+              </a:cxn>
+              <a:cxn ang="0">
+                <a:pos x="connsiteX4" y="connsiteY4"/>
+              </a:cxn>
+              <a:cxn ang="0">
+                <a:pos x="connsiteX5" y="connsiteY5"/>
+              </a:cxn>
+              <a:cxn ang="0">
+                <a:pos x="connsiteX6" y="connsiteY6"/>
+              </a:cxn>
+            </a:cxnLst>
+            <a:rect l="l" t="t" r="r" b="b"/>
+            <a:pathLst>
+              <a:path w="6085370" h="6858000">
+                <a:moveTo>
+                  <a:pt x="0" y="0"/>
+                </a:moveTo>
+                <a:lnTo>
+                  <a:pt x="4875335" y="0"/>
+                </a:lnTo>
+                <a:lnTo>
+                  <a:pt x="4935375" y="69271"/>
+                </a:lnTo>
+                <a:cubicBezTo>
+                  <a:pt x="5645901" y="929100"/>
+                  <a:pt x="6085370" y="2116944"/>
+                  <a:pt x="6085370" y="3429000"/>
+                </a:cubicBezTo>
+                <a:cubicBezTo>
+                  <a:pt x="6085370" y="4741056"/>
+                  <a:pt x="5645901" y="5928900"/>
+                  <a:pt x="4935375" y="6788730"/>
+                </a:cubicBezTo>
+                <a:lnTo>
+                  <a:pt x="4875335" y="6858000"/>
+                </a:lnTo>
+                <a:lnTo>
+                  <a:pt x="0" y="6858000"/>
+                </a:lnTo>
+                <a:close/>
+              </a:path>
+            </a:pathLst>
+          </a:custGeom>
+          <a:ln w="9525">
+            <a:noFill/>
+          </a:ln>
+          <a:effectLst/>
+        </p:spPr>
+        <p:style>
+          <a:lnRef idx="2">
+            <a:schemeClr val="accent1">
+              <a:shade val="50000"/>
+            </a:schemeClr>
+          </a:lnRef>
+          <a:fillRef idx="1">
+            <a:schemeClr val="accent1"/>
+          </a:fillRef>
+          <a:effectRef idx="0">
+            <a:schemeClr val="accent1"/>
+          </a:effectRef>
+          <a:fontRef idx="minor">
+            <a:schemeClr val="lt1"/>
+          </a:fontRef>
+        </p:style>
+        <p:txBody>
+          <a:bodyPr wrap="square" rtlCol="0" anchor="ctr">
+            <a:noAutofit/>
+          </a:bodyPr>
+          <a:lstStyle/>
+          <a:p>
+            <a:pPr marL="0" marR="0" lvl="0" indent="0" algn="ctr" defTabSz="914400" rtl="0" eaLnBrk="1" fontAlgn="auto" latinLnBrk="0" hangingPunct="1">
+              <a:lnSpc>
+                <a:spcPct val="100000"/>
+              </a:lnSpc>
+              <a:spcBef>
+                <a:spcPts val="0"/>
+              </a:spcBef>
+              <a:spcAft>
+                <a:spcPts val="0"/>
+              </a:spcAft>
+              <a:buClrTx/>
+              <a:buSzTx/>
+              <a:buFontTx/>
+              <a:buNone/>
+              <a:tabLst/>
+              <a:defRPr/>
+            </a:pPr>
+            <a:endParaRPr kumimoji="0" lang="en-US" sz="1800" b="0" i="0" u="none" strike="noStrike" kern="1200" cap="none" spc="0" normalizeH="0" baseline="0" noProof="0">
+              <a:ln>
+                <a:noFill/>
+              </a:ln>
+              <a:solidFill>
+                <a:prstClr val="white"/>
+              </a:solidFill>
+              <a:effectLst/>
+              <a:uLnTx/>
+              <a:uFillTx/>
+              <a:latin typeface="Calibri" panose="020F0502020204030204"/>
+              <a:ea typeface="+mn-ea"/>
+              <a:cs typeface="+mn-cs"/>
+            </a:endParaRPr>
+          </a:p>
+        </p:txBody>
+      </p:sp>
+      <p:sp>
+        <p:nvSpPr>
+          <p:cNvPr id="2" name="Title 1">
+            <a:extLst>
+              <a:ext uri="{FF2B5EF4-FFF2-40B4-BE49-F238E27FC236}">
+                <a16:creationId xmlns:a16="http://schemas.microsoft.com/office/drawing/2014/main" id="{AA8476FD-ED7D-33A4-13B0-0560C0D3B77B}"/>
+              </a:ext>
+            </a:extLst>
+          </p:cNvPr>
+          <p:cNvSpPr>
+            <a:spLocks noGrp="1"/>
+          </p:cNvSpPr>
+          <p:nvPr>
+            <p:ph type="title"/>
+          </p:nvPr>
+        </p:nvSpPr>
+        <p:spPr>
+          <a:xfrm>
+            <a:off x="438913" y="859536"/>
+            <a:ext cx="4832802" cy="1170432"/>
+          </a:xfrm>
+        </p:spPr>
+        <p:txBody>
+          <a:bodyPr anchor="b">
+            <a:normAutofit/>
+          </a:bodyPr>
+          <a:lstStyle/>
+          <a:p>
+            <a:r>
+              <a:rPr lang="en-US" sz="3400"/>
+              <a:t>Park Data</a:t>
+            </a:r>
+          </a:p>
+        </p:txBody>
+      </p:sp>
+      <p:sp>
+        <p:nvSpPr>
+          <p:cNvPr id="20" name="Rectangle 19">
+            <a:extLst>
+              <a:ext uri="{FF2B5EF4-FFF2-40B4-BE49-F238E27FC236}">
+                <a16:creationId xmlns:a16="http://schemas.microsoft.com/office/drawing/2014/main" id="{FBEC5A7A-ADE4-48D9-B89C-2BA1C9110632}"/>
+              </a:ext>
+              <a:ext uri="{C183D7F6-B498-43B3-948B-1728B52AA6E4}">
+                <adec:decorative xmlns:adec="http://schemas.microsoft.com/office/drawing/2017/decorative" val="1"/>
+              </a:ext>
+            </a:extLst>
+          </p:cNvPr>
+          <p:cNvSpPr>
+            <a:spLocks noGrp="1" noRot="1" noChangeAspect="1" noMove="1" noResize="1" noEditPoints="1" noAdjustHandles="1" noChangeArrowheads="1" noChangeShapeType="1" noTextEdit="1"/>
+          </p:cNvSpPr>
+          <p:nvPr>
+            <p:extLst>
+              <p:ext uri="{386F3935-93C4-4BCD-93E2-E3B085C9AB24}">
+                <p16:designElem xmlns:p16="http://schemas.microsoft.com/office/powerpoint/2015/main" val="1"/>
+              </p:ext>
+            </p:extLst>
+          </p:nvPr>
+        </p:nvSpPr>
+        <p:spPr>
+          <a:xfrm rot="5400000">
+            <a:off x="703236" y="363389"/>
+            <a:ext cx="73152" cy="548640"/>
+          </a:xfrm>
+          <a:prstGeom prst="rect">
+            <a:avLst/>
+          </a:prstGeom>
+          <a:solidFill>
+            <a:schemeClr val="accent2"/>
+          </a:solidFill>
+          <a:ln>
+            <a:noFill/>
+          </a:ln>
+        </p:spPr>
+        <p:style>
+          <a:lnRef idx="2">
+            <a:schemeClr val="accent1">
+              <a:shade val="50000"/>
+            </a:schemeClr>
+          </a:lnRef>
+          <a:fillRef idx="1">
+            <a:schemeClr val="accent1"/>
+          </a:fillRef>
+          <a:effectRef idx="0">
+            <a:schemeClr val="accent1"/>
+          </a:effectRef>
+          <a:fontRef idx="minor">
+            <a:schemeClr val="lt1"/>
+          </a:fontRef>
+        </p:style>
+        <p:txBody>
+          <a:bodyPr rtlCol="0" anchor="ctr"/>
+          <a:lstStyle/>
+          <a:p>
+            <a:pPr algn="ctr"/>
+            <a:endParaRPr lang="en-US">
+              <a:solidFill>
+                <a:prstClr val="white"/>
+              </a:solidFill>
+              <a:latin typeface="Calibri" panose="020F0502020204030204"/>
+            </a:endParaRPr>
+          </a:p>
+        </p:txBody>
+      </p:sp>
+      <p:sp>
+        <p:nvSpPr>
+          <p:cNvPr id="22" name="Rectangle 21">
+            <a:extLst>
+              <a:ext uri="{FF2B5EF4-FFF2-40B4-BE49-F238E27FC236}">
+                <a16:creationId xmlns:a16="http://schemas.microsoft.com/office/drawing/2014/main" id="{82095FCE-EF05-4443-B97A-85DEE3A5CA17}"/>
+              </a:ext>
+              <a:ext uri="{C183D7F6-B498-43B3-948B-1728B52AA6E4}">
+                <adec:decorative xmlns:adec="http://schemas.microsoft.com/office/drawing/2017/decorative" val="1"/>
+              </a:ext>
+            </a:extLst>
+          </p:cNvPr>
+          <p:cNvSpPr>
+            <a:spLocks noGrp="1" noRot="1" noChangeAspect="1" noMove="1" noResize="1" noEditPoints="1" noAdjustHandles="1" noChangeArrowheads="1" noChangeShapeType="1" noTextEdit="1"/>
+          </p:cNvSpPr>
+          <p:nvPr>
+            <p:extLst>
+              <p:ext uri="{386F3935-93C4-4BCD-93E2-E3B085C9AB24}">
+                <p16:designElem xmlns:p16="http://schemas.microsoft.com/office/powerpoint/2015/main" val="1"/>
+              </p:ext>
+            </p:extLst>
+          </p:nvPr>
+        </p:nvSpPr>
+        <p:spPr>
+          <a:xfrm>
+            <a:off x="465492" y="2185062"/>
+            <a:ext cx="4937760" cy="18288"/>
+          </a:xfrm>
+          <a:prstGeom prst="rect">
+            <a:avLst/>
+          </a:prstGeom>
+          <a:solidFill>
+            <a:srgbClr val="D5D5D5"/>
+          </a:solidFill>
+          <a:ln w="3175">
+            <a:noFill/>
+          </a:ln>
+          <a:effectLst/>
+        </p:spPr>
+        <p:style>
+          <a:lnRef idx="2">
+            <a:schemeClr val="accent1">
+              <a:shade val="50000"/>
+            </a:schemeClr>
+          </a:lnRef>
+          <a:fillRef idx="1">
+            <a:schemeClr val="accent1"/>
+          </a:fillRef>
+          <a:effectRef idx="0">
+            <a:schemeClr val="accent1"/>
+          </a:effectRef>
+          <a:fontRef idx="minor">
+            <a:schemeClr val="lt1"/>
+          </a:fontRef>
+        </p:style>
+        <p:txBody>
+          <a:bodyPr rtlCol="0" anchor="ctr"/>
+          <a:lstStyle/>
+          <a:p>
+            <a:pPr marL="0" marR="0" lvl="0" indent="0" algn="ctr" defTabSz="914400" rtl="0" eaLnBrk="1" fontAlgn="auto" latinLnBrk="0" hangingPunct="1">
+              <a:lnSpc>
+                <a:spcPct val="100000"/>
+              </a:lnSpc>
+              <a:spcBef>
+                <a:spcPts val="0"/>
+              </a:spcBef>
+              <a:spcAft>
+                <a:spcPts val="0"/>
+              </a:spcAft>
+              <a:buClrTx/>
+              <a:buSzTx/>
+              <a:buFontTx/>
+              <a:buNone/>
+              <a:tabLst/>
+              <a:defRPr/>
+            </a:pPr>
+            <a:endParaRPr kumimoji="0" lang="en-US" sz="1800" b="0" i="0" u="none" strike="noStrike" kern="1200" cap="none" spc="0" normalizeH="0" baseline="0" noProof="0">
+              <a:ln>
+                <a:noFill/>
+              </a:ln>
+              <a:solidFill>
+                <a:prstClr val="white"/>
+              </a:solidFill>
+              <a:effectLst/>
+              <a:uLnTx/>
+              <a:uFillTx/>
+              <a:latin typeface="Calibri" panose="020F0502020204030204"/>
+              <a:ea typeface="+mn-ea"/>
+              <a:cs typeface="+mn-cs"/>
+            </a:endParaRPr>
+          </a:p>
+        </p:txBody>
+      </p:sp>
+      <p:sp>
+        <p:nvSpPr>
+          <p:cNvPr id="11" name="Content Placeholder 10">
+            <a:extLst>
+              <a:ext uri="{FF2B5EF4-FFF2-40B4-BE49-F238E27FC236}">
+                <a16:creationId xmlns:a16="http://schemas.microsoft.com/office/drawing/2014/main" id="{D676152A-A8FD-283A-8776-E919A481B5D6}"/>
+              </a:ext>
+            </a:extLst>
+          </p:cNvPr>
+          <p:cNvSpPr>
+            <a:spLocks noGrp="1"/>
+          </p:cNvSpPr>
+          <p:nvPr>
+            <p:ph idx="1"/>
+          </p:nvPr>
+        </p:nvSpPr>
+        <p:spPr>
+          <a:xfrm>
+            <a:off x="438912" y="2512611"/>
+            <a:ext cx="4832803" cy="3664351"/>
+          </a:xfrm>
+        </p:spPr>
+        <p:txBody>
+          <a:bodyPr>
+            <a:normAutofit/>
+          </a:bodyPr>
+          <a:lstStyle/>
+          <a:p>
+            <a:r>
+              <a:rPr lang="en-US" sz="1800" dirty="0"/>
+              <a:t>Radius – 3 km</a:t>
+            </a:r>
+          </a:p>
+          <a:p>
+            <a:endParaRPr lang="en-US" sz="1800" dirty="0"/>
+          </a:p>
+          <a:p>
+            <a:r>
+              <a:rPr lang="en-US" sz="1800" dirty="0"/>
+              <a:t>Golden has A LOT of parks!?</a:t>
+            </a:r>
+          </a:p>
+          <a:p>
+            <a:endParaRPr lang="en-US" sz="1800" dirty="0"/>
+          </a:p>
+          <a:p>
+            <a:r>
+              <a:rPr lang="en-US" sz="1800" dirty="0"/>
+              <a:t>The number of parks does not seem to be strongly correlated to Typical Home Value with a calculated </a:t>
+            </a:r>
+            <a:r>
+              <a:rPr lang="en-US" sz="1800" dirty="0" err="1"/>
+              <a:t>r-value</a:t>
+            </a:r>
+            <a:r>
+              <a:rPr lang="en-US" sz="1800" dirty="0"/>
+              <a:t> of -0.15.</a:t>
+            </a:r>
+          </a:p>
+        </p:txBody>
+      </p:sp>
+      <p:pic>
+        <p:nvPicPr>
+          <p:cNvPr id="5" name="Content Placeholder 4">
+            <a:extLst>
+              <a:ext uri="{FF2B5EF4-FFF2-40B4-BE49-F238E27FC236}">
+                <a16:creationId xmlns:a16="http://schemas.microsoft.com/office/drawing/2014/main" id="{95C03CB6-8288-7A43-1F25-A44047F1C63B}"/>
+              </a:ext>
+            </a:extLst>
+          </p:cNvPr>
+          <p:cNvPicPr>
+            <a:picLocks noChangeAspect="1"/>
+          </p:cNvPicPr>
+          <p:nvPr/>
+        </p:nvPicPr>
+        <p:blipFill>
+          <a:blip r:embed="rId2"/>
+          <a:stretch>
+            <a:fillRect/>
+          </a:stretch>
+        </p:blipFill>
+        <p:spPr>
+          <a:xfrm>
+            <a:off x="5958800" y="294183"/>
+            <a:ext cx="5673876" cy="3134817"/>
+          </a:xfrm>
+          <a:prstGeom prst="rect">
+            <a:avLst/>
+          </a:prstGeom>
+        </p:spPr>
+      </p:pic>
+      <p:pic>
+        <p:nvPicPr>
+          <p:cNvPr id="7" name="Picture 6">
+            <a:extLst>
+              <a:ext uri="{FF2B5EF4-FFF2-40B4-BE49-F238E27FC236}">
+                <a16:creationId xmlns:a16="http://schemas.microsoft.com/office/drawing/2014/main" id="{AA24B2B0-FA19-9793-DC5E-EDF150333B24}"/>
+              </a:ext>
+            </a:extLst>
+          </p:cNvPr>
+          <p:cNvPicPr>
+            <a:picLocks noChangeAspect="1"/>
+          </p:cNvPicPr>
+          <p:nvPr/>
+        </p:nvPicPr>
+        <p:blipFill>
+          <a:blip r:embed="rId3"/>
+          <a:stretch>
+            <a:fillRect/>
+          </a:stretch>
+        </p:blipFill>
+        <p:spPr>
+          <a:xfrm>
+            <a:off x="5823749" y="3341856"/>
+            <a:ext cx="6481373" cy="3516144"/>
+          </a:xfrm>
+          <a:prstGeom prst="rect">
+            <a:avLst/>
+          </a:prstGeom>
+        </p:spPr>
+      </p:pic>
+    </p:spTree>
+    <p:extLst>
+      <p:ext uri="{BB962C8B-B14F-4D97-AF65-F5344CB8AC3E}">
+        <p14:creationId xmlns:p14="http://schemas.microsoft.com/office/powerpoint/2010/main" val="3496206486"/>
+      </p:ext>
+    </p:extLst>
+  </p:cSld>
+  <p:clrMapOvr>
+    <a:masterClrMapping/>
+  </p:clrMapOvr>
+</p:sld>
+</file>
+
+<file path=ppt/slides/slide11.xml><?xml version="1.0" encoding="utf-8"?>
+<p:sld xmlns:a="http://schemas.openxmlformats.org/drawingml/2006/main" xmlns:r="http://schemas.openxmlformats.org/officeDocument/2006/relationships" xmlns:p="http://schemas.openxmlformats.org/presentationml/2006/main">
+  <p:cSld>
     <p:spTree>
       <p:nvGrpSpPr>
         <p:cNvPr id="1" name=""/>
@@ -6647,92 +7398,6 @@
 </p:sld>
 </file>
 
-<file path=ppt/slides/slide11.xml><?xml version="1.0" encoding="utf-8"?>
-<p:sld xmlns:a="http://schemas.openxmlformats.org/drawingml/2006/main" xmlns:r="http://schemas.openxmlformats.org/officeDocument/2006/relationships" xmlns:p="http://schemas.openxmlformats.org/presentationml/2006/main">
-  <p:cSld>
-    <p:spTree>
-      <p:nvGrpSpPr>
-        <p:cNvPr id="1" name=""/>
-        <p:cNvGrpSpPr/>
-        <p:nvPr/>
-      </p:nvGrpSpPr>
-      <p:grpSpPr>
-        <a:xfrm>
-          <a:off x="0" y="0"/>
-          <a:ext cx="0" cy="0"/>
-          <a:chOff x="0" y="0"/>
-          <a:chExt cx="0" cy="0"/>
-        </a:xfrm>
-      </p:grpSpPr>
-      <p:sp>
-        <p:nvSpPr>
-          <p:cNvPr id="2" name="Title 1">
-            <a:extLst>
-              <a:ext uri="{FF2B5EF4-FFF2-40B4-BE49-F238E27FC236}">
-                <a16:creationId xmlns:a16="http://schemas.microsoft.com/office/drawing/2014/main" id="{447A74B5-E0BD-2FE4-073A-CF12653E693A}"/>
-              </a:ext>
-            </a:extLst>
-          </p:cNvPr>
-          <p:cNvSpPr>
-            <a:spLocks noGrp="1"/>
-          </p:cNvSpPr>
-          <p:nvPr>
-            <p:ph type="ctrTitle"/>
-          </p:nvPr>
-        </p:nvSpPr>
-        <p:spPr/>
-        <p:txBody>
-          <a:bodyPr/>
-          <a:lstStyle/>
-          <a:p>
-            <a:r>
-              <a:rPr lang="en-US" dirty="0"/>
-              <a:t>Healthcare</a:t>
-            </a:r>
-          </a:p>
-        </p:txBody>
-      </p:sp>
-      <p:sp>
-        <p:nvSpPr>
-          <p:cNvPr id="3" name="Subtitle 2">
-            <a:extLst>
-              <a:ext uri="{FF2B5EF4-FFF2-40B4-BE49-F238E27FC236}">
-                <a16:creationId xmlns:a16="http://schemas.microsoft.com/office/drawing/2014/main" id="{7123102D-6989-1C1A-E414-43CC96A5F011}"/>
-              </a:ext>
-            </a:extLst>
-          </p:cNvPr>
-          <p:cNvSpPr>
-            <a:spLocks noGrp="1"/>
-          </p:cNvSpPr>
-          <p:nvPr>
-            <p:ph type="subTitle" idx="1"/>
-          </p:nvPr>
-        </p:nvSpPr>
-        <p:spPr/>
-        <p:txBody>
-          <a:bodyPr/>
-          <a:lstStyle/>
-          <a:p>
-            <a:r>
-              <a:rPr lang="en-US" dirty="0"/>
-              <a:t>does the number of hospitals in a city impact home pricing  </a:t>
-            </a:r>
-          </a:p>
-        </p:txBody>
-      </p:sp>
-    </p:spTree>
-    <p:extLst>
-      <p:ext uri="{BB962C8B-B14F-4D97-AF65-F5344CB8AC3E}">
-        <p14:creationId xmlns:p14="http://schemas.microsoft.com/office/powerpoint/2010/main" val="3783998158"/>
-      </p:ext>
-    </p:extLst>
-  </p:cSld>
-  <p:clrMapOvr>
-    <a:masterClrMapping/>
-  </p:clrMapOvr>
-</p:sld>
-</file>
-
 <file path=ppt/slides/slide12.xml><?xml version="1.0" encoding="utf-8"?>
 <p:sld xmlns:a="http://schemas.openxmlformats.org/drawingml/2006/main" xmlns:r="http://schemas.openxmlformats.org/officeDocument/2006/relationships" xmlns:p="http://schemas.openxmlformats.org/presentationml/2006/main">
   <p:cSld>
@@ -6755,6 +7420,92 @@
           <p:cNvPr id="2" name="Title 1">
             <a:extLst>
               <a:ext uri="{FF2B5EF4-FFF2-40B4-BE49-F238E27FC236}">
+                <a16:creationId xmlns:a16="http://schemas.microsoft.com/office/drawing/2014/main" id="{447A74B5-E0BD-2FE4-073A-CF12653E693A}"/>
+              </a:ext>
+            </a:extLst>
+          </p:cNvPr>
+          <p:cNvSpPr>
+            <a:spLocks noGrp="1"/>
+          </p:cNvSpPr>
+          <p:nvPr>
+            <p:ph type="ctrTitle"/>
+          </p:nvPr>
+        </p:nvSpPr>
+        <p:spPr/>
+        <p:txBody>
+          <a:bodyPr/>
+          <a:lstStyle/>
+          <a:p>
+            <a:r>
+              <a:rPr lang="en-US" dirty="0"/>
+              <a:t>Healthcare</a:t>
+            </a:r>
+          </a:p>
+        </p:txBody>
+      </p:sp>
+      <p:sp>
+        <p:nvSpPr>
+          <p:cNvPr id="3" name="Subtitle 2">
+            <a:extLst>
+              <a:ext uri="{FF2B5EF4-FFF2-40B4-BE49-F238E27FC236}">
+                <a16:creationId xmlns:a16="http://schemas.microsoft.com/office/drawing/2014/main" id="{7123102D-6989-1C1A-E414-43CC96A5F011}"/>
+              </a:ext>
+            </a:extLst>
+          </p:cNvPr>
+          <p:cNvSpPr>
+            <a:spLocks noGrp="1"/>
+          </p:cNvSpPr>
+          <p:nvPr>
+            <p:ph type="subTitle" idx="1"/>
+          </p:nvPr>
+        </p:nvSpPr>
+        <p:spPr/>
+        <p:txBody>
+          <a:bodyPr/>
+          <a:lstStyle/>
+          <a:p>
+            <a:r>
+              <a:rPr lang="en-US" dirty="0"/>
+              <a:t>does the number of hospitals in a city impact home pricing  </a:t>
+            </a:r>
+          </a:p>
+        </p:txBody>
+      </p:sp>
+    </p:spTree>
+    <p:extLst>
+      <p:ext uri="{BB962C8B-B14F-4D97-AF65-F5344CB8AC3E}">
+        <p14:creationId xmlns:p14="http://schemas.microsoft.com/office/powerpoint/2010/main" val="3783998158"/>
+      </p:ext>
+    </p:extLst>
+  </p:cSld>
+  <p:clrMapOvr>
+    <a:masterClrMapping/>
+  </p:clrMapOvr>
+</p:sld>
+</file>
+
+<file path=ppt/slides/slide13.xml><?xml version="1.0" encoding="utf-8"?>
+<p:sld xmlns:a="http://schemas.openxmlformats.org/drawingml/2006/main" xmlns:r="http://schemas.openxmlformats.org/officeDocument/2006/relationships" xmlns:p="http://schemas.openxmlformats.org/presentationml/2006/main">
+  <p:cSld>
+    <p:spTree>
+      <p:nvGrpSpPr>
+        <p:cNvPr id="1" name=""/>
+        <p:cNvGrpSpPr/>
+        <p:nvPr/>
+      </p:nvGrpSpPr>
+      <p:grpSpPr>
+        <a:xfrm>
+          <a:off x="0" y="0"/>
+          <a:ext cx="0" cy="0"/>
+          <a:chOff x="0" y="0"/>
+          <a:chExt cx="0" cy="0"/>
+        </a:xfrm>
+      </p:grpSpPr>
+      <p:sp>
+        <p:nvSpPr>
+          <p:cNvPr id="2" name="Title 1">
+            <a:extLst>
+              <a:ext uri="{FF2B5EF4-FFF2-40B4-BE49-F238E27FC236}">
                 <a16:creationId xmlns:a16="http://schemas.microsoft.com/office/drawing/2014/main" id="{56A84AA6-A35E-2415-4EA5-FFCBD6455B89}"/>
               </a:ext>
             </a:extLst>
@@ -6919,7 +7670,7 @@
 </p:sld>
 </file>
 
-<file path=ppt/slides/slide13.xml><?xml version="1.0" encoding="utf-8"?>
+<file path=ppt/slides/slide14.xml><?xml version="1.0" encoding="utf-8"?>
 <p:sld xmlns:a="http://schemas.openxmlformats.org/drawingml/2006/main" xmlns:r="http://schemas.openxmlformats.org/officeDocument/2006/relationships" xmlns:p="http://schemas.openxmlformats.org/presentationml/2006/main">
   <p:cSld>
     <p:spTree>
@@ -7021,7 +7772,7 @@
 </p:sld>
 </file>
 
-<file path=ppt/slides/slide14.xml><?xml version="1.0" encoding="utf-8"?>
+<file path=ppt/slides/slide15.xml><?xml version="1.0" encoding="utf-8"?>
 <p:sld xmlns:a="http://schemas.openxmlformats.org/drawingml/2006/main" xmlns:r="http://schemas.openxmlformats.org/officeDocument/2006/relationships" xmlns:p="http://schemas.openxmlformats.org/presentationml/2006/main">
   <p:cSld>
     <p:spTree>
@@ -7255,7 +8006,7 @@
 </p:sld>
 </file>
 
-<file path=ppt/slides/slide15.xml><?xml version="1.0" encoding="utf-8"?>
+<file path=ppt/slides/slide16.xml><?xml version="1.0" encoding="utf-8"?>
 <p:sld xmlns:a="http://schemas.openxmlformats.org/drawingml/2006/main" xmlns:r="http://schemas.openxmlformats.org/officeDocument/2006/relationships" xmlns:p="http://schemas.openxmlformats.org/presentationml/2006/main">
   <p:cSld>
     <p:spTree>
@@ -7587,7 +8338,7 @@
                 <a:effectLst/>
                 <a:latin typeface="Roboto" panose="02000000000000000000" pitchFamily="2" charset="0"/>
               </a:rPr>
-              <a:t>data collection &amp; cleanup,</a:t>
+              <a:t>data collection &amp; cleanup</a:t>
             </a:r>
             <a:endParaRPr lang="en-US" dirty="0"/>
           </a:p>
@@ -8939,6 +9690,146 @@
           <p:cNvPr id="2" name="Title 1">
             <a:extLst>
               <a:ext uri="{FF2B5EF4-FFF2-40B4-BE49-F238E27FC236}">
+                <a16:creationId xmlns:a16="http://schemas.microsoft.com/office/drawing/2014/main" id="{2AFDFEE9-944D-FDA7-0A0A-534143B71004}"/>
+              </a:ext>
+            </a:extLst>
+          </p:cNvPr>
+          <p:cNvSpPr>
+            <a:spLocks noGrp="1"/>
+          </p:cNvSpPr>
+          <p:nvPr>
+            <p:ph type="title"/>
+          </p:nvPr>
+        </p:nvSpPr>
+        <p:spPr/>
+        <p:txBody>
+          <a:bodyPr/>
+          <a:lstStyle/>
+          <a:p>
+            <a:r>
+              <a:rPr lang="en-US" b="0" i="0" dirty="0">
+                <a:solidFill>
+                  <a:srgbClr val="2B2B2B"/>
+                </a:solidFill>
+                <a:effectLst/>
+                <a:latin typeface="Roboto" panose="02000000000000000000" pitchFamily="2" charset="0"/>
+              </a:rPr>
+              <a:t>data collection &amp; cleanup</a:t>
+            </a:r>
+            <a:endParaRPr lang="en-US" dirty="0"/>
+          </a:p>
+        </p:txBody>
+      </p:sp>
+      <p:sp>
+        <p:nvSpPr>
+          <p:cNvPr id="3" name="Content Placeholder 2">
+            <a:extLst>
+              <a:ext uri="{FF2B5EF4-FFF2-40B4-BE49-F238E27FC236}">
+                <a16:creationId xmlns:a16="http://schemas.microsoft.com/office/drawing/2014/main" id="{D615F34F-1593-E2D2-F512-143B6061ADB6}"/>
+              </a:ext>
+            </a:extLst>
+          </p:cNvPr>
+          <p:cNvSpPr>
+            <a:spLocks noGrp="1"/>
+          </p:cNvSpPr>
+          <p:nvPr>
+            <p:ph idx="1"/>
+          </p:nvPr>
+        </p:nvSpPr>
+        <p:spPr/>
+        <p:txBody>
+          <a:bodyPr/>
+          <a:lstStyle/>
+          <a:p>
+            <a:r>
+              <a:rPr lang="en-US" dirty="0"/>
+              <a:t>After getting the typical home value for 19 Colorado cities, we used </a:t>
+            </a:r>
+            <a:r>
+              <a:rPr lang="en-US" dirty="0" err="1"/>
+              <a:t>Geoapify</a:t>
+            </a:r>
+            <a:r>
+              <a:rPr lang="en-US" dirty="0"/>
+              <a:t> to get coordinates for each city</a:t>
+            </a:r>
+          </a:p>
+          <a:p>
+            <a:endParaRPr lang="en-US" dirty="0"/>
+          </a:p>
+          <a:p>
+            <a:r>
+              <a:rPr lang="en-US" dirty="0"/>
+              <a:t>Using the </a:t>
+            </a:r>
+            <a:r>
+              <a:rPr lang="en-US" dirty="0" err="1"/>
+              <a:t>coords</a:t>
+            </a:r>
+            <a:r>
+              <a:rPr lang="en-US" dirty="0"/>
+              <a:t> for each city, we explored the different categories on the </a:t>
+            </a:r>
+            <a:r>
+              <a:rPr lang="en-US" dirty="0" err="1"/>
+              <a:t>Geoapify</a:t>
+            </a:r>
+            <a:r>
+              <a:rPr lang="en-US" dirty="0"/>
+              <a:t> Places API</a:t>
+            </a:r>
+          </a:p>
+          <a:p>
+            <a:pPr lvl="1"/>
+            <a:r>
+              <a:rPr lang="en-US" dirty="0"/>
+              <a:t>How many of each feature is within x radius from city</a:t>
+            </a:r>
+          </a:p>
+          <a:p>
+            <a:pPr lvl="1"/>
+            <a:r>
+              <a:rPr lang="en-US" dirty="0"/>
+              <a:t>How does this relate to home value?</a:t>
+            </a:r>
+          </a:p>
+        </p:txBody>
+      </p:sp>
+    </p:spTree>
+    <p:extLst>
+      <p:ext uri="{BB962C8B-B14F-4D97-AF65-F5344CB8AC3E}">
+        <p14:creationId xmlns:p14="http://schemas.microsoft.com/office/powerpoint/2010/main" val="2427319144"/>
+      </p:ext>
+    </p:extLst>
+  </p:cSld>
+  <p:clrMapOvr>
+    <a:masterClrMapping/>
+  </p:clrMapOvr>
+</p:sld>
+</file>
+
+<file path=ppt/slides/slide8.xml><?xml version="1.0" encoding="utf-8"?>
+<p:sld xmlns:a="http://schemas.openxmlformats.org/drawingml/2006/main" xmlns:r="http://schemas.openxmlformats.org/officeDocument/2006/relationships" xmlns:p="http://schemas.openxmlformats.org/presentationml/2006/main">
+  <p:cSld>
+    <p:spTree>
+      <p:nvGrpSpPr>
+        <p:cNvPr id="1" name=""/>
+        <p:cNvGrpSpPr/>
+        <p:nvPr/>
+      </p:nvGrpSpPr>
+      <p:grpSpPr>
+        <a:xfrm>
+          <a:off x="0" y="0"/>
+          <a:ext cx="0" cy="0"/>
+          <a:chOff x="0" y="0"/>
+          <a:chExt cx="0" cy="0"/>
+        </a:xfrm>
+      </p:grpSpPr>
+      <p:sp>
+        <p:nvSpPr>
+          <p:cNvPr id="2" name="Title 1">
+            <a:extLst>
+              <a:ext uri="{FF2B5EF4-FFF2-40B4-BE49-F238E27FC236}">
                 <a16:creationId xmlns:a16="http://schemas.microsoft.com/office/drawing/2014/main" id="{8DBD18E2-3EDD-11CD-035E-587B93AE4143}"/>
               </a:ext>
             </a:extLst>
@@ -9080,7 +9971,7 @@
 </p:sld>
 </file>
 
-<file path=ppt/slides/slide8.xml><?xml version="1.0" encoding="utf-8"?>
+<file path=ppt/slides/slide9.xml><?xml version="1.0" encoding="utf-8"?>
 <p:sld xmlns:a="http://schemas.openxmlformats.org/drawingml/2006/main" xmlns:r="http://schemas.openxmlformats.org/officeDocument/2006/relationships" xmlns:p="http://schemas.openxmlformats.org/presentationml/2006/main">
   <p:cSld>
     <p:bg>
@@ -9820,756 +10711,6 @@
     <p:extLst>
       <p:ext uri="{BB962C8B-B14F-4D97-AF65-F5344CB8AC3E}">
         <p14:creationId xmlns:p14="http://schemas.microsoft.com/office/powerpoint/2010/main" val="500679354"/>
-      </p:ext>
-    </p:extLst>
-  </p:cSld>
-  <p:clrMapOvr>
-    <a:masterClrMapping/>
-  </p:clrMapOvr>
-</p:sld>
-</file>
-
-<file path=ppt/slides/slide9.xml><?xml version="1.0" encoding="utf-8"?>
-<p:sld xmlns:a="http://schemas.openxmlformats.org/drawingml/2006/main" xmlns:r="http://schemas.openxmlformats.org/officeDocument/2006/relationships" xmlns:p="http://schemas.openxmlformats.org/presentationml/2006/main">
-  <p:cSld>
-    <p:bg>
-      <p:bgPr>
-        <a:solidFill>
-          <a:schemeClr val="bg1"/>
-        </a:solidFill>
-        <a:effectLst/>
-      </p:bgPr>
-    </p:bg>
-    <p:spTree>
-      <p:nvGrpSpPr>
-        <p:cNvPr id="1" name=""/>
-        <p:cNvGrpSpPr/>
-        <p:nvPr/>
-      </p:nvGrpSpPr>
-      <p:grpSpPr>
-        <a:xfrm>
-          <a:off x="0" y="0"/>
-          <a:ext cx="0" cy="0"/>
-          <a:chOff x="0" y="0"/>
-          <a:chExt cx="0" cy="0"/>
-        </a:xfrm>
-      </p:grpSpPr>
-      <p:sp useBgFill="1">
-        <p:nvSpPr>
-          <p:cNvPr id="14" name="Rectangle 13">
-            <a:extLst>
-              <a:ext uri="{FF2B5EF4-FFF2-40B4-BE49-F238E27FC236}">
-                <a16:creationId xmlns:a16="http://schemas.microsoft.com/office/drawing/2014/main" id="{115719BB-48A7-4AF4-BB91-DC82E0DF727D}"/>
-              </a:ext>
-              <a:ext uri="{C183D7F6-B498-43B3-948B-1728B52AA6E4}">
-                <adec:decorative xmlns:adec="http://schemas.microsoft.com/office/drawing/2017/decorative" val="1"/>
-              </a:ext>
-            </a:extLst>
-          </p:cNvPr>
-          <p:cNvSpPr>
-            <a:spLocks noGrp="1" noRot="1" noChangeAspect="1" noMove="1" noResize="1" noEditPoints="1" noAdjustHandles="1" noChangeArrowheads="1" noChangeShapeType="1" noTextEdit="1"/>
-          </p:cNvSpPr>
-          <p:nvPr>
-            <p:extLst>
-              <p:ext uri="{386F3935-93C4-4BCD-93E2-E3B085C9AB24}">
-                <p16:designElem xmlns:p16="http://schemas.microsoft.com/office/powerpoint/2015/main" val="1"/>
-              </p:ext>
-            </p:extLst>
-          </p:nvPr>
-        </p:nvSpPr>
-        <p:spPr>
-          <a:xfrm>
-            <a:off x="0" y="0"/>
-            <a:ext cx="12192000" cy="6858000"/>
-          </a:xfrm>
-          <a:prstGeom prst="rect">
-            <a:avLst/>
-          </a:prstGeom>
-          <a:ln>
-            <a:noFill/>
-          </a:ln>
-        </p:spPr>
-        <p:style>
-          <a:lnRef idx="2">
-            <a:schemeClr val="accent1">
-              <a:shade val="50000"/>
-            </a:schemeClr>
-          </a:lnRef>
-          <a:fillRef idx="1">
-            <a:schemeClr val="accent1"/>
-          </a:fillRef>
-          <a:effectRef idx="0">
-            <a:schemeClr val="accent1"/>
-          </a:effectRef>
-          <a:fontRef idx="minor">
-            <a:schemeClr val="lt1"/>
-          </a:fontRef>
-        </p:style>
-        <p:txBody>
-          <a:bodyPr rtlCol="0" anchor="ctr"/>
-          <a:lstStyle/>
-          <a:p>
-            <a:pPr algn="ctr"/>
-            <a:endParaRPr lang="en-US"/>
-          </a:p>
-        </p:txBody>
-      </p:sp>
-      <p:sp useBgFill="1">
-        <p:nvSpPr>
-          <p:cNvPr id="16" name="Freeform: Shape 15">
-            <a:extLst>
-              <a:ext uri="{FF2B5EF4-FFF2-40B4-BE49-F238E27FC236}">
-                <a16:creationId xmlns:a16="http://schemas.microsoft.com/office/drawing/2014/main" id="{10973A55-5440-4A99-B526-B5812E46271E}"/>
-              </a:ext>
-              <a:ext uri="{C183D7F6-B498-43B3-948B-1728B52AA6E4}">
-                <adec:decorative xmlns:adec="http://schemas.microsoft.com/office/drawing/2017/decorative" val="1"/>
-              </a:ext>
-            </a:extLst>
-          </p:cNvPr>
-          <p:cNvSpPr>
-            <a:spLocks noGrp="1" noRot="1" noChangeAspect="1" noMove="1" noResize="1" noEditPoints="1" noAdjustHandles="1" noChangeArrowheads="1" noChangeShapeType="1" noTextEdit="1"/>
-          </p:cNvSpPr>
-          <p:nvPr>
-            <p:extLst>
-              <p:ext uri="{386F3935-93C4-4BCD-93E2-E3B085C9AB24}">
-                <p16:designElem xmlns:p16="http://schemas.microsoft.com/office/powerpoint/2015/main" val="1"/>
-              </p:ext>
-            </p:extLst>
-          </p:nvPr>
-        </p:nvSpPr>
-        <p:spPr>
-          <a:xfrm>
-            <a:off x="-1" y="0"/>
-            <a:ext cx="6096002" cy="6858000"/>
-          </a:xfrm>
-          <a:custGeom>
-            <a:avLst/>
-            <a:gdLst>
-              <a:gd name="connsiteX0" fmla="*/ 0 w 6096002"/>
-              <a:gd name="connsiteY0" fmla="*/ 0 h 6858000"/>
-              <a:gd name="connsiteX1" fmla="*/ 4885967 w 6096002"/>
-              <a:gd name="connsiteY1" fmla="*/ 0 h 6858000"/>
-              <a:gd name="connsiteX2" fmla="*/ 4946007 w 6096002"/>
-              <a:gd name="connsiteY2" fmla="*/ 69271 h 6858000"/>
-              <a:gd name="connsiteX3" fmla="*/ 6096002 w 6096002"/>
-              <a:gd name="connsiteY3" fmla="*/ 3429000 h 6858000"/>
-              <a:gd name="connsiteX4" fmla="*/ 4946007 w 6096002"/>
-              <a:gd name="connsiteY4" fmla="*/ 6788730 h 6858000"/>
-              <a:gd name="connsiteX5" fmla="*/ 4885967 w 6096002"/>
-              <a:gd name="connsiteY5" fmla="*/ 6858000 h 6858000"/>
-              <a:gd name="connsiteX6" fmla="*/ 0 w 6096002"/>
-              <a:gd name="connsiteY6" fmla="*/ 6858000 h 6858000"/>
-            </a:gdLst>
-            <a:ahLst/>
-            <a:cxnLst>
-              <a:cxn ang="0">
-                <a:pos x="connsiteX0" y="connsiteY0"/>
-              </a:cxn>
-              <a:cxn ang="0">
-                <a:pos x="connsiteX1" y="connsiteY1"/>
-              </a:cxn>
-              <a:cxn ang="0">
-                <a:pos x="connsiteX2" y="connsiteY2"/>
-              </a:cxn>
-              <a:cxn ang="0">
-                <a:pos x="connsiteX3" y="connsiteY3"/>
-              </a:cxn>
-              <a:cxn ang="0">
-                <a:pos x="connsiteX4" y="connsiteY4"/>
-              </a:cxn>
-              <a:cxn ang="0">
-                <a:pos x="connsiteX5" y="connsiteY5"/>
-              </a:cxn>
-              <a:cxn ang="0">
-                <a:pos x="connsiteX6" y="connsiteY6"/>
-              </a:cxn>
-            </a:cxnLst>
-            <a:rect l="l" t="t" r="r" b="b"/>
-            <a:pathLst>
-              <a:path w="6096002" h="6858000">
-                <a:moveTo>
-                  <a:pt x="0" y="0"/>
-                </a:moveTo>
-                <a:lnTo>
-                  <a:pt x="4885967" y="0"/>
-                </a:lnTo>
-                <a:lnTo>
-                  <a:pt x="4946007" y="69271"/>
-                </a:lnTo>
-                <a:cubicBezTo>
-                  <a:pt x="5656533" y="929100"/>
-                  <a:pt x="6096002" y="2116944"/>
-                  <a:pt x="6096002" y="3429000"/>
-                </a:cubicBezTo>
-                <a:cubicBezTo>
-                  <a:pt x="6096002" y="4741056"/>
-                  <a:pt x="5656533" y="5928900"/>
-                  <a:pt x="4946007" y="6788730"/>
-                </a:cubicBezTo>
-                <a:lnTo>
-                  <a:pt x="4885967" y="6858000"/>
-                </a:lnTo>
-                <a:lnTo>
-                  <a:pt x="0" y="6858000"/>
-                </a:lnTo>
-                <a:close/>
-              </a:path>
-            </a:pathLst>
-          </a:custGeom>
-          <a:ln w="9525">
-            <a:solidFill>
-              <a:srgbClr val="EFEFEF"/>
-            </a:solidFill>
-          </a:ln>
-          <a:effectLst>
-            <a:outerShdw blurRad="88900" dist="38100" algn="l" rotWithShape="0">
-              <a:schemeClr val="bg1">
-                <a:lumMod val="85000"/>
-                <a:alpha val="50000"/>
-              </a:schemeClr>
-            </a:outerShdw>
-          </a:effectLst>
-        </p:spPr>
-        <p:style>
-          <a:lnRef idx="2">
-            <a:schemeClr val="accent1">
-              <a:shade val="50000"/>
-            </a:schemeClr>
-          </a:lnRef>
-          <a:fillRef idx="1">
-            <a:schemeClr val="accent1"/>
-          </a:fillRef>
-          <a:effectRef idx="0">
-            <a:schemeClr val="accent1"/>
-          </a:effectRef>
-          <a:fontRef idx="minor">
-            <a:schemeClr val="lt1"/>
-          </a:fontRef>
-        </p:style>
-        <p:txBody>
-          <a:bodyPr wrap="square" rtlCol="0" anchor="ctr">
-            <a:noAutofit/>
-          </a:bodyPr>
-          <a:lstStyle/>
-          <a:p>
-            <a:pPr marL="0" marR="0" lvl="0" indent="0" algn="ctr" defTabSz="914400" rtl="0" eaLnBrk="1" fontAlgn="auto" latinLnBrk="0" hangingPunct="1">
-              <a:lnSpc>
-                <a:spcPct val="100000"/>
-              </a:lnSpc>
-              <a:spcBef>
-                <a:spcPts val="0"/>
-              </a:spcBef>
-              <a:spcAft>
-                <a:spcPts val="0"/>
-              </a:spcAft>
-              <a:buClrTx/>
-              <a:buSzTx/>
-              <a:buFontTx/>
-              <a:buNone/>
-              <a:tabLst/>
-              <a:defRPr/>
-            </a:pPr>
-            <a:endParaRPr kumimoji="0" lang="en-US" sz="1800" b="0" i="0" u="none" strike="noStrike" kern="1200" cap="none" spc="0" normalizeH="0" baseline="0" noProof="0">
-              <a:ln>
-                <a:noFill/>
-              </a:ln>
-              <a:solidFill>
-                <a:prstClr val="white"/>
-              </a:solidFill>
-              <a:effectLst/>
-              <a:uLnTx/>
-              <a:uFillTx/>
-              <a:latin typeface="Calibri" panose="020F0502020204030204"/>
-              <a:ea typeface="+mn-ea"/>
-              <a:cs typeface="+mn-cs"/>
-            </a:endParaRPr>
-          </a:p>
-        </p:txBody>
-      </p:sp>
-      <p:sp useBgFill="1">
-        <p:nvSpPr>
-          <p:cNvPr id="18" name="Freeform: Shape 17">
-            <a:extLst>
-              <a:ext uri="{FF2B5EF4-FFF2-40B4-BE49-F238E27FC236}">
-                <a16:creationId xmlns:a16="http://schemas.microsoft.com/office/drawing/2014/main" id="{A9682493-588A-4D52-98F6-FBBD80C07ECB}"/>
-              </a:ext>
-              <a:ext uri="{C183D7F6-B498-43B3-948B-1728B52AA6E4}">
-                <adec:decorative xmlns:adec="http://schemas.microsoft.com/office/drawing/2017/decorative" val="1"/>
-              </a:ext>
-            </a:extLst>
-          </p:cNvPr>
-          <p:cNvSpPr>
-            <a:spLocks noGrp="1" noRot="1" noChangeAspect="1" noMove="1" noResize="1" noEditPoints="1" noAdjustHandles="1" noChangeArrowheads="1" noChangeShapeType="1" noTextEdit="1"/>
-          </p:cNvSpPr>
-          <p:nvPr>
-            <p:extLst>
-              <p:ext uri="{386F3935-93C4-4BCD-93E2-E3B085C9AB24}">
-                <p16:designElem xmlns:p16="http://schemas.microsoft.com/office/powerpoint/2015/main" val="1"/>
-              </p:ext>
-            </p:extLst>
-          </p:nvPr>
-        </p:nvSpPr>
-        <p:spPr>
-          <a:xfrm>
-            <a:off x="0" y="0"/>
-            <a:ext cx="6085370" cy="6858000"/>
-          </a:xfrm>
-          <a:custGeom>
-            <a:avLst/>
-            <a:gdLst>
-              <a:gd name="connsiteX0" fmla="*/ 0 w 6085370"/>
-              <a:gd name="connsiteY0" fmla="*/ 0 h 6858000"/>
-              <a:gd name="connsiteX1" fmla="*/ 4875335 w 6085370"/>
-              <a:gd name="connsiteY1" fmla="*/ 0 h 6858000"/>
-              <a:gd name="connsiteX2" fmla="*/ 4935375 w 6085370"/>
-              <a:gd name="connsiteY2" fmla="*/ 69271 h 6858000"/>
-              <a:gd name="connsiteX3" fmla="*/ 6085370 w 6085370"/>
-              <a:gd name="connsiteY3" fmla="*/ 3429000 h 6858000"/>
-              <a:gd name="connsiteX4" fmla="*/ 4935375 w 6085370"/>
-              <a:gd name="connsiteY4" fmla="*/ 6788730 h 6858000"/>
-              <a:gd name="connsiteX5" fmla="*/ 4875335 w 6085370"/>
-              <a:gd name="connsiteY5" fmla="*/ 6858000 h 6858000"/>
-              <a:gd name="connsiteX6" fmla="*/ 0 w 6085370"/>
-              <a:gd name="connsiteY6" fmla="*/ 6858000 h 6858000"/>
-            </a:gdLst>
-            <a:ahLst/>
-            <a:cxnLst>
-              <a:cxn ang="0">
-                <a:pos x="connsiteX0" y="connsiteY0"/>
-              </a:cxn>
-              <a:cxn ang="0">
-                <a:pos x="connsiteX1" y="connsiteY1"/>
-              </a:cxn>
-              <a:cxn ang="0">
-                <a:pos x="connsiteX2" y="connsiteY2"/>
-              </a:cxn>
-              <a:cxn ang="0">
-                <a:pos x="connsiteX3" y="connsiteY3"/>
-              </a:cxn>
-              <a:cxn ang="0">
-                <a:pos x="connsiteX4" y="connsiteY4"/>
-              </a:cxn>
-              <a:cxn ang="0">
-                <a:pos x="connsiteX5" y="connsiteY5"/>
-              </a:cxn>
-              <a:cxn ang="0">
-                <a:pos x="connsiteX6" y="connsiteY6"/>
-              </a:cxn>
-            </a:cxnLst>
-            <a:rect l="l" t="t" r="r" b="b"/>
-            <a:pathLst>
-              <a:path w="6085370" h="6858000">
-                <a:moveTo>
-                  <a:pt x="0" y="0"/>
-                </a:moveTo>
-                <a:lnTo>
-                  <a:pt x="4875335" y="0"/>
-                </a:lnTo>
-                <a:lnTo>
-                  <a:pt x="4935375" y="69271"/>
-                </a:lnTo>
-                <a:cubicBezTo>
-                  <a:pt x="5645901" y="929100"/>
-                  <a:pt x="6085370" y="2116944"/>
-                  <a:pt x="6085370" y="3429000"/>
-                </a:cubicBezTo>
-                <a:cubicBezTo>
-                  <a:pt x="6085370" y="4741056"/>
-                  <a:pt x="5645901" y="5928900"/>
-                  <a:pt x="4935375" y="6788730"/>
-                </a:cubicBezTo>
-                <a:lnTo>
-                  <a:pt x="4875335" y="6858000"/>
-                </a:lnTo>
-                <a:lnTo>
-                  <a:pt x="0" y="6858000"/>
-                </a:lnTo>
-                <a:close/>
-              </a:path>
-            </a:pathLst>
-          </a:custGeom>
-          <a:ln w="9525">
-            <a:noFill/>
-          </a:ln>
-          <a:effectLst/>
-        </p:spPr>
-        <p:style>
-          <a:lnRef idx="2">
-            <a:schemeClr val="accent1">
-              <a:shade val="50000"/>
-            </a:schemeClr>
-          </a:lnRef>
-          <a:fillRef idx="1">
-            <a:schemeClr val="accent1"/>
-          </a:fillRef>
-          <a:effectRef idx="0">
-            <a:schemeClr val="accent1"/>
-          </a:effectRef>
-          <a:fontRef idx="minor">
-            <a:schemeClr val="lt1"/>
-          </a:fontRef>
-        </p:style>
-        <p:txBody>
-          <a:bodyPr wrap="square" rtlCol="0" anchor="ctr">
-            <a:noAutofit/>
-          </a:bodyPr>
-          <a:lstStyle/>
-          <a:p>
-            <a:pPr marL="0" marR="0" lvl="0" indent="0" algn="ctr" defTabSz="914400" rtl="0" eaLnBrk="1" fontAlgn="auto" latinLnBrk="0" hangingPunct="1">
-              <a:lnSpc>
-                <a:spcPct val="100000"/>
-              </a:lnSpc>
-              <a:spcBef>
-                <a:spcPts val="0"/>
-              </a:spcBef>
-              <a:spcAft>
-                <a:spcPts val="0"/>
-              </a:spcAft>
-              <a:buClrTx/>
-              <a:buSzTx/>
-              <a:buFontTx/>
-              <a:buNone/>
-              <a:tabLst/>
-              <a:defRPr/>
-            </a:pPr>
-            <a:endParaRPr kumimoji="0" lang="en-US" sz="1800" b="0" i="0" u="none" strike="noStrike" kern="1200" cap="none" spc="0" normalizeH="0" baseline="0" noProof="0">
-              <a:ln>
-                <a:noFill/>
-              </a:ln>
-              <a:solidFill>
-                <a:prstClr val="white"/>
-              </a:solidFill>
-              <a:effectLst/>
-              <a:uLnTx/>
-              <a:uFillTx/>
-              <a:latin typeface="Calibri" panose="020F0502020204030204"/>
-              <a:ea typeface="+mn-ea"/>
-              <a:cs typeface="+mn-cs"/>
-            </a:endParaRPr>
-          </a:p>
-        </p:txBody>
-      </p:sp>
-      <p:sp>
-        <p:nvSpPr>
-          <p:cNvPr id="2" name="Title 1">
-            <a:extLst>
-              <a:ext uri="{FF2B5EF4-FFF2-40B4-BE49-F238E27FC236}">
-                <a16:creationId xmlns:a16="http://schemas.microsoft.com/office/drawing/2014/main" id="{AA8476FD-ED7D-33A4-13B0-0560C0D3B77B}"/>
-              </a:ext>
-            </a:extLst>
-          </p:cNvPr>
-          <p:cNvSpPr>
-            <a:spLocks noGrp="1"/>
-          </p:cNvSpPr>
-          <p:nvPr>
-            <p:ph type="title"/>
-          </p:nvPr>
-        </p:nvSpPr>
-        <p:spPr>
-          <a:xfrm>
-            <a:off x="438913" y="859536"/>
-            <a:ext cx="4832802" cy="1170432"/>
-          </a:xfrm>
-        </p:spPr>
-        <p:txBody>
-          <a:bodyPr anchor="b">
-            <a:normAutofit/>
-          </a:bodyPr>
-          <a:lstStyle/>
-          <a:p>
-            <a:r>
-              <a:rPr lang="en-US" sz="3400"/>
-              <a:t>Park Data</a:t>
-            </a:r>
-          </a:p>
-        </p:txBody>
-      </p:sp>
-      <p:sp>
-        <p:nvSpPr>
-          <p:cNvPr id="20" name="Rectangle 19">
-            <a:extLst>
-              <a:ext uri="{FF2B5EF4-FFF2-40B4-BE49-F238E27FC236}">
-                <a16:creationId xmlns:a16="http://schemas.microsoft.com/office/drawing/2014/main" id="{FBEC5A7A-ADE4-48D9-B89C-2BA1C9110632}"/>
-              </a:ext>
-              <a:ext uri="{C183D7F6-B498-43B3-948B-1728B52AA6E4}">
-                <adec:decorative xmlns:adec="http://schemas.microsoft.com/office/drawing/2017/decorative" val="1"/>
-              </a:ext>
-            </a:extLst>
-          </p:cNvPr>
-          <p:cNvSpPr>
-            <a:spLocks noGrp="1" noRot="1" noChangeAspect="1" noMove="1" noResize="1" noEditPoints="1" noAdjustHandles="1" noChangeArrowheads="1" noChangeShapeType="1" noTextEdit="1"/>
-          </p:cNvSpPr>
-          <p:nvPr>
-            <p:extLst>
-              <p:ext uri="{386F3935-93C4-4BCD-93E2-E3B085C9AB24}">
-                <p16:designElem xmlns:p16="http://schemas.microsoft.com/office/powerpoint/2015/main" val="1"/>
-              </p:ext>
-            </p:extLst>
-          </p:nvPr>
-        </p:nvSpPr>
-        <p:spPr>
-          <a:xfrm rot="5400000">
-            <a:off x="703236" y="363389"/>
-            <a:ext cx="73152" cy="548640"/>
-          </a:xfrm>
-          <a:prstGeom prst="rect">
-            <a:avLst/>
-          </a:prstGeom>
-          <a:solidFill>
-            <a:schemeClr val="accent2"/>
-          </a:solidFill>
-          <a:ln>
-            <a:noFill/>
-          </a:ln>
-        </p:spPr>
-        <p:style>
-          <a:lnRef idx="2">
-            <a:schemeClr val="accent1">
-              <a:shade val="50000"/>
-            </a:schemeClr>
-          </a:lnRef>
-          <a:fillRef idx="1">
-            <a:schemeClr val="accent1"/>
-          </a:fillRef>
-          <a:effectRef idx="0">
-            <a:schemeClr val="accent1"/>
-          </a:effectRef>
-          <a:fontRef idx="minor">
-            <a:schemeClr val="lt1"/>
-          </a:fontRef>
-        </p:style>
-        <p:txBody>
-          <a:bodyPr rtlCol="0" anchor="ctr"/>
-          <a:lstStyle/>
-          <a:p>
-            <a:pPr algn="ctr"/>
-            <a:endParaRPr lang="en-US">
-              <a:solidFill>
-                <a:prstClr val="white"/>
-              </a:solidFill>
-              <a:latin typeface="Calibri" panose="020F0502020204030204"/>
-            </a:endParaRPr>
-          </a:p>
-        </p:txBody>
-      </p:sp>
-      <p:sp>
-        <p:nvSpPr>
-          <p:cNvPr id="22" name="Rectangle 21">
-            <a:extLst>
-              <a:ext uri="{FF2B5EF4-FFF2-40B4-BE49-F238E27FC236}">
-                <a16:creationId xmlns:a16="http://schemas.microsoft.com/office/drawing/2014/main" id="{82095FCE-EF05-4443-B97A-85DEE3A5CA17}"/>
-              </a:ext>
-              <a:ext uri="{C183D7F6-B498-43B3-948B-1728B52AA6E4}">
-                <adec:decorative xmlns:adec="http://schemas.microsoft.com/office/drawing/2017/decorative" val="1"/>
-              </a:ext>
-            </a:extLst>
-          </p:cNvPr>
-          <p:cNvSpPr>
-            <a:spLocks noGrp="1" noRot="1" noChangeAspect="1" noMove="1" noResize="1" noEditPoints="1" noAdjustHandles="1" noChangeArrowheads="1" noChangeShapeType="1" noTextEdit="1"/>
-          </p:cNvSpPr>
-          <p:nvPr>
-            <p:extLst>
-              <p:ext uri="{386F3935-93C4-4BCD-93E2-E3B085C9AB24}">
-                <p16:designElem xmlns:p16="http://schemas.microsoft.com/office/powerpoint/2015/main" val="1"/>
-              </p:ext>
-            </p:extLst>
-          </p:nvPr>
-        </p:nvSpPr>
-        <p:spPr>
-          <a:xfrm>
-            <a:off x="465492" y="2185062"/>
-            <a:ext cx="4937760" cy="18288"/>
-          </a:xfrm>
-          <a:prstGeom prst="rect">
-            <a:avLst/>
-          </a:prstGeom>
-          <a:solidFill>
-            <a:srgbClr val="D5D5D5"/>
-          </a:solidFill>
-          <a:ln w="3175">
-            <a:noFill/>
-          </a:ln>
-          <a:effectLst/>
-        </p:spPr>
-        <p:style>
-          <a:lnRef idx="2">
-            <a:schemeClr val="accent1">
-              <a:shade val="50000"/>
-            </a:schemeClr>
-          </a:lnRef>
-          <a:fillRef idx="1">
-            <a:schemeClr val="accent1"/>
-          </a:fillRef>
-          <a:effectRef idx="0">
-            <a:schemeClr val="accent1"/>
-          </a:effectRef>
-          <a:fontRef idx="minor">
-            <a:schemeClr val="lt1"/>
-          </a:fontRef>
-        </p:style>
-        <p:txBody>
-          <a:bodyPr rtlCol="0" anchor="ctr"/>
-          <a:lstStyle/>
-          <a:p>
-            <a:pPr marL="0" marR="0" lvl="0" indent="0" algn="ctr" defTabSz="914400" rtl="0" eaLnBrk="1" fontAlgn="auto" latinLnBrk="0" hangingPunct="1">
-              <a:lnSpc>
-                <a:spcPct val="100000"/>
-              </a:lnSpc>
-              <a:spcBef>
-                <a:spcPts val="0"/>
-              </a:spcBef>
-              <a:spcAft>
-                <a:spcPts val="0"/>
-              </a:spcAft>
-              <a:buClrTx/>
-              <a:buSzTx/>
-              <a:buFontTx/>
-              <a:buNone/>
-              <a:tabLst/>
-              <a:defRPr/>
-            </a:pPr>
-            <a:endParaRPr kumimoji="0" lang="en-US" sz="1800" b="0" i="0" u="none" strike="noStrike" kern="1200" cap="none" spc="0" normalizeH="0" baseline="0" noProof="0">
-              <a:ln>
-                <a:noFill/>
-              </a:ln>
-              <a:solidFill>
-                <a:prstClr val="white"/>
-              </a:solidFill>
-              <a:effectLst/>
-              <a:uLnTx/>
-              <a:uFillTx/>
-              <a:latin typeface="Calibri" panose="020F0502020204030204"/>
-              <a:ea typeface="+mn-ea"/>
-              <a:cs typeface="+mn-cs"/>
-            </a:endParaRPr>
-          </a:p>
-        </p:txBody>
-      </p:sp>
-      <p:sp>
-        <p:nvSpPr>
-          <p:cNvPr id="11" name="Content Placeholder 10">
-            <a:extLst>
-              <a:ext uri="{FF2B5EF4-FFF2-40B4-BE49-F238E27FC236}">
-                <a16:creationId xmlns:a16="http://schemas.microsoft.com/office/drawing/2014/main" id="{D676152A-A8FD-283A-8776-E919A481B5D6}"/>
-              </a:ext>
-            </a:extLst>
-          </p:cNvPr>
-          <p:cNvSpPr>
-            <a:spLocks noGrp="1"/>
-          </p:cNvSpPr>
-          <p:nvPr>
-            <p:ph idx="1"/>
-          </p:nvPr>
-        </p:nvSpPr>
-        <p:spPr>
-          <a:xfrm>
-            <a:off x="438912" y="2512611"/>
-            <a:ext cx="4832803" cy="3664351"/>
-          </a:xfrm>
-        </p:spPr>
-        <p:txBody>
-          <a:bodyPr>
-            <a:normAutofit/>
-          </a:bodyPr>
-          <a:lstStyle/>
-          <a:p>
-            <a:r>
-              <a:rPr lang="en-US" sz="1800" dirty="0"/>
-              <a:t>Radius – 3 km</a:t>
-            </a:r>
-          </a:p>
-          <a:p>
-            <a:endParaRPr lang="en-US" sz="1800" dirty="0"/>
-          </a:p>
-          <a:p>
-            <a:r>
-              <a:rPr lang="en-US" sz="1800" dirty="0"/>
-              <a:t>Golden has A LOT of parks!?</a:t>
-            </a:r>
-          </a:p>
-          <a:p>
-            <a:endParaRPr lang="en-US" sz="1800" dirty="0"/>
-          </a:p>
-          <a:p>
-            <a:r>
-              <a:rPr lang="en-US" sz="1800" dirty="0"/>
-              <a:t>The number of parks does not seem to be strongly correlated to Typical Home Value with a calculated </a:t>
-            </a:r>
-            <a:r>
-              <a:rPr lang="en-US" sz="1800" dirty="0" err="1"/>
-              <a:t>r-value</a:t>
-            </a:r>
-            <a:r>
-              <a:rPr lang="en-US" sz="1800" dirty="0"/>
-              <a:t> of -0.15.</a:t>
-            </a:r>
-          </a:p>
-        </p:txBody>
-      </p:sp>
-      <p:pic>
-        <p:nvPicPr>
-          <p:cNvPr id="5" name="Content Placeholder 4">
-            <a:extLst>
-              <a:ext uri="{FF2B5EF4-FFF2-40B4-BE49-F238E27FC236}">
-                <a16:creationId xmlns:a16="http://schemas.microsoft.com/office/drawing/2014/main" id="{95C03CB6-8288-7A43-1F25-A44047F1C63B}"/>
-              </a:ext>
-            </a:extLst>
-          </p:cNvPr>
-          <p:cNvPicPr>
-            <a:picLocks noChangeAspect="1"/>
-          </p:cNvPicPr>
-          <p:nvPr/>
-        </p:nvPicPr>
-        <p:blipFill>
-          <a:blip r:embed="rId2"/>
-          <a:stretch>
-            <a:fillRect/>
-          </a:stretch>
-        </p:blipFill>
-        <p:spPr>
-          <a:xfrm>
-            <a:off x="5958800" y="294183"/>
-            <a:ext cx="5673876" cy="3134817"/>
-          </a:xfrm>
-          <a:prstGeom prst="rect">
-            <a:avLst/>
-          </a:prstGeom>
-        </p:spPr>
-      </p:pic>
-      <p:pic>
-        <p:nvPicPr>
-          <p:cNvPr id="7" name="Picture 6">
-            <a:extLst>
-              <a:ext uri="{FF2B5EF4-FFF2-40B4-BE49-F238E27FC236}">
-                <a16:creationId xmlns:a16="http://schemas.microsoft.com/office/drawing/2014/main" id="{AA24B2B0-FA19-9793-DC5E-EDF150333B24}"/>
-              </a:ext>
-            </a:extLst>
-          </p:cNvPr>
-          <p:cNvPicPr>
-            <a:picLocks noChangeAspect="1"/>
-          </p:cNvPicPr>
-          <p:nvPr/>
-        </p:nvPicPr>
-        <p:blipFill>
-          <a:blip r:embed="rId3"/>
-          <a:stretch>
-            <a:fillRect/>
-          </a:stretch>
-        </p:blipFill>
-        <p:spPr>
-          <a:xfrm>
-            <a:off x="5823749" y="3341856"/>
-            <a:ext cx="6481373" cy="3516144"/>
-          </a:xfrm>
-          <a:prstGeom prst="rect">
-            <a:avLst/>
-          </a:prstGeom>
-        </p:spPr>
-      </p:pic>
-    </p:spTree>
-    <p:extLst>
-      <p:ext uri="{BB962C8B-B14F-4D97-AF65-F5344CB8AC3E}">
-        <p14:creationId xmlns:p14="http://schemas.microsoft.com/office/powerpoint/2010/main" val="3496206486"/>
       </p:ext>
     </p:extLst>
   </p:cSld>

--- a/Slide_Deck.pptx
+++ b/Slide_Deck.pptx
@@ -5,25 +5,27 @@
     <p:sldMasterId id="2147483648" r:id="rId1"/>
   </p:sldMasterIdLst>
   <p:notesMasterIdLst>
-    <p:notesMasterId r:id="rId18"/>
+    <p:notesMasterId r:id="rId20"/>
   </p:notesMasterIdLst>
   <p:sldIdLst>
     <p:sldId id="256" r:id="rId2"/>
     <p:sldId id="259" r:id="rId3"/>
     <p:sldId id="260" r:id="rId4"/>
-    <p:sldId id="262" r:id="rId5"/>
-    <p:sldId id="263" r:id="rId6"/>
-    <p:sldId id="264" r:id="rId7"/>
+    <p:sldId id="274" r:id="rId5"/>
+    <p:sldId id="262" r:id="rId6"/>
+    <p:sldId id="275" r:id="rId7"/>
     <p:sldId id="271" r:id="rId8"/>
     <p:sldId id="261" r:id="rId9"/>
-    <p:sldId id="258" r:id="rId10"/>
-    <p:sldId id="257" r:id="rId11"/>
-    <p:sldId id="265" r:id="rId12"/>
-    <p:sldId id="266" r:id="rId13"/>
-    <p:sldId id="267" r:id="rId14"/>
-    <p:sldId id="268" r:id="rId15"/>
-    <p:sldId id="269" r:id="rId16"/>
-    <p:sldId id="270" r:id="rId17"/>
+    <p:sldId id="272" r:id="rId10"/>
+    <p:sldId id="258" r:id="rId11"/>
+    <p:sldId id="273" r:id="rId12"/>
+    <p:sldId id="257" r:id="rId13"/>
+    <p:sldId id="265" r:id="rId14"/>
+    <p:sldId id="266" r:id="rId15"/>
+    <p:sldId id="267" r:id="rId16"/>
+    <p:sldId id="268" r:id="rId17"/>
+    <p:sldId id="269" r:id="rId18"/>
+    <p:sldId id="270" r:id="rId19"/>
   </p:sldIdLst>
   <p:sldSz cx="12192000" cy="6858000"/>
   <p:notesSz cx="6858000" cy="9144000"/>
@@ -947,9 +949,10 @@
             </a:lnSpc>
           </a:pPr>
           <a:r>
-            <a:rPr lang="en-US" dirty="0"/>
+            <a:rPr lang="en-US"/>
             <a:t>Read in csv and reduce to only CO date</a:t>
           </a:r>
+          <a:endParaRPr lang="en-US" dirty="0"/>
         </a:p>
       </dgm:t>
     </dgm:pt>
@@ -993,13 +996,10 @@
             </a:lnSpc>
           </a:pPr>
           <a:r>
-            <a:rPr lang="en-US" dirty="0" err="1"/>
-            <a:t>Groupby</a:t>
+            <a:rPr lang="en-US"/>
+            <a:t>Groupby City and use mean()</a:t>
           </a:r>
-          <a:r>
-            <a:rPr lang="en-US" dirty="0"/>
-            <a:t> City and use mean()</a:t>
-          </a:r>
+          <a:endParaRPr lang="en-US" dirty="0"/>
         </a:p>
       </dgm:t>
     </dgm:pt>
@@ -1043,9 +1043,10 @@
             </a:lnSpc>
           </a:pPr>
           <a:r>
-            <a:rPr lang="en-US" dirty="0"/>
+            <a:rPr lang="en-US"/>
             <a:t>Get only most recent data and rename column</a:t>
           </a:r>
+          <a:endParaRPr lang="en-US" dirty="0"/>
         </a:p>
       </dgm:t>
     </dgm:pt>
@@ -1114,18 +1115,18 @@
     </dgm:pt>
   </dgm:ptLst>
   <dgm:cxnLst>
-    <dgm:cxn modelId="{729E3261-47E9-4FFD-91F1-5C2012F54FB1}" type="presOf" srcId="{2A16D47A-6ECD-43CD-AE79-917990DBDBEF}" destId="{92286A26-3088-4A71-B70B-716B78BD756A}" srcOrd="0" destOrd="0" presId="urn:microsoft.com/office/officeart/2005/8/layout/default"/>
-    <dgm:cxn modelId="{579D9B4A-BD4C-4357-BDE9-FF2F24FDFFA8}" type="presOf" srcId="{5C73681A-06FA-4B31-9E0B-6A50F1D4C411}" destId="{30DC6DA5-0862-45A3-B8FB-C49E359A6ECF}" srcOrd="0" destOrd="0" presId="urn:microsoft.com/office/officeart/2005/8/layout/default"/>
-    <dgm:cxn modelId="{7BAEF57B-21E7-407C-BD8C-0AD05FF9195F}" type="presOf" srcId="{6BC9EA22-BE4A-45E5-ACB0-2997F05FBEC7}" destId="{FAE1CAF4-4488-45A6-9D47-54629FD126BD}" srcOrd="0" destOrd="0" presId="urn:microsoft.com/office/officeart/2005/8/layout/default"/>
-    <dgm:cxn modelId="{F044FF96-A8DC-42E0-BA02-F36F9C471A03}" type="presOf" srcId="{EE2C4D77-4252-48D6-B8F2-3F836AE1E74C}" destId="{6A101010-A3DB-4440-BF5F-6F5AD77B3D3D}" srcOrd="0" destOrd="0" presId="urn:microsoft.com/office/officeart/2005/8/layout/default"/>
+    <dgm:cxn modelId="{FEC09200-D895-4FDC-B520-0D576D37E16F}" type="presOf" srcId="{5C73681A-06FA-4B31-9E0B-6A50F1D4C411}" destId="{30DC6DA5-0862-45A3-B8FB-C49E359A6ECF}" srcOrd="0" destOrd="0" presId="urn:microsoft.com/office/officeart/2005/8/layout/default"/>
+    <dgm:cxn modelId="{12CA1D39-F87F-43CF-BEBD-B2A724D7CE8B}" type="presOf" srcId="{2A16D47A-6ECD-43CD-AE79-917990DBDBEF}" destId="{92286A26-3088-4A71-B70B-716B78BD756A}" srcOrd="0" destOrd="0" presId="urn:microsoft.com/office/officeart/2005/8/layout/default"/>
     <dgm:cxn modelId="{40F292A4-689D-42B4-B71D-0C128C13E416}" srcId="{5C73681A-06FA-4B31-9E0B-6A50F1D4C411}" destId="{EE2C4D77-4252-48D6-B8F2-3F836AE1E74C}" srcOrd="1" destOrd="0" parTransId="{115E6408-7260-4AA1-9C0A-02674319504C}" sibTransId="{677072A6-39C9-40DD-83B5-7785CEEAA45F}"/>
+    <dgm:cxn modelId="{B78643A8-EC0D-4B47-BC3F-6EFBC53B4826}" type="presOf" srcId="{EE2C4D77-4252-48D6-B8F2-3F836AE1E74C}" destId="{6A101010-A3DB-4440-BF5F-6F5AD77B3D3D}" srcOrd="0" destOrd="0" presId="urn:microsoft.com/office/officeart/2005/8/layout/default"/>
+    <dgm:cxn modelId="{300A90B2-1D89-41BE-825F-E7F380FDE4AC}" type="presOf" srcId="{6BC9EA22-BE4A-45E5-ACB0-2997F05FBEC7}" destId="{FAE1CAF4-4488-45A6-9D47-54629FD126BD}" srcOrd="0" destOrd="0" presId="urn:microsoft.com/office/officeart/2005/8/layout/default"/>
     <dgm:cxn modelId="{419482BB-19B3-4E48-8D70-BA86F96EF6EE}" srcId="{5C73681A-06FA-4B31-9E0B-6A50F1D4C411}" destId="{6BC9EA22-BE4A-45E5-ACB0-2997F05FBEC7}" srcOrd="0" destOrd="0" parTransId="{BE225918-44F7-4A34-B811-322E18CAFFB4}" sibTransId="{F5EB914C-6AAC-41B0-88D9-92B11B7D2B31}"/>
     <dgm:cxn modelId="{202B2FF5-0803-4F29-958A-00B7B24C08D2}" srcId="{5C73681A-06FA-4B31-9E0B-6A50F1D4C411}" destId="{2A16D47A-6ECD-43CD-AE79-917990DBDBEF}" srcOrd="2" destOrd="0" parTransId="{DF488BD6-9562-4DA8-A019-9176F52C20C6}" sibTransId="{0C0FBCAF-CA32-4069-8DA5-C84A38F08D1A}"/>
-    <dgm:cxn modelId="{24E92920-EE0E-4D2A-A599-46C1A736427A}" type="presParOf" srcId="{30DC6DA5-0862-45A3-B8FB-C49E359A6ECF}" destId="{FAE1CAF4-4488-45A6-9D47-54629FD126BD}" srcOrd="0" destOrd="0" presId="urn:microsoft.com/office/officeart/2005/8/layout/default"/>
-    <dgm:cxn modelId="{452E4BA8-162A-498D-BCA3-34FD999EB4F2}" type="presParOf" srcId="{30DC6DA5-0862-45A3-B8FB-C49E359A6ECF}" destId="{19D171A1-0C1C-4451-8C64-6738BE90F4F3}" srcOrd="1" destOrd="0" presId="urn:microsoft.com/office/officeart/2005/8/layout/default"/>
-    <dgm:cxn modelId="{BF56C555-FCF4-428B-8B2D-84FB8E4C0E01}" type="presParOf" srcId="{30DC6DA5-0862-45A3-B8FB-C49E359A6ECF}" destId="{6A101010-A3DB-4440-BF5F-6F5AD77B3D3D}" srcOrd="2" destOrd="0" presId="urn:microsoft.com/office/officeart/2005/8/layout/default"/>
-    <dgm:cxn modelId="{23320BAC-FD8C-4F8D-953F-F6A715D0E342}" type="presParOf" srcId="{30DC6DA5-0862-45A3-B8FB-C49E359A6ECF}" destId="{0A955BFA-F5E2-4B35-9395-CEE8EE7B57FB}" srcOrd="3" destOrd="0" presId="urn:microsoft.com/office/officeart/2005/8/layout/default"/>
-    <dgm:cxn modelId="{632C661D-8BBC-47C2-8176-771D1CC44A2A}" type="presParOf" srcId="{30DC6DA5-0862-45A3-B8FB-C49E359A6ECF}" destId="{92286A26-3088-4A71-B70B-716B78BD756A}" srcOrd="4" destOrd="0" presId="urn:microsoft.com/office/officeart/2005/8/layout/default"/>
+    <dgm:cxn modelId="{F5E616CB-B192-45BE-A18A-E7FE39C778ED}" type="presParOf" srcId="{30DC6DA5-0862-45A3-B8FB-C49E359A6ECF}" destId="{FAE1CAF4-4488-45A6-9D47-54629FD126BD}" srcOrd="0" destOrd="0" presId="urn:microsoft.com/office/officeart/2005/8/layout/default"/>
+    <dgm:cxn modelId="{BE7F5093-3034-4504-9021-EC408BB4C1B2}" type="presParOf" srcId="{30DC6DA5-0862-45A3-B8FB-C49E359A6ECF}" destId="{19D171A1-0C1C-4451-8C64-6738BE90F4F3}" srcOrd="1" destOrd="0" presId="urn:microsoft.com/office/officeart/2005/8/layout/default"/>
+    <dgm:cxn modelId="{D23062C9-D573-40A6-A1CF-D74FF98683E0}" type="presParOf" srcId="{30DC6DA5-0862-45A3-B8FB-C49E359A6ECF}" destId="{6A101010-A3DB-4440-BF5F-6F5AD77B3D3D}" srcOrd="2" destOrd="0" presId="urn:microsoft.com/office/officeart/2005/8/layout/default"/>
+    <dgm:cxn modelId="{0CE54FDC-6B43-4120-B5AE-478372332C55}" type="presParOf" srcId="{30DC6DA5-0862-45A3-B8FB-C49E359A6ECF}" destId="{0A955BFA-F5E2-4B35-9395-CEE8EE7B57FB}" srcOrd="3" destOrd="0" presId="urn:microsoft.com/office/officeart/2005/8/layout/default"/>
+    <dgm:cxn modelId="{F24A9357-9DE0-4CA3-BB6F-9E0C76B407E1}" type="presParOf" srcId="{30DC6DA5-0862-45A3-B8FB-C49E359A6ECF}" destId="{92286A26-3088-4A71-B70B-716B78BD756A}" srcOrd="4" destOrd="0" presId="urn:microsoft.com/office/officeart/2005/8/layout/default"/>
   </dgm:cxnLst>
   <dgm:bg/>
   <dgm:whole/>
@@ -1213,9 +1214,10 @@
             <a:buNone/>
           </a:pPr>
           <a:r>
-            <a:rPr lang="en-US" sz="3200" kern="1200" dirty="0"/>
+            <a:rPr lang="en-US" sz="3200" kern="1200"/>
             <a:t>Read in csv and reduce to only CO date</a:t>
           </a:r>
+          <a:endParaRPr lang="en-US" sz="3200" kern="1200" dirty="0"/>
         </a:p>
       </dsp:txBody>
       <dsp:txXfrm>
@@ -1291,13 +1293,10 @@
             <a:buNone/>
           </a:pPr>
           <a:r>
-            <a:rPr lang="en-US" sz="3200" kern="1200" dirty="0" err="1"/>
-            <a:t>Groupby</a:t>
+            <a:rPr lang="en-US" sz="3200" kern="1200"/>
+            <a:t>Groupby City and use mean()</a:t>
           </a:r>
-          <a:r>
-            <a:rPr lang="en-US" sz="3200" kern="1200" dirty="0"/>
-            <a:t> City and use mean()</a:t>
-          </a:r>
+          <a:endParaRPr lang="en-US" sz="3200" kern="1200" dirty="0"/>
         </a:p>
       </dsp:txBody>
       <dsp:txXfrm>
@@ -1373,9 +1372,10 @@
             <a:buNone/>
           </a:pPr>
           <a:r>
-            <a:rPr lang="en-US" sz="3200" kern="1200" dirty="0"/>
+            <a:rPr lang="en-US" sz="3200" kern="1200"/>
             <a:t>Get only most recent data and rename column</a:t>
           </a:r>
+          <a:endParaRPr lang="en-US" sz="3200" kern="1200" dirty="0"/>
         </a:p>
       </dsp:txBody>
       <dsp:txXfrm>
@@ -2982,7 +2982,7 @@
           <a:p>
             <a:fld id="{81877F35-DD72-4AEE-98C4-BACA01E52352}" type="slidenum">
               <a:rPr lang="en-US" smtClean="0"/>
-              <a:t>13</a:t>
+              <a:t>15</a:t>
             </a:fld>
             <a:endParaRPr lang="en-US"/>
           </a:p>
@@ -3066,7 +3066,7 @@
           <a:p>
             <a:fld id="{6624EA6F-41C5-8449-8FBC-886BDC0FF6B4}" type="slidenum">
               <a:rPr lang="en-US" smtClean="0"/>
-              <a:t>16</a:t>
+              <a:t>18</a:t>
             </a:fld>
             <a:endParaRPr lang="en-US"/>
           </a:p>
@@ -6285,6 +6285,14 @@
 <file path=ppt/slides/slide1.xml><?xml version="1.0" encoding="utf-8"?>
 <p:sld xmlns:a="http://schemas.openxmlformats.org/drawingml/2006/main" xmlns:r="http://schemas.openxmlformats.org/officeDocument/2006/relationships" xmlns:p="http://schemas.openxmlformats.org/presentationml/2006/main">
   <p:cSld>
+    <p:bg>
+      <p:bgPr>
+        <a:solidFill>
+          <a:schemeClr val="bg1"/>
+        </a:solidFill>
+        <a:effectLst/>
+      </p:bgPr>
+    </p:bg>
     <p:spTree>
       <p:nvGrpSpPr>
         <p:cNvPr id="1" name=""/>
@@ -6299,6 +6307,181 @@
           <a:chExt cx="0" cy="0"/>
         </a:xfrm>
       </p:grpSpPr>
+      <p:sp useBgFill="1">
+        <p:nvSpPr>
+          <p:cNvPr id="9" name="Rectangle 8">
+            <a:extLst>
+              <a:ext uri="{FF2B5EF4-FFF2-40B4-BE49-F238E27FC236}">
+                <a16:creationId xmlns:a16="http://schemas.microsoft.com/office/drawing/2014/main" id="{6CCA5F87-1D1E-45CB-8D83-FC7EEFAD9935}"/>
+              </a:ext>
+              <a:ext uri="{C183D7F6-B498-43B3-948B-1728B52AA6E4}">
+                <adec:decorative xmlns:adec="http://schemas.microsoft.com/office/drawing/2017/decorative" val="1"/>
+              </a:ext>
+            </a:extLst>
+          </p:cNvPr>
+          <p:cNvSpPr>
+            <a:spLocks noGrp="1" noRot="1" noChangeAspect="1" noMove="1" noResize="1" noEditPoints="1" noAdjustHandles="1" noChangeArrowheads="1" noChangeShapeType="1" noTextEdit="1"/>
+          </p:cNvSpPr>
+          <p:nvPr>
+            <p:extLst>
+              <p:ext uri="{386F3935-93C4-4BCD-93E2-E3B085C9AB24}">
+                <p16:designElem xmlns:p16="http://schemas.microsoft.com/office/powerpoint/2015/main" val="1"/>
+              </p:ext>
+            </p:extLst>
+          </p:nvPr>
+        </p:nvSpPr>
+        <p:spPr>
+          <a:xfrm>
+            <a:off x="0" y="0"/>
+            <a:ext cx="12192000" cy="6858000"/>
+          </a:xfrm>
+          <a:prstGeom prst="rect">
+            <a:avLst/>
+          </a:prstGeom>
+          <a:ln>
+            <a:noFill/>
+          </a:ln>
+        </p:spPr>
+        <p:style>
+          <a:lnRef idx="2">
+            <a:schemeClr val="accent1">
+              <a:shade val="50000"/>
+            </a:schemeClr>
+          </a:lnRef>
+          <a:fillRef idx="1">
+            <a:schemeClr val="accent1"/>
+          </a:fillRef>
+          <a:effectRef idx="0">
+            <a:schemeClr val="accent1"/>
+          </a:effectRef>
+          <a:fontRef idx="minor">
+            <a:schemeClr val="lt1"/>
+          </a:fontRef>
+        </p:style>
+        <p:txBody>
+          <a:bodyPr rtlCol="0" anchor="ctr"/>
+          <a:lstStyle/>
+          <a:p>
+            <a:pPr algn="ctr"/>
+            <a:endParaRPr lang="en-US"/>
+          </a:p>
+        </p:txBody>
+      </p:sp>
+      <p:pic>
+        <p:nvPicPr>
+          <p:cNvPr id="5" name="Picture 4" descr="Houses in a village">
+            <a:extLst>
+              <a:ext uri="{FF2B5EF4-FFF2-40B4-BE49-F238E27FC236}">
+                <a16:creationId xmlns:a16="http://schemas.microsoft.com/office/drawing/2014/main" id="{509E5F92-9558-AC9A-63E6-749931C3C63B}"/>
+              </a:ext>
+            </a:extLst>
+          </p:cNvPr>
+          <p:cNvPicPr>
+            <a:picLocks noChangeAspect="1"/>
+          </p:cNvPicPr>
+          <p:nvPr/>
+        </p:nvPicPr>
+        <p:blipFill rotWithShape="1">
+          <a:blip r:embed="rId2"/>
+          <a:srcRect l="5200"/>
+          <a:stretch/>
+        </p:blipFill>
+        <p:spPr>
+          <a:xfrm>
+            <a:off x="20" y="10"/>
+            <a:ext cx="8668492" cy="6857990"/>
+          </a:xfrm>
+          <a:prstGeom prst="rect">
+            <a:avLst/>
+          </a:prstGeom>
+        </p:spPr>
+      </p:pic>
+      <p:sp>
+        <p:nvSpPr>
+          <p:cNvPr id="11" name="Rectangle 10">
+            <a:extLst>
+              <a:ext uri="{FF2B5EF4-FFF2-40B4-BE49-F238E27FC236}">
+                <a16:creationId xmlns:a16="http://schemas.microsoft.com/office/drawing/2014/main" id="{7CCFC2C6-6238-4A2F-93DE-2ADF74AF635E}"/>
+              </a:ext>
+              <a:ext uri="{C183D7F6-B498-43B3-948B-1728B52AA6E4}">
+                <adec:decorative xmlns:adec="http://schemas.microsoft.com/office/drawing/2017/decorative" val="1"/>
+              </a:ext>
+            </a:extLst>
+          </p:cNvPr>
+          <p:cNvSpPr>
+            <a:spLocks noGrp="1" noRot="1" noChangeAspect="1" noMove="1" noResize="1" noEditPoints="1" noAdjustHandles="1" noChangeArrowheads="1" noChangeShapeType="1" noTextEdit="1"/>
+          </p:cNvSpPr>
+          <p:nvPr>
+            <p:extLst>
+              <p:ext uri="{386F3935-93C4-4BCD-93E2-E3B085C9AB24}">
+                <p16:designElem xmlns:p16="http://schemas.microsoft.com/office/powerpoint/2015/main" val="1"/>
+              </p:ext>
+            </p:extLst>
+          </p:nvPr>
+        </p:nvSpPr>
+        <p:spPr>
+          <a:xfrm flipH="1">
+            <a:off x="3711652" y="0"/>
+            <a:ext cx="8480347" cy="6858000"/>
+          </a:xfrm>
+          <a:prstGeom prst="rect">
+            <a:avLst/>
+          </a:prstGeom>
+          <a:gradFill>
+            <a:gsLst>
+              <a:gs pos="48000">
+                <a:schemeClr val="bg1"/>
+              </a:gs>
+              <a:gs pos="35000">
+                <a:schemeClr val="bg1">
+                  <a:alpha val="77000"/>
+                </a:schemeClr>
+              </a:gs>
+              <a:gs pos="19000">
+                <a:schemeClr val="bg1">
+                  <a:alpha val="38000"/>
+                </a:schemeClr>
+              </a:gs>
+              <a:gs pos="0">
+                <a:schemeClr val="bg1">
+                  <a:alpha val="0"/>
+                </a:schemeClr>
+              </a:gs>
+              <a:gs pos="100000">
+                <a:schemeClr val="bg1"/>
+              </a:gs>
+            </a:gsLst>
+            <a:lin ang="10800000" scaled="0"/>
+          </a:gradFill>
+          <a:ln>
+            <a:noFill/>
+          </a:ln>
+        </p:spPr>
+        <p:style>
+          <a:lnRef idx="2">
+            <a:schemeClr val="accent1">
+              <a:shade val="50000"/>
+            </a:schemeClr>
+          </a:lnRef>
+          <a:fillRef idx="1">
+            <a:schemeClr val="accent1"/>
+          </a:fillRef>
+          <a:effectRef idx="0">
+            <a:schemeClr val="accent1"/>
+          </a:effectRef>
+          <a:fontRef idx="minor">
+            <a:schemeClr val="lt1"/>
+          </a:fontRef>
+        </p:style>
+        <p:txBody>
+          <a:bodyPr rtlCol="0" anchor="ctr"/>
+          <a:lstStyle/>
+          <a:p>
+            <a:pPr algn="ctr"/>
+            <a:endParaRPr lang="en-US" dirty="0"/>
+          </a:p>
+        </p:txBody>
+      </p:sp>
       <p:sp>
         <p:nvSpPr>
           <p:cNvPr id="2" name="Title 1">
@@ -6315,15 +6498,21 @@
             <p:ph type="ctrTitle"/>
           </p:nvPr>
         </p:nvSpPr>
-        <p:spPr/>
+        <p:spPr>
+          <a:xfrm>
+            <a:off x="7848600" y="1122363"/>
+            <a:ext cx="4023360" cy="3204134"/>
+          </a:xfrm>
+        </p:spPr>
         <p:txBody>
-          <a:bodyPr>
-            <a:normAutofit fontScale="90000"/>
+          <a:bodyPr anchor="b">
+            <a:normAutofit/>
           </a:bodyPr>
           <a:lstStyle/>
           <a:p>
+            <a:pPr algn="l"/>
             <a:r>
-              <a:rPr lang="en-US" dirty="0"/>
+              <a:rPr lang="en-US" sz="4400"/>
               <a:t>EDA of Factors Affecting the Typical Home Value in Colorado</a:t>
             </a:r>
           </a:p>
@@ -6345,12 +6534,181 @@
             <p:ph type="subTitle" idx="1"/>
           </p:nvPr>
         </p:nvSpPr>
-        <p:spPr/>
+        <p:spPr>
+          <a:xfrm>
+            <a:off x="7848600" y="4872922"/>
+            <a:ext cx="4023360" cy="1208141"/>
+          </a:xfrm>
+        </p:spPr>
         <p:txBody>
-          <a:bodyPr/>
+          <a:bodyPr>
+            <a:normAutofit/>
+          </a:bodyPr>
           <a:lstStyle/>
           <a:p>
-            <a:endParaRPr lang="en-US" dirty="0"/>
+            <a:pPr algn="l"/>
+            <a:endParaRPr lang="en-US" sz="2000"/>
+          </a:p>
+        </p:txBody>
+      </p:sp>
+      <p:sp>
+        <p:nvSpPr>
+          <p:cNvPr id="13" name="Rectangle 12">
+            <a:extLst>
+              <a:ext uri="{FF2B5EF4-FFF2-40B4-BE49-F238E27FC236}">
+                <a16:creationId xmlns:a16="http://schemas.microsoft.com/office/drawing/2014/main" id="{AF2F604E-43BE-4DC3-B983-E071523364F8}"/>
+              </a:ext>
+              <a:ext uri="{C183D7F6-B498-43B3-948B-1728B52AA6E4}">
+                <adec:decorative xmlns:adec="http://schemas.microsoft.com/office/drawing/2017/decorative" val="1"/>
+              </a:ext>
+            </a:extLst>
+          </p:cNvPr>
+          <p:cNvSpPr>
+            <a:spLocks noGrp="1" noRot="1" noChangeAspect="1" noMove="1" noResize="1" noEditPoints="1" noAdjustHandles="1" noChangeArrowheads="1" noChangeShapeType="1" noTextEdit="1"/>
+          </p:cNvSpPr>
+          <p:nvPr>
+            <p:extLst>
+              <p:ext uri="{386F3935-93C4-4BCD-93E2-E3B085C9AB24}">
+                <p16:designElem xmlns:p16="http://schemas.microsoft.com/office/powerpoint/2015/main" val="1"/>
+              </p:ext>
+            </p:extLst>
+          </p:nvPr>
+        </p:nvSpPr>
+        <p:spPr>
+          <a:xfrm rot="5400000">
+            <a:off x="8130540" y="346791"/>
+            <a:ext cx="146304" cy="704088"/>
+          </a:xfrm>
+          <a:prstGeom prst="rect">
+            <a:avLst/>
+          </a:prstGeom>
+          <a:solidFill>
+            <a:schemeClr val="accent2"/>
+          </a:solidFill>
+          <a:ln>
+            <a:noFill/>
+          </a:ln>
+        </p:spPr>
+        <p:style>
+          <a:lnRef idx="2">
+            <a:schemeClr val="accent1">
+              <a:shade val="50000"/>
+            </a:schemeClr>
+          </a:lnRef>
+          <a:fillRef idx="1">
+            <a:schemeClr val="accent1"/>
+          </a:fillRef>
+          <a:effectRef idx="0">
+            <a:schemeClr val="accent1"/>
+          </a:effectRef>
+          <a:fontRef idx="minor">
+            <a:schemeClr val="lt1"/>
+          </a:fontRef>
+        </p:style>
+        <p:txBody>
+          <a:bodyPr rtlCol="0" anchor="ctr"/>
+          <a:lstStyle/>
+          <a:p>
+            <a:pPr algn="ctr"/>
+            <a:endParaRPr lang="en-US">
+              <a:solidFill>
+                <a:prstClr val="white"/>
+              </a:solidFill>
+              <a:latin typeface="Calibri" panose="020F0502020204030204"/>
+            </a:endParaRPr>
+          </a:p>
+        </p:txBody>
+      </p:sp>
+      <p:sp>
+        <p:nvSpPr>
+          <p:cNvPr id="15" name="Rectangle 14">
+            <a:extLst>
+              <a:ext uri="{FF2B5EF4-FFF2-40B4-BE49-F238E27FC236}">
+                <a16:creationId xmlns:a16="http://schemas.microsoft.com/office/drawing/2014/main" id="{08C9B587-E65E-4B52-B37C-ABEBB6E87928}"/>
+              </a:ext>
+              <a:ext uri="{C183D7F6-B498-43B3-948B-1728B52AA6E4}">
+                <adec:decorative xmlns:adec="http://schemas.microsoft.com/office/drawing/2017/decorative" val="1"/>
+              </a:ext>
+            </a:extLst>
+          </p:cNvPr>
+          <p:cNvSpPr>
+            <a:spLocks noGrp="1" noRot="1" noChangeAspect="1" noMove="1" noResize="1" noEditPoints="1" noAdjustHandles="1" noChangeArrowheads="1" noChangeShapeType="1" noTextEdit="1"/>
+          </p:cNvSpPr>
+          <p:nvPr>
+            <p:extLst>
+              <p:ext uri="{386F3935-93C4-4BCD-93E2-E3B085C9AB24}">
+                <p16:designElem xmlns:p16="http://schemas.microsoft.com/office/powerpoint/2015/main" val="1"/>
+              </p:ext>
+            </p:extLst>
+          </p:nvPr>
+        </p:nvSpPr>
+        <p:spPr>
+          <a:xfrm>
+            <a:off x="7851648" y="4546920"/>
+            <a:ext cx="4023360" cy="18288"/>
+          </a:xfrm>
+          <a:prstGeom prst="rect">
+            <a:avLst/>
+          </a:prstGeom>
+          <a:solidFill>
+            <a:srgbClr val="D5D5D5"/>
+          </a:solidFill>
+          <a:ln w="3175">
+            <a:noFill/>
+          </a:ln>
+          <a:effectLst/>
+        </p:spPr>
+        <p:style>
+          <a:lnRef idx="2">
+            <a:schemeClr val="accent1">
+              <a:shade val="50000"/>
+            </a:schemeClr>
+          </a:lnRef>
+          <a:fillRef idx="1">
+            <a:schemeClr val="accent1"/>
+          </a:fillRef>
+          <a:effectRef idx="0">
+            <a:schemeClr val="accent1"/>
+          </a:effectRef>
+          <a:fontRef idx="minor">
+            <a:schemeClr val="lt1"/>
+          </a:fontRef>
+        </p:style>
+        <p:txBody>
+          <a:bodyPr rtlCol="0" anchor="ctr"/>
+          <a:lstStyle/>
+          <a:p>
+            <a:pPr marL="0" marR="0" lvl="0" indent="0" algn="ctr" defTabSz="914400" rtl="0" eaLnBrk="1" fontAlgn="auto" latinLnBrk="0" hangingPunct="1">
+              <a:lnSpc>
+                <a:spcPct val="100000"/>
+              </a:lnSpc>
+              <a:spcBef>
+                <a:spcPts val="0"/>
+              </a:spcBef>
+              <a:spcAft>
+                <a:spcPts val="0"/>
+              </a:spcAft>
+              <a:buClrTx/>
+              <a:buSzTx/>
+              <a:buFontTx/>
+              <a:buNone/>
+              <a:tabLst/>
+              <a:defRPr/>
+            </a:pPr>
+            <a:endParaRPr kumimoji="0" lang="en-US" sz="1800" b="0" i="0" u="none" strike="noStrike" kern="1200" cap="none" spc="0" normalizeH="0" baseline="0" noProof="0">
+              <a:ln>
+                <a:noFill/>
+              </a:ln>
+              <a:solidFill>
+                <a:prstClr val="white"/>
+              </a:solidFill>
+              <a:effectLst/>
+              <a:uLnTx/>
+              <a:uFillTx/>
+              <a:latin typeface="Calibri" panose="020F0502020204030204"/>
+              <a:ea typeface="+mn-ea"/>
+              <a:cs typeface="+mn-cs"/>
+            </a:endParaRPr>
           </a:p>
         </p:txBody>
       </p:sp>
@@ -6368,6 +6726,2755 @@
 </file>
 
 <file path=ppt/slides/slide10.xml><?xml version="1.0" encoding="utf-8"?>
+<p:sld xmlns:a="http://schemas.openxmlformats.org/drawingml/2006/main" xmlns:r="http://schemas.openxmlformats.org/officeDocument/2006/relationships" xmlns:p="http://schemas.openxmlformats.org/presentationml/2006/main">
+  <p:cSld>
+    <p:bg>
+      <p:bgPr>
+        <a:solidFill>
+          <a:schemeClr val="bg1"/>
+        </a:solidFill>
+        <a:effectLst/>
+      </p:bgPr>
+    </p:bg>
+    <p:spTree>
+      <p:nvGrpSpPr>
+        <p:cNvPr id="1" name=""/>
+        <p:cNvGrpSpPr/>
+        <p:nvPr/>
+      </p:nvGrpSpPr>
+      <p:grpSpPr>
+        <a:xfrm>
+          <a:off x="0" y="0"/>
+          <a:ext cx="0" cy="0"/>
+          <a:chOff x="0" y="0"/>
+          <a:chExt cx="0" cy="0"/>
+        </a:xfrm>
+      </p:grpSpPr>
+      <p:sp useBgFill="1">
+        <p:nvSpPr>
+          <p:cNvPr id="38" name="Rectangle 37">
+            <a:extLst>
+              <a:ext uri="{FF2B5EF4-FFF2-40B4-BE49-F238E27FC236}">
+                <a16:creationId xmlns:a16="http://schemas.microsoft.com/office/drawing/2014/main" id="{BE7F2629-7AD4-4FB8-B544-38B7CC6E9D30}"/>
+              </a:ext>
+              <a:ext uri="{C183D7F6-B498-43B3-948B-1728B52AA6E4}">
+                <adec:decorative xmlns:adec="http://schemas.microsoft.com/office/drawing/2017/decorative" val="1"/>
+              </a:ext>
+            </a:extLst>
+          </p:cNvPr>
+          <p:cNvSpPr>
+            <a:spLocks noGrp="1" noRot="1" noChangeAspect="1" noMove="1" noResize="1" noEditPoints="1" noAdjustHandles="1" noChangeArrowheads="1" noChangeShapeType="1" noTextEdit="1"/>
+          </p:cNvSpPr>
+          <p:nvPr>
+            <p:extLst>
+              <p:ext uri="{386F3935-93C4-4BCD-93E2-E3B085C9AB24}">
+                <p16:designElem xmlns:p16="http://schemas.microsoft.com/office/powerpoint/2015/main" val="1"/>
+              </p:ext>
+            </p:extLst>
+          </p:nvPr>
+        </p:nvSpPr>
+        <p:spPr>
+          <a:xfrm>
+            <a:off x="-1" y="0"/>
+            <a:ext cx="12188952" cy="6858000"/>
+          </a:xfrm>
+          <a:prstGeom prst="rect">
+            <a:avLst/>
+          </a:prstGeom>
+          <a:ln>
+            <a:noFill/>
+          </a:ln>
+        </p:spPr>
+        <p:style>
+          <a:lnRef idx="2">
+            <a:schemeClr val="accent1">
+              <a:shade val="50000"/>
+            </a:schemeClr>
+          </a:lnRef>
+          <a:fillRef idx="1">
+            <a:schemeClr val="accent1"/>
+          </a:fillRef>
+          <a:effectRef idx="0">
+            <a:schemeClr val="accent1"/>
+          </a:effectRef>
+          <a:fontRef idx="minor">
+            <a:schemeClr val="lt1"/>
+          </a:fontRef>
+        </p:style>
+        <p:txBody>
+          <a:bodyPr rtlCol="0" anchor="ctr"/>
+          <a:lstStyle/>
+          <a:p>
+            <a:pPr algn="ctr"/>
+            <a:endParaRPr lang="en-US"/>
+          </a:p>
+        </p:txBody>
+      </p:sp>
+      <p:pic>
+        <p:nvPicPr>
+          <p:cNvPr id="40" name="Graphic 39">
+            <a:extLst>
+              <a:ext uri="{FF2B5EF4-FFF2-40B4-BE49-F238E27FC236}">
+                <a16:creationId xmlns:a16="http://schemas.microsoft.com/office/drawing/2014/main" id="{29FDBBCD-C46B-4CD7-9735-0FC561E9A0DD}"/>
+              </a:ext>
+              <a:ext uri="{C183D7F6-B498-43B3-948B-1728B52AA6E4}">
+                <adec:decorative xmlns:adec="http://schemas.microsoft.com/office/drawing/2017/decorative" val="1"/>
+              </a:ext>
+            </a:extLst>
+          </p:cNvPr>
+          <p:cNvPicPr>
+            <a:picLocks noGrp="1" noRot="1" noChangeAspect="1" noMove="1" noResize="1" noEditPoints="1" noAdjustHandles="1" noChangeArrowheads="1" noChangeShapeType="1" noCrop="1"/>
+          </p:cNvPicPr>
+          <p:nvPr>
+            <p:extLst>
+              <p:ext uri="{386F3935-93C4-4BCD-93E2-E3B085C9AB24}">
+                <p16:designElem xmlns:p16="http://schemas.microsoft.com/office/powerpoint/2015/main" val="1"/>
+              </p:ext>
+            </p:extLst>
+          </p:nvPr>
+        </p:nvPicPr>
+        <p:blipFill>
+          <a:blip r:embed="rId2">
+            <a:extLst>
+              <a:ext uri="{28A0092B-C50C-407E-A947-70E740481C1C}">
+                <a14:useLocalDpi xmlns:a14="http://schemas.microsoft.com/office/drawing/2010/main" val="0"/>
+              </a:ext>
+              <a:ext uri="{96DAC541-7B7A-43D3-8B79-37D633B846F1}">
+                <asvg:svgBlip xmlns:asvg="http://schemas.microsoft.com/office/drawing/2016/SVG/main" r:embed="rId3"/>
+              </a:ext>
+            </a:extLst>
+          </a:blip>
+          <a:stretch>
+            <a:fillRect/>
+          </a:stretch>
+        </p:blipFill>
+        <p:spPr>
+          <a:xfrm rot="5400000">
+            <a:off x="3354324" y="-2665475"/>
+            <a:ext cx="5486400" cy="12188952"/>
+          </a:xfrm>
+          <a:prstGeom prst="rect">
+            <a:avLst/>
+          </a:prstGeom>
+        </p:spPr>
+      </p:pic>
+      <p:sp>
+        <p:nvSpPr>
+          <p:cNvPr id="2" name="Title 1">
+            <a:extLst>
+              <a:ext uri="{FF2B5EF4-FFF2-40B4-BE49-F238E27FC236}">
+                <a16:creationId xmlns:a16="http://schemas.microsoft.com/office/drawing/2014/main" id="{3C07811D-0095-2E52-3D43-14B004504CF9}"/>
+              </a:ext>
+            </a:extLst>
+          </p:cNvPr>
+          <p:cNvSpPr>
+            <a:spLocks noGrp="1"/>
+          </p:cNvSpPr>
+          <p:nvPr>
+            <p:ph type="title"/>
+          </p:nvPr>
+        </p:nvSpPr>
+        <p:spPr>
+          <a:xfrm>
+            <a:off x="1463039" y="685797"/>
+            <a:ext cx="5029200" cy="2263779"/>
+          </a:xfrm>
+        </p:spPr>
+        <p:txBody>
+          <a:bodyPr anchor="t">
+            <a:normAutofit/>
+          </a:bodyPr>
+          <a:lstStyle/>
+          <a:p>
+            <a:r>
+              <a:rPr lang="en-US" sz="5000"/>
+              <a:t>Calculating R-Values</a:t>
+            </a:r>
+          </a:p>
+        </p:txBody>
+      </p:sp>
+      <p:sp>
+        <p:nvSpPr>
+          <p:cNvPr id="42" name="Rectangle 41">
+            <a:extLst>
+              <a:ext uri="{FF2B5EF4-FFF2-40B4-BE49-F238E27FC236}">
+                <a16:creationId xmlns:a16="http://schemas.microsoft.com/office/drawing/2014/main" id="{093F2DF8-01DE-40AE-9C05-7828DAB9CD92}"/>
+              </a:ext>
+              <a:ext uri="{C183D7F6-B498-43B3-948B-1728B52AA6E4}">
+                <adec:decorative xmlns:adec="http://schemas.microsoft.com/office/drawing/2017/decorative" val="1"/>
+              </a:ext>
+            </a:extLst>
+          </p:cNvPr>
+          <p:cNvSpPr>
+            <a:spLocks noGrp="1" noRot="1" noChangeAspect="1" noMove="1" noResize="1" noEditPoints="1" noAdjustHandles="1" noChangeArrowheads="1" noChangeShapeType="1" noTextEdit="1"/>
+          </p:cNvSpPr>
+          <p:nvPr>
+            <p:extLst>
+              <p:ext uri="{386F3935-93C4-4BCD-93E2-E3B085C9AB24}">
+                <p16:designElem xmlns:p16="http://schemas.microsoft.com/office/powerpoint/2015/main" val="1"/>
+              </p:ext>
+            </p:extLst>
+          </p:nvPr>
+        </p:nvSpPr>
+        <p:spPr>
+          <a:xfrm>
+            <a:off x="1159764" y="685797"/>
+            <a:ext cx="118872" cy="1550455"/>
+          </a:xfrm>
+          <a:prstGeom prst="rect">
+            <a:avLst/>
+          </a:prstGeom>
+          <a:solidFill>
+            <a:schemeClr val="accent2"/>
+          </a:solidFill>
+          <a:ln>
+            <a:noFill/>
+          </a:ln>
+        </p:spPr>
+        <p:style>
+          <a:lnRef idx="2">
+            <a:schemeClr val="accent1">
+              <a:shade val="50000"/>
+            </a:schemeClr>
+          </a:lnRef>
+          <a:fillRef idx="1">
+            <a:schemeClr val="accent1"/>
+          </a:fillRef>
+          <a:effectRef idx="0">
+            <a:schemeClr val="accent1"/>
+          </a:effectRef>
+          <a:fontRef idx="minor">
+            <a:schemeClr val="lt1"/>
+          </a:fontRef>
+        </p:style>
+        <p:txBody>
+          <a:bodyPr rtlCol="0" anchor="ctr"/>
+          <a:lstStyle/>
+          <a:p>
+            <a:pPr algn="ctr"/>
+            <a:endParaRPr lang="en-US"/>
+          </a:p>
+        </p:txBody>
+      </p:sp>
+      <p:sp>
+        <p:nvSpPr>
+          <p:cNvPr id="11" name="Content Placeholder 10">
+            <a:extLst>
+              <a:ext uri="{FF2B5EF4-FFF2-40B4-BE49-F238E27FC236}">
+                <a16:creationId xmlns:a16="http://schemas.microsoft.com/office/drawing/2014/main" id="{FDDA0529-064C-1AB4-98EC-21B50B42EE2C}"/>
+              </a:ext>
+            </a:extLst>
+          </p:cNvPr>
+          <p:cNvSpPr>
+            <a:spLocks noGrp="1"/>
+          </p:cNvSpPr>
+          <p:nvPr>
+            <p:ph idx="1"/>
+          </p:nvPr>
+        </p:nvSpPr>
+        <p:spPr>
+          <a:xfrm>
+            <a:off x="1463039" y="3133724"/>
+            <a:ext cx="5029200" cy="2746621"/>
+          </a:xfrm>
+        </p:spPr>
+        <p:txBody>
+          <a:bodyPr>
+            <a:normAutofit/>
+          </a:bodyPr>
+          <a:lstStyle/>
+          <a:p>
+            <a:r>
+              <a:rPr lang="en-US" sz="1800" dirty="0"/>
+              <a:t>Using a for loop, </a:t>
+            </a:r>
+            <a:r>
+              <a:rPr lang="en-US" sz="1800" dirty="0" err="1"/>
+              <a:t>r-values</a:t>
+            </a:r>
+            <a:r>
+              <a:rPr lang="en-US" sz="1800" dirty="0"/>
+              <a:t> were calculated for every category on the </a:t>
+            </a:r>
+            <a:r>
+              <a:rPr lang="en-US" sz="1800" dirty="0" err="1"/>
+              <a:t>geoapify</a:t>
+            </a:r>
+            <a:r>
+              <a:rPr lang="en-US" sz="1800" dirty="0"/>
+              <a:t> places API.</a:t>
+            </a:r>
+          </a:p>
+          <a:p>
+            <a:endParaRPr lang="en-US" sz="1400" dirty="0"/>
+          </a:p>
+          <a:p>
+            <a:r>
+              <a:rPr lang="en-US" sz="1800" dirty="0"/>
+              <a:t>The five strongest positive correlations and the five strongest negative correlations are shown to the right.</a:t>
+            </a:r>
+          </a:p>
+        </p:txBody>
+      </p:sp>
+      <p:pic>
+        <p:nvPicPr>
+          <p:cNvPr id="8" name="Picture 7">
+            <a:extLst>
+              <a:ext uri="{FF2B5EF4-FFF2-40B4-BE49-F238E27FC236}">
+                <a16:creationId xmlns:a16="http://schemas.microsoft.com/office/drawing/2014/main" id="{2416161D-23E8-D2EE-C9AF-394B480673AF}"/>
+              </a:ext>
+            </a:extLst>
+          </p:cNvPr>
+          <p:cNvPicPr>
+            <a:picLocks noChangeAspect="1"/>
+          </p:cNvPicPr>
+          <p:nvPr/>
+        </p:nvPicPr>
+        <p:blipFill>
+          <a:blip r:embed="rId4"/>
+          <a:stretch>
+            <a:fillRect/>
+          </a:stretch>
+        </p:blipFill>
+        <p:spPr>
+          <a:xfrm>
+            <a:off x="6766560" y="720468"/>
+            <a:ext cx="4211775" cy="2671986"/>
+          </a:xfrm>
+          <a:prstGeom prst="rect">
+            <a:avLst/>
+          </a:prstGeom>
+        </p:spPr>
+      </p:pic>
+      <p:pic>
+        <p:nvPicPr>
+          <p:cNvPr id="4" name="Picture 3">
+            <a:extLst>
+              <a:ext uri="{FF2B5EF4-FFF2-40B4-BE49-F238E27FC236}">
+                <a16:creationId xmlns:a16="http://schemas.microsoft.com/office/drawing/2014/main" id="{0C719924-79E6-6674-B5F7-BC383EF9CA82}"/>
+              </a:ext>
+            </a:extLst>
+          </p:cNvPr>
+          <p:cNvPicPr>
+            <a:picLocks noChangeAspect="1"/>
+          </p:cNvPicPr>
+          <p:nvPr/>
+        </p:nvPicPr>
+        <p:blipFill>
+          <a:blip r:embed="rId5"/>
+          <a:stretch>
+            <a:fillRect/>
+          </a:stretch>
+        </p:blipFill>
+        <p:spPr>
+          <a:xfrm>
+            <a:off x="6766560" y="3450963"/>
+            <a:ext cx="4401826" cy="2671986"/>
+          </a:xfrm>
+          <a:prstGeom prst="rect">
+            <a:avLst/>
+          </a:prstGeom>
+        </p:spPr>
+      </p:pic>
+      <p:sp>
+        <p:nvSpPr>
+          <p:cNvPr id="44" name="Rectangle 43">
+            <a:extLst>
+              <a:ext uri="{FF2B5EF4-FFF2-40B4-BE49-F238E27FC236}">
+                <a16:creationId xmlns:a16="http://schemas.microsoft.com/office/drawing/2014/main" id="{541CD191-DCF0-4E88-A62A-10F0B3FC93D1}"/>
+              </a:ext>
+              <a:ext uri="{C183D7F6-B498-43B3-948B-1728B52AA6E4}">
+                <adec:decorative xmlns:adec="http://schemas.microsoft.com/office/drawing/2017/decorative" val="1"/>
+              </a:ext>
+            </a:extLst>
+          </p:cNvPr>
+          <p:cNvSpPr>
+            <a:spLocks noGrp="1" noRot="1" noChangeAspect="1" noMove="1" noResize="1" noEditPoints="1" noAdjustHandles="1" noChangeArrowheads="1" noChangeShapeType="1" noTextEdit="1"/>
+          </p:cNvSpPr>
+          <p:nvPr>
+            <p:extLst>
+              <p:ext uri="{386F3935-93C4-4BCD-93E2-E3B085C9AB24}">
+                <p16:designElem xmlns:p16="http://schemas.microsoft.com/office/powerpoint/2015/main" val="1"/>
+              </p:ext>
+            </p:extLst>
+          </p:nvPr>
+        </p:nvSpPr>
+        <p:spPr>
+          <a:xfrm>
+            <a:off x="12073128" y="6172201"/>
+            <a:ext cx="118872" cy="685800"/>
+          </a:xfrm>
+          <a:prstGeom prst="rect">
+            <a:avLst/>
+          </a:prstGeom>
+          <a:solidFill>
+            <a:schemeClr val="accent2"/>
+          </a:solidFill>
+          <a:ln>
+            <a:noFill/>
+          </a:ln>
+        </p:spPr>
+        <p:style>
+          <a:lnRef idx="2">
+            <a:schemeClr val="accent1">
+              <a:shade val="50000"/>
+            </a:schemeClr>
+          </a:lnRef>
+          <a:fillRef idx="1">
+            <a:schemeClr val="accent1"/>
+          </a:fillRef>
+          <a:effectRef idx="0">
+            <a:schemeClr val="accent1"/>
+          </a:effectRef>
+          <a:fontRef idx="minor">
+            <a:schemeClr val="lt1"/>
+          </a:fontRef>
+        </p:style>
+        <p:txBody>
+          <a:bodyPr rtlCol="0" anchor="ctr"/>
+          <a:lstStyle/>
+          <a:p>
+            <a:pPr algn="ctr"/>
+            <a:endParaRPr lang="en-US"/>
+          </a:p>
+        </p:txBody>
+      </p:sp>
+    </p:spTree>
+    <p:extLst>
+      <p:ext uri="{BB962C8B-B14F-4D97-AF65-F5344CB8AC3E}">
+        <p14:creationId xmlns:p14="http://schemas.microsoft.com/office/powerpoint/2010/main" val="500679354"/>
+      </p:ext>
+    </p:extLst>
+  </p:cSld>
+  <p:clrMapOvr>
+    <a:masterClrMapping/>
+  </p:clrMapOvr>
+</p:sld>
+</file>
+
+<file path=ppt/slides/slide11.xml><?xml version="1.0" encoding="utf-8"?>
+<p:sld xmlns:a="http://schemas.openxmlformats.org/drawingml/2006/main" xmlns:r="http://schemas.openxmlformats.org/officeDocument/2006/relationships" xmlns:p="http://schemas.openxmlformats.org/presentationml/2006/main">
+  <p:cSld>
+    <p:bg>
+      <p:bgPr>
+        <a:solidFill>
+          <a:schemeClr val="bg1"/>
+        </a:solidFill>
+        <a:effectLst/>
+      </p:bgPr>
+    </p:bg>
+    <p:spTree>
+      <p:nvGrpSpPr>
+        <p:cNvPr id="1" name=""/>
+        <p:cNvGrpSpPr/>
+        <p:nvPr/>
+      </p:nvGrpSpPr>
+      <p:grpSpPr>
+        <a:xfrm>
+          <a:off x="0" y="0"/>
+          <a:ext cx="0" cy="0"/>
+          <a:chOff x="0" y="0"/>
+          <a:chExt cx="0" cy="0"/>
+        </a:xfrm>
+      </p:grpSpPr>
+      <p:sp useBgFill="1">
+        <p:nvSpPr>
+          <p:cNvPr id="10" name="Rectangle 9">
+            <a:extLst>
+              <a:ext uri="{FF2B5EF4-FFF2-40B4-BE49-F238E27FC236}">
+                <a16:creationId xmlns:a16="http://schemas.microsoft.com/office/drawing/2014/main" id="{A3363022-C969-41E9-8EB2-E4C94908C1FA}"/>
+              </a:ext>
+              <a:ext uri="{C183D7F6-B498-43B3-948B-1728B52AA6E4}">
+                <adec:decorative xmlns:adec="http://schemas.microsoft.com/office/drawing/2017/decorative" val="1"/>
+              </a:ext>
+            </a:extLst>
+          </p:cNvPr>
+          <p:cNvSpPr>
+            <a:spLocks noGrp="1" noRot="1" noChangeAspect="1" noMove="1" noResize="1" noEditPoints="1" noAdjustHandles="1" noChangeArrowheads="1" noChangeShapeType="1" noTextEdit="1"/>
+          </p:cNvSpPr>
+          <p:nvPr>
+            <p:extLst>
+              <p:ext uri="{386F3935-93C4-4BCD-93E2-E3B085C9AB24}">
+                <p16:designElem xmlns:p16="http://schemas.microsoft.com/office/powerpoint/2015/main" val="1"/>
+              </p:ext>
+            </p:extLst>
+          </p:nvPr>
+        </p:nvSpPr>
+        <p:spPr>
+          <a:xfrm>
+            <a:off x="0" y="-1"/>
+            <a:ext cx="12191695" cy="6852025"/>
+          </a:xfrm>
+          <a:prstGeom prst="rect">
+            <a:avLst/>
+          </a:prstGeom>
+          <a:ln>
+            <a:noFill/>
+          </a:ln>
+        </p:spPr>
+        <p:style>
+          <a:lnRef idx="2">
+            <a:schemeClr val="accent1">
+              <a:shade val="50000"/>
+            </a:schemeClr>
+          </a:lnRef>
+          <a:fillRef idx="1">
+            <a:schemeClr val="accent1"/>
+          </a:fillRef>
+          <a:effectRef idx="0">
+            <a:schemeClr val="accent1"/>
+          </a:effectRef>
+          <a:fontRef idx="minor">
+            <a:schemeClr val="lt1"/>
+          </a:fontRef>
+        </p:style>
+        <p:txBody>
+          <a:bodyPr rtlCol="0" anchor="ctr"/>
+          <a:lstStyle/>
+          <a:p>
+            <a:pPr algn="ctr"/>
+            <a:endParaRPr lang="en-US"/>
+          </a:p>
+        </p:txBody>
+      </p:sp>
+      <p:sp>
+        <p:nvSpPr>
+          <p:cNvPr id="12" name="Rectangle 11">
+            <a:extLst>
+              <a:ext uri="{FF2B5EF4-FFF2-40B4-BE49-F238E27FC236}">
+                <a16:creationId xmlns:a16="http://schemas.microsoft.com/office/drawing/2014/main" id="{8D1AD6B3-BE88-4CEB-BA17-790657CC4729}"/>
+              </a:ext>
+              <a:ext uri="{C183D7F6-B498-43B3-948B-1728B52AA6E4}">
+                <adec:decorative xmlns:adec="http://schemas.microsoft.com/office/drawing/2017/decorative" val="1"/>
+              </a:ext>
+            </a:extLst>
+          </p:cNvPr>
+          <p:cNvSpPr>
+            <a:spLocks noGrp="1" noRot="1" noChangeAspect="1" noMove="1" noResize="1" noEditPoints="1" noAdjustHandles="1" noChangeArrowheads="1" noChangeShapeType="1" noTextEdit="1"/>
+          </p:cNvSpPr>
+          <p:nvPr>
+            <p:extLst>
+              <p:ext uri="{386F3935-93C4-4BCD-93E2-E3B085C9AB24}">
+                <p16:designElem xmlns:p16="http://schemas.microsoft.com/office/powerpoint/2015/main" val="1"/>
+              </p:ext>
+            </p:extLst>
+          </p:nvPr>
+        </p:nvSpPr>
+        <p:spPr>
+          <a:xfrm>
+            <a:off x="305" y="0"/>
+            <a:ext cx="12191695" cy="6858000"/>
+          </a:xfrm>
+          <a:prstGeom prst="rect">
+            <a:avLst/>
+          </a:prstGeom>
+          <a:solidFill>
+            <a:schemeClr val="bg1"/>
+          </a:solidFill>
+          <a:ln>
+            <a:noFill/>
+          </a:ln>
+        </p:spPr>
+        <p:style>
+          <a:lnRef idx="2">
+            <a:schemeClr val="accent1">
+              <a:shade val="50000"/>
+            </a:schemeClr>
+          </a:lnRef>
+          <a:fillRef idx="1">
+            <a:schemeClr val="accent1"/>
+          </a:fillRef>
+          <a:effectRef idx="0">
+            <a:schemeClr val="accent1"/>
+          </a:effectRef>
+          <a:fontRef idx="minor">
+            <a:schemeClr val="lt1"/>
+          </a:fontRef>
+        </p:style>
+        <p:txBody>
+          <a:bodyPr rtlCol="0" anchor="ctr"/>
+          <a:lstStyle/>
+          <a:p>
+            <a:pPr algn="ctr"/>
+            <a:endParaRPr lang="en-US"/>
+          </a:p>
+        </p:txBody>
+      </p:sp>
+      <p:sp>
+        <p:nvSpPr>
+          <p:cNvPr id="2" name="Title 1">
+            <a:extLst>
+              <a:ext uri="{FF2B5EF4-FFF2-40B4-BE49-F238E27FC236}">
+                <a16:creationId xmlns:a16="http://schemas.microsoft.com/office/drawing/2014/main" id="{202E0B7C-6760-7297-6D75-C041783ADB78}"/>
+              </a:ext>
+            </a:extLst>
+          </p:cNvPr>
+          <p:cNvSpPr>
+            <a:spLocks noGrp="1"/>
+          </p:cNvSpPr>
+          <p:nvPr>
+            <p:ph type="title"/>
+          </p:nvPr>
+        </p:nvSpPr>
+        <p:spPr>
+          <a:xfrm>
+            <a:off x="6590662" y="4267832"/>
+            <a:ext cx="4805996" cy="1297115"/>
+          </a:xfrm>
+        </p:spPr>
+        <p:txBody>
+          <a:bodyPr vert="horz" lIns="91440" tIns="45720" rIns="91440" bIns="45720" rtlCol="0" anchor="t">
+            <a:normAutofit/>
+          </a:bodyPr>
+          <a:lstStyle/>
+          <a:p>
+            <a:r>
+              <a:rPr lang="en-US" sz="4000" kern="1200">
+                <a:solidFill>
+                  <a:schemeClr val="tx2"/>
+                </a:solidFill>
+                <a:latin typeface="+mj-lt"/>
+                <a:ea typeface="+mj-ea"/>
+                <a:cs typeface="+mj-cs"/>
+              </a:rPr>
+              <a:t>Deeper dive into specific categories</a:t>
+            </a:r>
+          </a:p>
+        </p:txBody>
+      </p:sp>
+      <p:pic>
+        <p:nvPicPr>
+          <p:cNvPr id="7" name="Graphic 6" descr="Magnifying glass">
+            <a:extLst>
+              <a:ext uri="{FF2B5EF4-FFF2-40B4-BE49-F238E27FC236}">
+                <a16:creationId xmlns:a16="http://schemas.microsoft.com/office/drawing/2014/main" id="{EEE38355-17E1-B9C1-0273-2F0728EAA93F}"/>
+              </a:ext>
+            </a:extLst>
+          </p:cNvPr>
+          <p:cNvPicPr>
+            <a:picLocks noChangeAspect="1"/>
+          </p:cNvPicPr>
+          <p:nvPr/>
+        </p:nvPicPr>
+        <p:blipFill>
+          <a:blip r:embed="rId2">
+            <a:extLst>
+              <a:ext uri="{28A0092B-C50C-407E-A947-70E740481C1C}">
+                <a14:useLocalDpi xmlns:a14="http://schemas.microsoft.com/office/drawing/2010/main" val="0"/>
+              </a:ext>
+              <a:ext uri="{96DAC541-7B7A-43D3-8B79-37D633B846F1}">
+                <asvg:svgBlip xmlns:asvg="http://schemas.microsoft.com/office/drawing/2016/SVG/main" r:embed="rId3"/>
+              </a:ext>
+            </a:extLst>
+          </a:blip>
+          <a:stretch>
+            <a:fillRect/>
+          </a:stretch>
+        </p:blipFill>
+        <p:spPr>
+          <a:xfrm>
+            <a:off x="340470" y="1815320"/>
+            <a:ext cx="4141760" cy="4141760"/>
+          </a:xfrm>
+          <a:custGeom>
+            <a:avLst/>
+            <a:gdLst/>
+            <a:ahLst/>
+            <a:cxnLst/>
+            <a:rect l="l" t="t" r="r" b="b"/>
+            <a:pathLst>
+              <a:path w="4141760" h="4377846">
+                <a:moveTo>
+                  <a:pt x="0" y="0"/>
+                </a:moveTo>
+                <a:lnTo>
+                  <a:pt x="4141760" y="0"/>
+                </a:lnTo>
+                <a:lnTo>
+                  <a:pt x="4141760" y="4377846"/>
+                </a:lnTo>
+                <a:lnTo>
+                  <a:pt x="0" y="4377846"/>
+                </a:lnTo>
+                <a:close/>
+              </a:path>
+            </a:pathLst>
+          </a:custGeom>
+        </p:spPr>
+      </p:pic>
+      <p:grpSp>
+        <p:nvGrpSpPr>
+          <p:cNvPr id="14" name="Group 13">
+            <a:extLst>
+              <a:ext uri="{FF2B5EF4-FFF2-40B4-BE49-F238E27FC236}">
+                <a16:creationId xmlns:a16="http://schemas.microsoft.com/office/drawing/2014/main" id="{89D1390B-7E13-4B4F-9CB2-391063412E54}"/>
+              </a:ext>
+              <a:ext uri="{C183D7F6-B498-43B3-948B-1728B52AA6E4}">
+                <adec:decorative xmlns:adec="http://schemas.microsoft.com/office/drawing/2017/decorative" val="1"/>
+              </a:ext>
+            </a:extLst>
+          </p:cNvPr>
+          <p:cNvGrpSpPr>
+            <a:grpSpLocks noGrp="1" noUngrp="1" noRot="1" noChangeAspect="1" noMove="1" noResize="1"/>
+          </p:cNvGrpSpPr>
+          <p:nvPr>
+            <p:extLst>
+              <p:ext uri="{386F3935-93C4-4BCD-93E2-E3B085C9AB24}">
+                <p16:designElem xmlns:p16="http://schemas.microsoft.com/office/powerpoint/2015/main" val="1"/>
+              </p:ext>
+            </p:extLst>
+          </p:nvPr>
+        </p:nvGrpSpPr>
+        <p:grpSpPr>
+          <a:xfrm>
+            <a:off x="-4253" y="-5977"/>
+            <a:ext cx="6238675" cy="6863979"/>
+            <a:chOff x="305" y="-5977"/>
+            <a:chExt cx="6238675" cy="6863979"/>
+          </a:xfrm>
+        </p:grpSpPr>
+        <p:sp>
+          <p:nvSpPr>
+            <p:cNvPr id="15" name="Freeform: Shape 14">
+              <a:extLst>
+                <a:ext uri="{FF2B5EF4-FFF2-40B4-BE49-F238E27FC236}">
+                  <a16:creationId xmlns:a16="http://schemas.microsoft.com/office/drawing/2014/main" id="{9E720206-AA49-4786-A932-A2650DE09183}"/>
+                </a:ext>
+                <a:ext uri="{C183D7F6-B498-43B3-948B-1728B52AA6E4}">
+                  <adec:decorative xmlns:adec="http://schemas.microsoft.com/office/drawing/2017/decorative" val="1"/>
+                </a:ext>
+              </a:extLst>
+            </p:cNvPr>
+            <p:cNvSpPr/>
+            <p:nvPr>
+              <p:extLst>
+                <p:ext uri="{386F3935-93C4-4BCD-93E2-E3B085C9AB24}">
+                  <p16:designElem xmlns:p16="http://schemas.microsoft.com/office/powerpoint/2015/main" val="1"/>
+                </p:ext>
+              </p:extLst>
+            </p:nvPr>
+          </p:nvSpPr>
+          <p:spPr>
+            <a:xfrm flipH="1">
+              <a:off x="305" y="34854"/>
+              <a:ext cx="6028697" cy="6817170"/>
+            </a:xfrm>
+            <a:custGeom>
+              <a:avLst/>
+              <a:gdLst>
+                <a:gd name="connsiteX0" fmla="*/ 6028697 w 6028697"/>
+                <a:gd name="connsiteY0" fmla="*/ 6155323 h 6817170"/>
+                <a:gd name="connsiteX1" fmla="*/ 6028697 w 6028697"/>
+                <a:gd name="connsiteY1" fmla="*/ 6817170 h 6817170"/>
+                <a:gd name="connsiteX2" fmla="*/ 5157862 w 6028697"/>
+                <a:gd name="connsiteY2" fmla="*/ 6817170 h 6817170"/>
+                <a:gd name="connsiteX3" fmla="*/ 5347156 w 6028697"/>
+                <a:gd name="connsiteY3" fmla="*/ 6687553 h 6817170"/>
+                <a:gd name="connsiteX4" fmla="*/ 5487470 w 6028697"/>
+                <a:gd name="connsiteY4" fmla="*/ 6581714 h 6817170"/>
+                <a:gd name="connsiteX5" fmla="*/ 5627642 w 6028697"/>
+                <a:gd name="connsiteY5" fmla="*/ 6472328 h 6817170"/>
+                <a:gd name="connsiteX6" fmla="*/ 5911392 w 6028697"/>
+                <a:gd name="connsiteY6" fmla="*/ 6245328 h 6817170"/>
+                <a:gd name="connsiteX7" fmla="*/ 4481066 w 6028697"/>
+                <a:gd name="connsiteY7" fmla="*/ 478 h 6817170"/>
+                <a:gd name="connsiteX8" fmla="*/ 4672258 w 6028697"/>
+                <a:gd name="connsiteY8" fmla="*/ 7519 h 6817170"/>
+                <a:gd name="connsiteX9" fmla="*/ 5429869 w 6028697"/>
+                <a:gd name="connsiteY9" fmla="*/ 125134 h 6817170"/>
+                <a:gd name="connsiteX10" fmla="*/ 5976319 w 6028697"/>
+                <a:gd name="connsiteY10" fmla="*/ 314893 h 6817170"/>
+                <a:gd name="connsiteX11" fmla="*/ 6028697 w 6028697"/>
+                <a:gd name="connsiteY11" fmla="*/ 339901 h 6817170"/>
+                <a:gd name="connsiteX12" fmla="*/ 6028697 w 6028697"/>
+                <a:gd name="connsiteY12" fmla="*/ 732458 h 6817170"/>
+                <a:gd name="connsiteX13" fmla="*/ 5990985 w 6028697"/>
+                <a:gd name="connsiteY13" fmla="*/ 712211 h 6817170"/>
+                <a:gd name="connsiteX14" fmla="*/ 5341339 w 6028697"/>
+                <a:gd name="connsiteY14" fmla="*/ 475281 h 6817170"/>
+                <a:gd name="connsiteX15" fmla="*/ 4651969 w 6028697"/>
+                <a:gd name="connsiteY15" fmla="*/ 377104 h 6817170"/>
+                <a:gd name="connsiteX16" fmla="*/ 3953093 w 6028697"/>
+                <a:gd name="connsiteY16" fmla="*/ 402498 h 6817170"/>
+                <a:gd name="connsiteX17" fmla="*/ 3267413 w 6028697"/>
+                <a:gd name="connsiteY17" fmla="*/ 546643 h 6817170"/>
+                <a:gd name="connsiteX18" fmla="*/ 1439498 w 6028697"/>
+                <a:gd name="connsiteY18" fmla="*/ 1568141 h 6817170"/>
+                <a:gd name="connsiteX19" fmla="*/ 960671 w 6028697"/>
+                <a:gd name="connsiteY19" fmla="*/ 2082013 h 6817170"/>
+                <a:gd name="connsiteX20" fmla="*/ 581866 w 6028697"/>
+                <a:gd name="connsiteY20" fmla="*/ 2672638 h 6817170"/>
+                <a:gd name="connsiteX21" fmla="*/ 324789 w 6028697"/>
+                <a:gd name="connsiteY21" fmla="*/ 3325262 h 6817170"/>
+                <a:gd name="connsiteX22" fmla="*/ 231151 w 6028697"/>
+                <a:gd name="connsiteY22" fmla="*/ 4022292 h 6817170"/>
+                <a:gd name="connsiteX23" fmla="*/ 270592 w 6028697"/>
+                <a:gd name="connsiteY23" fmla="*/ 4362792 h 6817170"/>
+                <a:gd name="connsiteX24" fmla="*/ 387213 w 6028697"/>
+                <a:gd name="connsiteY24" fmla="*/ 4681585 h 6817170"/>
+                <a:gd name="connsiteX25" fmla="*/ 468507 w 6028697"/>
+                <a:gd name="connsiteY25" fmla="*/ 4831546 h 6817170"/>
+                <a:gd name="connsiteX26" fmla="*/ 561862 w 6028697"/>
+                <a:gd name="connsiteY26" fmla="*/ 4976826 h 6817170"/>
+                <a:gd name="connsiteX27" fmla="*/ 777511 w 6028697"/>
+                <a:gd name="connsiteY27" fmla="*/ 5257597 h 6817170"/>
+                <a:gd name="connsiteX28" fmla="*/ 1010895 w 6028697"/>
+                <a:gd name="connsiteY28" fmla="*/ 5540494 h 6817170"/>
+                <a:gd name="connsiteX29" fmla="*/ 1126948 w 6028697"/>
+                <a:gd name="connsiteY29" fmla="*/ 5688186 h 6817170"/>
+                <a:gd name="connsiteX30" fmla="*/ 1182706 w 6028697"/>
+                <a:gd name="connsiteY30" fmla="*/ 5760543 h 6817170"/>
+                <a:gd name="connsiteX31" fmla="*/ 1237327 w 6028697"/>
+                <a:gd name="connsiteY31" fmla="*/ 5830060 h 6817170"/>
+                <a:gd name="connsiteX32" fmla="*/ 1706649 w 6028697"/>
+                <a:gd name="connsiteY32" fmla="*/ 6342797 h 6817170"/>
+                <a:gd name="connsiteX33" fmla="*/ 1956207 w 6028697"/>
+                <a:gd name="connsiteY33" fmla="*/ 6573484 h 6817170"/>
+                <a:gd name="connsiteX34" fmla="*/ 2217681 w 6028697"/>
+                <a:gd name="connsiteY34" fmla="*/ 6786297 h 6817170"/>
+                <a:gd name="connsiteX35" fmla="*/ 2260820 w 6028697"/>
+                <a:gd name="connsiteY35" fmla="*/ 6817170 h 6817170"/>
+                <a:gd name="connsiteX36" fmla="*/ 1429497 w 6028697"/>
+                <a:gd name="connsiteY36" fmla="*/ 6817170 h 6817170"/>
+                <a:gd name="connsiteX37" fmla="*/ 1327275 w 6028697"/>
+                <a:gd name="connsiteY37" fmla="*/ 6713800 h 6817170"/>
+                <a:gd name="connsiteX38" fmla="*/ 1080556 w 6028697"/>
+                <a:gd name="connsiteY38" fmla="*/ 6414443 h 6817170"/>
+                <a:gd name="connsiteX39" fmla="*/ 865189 w 6028697"/>
+                <a:gd name="connsiteY39" fmla="*/ 6097496 h 6817170"/>
+                <a:gd name="connsiteX40" fmla="*/ 814823 w 6028697"/>
+                <a:gd name="connsiteY40" fmla="*/ 6016911 h 6817170"/>
+                <a:gd name="connsiteX41" fmla="*/ 766729 w 6028697"/>
+                <a:gd name="connsiteY41" fmla="*/ 5938453 h 6817170"/>
+                <a:gd name="connsiteX42" fmla="*/ 671672 w 6028697"/>
+                <a:gd name="connsiteY42" fmla="*/ 5786648 h 6817170"/>
+                <a:gd name="connsiteX43" fmla="*/ 474608 w 6028697"/>
+                <a:gd name="connsiteY43" fmla="*/ 5474664 h 6817170"/>
+                <a:gd name="connsiteX44" fmla="*/ 282652 w 6028697"/>
+                <a:gd name="connsiteY44" fmla="*/ 5146508 h 6817170"/>
+                <a:gd name="connsiteX45" fmla="*/ 196108 w 6028697"/>
+                <a:gd name="connsiteY45" fmla="*/ 4972712 h 6817170"/>
+                <a:gd name="connsiteX46" fmla="*/ 122474 w 6028697"/>
+                <a:gd name="connsiteY46" fmla="*/ 4791821 h 6817170"/>
+                <a:gd name="connsiteX47" fmla="*/ 65724 w 6028697"/>
+                <a:gd name="connsiteY47" fmla="*/ 4603129 h 6817170"/>
+                <a:gd name="connsiteX48" fmla="*/ 44727 w 6028697"/>
+                <a:gd name="connsiteY48" fmla="*/ 4506937 h 6817170"/>
+                <a:gd name="connsiteX49" fmla="*/ 35505 w 6028697"/>
+                <a:gd name="connsiteY49" fmla="*/ 4458699 h 6817170"/>
+                <a:gd name="connsiteX50" fmla="*/ 27845 w 6028697"/>
+                <a:gd name="connsiteY50" fmla="*/ 4410320 h 6817170"/>
+                <a:gd name="connsiteX51" fmla="*/ 37 w 6028697"/>
+                <a:gd name="connsiteY51" fmla="*/ 4022292 h 6817170"/>
+                <a:gd name="connsiteX52" fmla="*/ 78777 w 6028697"/>
+                <a:gd name="connsiteY52" fmla="*/ 3267236 h 6817170"/>
+                <a:gd name="connsiteX53" fmla="*/ 315424 w 6028697"/>
+                <a:gd name="connsiteY53" fmla="*/ 2543673 h 6817170"/>
+                <a:gd name="connsiteX54" fmla="*/ 1202710 w 6028697"/>
+                <a:gd name="connsiteY54" fmla="*/ 1314895 h 6817170"/>
+                <a:gd name="connsiteX55" fmla="*/ 1791065 w 6028697"/>
+                <a:gd name="connsiteY55" fmla="*/ 833514 h 6817170"/>
+                <a:gd name="connsiteX56" fmla="*/ 3908404 w 6028697"/>
+                <a:gd name="connsiteY56" fmla="*/ 29794 h 6817170"/>
+                <a:gd name="connsiteX57" fmla="*/ 4481066 w 6028697"/>
+                <a:gd name="connsiteY57" fmla="*/ 478 h 6817170"/>
+              </a:gdLst>
+              <a:ahLst/>
+              <a:cxnLst>
+                <a:cxn ang="0">
+                  <a:pos x="connsiteX0" y="connsiteY0"/>
+                </a:cxn>
+                <a:cxn ang="0">
+                  <a:pos x="connsiteX1" y="connsiteY1"/>
+                </a:cxn>
+                <a:cxn ang="0">
+                  <a:pos x="connsiteX2" y="connsiteY2"/>
+                </a:cxn>
+                <a:cxn ang="0">
+                  <a:pos x="connsiteX3" y="connsiteY3"/>
+                </a:cxn>
+                <a:cxn ang="0">
+                  <a:pos x="connsiteX4" y="connsiteY4"/>
+                </a:cxn>
+                <a:cxn ang="0">
+                  <a:pos x="connsiteX5" y="connsiteY5"/>
+                </a:cxn>
+                <a:cxn ang="0">
+                  <a:pos x="connsiteX6" y="connsiteY6"/>
+                </a:cxn>
+                <a:cxn ang="0">
+                  <a:pos x="connsiteX7" y="connsiteY7"/>
+                </a:cxn>
+                <a:cxn ang="0">
+                  <a:pos x="connsiteX8" y="connsiteY8"/>
+                </a:cxn>
+                <a:cxn ang="0">
+                  <a:pos x="connsiteX9" y="connsiteY9"/>
+                </a:cxn>
+                <a:cxn ang="0">
+                  <a:pos x="connsiteX10" y="connsiteY10"/>
+                </a:cxn>
+                <a:cxn ang="0">
+                  <a:pos x="connsiteX11" y="connsiteY11"/>
+                </a:cxn>
+                <a:cxn ang="0">
+                  <a:pos x="connsiteX12" y="connsiteY12"/>
+                </a:cxn>
+                <a:cxn ang="0">
+                  <a:pos x="connsiteX13" y="connsiteY13"/>
+                </a:cxn>
+                <a:cxn ang="0">
+                  <a:pos x="connsiteX14" y="connsiteY14"/>
+                </a:cxn>
+                <a:cxn ang="0">
+                  <a:pos x="connsiteX15" y="connsiteY15"/>
+                </a:cxn>
+                <a:cxn ang="0">
+                  <a:pos x="connsiteX16" y="connsiteY16"/>
+                </a:cxn>
+                <a:cxn ang="0">
+                  <a:pos x="connsiteX17" y="connsiteY17"/>
+                </a:cxn>
+                <a:cxn ang="0">
+                  <a:pos x="connsiteX18" y="connsiteY18"/>
+                </a:cxn>
+                <a:cxn ang="0">
+                  <a:pos x="connsiteX19" y="connsiteY19"/>
+                </a:cxn>
+                <a:cxn ang="0">
+                  <a:pos x="connsiteX20" y="connsiteY20"/>
+                </a:cxn>
+                <a:cxn ang="0">
+                  <a:pos x="connsiteX21" y="connsiteY21"/>
+                </a:cxn>
+                <a:cxn ang="0">
+                  <a:pos x="connsiteX22" y="connsiteY22"/>
+                </a:cxn>
+                <a:cxn ang="0">
+                  <a:pos x="connsiteX23" y="connsiteY23"/>
+                </a:cxn>
+                <a:cxn ang="0">
+                  <a:pos x="connsiteX24" y="connsiteY24"/>
+                </a:cxn>
+                <a:cxn ang="0">
+                  <a:pos x="connsiteX25" y="connsiteY25"/>
+                </a:cxn>
+                <a:cxn ang="0">
+                  <a:pos x="connsiteX26" y="connsiteY26"/>
+                </a:cxn>
+                <a:cxn ang="0">
+                  <a:pos x="connsiteX27" y="connsiteY27"/>
+                </a:cxn>
+                <a:cxn ang="0">
+                  <a:pos x="connsiteX28" y="connsiteY28"/>
+                </a:cxn>
+                <a:cxn ang="0">
+                  <a:pos x="connsiteX29" y="connsiteY29"/>
+                </a:cxn>
+                <a:cxn ang="0">
+                  <a:pos x="connsiteX30" y="connsiteY30"/>
+                </a:cxn>
+                <a:cxn ang="0">
+                  <a:pos x="connsiteX31" y="connsiteY31"/>
+                </a:cxn>
+                <a:cxn ang="0">
+                  <a:pos x="connsiteX32" y="connsiteY32"/>
+                </a:cxn>
+                <a:cxn ang="0">
+                  <a:pos x="connsiteX33" y="connsiteY33"/>
+                </a:cxn>
+                <a:cxn ang="0">
+                  <a:pos x="connsiteX34" y="connsiteY34"/>
+                </a:cxn>
+                <a:cxn ang="0">
+                  <a:pos x="connsiteX35" y="connsiteY35"/>
+                </a:cxn>
+                <a:cxn ang="0">
+                  <a:pos x="connsiteX36" y="connsiteY36"/>
+                </a:cxn>
+                <a:cxn ang="0">
+                  <a:pos x="connsiteX37" y="connsiteY37"/>
+                </a:cxn>
+                <a:cxn ang="0">
+                  <a:pos x="connsiteX38" y="connsiteY38"/>
+                </a:cxn>
+                <a:cxn ang="0">
+                  <a:pos x="connsiteX39" y="connsiteY39"/>
+                </a:cxn>
+                <a:cxn ang="0">
+                  <a:pos x="connsiteX40" y="connsiteY40"/>
+                </a:cxn>
+                <a:cxn ang="0">
+                  <a:pos x="connsiteX41" y="connsiteY41"/>
+                </a:cxn>
+                <a:cxn ang="0">
+                  <a:pos x="connsiteX42" y="connsiteY42"/>
+                </a:cxn>
+                <a:cxn ang="0">
+                  <a:pos x="connsiteX43" y="connsiteY43"/>
+                </a:cxn>
+                <a:cxn ang="0">
+                  <a:pos x="connsiteX44" y="connsiteY44"/>
+                </a:cxn>
+                <a:cxn ang="0">
+                  <a:pos x="connsiteX45" y="connsiteY45"/>
+                </a:cxn>
+                <a:cxn ang="0">
+                  <a:pos x="connsiteX46" y="connsiteY46"/>
+                </a:cxn>
+                <a:cxn ang="0">
+                  <a:pos x="connsiteX47" y="connsiteY47"/>
+                </a:cxn>
+                <a:cxn ang="0">
+                  <a:pos x="connsiteX48" y="connsiteY48"/>
+                </a:cxn>
+                <a:cxn ang="0">
+                  <a:pos x="connsiteX49" y="connsiteY49"/>
+                </a:cxn>
+                <a:cxn ang="0">
+                  <a:pos x="connsiteX50" y="connsiteY50"/>
+                </a:cxn>
+                <a:cxn ang="0">
+                  <a:pos x="connsiteX51" y="connsiteY51"/>
+                </a:cxn>
+                <a:cxn ang="0">
+                  <a:pos x="connsiteX52" y="connsiteY52"/>
+                </a:cxn>
+                <a:cxn ang="0">
+                  <a:pos x="connsiteX53" y="connsiteY53"/>
+                </a:cxn>
+                <a:cxn ang="0">
+                  <a:pos x="connsiteX54" y="connsiteY54"/>
+                </a:cxn>
+                <a:cxn ang="0">
+                  <a:pos x="connsiteX55" y="connsiteY55"/>
+                </a:cxn>
+                <a:cxn ang="0">
+                  <a:pos x="connsiteX56" y="connsiteY56"/>
+                </a:cxn>
+                <a:cxn ang="0">
+                  <a:pos x="connsiteX57" y="connsiteY57"/>
+                </a:cxn>
+              </a:cxnLst>
+              <a:rect l="l" t="t" r="r" b="b"/>
+              <a:pathLst>
+                <a:path w="6028697" h="6817170">
+                  <a:moveTo>
+                    <a:pt x="6028697" y="6155323"/>
+                  </a:moveTo>
+                  <a:lnTo>
+                    <a:pt x="6028697" y="6817170"/>
+                  </a:lnTo>
+                  <a:lnTo>
+                    <a:pt x="5157862" y="6817170"/>
+                  </a:lnTo>
+                  <a:lnTo>
+                    <a:pt x="5347156" y="6687553"/>
+                  </a:lnTo>
+                  <a:cubicBezTo>
+                    <a:pt x="5394117" y="6653219"/>
+                    <a:pt x="5440793" y="6617608"/>
+                    <a:pt x="5487470" y="6581714"/>
+                  </a:cubicBezTo>
+                  <a:cubicBezTo>
+                    <a:pt x="5534147" y="6545820"/>
+                    <a:pt x="5580966" y="6509358"/>
+                    <a:pt x="5627642" y="6472328"/>
+                  </a:cubicBezTo>
+                  <a:lnTo>
+                    <a:pt x="5911392" y="6245328"/>
+                  </a:lnTo>
+                  <a:close/>
+                  <a:moveTo>
+                    <a:pt x="4481066" y="478"/>
+                  </a:moveTo>
+                  <a:cubicBezTo>
+                    <a:pt x="4544817" y="1422"/>
+                    <a:pt x="4608563" y="3769"/>
+                    <a:pt x="4672258" y="7519"/>
+                  </a:cubicBezTo>
+                  <a:cubicBezTo>
+                    <a:pt x="4927973" y="22364"/>
+                    <a:pt x="5181687" y="61751"/>
+                    <a:pt x="5429869" y="125134"/>
+                  </a:cubicBezTo>
+                  <a:cubicBezTo>
+                    <a:pt x="5617090" y="173104"/>
+                    <a:pt x="5799867" y="236595"/>
+                    <a:pt x="5976319" y="314893"/>
+                  </a:cubicBezTo>
+                  <a:lnTo>
+                    <a:pt x="6028697" y="339901"/>
+                  </a:lnTo>
+                  <a:lnTo>
+                    <a:pt x="6028697" y="732458"/>
+                  </a:lnTo>
+                  <a:lnTo>
+                    <a:pt x="5990985" y="712211"/>
+                  </a:lnTo>
+                  <a:cubicBezTo>
+                    <a:pt x="5783917" y="609342"/>
+                    <a:pt x="5566013" y="529876"/>
+                    <a:pt x="5341339" y="475281"/>
+                  </a:cubicBezTo>
+                  <a:cubicBezTo>
+                    <a:pt x="5115233" y="420503"/>
+                    <a:pt x="4884375" y="387624"/>
+                    <a:pt x="4651969" y="377104"/>
+                  </a:cubicBezTo>
+                  <a:cubicBezTo>
+                    <a:pt x="4418713" y="365171"/>
+                    <a:pt x="4184861" y="373670"/>
+                    <a:pt x="3953093" y="402498"/>
+                  </a:cubicBezTo>
+                  <a:cubicBezTo>
+                    <a:pt x="3721001" y="431832"/>
+                    <a:pt x="3491675" y="480040"/>
+                    <a:pt x="3267413" y="546643"/>
+                  </a:cubicBezTo>
+                  <a:cubicBezTo>
+                    <a:pt x="2591323" y="750761"/>
+                    <a:pt x="1967642" y="1099289"/>
+                    <a:pt x="1439498" y="1568141"/>
+                  </a:cubicBezTo>
+                  <a:cubicBezTo>
+                    <a:pt x="1265589" y="1725523"/>
+                    <a:pt x="1105393" y="1897434"/>
+                    <a:pt x="960671" y="2082013"/>
+                  </a:cubicBezTo>
+                  <a:cubicBezTo>
+                    <a:pt x="815775" y="2266294"/>
+                    <a:pt x="688923" y="2464081"/>
+                    <a:pt x="581866" y="2672638"/>
+                  </a:cubicBezTo>
+                  <a:cubicBezTo>
+                    <a:pt x="473765" y="2880669"/>
+                    <a:pt x="387610" y="3099397"/>
+                    <a:pt x="324789" y="3325262"/>
+                  </a:cubicBezTo>
+                  <a:cubicBezTo>
+                    <a:pt x="262714" y="3552403"/>
+                    <a:pt x="231223" y="3786822"/>
+                    <a:pt x="231151" y="4022292"/>
+                  </a:cubicBezTo>
+                  <a:cubicBezTo>
+                    <a:pt x="231413" y="4136912"/>
+                    <a:pt x="244645" y="4251136"/>
+                    <a:pt x="270592" y="4362792"/>
+                  </a:cubicBezTo>
+                  <a:cubicBezTo>
+                    <a:pt x="297885" y="4472943"/>
+                    <a:pt x="336983" y="4579833"/>
+                    <a:pt x="387213" y="4681585"/>
+                  </a:cubicBezTo>
+                  <a:cubicBezTo>
+                    <a:pt x="412042" y="4732517"/>
+                    <a:pt x="439423" y="4782457"/>
+                    <a:pt x="468507" y="4831546"/>
+                  </a:cubicBezTo>
+                  <a:cubicBezTo>
+                    <a:pt x="497591" y="4880636"/>
+                    <a:pt x="529230" y="4929015"/>
+                    <a:pt x="561862" y="4976826"/>
+                  </a:cubicBezTo>
+                  <a:cubicBezTo>
+                    <a:pt x="627975" y="5072166"/>
+                    <a:pt x="701466" y="5164668"/>
+                    <a:pt x="777511" y="5257597"/>
+                  </a:cubicBezTo>
+                  <a:cubicBezTo>
+                    <a:pt x="853556" y="5350524"/>
+                    <a:pt x="933574" y="5443594"/>
+                    <a:pt x="1010895" y="5540494"/>
+                  </a:cubicBezTo>
+                  <a:cubicBezTo>
+                    <a:pt x="1049957" y="5588732"/>
+                    <a:pt x="1088642" y="5637963"/>
+                    <a:pt x="1126948" y="5688186"/>
+                  </a:cubicBezTo>
+                  <a:lnTo>
+                    <a:pt x="1182706" y="5760543"/>
+                  </a:lnTo>
+                  <a:cubicBezTo>
+                    <a:pt x="1201007" y="5783669"/>
+                    <a:pt x="1218458" y="5807503"/>
+                    <a:pt x="1237327" y="5830060"/>
+                  </a:cubicBezTo>
+                  <a:cubicBezTo>
+                    <a:pt x="1383714" y="6009916"/>
+                    <a:pt x="1540413" y="6181116"/>
+                    <a:pt x="1706649" y="6342797"/>
+                  </a:cubicBezTo>
+                  <a:cubicBezTo>
+                    <a:pt x="1788084" y="6422531"/>
+                    <a:pt x="1871265" y="6499427"/>
+                    <a:pt x="1956207" y="6573484"/>
+                  </a:cubicBezTo>
+                  <a:cubicBezTo>
+                    <a:pt x="2041332" y="6647402"/>
+                    <a:pt x="2127733" y="6718907"/>
+                    <a:pt x="2217681" y="6786297"/>
+                  </a:cubicBezTo>
+                  <a:lnTo>
+                    <a:pt x="2260820" y="6817170"/>
+                  </a:lnTo>
+                  <a:lnTo>
+                    <a:pt x="1429497" y="6817170"/>
+                  </a:lnTo>
+                  <a:lnTo>
+                    <a:pt x="1327275" y="6713800"/>
+                  </a:lnTo>
+                  <a:cubicBezTo>
+                    <a:pt x="1239186" y="6618984"/>
+                    <a:pt x="1156797" y="6519019"/>
+                    <a:pt x="1080556" y="6414443"/>
+                  </a:cubicBezTo>
+                  <a:cubicBezTo>
+                    <a:pt x="1004653" y="6310734"/>
+                    <a:pt x="932439" y="6205177"/>
+                    <a:pt x="865189" y="6097496"/>
+                  </a:cubicBezTo>
+                  <a:cubicBezTo>
+                    <a:pt x="847881" y="6070823"/>
+                    <a:pt x="831565" y="6043725"/>
+                    <a:pt x="814823" y="6016911"/>
+                  </a:cubicBezTo>
+                  <a:lnTo>
+                    <a:pt x="766729" y="5938453"/>
+                  </a:lnTo>
+                  <a:cubicBezTo>
+                    <a:pt x="735941" y="5887947"/>
+                    <a:pt x="703878" y="5837581"/>
+                    <a:pt x="671672" y="5786648"/>
+                  </a:cubicBezTo>
+                  <a:lnTo>
+                    <a:pt x="474608" y="5474664"/>
+                  </a:lnTo>
+                  <a:cubicBezTo>
+                    <a:pt x="408778" y="5368968"/>
+                    <a:pt x="343516" y="5260008"/>
+                    <a:pt x="282652" y="5146508"/>
+                  </a:cubicBezTo>
+                  <a:cubicBezTo>
+                    <a:pt x="252290" y="5089759"/>
+                    <a:pt x="223065" y="5032015"/>
+                    <a:pt x="196108" y="4972712"/>
+                  </a:cubicBezTo>
+                  <a:cubicBezTo>
+                    <a:pt x="169152" y="4913408"/>
+                    <a:pt x="144607" y="4853111"/>
+                    <a:pt x="122474" y="4791821"/>
+                  </a:cubicBezTo>
+                  <a:cubicBezTo>
+                    <a:pt x="100342" y="4730532"/>
+                    <a:pt x="81757" y="4666830"/>
+                    <a:pt x="65724" y="4603129"/>
+                  </a:cubicBezTo>
+                  <a:cubicBezTo>
+                    <a:pt x="58205" y="4571064"/>
+                    <a:pt x="50828" y="4539143"/>
+                    <a:pt x="44727" y="4506937"/>
+                  </a:cubicBezTo>
+                  <a:lnTo>
+                    <a:pt x="35505" y="4458699"/>
+                  </a:lnTo>
+                  <a:lnTo>
+                    <a:pt x="27845" y="4410320"/>
+                  </a:lnTo>
+                  <a:cubicBezTo>
+                    <a:pt x="8635" y="4281881"/>
+                    <a:pt x="-661" y="4152150"/>
+                    <a:pt x="37" y="4022292"/>
+                  </a:cubicBezTo>
+                  <a:cubicBezTo>
+                    <a:pt x="712" y="3768592"/>
+                    <a:pt x="27094" y="3515615"/>
+                    <a:pt x="78777" y="3267236"/>
+                  </a:cubicBezTo>
+                  <a:cubicBezTo>
+                    <a:pt x="130048" y="3017876"/>
+                    <a:pt x="209439" y="2775142"/>
+                    <a:pt x="315424" y="2543673"/>
+                  </a:cubicBezTo>
+                  <a:cubicBezTo>
+                    <a:pt x="528236" y="2081161"/>
+                    <a:pt x="838234" y="1667312"/>
+                    <a:pt x="1202710" y="1314895"/>
+                  </a:cubicBezTo>
+                  <a:cubicBezTo>
+                    <a:pt x="1385514" y="1138814"/>
+                    <a:pt x="1582282" y="977831"/>
+                    <a:pt x="1791065" y="833514"/>
+                  </a:cubicBezTo>
+                  <a:cubicBezTo>
+                    <a:pt x="2420037" y="395614"/>
+                    <a:pt x="3147288" y="119557"/>
+                    <a:pt x="3908404" y="29794"/>
+                  </a:cubicBezTo>
+                  <a:cubicBezTo>
+                    <a:pt x="4098509" y="7429"/>
+                    <a:pt x="4289811" y="-2355"/>
+                    <a:pt x="4481066" y="478"/>
+                  </a:cubicBezTo>
+                  <a:close/>
+                </a:path>
+              </a:pathLst>
+            </a:custGeom>
+            <a:gradFill>
+              <a:gsLst>
+                <a:gs pos="2000">
+                  <a:schemeClr val="bg1">
+                    <a:alpha val="10000"/>
+                  </a:schemeClr>
+                </a:gs>
+                <a:gs pos="16000">
+                  <a:schemeClr val="accent6">
+                    <a:alpha val="10000"/>
+                  </a:schemeClr>
+                </a:gs>
+                <a:gs pos="100000">
+                  <a:schemeClr val="bg1">
+                    <a:alpha val="10000"/>
+                  </a:schemeClr>
+                </a:gs>
+                <a:gs pos="85000">
+                  <a:schemeClr val="accent1">
+                    <a:alpha val="10000"/>
+                  </a:schemeClr>
+                </a:gs>
+              </a:gsLst>
+              <a:lin ang="12000000" scaled="0"/>
+            </a:gradFill>
+            <a:ln>
+              <a:noFill/>
+            </a:ln>
+          </p:spPr>
+          <p:style>
+            <a:lnRef idx="2">
+              <a:schemeClr val="accent1">
+                <a:shade val="50000"/>
+              </a:schemeClr>
+            </a:lnRef>
+            <a:fillRef idx="1">
+              <a:schemeClr val="accent1"/>
+            </a:fillRef>
+            <a:effectRef idx="0">
+              <a:schemeClr val="accent1"/>
+            </a:effectRef>
+            <a:fontRef idx="minor">
+              <a:schemeClr val="lt1"/>
+            </a:fontRef>
+          </p:style>
+          <p:txBody>
+            <a:bodyPr rtlCol="0" anchor="ctr"/>
+            <a:lstStyle/>
+            <a:p>
+              <a:pPr algn="ctr"/>
+              <a:endParaRPr lang="en-US" dirty="0"/>
+            </a:p>
+          </p:txBody>
+        </p:sp>
+        <p:sp>
+          <p:nvSpPr>
+            <p:cNvPr id="16" name="Freeform: Shape 15">
+              <a:extLst>
+                <a:ext uri="{FF2B5EF4-FFF2-40B4-BE49-F238E27FC236}">
+                  <a16:creationId xmlns:a16="http://schemas.microsoft.com/office/drawing/2014/main" id="{C72F6EE6-EDE9-45A5-8F6D-02B9B7CB2C2F}"/>
+                </a:ext>
+                <a:ext uri="{C183D7F6-B498-43B3-948B-1728B52AA6E4}">
+                  <adec:decorative xmlns:adec="http://schemas.microsoft.com/office/drawing/2017/decorative" val="1"/>
+                </a:ext>
+              </a:extLst>
+            </p:cNvPr>
+            <p:cNvSpPr/>
+            <p:nvPr>
+              <p:extLst>
+                <p:ext uri="{386F3935-93C4-4BCD-93E2-E3B085C9AB24}">
+                  <p16:designElem xmlns:p16="http://schemas.microsoft.com/office/powerpoint/2015/main" val="1"/>
+                </p:ext>
+              </p:extLst>
+            </p:nvPr>
+          </p:nvSpPr>
+          <p:spPr>
+            <a:xfrm flipH="1">
+              <a:off x="305" y="1"/>
+              <a:ext cx="6165116" cy="6858001"/>
+            </a:xfrm>
+            <a:custGeom>
+              <a:avLst/>
+              <a:gdLst>
+                <a:gd name="connsiteX0" fmla="*/ 6264586 w 6264586"/>
+                <a:gd name="connsiteY0" fmla="*/ 6646464 h 6858001"/>
+                <a:gd name="connsiteX1" fmla="*/ 6264586 w 6264586"/>
+                <a:gd name="connsiteY1" fmla="*/ 6858001 h 6858001"/>
+                <a:gd name="connsiteX2" fmla="*/ 5997170 w 6264586"/>
+                <a:gd name="connsiteY2" fmla="*/ 6858001 h 6858001"/>
+                <a:gd name="connsiteX3" fmla="*/ 6121512 w 6264586"/>
+                <a:gd name="connsiteY3" fmla="*/ 6761029 h 6858001"/>
+                <a:gd name="connsiteX4" fmla="*/ 2693206 w 6264586"/>
+                <a:gd name="connsiteY4" fmla="*/ 0 h 6858001"/>
+                <a:gd name="connsiteX5" fmla="*/ 5872285 w 6264586"/>
+                <a:gd name="connsiteY5" fmla="*/ 0 h 6858001"/>
+                <a:gd name="connsiteX6" fmla="*/ 6024875 w 6264586"/>
+                <a:gd name="connsiteY6" fmla="*/ 68385 h 6858001"/>
+                <a:gd name="connsiteX7" fmla="*/ 6206432 w 6264586"/>
+                <a:gd name="connsiteY7" fmla="*/ 162336 h 6858001"/>
+                <a:gd name="connsiteX8" fmla="*/ 6264586 w 6264586"/>
+                <a:gd name="connsiteY8" fmla="*/ 196704 h 6858001"/>
+                <a:gd name="connsiteX9" fmla="*/ 6264586 w 6264586"/>
+                <a:gd name="connsiteY9" fmla="*/ 537242 h 6858001"/>
+                <a:gd name="connsiteX10" fmla="*/ 6230189 w 6264586"/>
+                <a:gd name="connsiteY10" fmla="*/ 517260 h 6858001"/>
+                <a:gd name="connsiteX11" fmla="*/ 5540536 w 6264586"/>
+                <a:gd name="connsiteY11" fmla="*/ 249543 h 6858001"/>
+                <a:gd name="connsiteX12" fmla="*/ 5178896 w 6264586"/>
+                <a:gd name="connsiteY12" fmla="*/ 178606 h 6858001"/>
+                <a:gd name="connsiteX13" fmla="*/ 4814279 w 6264586"/>
+                <a:gd name="connsiteY13" fmla="*/ 146683 h 6858001"/>
+                <a:gd name="connsiteX14" fmla="*/ 4655095 w 6264586"/>
+                <a:gd name="connsiteY14" fmla="*/ 143421 h 6858001"/>
+                <a:gd name="connsiteX15" fmla="*/ 4081069 w 6264586"/>
+                <a:gd name="connsiteY15" fmla="*/ 185983 h 6858001"/>
+                <a:gd name="connsiteX16" fmla="*/ 3720566 w 6264586"/>
+                <a:gd name="connsiteY16" fmla="*/ 256921 h 6858001"/>
+                <a:gd name="connsiteX17" fmla="*/ 3365879 w 6264586"/>
+                <a:gd name="connsiteY17" fmla="*/ 357651 h 6858001"/>
+                <a:gd name="connsiteX18" fmla="*/ 3020555 w 6264586"/>
+                <a:gd name="connsiteY18" fmla="*/ 486190 h 6858001"/>
+                <a:gd name="connsiteX19" fmla="*/ 2685163 w 6264586"/>
+                <a:gd name="connsiteY19" fmla="*/ 641542 h 6858001"/>
+                <a:gd name="connsiteX20" fmla="*/ 2047720 w 6264586"/>
+                <a:gd name="connsiteY20" fmla="*/ 1025030 h 6858001"/>
+                <a:gd name="connsiteX21" fmla="*/ 1897333 w 6264586"/>
+                <a:gd name="connsiteY21" fmla="*/ 1134983 h 6858001"/>
+                <a:gd name="connsiteX22" fmla="*/ 1835758 w 6264586"/>
+                <a:gd name="connsiteY22" fmla="*/ 1182227 h 6858001"/>
+                <a:gd name="connsiteX23" fmla="*/ 1823273 w 6264586"/>
+                <a:gd name="connsiteY23" fmla="*/ 1192016 h 6858001"/>
+                <a:gd name="connsiteX24" fmla="*/ 1750918 w 6264586"/>
+                <a:gd name="connsiteY24" fmla="*/ 1249760 h 6858001"/>
+                <a:gd name="connsiteX25" fmla="*/ 1469297 w 6264586"/>
+                <a:gd name="connsiteY25" fmla="*/ 1496906 h 6858001"/>
+                <a:gd name="connsiteX26" fmla="*/ 967769 w 6264586"/>
+                <a:gd name="connsiteY26" fmla="*/ 2056602 h 6858001"/>
+                <a:gd name="connsiteX27" fmla="*/ 754105 w 6264586"/>
+                <a:gd name="connsiteY27" fmla="*/ 2368727 h 6858001"/>
+                <a:gd name="connsiteX28" fmla="*/ 572364 w 6264586"/>
+                <a:gd name="connsiteY28" fmla="*/ 2701140 h 6858001"/>
+                <a:gd name="connsiteX29" fmla="*/ 532497 w 6264586"/>
+                <a:gd name="connsiteY29" fmla="*/ 2786265 h 6858001"/>
+                <a:gd name="connsiteX30" fmla="*/ 512918 w 6264586"/>
+                <a:gd name="connsiteY30" fmla="*/ 2828827 h 6858001"/>
+                <a:gd name="connsiteX31" fmla="*/ 494475 w 6264586"/>
+                <a:gd name="connsiteY31" fmla="*/ 2872240 h 6858001"/>
+                <a:gd name="connsiteX32" fmla="*/ 491637 w 6264586"/>
+                <a:gd name="connsiteY32" fmla="*/ 2878908 h 6858001"/>
+                <a:gd name="connsiteX33" fmla="*/ 459290 w 6264586"/>
+                <a:gd name="connsiteY33" fmla="*/ 2959635 h 6858001"/>
+                <a:gd name="connsiteX34" fmla="*/ 446805 w 6264586"/>
+                <a:gd name="connsiteY34" fmla="*/ 2992408 h 6858001"/>
+                <a:gd name="connsiteX35" fmla="*/ 426090 w 6264586"/>
+                <a:gd name="connsiteY35" fmla="*/ 3049158 h 6858001"/>
+                <a:gd name="connsiteX36" fmla="*/ 426090 w 6264586"/>
+                <a:gd name="connsiteY36" fmla="*/ 3049867 h 6858001"/>
+                <a:gd name="connsiteX37" fmla="*/ 318124 w 6264586"/>
+                <a:gd name="connsiteY37" fmla="*/ 3414202 h 6858001"/>
+                <a:gd name="connsiteX38" fmla="*/ 230729 w 6264586"/>
+                <a:gd name="connsiteY38" fmla="*/ 4169260 h 6858001"/>
+                <a:gd name="connsiteX39" fmla="*/ 268893 w 6264586"/>
+                <a:gd name="connsiteY39" fmla="*/ 4544236 h 6858001"/>
+                <a:gd name="connsiteX40" fmla="*/ 379840 w 6264586"/>
+                <a:gd name="connsiteY40" fmla="*/ 4900056 h 6858001"/>
+                <a:gd name="connsiteX41" fmla="*/ 406512 w 6264586"/>
+                <a:gd name="connsiteY41" fmla="*/ 4960211 h 6858001"/>
+                <a:gd name="connsiteX42" fmla="*/ 417862 w 6264586"/>
+                <a:gd name="connsiteY42" fmla="*/ 4984613 h 6858001"/>
+                <a:gd name="connsiteX43" fmla="*/ 428077 w 6264586"/>
+                <a:gd name="connsiteY43" fmla="*/ 5005043 h 6858001"/>
+                <a:gd name="connsiteX44" fmla="*/ 460140 w 6264586"/>
+                <a:gd name="connsiteY44" fmla="*/ 5067327 h 6858001"/>
+                <a:gd name="connsiteX45" fmla="*/ 555197 w 6264586"/>
+                <a:gd name="connsiteY45" fmla="*/ 5229773 h 6858001"/>
+                <a:gd name="connsiteX46" fmla="*/ 660611 w 6264586"/>
+                <a:gd name="connsiteY46" fmla="*/ 5387396 h 6858001"/>
+                <a:gd name="connsiteX47" fmla="*/ 774110 w 6264586"/>
+                <a:gd name="connsiteY47" fmla="*/ 5542182 h 6858001"/>
+                <a:gd name="connsiteX48" fmla="*/ 917829 w 6264586"/>
+                <a:gd name="connsiteY48" fmla="*/ 5727896 h 6858001"/>
+                <a:gd name="connsiteX49" fmla="*/ 1012885 w 6264586"/>
+                <a:gd name="connsiteY49" fmla="*/ 5849767 h 6858001"/>
+                <a:gd name="connsiteX50" fmla="*/ 1133053 w 6264586"/>
+                <a:gd name="connsiteY50" fmla="*/ 6006822 h 6858001"/>
+                <a:gd name="connsiteX51" fmla="*/ 1194343 w 6264586"/>
+                <a:gd name="connsiteY51" fmla="*/ 6090245 h 6858001"/>
+                <a:gd name="connsiteX52" fmla="*/ 1249390 w 6264586"/>
+                <a:gd name="connsiteY52" fmla="*/ 6165155 h 6858001"/>
+                <a:gd name="connsiteX53" fmla="*/ 1345724 w 6264586"/>
+                <a:gd name="connsiteY53" fmla="*/ 6292132 h 6858001"/>
+                <a:gd name="connsiteX54" fmla="*/ 1364310 w 6264586"/>
+                <a:gd name="connsiteY54" fmla="*/ 6316251 h 6858001"/>
+                <a:gd name="connsiteX55" fmla="*/ 1373673 w 6264586"/>
+                <a:gd name="connsiteY55" fmla="*/ 6327885 h 6858001"/>
+                <a:gd name="connsiteX56" fmla="*/ 1484619 w 6264586"/>
+                <a:gd name="connsiteY56" fmla="*/ 6462240 h 6858001"/>
+                <a:gd name="connsiteX57" fmla="*/ 1739000 w 6264586"/>
+                <a:gd name="connsiteY57" fmla="*/ 6737335 h 6858001"/>
+                <a:gd name="connsiteX58" fmla="*/ 1866801 w 6264586"/>
+                <a:gd name="connsiteY58" fmla="*/ 6858001 h 6858001"/>
+                <a:gd name="connsiteX59" fmla="*/ 1144149 w 6264586"/>
+                <a:gd name="connsiteY59" fmla="*/ 6858001 h 6858001"/>
+                <a:gd name="connsiteX60" fmla="*/ 1058349 w 6264586"/>
+                <a:gd name="connsiteY60" fmla="*/ 6766452 h 6858001"/>
+                <a:gd name="connsiteX61" fmla="*/ 580309 w 6264586"/>
+                <a:gd name="connsiteY61" fmla="*/ 6105000 h 6858001"/>
+                <a:gd name="connsiteX62" fmla="*/ 1 w 6264586"/>
+                <a:gd name="connsiteY62" fmla="*/ 3960094 h 6858001"/>
+                <a:gd name="connsiteX63" fmla="*/ 2599292 w 6264586"/>
+                <a:gd name="connsiteY63" fmla="*/ 37050 h 6858001"/>
+              </a:gdLst>
+              <a:ahLst/>
+              <a:cxnLst>
+                <a:cxn ang="0">
+                  <a:pos x="connsiteX0" y="connsiteY0"/>
+                </a:cxn>
+                <a:cxn ang="0">
+                  <a:pos x="connsiteX1" y="connsiteY1"/>
+                </a:cxn>
+                <a:cxn ang="0">
+                  <a:pos x="connsiteX2" y="connsiteY2"/>
+                </a:cxn>
+                <a:cxn ang="0">
+                  <a:pos x="connsiteX3" y="connsiteY3"/>
+                </a:cxn>
+                <a:cxn ang="0">
+                  <a:pos x="connsiteX4" y="connsiteY4"/>
+                </a:cxn>
+                <a:cxn ang="0">
+                  <a:pos x="connsiteX5" y="connsiteY5"/>
+                </a:cxn>
+                <a:cxn ang="0">
+                  <a:pos x="connsiteX6" y="connsiteY6"/>
+                </a:cxn>
+                <a:cxn ang="0">
+                  <a:pos x="connsiteX7" y="connsiteY7"/>
+                </a:cxn>
+                <a:cxn ang="0">
+                  <a:pos x="connsiteX8" y="connsiteY8"/>
+                </a:cxn>
+                <a:cxn ang="0">
+                  <a:pos x="connsiteX9" y="connsiteY9"/>
+                </a:cxn>
+                <a:cxn ang="0">
+                  <a:pos x="connsiteX10" y="connsiteY10"/>
+                </a:cxn>
+                <a:cxn ang="0">
+                  <a:pos x="connsiteX11" y="connsiteY11"/>
+                </a:cxn>
+                <a:cxn ang="0">
+                  <a:pos x="connsiteX12" y="connsiteY12"/>
+                </a:cxn>
+                <a:cxn ang="0">
+                  <a:pos x="connsiteX13" y="connsiteY13"/>
+                </a:cxn>
+                <a:cxn ang="0">
+                  <a:pos x="connsiteX14" y="connsiteY14"/>
+                </a:cxn>
+                <a:cxn ang="0">
+                  <a:pos x="connsiteX15" y="connsiteY15"/>
+                </a:cxn>
+                <a:cxn ang="0">
+                  <a:pos x="connsiteX16" y="connsiteY16"/>
+                </a:cxn>
+                <a:cxn ang="0">
+                  <a:pos x="connsiteX17" y="connsiteY17"/>
+                </a:cxn>
+                <a:cxn ang="0">
+                  <a:pos x="connsiteX18" y="connsiteY18"/>
+                </a:cxn>
+                <a:cxn ang="0">
+                  <a:pos x="connsiteX19" y="connsiteY19"/>
+                </a:cxn>
+                <a:cxn ang="0">
+                  <a:pos x="connsiteX20" y="connsiteY20"/>
+                </a:cxn>
+                <a:cxn ang="0">
+                  <a:pos x="connsiteX21" y="connsiteY21"/>
+                </a:cxn>
+                <a:cxn ang="0">
+                  <a:pos x="connsiteX22" y="connsiteY22"/>
+                </a:cxn>
+                <a:cxn ang="0">
+                  <a:pos x="connsiteX23" y="connsiteY23"/>
+                </a:cxn>
+                <a:cxn ang="0">
+                  <a:pos x="connsiteX24" y="connsiteY24"/>
+                </a:cxn>
+                <a:cxn ang="0">
+                  <a:pos x="connsiteX25" y="connsiteY25"/>
+                </a:cxn>
+                <a:cxn ang="0">
+                  <a:pos x="connsiteX26" y="connsiteY26"/>
+                </a:cxn>
+                <a:cxn ang="0">
+                  <a:pos x="connsiteX27" y="connsiteY27"/>
+                </a:cxn>
+                <a:cxn ang="0">
+                  <a:pos x="connsiteX28" y="connsiteY28"/>
+                </a:cxn>
+                <a:cxn ang="0">
+                  <a:pos x="connsiteX29" y="connsiteY29"/>
+                </a:cxn>
+                <a:cxn ang="0">
+                  <a:pos x="connsiteX30" y="connsiteY30"/>
+                </a:cxn>
+                <a:cxn ang="0">
+                  <a:pos x="connsiteX31" y="connsiteY31"/>
+                </a:cxn>
+                <a:cxn ang="0">
+                  <a:pos x="connsiteX32" y="connsiteY32"/>
+                </a:cxn>
+                <a:cxn ang="0">
+                  <a:pos x="connsiteX33" y="connsiteY33"/>
+                </a:cxn>
+                <a:cxn ang="0">
+                  <a:pos x="connsiteX34" y="connsiteY34"/>
+                </a:cxn>
+                <a:cxn ang="0">
+                  <a:pos x="connsiteX35" y="connsiteY35"/>
+                </a:cxn>
+                <a:cxn ang="0">
+                  <a:pos x="connsiteX36" y="connsiteY36"/>
+                </a:cxn>
+                <a:cxn ang="0">
+                  <a:pos x="connsiteX37" y="connsiteY37"/>
+                </a:cxn>
+                <a:cxn ang="0">
+                  <a:pos x="connsiteX38" y="connsiteY38"/>
+                </a:cxn>
+                <a:cxn ang="0">
+                  <a:pos x="connsiteX39" y="connsiteY39"/>
+                </a:cxn>
+                <a:cxn ang="0">
+                  <a:pos x="connsiteX40" y="connsiteY40"/>
+                </a:cxn>
+                <a:cxn ang="0">
+                  <a:pos x="connsiteX41" y="connsiteY41"/>
+                </a:cxn>
+                <a:cxn ang="0">
+                  <a:pos x="connsiteX42" y="connsiteY42"/>
+                </a:cxn>
+                <a:cxn ang="0">
+                  <a:pos x="connsiteX43" y="connsiteY43"/>
+                </a:cxn>
+                <a:cxn ang="0">
+                  <a:pos x="connsiteX44" y="connsiteY44"/>
+                </a:cxn>
+                <a:cxn ang="0">
+                  <a:pos x="connsiteX45" y="connsiteY45"/>
+                </a:cxn>
+                <a:cxn ang="0">
+                  <a:pos x="connsiteX46" y="connsiteY46"/>
+                </a:cxn>
+                <a:cxn ang="0">
+                  <a:pos x="connsiteX47" y="connsiteY47"/>
+                </a:cxn>
+                <a:cxn ang="0">
+                  <a:pos x="connsiteX48" y="connsiteY48"/>
+                </a:cxn>
+                <a:cxn ang="0">
+                  <a:pos x="connsiteX49" y="connsiteY49"/>
+                </a:cxn>
+                <a:cxn ang="0">
+                  <a:pos x="connsiteX50" y="connsiteY50"/>
+                </a:cxn>
+                <a:cxn ang="0">
+                  <a:pos x="connsiteX51" y="connsiteY51"/>
+                </a:cxn>
+                <a:cxn ang="0">
+                  <a:pos x="connsiteX52" y="connsiteY52"/>
+                </a:cxn>
+                <a:cxn ang="0">
+                  <a:pos x="connsiteX53" y="connsiteY53"/>
+                </a:cxn>
+                <a:cxn ang="0">
+                  <a:pos x="connsiteX54" y="connsiteY54"/>
+                </a:cxn>
+                <a:cxn ang="0">
+                  <a:pos x="connsiteX55" y="connsiteY55"/>
+                </a:cxn>
+                <a:cxn ang="0">
+                  <a:pos x="connsiteX56" y="connsiteY56"/>
+                </a:cxn>
+                <a:cxn ang="0">
+                  <a:pos x="connsiteX57" y="connsiteY57"/>
+                </a:cxn>
+                <a:cxn ang="0">
+                  <a:pos x="connsiteX58" y="connsiteY58"/>
+                </a:cxn>
+                <a:cxn ang="0">
+                  <a:pos x="connsiteX59" y="connsiteY59"/>
+                </a:cxn>
+                <a:cxn ang="0">
+                  <a:pos x="connsiteX60" y="connsiteY60"/>
+                </a:cxn>
+                <a:cxn ang="0">
+                  <a:pos x="connsiteX61" y="connsiteY61"/>
+                </a:cxn>
+                <a:cxn ang="0">
+                  <a:pos x="connsiteX62" y="connsiteY62"/>
+                </a:cxn>
+                <a:cxn ang="0">
+                  <a:pos x="connsiteX63" y="connsiteY63"/>
+                </a:cxn>
+              </a:cxnLst>
+              <a:rect l="l" t="t" r="r" b="b"/>
+              <a:pathLst>
+                <a:path w="6264586" h="6858001">
+                  <a:moveTo>
+                    <a:pt x="6264586" y="6646464"/>
+                  </a:moveTo>
+                  <a:lnTo>
+                    <a:pt x="6264586" y="6858001"/>
+                  </a:lnTo>
+                  <a:lnTo>
+                    <a:pt x="5997170" y="6858001"/>
+                  </a:lnTo>
+                  <a:lnTo>
+                    <a:pt x="6121512" y="6761029"/>
+                  </a:lnTo>
+                  <a:close/>
+                  <a:moveTo>
+                    <a:pt x="2693206" y="0"/>
+                  </a:moveTo>
+                  <a:lnTo>
+                    <a:pt x="5872285" y="0"/>
+                  </a:lnTo>
+                  <a:lnTo>
+                    <a:pt x="6024875" y="68385"/>
+                  </a:lnTo>
+                  <a:cubicBezTo>
+                    <a:pt x="6086250" y="97989"/>
+                    <a:pt x="6146793" y="129318"/>
+                    <a:pt x="6206432" y="162336"/>
+                  </a:cubicBezTo>
+                  <a:lnTo>
+                    <a:pt x="6264586" y="196704"/>
+                  </a:lnTo>
+                  <a:lnTo>
+                    <a:pt x="6264586" y="537242"/>
+                  </a:lnTo>
+                  <a:lnTo>
+                    <a:pt x="6230189" y="517260"/>
+                  </a:lnTo>
+                  <a:cubicBezTo>
+                    <a:pt x="6012226" y="399931"/>
+                    <a:pt x="5780573" y="310008"/>
+                    <a:pt x="5540536" y="249543"/>
+                  </a:cubicBezTo>
+                  <a:cubicBezTo>
+                    <a:pt x="5421375" y="219324"/>
+                    <a:pt x="5300641" y="195644"/>
+                    <a:pt x="5178896" y="178606"/>
+                  </a:cubicBezTo>
+                  <a:cubicBezTo>
+                    <a:pt x="5057977" y="161840"/>
+                    <a:pt x="4936276" y="151186"/>
+                    <a:pt x="4814279" y="146683"/>
+                  </a:cubicBezTo>
+                  <a:cubicBezTo>
+                    <a:pt x="4761501" y="144556"/>
+                    <a:pt x="4708015" y="143421"/>
+                    <a:pt x="4655095" y="143421"/>
+                  </a:cubicBezTo>
+                  <a:cubicBezTo>
+                    <a:pt x="4462968" y="143573"/>
+                    <a:pt x="4271111" y="157799"/>
+                    <a:pt x="4081069" y="185983"/>
+                  </a:cubicBezTo>
+                  <a:cubicBezTo>
+                    <a:pt x="3956361" y="205703"/>
+                    <a:pt x="3835058" y="229396"/>
+                    <a:pt x="3720566" y="256921"/>
+                  </a:cubicBezTo>
+                  <a:cubicBezTo>
+                    <a:pt x="3596708" y="286714"/>
+                    <a:pt x="3477677" y="320905"/>
+                    <a:pt x="3365879" y="357651"/>
+                  </a:cubicBezTo>
+                  <a:cubicBezTo>
+                    <a:pt x="3249257" y="395958"/>
+                    <a:pt x="3133487" y="438945"/>
+                    <a:pt x="3020555" y="486190"/>
+                  </a:cubicBezTo>
+                  <a:cubicBezTo>
+                    <a:pt x="2907623" y="533434"/>
+                    <a:pt x="2794832" y="585786"/>
+                    <a:pt x="2685163" y="641542"/>
+                  </a:cubicBezTo>
+                  <a:cubicBezTo>
+                    <a:pt x="2463995" y="754348"/>
+                    <a:pt x="2250998" y="882488"/>
+                    <a:pt x="2047720" y="1025030"/>
+                  </a:cubicBezTo>
+                  <a:cubicBezTo>
+                    <a:pt x="2006151" y="1054399"/>
+                    <a:pt x="1951528" y="1093415"/>
+                    <a:pt x="1897333" y="1134983"/>
+                  </a:cubicBezTo>
+                  <a:cubicBezTo>
+                    <a:pt x="1876761" y="1150164"/>
+                    <a:pt x="1855905" y="1166479"/>
+                    <a:pt x="1835758" y="1182227"/>
+                  </a:cubicBezTo>
+                  <a:lnTo>
+                    <a:pt x="1823273" y="1192016"/>
+                  </a:lnTo>
+                  <a:cubicBezTo>
+                    <a:pt x="1797027" y="1211879"/>
+                    <a:pt x="1772057" y="1232309"/>
+                    <a:pt x="1750918" y="1249760"/>
+                  </a:cubicBezTo>
+                  <a:cubicBezTo>
+                    <a:pt x="1645931" y="1335737"/>
+                    <a:pt x="1554422" y="1416605"/>
+                    <a:pt x="1469297" y="1496906"/>
+                  </a:cubicBezTo>
+                  <a:cubicBezTo>
+                    <a:pt x="1286595" y="1668957"/>
+                    <a:pt x="1118818" y="1856190"/>
+                    <a:pt x="967769" y="2056602"/>
+                  </a:cubicBezTo>
+                  <a:cubicBezTo>
+                    <a:pt x="890731" y="2159603"/>
+                    <a:pt x="818800" y="2264590"/>
+                    <a:pt x="754105" y="2368727"/>
+                  </a:cubicBezTo>
+                  <a:cubicBezTo>
+                    <a:pt x="681749" y="2488328"/>
+                    <a:pt x="622304" y="2596720"/>
+                    <a:pt x="572364" y="2701140"/>
+                  </a:cubicBezTo>
+                  <a:cubicBezTo>
+                    <a:pt x="557609" y="2730507"/>
+                    <a:pt x="543989" y="2760443"/>
+                    <a:pt x="532497" y="2786265"/>
+                  </a:cubicBezTo>
+                  <a:lnTo>
+                    <a:pt x="512918" y="2828827"/>
+                  </a:lnTo>
+                  <a:lnTo>
+                    <a:pt x="494475" y="2872240"/>
+                  </a:lnTo>
+                  <a:lnTo>
+                    <a:pt x="491637" y="2878908"/>
+                  </a:lnTo>
+                  <a:cubicBezTo>
+                    <a:pt x="480146" y="2906575"/>
+                    <a:pt x="469220" y="2932821"/>
+                    <a:pt x="459290" y="2959635"/>
+                  </a:cubicBezTo>
+                  <a:cubicBezTo>
+                    <a:pt x="455176" y="2970559"/>
+                    <a:pt x="451060" y="2981484"/>
+                    <a:pt x="446805" y="2992408"/>
+                  </a:cubicBezTo>
+                  <a:cubicBezTo>
+                    <a:pt x="439427" y="3012412"/>
+                    <a:pt x="432333" y="3030572"/>
+                    <a:pt x="426090" y="3049158"/>
+                  </a:cubicBezTo>
+                  <a:lnTo>
+                    <a:pt x="426090" y="3049867"/>
+                  </a:lnTo>
+                  <a:cubicBezTo>
+                    <a:pt x="383010" y="3169099"/>
+                    <a:pt x="346959" y="3290756"/>
+                    <a:pt x="318124" y="3414202"/>
+                  </a:cubicBezTo>
+                  <a:cubicBezTo>
+                    <a:pt x="260107" y="3661703"/>
+                    <a:pt x="230780" y="3915049"/>
+                    <a:pt x="230729" y="4169260"/>
+                  </a:cubicBezTo>
+                  <a:cubicBezTo>
+                    <a:pt x="231621" y="4295173"/>
+                    <a:pt x="244398" y="4420719"/>
+                    <a:pt x="268893" y="4544236"/>
+                  </a:cubicBezTo>
+                  <a:cubicBezTo>
+                    <a:pt x="293708" y="4666304"/>
+                    <a:pt x="330882" y="4785521"/>
+                    <a:pt x="379840" y="4900056"/>
+                  </a:cubicBezTo>
+                  <a:cubicBezTo>
+                    <a:pt x="387926" y="4919919"/>
+                    <a:pt x="397006" y="4939498"/>
+                    <a:pt x="406512" y="4960211"/>
+                  </a:cubicBezTo>
+                  <a:cubicBezTo>
+                    <a:pt x="410343" y="4968299"/>
+                    <a:pt x="414173" y="4976385"/>
+                    <a:pt x="417862" y="4984613"/>
+                  </a:cubicBezTo>
+                  <a:lnTo>
+                    <a:pt x="428077" y="5005043"/>
+                  </a:lnTo>
+                  <a:cubicBezTo>
+                    <a:pt x="438860" y="5026751"/>
+                    <a:pt x="449075" y="5047181"/>
+                    <a:pt x="460140" y="5067327"/>
+                  </a:cubicBezTo>
+                  <a:cubicBezTo>
+                    <a:pt x="485536" y="5116273"/>
+                    <a:pt x="514763" y="5165789"/>
+                    <a:pt x="555197" y="5229773"/>
+                  </a:cubicBezTo>
+                  <a:cubicBezTo>
+                    <a:pt x="586836" y="5280282"/>
+                    <a:pt x="620318" y="5329511"/>
+                    <a:pt x="660611" y="5387396"/>
+                  </a:cubicBezTo>
+                  <a:cubicBezTo>
+                    <a:pt x="698065" y="5440741"/>
+                    <a:pt x="737223" y="5493094"/>
+                    <a:pt x="774110" y="5542182"/>
+                  </a:cubicBezTo>
+                  <a:cubicBezTo>
+                    <a:pt x="821070" y="5604324"/>
+                    <a:pt x="870301" y="5667173"/>
+                    <a:pt x="917829" y="5727896"/>
+                  </a:cubicBezTo>
+                  <a:cubicBezTo>
+                    <a:pt x="949042" y="5767762"/>
+                    <a:pt x="979828" y="5807063"/>
+                    <a:pt x="1012885" y="5849767"/>
+                  </a:cubicBezTo>
+                  <a:cubicBezTo>
+                    <a:pt x="1045942" y="5892471"/>
+                    <a:pt x="1089497" y="5948796"/>
+                    <a:pt x="1133053" y="6006822"/>
+                  </a:cubicBezTo>
+                  <a:cubicBezTo>
+                    <a:pt x="1153624" y="6034345"/>
+                    <a:pt x="1175332" y="6063998"/>
+                    <a:pt x="1194343" y="6090245"/>
+                  </a:cubicBezTo>
+                  <a:cubicBezTo>
+                    <a:pt x="1213355" y="6116491"/>
+                    <a:pt x="1231372" y="6141178"/>
+                    <a:pt x="1249390" y="6165155"/>
+                  </a:cubicBezTo>
+                  <a:cubicBezTo>
+                    <a:pt x="1280461" y="6208000"/>
+                    <a:pt x="1313659" y="6250847"/>
+                    <a:pt x="1345724" y="6292132"/>
+                  </a:cubicBezTo>
+                  <a:lnTo>
+                    <a:pt x="1364310" y="6316251"/>
+                  </a:lnTo>
+                  <a:lnTo>
+                    <a:pt x="1373673" y="6327885"/>
+                  </a:lnTo>
+                  <a:cubicBezTo>
+                    <a:pt x="1409566" y="6372433"/>
+                    <a:pt x="1446738" y="6418542"/>
+                    <a:pt x="1484619" y="6462240"/>
+                  </a:cubicBezTo>
+                  <a:cubicBezTo>
+                    <a:pt x="1567899" y="6559850"/>
+                    <a:pt x="1653876" y="6652211"/>
+                    <a:pt x="1739000" y="6737335"/>
+                  </a:cubicBezTo>
+                  <a:lnTo>
+                    <a:pt x="1866801" y="6858001"/>
+                  </a:lnTo>
+                  <a:lnTo>
+                    <a:pt x="1144149" y="6858001"/>
+                  </a:lnTo>
+                  <a:lnTo>
+                    <a:pt x="1058349" y="6766452"/>
+                  </a:lnTo>
+                  <a:cubicBezTo>
+                    <a:pt x="878978" y="6562465"/>
+                    <a:pt x="718756" y="6341104"/>
+                    <a:pt x="580309" y="6105000"/>
+                  </a:cubicBezTo>
+                  <a:cubicBezTo>
+                    <a:pt x="200401" y="5454007"/>
+                    <a:pt x="146" y="4713831"/>
+                    <a:pt x="1" y="3960094"/>
+                  </a:cubicBezTo>
+                  <a:cubicBezTo>
+                    <a:pt x="-335" y="2196754"/>
+                    <a:pt x="1071479" y="683605"/>
+                    <a:pt x="2599292" y="37050"/>
+                  </a:cubicBezTo>
+                  <a:close/>
+                </a:path>
+              </a:pathLst>
+            </a:custGeom>
+            <a:gradFill>
+              <a:gsLst>
+                <a:gs pos="2000">
+                  <a:schemeClr val="bg1">
+                    <a:alpha val="10000"/>
+                  </a:schemeClr>
+                </a:gs>
+                <a:gs pos="16000">
+                  <a:schemeClr val="accent6">
+                    <a:alpha val="10000"/>
+                  </a:schemeClr>
+                </a:gs>
+                <a:gs pos="100000">
+                  <a:schemeClr val="bg1">
+                    <a:alpha val="10000"/>
+                  </a:schemeClr>
+                </a:gs>
+                <a:gs pos="85000">
+                  <a:schemeClr val="accent1">
+                    <a:alpha val="10000"/>
+                  </a:schemeClr>
+                </a:gs>
+              </a:gsLst>
+              <a:lin ang="12000000" scaled="0"/>
+            </a:gradFill>
+            <a:ln>
+              <a:noFill/>
+            </a:ln>
+          </p:spPr>
+          <p:style>
+            <a:lnRef idx="2">
+              <a:schemeClr val="accent1">
+                <a:shade val="50000"/>
+              </a:schemeClr>
+            </a:lnRef>
+            <a:fillRef idx="1">
+              <a:schemeClr val="accent1"/>
+            </a:fillRef>
+            <a:effectRef idx="0">
+              <a:schemeClr val="accent1"/>
+            </a:effectRef>
+            <a:fontRef idx="minor">
+              <a:schemeClr val="lt1"/>
+            </a:fontRef>
+          </p:style>
+          <p:txBody>
+            <a:bodyPr rtlCol="0" anchor="ctr"/>
+            <a:lstStyle/>
+            <a:p>
+              <a:pPr algn="ctr"/>
+              <a:endParaRPr lang="en-US" dirty="0"/>
+            </a:p>
+          </p:txBody>
+        </p:sp>
+        <p:sp>
+          <p:nvSpPr>
+            <p:cNvPr id="17" name="Freeform: Shape 16">
+              <a:extLst>
+                <a:ext uri="{FF2B5EF4-FFF2-40B4-BE49-F238E27FC236}">
+                  <a16:creationId xmlns:a16="http://schemas.microsoft.com/office/drawing/2014/main" id="{C093DC50-3BD7-46B1-A300-CD207E152FF4}"/>
+                </a:ext>
+                <a:ext uri="{C183D7F6-B498-43B3-948B-1728B52AA6E4}">
+                  <adec:decorative xmlns:adec="http://schemas.microsoft.com/office/drawing/2017/decorative" val="1"/>
+                </a:ext>
+              </a:extLst>
+            </p:cNvPr>
+            <p:cNvSpPr/>
+            <p:nvPr>
+              <p:extLst>
+                <p:ext uri="{386F3935-93C4-4BCD-93E2-E3B085C9AB24}">
+                  <p16:designElem xmlns:p16="http://schemas.microsoft.com/office/powerpoint/2015/main" val="1"/>
+                </p:ext>
+              </p:extLst>
+            </p:nvPr>
+          </p:nvSpPr>
+          <p:spPr>
+            <a:xfrm flipH="1">
+              <a:off x="305" y="-5977"/>
+              <a:ext cx="6238675" cy="6858001"/>
+            </a:xfrm>
+            <a:custGeom>
+              <a:avLst/>
+              <a:gdLst>
+                <a:gd name="connsiteX0" fmla="*/ 6264586 w 6264586"/>
+                <a:gd name="connsiteY0" fmla="*/ 6646464 h 6858001"/>
+                <a:gd name="connsiteX1" fmla="*/ 6264586 w 6264586"/>
+                <a:gd name="connsiteY1" fmla="*/ 6858001 h 6858001"/>
+                <a:gd name="connsiteX2" fmla="*/ 5997170 w 6264586"/>
+                <a:gd name="connsiteY2" fmla="*/ 6858001 h 6858001"/>
+                <a:gd name="connsiteX3" fmla="*/ 6121512 w 6264586"/>
+                <a:gd name="connsiteY3" fmla="*/ 6761029 h 6858001"/>
+                <a:gd name="connsiteX4" fmla="*/ 2693206 w 6264586"/>
+                <a:gd name="connsiteY4" fmla="*/ 0 h 6858001"/>
+                <a:gd name="connsiteX5" fmla="*/ 5872285 w 6264586"/>
+                <a:gd name="connsiteY5" fmla="*/ 0 h 6858001"/>
+                <a:gd name="connsiteX6" fmla="*/ 6024875 w 6264586"/>
+                <a:gd name="connsiteY6" fmla="*/ 68385 h 6858001"/>
+                <a:gd name="connsiteX7" fmla="*/ 6206432 w 6264586"/>
+                <a:gd name="connsiteY7" fmla="*/ 162336 h 6858001"/>
+                <a:gd name="connsiteX8" fmla="*/ 6264586 w 6264586"/>
+                <a:gd name="connsiteY8" fmla="*/ 196704 h 6858001"/>
+                <a:gd name="connsiteX9" fmla="*/ 6264586 w 6264586"/>
+                <a:gd name="connsiteY9" fmla="*/ 537242 h 6858001"/>
+                <a:gd name="connsiteX10" fmla="*/ 6230189 w 6264586"/>
+                <a:gd name="connsiteY10" fmla="*/ 517260 h 6858001"/>
+                <a:gd name="connsiteX11" fmla="*/ 5540536 w 6264586"/>
+                <a:gd name="connsiteY11" fmla="*/ 249543 h 6858001"/>
+                <a:gd name="connsiteX12" fmla="*/ 5178896 w 6264586"/>
+                <a:gd name="connsiteY12" fmla="*/ 178606 h 6858001"/>
+                <a:gd name="connsiteX13" fmla="*/ 4814279 w 6264586"/>
+                <a:gd name="connsiteY13" fmla="*/ 146683 h 6858001"/>
+                <a:gd name="connsiteX14" fmla="*/ 4655095 w 6264586"/>
+                <a:gd name="connsiteY14" fmla="*/ 143421 h 6858001"/>
+                <a:gd name="connsiteX15" fmla="*/ 4081069 w 6264586"/>
+                <a:gd name="connsiteY15" fmla="*/ 185983 h 6858001"/>
+                <a:gd name="connsiteX16" fmla="*/ 3720566 w 6264586"/>
+                <a:gd name="connsiteY16" fmla="*/ 256921 h 6858001"/>
+                <a:gd name="connsiteX17" fmla="*/ 3365879 w 6264586"/>
+                <a:gd name="connsiteY17" fmla="*/ 357651 h 6858001"/>
+                <a:gd name="connsiteX18" fmla="*/ 3020555 w 6264586"/>
+                <a:gd name="connsiteY18" fmla="*/ 486190 h 6858001"/>
+                <a:gd name="connsiteX19" fmla="*/ 2685163 w 6264586"/>
+                <a:gd name="connsiteY19" fmla="*/ 641542 h 6858001"/>
+                <a:gd name="connsiteX20" fmla="*/ 2047720 w 6264586"/>
+                <a:gd name="connsiteY20" fmla="*/ 1025030 h 6858001"/>
+                <a:gd name="connsiteX21" fmla="*/ 1897333 w 6264586"/>
+                <a:gd name="connsiteY21" fmla="*/ 1134983 h 6858001"/>
+                <a:gd name="connsiteX22" fmla="*/ 1835758 w 6264586"/>
+                <a:gd name="connsiteY22" fmla="*/ 1182227 h 6858001"/>
+                <a:gd name="connsiteX23" fmla="*/ 1823273 w 6264586"/>
+                <a:gd name="connsiteY23" fmla="*/ 1192016 h 6858001"/>
+                <a:gd name="connsiteX24" fmla="*/ 1750918 w 6264586"/>
+                <a:gd name="connsiteY24" fmla="*/ 1249760 h 6858001"/>
+                <a:gd name="connsiteX25" fmla="*/ 1469297 w 6264586"/>
+                <a:gd name="connsiteY25" fmla="*/ 1496906 h 6858001"/>
+                <a:gd name="connsiteX26" fmla="*/ 967769 w 6264586"/>
+                <a:gd name="connsiteY26" fmla="*/ 2056602 h 6858001"/>
+                <a:gd name="connsiteX27" fmla="*/ 754105 w 6264586"/>
+                <a:gd name="connsiteY27" fmla="*/ 2368727 h 6858001"/>
+                <a:gd name="connsiteX28" fmla="*/ 572364 w 6264586"/>
+                <a:gd name="connsiteY28" fmla="*/ 2701140 h 6858001"/>
+                <a:gd name="connsiteX29" fmla="*/ 532497 w 6264586"/>
+                <a:gd name="connsiteY29" fmla="*/ 2786265 h 6858001"/>
+                <a:gd name="connsiteX30" fmla="*/ 512918 w 6264586"/>
+                <a:gd name="connsiteY30" fmla="*/ 2828827 h 6858001"/>
+                <a:gd name="connsiteX31" fmla="*/ 494475 w 6264586"/>
+                <a:gd name="connsiteY31" fmla="*/ 2872240 h 6858001"/>
+                <a:gd name="connsiteX32" fmla="*/ 491637 w 6264586"/>
+                <a:gd name="connsiteY32" fmla="*/ 2878908 h 6858001"/>
+                <a:gd name="connsiteX33" fmla="*/ 459290 w 6264586"/>
+                <a:gd name="connsiteY33" fmla="*/ 2959635 h 6858001"/>
+                <a:gd name="connsiteX34" fmla="*/ 446805 w 6264586"/>
+                <a:gd name="connsiteY34" fmla="*/ 2992408 h 6858001"/>
+                <a:gd name="connsiteX35" fmla="*/ 426090 w 6264586"/>
+                <a:gd name="connsiteY35" fmla="*/ 3049158 h 6858001"/>
+                <a:gd name="connsiteX36" fmla="*/ 426090 w 6264586"/>
+                <a:gd name="connsiteY36" fmla="*/ 3049867 h 6858001"/>
+                <a:gd name="connsiteX37" fmla="*/ 318124 w 6264586"/>
+                <a:gd name="connsiteY37" fmla="*/ 3414202 h 6858001"/>
+                <a:gd name="connsiteX38" fmla="*/ 230729 w 6264586"/>
+                <a:gd name="connsiteY38" fmla="*/ 4169260 h 6858001"/>
+                <a:gd name="connsiteX39" fmla="*/ 268893 w 6264586"/>
+                <a:gd name="connsiteY39" fmla="*/ 4544236 h 6858001"/>
+                <a:gd name="connsiteX40" fmla="*/ 379840 w 6264586"/>
+                <a:gd name="connsiteY40" fmla="*/ 4900056 h 6858001"/>
+                <a:gd name="connsiteX41" fmla="*/ 406512 w 6264586"/>
+                <a:gd name="connsiteY41" fmla="*/ 4960211 h 6858001"/>
+                <a:gd name="connsiteX42" fmla="*/ 417862 w 6264586"/>
+                <a:gd name="connsiteY42" fmla="*/ 4984613 h 6858001"/>
+                <a:gd name="connsiteX43" fmla="*/ 428077 w 6264586"/>
+                <a:gd name="connsiteY43" fmla="*/ 5005043 h 6858001"/>
+                <a:gd name="connsiteX44" fmla="*/ 460140 w 6264586"/>
+                <a:gd name="connsiteY44" fmla="*/ 5067327 h 6858001"/>
+                <a:gd name="connsiteX45" fmla="*/ 555197 w 6264586"/>
+                <a:gd name="connsiteY45" fmla="*/ 5229773 h 6858001"/>
+                <a:gd name="connsiteX46" fmla="*/ 660611 w 6264586"/>
+                <a:gd name="connsiteY46" fmla="*/ 5387396 h 6858001"/>
+                <a:gd name="connsiteX47" fmla="*/ 774110 w 6264586"/>
+                <a:gd name="connsiteY47" fmla="*/ 5542182 h 6858001"/>
+                <a:gd name="connsiteX48" fmla="*/ 917829 w 6264586"/>
+                <a:gd name="connsiteY48" fmla="*/ 5727896 h 6858001"/>
+                <a:gd name="connsiteX49" fmla="*/ 1012885 w 6264586"/>
+                <a:gd name="connsiteY49" fmla="*/ 5849767 h 6858001"/>
+                <a:gd name="connsiteX50" fmla="*/ 1133053 w 6264586"/>
+                <a:gd name="connsiteY50" fmla="*/ 6006822 h 6858001"/>
+                <a:gd name="connsiteX51" fmla="*/ 1194343 w 6264586"/>
+                <a:gd name="connsiteY51" fmla="*/ 6090245 h 6858001"/>
+                <a:gd name="connsiteX52" fmla="*/ 1249390 w 6264586"/>
+                <a:gd name="connsiteY52" fmla="*/ 6165155 h 6858001"/>
+                <a:gd name="connsiteX53" fmla="*/ 1345724 w 6264586"/>
+                <a:gd name="connsiteY53" fmla="*/ 6292132 h 6858001"/>
+                <a:gd name="connsiteX54" fmla="*/ 1364310 w 6264586"/>
+                <a:gd name="connsiteY54" fmla="*/ 6316251 h 6858001"/>
+                <a:gd name="connsiteX55" fmla="*/ 1373673 w 6264586"/>
+                <a:gd name="connsiteY55" fmla="*/ 6327885 h 6858001"/>
+                <a:gd name="connsiteX56" fmla="*/ 1484619 w 6264586"/>
+                <a:gd name="connsiteY56" fmla="*/ 6462240 h 6858001"/>
+                <a:gd name="connsiteX57" fmla="*/ 1739000 w 6264586"/>
+                <a:gd name="connsiteY57" fmla="*/ 6737335 h 6858001"/>
+                <a:gd name="connsiteX58" fmla="*/ 1866801 w 6264586"/>
+                <a:gd name="connsiteY58" fmla="*/ 6858001 h 6858001"/>
+                <a:gd name="connsiteX59" fmla="*/ 1144149 w 6264586"/>
+                <a:gd name="connsiteY59" fmla="*/ 6858001 h 6858001"/>
+                <a:gd name="connsiteX60" fmla="*/ 1058349 w 6264586"/>
+                <a:gd name="connsiteY60" fmla="*/ 6766452 h 6858001"/>
+                <a:gd name="connsiteX61" fmla="*/ 580309 w 6264586"/>
+                <a:gd name="connsiteY61" fmla="*/ 6105000 h 6858001"/>
+                <a:gd name="connsiteX62" fmla="*/ 1 w 6264586"/>
+                <a:gd name="connsiteY62" fmla="*/ 3960094 h 6858001"/>
+                <a:gd name="connsiteX63" fmla="*/ 2599292 w 6264586"/>
+                <a:gd name="connsiteY63" fmla="*/ 37050 h 6858001"/>
+              </a:gdLst>
+              <a:ahLst/>
+              <a:cxnLst>
+                <a:cxn ang="0">
+                  <a:pos x="connsiteX0" y="connsiteY0"/>
+                </a:cxn>
+                <a:cxn ang="0">
+                  <a:pos x="connsiteX1" y="connsiteY1"/>
+                </a:cxn>
+                <a:cxn ang="0">
+                  <a:pos x="connsiteX2" y="connsiteY2"/>
+                </a:cxn>
+                <a:cxn ang="0">
+                  <a:pos x="connsiteX3" y="connsiteY3"/>
+                </a:cxn>
+                <a:cxn ang="0">
+                  <a:pos x="connsiteX4" y="connsiteY4"/>
+                </a:cxn>
+                <a:cxn ang="0">
+                  <a:pos x="connsiteX5" y="connsiteY5"/>
+                </a:cxn>
+                <a:cxn ang="0">
+                  <a:pos x="connsiteX6" y="connsiteY6"/>
+                </a:cxn>
+                <a:cxn ang="0">
+                  <a:pos x="connsiteX7" y="connsiteY7"/>
+                </a:cxn>
+                <a:cxn ang="0">
+                  <a:pos x="connsiteX8" y="connsiteY8"/>
+                </a:cxn>
+                <a:cxn ang="0">
+                  <a:pos x="connsiteX9" y="connsiteY9"/>
+                </a:cxn>
+                <a:cxn ang="0">
+                  <a:pos x="connsiteX10" y="connsiteY10"/>
+                </a:cxn>
+                <a:cxn ang="0">
+                  <a:pos x="connsiteX11" y="connsiteY11"/>
+                </a:cxn>
+                <a:cxn ang="0">
+                  <a:pos x="connsiteX12" y="connsiteY12"/>
+                </a:cxn>
+                <a:cxn ang="0">
+                  <a:pos x="connsiteX13" y="connsiteY13"/>
+                </a:cxn>
+                <a:cxn ang="0">
+                  <a:pos x="connsiteX14" y="connsiteY14"/>
+                </a:cxn>
+                <a:cxn ang="0">
+                  <a:pos x="connsiteX15" y="connsiteY15"/>
+                </a:cxn>
+                <a:cxn ang="0">
+                  <a:pos x="connsiteX16" y="connsiteY16"/>
+                </a:cxn>
+                <a:cxn ang="0">
+                  <a:pos x="connsiteX17" y="connsiteY17"/>
+                </a:cxn>
+                <a:cxn ang="0">
+                  <a:pos x="connsiteX18" y="connsiteY18"/>
+                </a:cxn>
+                <a:cxn ang="0">
+                  <a:pos x="connsiteX19" y="connsiteY19"/>
+                </a:cxn>
+                <a:cxn ang="0">
+                  <a:pos x="connsiteX20" y="connsiteY20"/>
+                </a:cxn>
+                <a:cxn ang="0">
+                  <a:pos x="connsiteX21" y="connsiteY21"/>
+                </a:cxn>
+                <a:cxn ang="0">
+                  <a:pos x="connsiteX22" y="connsiteY22"/>
+                </a:cxn>
+                <a:cxn ang="0">
+                  <a:pos x="connsiteX23" y="connsiteY23"/>
+                </a:cxn>
+                <a:cxn ang="0">
+                  <a:pos x="connsiteX24" y="connsiteY24"/>
+                </a:cxn>
+                <a:cxn ang="0">
+                  <a:pos x="connsiteX25" y="connsiteY25"/>
+                </a:cxn>
+                <a:cxn ang="0">
+                  <a:pos x="connsiteX26" y="connsiteY26"/>
+                </a:cxn>
+                <a:cxn ang="0">
+                  <a:pos x="connsiteX27" y="connsiteY27"/>
+                </a:cxn>
+                <a:cxn ang="0">
+                  <a:pos x="connsiteX28" y="connsiteY28"/>
+                </a:cxn>
+                <a:cxn ang="0">
+                  <a:pos x="connsiteX29" y="connsiteY29"/>
+                </a:cxn>
+                <a:cxn ang="0">
+                  <a:pos x="connsiteX30" y="connsiteY30"/>
+                </a:cxn>
+                <a:cxn ang="0">
+                  <a:pos x="connsiteX31" y="connsiteY31"/>
+                </a:cxn>
+                <a:cxn ang="0">
+                  <a:pos x="connsiteX32" y="connsiteY32"/>
+                </a:cxn>
+                <a:cxn ang="0">
+                  <a:pos x="connsiteX33" y="connsiteY33"/>
+                </a:cxn>
+                <a:cxn ang="0">
+                  <a:pos x="connsiteX34" y="connsiteY34"/>
+                </a:cxn>
+                <a:cxn ang="0">
+                  <a:pos x="connsiteX35" y="connsiteY35"/>
+                </a:cxn>
+                <a:cxn ang="0">
+                  <a:pos x="connsiteX36" y="connsiteY36"/>
+                </a:cxn>
+                <a:cxn ang="0">
+                  <a:pos x="connsiteX37" y="connsiteY37"/>
+                </a:cxn>
+                <a:cxn ang="0">
+                  <a:pos x="connsiteX38" y="connsiteY38"/>
+                </a:cxn>
+                <a:cxn ang="0">
+                  <a:pos x="connsiteX39" y="connsiteY39"/>
+                </a:cxn>
+                <a:cxn ang="0">
+                  <a:pos x="connsiteX40" y="connsiteY40"/>
+                </a:cxn>
+                <a:cxn ang="0">
+                  <a:pos x="connsiteX41" y="connsiteY41"/>
+                </a:cxn>
+                <a:cxn ang="0">
+                  <a:pos x="connsiteX42" y="connsiteY42"/>
+                </a:cxn>
+                <a:cxn ang="0">
+                  <a:pos x="connsiteX43" y="connsiteY43"/>
+                </a:cxn>
+                <a:cxn ang="0">
+                  <a:pos x="connsiteX44" y="connsiteY44"/>
+                </a:cxn>
+                <a:cxn ang="0">
+                  <a:pos x="connsiteX45" y="connsiteY45"/>
+                </a:cxn>
+                <a:cxn ang="0">
+                  <a:pos x="connsiteX46" y="connsiteY46"/>
+                </a:cxn>
+                <a:cxn ang="0">
+                  <a:pos x="connsiteX47" y="connsiteY47"/>
+                </a:cxn>
+                <a:cxn ang="0">
+                  <a:pos x="connsiteX48" y="connsiteY48"/>
+                </a:cxn>
+                <a:cxn ang="0">
+                  <a:pos x="connsiteX49" y="connsiteY49"/>
+                </a:cxn>
+                <a:cxn ang="0">
+                  <a:pos x="connsiteX50" y="connsiteY50"/>
+                </a:cxn>
+                <a:cxn ang="0">
+                  <a:pos x="connsiteX51" y="connsiteY51"/>
+                </a:cxn>
+                <a:cxn ang="0">
+                  <a:pos x="connsiteX52" y="connsiteY52"/>
+                </a:cxn>
+                <a:cxn ang="0">
+                  <a:pos x="connsiteX53" y="connsiteY53"/>
+                </a:cxn>
+                <a:cxn ang="0">
+                  <a:pos x="connsiteX54" y="connsiteY54"/>
+                </a:cxn>
+                <a:cxn ang="0">
+                  <a:pos x="connsiteX55" y="connsiteY55"/>
+                </a:cxn>
+                <a:cxn ang="0">
+                  <a:pos x="connsiteX56" y="connsiteY56"/>
+                </a:cxn>
+                <a:cxn ang="0">
+                  <a:pos x="connsiteX57" y="connsiteY57"/>
+                </a:cxn>
+                <a:cxn ang="0">
+                  <a:pos x="connsiteX58" y="connsiteY58"/>
+                </a:cxn>
+                <a:cxn ang="0">
+                  <a:pos x="connsiteX59" y="connsiteY59"/>
+                </a:cxn>
+                <a:cxn ang="0">
+                  <a:pos x="connsiteX60" y="connsiteY60"/>
+                </a:cxn>
+                <a:cxn ang="0">
+                  <a:pos x="connsiteX61" y="connsiteY61"/>
+                </a:cxn>
+                <a:cxn ang="0">
+                  <a:pos x="connsiteX62" y="connsiteY62"/>
+                </a:cxn>
+                <a:cxn ang="0">
+                  <a:pos x="connsiteX63" y="connsiteY63"/>
+                </a:cxn>
+              </a:cxnLst>
+              <a:rect l="l" t="t" r="r" b="b"/>
+              <a:pathLst>
+                <a:path w="6264586" h="6858001">
+                  <a:moveTo>
+                    <a:pt x="6264586" y="6646464"/>
+                  </a:moveTo>
+                  <a:lnTo>
+                    <a:pt x="6264586" y="6858001"/>
+                  </a:lnTo>
+                  <a:lnTo>
+                    <a:pt x="5997170" y="6858001"/>
+                  </a:lnTo>
+                  <a:lnTo>
+                    <a:pt x="6121512" y="6761029"/>
+                  </a:lnTo>
+                  <a:close/>
+                  <a:moveTo>
+                    <a:pt x="2693206" y="0"/>
+                  </a:moveTo>
+                  <a:lnTo>
+                    <a:pt x="5872285" y="0"/>
+                  </a:lnTo>
+                  <a:lnTo>
+                    <a:pt x="6024875" y="68385"/>
+                  </a:lnTo>
+                  <a:cubicBezTo>
+                    <a:pt x="6086250" y="97989"/>
+                    <a:pt x="6146793" y="129318"/>
+                    <a:pt x="6206432" y="162336"/>
+                  </a:cubicBezTo>
+                  <a:lnTo>
+                    <a:pt x="6264586" y="196704"/>
+                  </a:lnTo>
+                  <a:lnTo>
+                    <a:pt x="6264586" y="537242"/>
+                  </a:lnTo>
+                  <a:lnTo>
+                    <a:pt x="6230189" y="517260"/>
+                  </a:lnTo>
+                  <a:cubicBezTo>
+                    <a:pt x="6012226" y="399931"/>
+                    <a:pt x="5780573" y="310008"/>
+                    <a:pt x="5540536" y="249543"/>
+                  </a:cubicBezTo>
+                  <a:cubicBezTo>
+                    <a:pt x="5421375" y="219324"/>
+                    <a:pt x="5300641" y="195644"/>
+                    <a:pt x="5178896" y="178606"/>
+                  </a:cubicBezTo>
+                  <a:cubicBezTo>
+                    <a:pt x="5057977" y="161840"/>
+                    <a:pt x="4936276" y="151186"/>
+                    <a:pt x="4814279" y="146683"/>
+                  </a:cubicBezTo>
+                  <a:cubicBezTo>
+                    <a:pt x="4761501" y="144556"/>
+                    <a:pt x="4708015" y="143421"/>
+                    <a:pt x="4655095" y="143421"/>
+                  </a:cubicBezTo>
+                  <a:cubicBezTo>
+                    <a:pt x="4462968" y="143573"/>
+                    <a:pt x="4271111" y="157799"/>
+                    <a:pt x="4081069" y="185983"/>
+                  </a:cubicBezTo>
+                  <a:cubicBezTo>
+                    <a:pt x="3956361" y="205703"/>
+                    <a:pt x="3835058" y="229396"/>
+                    <a:pt x="3720566" y="256921"/>
+                  </a:cubicBezTo>
+                  <a:cubicBezTo>
+                    <a:pt x="3596708" y="286714"/>
+                    <a:pt x="3477677" y="320905"/>
+                    <a:pt x="3365879" y="357651"/>
+                  </a:cubicBezTo>
+                  <a:cubicBezTo>
+                    <a:pt x="3249257" y="395958"/>
+                    <a:pt x="3133487" y="438945"/>
+                    <a:pt x="3020555" y="486190"/>
+                  </a:cubicBezTo>
+                  <a:cubicBezTo>
+                    <a:pt x="2907623" y="533434"/>
+                    <a:pt x="2794832" y="585786"/>
+                    <a:pt x="2685163" y="641542"/>
+                  </a:cubicBezTo>
+                  <a:cubicBezTo>
+                    <a:pt x="2463995" y="754348"/>
+                    <a:pt x="2250998" y="882488"/>
+                    <a:pt x="2047720" y="1025030"/>
+                  </a:cubicBezTo>
+                  <a:cubicBezTo>
+                    <a:pt x="2006151" y="1054399"/>
+                    <a:pt x="1951528" y="1093415"/>
+                    <a:pt x="1897333" y="1134983"/>
+                  </a:cubicBezTo>
+                  <a:cubicBezTo>
+                    <a:pt x="1876761" y="1150164"/>
+                    <a:pt x="1855905" y="1166479"/>
+                    <a:pt x="1835758" y="1182227"/>
+                  </a:cubicBezTo>
+                  <a:lnTo>
+                    <a:pt x="1823273" y="1192016"/>
+                  </a:lnTo>
+                  <a:cubicBezTo>
+                    <a:pt x="1797027" y="1211879"/>
+                    <a:pt x="1772057" y="1232309"/>
+                    <a:pt x="1750918" y="1249760"/>
+                  </a:cubicBezTo>
+                  <a:cubicBezTo>
+                    <a:pt x="1645931" y="1335737"/>
+                    <a:pt x="1554422" y="1416605"/>
+                    <a:pt x="1469297" y="1496906"/>
+                  </a:cubicBezTo>
+                  <a:cubicBezTo>
+                    <a:pt x="1286595" y="1668957"/>
+                    <a:pt x="1118818" y="1856190"/>
+                    <a:pt x="967769" y="2056602"/>
+                  </a:cubicBezTo>
+                  <a:cubicBezTo>
+                    <a:pt x="890731" y="2159603"/>
+                    <a:pt x="818800" y="2264590"/>
+                    <a:pt x="754105" y="2368727"/>
+                  </a:cubicBezTo>
+                  <a:cubicBezTo>
+                    <a:pt x="681749" y="2488328"/>
+                    <a:pt x="622304" y="2596720"/>
+                    <a:pt x="572364" y="2701140"/>
+                  </a:cubicBezTo>
+                  <a:cubicBezTo>
+                    <a:pt x="557609" y="2730507"/>
+                    <a:pt x="543989" y="2760443"/>
+                    <a:pt x="532497" y="2786265"/>
+                  </a:cubicBezTo>
+                  <a:lnTo>
+                    <a:pt x="512918" y="2828827"/>
+                  </a:lnTo>
+                  <a:lnTo>
+                    <a:pt x="494475" y="2872240"/>
+                  </a:lnTo>
+                  <a:lnTo>
+                    <a:pt x="491637" y="2878908"/>
+                  </a:lnTo>
+                  <a:cubicBezTo>
+                    <a:pt x="480146" y="2906575"/>
+                    <a:pt x="469220" y="2932821"/>
+                    <a:pt x="459290" y="2959635"/>
+                  </a:cubicBezTo>
+                  <a:cubicBezTo>
+                    <a:pt x="455176" y="2970559"/>
+                    <a:pt x="451060" y="2981484"/>
+                    <a:pt x="446805" y="2992408"/>
+                  </a:cubicBezTo>
+                  <a:cubicBezTo>
+                    <a:pt x="439427" y="3012412"/>
+                    <a:pt x="432333" y="3030572"/>
+                    <a:pt x="426090" y="3049158"/>
+                  </a:cubicBezTo>
+                  <a:lnTo>
+                    <a:pt x="426090" y="3049867"/>
+                  </a:lnTo>
+                  <a:cubicBezTo>
+                    <a:pt x="383010" y="3169099"/>
+                    <a:pt x="346959" y="3290756"/>
+                    <a:pt x="318124" y="3414202"/>
+                  </a:cubicBezTo>
+                  <a:cubicBezTo>
+                    <a:pt x="260107" y="3661703"/>
+                    <a:pt x="230780" y="3915049"/>
+                    <a:pt x="230729" y="4169260"/>
+                  </a:cubicBezTo>
+                  <a:cubicBezTo>
+                    <a:pt x="231621" y="4295173"/>
+                    <a:pt x="244398" y="4420719"/>
+                    <a:pt x="268893" y="4544236"/>
+                  </a:cubicBezTo>
+                  <a:cubicBezTo>
+                    <a:pt x="293708" y="4666304"/>
+                    <a:pt x="330882" y="4785521"/>
+                    <a:pt x="379840" y="4900056"/>
+                  </a:cubicBezTo>
+                  <a:cubicBezTo>
+                    <a:pt x="387926" y="4919919"/>
+                    <a:pt x="397006" y="4939498"/>
+                    <a:pt x="406512" y="4960211"/>
+                  </a:cubicBezTo>
+                  <a:cubicBezTo>
+                    <a:pt x="410343" y="4968299"/>
+                    <a:pt x="414173" y="4976385"/>
+                    <a:pt x="417862" y="4984613"/>
+                  </a:cubicBezTo>
+                  <a:lnTo>
+                    <a:pt x="428077" y="5005043"/>
+                  </a:lnTo>
+                  <a:cubicBezTo>
+                    <a:pt x="438860" y="5026751"/>
+                    <a:pt x="449075" y="5047181"/>
+                    <a:pt x="460140" y="5067327"/>
+                  </a:cubicBezTo>
+                  <a:cubicBezTo>
+                    <a:pt x="485536" y="5116273"/>
+                    <a:pt x="514763" y="5165789"/>
+                    <a:pt x="555197" y="5229773"/>
+                  </a:cubicBezTo>
+                  <a:cubicBezTo>
+                    <a:pt x="586836" y="5280282"/>
+                    <a:pt x="620318" y="5329511"/>
+                    <a:pt x="660611" y="5387396"/>
+                  </a:cubicBezTo>
+                  <a:cubicBezTo>
+                    <a:pt x="698065" y="5440741"/>
+                    <a:pt x="737223" y="5493094"/>
+                    <a:pt x="774110" y="5542182"/>
+                  </a:cubicBezTo>
+                  <a:cubicBezTo>
+                    <a:pt x="821070" y="5604324"/>
+                    <a:pt x="870301" y="5667173"/>
+                    <a:pt x="917829" y="5727896"/>
+                  </a:cubicBezTo>
+                  <a:cubicBezTo>
+                    <a:pt x="949042" y="5767762"/>
+                    <a:pt x="979828" y="5807063"/>
+                    <a:pt x="1012885" y="5849767"/>
+                  </a:cubicBezTo>
+                  <a:cubicBezTo>
+                    <a:pt x="1045942" y="5892471"/>
+                    <a:pt x="1089497" y="5948796"/>
+                    <a:pt x="1133053" y="6006822"/>
+                  </a:cubicBezTo>
+                  <a:cubicBezTo>
+                    <a:pt x="1153624" y="6034345"/>
+                    <a:pt x="1175332" y="6063998"/>
+                    <a:pt x="1194343" y="6090245"/>
+                  </a:cubicBezTo>
+                  <a:cubicBezTo>
+                    <a:pt x="1213355" y="6116491"/>
+                    <a:pt x="1231372" y="6141178"/>
+                    <a:pt x="1249390" y="6165155"/>
+                  </a:cubicBezTo>
+                  <a:cubicBezTo>
+                    <a:pt x="1280461" y="6208000"/>
+                    <a:pt x="1313659" y="6250847"/>
+                    <a:pt x="1345724" y="6292132"/>
+                  </a:cubicBezTo>
+                  <a:lnTo>
+                    <a:pt x="1364310" y="6316251"/>
+                  </a:lnTo>
+                  <a:lnTo>
+                    <a:pt x="1373673" y="6327885"/>
+                  </a:lnTo>
+                  <a:cubicBezTo>
+                    <a:pt x="1409566" y="6372433"/>
+                    <a:pt x="1446738" y="6418542"/>
+                    <a:pt x="1484619" y="6462240"/>
+                  </a:cubicBezTo>
+                  <a:cubicBezTo>
+                    <a:pt x="1567899" y="6559850"/>
+                    <a:pt x="1653876" y="6652211"/>
+                    <a:pt x="1739000" y="6737335"/>
+                  </a:cubicBezTo>
+                  <a:lnTo>
+                    <a:pt x="1866801" y="6858001"/>
+                  </a:lnTo>
+                  <a:lnTo>
+                    <a:pt x="1144149" y="6858001"/>
+                  </a:lnTo>
+                  <a:lnTo>
+                    <a:pt x="1058349" y="6766452"/>
+                  </a:lnTo>
+                  <a:cubicBezTo>
+                    <a:pt x="878978" y="6562465"/>
+                    <a:pt x="718756" y="6341104"/>
+                    <a:pt x="580309" y="6105000"/>
+                  </a:cubicBezTo>
+                  <a:cubicBezTo>
+                    <a:pt x="200401" y="5454007"/>
+                    <a:pt x="146" y="4713831"/>
+                    <a:pt x="1" y="3960094"/>
+                  </a:cubicBezTo>
+                  <a:cubicBezTo>
+                    <a:pt x="-335" y="2196754"/>
+                    <a:pt x="1071479" y="683605"/>
+                    <a:pt x="2599292" y="37050"/>
+                  </a:cubicBezTo>
+                  <a:close/>
+                </a:path>
+              </a:pathLst>
+            </a:custGeom>
+            <a:gradFill>
+              <a:gsLst>
+                <a:gs pos="2000">
+                  <a:schemeClr val="bg1">
+                    <a:alpha val="10000"/>
+                  </a:schemeClr>
+                </a:gs>
+                <a:gs pos="16000">
+                  <a:schemeClr val="accent6">
+                    <a:alpha val="10000"/>
+                  </a:schemeClr>
+                </a:gs>
+                <a:gs pos="100000">
+                  <a:schemeClr val="bg1">
+                    <a:alpha val="10000"/>
+                  </a:schemeClr>
+                </a:gs>
+                <a:gs pos="85000">
+                  <a:schemeClr val="accent1">
+                    <a:alpha val="10000"/>
+                  </a:schemeClr>
+                </a:gs>
+              </a:gsLst>
+              <a:lin ang="12000000" scaled="0"/>
+            </a:gradFill>
+            <a:ln>
+              <a:noFill/>
+            </a:ln>
+          </p:spPr>
+          <p:style>
+            <a:lnRef idx="2">
+              <a:schemeClr val="accent1">
+                <a:shade val="50000"/>
+              </a:schemeClr>
+            </a:lnRef>
+            <a:fillRef idx="1">
+              <a:schemeClr val="accent1"/>
+            </a:fillRef>
+            <a:effectRef idx="0">
+              <a:schemeClr val="accent1"/>
+            </a:effectRef>
+            <a:fontRef idx="minor">
+              <a:schemeClr val="lt1"/>
+            </a:fontRef>
+          </p:style>
+          <p:txBody>
+            <a:bodyPr rtlCol="0" anchor="ctr"/>
+            <a:lstStyle/>
+            <a:p>
+              <a:pPr algn="ctr"/>
+              <a:endParaRPr lang="en-US" dirty="0"/>
+            </a:p>
+          </p:txBody>
+        </p:sp>
+      </p:grpSp>
+    </p:spTree>
+    <p:extLst>
+      <p:ext uri="{BB962C8B-B14F-4D97-AF65-F5344CB8AC3E}">
+        <p14:creationId xmlns:p14="http://schemas.microsoft.com/office/powerpoint/2010/main" val="2213056754"/>
+      </p:ext>
+    </p:extLst>
+  </p:cSld>
+  <p:clrMapOvr>
+    <a:masterClrMapping/>
+  </p:clrMapOvr>
+</p:sld>
+</file>
+
+<file path=ppt/slides/slide12.xml><?xml version="1.0" encoding="utf-8"?>
 <p:sld xmlns:a="http://schemas.openxmlformats.org/drawingml/2006/main" xmlns:r="http://schemas.openxmlformats.org/officeDocument/2006/relationships" xmlns:p="http://schemas.openxmlformats.org/presentationml/2006/main">
   <p:cSld>
     <p:bg>
@@ -7117,7 +10224,7 @@
 </p:sld>
 </file>
 
-<file path=ppt/slides/slide11.xml><?xml version="1.0" encoding="utf-8"?>
+<file path=ppt/slides/slide13.xml><?xml version="1.0" encoding="utf-8"?>
 <p:sld xmlns:a="http://schemas.openxmlformats.org/drawingml/2006/main" xmlns:r="http://schemas.openxmlformats.org/officeDocument/2006/relationships" xmlns:p="http://schemas.openxmlformats.org/presentationml/2006/main">
   <p:cSld>
     <p:spTree>
@@ -7398,7 +10505,7 @@
 </p:sld>
 </file>
 
-<file path=ppt/slides/slide12.xml><?xml version="1.0" encoding="utf-8"?>
+<file path=ppt/slides/slide14.xml><?xml version="1.0" encoding="utf-8"?>
 <p:sld xmlns:a="http://schemas.openxmlformats.org/drawingml/2006/main" xmlns:r="http://schemas.openxmlformats.org/officeDocument/2006/relationships" xmlns:p="http://schemas.openxmlformats.org/presentationml/2006/main">
   <p:cSld>
     <p:spTree>
@@ -7484,7 +10591,7 @@
 </p:sld>
 </file>
 
-<file path=ppt/slides/slide13.xml><?xml version="1.0" encoding="utf-8"?>
+<file path=ppt/slides/slide15.xml><?xml version="1.0" encoding="utf-8"?>
 <p:sld xmlns:a="http://schemas.openxmlformats.org/drawingml/2006/main" xmlns:r="http://schemas.openxmlformats.org/officeDocument/2006/relationships" xmlns:p="http://schemas.openxmlformats.org/presentationml/2006/main">
   <p:cSld>
     <p:spTree>
@@ -7670,7 +10777,7 @@
 </p:sld>
 </file>
 
-<file path=ppt/slides/slide14.xml><?xml version="1.0" encoding="utf-8"?>
+<file path=ppt/slides/slide16.xml><?xml version="1.0" encoding="utf-8"?>
 <p:sld xmlns:a="http://schemas.openxmlformats.org/drawingml/2006/main" xmlns:r="http://schemas.openxmlformats.org/officeDocument/2006/relationships" xmlns:p="http://schemas.openxmlformats.org/presentationml/2006/main">
   <p:cSld>
     <p:spTree>
@@ -7772,7 +10879,7 @@
 </p:sld>
 </file>
 
-<file path=ppt/slides/slide15.xml><?xml version="1.0" encoding="utf-8"?>
+<file path=ppt/slides/slide17.xml><?xml version="1.0" encoding="utf-8"?>
 <p:sld xmlns:a="http://schemas.openxmlformats.org/drawingml/2006/main" xmlns:r="http://schemas.openxmlformats.org/officeDocument/2006/relationships" xmlns:p="http://schemas.openxmlformats.org/presentationml/2006/main">
   <p:cSld>
     <p:spTree>
@@ -8006,7 +11113,7 @@
 </p:sld>
 </file>
 
-<file path=ppt/slides/slide16.xml><?xml version="1.0" encoding="utf-8"?>
+<file path=ppt/slides/slide18.xml><?xml version="1.0" encoding="utf-8"?>
 <p:sld xmlns:a="http://schemas.openxmlformats.org/drawingml/2006/main" xmlns:r="http://schemas.openxmlformats.org/officeDocument/2006/relationships" xmlns:p="http://schemas.openxmlformats.org/presentationml/2006/main">
   <p:cSld>
     <p:spTree>
@@ -8425,7 +11532,9 @@
             </a:endParaRPr>
           </a:p>
           <a:p>
-            <a:pPr lvl="2"/>
+            <a:pPr marL="914400" lvl="2" indent="0">
+              <a:buNone/>
+            </a:pPr>
             <a:endParaRPr lang="en-US" dirty="0">
               <a:solidFill>
                 <a:srgbClr val="2B2B2B"/>
@@ -8455,35 +11564,6 @@
               <a:effectLst/>
               <a:latin typeface="Roboto" panose="02000000000000000000" pitchFamily="2" charset="0"/>
             </a:endParaRPr>
-          </a:p>
-          <a:p>
-            <a:pPr lvl="1"/>
-            <a:r>
-              <a:rPr lang="en-US" b="0" i="0" dirty="0">
-                <a:solidFill>
-                  <a:srgbClr val="2B2B2B"/>
-                </a:solidFill>
-                <a:effectLst/>
-                <a:highlight>
-                  <a:srgbClr val="FF0000"/>
-                </a:highlight>
-                <a:latin typeface="Roboto" panose="02000000000000000000" pitchFamily="2" charset="0"/>
-              </a:rPr>
-              <a:t>Describe the collection, exploration, and cleanup process</a:t>
-            </a:r>
-            <a:r>
-              <a:rPr lang="en-US" b="0" i="0" dirty="0">
-                <a:solidFill>
-                  <a:srgbClr val="2B2B2B"/>
-                </a:solidFill>
-                <a:effectLst/>
-                <a:latin typeface="Roboto" panose="02000000000000000000" pitchFamily="2" charset="0"/>
-              </a:rPr>
-              <a:t>.</a:t>
-            </a:r>
-          </a:p>
-          <a:p>
-            <a:endParaRPr lang="en-US" dirty="0"/>
           </a:p>
         </p:txBody>
       </p:sp>
@@ -9111,6 +12191,695 @@
           </a:p>
         </p:txBody>
       </p:sp>
+      <p:sp>
+        <p:nvSpPr>
+          <p:cNvPr id="4" name="Content Placeholder 3">
+            <a:extLst>
+              <a:ext uri="{FF2B5EF4-FFF2-40B4-BE49-F238E27FC236}">
+                <a16:creationId xmlns:a16="http://schemas.microsoft.com/office/drawing/2014/main" id="{50128A1A-8034-B8E7-0283-938E033E5122}"/>
+              </a:ext>
+            </a:extLst>
+          </p:cNvPr>
+          <p:cNvSpPr>
+            <a:spLocks noGrp="1"/>
+          </p:cNvSpPr>
+          <p:nvPr>
+            <p:ph idx="1"/>
+          </p:nvPr>
+        </p:nvSpPr>
+        <p:spPr>
+          <a:xfrm>
+            <a:off x="5231876" y="3767547"/>
+            <a:ext cx="433633" cy="50309"/>
+          </a:xfrm>
+        </p:spPr>
+        <p:txBody>
+          <a:bodyPr>
+            <a:normAutofit fontScale="25000" lnSpcReduction="20000"/>
+          </a:bodyPr>
+          <a:lstStyle/>
+          <a:p>
+            <a:pPr marL="0" indent="0">
+              <a:buNone/>
+            </a:pPr>
+            <a:endParaRPr lang="en-US" dirty="0"/>
+          </a:p>
+        </p:txBody>
+      </p:sp>
+      <p:pic>
+        <p:nvPicPr>
+          <p:cNvPr id="6" name="Picture 5">
+            <a:extLst>
+              <a:ext uri="{FF2B5EF4-FFF2-40B4-BE49-F238E27FC236}">
+                <a16:creationId xmlns:a16="http://schemas.microsoft.com/office/drawing/2014/main" id="{4F6AE1D1-CB7D-30E0-B5BB-334773BB1F32}"/>
+              </a:ext>
+            </a:extLst>
+          </p:cNvPr>
+          <p:cNvPicPr>
+            <a:picLocks noChangeAspect="1"/>
+          </p:cNvPicPr>
+          <p:nvPr/>
+        </p:nvPicPr>
+        <p:blipFill>
+          <a:blip r:embed="rId2"/>
+          <a:stretch>
+            <a:fillRect/>
+          </a:stretch>
+        </p:blipFill>
+        <p:spPr>
+          <a:xfrm>
+            <a:off x="4074677" y="68281"/>
+            <a:ext cx="8080479" cy="6721435"/>
+          </a:xfrm>
+          <a:prstGeom prst="rect">
+            <a:avLst/>
+          </a:prstGeom>
+        </p:spPr>
+      </p:pic>
+    </p:spTree>
+    <p:extLst>
+      <p:ext uri="{BB962C8B-B14F-4D97-AF65-F5344CB8AC3E}">
+        <p14:creationId xmlns:p14="http://schemas.microsoft.com/office/powerpoint/2010/main" val="1306799507"/>
+      </p:ext>
+    </p:extLst>
+  </p:cSld>
+  <p:clrMapOvr>
+    <a:masterClrMapping/>
+  </p:clrMapOvr>
+</p:sld>
+</file>
+
+<file path=ppt/slides/slide5.xml><?xml version="1.0" encoding="utf-8"?>
+<p:sld xmlns:a="http://schemas.openxmlformats.org/drawingml/2006/main" xmlns:r="http://schemas.openxmlformats.org/officeDocument/2006/relationships" xmlns:p="http://schemas.openxmlformats.org/presentationml/2006/main">
+  <p:cSld>
+    <p:bg>
+      <p:bgPr>
+        <a:solidFill>
+          <a:schemeClr val="bg1"/>
+        </a:solidFill>
+        <a:effectLst/>
+      </p:bgPr>
+    </p:bg>
+    <p:spTree>
+      <p:nvGrpSpPr>
+        <p:cNvPr id="1" name=""/>
+        <p:cNvGrpSpPr/>
+        <p:nvPr/>
+      </p:nvGrpSpPr>
+      <p:grpSpPr>
+        <a:xfrm>
+          <a:off x="0" y="0"/>
+          <a:ext cx="0" cy="0"/>
+          <a:chOff x="0" y="0"/>
+          <a:chExt cx="0" cy="0"/>
+        </a:xfrm>
+      </p:grpSpPr>
+      <p:sp useBgFill="1">
+        <p:nvSpPr>
+          <p:cNvPr id="53" name="Rectangle 40">
+            <a:extLst>
+              <a:ext uri="{FF2B5EF4-FFF2-40B4-BE49-F238E27FC236}">
+                <a16:creationId xmlns:a16="http://schemas.microsoft.com/office/drawing/2014/main" id="{D47F22ED-3A55-4EDE-A5A8-163D82B09265}"/>
+              </a:ext>
+              <a:ext uri="{C183D7F6-B498-43B3-948B-1728B52AA6E4}">
+                <adec:decorative xmlns:adec="http://schemas.microsoft.com/office/drawing/2017/decorative" val="1"/>
+              </a:ext>
+            </a:extLst>
+          </p:cNvPr>
+          <p:cNvSpPr>
+            <a:spLocks noGrp="1" noRot="1" noChangeAspect="1" noMove="1" noResize="1" noEditPoints="1" noAdjustHandles="1" noChangeArrowheads="1" noChangeShapeType="1" noTextEdit="1"/>
+          </p:cNvSpPr>
+          <p:nvPr>
+            <p:extLst>
+              <p:ext uri="{386F3935-93C4-4BCD-93E2-E3B085C9AB24}">
+                <p16:designElem xmlns:p16="http://schemas.microsoft.com/office/powerpoint/2015/main" val="1"/>
+              </p:ext>
+            </p:extLst>
+          </p:nvPr>
+        </p:nvSpPr>
+        <p:spPr>
+          <a:xfrm>
+            <a:off x="0" y="0"/>
+            <a:ext cx="12192000" cy="6858000"/>
+          </a:xfrm>
+          <a:prstGeom prst="rect">
+            <a:avLst/>
+          </a:prstGeom>
+          <a:ln w="12700" cap="flat" cmpd="sng" algn="ctr">
+            <a:noFill/>
+            <a:prstDash val="solid"/>
+            <a:miter lim="800000"/>
+          </a:ln>
+          <a:effectLst/>
+          <a:extLst>
+            <a:ext uri="{91240B29-F687-4F45-9708-019B960494DF}">
+              <a14:hiddenLine xmlns:a14="http://schemas.microsoft.com/office/drawing/2010/main" w="12700" cap="flat" cmpd="sng" algn="ctr">
+                <a:solidFill>
+                  <a:schemeClr val="accent1">
+                    <a:shade val="50000"/>
+                  </a:schemeClr>
+                </a:solidFill>
+                <a:prstDash val="solid"/>
+                <a:miter lim="800000"/>
+              </a14:hiddenLine>
+            </a:ext>
+          </a:extLst>
+        </p:spPr>
+        <p:style>
+          <a:lnRef idx="2">
+            <a:schemeClr val="accent1">
+              <a:shade val="50000"/>
+            </a:schemeClr>
+          </a:lnRef>
+          <a:fillRef idx="1">
+            <a:schemeClr val="accent1"/>
+          </a:fillRef>
+          <a:effectRef idx="0">
+            <a:schemeClr val="accent1"/>
+          </a:effectRef>
+          <a:fontRef idx="minor">
+            <a:schemeClr val="lt1"/>
+          </a:fontRef>
+        </p:style>
+        <p:txBody>
+          <a:bodyPr rtlCol="0" anchor="ctr"/>
+          <a:lstStyle/>
+          <a:p>
+            <a:pPr algn="ctr"/>
+            <a:endParaRPr lang="en-US"/>
+          </a:p>
+        </p:txBody>
+      </p:sp>
+      <p:sp>
+        <p:nvSpPr>
+          <p:cNvPr id="54" name="Rectangle 42">
+            <a:extLst>
+              <a:ext uri="{FF2B5EF4-FFF2-40B4-BE49-F238E27FC236}">
+                <a16:creationId xmlns:a16="http://schemas.microsoft.com/office/drawing/2014/main" id="{5184EE59-3061-456B-9FB5-98A8E0E74B02}"/>
+              </a:ext>
+              <a:ext uri="{C183D7F6-B498-43B3-948B-1728B52AA6E4}">
+                <adec:decorative xmlns:adec="http://schemas.microsoft.com/office/drawing/2017/decorative" val="1"/>
+              </a:ext>
+            </a:extLst>
+          </p:cNvPr>
+          <p:cNvSpPr>
+            <a:spLocks noGrp="1" noRot="1" noChangeAspect="1" noMove="1" noResize="1" noEditPoints="1" noAdjustHandles="1" noChangeArrowheads="1" noChangeShapeType="1" noTextEdit="1"/>
+          </p:cNvSpPr>
+          <p:nvPr>
+            <p:extLst>
+              <p:ext uri="{386F3935-93C4-4BCD-93E2-E3B085C9AB24}">
+                <p16:designElem xmlns:p16="http://schemas.microsoft.com/office/powerpoint/2015/main" val="1"/>
+              </p:ext>
+            </p:extLst>
+          </p:nvPr>
+        </p:nvSpPr>
+        <p:spPr>
+          <a:xfrm rot="5400000" flipH="1">
+            <a:off x="-1439326" y="1410082"/>
+            <a:ext cx="6858000" cy="4037836"/>
+          </a:xfrm>
+          <a:prstGeom prst="rect">
+            <a:avLst/>
+          </a:prstGeom>
+          <a:gradFill>
+            <a:gsLst>
+              <a:gs pos="8000">
+                <a:srgbClr val="000000"/>
+              </a:gs>
+              <a:gs pos="100000">
+                <a:schemeClr val="accent1">
+                  <a:lumMod val="75000"/>
+                </a:schemeClr>
+              </a:gs>
+            </a:gsLst>
+            <a:lin ang="3000000" scaled="0"/>
+          </a:gradFill>
+          <a:ln>
+            <a:noFill/>
+          </a:ln>
+        </p:spPr>
+        <p:style>
+          <a:lnRef idx="2">
+            <a:schemeClr val="accent1">
+              <a:shade val="50000"/>
+            </a:schemeClr>
+          </a:lnRef>
+          <a:fillRef idx="1">
+            <a:schemeClr val="accent1"/>
+          </a:fillRef>
+          <a:effectRef idx="0">
+            <a:schemeClr val="accent1"/>
+          </a:effectRef>
+          <a:fontRef idx="minor">
+            <a:schemeClr val="lt1"/>
+          </a:fontRef>
+        </p:style>
+        <p:txBody>
+          <a:bodyPr rtlCol="0" anchor="ctr"/>
+          <a:lstStyle/>
+          <a:p>
+            <a:pPr algn="ctr"/>
+            <a:endParaRPr lang="en-US"/>
+          </a:p>
+        </p:txBody>
+      </p:sp>
+      <p:sp>
+        <p:nvSpPr>
+          <p:cNvPr id="55" name="Rectangle 44">
+            <a:extLst>
+              <a:ext uri="{FF2B5EF4-FFF2-40B4-BE49-F238E27FC236}">
+                <a16:creationId xmlns:a16="http://schemas.microsoft.com/office/drawing/2014/main" id="{F7E07B5E-9FB5-4C91-8BE4-6167EB58D0A7}"/>
+              </a:ext>
+              <a:ext uri="{C183D7F6-B498-43B3-948B-1728B52AA6E4}">
+                <adec:decorative xmlns:adec="http://schemas.microsoft.com/office/drawing/2017/decorative" val="1"/>
+              </a:ext>
+            </a:extLst>
+          </p:cNvPr>
+          <p:cNvSpPr>
+            <a:spLocks noGrp="1" noRot="1" noChangeAspect="1" noMove="1" noResize="1" noEditPoints="1" noAdjustHandles="1" noChangeArrowheads="1" noChangeShapeType="1" noTextEdit="1"/>
+          </p:cNvSpPr>
+          <p:nvPr>
+            <p:extLst>
+              <p:ext uri="{386F3935-93C4-4BCD-93E2-E3B085C9AB24}">
+                <p16:designElem xmlns:p16="http://schemas.microsoft.com/office/powerpoint/2015/main" val="1"/>
+              </p:ext>
+            </p:extLst>
+          </p:nvPr>
+        </p:nvSpPr>
+        <p:spPr>
+          <a:xfrm rot="5400000" flipH="1">
+            <a:off x="-1439326" y="1410083"/>
+            <a:ext cx="6858000" cy="4037834"/>
+          </a:xfrm>
+          <a:prstGeom prst="rect">
+            <a:avLst/>
+          </a:prstGeom>
+          <a:gradFill>
+            <a:gsLst>
+              <a:gs pos="0">
+                <a:srgbClr val="000000">
+                  <a:alpha val="0"/>
+                </a:srgbClr>
+              </a:gs>
+              <a:gs pos="99000">
+                <a:schemeClr val="accent1">
+                  <a:alpha val="46000"/>
+                </a:schemeClr>
+              </a:gs>
+            </a:gsLst>
+            <a:lin ang="1800000" scaled="0"/>
+          </a:gradFill>
+          <a:ln>
+            <a:noFill/>
+          </a:ln>
+        </p:spPr>
+        <p:style>
+          <a:lnRef idx="2">
+            <a:schemeClr val="accent1">
+              <a:shade val="50000"/>
+            </a:schemeClr>
+          </a:lnRef>
+          <a:fillRef idx="1">
+            <a:schemeClr val="accent1"/>
+          </a:fillRef>
+          <a:effectRef idx="0">
+            <a:schemeClr val="accent1"/>
+          </a:effectRef>
+          <a:fontRef idx="minor">
+            <a:schemeClr val="lt1"/>
+          </a:fontRef>
+        </p:style>
+        <p:txBody>
+          <a:bodyPr rtlCol="0" anchor="ctr"/>
+          <a:lstStyle/>
+          <a:p>
+            <a:pPr algn="ctr"/>
+            <a:endParaRPr lang="en-US"/>
+          </a:p>
+        </p:txBody>
+      </p:sp>
+      <p:sp>
+        <p:nvSpPr>
+          <p:cNvPr id="56" name="Rectangle 46">
+            <a:extLst>
+              <a:ext uri="{FF2B5EF4-FFF2-40B4-BE49-F238E27FC236}">
+                <a16:creationId xmlns:a16="http://schemas.microsoft.com/office/drawing/2014/main" id="{37524947-EB09-4DD9-973B-9F75BBCD7269}"/>
+              </a:ext>
+              <a:ext uri="{C183D7F6-B498-43B3-948B-1728B52AA6E4}">
+                <adec:decorative xmlns:adec="http://schemas.microsoft.com/office/drawing/2017/decorative" val="1"/>
+              </a:ext>
+            </a:extLst>
+          </p:cNvPr>
+          <p:cNvSpPr>
+            <a:spLocks noGrp="1" noRot="1" noChangeAspect="1" noMove="1" noResize="1" noEditPoints="1" noAdjustHandles="1" noChangeArrowheads="1" noChangeShapeType="1" noTextEdit="1"/>
+          </p:cNvSpPr>
+          <p:nvPr>
+            <p:extLst>
+              <p:ext uri="{386F3935-93C4-4BCD-93E2-E3B085C9AB24}">
+                <p16:designElem xmlns:p16="http://schemas.microsoft.com/office/powerpoint/2015/main" val="1"/>
+              </p:ext>
+            </p:extLst>
+          </p:nvPr>
+        </p:nvSpPr>
+        <p:spPr>
+          <a:xfrm rot="5400000" flipH="1">
+            <a:off x="726611" y="3576013"/>
+            <a:ext cx="2526132" cy="4037841"/>
+          </a:xfrm>
+          <a:prstGeom prst="rect">
+            <a:avLst/>
+          </a:prstGeom>
+          <a:gradFill>
+            <a:gsLst>
+              <a:gs pos="2000">
+                <a:schemeClr val="accent1">
+                  <a:alpha val="29000"/>
+                </a:schemeClr>
+              </a:gs>
+              <a:gs pos="100000">
+                <a:srgbClr val="000000">
+                  <a:alpha val="30000"/>
+                </a:srgbClr>
+              </a:gs>
+            </a:gsLst>
+            <a:lin ang="7800000" scaled="0"/>
+          </a:gradFill>
+          <a:ln>
+            <a:noFill/>
+          </a:ln>
+        </p:spPr>
+        <p:style>
+          <a:lnRef idx="2">
+            <a:schemeClr val="accent1">
+              <a:shade val="50000"/>
+            </a:schemeClr>
+          </a:lnRef>
+          <a:fillRef idx="1">
+            <a:schemeClr val="accent1"/>
+          </a:fillRef>
+          <a:effectRef idx="0">
+            <a:schemeClr val="accent1"/>
+          </a:effectRef>
+          <a:fontRef idx="minor">
+            <a:schemeClr val="lt1"/>
+          </a:fontRef>
+        </p:style>
+        <p:txBody>
+          <a:bodyPr rtlCol="0" anchor="ctr"/>
+          <a:lstStyle/>
+          <a:p>
+            <a:pPr algn="ctr"/>
+            <a:endParaRPr lang="en-US" dirty="0"/>
+          </a:p>
+        </p:txBody>
+      </p:sp>
+      <p:sp>
+        <p:nvSpPr>
+          <p:cNvPr id="57" name="Rectangle 48">
+            <a:extLst>
+              <a:ext uri="{FF2B5EF4-FFF2-40B4-BE49-F238E27FC236}">
+                <a16:creationId xmlns:a16="http://schemas.microsoft.com/office/drawing/2014/main" id="{D30C8E25-2DD1-45C6-9F04-0F0CBF666021}"/>
+              </a:ext>
+              <a:ext uri="{C183D7F6-B498-43B3-948B-1728B52AA6E4}">
+                <adec:decorative xmlns:adec="http://schemas.microsoft.com/office/drawing/2017/decorative" val="1"/>
+              </a:ext>
+            </a:extLst>
+          </p:cNvPr>
+          <p:cNvSpPr>
+            <a:spLocks noGrp="1" noRot="1" noChangeAspect="1" noMove="1" noResize="1" noEditPoints="1" noAdjustHandles="1" noChangeArrowheads="1" noChangeShapeType="1" noTextEdit="1"/>
+          </p:cNvSpPr>
+          <p:nvPr>
+            <p:extLst>
+              <p:ext uri="{386F3935-93C4-4BCD-93E2-E3B085C9AB24}">
+                <p16:designElem xmlns:p16="http://schemas.microsoft.com/office/powerpoint/2015/main" val="1"/>
+              </p:ext>
+            </p:extLst>
+          </p:nvPr>
+        </p:nvSpPr>
+        <p:spPr>
+          <a:xfrm rot="5400000" flipH="1">
+            <a:off x="-1410083" y="1396067"/>
+            <a:ext cx="6858000" cy="4037833"/>
+          </a:xfrm>
+          <a:prstGeom prst="rect">
+            <a:avLst/>
+          </a:prstGeom>
+          <a:gradFill>
+            <a:gsLst>
+              <a:gs pos="0">
+                <a:srgbClr val="000000">
+                  <a:alpha val="0"/>
+                </a:srgbClr>
+              </a:gs>
+              <a:gs pos="99000">
+                <a:schemeClr val="accent1">
+                  <a:lumMod val="60000"/>
+                  <a:lumOff val="40000"/>
+                  <a:alpha val="11000"/>
+                </a:schemeClr>
+              </a:gs>
+            </a:gsLst>
+            <a:lin ang="7200000" scaled="0"/>
+          </a:gradFill>
+          <a:ln>
+            <a:noFill/>
+          </a:ln>
+        </p:spPr>
+        <p:style>
+          <a:lnRef idx="2">
+            <a:schemeClr val="accent1">
+              <a:shade val="50000"/>
+            </a:schemeClr>
+          </a:lnRef>
+          <a:fillRef idx="1">
+            <a:schemeClr val="accent1"/>
+          </a:fillRef>
+          <a:effectRef idx="0">
+            <a:schemeClr val="accent1"/>
+          </a:effectRef>
+          <a:fontRef idx="minor">
+            <a:schemeClr val="lt1"/>
+          </a:fontRef>
+        </p:style>
+        <p:txBody>
+          <a:bodyPr rtlCol="0" anchor="ctr"/>
+          <a:lstStyle/>
+          <a:p>
+            <a:pPr algn="ctr"/>
+            <a:endParaRPr lang="en-US"/>
+          </a:p>
+        </p:txBody>
+      </p:sp>
+      <p:sp>
+        <p:nvSpPr>
+          <p:cNvPr id="58" name="Freeform: Shape 50">
+            <a:extLst>
+              <a:ext uri="{FF2B5EF4-FFF2-40B4-BE49-F238E27FC236}">
+                <a16:creationId xmlns:a16="http://schemas.microsoft.com/office/drawing/2014/main" id="{BC57EA3C-C239-4132-A618-5CBE9F896B2F}"/>
+              </a:ext>
+              <a:ext uri="{C183D7F6-B498-43B3-948B-1728B52AA6E4}">
+                <adec:decorative xmlns:adec="http://schemas.microsoft.com/office/drawing/2017/decorative" val="1"/>
+              </a:ext>
+            </a:extLst>
+          </p:cNvPr>
+          <p:cNvSpPr>
+            <a:spLocks noGrp="1" noRot="1" noChangeAspect="1" noMove="1" noResize="1" noEditPoints="1" noAdjustHandles="1" noChangeArrowheads="1" noChangeShapeType="1" noTextEdit="1"/>
+          </p:cNvSpPr>
+          <p:nvPr>
+            <p:extLst>
+              <p:ext uri="{386F3935-93C4-4BCD-93E2-E3B085C9AB24}">
+                <p16:designElem xmlns:p16="http://schemas.microsoft.com/office/powerpoint/2015/main" val="1"/>
+              </p:ext>
+            </p:extLst>
+          </p:nvPr>
+        </p:nvSpPr>
+        <p:spPr>
+          <a:xfrm rot="20635413">
+            <a:off x="-508268" y="982780"/>
+            <a:ext cx="3900357" cy="4178958"/>
+          </a:xfrm>
+          <a:custGeom>
+            <a:avLst/>
+            <a:gdLst>
+              <a:gd name="connsiteX0" fmla="*/ 2432225 w 3900357"/>
+              <a:gd name="connsiteY0" fmla="*/ 93939 h 4178958"/>
+              <a:gd name="connsiteX1" fmla="*/ 3900357 w 3900357"/>
+              <a:gd name="connsiteY1" fmla="*/ 2089479 h 4178958"/>
+              <a:gd name="connsiteX2" fmla="*/ 1810878 w 3900357"/>
+              <a:gd name="connsiteY2" fmla="*/ 4178958 h 4178958"/>
+              <a:gd name="connsiteX3" fmla="*/ 78249 w 3900357"/>
+              <a:gd name="connsiteY3" fmla="*/ 3257727 h 4178958"/>
+              <a:gd name="connsiteX4" fmla="*/ 0 w 3900357"/>
+              <a:gd name="connsiteY4" fmla="*/ 3128923 h 4178958"/>
+              <a:gd name="connsiteX5" fmla="*/ 831324 w 3900357"/>
+              <a:gd name="connsiteY5" fmla="*/ 244281 h 4178958"/>
+              <a:gd name="connsiteX6" fmla="*/ 997559 w 3900357"/>
+              <a:gd name="connsiteY6" fmla="*/ 164202 h 4178958"/>
+              <a:gd name="connsiteX7" fmla="*/ 1810878 w 3900357"/>
+              <a:gd name="connsiteY7" fmla="*/ 0 h 4178958"/>
+              <a:gd name="connsiteX8" fmla="*/ 2432225 w 3900357"/>
+              <a:gd name="connsiteY8" fmla="*/ 93939 h 4178958"/>
+            </a:gdLst>
+            <a:ahLst/>
+            <a:cxnLst>
+              <a:cxn ang="0">
+                <a:pos x="connsiteX0" y="connsiteY0"/>
+              </a:cxn>
+              <a:cxn ang="0">
+                <a:pos x="connsiteX1" y="connsiteY1"/>
+              </a:cxn>
+              <a:cxn ang="0">
+                <a:pos x="connsiteX2" y="connsiteY2"/>
+              </a:cxn>
+              <a:cxn ang="0">
+                <a:pos x="connsiteX3" y="connsiteY3"/>
+              </a:cxn>
+              <a:cxn ang="0">
+                <a:pos x="connsiteX4" y="connsiteY4"/>
+              </a:cxn>
+              <a:cxn ang="0">
+                <a:pos x="connsiteX5" y="connsiteY5"/>
+              </a:cxn>
+              <a:cxn ang="0">
+                <a:pos x="connsiteX6" y="connsiteY6"/>
+              </a:cxn>
+              <a:cxn ang="0">
+                <a:pos x="connsiteX7" y="connsiteY7"/>
+              </a:cxn>
+              <a:cxn ang="0">
+                <a:pos x="connsiteX8" y="connsiteY8"/>
+              </a:cxn>
+            </a:cxnLst>
+            <a:rect l="l" t="t" r="r" b="b"/>
+            <a:pathLst>
+              <a:path w="3900357" h="4178958">
+                <a:moveTo>
+                  <a:pt x="2432225" y="93939"/>
+                </a:moveTo>
+                <a:cubicBezTo>
+                  <a:pt x="3282786" y="358491"/>
+                  <a:pt x="3900357" y="1151865"/>
+                  <a:pt x="3900357" y="2089479"/>
+                </a:cubicBezTo>
+                <a:cubicBezTo>
+                  <a:pt x="3900357" y="3243466"/>
+                  <a:pt x="2964865" y="4178958"/>
+                  <a:pt x="1810878" y="4178958"/>
+                </a:cubicBezTo>
+                <a:cubicBezTo>
+                  <a:pt x="1089636" y="4178958"/>
+                  <a:pt x="453744" y="3813531"/>
+                  <a:pt x="78249" y="3257727"/>
+                </a:cubicBezTo>
+                <a:lnTo>
+                  <a:pt x="0" y="3128923"/>
+                </a:lnTo>
+                <a:lnTo>
+                  <a:pt x="831324" y="244281"/>
+                </a:lnTo>
+                <a:lnTo>
+                  <a:pt x="997559" y="164202"/>
+                </a:lnTo>
+                <a:cubicBezTo>
+                  <a:pt x="1247540" y="58468"/>
+                  <a:pt x="1522381" y="0"/>
+                  <a:pt x="1810878" y="0"/>
+                </a:cubicBezTo>
+                <a:cubicBezTo>
+                  <a:pt x="2027251" y="0"/>
+                  <a:pt x="2235942" y="32888"/>
+                  <a:pt x="2432225" y="93939"/>
+                </a:cubicBezTo>
+                <a:close/>
+              </a:path>
+            </a:pathLst>
+          </a:custGeom>
+          <a:gradFill>
+            <a:gsLst>
+              <a:gs pos="29000">
+                <a:srgbClr val="000000">
+                  <a:alpha val="0"/>
+                </a:srgbClr>
+              </a:gs>
+              <a:gs pos="100000">
+                <a:schemeClr val="accent1">
+                  <a:alpha val="43000"/>
+                </a:schemeClr>
+              </a:gs>
+            </a:gsLst>
+            <a:lin ang="1800000" scaled="0"/>
+          </a:gradFill>
+          <a:ln>
+            <a:noFill/>
+          </a:ln>
+        </p:spPr>
+        <p:style>
+          <a:lnRef idx="2">
+            <a:schemeClr val="accent1">
+              <a:shade val="50000"/>
+            </a:schemeClr>
+          </a:lnRef>
+          <a:fillRef idx="1">
+            <a:schemeClr val="accent1"/>
+          </a:fillRef>
+          <a:effectRef idx="0">
+            <a:schemeClr val="accent1"/>
+          </a:effectRef>
+          <a:fontRef idx="minor">
+            <a:schemeClr val="lt1"/>
+          </a:fontRef>
+        </p:style>
+        <p:txBody>
+          <a:bodyPr wrap="square" rtlCol="0" anchor="ctr">
+            <a:noAutofit/>
+          </a:bodyPr>
+          <a:lstStyle/>
+          <a:p>
+            <a:pPr algn="ctr"/>
+            <a:endParaRPr lang="en-US" dirty="0"/>
+          </a:p>
+        </p:txBody>
+      </p:sp>
+      <p:sp>
+        <p:nvSpPr>
+          <p:cNvPr id="2" name="Title 1">
+            <a:extLst>
+              <a:ext uri="{FF2B5EF4-FFF2-40B4-BE49-F238E27FC236}">
+                <a16:creationId xmlns:a16="http://schemas.microsoft.com/office/drawing/2014/main" id="{68AC3362-4817-9029-B5B4-75B288EC9D83}"/>
+              </a:ext>
+            </a:extLst>
+          </p:cNvPr>
+          <p:cNvSpPr>
+            <a:spLocks noGrp="1"/>
+          </p:cNvSpPr>
+          <p:nvPr>
+            <p:ph type="title"/>
+          </p:nvPr>
+        </p:nvSpPr>
+        <p:spPr>
+          <a:xfrm>
+            <a:off x="566382" y="456345"/>
+            <a:ext cx="3111690" cy="3556097"/>
+          </a:xfrm>
+        </p:spPr>
+        <p:txBody>
+          <a:bodyPr vert="horz" lIns="91440" tIns="45720" rIns="91440" bIns="45720" rtlCol="0" anchor="b">
+            <a:normAutofit/>
+          </a:bodyPr>
+          <a:lstStyle/>
+          <a:p>
+            <a:pPr algn="r"/>
+            <a:r>
+              <a:rPr lang="en-US" sz="4000">
+                <a:solidFill>
+                  <a:srgbClr val="FFFFFF"/>
+                </a:solidFill>
+              </a:rPr>
+              <a:t>Data Cleanup</a:t>
+            </a:r>
+          </a:p>
+        </p:txBody>
+      </p:sp>
       <p:graphicFrame>
         <p:nvGraphicFramePr>
           <p:cNvPr id="10" name="Content Placeholder 9">
@@ -9127,7 +12896,7 @@
             <p:ph idx="1"/>
             <p:extLst>
               <p:ext uri="{D42A27DB-BD31-4B8C-83A1-F6EECF244321}">
-                <p14:modId xmlns:p14="http://schemas.microsoft.com/office/powerpoint/2010/main" val="3923190725"/>
+                <p14:modId xmlns:p14="http://schemas.microsoft.com/office/powerpoint/2010/main" val="3971200005"/>
               </p:ext>
             </p:extLst>
           </p:nvPr>
@@ -9245,230 +13014,6 @@
 </p:sld>
 </file>
 
-<file path=ppt/slides/slide5.xml><?xml version="1.0" encoding="utf-8"?>
-<p:sld xmlns:a="http://schemas.openxmlformats.org/drawingml/2006/main" xmlns:r="http://schemas.openxmlformats.org/officeDocument/2006/relationships" xmlns:p="http://schemas.openxmlformats.org/presentationml/2006/main">
-  <p:cSld>
-    <p:bg>
-      <p:bgPr>
-        <a:solidFill>
-          <a:schemeClr val="bg1"/>
-        </a:solidFill>
-        <a:effectLst/>
-      </p:bgPr>
-    </p:bg>
-    <p:spTree>
-      <p:nvGrpSpPr>
-        <p:cNvPr id="1" name=""/>
-        <p:cNvGrpSpPr/>
-        <p:nvPr/>
-      </p:nvGrpSpPr>
-      <p:grpSpPr>
-        <a:xfrm>
-          <a:off x="0" y="0"/>
-          <a:ext cx="0" cy="0"/>
-          <a:chOff x="0" y="0"/>
-          <a:chExt cx="0" cy="0"/>
-        </a:xfrm>
-      </p:grpSpPr>
-      <p:sp>
-        <p:nvSpPr>
-          <p:cNvPr id="9" name="Rectangle 8">
-            <a:extLst>
-              <a:ext uri="{FF2B5EF4-FFF2-40B4-BE49-F238E27FC236}">
-                <a16:creationId xmlns:a16="http://schemas.microsoft.com/office/drawing/2014/main" id="{42A4FC2C-047E-45A5-965D-8E1E3BF09BC6}"/>
-              </a:ext>
-              <a:ext uri="{C183D7F6-B498-43B3-948B-1728B52AA6E4}">
-                <adec:decorative xmlns:adec="http://schemas.microsoft.com/office/drawing/2017/decorative" val="1"/>
-              </a:ext>
-            </a:extLst>
-          </p:cNvPr>
-          <p:cNvSpPr>
-            <a:spLocks noGrp="1" noRot="1" noChangeAspect="1" noMove="1" noResize="1" noEditPoints="1" noAdjustHandles="1" noChangeArrowheads="1" noChangeShapeType="1" noTextEdit="1"/>
-          </p:cNvSpPr>
-          <p:nvPr>
-            <p:extLst>
-              <p:ext uri="{386F3935-93C4-4BCD-93E2-E3B085C9AB24}">
-                <p16:designElem xmlns:p16="http://schemas.microsoft.com/office/powerpoint/2015/main" val="1"/>
-              </p:ext>
-            </p:extLst>
-          </p:nvPr>
-        </p:nvSpPr>
-        <p:spPr bwMode="white">
-          <a:xfrm>
-            <a:off x="1524" y="0"/>
-            <a:ext cx="12188952" cy="6858000"/>
-          </a:xfrm>
-          <a:prstGeom prst="rect">
-            <a:avLst/>
-          </a:prstGeom>
-          <a:noFill/>
-          <a:ln>
-            <a:noFill/>
-          </a:ln>
-        </p:spPr>
-        <p:style>
-          <a:lnRef idx="2">
-            <a:schemeClr val="accent1">
-              <a:shade val="50000"/>
-            </a:schemeClr>
-          </a:lnRef>
-          <a:fillRef idx="1">
-            <a:schemeClr val="accent1"/>
-          </a:fillRef>
-          <a:effectRef idx="0">
-            <a:schemeClr val="accent1"/>
-          </a:effectRef>
-          <a:fontRef idx="minor">
-            <a:schemeClr val="lt1"/>
-          </a:fontRef>
-        </p:style>
-        <p:txBody>
-          <a:bodyPr rtlCol="0" anchor="ctr"/>
-          <a:lstStyle>
-            <a:defPPr>
-              <a:defRPr lang="en-US"/>
-            </a:defPPr>
-            <a:lvl1pPr marL="0" algn="l" defTabSz="914400" rtl="0" eaLnBrk="1" latinLnBrk="0" hangingPunct="1">
-              <a:defRPr sz="1800" kern="1200">
-                <a:solidFill>
-                  <a:schemeClr val="lt1"/>
-                </a:solidFill>
-                <a:latin typeface="+mn-lt"/>
-                <a:ea typeface="+mn-ea"/>
-                <a:cs typeface="+mn-cs"/>
-              </a:defRPr>
-            </a:lvl1pPr>
-            <a:lvl2pPr marL="457200" algn="l" defTabSz="914400" rtl="0" eaLnBrk="1" latinLnBrk="0" hangingPunct="1">
-              <a:defRPr sz="1800" kern="1200">
-                <a:solidFill>
-                  <a:schemeClr val="lt1"/>
-                </a:solidFill>
-                <a:latin typeface="+mn-lt"/>
-                <a:ea typeface="+mn-ea"/>
-                <a:cs typeface="+mn-cs"/>
-              </a:defRPr>
-            </a:lvl2pPr>
-            <a:lvl3pPr marL="914400" algn="l" defTabSz="914400" rtl="0" eaLnBrk="1" latinLnBrk="0" hangingPunct="1">
-              <a:defRPr sz="1800" kern="1200">
-                <a:solidFill>
-                  <a:schemeClr val="lt1"/>
-                </a:solidFill>
-                <a:latin typeface="+mn-lt"/>
-                <a:ea typeface="+mn-ea"/>
-                <a:cs typeface="+mn-cs"/>
-              </a:defRPr>
-            </a:lvl3pPr>
-            <a:lvl4pPr marL="1371600" algn="l" defTabSz="914400" rtl="0" eaLnBrk="1" latinLnBrk="0" hangingPunct="1">
-              <a:defRPr sz="1800" kern="1200">
-                <a:solidFill>
-                  <a:schemeClr val="lt1"/>
-                </a:solidFill>
-                <a:latin typeface="+mn-lt"/>
-                <a:ea typeface="+mn-ea"/>
-                <a:cs typeface="+mn-cs"/>
-              </a:defRPr>
-            </a:lvl4pPr>
-            <a:lvl5pPr marL="1828800" algn="l" defTabSz="914400" rtl="0" eaLnBrk="1" latinLnBrk="0" hangingPunct="1">
-              <a:defRPr sz="1800" kern="1200">
-                <a:solidFill>
-                  <a:schemeClr val="lt1"/>
-                </a:solidFill>
-                <a:latin typeface="+mn-lt"/>
-                <a:ea typeface="+mn-ea"/>
-                <a:cs typeface="+mn-cs"/>
-              </a:defRPr>
-            </a:lvl5pPr>
-            <a:lvl6pPr marL="2286000" algn="l" defTabSz="914400" rtl="0" eaLnBrk="1" latinLnBrk="0" hangingPunct="1">
-              <a:defRPr sz="1800" kern="1200">
-                <a:solidFill>
-                  <a:schemeClr val="lt1"/>
-                </a:solidFill>
-                <a:latin typeface="+mn-lt"/>
-                <a:ea typeface="+mn-ea"/>
-                <a:cs typeface="+mn-cs"/>
-              </a:defRPr>
-            </a:lvl6pPr>
-            <a:lvl7pPr marL="2743200" algn="l" defTabSz="914400" rtl="0" eaLnBrk="1" latinLnBrk="0" hangingPunct="1">
-              <a:defRPr sz="1800" kern="1200">
-                <a:solidFill>
-                  <a:schemeClr val="lt1"/>
-                </a:solidFill>
-                <a:latin typeface="+mn-lt"/>
-                <a:ea typeface="+mn-ea"/>
-                <a:cs typeface="+mn-cs"/>
-              </a:defRPr>
-            </a:lvl7pPr>
-            <a:lvl8pPr marL="3200400" algn="l" defTabSz="914400" rtl="0" eaLnBrk="1" latinLnBrk="0" hangingPunct="1">
-              <a:defRPr sz="1800" kern="1200">
-                <a:solidFill>
-                  <a:schemeClr val="lt1"/>
-                </a:solidFill>
-                <a:latin typeface="+mn-lt"/>
-                <a:ea typeface="+mn-ea"/>
-                <a:cs typeface="+mn-cs"/>
-              </a:defRPr>
-            </a:lvl8pPr>
-            <a:lvl9pPr marL="3657600" algn="l" defTabSz="914400" rtl="0" eaLnBrk="1" latinLnBrk="0" hangingPunct="1">
-              <a:defRPr sz="1800" kern="1200">
-                <a:solidFill>
-                  <a:schemeClr val="lt1"/>
-                </a:solidFill>
-                <a:latin typeface="+mn-lt"/>
-                <a:ea typeface="+mn-ea"/>
-                <a:cs typeface="+mn-cs"/>
-              </a:defRPr>
-            </a:lvl9pPr>
-          </a:lstStyle>
-          <a:p>
-            <a:pPr algn="ctr"/>
-            <a:endParaRPr lang="en-US"/>
-          </a:p>
-        </p:txBody>
-      </p:sp>
-      <p:pic>
-        <p:nvPicPr>
-          <p:cNvPr id="4" name="Content Placeholder 4" descr="Graphical user interface, text, application, email&#10;&#10;Description automatically generated">
-            <a:extLst>
-              <a:ext uri="{FF2B5EF4-FFF2-40B4-BE49-F238E27FC236}">
-                <a16:creationId xmlns:a16="http://schemas.microsoft.com/office/drawing/2014/main" id="{61A389BA-2891-7AAF-053F-B831AE9E5D71}"/>
-              </a:ext>
-            </a:extLst>
-          </p:cNvPr>
-          <p:cNvPicPr>
-            <a:picLocks noGrp="1" noChangeAspect="1"/>
-          </p:cNvPicPr>
-          <p:nvPr>
-            <p:ph idx="1"/>
-          </p:nvPr>
-        </p:nvPicPr>
-        <p:blipFill rotWithShape="1">
-          <a:blip r:embed="rId2"/>
-          <a:srcRect l="1516" r="2912" b="1"/>
-          <a:stretch/>
-        </p:blipFill>
-        <p:spPr>
-          <a:xfrm>
-            <a:off x="20" y="1282"/>
-            <a:ext cx="12191980" cy="6856718"/>
-          </a:xfrm>
-          <a:prstGeom prst="rect">
-            <a:avLst/>
-          </a:prstGeom>
-        </p:spPr>
-      </p:pic>
-    </p:spTree>
-    <p:extLst>
-      <p:ext uri="{BB962C8B-B14F-4D97-AF65-F5344CB8AC3E}">
-        <p14:creationId xmlns:p14="http://schemas.microsoft.com/office/powerpoint/2010/main" val="2718271877"/>
-      </p:ext>
-    </p:extLst>
-  </p:cSld>
-  <p:clrMapOvr>
-    <a:masterClrMapping/>
-  </p:clrMapOvr>
-</p:sld>
-</file>
-
 <file path=ppt/slides/slide6.xml><?xml version="1.0" encoding="utf-8"?>
 <p:sld xmlns:a="http://schemas.openxmlformats.org/drawingml/2006/main" xmlns:r="http://schemas.openxmlformats.org/officeDocument/2006/relationships" xmlns:p="http://schemas.openxmlformats.org/presentationml/2006/main">
   <p:cSld>
@@ -9494,12 +13039,12 @@
           <a:chExt cx="0" cy="0"/>
         </a:xfrm>
       </p:grpSpPr>
-      <p:sp>
+      <p:sp useBgFill="1">
         <p:nvSpPr>
-          <p:cNvPr id="17" name="Rectangle 8">
-            <a:extLst>
-              <a:ext uri="{FF2B5EF4-FFF2-40B4-BE49-F238E27FC236}">
-                <a16:creationId xmlns:a16="http://schemas.microsoft.com/office/drawing/2014/main" id="{32BC26D8-82FB-445E-AA49-62A77D7C1EE0}"/>
+          <p:cNvPr id="53" name="Rectangle 40">
+            <a:extLst>
+              <a:ext uri="{FF2B5EF4-FFF2-40B4-BE49-F238E27FC236}">
+                <a16:creationId xmlns:a16="http://schemas.microsoft.com/office/drawing/2014/main" id="{D47F22ED-3A55-4EDE-A5A8-163D82B09265}"/>
               </a:ext>
               <a:ext uri="{C183D7F6-B498-43B3-948B-1728B52AA6E4}">
                 <adec:decorative xmlns:adec="http://schemas.microsoft.com/office/drawing/2017/decorative" val="1"/>
@@ -9525,12 +13070,95 @@
           <a:prstGeom prst="rect">
             <a:avLst/>
           </a:prstGeom>
-          <a:solidFill>
-            <a:schemeClr val="tx1">
-              <a:lumMod val="65000"/>
-              <a:lumOff val="35000"/>
+          <a:ln w="12700" cap="flat" cmpd="sng" algn="ctr">
+            <a:noFill/>
+            <a:prstDash val="solid"/>
+            <a:miter lim="800000"/>
+          </a:ln>
+          <a:effectLst/>
+          <a:extLst>
+            <a:ext uri="{91240B29-F687-4F45-9708-019B960494DF}">
+              <a14:hiddenLine xmlns:a14="http://schemas.microsoft.com/office/drawing/2010/main" w="12700" cap="flat" cmpd="sng" algn="ctr">
+                <a:solidFill>
+                  <a:schemeClr val="accent1">
+                    <a:shade val="50000"/>
+                  </a:schemeClr>
+                </a:solidFill>
+                <a:prstDash val="solid"/>
+                <a:miter lim="800000"/>
+              </a14:hiddenLine>
+            </a:ext>
+          </a:extLst>
+        </p:spPr>
+        <p:style>
+          <a:lnRef idx="2">
+            <a:schemeClr val="accent1">
+              <a:shade val="50000"/>
             </a:schemeClr>
-          </a:solidFill>
+          </a:lnRef>
+          <a:fillRef idx="1">
+            <a:schemeClr val="accent1"/>
+          </a:fillRef>
+          <a:effectRef idx="0">
+            <a:schemeClr val="accent1"/>
+          </a:effectRef>
+          <a:fontRef idx="minor">
+            <a:schemeClr val="lt1"/>
+          </a:fontRef>
+        </p:style>
+        <p:txBody>
+          <a:bodyPr rtlCol="0" anchor="ctr"/>
+          <a:lstStyle/>
+          <a:p>
+            <a:pPr algn="ctr"/>
+            <a:endParaRPr lang="en-US"/>
+          </a:p>
+        </p:txBody>
+      </p:sp>
+      <p:sp>
+        <p:nvSpPr>
+          <p:cNvPr id="54" name="Rectangle 42">
+            <a:extLst>
+              <a:ext uri="{FF2B5EF4-FFF2-40B4-BE49-F238E27FC236}">
+                <a16:creationId xmlns:a16="http://schemas.microsoft.com/office/drawing/2014/main" id="{5184EE59-3061-456B-9FB5-98A8E0E74B02}"/>
+              </a:ext>
+              <a:ext uri="{C183D7F6-B498-43B3-948B-1728B52AA6E4}">
+                <adec:decorative xmlns:adec="http://schemas.microsoft.com/office/drawing/2017/decorative" val="1"/>
+              </a:ext>
+            </a:extLst>
+          </p:cNvPr>
+          <p:cNvSpPr>
+            <a:spLocks noGrp="1" noRot="1" noChangeAspect="1" noMove="1" noResize="1" noEditPoints="1" noAdjustHandles="1" noChangeArrowheads="1" noChangeShapeType="1" noTextEdit="1"/>
+          </p:cNvSpPr>
+          <p:nvPr>
+            <p:extLst>
+              <p:ext uri="{386F3935-93C4-4BCD-93E2-E3B085C9AB24}">
+                <p16:designElem xmlns:p16="http://schemas.microsoft.com/office/powerpoint/2015/main" val="1"/>
+              </p:ext>
+            </p:extLst>
+          </p:nvPr>
+        </p:nvSpPr>
+        <p:spPr>
+          <a:xfrm rot="5400000" flipH="1">
+            <a:off x="-1439326" y="1410082"/>
+            <a:ext cx="6858000" cy="4037836"/>
+          </a:xfrm>
+          <a:prstGeom prst="rect">
+            <a:avLst/>
+          </a:prstGeom>
+          <a:gradFill>
+            <a:gsLst>
+              <a:gs pos="8000">
+                <a:srgbClr val="000000"/>
+              </a:gs>
+              <a:gs pos="100000">
+                <a:schemeClr val="accent1">
+                  <a:lumMod val="75000"/>
+                </a:schemeClr>
+              </a:gs>
+            </a:gsLst>
+            <a:lin ang="3000000" scaled="0"/>
+          </a:gradFill>
           <a:ln>
             <a:noFill/>
           </a:ln>
@@ -9562,10 +13190,10 @@
       </p:sp>
       <p:sp>
         <p:nvSpPr>
-          <p:cNvPr id="18" name="Rectangle 10">
-            <a:extLst>
-              <a:ext uri="{FF2B5EF4-FFF2-40B4-BE49-F238E27FC236}">
-                <a16:creationId xmlns:a16="http://schemas.microsoft.com/office/drawing/2014/main" id="{CB44330D-EA18-4254-AA95-EB49948539B8}"/>
+          <p:cNvPr id="55" name="Rectangle 44">
+            <a:extLst>
+              <a:ext uri="{FF2B5EF4-FFF2-40B4-BE49-F238E27FC236}">
+                <a16:creationId xmlns:a16="http://schemas.microsoft.com/office/drawing/2014/main" id="{F7E07B5E-9FB5-4C91-8BE4-6167EB58D0A7}"/>
               </a:ext>
               <a:ext uri="{C183D7F6-B498-43B3-948B-1728B52AA6E4}">
                 <adec:decorative xmlns:adec="http://schemas.microsoft.com/office/drawing/2017/decorative" val="1"/>
@@ -9584,16 +13212,28 @@
           </p:nvPr>
         </p:nvSpPr>
         <p:spPr>
-          <a:xfrm>
-            <a:off x="477012" y="480060"/>
-            <a:ext cx="11237976" cy="5897880"/>
+          <a:xfrm rot="5400000" flipH="1">
+            <a:off x="-1439326" y="1410083"/>
+            <a:ext cx="6858000" cy="4037834"/>
           </a:xfrm>
           <a:prstGeom prst="rect">
             <a:avLst/>
           </a:prstGeom>
-          <a:solidFill>
-            <a:srgbClr val="FFFFFF"/>
-          </a:solidFill>
+          <a:gradFill>
+            <a:gsLst>
+              <a:gs pos="0">
+                <a:srgbClr val="000000">
+                  <a:alpha val="0"/>
+                </a:srgbClr>
+              </a:gs>
+              <a:gs pos="99000">
+                <a:schemeClr val="accent1">
+                  <a:alpha val="46000"/>
+                </a:schemeClr>
+              </a:gs>
+            </a:gsLst>
+            <a:lin ang="1800000" scaled="0"/>
+          </a:gradFill>
           <a:ln>
             <a:noFill/>
           </a:ln>
@@ -9623,12 +13263,374 @@
           </a:p>
         </p:txBody>
       </p:sp>
+      <p:sp>
+        <p:nvSpPr>
+          <p:cNvPr id="56" name="Rectangle 46">
+            <a:extLst>
+              <a:ext uri="{FF2B5EF4-FFF2-40B4-BE49-F238E27FC236}">
+                <a16:creationId xmlns:a16="http://schemas.microsoft.com/office/drawing/2014/main" id="{37524947-EB09-4DD9-973B-9F75BBCD7269}"/>
+              </a:ext>
+              <a:ext uri="{C183D7F6-B498-43B3-948B-1728B52AA6E4}">
+                <adec:decorative xmlns:adec="http://schemas.microsoft.com/office/drawing/2017/decorative" val="1"/>
+              </a:ext>
+            </a:extLst>
+          </p:cNvPr>
+          <p:cNvSpPr>
+            <a:spLocks noGrp="1" noRot="1" noChangeAspect="1" noMove="1" noResize="1" noEditPoints="1" noAdjustHandles="1" noChangeArrowheads="1" noChangeShapeType="1" noTextEdit="1"/>
+          </p:cNvSpPr>
+          <p:nvPr>
+            <p:extLst>
+              <p:ext uri="{386F3935-93C4-4BCD-93E2-E3B085C9AB24}">
+                <p16:designElem xmlns:p16="http://schemas.microsoft.com/office/powerpoint/2015/main" val="1"/>
+              </p:ext>
+            </p:extLst>
+          </p:nvPr>
+        </p:nvSpPr>
+        <p:spPr>
+          <a:xfrm rot="5400000" flipH="1">
+            <a:off x="726611" y="3576013"/>
+            <a:ext cx="2526132" cy="4037841"/>
+          </a:xfrm>
+          <a:prstGeom prst="rect">
+            <a:avLst/>
+          </a:prstGeom>
+          <a:gradFill>
+            <a:gsLst>
+              <a:gs pos="2000">
+                <a:schemeClr val="accent1">
+                  <a:alpha val="29000"/>
+                </a:schemeClr>
+              </a:gs>
+              <a:gs pos="100000">
+                <a:srgbClr val="000000">
+                  <a:alpha val="30000"/>
+                </a:srgbClr>
+              </a:gs>
+            </a:gsLst>
+            <a:lin ang="7800000" scaled="0"/>
+          </a:gradFill>
+          <a:ln>
+            <a:noFill/>
+          </a:ln>
+        </p:spPr>
+        <p:style>
+          <a:lnRef idx="2">
+            <a:schemeClr val="accent1">
+              <a:shade val="50000"/>
+            </a:schemeClr>
+          </a:lnRef>
+          <a:fillRef idx="1">
+            <a:schemeClr val="accent1"/>
+          </a:fillRef>
+          <a:effectRef idx="0">
+            <a:schemeClr val="accent1"/>
+          </a:effectRef>
+          <a:fontRef idx="minor">
+            <a:schemeClr val="lt1"/>
+          </a:fontRef>
+        </p:style>
+        <p:txBody>
+          <a:bodyPr rtlCol="0" anchor="ctr"/>
+          <a:lstStyle/>
+          <a:p>
+            <a:pPr algn="ctr"/>
+            <a:endParaRPr lang="en-US" dirty="0"/>
+          </a:p>
+        </p:txBody>
+      </p:sp>
+      <p:sp>
+        <p:nvSpPr>
+          <p:cNvPr id="57" name="Rectangle 48">
+            <a:extLst>
+              <a:ext uri="{FF2B5EF4-FFF2-40B4-BE49-F238E27FC236}">
+                <a16:creationId xmlns:a16="http://schemas.microsoft.com/office/drawing/2014/main" id="{D30C8E25-2DD1-45C6-9F04-0F0CBF666021}"/>
+              </a:ext>
+              <a:ext uri="{C183D7F6-B498-43B3-948B-1728B52AA6E4}">
+                <adec:decorative xmlns:adec="http://schemas.microsoft.com/office/drawing/2017/decorative" val="1"/>
+              </a:ext>
+            </a:extLst>
+          </p:cNvPr>
+          <p:cNvSpPr>
+            <a:spLocks noGrp="1" noRot="1" noChangeAspect="1" noMove="1" noResize="1" noEditPoints="1" noAdjustHandles="1" noChangeArrowheads="1" noChangeShapeType="1" noTextEdit="1"/>
+          </p:cNvSpPr>
+          <p:nvPr>
+            <p:extLst>
+              <p:ext uri="{386F3935-93C4-4BCD-93E2-E3B085C9AB24}">
+                <p16:designElem xmlns:p16="http://schemas.microsoft.com/office/powerpoint/2015/main" val="1"/>
+              </p:ext>
+            </p:extLst>
+          </p:nvPr>
+        </p:nvSpPr>
+        <p:spPr>
+          <a:xfrm rot="5400000" flipH="1">
+            <a:off x="-1410083" y="1396067"/>
+            <a:ext cx="6858000" cy="4037833"/>
+          </a:xfrm>
+          <a:prstGeom prst="rect">
+            <a:avLst/>
+          </a:prstGeom>
+          <a:gradFill>
+            <a:gsLst>
+              <a:gs pos="0">
+                <a:srgbClr val="000000">
+                  <a:alpha val="0"/>
+                </a:srgbClr>
+              </a:gs>
+              <a:gs pos="99000">
+                <a:schemeClr val="accent1">
+                  <a:lumMod val="60000"/>
+                  <a:lumOff val="40000"/>
+                  <a:alpha val="11000"/>
+                </a:schemeClr>
+              </a:gs>
+            </a:gsLst>
+            <a:lin ang="7200000" scaled="0"/>
+          </a:gradFill>
+          <a:ln>
+            <a:noFill/>
+          </a:ln>
+        </p:spPr>
+        <p:style>
+          <a:lnRef idx="2">
+            <a:schemeClr val="accent1">
+              <a:shade val="50000"/>
+            </a:schemeClr>
+          </a:lnRef>
+          <a:fillRef idx="1">
+            <a:schemeClr val="accent1"/>
+          </a:fillRef>
+          <a:effectRef idx="0">
+            <a:schemeClr val="accent1"/>
+          </a:effectRef>
+          <a:fontRef idx="minor">
+            <a:schemeClr val="lt1"/>
+          </a:fontRef>
+        </p:style>
+        <p:txBody>
+          <a:bodyPr rtlCol="0" anchor="ctr"/>
+          <a:lstStyle/>
+          <a:p>
+            <a:pPr algn="ctr"/>
+            <a:endParaRPr lang="en-US"/>
+          </a:p>
+        </p:txBody>
+      </p:sp>
+      <p:sp>
+        <p:nvSpPr>
+          <p:cNvPr id="58" name="Freeform: Shape 50">
+            <a:extLst>
+              <a:ext uri="{FF2B5EF4-FFF2-40B4-BE49-F238E27FC236}">
+                <a16:creationId xmlns:a16="http://schemas.microsoft.com/office/drawing/2014/main" id="{BC57EA3C-C239-4132-A618-5CBE9F896B2F}"/>
+              </a:ext>
+              <a:ext uri="{C183D7F6-B498-43B3-948B-1728B52AA6E4}">
+                <adec:decorative xmlns:adec="http://schemas.microsoft.com/office/drawing/2017/decorative" val="1"/>
+              </a:ext>
+            </a:extLst>
+          </p:cNvPr>
+          <p:cNvSpPr>
+            <a:spLocks noGrp="1" noRot="1" noChangeAspect="1" noMove="1" noResize="1" noEditPoints="1" noAdjustHandles="1" noChangeArrowheads="1" noChangeShapeType="1" noTextEdit="1"/>
+          </p:cNvSpPr>
+          <p:nvPr>
+            <p:extLst>
+              <p:ext uri="{386F3935-93C4-4BCD-93E2-E3B085C9AB24}">
+                <p16:designElem xmlns:p16="http://schemas.microsoft.com/office/powerpoint/2015/main" val="1"/>
+              </p:ext>
+            </p:extLst>
+          </p:nvPr>
+        </p:nvSpPr>
+        <p:spPr>
+          <a:xfrm rot="20635413">
+            <a:off x="-508268" y="982780"/>
+            <a:ext cx="3900357" cy="4178958"/>
+          </a:xfrm>
+          <a:custGeom>
+            <a:avLst/>
+            <a:gdLst>
+              <a:gd name="connsiteX0" fmla="*/ 2432225 w 3900357"/>
+              <a:gd name="connsiteY0" fmla="*/ 93939 h 4178958"/>
+              <a:gd name="connsiteX1" fmla="*/ 3900357 w 3900357"/>
+              <a:gd name="connsiteY1" fmla="*/ 2089479 h 4178958"/>
+              <a:gd name="connsiteX2" fmla="*/ 1810878 w 3900357"/>
+              <a:gd name="connsiteY2" fmla="*/ 4178958 h 4178958"/>
+              <a:gd name="connsiteX3" fmla="*/ 78249 w 3900357"/>
+              <a:gd name="connsiteY3" fmla="*/ 3257727 h 4178958"/>
+              <a:gd name="connsiteX4" fmla="*/ 0 w 3900357"/>
+              <a:gd name="connsiteY4" fmla="*/ 3128923 h 4178958"/>
+              <a:gd name="connsiteX5" fmla="*/ 831324 w 3900357"/>
+              <a:gd name="connsiteY5" fmla="*/ 244281 h 4178958"/>
+              <a:gd name="connsiteX6" fmla="*/ 997559 w 3900357"/>
+              <a:gd name="connsiteY6" fmla="*/ 164202 h 4178958"/>
+              <a:gd name="connsiteX7" fmla="*/ 1810878 w 3900357"/>
+              <a:gd name="connsiteY7" fmla="*/ 0 h 4178958"/>
+              <a:gd name="connsiteX8" fmla="*/ 2432225 w 3900357"/>
+              <a:gd name="connsiteY8" fmla="*/ 93939 h 4178958"/>
+            </a:gdLst>
+            <a:ahLst/>
+            <a:cxnLst>
+              <a:cxn ang="0">
+                <a:pos x="connsiteX0" y="connsiteY0"/>
+              </a:cxn>
+              <a:cxn ang="0">
+                <a:pos x="connsiteX1" y="connsiteY1"/>
+              </a:cxn>
+              <a:cxn ang="0">
+                <a:pos x="connsiteX2" y="connsiteY2"/>
+              </a:cxn>
+              <a:cxn ang="0">
+                <a:pos x="connsiteX3" y="connsiteY3"/>
+              </a:cxn>
+              <a:cxn ang="0">
+                <a:pos x="connsiteX4" y="connsiteY4"/>
+              </a:cxn>
+              <a:cxn ang="0">
+                <a:pos x="connsiteX5" y="connsiteY5"/>
+              </a:cxn>
+              <a:cxn ang="0">
+                <a:pos x="connsiteX6" y="connsiteY6"/>
+              </a:cxn>
+              <a:cxn ang="0">
+                <a:pos x="connsiteX7" y="connsiteY7"/>
+              </a:cxn>
+              <a:cxn ang="0">
+                <a:pos x="connsiteX8" y="connsiteY8"/>
+              </a:cxn>
+            </a:cxnLst>
+            <a:rect l="l" t="t" r="r" b="b"/>
+            <a:pathLst>
+              <a:path w="3900357" h="4178958">
+                <a:moveTo>
+                  <a:pt x="2432225" y="93939"/>
+                </a:moveTo>
+                <a:cubicBezTo>
+                  <a:pt x="3282786" y="358491"/>
+                  <a:pt x="3900357" y="1151865"/>
+                  <a:pt x="3900357" y="2089479"/>
+                </a:cubicBezTo>
+                <a:cubicBezTo>
+                  <a:pt x="3900357" y="3243466"/>
+                  <a:pt x="2964865" y="4178958"/>
+                  <a:pt x="1810878" y="4178958"/>
+                </a:cubicBezTo>
+                <a:cubicBezTo>
+                  <a:pt x="1089636" y="4178958"/>
+                  <a:pt x="453744" y="3813531"/>
+                  <a:pt x="78249" y="3257727"/>
+                </a:cubicBezTo>
+                <a:lnTo>
+                  <a:pt x="0" y="3128923"/>
+                </a:lnTo>
+                <a:lnTo>
+                  <a:pt x="831324" y="244281"/>
+                </a:lnTo>
+                <a:lnTo>
+                  <a:pt x="997559" y="164202"/>
+                </a:lnTo>
+                <a:cubicBezTo>
+                  <a:pt x="1247540" y="58468"/>
+                  <a:pt x="1522381" y="0"/>
+                  <a:pt x="1810878" y="0"/>
+                </a:cubicBezTo>
+                <a:cubicBezTo>
+                  <a:pt x="2027251" y="0"/>
+                  <a:pt x="2235942" y="32888"/>
+                  <a:pt x="2432225" y="93939"/>
+                </a:cubicBezTo>
+                <a:close/>
+              </a:path>
+            </a:pathLst>
+          </a:custGeom>
+          <a:gradFill>
+            <a:gsLst>
+              <a:gs pos="29000">
+                <a:srgbClr val="000000">
+                  <a:alpha val="0"/>
+                </a:srgbClr>
+              </a:gs>
+              <a:gs pos="100000">
+                <a:schemeClr val="accent1">
+                  <a:alpha val="43000"/>
+                </a:schemeClr>
+              </a:gs>
+            </a:gsLst>
+            <a:lin ang="1800000" scaled="0"/>
+          </a:gradFill>
+          <a:ln>
+            <a:noFill/>
+          </a:ln>
+        </p:spPr>
+        <p:style>
+          <a:lnRef idx="2">
+            <a:schemeClr val="accent1">
+              <a:shade val="50000"/>
+            </a:schemeClr>
+          </a:lnRef>
+          <a:fillRef idx="1">
+            <a:schemeClr val="accent1"/>
+          </a:fillRef>
+          <a:effectRef idx="0">
+            <a:schemeClr val="accent1"/>
+          </a:effectRef>
+          <a:fontRef idx="minor">
+            <a:schemeClr val="lt1"/>
+          </a:fontRef>
+        </p:style>
+        <p:txBody>
+          <a:bodyPr wrap="square" rtlCol="0" anchor="ctr">
+            <a:noAutofit/>
+          </a:bodyPr>
+          <a:lstStyle/>
+          <a:p>
+            <a:pPr algn="ctr"/>
+            <a:endParaRPr lang="en-US" dirty="0"/>
+          </a:p>
+        </p:txBody>
+      </p:sp>
+      <p:sp>
+        <p:nvSpPr>
+          <p:cNvPr id="2" name="Title 1">
+            <a:extLst>
+              <a:ext uri="{FF2B5EF4-FFF2-40B4-BE49-F238E27FC236}">
+                <a16:creationId xmlns:a16="http://schemas.microsoft.com/office/drawing/2014/main" id="{68AC3362-4817-9029-B5B4-75B288EC9D83}"/>
+              </a:ext>
+            </a:extLst>
+          </p:cNvPr>
+          <p:cNvSpPr>
+            <a:spLocks noGrp="1"/>
+          </p:cNvSpPr>
+          <p:nvPr>
+            <p:ph type="title"/>
+          </p:nvPr>
+        </p:nvSpPr>
+        <p:spPr>
+          <a:xfrm>
+            <a:off x="566382" y="456345"/>
+            <a:ext cx="3111690" cy="3556097"/>
+          </a:xfrm>
+        </p:spPr>
+        <p:txBody>
+          <a:bodyPr vert="horz" lIns="91440" tIns="45720" rIns="91440" bIns="45720" rtlCol="0" anchor="b">
+            <a:normAutofit/>
+          </a:bodyPr>
+          <a:lstStyle/>
+          <a:p>
+            <a:pPr algn="r"/>
+            <a:r>
+              <a:rPr lang="en-US" sz="4000">
+                <a:solidFill>
+                  <a:srgbClr val="FFFFFF"/>
+                </a:solidFill>
+              </a:rPr>
+              <a:t>Data Cleanup</a:t>
+            </a:r>
+          </a:p>
+        </p:txBody>
+      </p:sp>
       <p:pic>
         <p:nvPicPr>
-          <p:cNvPr id="4" name="Content Placeholder 3" descr="Table&#10;&#10;Description automatically generated">
-            <a:extLst>
-              <a:ext uri="{FF2B5EF4-FFF2-40B4-BE49-F238E27FC236}">
-                <a16:creationId xmlns:a16="http://schemas.microsoft.com/office/drawing/2014/main" id="{40C31499-6B1C-7935-8E7B-69D2838A97C3}"/>
+          <p:cNvPr id="5" name="Content Placeholder 3" descr="Table&#10;&#10;Description automatically generated">
+            <a:extLst>
+              <a:ext uri="{FF2B5EF4-FFF2-40B4-BE49-F238E27FC236}">
+                <a16:creationId xmlns:a16="http://schemas.microsoft.com/office/drawing/2014/main" id="{9B1F5418-D1C1-2DFF-1B31-373E19EC839D}"/>
               </a:ext>
             </a:extLst>
           </p:cNvPr>
@@ -9647,8 +13649,8 @@
         </p:blipFill>
         <p:spPr>
           <a:xfrm>
-            <a:off x="4167554" y="643467"/>
-            <a:ext cx="3856892" cy="5571066"/>
+            <a:off x="6201750" y="384929"/>
+            <a:ext cx="4214868" cy="6088142"/>
           </a:xfrm>
           <a:prstGeom prst="rect">
             <a:avLst/>
@@ -9658,7 +13660,7 @@
     </p:spTree>
     <p:extLst>
       <p:ext uri="{BB962C8B-B14F-4D97-AF65-F5344CB8AC3E}">
-        <p14:creationId xmlns:p14="http://schemas.microsoft.com/office/powerpoint/2010/main" val="1457520124"/>
+        <p14:creationId xmlns:p14="http://schemas.microsoft.com/office/powerpoint/2010/main" val="3209304342"/>
       </p:ext>
     </p:extLst>
   </p:cSld>
@@ -9998,10 +14000,10 @@
       </p:grpSpPr>
       <p:sp useBgFill="1">
         <p:nvSpPr>
-          <p:cNvPr id="14" name="Rectangle 13">
-            <a:extLst>
-              <a:ext uri="{FF2B5EF4-FFF2-40B4-BE49-F238E27FC236}">
-                <a16:creationId xmlns:a16="http://schemas.microsoft.com/office/drawing/2014/main" id="{115719BB-48A7-4AF4-BB91-DC82E0DF727D}"/>
+          <p:cNvPr id="17" name="Rectangle 11">
+            <a:extLst>
+              <a:ext uri="{FF2B5EF4-FFF2-40B4-BE49-F238E27FC236}">
+                <a16:creationId xmlns:a16="http://schemas.microsoft.com/office/drawing/2014/main" id="{92468898-5A6E-4D55-85EC-308E785EE06C}"/>
               </a:ext>
               <a:ext uri="{C183D7F6-B498-43B3-948B-1728B52AA6E4}">
                 <adec:decorative xmlns:adec="http://schemas.microsoft.com/office/drawing/2017/decorative" val="1"/>
@@ -10056,12 +14058,51 @@
           </a:p>
         </p:txBody>
       </p:sp>
-      <p:sp useBgFill="1">
+      <p:sp>
         <p:nvSpPr>
-          <p:cNvPr id="16" name="Freeform: Shape 15">
-            <a:extLst>
-              <a:ext uri="{FF2B5EF4-FFF2-40B4-BE49-F238E27FC236}">
-                <a16:creationId xmlns:a16="http://schemas.microsoft.com/office/drawing/2014/main" id="{10973A55-5440-4A99-B526-B5812E46271E}"/>
+          <p:cNvPr id="2" name="Title 1">
+            <a:extLst>
+              <a:ext uri="{FF2B5EF4-FFF2-40B4-BE49-F238E27FC236}">
+                <a16:creationId xmlns:a16="http://schemas.microsoft.com/office/drawing/2014/main" id="{41E40CF6-21B2-EDC9-F307-4CBD8DDDFDD9}"/>
+              </a:ext>
+            </a:extLst>
+          </p:cNvPr>
+          <p:cNvSpPr>
+            <a:spLocks noGrp="1"/>
+          </p:cNvSpPr>
+          <p:nvPr>
+            <p:ph type="title"/>
+          </p:nvPr>
+        </p:nvSpPr>
+        <p:spPr>
+          <a:xfrm>
+            <a:off x="429768" y="411480"/>
+            <a:ext cx="11201400" cy="1106424"/>
+          </a:xfrm>
+        </p:spPr>
+        <p:txBody>
+          <a:bodyPr>
+            <a:normAutofit/>
+          </a:bodyPr>
+          <a:lstStyle/>
+          <a:p>
+            <a:r>
+              <a:rPr lang="en-US" sz="3600"/>
+              <a:t>Colorado Cities – Typical Home Value Time Series</a:t>
+            </a:r>
+            <a:br>
+              <a:rPr lang="en-US" sz="3600"/>
+            </a:br>
+            <a:endParaRPr lang="en-US" sz="3600"/>
+          </a:p>
+        </p:txBody>
+      </p:sp>
+      <p:sp>
+        <p:nvSpPr>
+          <p:cNvPr id="18" name="Rectangle 13">
+            <a:extLst>
+              <a:ext uri="{FF2B5EF4-FFF2-40B4-BE49-F238E27FC236}">
+                <a16:creationId xmlns:a16="http://schemas.microsoft.com/office/drawing/2014/main" id="{3E23A947-2D45-4208-AE2B-64948C87A3EB}"/>
               </a:ext>
               <a:ext uri="{C183D7F6-B498-43B3-948B-1728B52AA6E4}">
                 <adec:decorative xmlns:adec="http://schemas.microsoft.com/office/drawing/2017/decorative" val="1"/>
@@ -10081,90 +14122,117 @@
         </p:nvSpPr>
         <p:spPr>
           <a:xfrm>
-            <a:off x="-1" y="0"/>
-            <a:ext cx="6096002" cy="6858000"/>
+            <a:off x="0" y="598458"/>
+            <a:ext cx="128016" cy="704088"/>
           </a:xfrm>
-          <a:custGeom>
+          <a:prstGeom prst="rect">
             <a:avLst/>
-            <a:gdLst>
-              <a:gd name="connsiteX0" fmla="*/ 0 w 6096002"/>
-              <a:gd name="connsiteY0" fmla="*/ 0 h 6858000"/>
-              <a:gd name="connsiteX1" fmla="*/ 4885967 w 6096002"/>
-              <a:gd name="connsiteY1" fmla="*/ 0 h 6858000"/>
-              <a:gd name="connsiteX2" fmla="*/ 4946007 w 6096002"/>
-              <a:gd name="connsiteY2" fmla="*/ 69271 h 6858000"/>
-              <a:gd name="connsiteX3" fmla="*/ 6096002 w 6096002"/>
-              <a:gd name="connsiteY3" fmla="*/ 3429000 h 6858000"/>
-              <a:gd name="connsiteX4" fmla="*/ 4946007 w 6096002"/>
-              <a:gd name="connsiteY4" fmla="*/ 6788730 h 6858000"/>
-              <a:gd name="connsiteX5" fmla="*/ 4885967 w 6096002"/>
-              <a:gd name="connsiteY5" fmla="*/ 6858000 h 6858000"/>
-              <a:gd name="connsiteX6" fmla="*/ 0 w 6096002"/>
-              <a:gd name="connsiteY6" fmla="*/ 6858000 h 6858000"/>
-            </a:gdLst>
-            <a:ahLst/>
-            <a:cxnLst>
-              <a:cxn ang="0">
-                <a:pos x="connsiteX0" y="connsiteY0"/>
-              </a:cxn>
-              <a:cxn ang="0">
-                <a:pos x="connsiteX1" y="connsiteY1"/>
-              </a:cxn>
-              <a:cxn ang="0">
-                <a:pos x="connsiteX2" y="connsiteY2"/>
-              </a:cxn>
-              <a:cxn ang="0">
-                <a:pos x="connsiteX3" y="connsiteY3"/>
-              </a:cxn>
-              <a:cxn ang="0">
-                <a:pos x="connsiteX4" y="connsiteY4"/>
-              </a:cxn>
-              <a:cxn ang="0">
-                <a:pos x="connsiteX5" y="connsiteY5"/>
-              </a:cxn>
-              <a:cxn ang="0">
-                <a:pos x="connsiteX6" y="connsiteY6"/>
-              </a:cxn>
-            </a:cxnLst>
-            <a:rect l="l" t="t" r="r" b="b"/>
-            <a:pathLst>
-              <a:path w="6096002" h="6858000">
-                <a:moveTo>
-                  <a:pt x="0" y="0"/>
-                </a:moveTo>
-                <a:lnTo>
-                  <a:pt x="4885967" y="0"/>
-                </a:lnTo>
-                <a:lnTo>
-                  <a:pt x="4946007" y="69271"/>
-                </a:lnTo>
-                <a:cubicBezTo>
-                  <a:pt x="5656533" y="929100"/>
-                  <a:pt x="6096002" y="2116944"/>
-                  <a:pt x="6096002" y="3429000"/>
-                </a:cubicBezTo>
-                <a:cubicBezTo>
-                  <a:pt x="6096002" y="4741056"/>
-                  <a:pt x="5656533" y="5928900"/>
-                  <a:pt x="4946007" y="6788730"/>
-                </a:cubicBezTo>
-                <a:lnTo>
-                  <a:pt x="4885967" y="6858000"/>
-                </a:lnTo>
-                <a:lnTo>
-                  <a:pt x="0" y="6858000"/>
-                </a:lnTo>
-                <a:close/>
-              </a:path>
-            </a:pathLst>
-          </a:custGeom>
+          </a:prstGeom>
+          <a:solidFill>
+            <a:schemeClr val="accent2"/>
+          </a:solidFill>
+          <a:ln>
+            <a:noFill/>
+          </a:ln>
+        </p:spPr>
+        <p:style>
+          <a:lnRef idx="2">
+            <a:schemeClr val="accent1">
+              <a:shade val="50000"/>
+            </a:schemeClr>
+          </a:lnRef>
+          <a:fillRef idx="1">
+            <a:schemeClr val="accent1"/>
+          </a:fillRef>
+          <a:effectRef idx="0">
+            <a:schemeClr val="accent1"/>
+          </a:effectRef>
+          <a:fontRef idx="minor">
+            <a:schemeClr val="lt1"/>
+          </a:fontRef>
+        </p:style>
+        <p:txBody>
+          <a:bodyPr rtlCol="0" anchor="ctr"/>
+          <a:lstStyle/>
+          <a:p>
+            <a:pPr algn="ctr"/>
+            <a:endParaRPr lang="en-US">
+              <a:solidFill>
+                <a:prstClr val="white"/>
+              </a:solidFill>
+              <a:latin typeface="Calibri" panose="020F0502020204030204"/>
+            </a:endParaRPr>
+          </a:p>
+        </p:txBody>
+      </p:sp>
+      <p:pic>
+        <p:nvPicPr>
+          <p:cNvPr id="5" name="Content Placeholder 4">
+            <a:extLst>
+              <a:ext uri="{FF2B5EF4-FFF2-40B4-BE49-F238E27FC236}">
+                <a16:creationId xmlns:a16="http://schemas.microsoft.com/office/drawing/2014/main" id="{03C96EDC-5715-9AC8-444C-652B873C78EE}"/>
+              </a:ext>
+            </a:extLst>
+          </p:cNvPr>
+          <p:cNvPicPr>
+            <a:picLocks noChangeAspect="1"/>
+          </p:cNvPicPr>
+          <p:nvPr/>
+        </p:nvPicPr>
+        <p:blipFill>
+          <a:blip r:embed="rId2"/>
+          <a:stretch>
+            <a:fillRect/>
+          </a:stretch>
+        </p:blipFill>
+        <p:spPr>
+          <a:xfrm>
+            <a:off x="429768" y="2092547"/>
+            <a:ext cx="6702552" cy="3770185"/>
+          </a:xfrm>
+          <a:prstGeom prst="rect">
+            <a:avLst/>
+          </a:prstGeom>
+        </p:spPr>
+      </p:pic>
+      <p:sp useBgFill="1">
+        <p:nvSpPr>
+          <p:cNvPr id="16" name="Rectangle 15">
+            <a:extLst>
+              <a:ext uri="{FF2B5EF4-FFF2-40B4-BE49-F238E27FC236}">
+                <a16:creationId xmlns:a16="http://schemas.microsoft.com/office/drawing/2014/main" id="{E5BBB0F9-6A59-4D02-A9C7-A2D6516684CE}"/>
+              </a:ext>
+              <a:ext uri="{C183D7F6-B498-43B3-948B-1728B52AA6E4}">
+                <adec:decorative xmlns:adec="http://schemas.microsoft.com/office/drawing/2017/decorative" val="1"/>
+              </a:ext>
+            </a:extLst>
+          </p:cNvPr>
+          <p:cNvSpPr>
+            <a:spLocks noGrp="1" noRot="1" noChangeAspect="1" noMove="1" noResize="1" noEditPoints="1" noAdjustHandles="1" noChangeArrowheads="1" noChangeShapeType="1" noTextEdit="1"/>
+          </p:cNvSpPr>
+          <p:nvPr>
+            <p:extLst>
+              <p:ext uri="{386F3935-93C4-4BCD-93E2-E3B085C9AB24}">
+                <p16:designElem xmlns:p16="http://schemas.microsoft.com/office/powerpoint/2015/main" val="1"/>
+              </p:ext>
+            </p:extLst>
+          </p:nvPr>
+        </p:nvSpPr>
+        <p:spPr>
+          <a:xfrm>
+            <a:off x="7543801" y="1721922"/>
+            <a:ext cx="4218432" cy="4520560"/>
+          </a:xfrm>
+          <a:prstGeom prst="rect">
+            <a:avLst/>
+          </a:prstGeom>
           <a:ln w="9525">
             <a:solidFill>
-              <a:srgbClr val="EFEFEF"/>
+              <a:srgbClr val="DEDEDE"/>
             </a:solidFill>
           </a:ln>
           <a:effectLst>
-            <a:outerShdw blurRad="88900" dist="38100" algn="l" rotWithShape="0">
+            <a:outerShdw blurRad="50800" dist="38100" dir="2700000" algn="tl" rotWithShape="0">
               <a:schemeClr val="bg1">
                 <a:lumMod val="85000"/>
                 <a:alpha val="50000"/>
@@ -10189,9 +14257,7 @@
           </a:fontRef>
         </p:style>
         <p:txBody>
-          <a:bodyPr wrap="square" rtlCol="0" anchor="ctr">
-            <a:noAutofit/>
-          </a:bodyPr>
+          <a:bodyPr rtlCol="0" anchor="ctr"/>
           <a:lstStyle/>
           <a:p>
             <a:pPr marL="0" marR="0" lvl="0" indent="0" algn="ctr" defTabSz="914400" rtl="0" eaLnBrk="1" fontAlgn="auto" latinLnBrk="0" hangingPunct="1">
@@ -10228,371 +14294,12 @@
           </a:p>
         </p:txBody>
       </p:sp>
-      <p:sp useBgFill="1">
-        <p:nvSpPr>
-          <p:cNvPr id="18" name="Freeform: Shape 17">
-            <a:extLst>
-              <a:ext uri="{FF2B5EF4-FFF2-40B4-BE49-F238E27FC236}">
-                <a16:creationId xmlns:a16="http://schemas.microsoft.com/office/drawing/2014/main" id="{A9682493-588A-4D52-98F6-FBBD80C07ECB}"/>
-              </a:ext>
-              <a:ext uri="{C183D7F6-B498-43B3-948B-1728B52AA6E4}">
-                <adec:decorative xmlns:adec="http://schemas.microsoft.com/office/drawing/2017/decorative" val="1"/>
-              </a:ext>
-            </a:extLst>
-          </p:cNvPr>
-          <p:cNvSpPr>
-            <a:spLocks noGrp="1" noRot="1" noChangeAspect="1" noMove="1" noResize="1" noEditPoints="1" noAdjustHandles="1" noChangeArrowheads="1" noChangeShapeType="1" noTextEdit="1"/>
-          </p:cNvSpPr>
-          <p:nvPr>
-            <p:extLst>
-              <p:ext uri="{386F3935-93C4-4BCD-93E2-E3B085C9AB24}">
-                <p16:designElem xmlns:p16="http://schemas.microsoft.com/office/powerpoint/2015/main" val="1"/>
-              </p:ext>
-            </p:extLst>
-          </p:nvPr>
-        </p:nvSpPr>
-        <p:spPr>
-          <a:xfrm>
-            <a:off x="0" y="0"/>
-            <a:ext cx="6085370" cy="6858000"/>
-          </a:xfrm>
-          <a:custGeom>
-            <a:avLst/>
-            <a:gdLst>
-              <a:gd name="connsiteX0" fmla="*/ 0 w 6085370"/>
-              <a:gd name="connsiteY0" fmla="*/ 0 h 6858000"/>
-              <a:gd name="connsiteX1" fmla="*/ 4875335 w 6085370"/>
-              <a:gd name="connsiteY1" fmla="*/ 0 h 6858000"/>
-              <a:gd name="connsiteX2" fmla="*/ 4935375 w 6085370"/>
-              <a:gd name="connsiteY2" fmla="*/ 69271 h 6858000"/>
-              <a:gd name="connsiteX3" fmla="*/ 6085370 w 6085370"/>
-              <a:gd name="connsiteY3" fmla="*/ 3429000 h 6858000"/>
-              <a:gd name="connsiteX4" fmla="*/ 4935375 w 6085370"/>
-              <a:gd name="connsiteY4" fmla="*/ 6788730 h 6858000"/>
-              <a:gd name="connsiteX5" fmla="*/ 4875335 w 6085370"/>
-              <a:gd name="connsiteY5" fmla="*/ 6858000 h 6858000"/>
-              <a:gd name="connsiteX6" fmla="*/ 0 w 6085370"/>
-              <a:gd name="connsiteY6" fmla="*/ 6858000 h 6858000"/>
-            </a:gdLst>
-            <a:ahLst/>
-            <a:cxnLst>
-              <a:cxn ang="0">
-                <a:pos x="connsiteX0" y="connsiteY0"/>
-              </a:cxn>
-              <a:cxn ang="0">
-                <a:pos x="connsiteX1" y="connsiteY1"/>
-              </a:cxn>
-              <a:cxn ang="0">
-                <a:pos x="connsiteX2" y="connsiteY2"/>
-              </a:cxn>
-              <a:cxn ang="0">
-                <a:pos x="connsiteX3" y="connsiteY3"/>
-              </a:cxn>
-              <a:cxn ang="0">
-                <a:pos x="connsiteX4" y="connsiteY4"/>
-              </a:cxn>
-              <a:cxn ang="0">
-                <a:pos x="connsiteX5" y="connsiteY5"/>
-              </a:cxn>
-              <a:cxn ang="0">
-                <a:pos x="connsiteX6" y="connsiteY6"/>
-              </a:cxn>
-            </a:cxnLst>
-            <a:rect l="l" t="t" r="r" b="b"/>
-            <a:pathLst>
-              <a:path w="6085370" h="6858000">
-                <a:moveTo>
-                  <a:pt x="0" y="0"/>
-                </a:moveTo>
-                <a:lnTo>
-                  <a:pt x="4875335" y="0"/>
-                </a:lnTo>
-                <a:lnTo>
-                  <a:pt x="4935375" y="69271"/>
-                </a:lnTo>
-                <a:cubicBezTo>
-                  <a:pt x="5645901" y="929100"/>
-                  <a:pt x="6085370" y="2116944"/>
-                  <a:pt x="6085370" y="3429000"/>
-                </a:cubicBezTo>
-                <a:cubicBezTo>
-                  <a:pt x="6085370" y="4741056"/>
-                  <a:pt x="5645901" y="5928900"/>
-                  <a:pt x="4935375" y="6788730"/>
-                </a:cubicBezTo>
-                <a:lnTo>
-                  <a:pt x="4875335" y="6858000"/>
-                </a:lnTo>
-                <a:lnTo>
-                  <a:pt x="0" y="6858000"/>
-                </a:lnTo>
-                <a:close/>
-              </a:path>
-            </a:pathLst>
-          </a:custGeom>
-          <a:ln w="9525">
-            <a:noFill/>
-          </a:ln>
-          <a:effectLst/>
-        </p:spPr>
-        <p:style>
-          <a:lnRef idx="2">
-            <a:schemeClr val="accent1">
-              <a:shade val="50000"/>
-            </a:schemeClr>
-          </a:lnRef>
-          <a:fillRef idx="1">
-            <a:schemeClr val="accent1"/>
-          </a:fillRef>
-          <a:effectRef idx="0">
-            <a:schemeClr val="accent1"/>
-          </a:effectRef>
-          <a:fontRef idx="minor">
-            <a:schemeClr val="lt1"/>
-          </a:fontRef>
-        </p:style>
-        <p:txBody>
-          <a:bodyPr wrap="square" rtlCol="0" anchor="ctr">
-            <a:noAutofit/>
-          </a:bodyPr>
-          <a:lstStyle/>
-          <a:p>
-            <a:pPr marL="0" marR="0" lvl="0" indent="0" algn="ctr" defTabSz="914400" rtl="0" eaLnBrk="1" fontAlgn="auto" latinLnBrk="0" hangingPunct="1">
-              <a:lnSpc>
-                <a:spcPct val="100000"/>
-              </a:lnSpc>
-              <a:spcBef>
-                <a:spcPts val="0"/>
-              </a:spcBef>
-              <a:spcAft>
-                <a:spcPts val="0"/>
-              </a:spcAft>
-              <a:buClrTx/>
-              <a:buSzTx/>
-              <a:buFontTx/>
-              <a:buNone/>
-              <a:tabLst/>
-              <a:defRPr/>
-            </a:pPr>
-            <a:endParaRPr kumimoji="0" lang="en-US" sz="1800" b="0" i="0" u="none" strike="noStrike" kern="1200" cap="none" spc="0" normalizeH="0" baseline="0" noProof="0">
-              <a:ln>
-                <a:noFill/>
-              </a:ln>
-              <a:solidFill>
-                <a:prstClr val="white"/>
-              </a:solidFill>
-              <a:effectLst/>
-              <a:uLnTx/>
-              <a:uFillTx/>
-              <a:latin typeface="Calibri" panose="020F0502020204030204"/>
-              <a:ea typeface="+mn-ea"/>
-              <a:cs typeface="+mn-cs"/>
-            </a:endParaRPr>
-          </a:p>
-        </p:txBody>
-      </p:sp>
       <p:sp>
         <p:nvSpPr>
-          <p:cNvPr id="2" name="Title 1">
-            <a:extLst>
-              <a:ext uri="{FF2B5EF4-FFF2-40B4-BE49-F238E27FC236}">
-                <a16:creationId xmlns:a16="http://schemas.microsoft.com/office/drawing/2014/main" id="{3C07811D-0095-2E52-3D43-14B004504CF9}"/>
-              </a:ext>
-            </a:extLst>
-          </p:cNvPr>
-          <p:cNvSpPr>
-            <a:spLocks noGrp="1"/>
-          </p:cNvSpPr>
-          <p:nvPr>
-            <p:ph type="title"/>
-          </p:nvPr>
-        </p:nvSpPr>
-        <p:spPr>
-          <a:xfrm>
-            <a:off x="438913" y="859536"/>
-            <a:ext cx="4832802" cy="1170432"/>
-          </a:xfrm>
-        </p:spPr>
-        <p:txBody>
-          <a:bodyPr anchor="b">
-            <a:normAutofit/>
-          </a:bodyPr>
-          <a:lstStyle/>
-          <a:p>
-            <a:r>
-              <a:rPr lang="en-US" sz="3400"/>
-              <a:t>Calculating R-Values</a:t>
-            </a:r>
-          </a:p>
-        </p:txBody>
-      </p:sp>
-      <p:sp>
-        <p:nvSpPr>
-          <p:cNvPr id="20" name="Rectangle 19">
-            <a:extLst>
-              <a:ext uri="{FF2B5EF4-FFF2-40B4-BE49-F238E27FC236}">
-                <a16:creationId xmlns:a16="http://schemas.microsoft.com/office/drawing/2014/main" id="{FBEC5A7A-ADE4-48D9-B89C-2BA1C9110632}"/>
-              </a:ext>
-              <a:ext uri="{C183D7F6-B498-43B3-948B-1728B52AA6E4}">
-                <adec:decorative xmlns:adec="http://schemas.microsoft.com/office/drawing/2017/decorative" val="1"/>
-              </a:ext>
-            </a:extLst>
-          </p:cNvPr>
-          <p:cNvSpPr>
-            <a:spLocks noGrp="1" noRot="1" noChangeAspect="1" noMove="1" noResize="1" noEditPoints="1" noAdjustHandles="1" noChangeArrowheads="1" noChangeShapeType="1" noTextEdit="1"/>
-          </p:cNvSpPr>
-          <p:nvPr>
-            <p:extLst>
-              <p:ext uri="{386F3935-93C4-4BCD-93E2-E3B085C9AB24}">
-                <p16:designElem xmlns:p16="http://schemas.microsoft.com/office/powerpoint/2015/main" val="1"/>
-              </p:ext>
-            </p:extLst>
-          </p:nvPr>
-        </p:nvSpPr>
-        <p:spPr>
-          <a:xfrm rot="5400000">
-            <a:off x="703236" y="363389"/>
-            <a:ext cx="73152" cy="548640"/>
-          </a:xfrm>
-          <a:prstGeom prst="rect">
-            <a:avLst/>
-          </a:prstGeom>
-          <a:solidFill>
-            <a:schemeClr val="accent2"/>
-          </a:solidFill>
-          <a:ln>
-            <a:noFill/>
-          </a:ln>
-        </p:spPr>
-        <p:style>
-          <a:lnRef idx="2">
-            <a:schemeClr val="accent1">
-              <a:shade val="50000"/>
-            </a:schemeClr>
-          </a:lnRef>
-          <a:fillRef idx="1">
-            <a:schemeClr val="accent1"/>
-          </a:fillRef>
-          <a:effectRef idx="0">
-            <a:schemeClr val="accent1"/>
-          </a:effectRef>
-          <a:fontRef idx="minor">
-            <a:schemeClr val="lt1"/>
-          </a:fontRef>
-        </p:style>
-        <p:txBody>
-          <a:bodyPr rtlCol="0" anchor="ctr"/>
-          <a:lstStyle/>
-          <a:p>
-            <a:pPr algn="ctr"/>
-            <a:endParaRPr lang="en-US">
-              <a:solidFill>
-                <a:prstClr val="white"/>
-              </a:solidFill>
-              <a:latin typeface="Calibri" panose="020F0502020204030204"/>
-            </a:endParaRPr>
-          </a:p>
-        </p:txBody>
-      </p:sp>
-      <p:sp>
-        <p:nvSpPr>
-          <p:cNvPr id="22" name="Rectangle 21">
-            <a:extLst>
-              <a:ext uri="{FF2B5EF4-FFF2-40B4-BE49-F238E27FC236}">
-                <a16:creationId xmlns:a16="http://schemas.microsoft.com/office/drawing/2014/main" id="{82095FCE-EF05-4443-B97A-85DEE3A5CA17}"/>
-              </a:ext>
-              <a:ext uri="{C183D7F6-B498-43B3-948B-1728B52AA6E4}">
-                <adec:decorative xmlns:adec="http://schemas.microsoft.com/office/drawing/2017/decorative" val="1"/>
-              </a:ext>
-            </a:extLst>
-          </p:cNvPr>
-          <p:cNvSpPr>
-            <a:spLocks noGrp="1" noRot="1" noChangeAspect="1" noMove="1" noResize="1" noEditPoints="1" noAdjustHandles="1" noChangeArrowheads="1" noChangeShapeType="1" noTextEdit="1"/>
-          </p:cNvSpPr>
-          <p:nvPr>
-            <p:extLst>
-              <p:ext uri="{386F3935-93C4-4BCD-93E2-E3B085C9AB24}">
-                <p16:designElem xmlns:p16="http://schemas.microsoft.com/office/powerpoint/2015/main" val="1"/>
-              </p:ext>
-            </p:extLst>
-          </p:nvPr>
-        </p:nvSpPr>
-        <p:spPr>
-          <a:xfrm>
-            <a:off x="465492" y="2185062"/>
-            <a:ext cx="4937760" cy="18288"/>
-          </a:xfrm>
-          <a:prstGeom prst="rect">
-            <a:avLst/>
-          </a:prstGeom>
-          <a:solidFill>
-            <a:srgbClr val="D5D5D5"/>
-          </a:solidFill>
-          <a:ln w="3175">
-            <a:noFill/>
-          </a:ln>
-          <a:effectLst/>
-        </p:spPr>
-        <p:style>
-          <a:lnRef idx="2">
-            <a:schemeClr val="accent1">
-              <a:shade val="50000"/>
-            </a:schemeClr>
-          </a:lnRef>
-          <a:fillRef idx="1">
-            <a:schemeClr val="accent1"/>
-          </a:fillRef>
-          <a:effectRef idx="0">
-            <a:schemeClr val="accent1"/>
-          </a:effectRef>
-          <a:fontRef idx="minor">
-            <a:schemeClr val="lt1"/>
-          </a:fontRef>
-        </p:style>
-        <p:txBody>
-          <a:bodyPr rtlCol="0" anchor="ctr"/>
-          <a:lstStyle/>
-          <a:p>
-            <a:pPr marL="0" marR="0" lvl="0" indent="0" algn="ctr" defTabSz="914400" rtl="0" eaLnBrk="1" fontAlgn="auto" latinLnBrk="0" hangingPunct="1">
-              <a:lnSpc>
-                <a:spcPct val="100000"/>
-              </a:lnSpc>
-              <a:spcBef>
-                <a:spcPts val="0"/>
-              </a:spcBef>
-              <a:spcAft>
-                <a:spcPts val="0"/>
-              </a:spcAft>
-              <a:buClrTx/>
-              <a:buSzTx/>
-              <a:buFontTx/>
-              <a:buNone/>
-              <a:tabLst/>
-              <a:defRPr/>
-            </a:pPr>
-            <a:endParaRPr kumimoji="0" lang="en-US" sz="1800" b="0" i="0" u="none" strike="noStrike" kern="1200" cap="none" spc="0" normalizeH="0" baseline="0" noProof="0">
-              <a:ln>
-                <a:noFill/>
-              </a:ln>
-              <a:solidFill>
-                <a:prstClr val="white"/>
-              </a:solidFill>
-              <a:effectLst/>
-              <a:uLnTx/>
-              <a:uFillTx/>
-              <a:latin typeface="Calibri" panose="020F0502020204030204"/>
-              <a:ea typeface="+mn-ea"/>
-              <a:cs typeface="+mn-cs"/>
-            </a:endParaRPr>
-          </a:p>
-        </p:txBody>
-      </p:sp>
-      <p:sp>
-        <p:nvSpPr>
-          <p:cNvPr id="11" name="Content Placeholder 10">
-            <a:extLst>
-              <a:ext uri="{FF2B5EF4-FFF2-40B4-BE49-F238E27FC236}">
-                <a16:creationId xmlns:a16="http://schemas.microsoft.com/office/drawing/2014/main" id="{FDDA0529-064C-1AB4-98EC-21B50B42EE2C}"/>
+          <p:cNvPr id="19" name="Content Placeholder 8">
+            <a:extLst>
+              <a:ext uri="{FF2B5EF4-FFF2-40B4-BE49-F238E27FC236}">
+                <a16:creationId xmlns:a16="http://schemas.microsoft.com/office/drawing/2014/main" id="{DE6DF958-7172-776F-5DF2-7BDF75F1945F}"/>
               </a:ext>
             </a:extLst>
           </p:cNvPr>
@@ -10605,112 +14312,36 @@
         </p:nvSpPr>
         <p:spPr>
           <a:xfrm>
-            <a:off x="438912" y="2512611"/>
-            <a:ext cx="4832803" cy="3664351"/>
+            <a:off x="7938752" y="2020824"/>
+            <a:ext cx="3455097" cy="3959352"/>
           </a:xfrm>
         </p:spPr>
         <p:txBody>
-          <a:bodyPr>
+          <a:bodyPr anchor="ctr">
             <a:normAutofit/>
           </a:bodyPr>
           <a:lstStyle/>
           <a:p>
             <a:r>
               <a:rPr lang="en-US" sz="1800" dirty="0"/>
-              <a:t>Using a for loop, </a:t>
+              <a:t>Typical Home value in Colorado has trended up over the last decade</a:t>
             </a:r>
-            <a:r>
-              <a:rPr lang="en-US" sz="1800" dirty="0" err="1"/>
-              <a:t>r-values</a:t>
-            </a:r>
+          </a:p>
+          <a:p>
+            <a:endParaRPr lang="en-US" sz="1800" dirty="0"/>
+          </a:p>
+          <a:p>
             <a:r>
               <a:rPr lang="en-US" sz="1800" dirty="0"/>
-              <a:t> were calculated for every category on the </a:t>
-            </a:r>
-            <a:r>
-              <a:rPr lang="en-US" sz="1800" dirty="0" err="1"/>
-              <a:t>geoapify</a:t>
-            </a:r>
-            <a:r>
-              <a:rPr lang="en-US" sz="1800" dirty="0"/>
-              <a:t> places API.</a:t>
-            </a:r>
-          </a:p>
-          <a:p>
-            <a:endParaRPr lang="en-US" sz="1800" dirty="0"/>
-          </a:p>
-          <a:p>
-            <a:r>
-              <a:rPr lang="en-US" sz="1800" dirty="0"/>
-              <a:t>The five strongest positive correlations and the five strongest negative correlations are shown to the right.</a:t>
+              <a:t>The rate at which home values are increasing appears to be increasing since 2020</a:t>
             </a:r>
           </a:p>
         </p:txBody>
       </p:sp>
-      <p:pic>
-        <p:nvPicPr>
-          <p:cNvPr id="7" name="Picture 6">
-            <a:extLst>
-              <a:ext uri="{FF2B5EF4-FFF2-40B4-BE49-F238E27FC236}">
-                <a16:creationId xmlns:a16="http://schemas.microsoft.com/office/drawing/2014/main" id="{ED399214-91C3-B987-2D2C-5DD6FCC2FE24}"/>
-              </a:ext>
-            </a:extLst>
-          </p:cNvPr>
-          <p:cNvPicPr>
-            <a:picLocks noChangeAspect="1"/>
-          </p:cNvPicPr>
-          <p:nvPr/>
-        </p:nvPicPr>
-        <p:blipFill>
-          <a:blip r:embed="rId2"/>
-          <a:stretch>
-            <a:fillRect/>
-          </a:stretch>
-        </p:blipFill>
-        <p:spPr>
-          <a:xfrm>
-            <a:off x="5710627" y="2672867"/>
-            <a:ext cx="3499361" cy="1926478"/>
-          </a:xfrm>
-          <a:prstGeom prst="rect">
-            <a:avLst/>
-          </a:prstGeom>
-        </p:spPr>
-      </p:pic>
-      <p:pic>
-        <p:nvPicPr>
-          <p:cNvPr id="5" name="Content Placeholder 4">
-            <a:extLst>
-              <a:ext uri="{FF2B5EF4-FFF2-40B4-BE49-F238E27FC236}">
-                <a16:creationId xmlns:a16="http://schemas.microsoft.com/office/drawing/2014/main" id="{DD7C1EBF-1536-4D8D-B80A-FFBF47392D74}"/>
-              </a:ext>
-            </a:extLst>
-          </p:cNvPr>
-          <p:cNvPicPr>
-            <a:picLocks noChangeAspect="1"/>
-          </p:cNvPicPr>
-          <p:nvPr/>
-        </p:nvPicPr>
-        <p:blipFill>
-          <a:blip r:embed="rId3"/>
-          <a:stretch>
-            <a:fillRect/>
-          </a:stretch>
-        </p:blipFill>
-        <p:spPr>
-          <a:xfrm>
-            <a:off x="5710627" y="557581"/>
-            <a:ext cx="3311910" cy="2019519"/>
-          </a:xfrm>
-          <a:prstGeom prst="rect">
-            <a:avLst/>
-          </a:prstGeom>
-        </p:spPr>
-      </p:pic>
     </p:spTree>
     <p:extLst>
       <p:ext uri="{BB962C8B-B14F-4D97-AF65-F5344CB8AC3E}">
-        <p14:creationId xmlns:p14="http://schemas.microsoft.com/office/powerpoint/2010/main" val="500679354"/>
+        <p14:creationId xmlns:p14="http://schemas.microsoft.com/office/powerpoint/2010/main" val="658906706"/>
       </p:ext>
     </p:extLst>
   </p:cSld>

--- a/Slide_Deck.pptx
+++ b/Slide_Deck.pptx
@@ -5,7 +5,7 @@
     <p:sldMasterId id="2147483648" r:id="rId1"/>
   </p:sldMasterIdLst>
   <p:notesMasterIdLst>
-    <p:notesMasterId r:id="rId20"/>
+    <p:notesMasterId r:id="rId19"/>
   </p:notesMasterIdLst>
   <p:sldIdLst>
     <p:sldId id="256" r:id="rId2"/>
@@ -15,17 +15,16 @@
     <p:sldId id="262" r:id="rId6"/>
     <p:sldId id="275" r:id="rId7"/>
     <p:sldId id="271" r:id="rId8"/>
-    <p:sldId id="261" r:id="rId9"/>
-    <p:sldId id="272" r:id="rId10"/>
-    <p:sldId id="258" r:id="rId11"/>
-    <p:sldId id="273" r:id="rId12"/>
-    <p:sldId id="257" r:id="rId13"/>
-    <p:sldId id="265" r:id="rId14"/>
-    <p:sldId id="266" r:id="rId15"/>
-    <p:sldId id="267" r:id="rId16"/>
-    <p:sldId id="268" r:id="rId17"/>
-    <p:sldId id="269" r:id="rId18"/>
-    <p:sldId id="270" r:id="rId19"/>
+    <p:sldId id="272" r:id="rId9"/>
+    <p:sldId id="258" r:id="rId10"/>
+    <p:sldId id="273" r:id="rId11"/>
+    <p:sldId id="257" r:id="rId12"/>
+    <p:sldId id="265" r:id="rId13"/>
+    <p:sldId id="266" r:id="rId14"/>
+    <p:sldId id="267" r:id="rId15"/>
+    <p:sldId id="268" r:id="rId16"/>
+    <p:sldId id="269" r:id="rId17"/>
+    <p:sldId id="270" r:id="rId18"/>
   </p:sldIdLst>
   <p:sldSz cx="12192000" cy="6858000"/>
   <p:notesSz cx="6858000" cy="9144000"/>
@@ -141,6 +140,757 @@
 </file>
 
 <file path=ppt/diagrams/colors1.xml><?xml version="1.0" encoding="utf-8"?>
+<dgm:colorsDef xmlns:dgm="http://schemas.openxmlformats.org/drawingml/2006/diagram" xmlns:a="http://schemas.openxmlformats.org/drawingml/2006/main" uniqueId="urn:microsoft.com/office/officeart/2005/8/colors/accent0_3">
+  <dgm:title val=""/>
+  <dgm:desc val=""/>
+  <dgm:catLst>
+    <dgm:cat type="mainScheme" pri="10300"/>
+  </dgm:catLst>
+  <dgm:styleLbl name="node0">
+    <dgm:fillClrLst meth="repeat">
+      <a:schemeClr val="dk2"/>
+    </dgm:fillClrLst>
+    <dgm:linClrLst meth="repeat">
+      <a:schemeClr val="lt2"/>
+    </dgm:linClrLst>
+    <dgm:effectClrLst/>
+    <dgm:txLinClrLst/>
+    <dgm:txFillClrLst/>
+    <dgm:txEffectClrLst/>
+  </dgm:styleLbl>
+  <dgm:styleLbl name="alignNode1">
+    <dgm:fillClrLst meth="repeat">
+      <a:schemeClr val="dk2"/>
+    </dgm:fillClrLst>
+    <dgm:linClrLst meth="repeat">
+      <a:schemeClr val="dk2"/>
+    </dgm:linClrLst>
+    <dgm:effectClrLst/>
+    <dgm:txLinClrLst/>
+    <dgm:txFillClrLst/>
+    <dgm:txEffectClrLst/>
+  </dgm:styleLbl>
+  <dgm:styleLbl name="node1">
+    <dgm:fillClrLst meth="repeat">
+      <a:schemeClr val="dk2"/>
+    </dgm:fillClrLst>
+    <dgm:linClrLst meth="repeat">
+      <a:schemeClr val="lt2"/>
+    </dgm:linClrLst>
+    <dgm:effectClrLst/>
+    <dgm:txLinClrLst/>
+    <dgm:txFillClrLst/>
+    <dgm:txEffectClrLst/>
+  </dgm:styleLbl>
+  <dgm:styleLbl name="lnNode1">
+    <dgm:fillClrLst meth="repeat">
+      <a:schemeClr val="dk2"/>
+    </dgm:fillClrLst>
+    <dgm:linClrLst meth="repeat">
+      <a:schemeClr val="lt2"/>
+    </dgm:linClrLst>
+    <dgm:effectClrLst/>
+    <dgm:txLinClrLst/>
+    <dgm:txFillClrLst/>
+    <dgm:txEffectClrLst/>
+  </dgm:styleLbl>
+  <dgm:styleLbl name="vennNode1">
+    <dgm:fillClrLst meth="repeat">
+      <a:schemeClr val="dk2">
+        <a:alpha val="50000"/>
+      </a:schemeClr>
+    </dgm:fillClrLst>
+    <dgm:linClrLst meth="repeat">
+      <a:schemeClr val="lt2"/>
+    </dgm:linClrLst>
+    <dgm:effectClrLst/>
+    <dgm:txLinClrLst/>
+    <dgm:txFillClrLst/>
+    <dgm:txEffectClrLst/>
+  </dgm:styleLbl>
+  <dgm:styleLbl name="node2">
+    <dgm:fillClrLst meth="repeat">
+      <a:schemeClr val="dk2"/>
+    </dgm:fillClrLst>
+    <dgm:linClrLst meth="repeat">
+      <a:schemeClr val="lt2"/>
+    </dgm:linClrLst>
+    <dgm:effectClrLst/>
+    <dgm:txLinClrLst/>
+    <dgm:txFillClrLst/>
+    <dgm:txEffectClrLst/>
+  </dgm:styleLbl>
+  <dgm:styleLbl name="node3">
+    <dgm:fillClrLst meth="repeat">
+      <a:schemeClr val="dk2"/>
+    </dgm:fillClrLst>
+    <dgm:linClrLst meth="repeat">
+      <a:schemeClr val="lt2"/>
+    </dgm:linClrLst>
+    <dgm:effectClrLst/>
+    <dgm:txLinClrLst/>
+    <dgm:txFillClrLst/>
+    <dgm:txEffectClrLst/>
+  </dgm:styleLbl>
+  <dgm:styleLbl name="node4">
+    <dgm:fillClrLst meth="repeat">
+      <a:schemeClr val="dk2"/>
+    </dgm:fillClrLst>
+    <dgm:linClrLst meth="repeat">
+      <a:schemeClr val="lt2"/>
+    </dgm:linClrLst>
+    <dgm:effectClrLst/>
+    <dgm:txLinClrLst/>
+    <dgm:txFillClrLst/>
+    <dgm:txEffectClrLst/>
+  </dgm:styleLbl>
+  <dgm:styleLbl name="fgImgPlace1">
+    <dgm:fillClrLst meth="repeat">
+      <a:schemeClr val="dk2">
+        <a:tint val="50000"/>
+      </a:schemeClr>
+    </dgm:fillClrLst>
+    <dgm:linClrLst meth="repeat">
+      <a:schemeClr val="lt2"/>
+    </dgm:linClrLst>
+    <dgm:effectClrLst/>
+    <dgm:txLinClrLst/>
+    <dgm:txFillClrLst meth="repeat">
+      <a:schemeClr val="lt2"/>
+    </dgm:txFillClrLst>
+    <dgm:txEffectClrLst/>
+  </dgm:styleLbl>
+  <dgm:styleLbl name="alignImgPlace1">
+    <dgm:fillClrLst meth="repeat">
+      <a:schemeClr val="dk2">
+        <a:tint val="50000"/>
+      </a:schemeClr>
+    </dgm:fillClrLst>
+    <dgm:linClrLst meth="repeat">
+      <a:schemeClr val="dk2">
+        <a:shade val="80000"/>
+      </a:schemeClr>
+    </dgm:linClrLst>
+    <dgm:effectClrLst/>
+    <dgm:txLinClrLst/>
+    <dgm:txFillClrLst meth="repeat">
+      <a:schemeClr val="lt2"/>
+    </dgm:txFillClrLst>
+    <dgm:txEffectClrLst/>
+  </dgm:styleLbl>
+  <dgm:styleLbl name="bgImgPlace1">
+    <dgm:fillClrLst meth="repeat">
+      <a:schemeClr val="dk2">
+        <a:tint val="50000"/>
+      </a:schemeClr>
+    </dgm:fillClrLst>
+    <dgm:linClrLst meth="repeat">
+      <a:schemeClr val="dk2">
+        <a:shade val="80000"/>
+      </a:schemeClr>
+    </dgm:linClrLst>
+    <dgm:effectClrLst/>
+    <dgm:txLinClrLst/>
+    <dgm:txFillClrLst meth="repeat">
+      <a:schemeClr val="lt2"/>
+    </dgm:txFillClrLst>
+    <dgm:txEffectClrLst/>
+  </dgm:styleLbl>
+  <dgm:styleLbl name="sibTrans2D1">
+    <dgm:fillClrLst meth="repeat">
+      <a:schemeClr val="dk2">
+        <a:tint val="60000"/>
+      </a:schemeClr>
+    </dgm:fillClrLst>
+    <dgm:linClrLst meth="repeat">
+      <a:schemeClr val="dk2">
+        <a:tint val="60000"/>
+      </a:schemeClr>
+    </dgm:linClrLst>
+    <dgm:effectClrLst/>
+    <dgm:txLinClrLst/>
+    <dgm:txFillClrLst/>
+    <dgm:txEffectClrLst/>
+  </dgm:styleLbl>
+  <dgm:styleLbl name="fgSibTrans2D1">
+    <dgm:fillClrLst meth="repeat">
+      <a:schemeClr val="dk2">
+        <a:tint val="60000"/>
+      </a:schemeClr>
+    </dgm:fillClrLst>
+    <dgm:linClrLst meth="repeat">
+      <a:schemeClr val="dk2">
+        <a:tint val="60000"/>
+      </a:schemeClr>
+    </dgm:linClrLst>
+    <dgm:effectClrLst/>
+    <dgm:txLinClrLst/>
+    <dgm:txFillClrLst/>
+    <dgm:txEffectClrLst/>
+  </dgm:styleLbl>
+  <dgm:styleLbl name="bgSibTrans2D1">
+    <dgm:fillClrLst meth="repeat">
+      <a:schemeClr val="dk2">
+        <a:tint val="60000"/>
+      </a:schemeClr>
+    </dgm:fillClrLst>
+    <dgm:linClrLst meth="repeat">
+      <a:schemeClr val="dk2">
+        <a:tint val="60000"/>
+      </a:schemeClr>
+    </dgm:linClrLst>
+    <dgm:effectClrLst/>
+    <dgm:txLinClrLst/>
+    <dgm:txFillClrLst/>
+    <dgm:txEffectClrLst/>
+  </dgm:styleLbl>
+  <dgm:styleLbl name="sibTrans1D1">
+    <dgm:fillClrLst meth="repeat">
+      <a:schemeClr val="dk2"/>
+    </dgm:fillClrLst>
+    <dgm:linClrLst meth="repeat">
+      <a:schemeClr val="dk2"/>
+    </dgm:linClrLst>
+    <dgm:effectClrLst/>
+    <dgm:txLinClrLst/>
+    <dgm:txFillClrLst meth="repeat">
+      <a:schemeClr val="lt2"/>
+    </dgm:txFillClrLst>
+    <dgm:txEffectClrLst/>
+  </dgm:styleLbl>
+  <dgm:styleLbl name="callout">
+    <dgm:fillClrLst meth="repeat">
+      <a:schemeClr val="dk2"/>
+    </dgm:fillClrLst>
+    <dgm:linClrLst meth="repeat">
+      <a:schemeClr val="dk2">
+        <a:tint val="50000"/>
+      </a:schemeClr>
+    </dgm:linClrLst>
+    <dgm:effectClrLst/>
+    <dgm:txLinClrLst/>
+    <dgm:txFillClrLst meth="repeat">
+      <a:schemeClr val="lt2"/>
+    </dgm:txFillClrLst>
+    <dgm:txEffectClrLst/>
+  </dgm:styleLbl>
+  <dgm:styleLbl name="asst0">
+    <dgm:fillClrLst meth="repeat">
+      <a:schemeClr val="dk2"/>
+    </dgm:fillClrLst>
+    <dgm:linClrLst meth="repeat">
+      <a:schemeClr val="lt2"/>
+    </dgm:linClrLst>
+    <dgm:effectClrLst/>
+    <dgm:txLinClrLst/>
+    <dgm:txFillClrLst/>
+    <dgm:txEffectClrLst/>
+  </dgm:styleLbl>
+  <dgm:styleLbl name="asst1">
+    <dgm:fillClrLst meth="repeat">
+      <a:schemeClr val="dk2"/>
+    </dgm:fillClrLst>
+    <dgm:linClrLst meth="repeat">
+      <a:schemeClr val="lt2"/>
+    </dgm:linClrLst>
+    <dgm:effectClrLst/>
+    <dgm:txLinClrLst/>
+    <dgm:txFillClrLst/>
+    <dgm:txEffectClrLst/>
+  </dgm:styleLbl>
+  <dgm:styleLbl name="asst2">
+    <dgm:fillClrLst meth="repeat">
+      <a:schemeClr val="dk2"/>
+    </dgm:fillClrLst>
+    <dgm:linClrLst meth="repeat">
+      <a:schemeClr val="lt2"/>
+    </dgm:linClrLst>
+    <dgm:effectClrLst/>
+    <dgm:txLinClrLst/>
+    <dgm:txFillClrLst/>
+    <dgm:txEffectClrLst/>
+  </dgm:styleLbl>
+  <dgm:styleLbl name="asst3">
+    <dgm:fillClrLst meth="repeat">
+      <a:schemeClr val="dk2"/>
+    </dgm:fillClrLst>
+    <dgm:linClrLst meth="repeat">
+      <a:schemeClr val="lt2"/>
+    </dgm:linClrLst>
+    <dgm:effectClrLst/>
+    <dgm:txLinClrLst/>
+    <dgm:txFillClrLst/>
+    <dgm:txEffectClrLst/>
+  </dgm:styleLbl>
+  <dgm:styleLbl name="asst4">
+    <dgm:fillClrLst meth="repeat">
+      <a:schemeClr val="dk2"/>
+    </dgm:fillClrLst>
+    <dgm:linClrLst meth="repeat">
+      <a:schemeClr val="lt2"/>
+    </dgm:linClrLst>
+    <dgm:effectClrLst/>
+    <dgm:txLinClrLst/>
+    <dgm:txFillClrLst/>
+    <dgm:txEffectClrLst/>
+  </dgm:styleLbl>
+  <dgm:styleLbl name="parChTrans2D1">
+    <dgm:fillClrLst meth="repeat">
+      <a:schemeClr val="dk2">
+        <a:tint val="60000"/>
+      </a:schemeClr>
+    </dgm:fillClrLst>
+    <dgm:linClrLst meth="repeat">
+      <a:schemeClr val="dk2">
+        <a:tint val="60000"/>
+      </a:schemeClr>
+    </dgm:linClrLst>
+    <dgm:effectClrLst/>
+    <dgm:txLinClrLst/>
+    <dgm:txFillClrLst meth="repeat">
+      <a:schemeClr val="lt2"/>
+    </dgm:txFillClrLst>
+    <dgm:txEffectClrLst/>
+  </dgm:styleLbl>
+  <dgm:styleLbl name="parChTrans2D2">
+    <dgm:fillClrLst meth="repeat">
+      <a:schemeClr val="dk2"/>
+    </dgm:fillClrLst>
+    <dgm:linClrLst meth="repeat">
+      <a:schemeClr val="dk2"/>
+    </dgm:linClrLst>
+    <dgm:effectClrLst/>
+    <dgm:txLinClrLst/>
+    <dgm:txFillClrLst meth="repeat">
+      <a:schemeClr val="lt2"/>
+    </dgm:txFillClrLst>
+    <dgm:txEffectClrLst/>
+  </dgm:styleLbl>
+  <dgm:styleLbl name="parChTrans2D3">
+    <dgm:fillClrLst meth="repeat">
+      <a:schemeClr val="dk2"/>
+    </dgm:fillClrLst>
+    <dgm:linClrLst meth="repeat">
+      <a:schemeClr val="dk2"/>
+    </dgm:linClrLst>
+    <dgm:effectClrLst/>
+    <dgm:txLinClrLst/>
+    <dgm:txFillClrLst meth="repeat">
+      <a:schemeClr val="lt2"/>
+    </dgm:txFillClrLst>
+    <dgm:txEffectClrLst/>
+  </dgm:styleLbl>
+  <dgm:styleLbl name="parChTrans2D4">
+    <dgm:fillClrLst meth="repeat">
+      <a:schemeClr val="dk2"/>
+    </dgm:fillClrLst>
+    <dgm:linClrLst meth="repeat">
+      <a:schemeClr val="dk2"/>
+    </dgm:linClrLst>
+    <dgm:effectClrLst/>
+    <dgm:txLinClrLst/>
+    <dgm:txFillClrLst meth="repeat">
+      <a:schemeClr val="lt2"/>
+    </dgm:txFillClrLst>
+    <dgm:txEffectClrLst/>
+  </dgm:styleLbl>
+  <dgm:styleLbl name="parChTrans1D1">
+    <dgm:fillClrLst meth="repeat">
+      <a:schemeClr val="dk2"/>
+    </dgm:fillClrLst>
+    <dgm:linClrLst meth="repeat">
+      <a:schemeClr val="dk2">
+        <a:shade val="60000"/>
+      </a:schemeClr>
+    </dgm:linClrLst>
+    <dgm:effectClrLst/>
+    <dgm:txLinClrLst/>
+    <dgm:txFillClrLst meth="repeat">
+      <a:schemeClr val="tx1"/>
+    </dgm:txFillClrLst>
+    <dgm:txEffectClrLst/>
+  </dgm:styleLbl>
+  <dgm:styleLbl name="parChTrans1D2">
+    <dgm:fillClrLst meth="repeat">
+      <a:schemeClr val="dk2"/>
+    </dgm:fillClrLst>
+    <dgm:linClrLst meth="repeat">
+      <a:schemeClr val="dk2">
+        <a:shade val="60000"/>
+      </a:schemeClr>
+    </dgm:linClrLst>
+    <dgm:effectClrLst/>
+    <dgm:txLinClrLst/>
+    <dgm:txFillClrLst meth="repeat">
+      <a:schemeClr val="tx1"/>
+    </dgm:txFillClrLst>
+    <dgm:txEffectClrLst/>
+  </dgm:styleLbl>
+  <dgm:styleLbl name="parChTrans1D3">
+    <dgm:fillClrLst meth="repeat">
+      <a:schemeClr val="dk2"/>
+    </dgm:fillClrLst>
+    <dgm:linClrLst meth="repeat">
+      <a:schemeClr val="dk2">
+        <a:shade val="80000"/>
+      </a:schemeClr>
+    </dgm:linClrLst>
+    <dgm:effectClrLst/>
+    <dgm:txLinClrLst/>
+    <dgm:txFillClrLst meth="repeat">
+      <a:schemeClr val="tx1"/>
+    </dgm:txFillClrLst>
+    <dgm:txEffectClrLst/>
+  </dgm:styleLbl>
+  <dgm:styleLbl name="parChTrans1D4">
+    <dgm:fillClrLst meth="repeat">
+      <a:schemeClr val="dk2"/>
+    </dgm:fillClrLst>
+    <dgm:linClrLst meth="repeat">
+      <a:schemeClr val="dk2">
+        <a:shade val="80000"/>
+      </a:schemeClr>
+    </dgm:linClrLst>
+    <dgm:effectClrLst/>
+    <dgm:txLinClrLst/>
+    <dgm:txFillClrLst meth="repeat">
+      <a:schemeClr val="tx1"/>
+    </dgm:txFillClrLst>
+    <dgm:txEffectClrLst/>
+  </dgm:styleLbl>
+  <dgm:styleLbl name="fgAcc1">
+    <dgm:fillClrLst meth="repeat">
+      <a:schemeClr val="lt2">
+        <a:alpha val="90000"/>
+      </a:schemeClr>
+    </dgm:fillClrLst>
+    <dgm:linClrLst meth="repeat">
+      <a:schemeClr val="dk2"/>
+    </dgm:linClrLst>
+    <dgm:effectClrLst/>
+    <dgm:txLinClrLst/>
+    <dgm:txFillClrLst meth="repeat">
+      <a:schemeClr val="dk1"/>
+    </dgm:txFillClrLst>
+    <dgm:txEffectClrLst/>
+  </dgm:styleLbl>
+  <dgm:styleLbl name="conFgAcc1">
+    <dgm:fillClrLst meth="repeat">
+      <a:schemeClr val="lt2">
+        <a:alpha val="90000"/>
+      </a:schemeClr>
+    </dgm:fillClrLst>
+    <dgm:linClrLst meth="repeat">
+      <a:schemeClr val="dk2"/>
+    </dgm:linClrLst>
+    <dgm:effectClrLst/>
+    <dgm:txLinClrLst/>
+    <dgm:txFillClrLst meth="repeat">
+      <a:schemeClr val="dk1"/>
+    </dgm:txFillClrLst>
+    <dgm:txEffectClrLst/>
+  </dgm:styleLbl>
+  <dgm:styleLbl name="alignAcc1">
+    <dgm:fillClrLst meth="repeat">
+      <a:schemeClr val="lt2">
+        <a:alpha val="90000"/>
+      </a:schemeClr>
+    </dgm:fillClrLst>
+    <dgm:linClrLst meth="repeat">
+      <a:schemeClr val="dk2"/>
+    </dgm:linClrLst>
+    <dgm:effectClrLst/>
+    <dgm:txLinClrLst/>
+    <dgm:txFillClrLst meth="repeat">
+      <a:schemeClr val="dk1"/>
+    </dgm:txFillClrLst>
+    <dgm:txEffectClrLst/>
+  </dgm:styleLbl>
+  <dgm:styleLbl name="trAlignAcc1">
+    <dgm:fillClrLst meth="repeat">
+      <a:schemeClr val="lt2">
+        <a:alpha val="40000"/>
+      </a:schemeClr>
+    </dgm:fillClrLst>
+    <dgm:linClrLst meth="repeat">
+      <a:schemeClr val="dk2"/>
+    </dgm:linClrLst>
+    <dgm:effectClrLst/>
+    <dgm:txLinClrLst/>
+    <dgm:txFillClrLst meth="repeat">
+      <a:schemeClr val="dk1"/>
+    </dgm:txFillClrLst>
+    <dgm:txEffectClrLst/>
+  </dgm:styleLbl>
+  <dgm:styleLbl name="bgAcc1">
+    <dgm:fillClrLst meth="repeat">
+      <a:schemeClr val="lt2">
+        <a:alpha val="90000"/>
+      </a:schemeClr>
+    </dgm:fillClrLst>
+    <dgm:linClrLst meth="repeat">
+      <a:schemeClr val="dk2"/>
+    </dgm:linClrLst>
+    <dgm:effectClrLst/>
+    <dgm:txLinClrLst/>
+    <dgm:txFillClrLst meth="repeat">
+      <a:schemeClr val="dk1"/>
+    </dgm:txFillClrLst>
+    <dgm:txEffectClrLst/>
+  </dgm:styleLbl>
+  <dgm:styleLbl name="solidFgAcc1">
+    <dgm:fillClrLst meth="repeat">
+      <a:schemeClr val="lt2"/>
+    </dgm:fillClrLst>
+    <dgm:linClrLst meth="repeat">
+      <a:schemeClr val="dk2"/>
+    </dgm:linClrLst>
+    <dgm:effectClrLst/>
+    <dgm:txLinClrLst/>
+    <dgm:txFillClrLst meth="repeat">
+      <a:schemeClr val="dk1"/>
+    </dgm:txFillClrLst>
+    <dgm:txEffectClrLst/>
+  </dgm:styleLbl>
+  <dgm:styleLbl name="solidAlignAcc1">
+    <dgm:fillClrLst meth="repeat">
+      <a:schemeClr val="lt2"/>
+    </dgm:fillClrLst>
+    <dgm:linClrLst meth="repeat">
+      <a:schemeClr val="dk2"/>
+    </dgm:linClrLst>
+    <dgm:effectClrLst/>
+    <dgm:txLinClrLst/>
+    <dgm:txFillClrLst meth="repeat">
+      <a:schemeClr val="dk1"/>
+    </dgm:txFillClrLst>
+    <dgm:txEffectClrLst/>
+  </dgm:styleLbl>
+  <dgm:styleLbl name="solidBgAcc1">
+    <dgm:fillClrLst meth="repeat">
+      <a:schemeClr val="lt2"/>
+    </dgm:fillClrLst>
+    <dgm:linClrLst meth="repeat">
+      <a:schemeClr val="dk2"/>
+    </dgm:linClrLst>
+    <dgm:effectClrLst/>
+    <dgm:txLinClrLst/>
+    <dgm:txFillClrLst meth="repeat">
+      <a:schemeClr val="dk1"/>
+    </dgm:txFillClrLst>
+    <dgm:txEffectClrLst/>
+  </dgm:styleLbl>
+  <dgm:styleLbl name="fgAccFollowNode1">
+    <dgm:fillClrLst meth="repeat">
+      <a:schemeClr val="dk2">
+        <a:alpha val="90000"/>
+        <a:tint val="40000"/>
+      </a:schemeClr>
+    </dgm:fillClrLst>
+    <dgm:linClrLst meth="repeat">
+      <a:schemeClr val="dk2">
+        <a:alpha val="90000"/>
+        <a:tint val="40000"/>
+      </a:schemeClr>
+    </dgm:linClrLst>
+    <dgm:effectClrLst/>
+    <dgm:txLinClrLst/>
+    <dgm:txFillClrLst meth="repeat">
+      <a:schemeClr val="dk1"/>
+    </dgm:txFillClrLst>
+    <dgm:txEffectClrLst/>
+  </dgm:styleLbl>
+  <dgm:styleLbl name="alignAccFollowNode1">
+    <dgm:fillClrLst meth="repeat">
+      <a:schemeClr val="dk2">
+        <a:alpha val="90000"/>
+        <a:tint val="40000"/>
+      </a:schemeClr>
+    </dgm:fillClrLst>
+    <dgm:linClrLst meth="repeat">
+      <a:schemeClr val="dk2">
+        <a:alpha val="90000"/>
+        <a:tint val="40000"/>
+      </a:schemeClr>
+    </dgm:linClrLst>
+    <dgm:effectClrLst/>
+    <dgm:txLinClrLst/>
+    <dgm:txFillClrLst meth="repeat">
+      <a:schemeClr val="dk1"/>
+    </dgm:txFillClrLst>
+    <dgm:txEffectClrLst/>
+  </dgm:styleLbl>
+  <dgm:styleLbl name="bgAccFollowNode1">
+    <dgm:fillClrLst meth="repeat">
+      <a:schemeClr val="dk2">
+        <a:alpha val="90000"/>
+        <a:tint val="40000"/>
+      </a:schemeClr>
+    </dgm:fillClrLst>
+    <dgm:linClrLst meth="repeat">
+      <a:schemeClr val="dk2">
+        <a:alpha val="90000"/>
+        <a:tint val="40000"/>
+      </a:schemeClr>
+    </dgm:linClrLst>
+    <dgm:effectClrLst/>
+    <dgm:txLinClrLst/>
+    <dgm:txFillClrLst meth="repeat">
+      <a:schemeClr val="dk1"/>
+    </dgm:txFillClrLst>
+    <dgm:txEffectClrLst/>
+  </dgm:styleLbl>
+  <dgm:styleLbl name="fgAcc0">
+    <dgm:fillClrLst meth="repeat">
+      <a:schemeClr val="lt2">
+        <a:alpha val="90000"/>
+      </a:schemeClr>
+    </dgm:fillClrLst>
+    <dgm:linClrLst meth="repeat">
+      <a:schemeClr val="dk2"/>
+    </dgm:linClrLst>
+    <dgm:effectClrLst/>
+    <dgm:txLinClrLst/>
+    <dgm:txFillClrLst meth="repeat">
+      <a:schemeClr val="dk1"/>
+    </dgm:txFillClrLst>
+    <dgm:txEffectClrLst/>
+  </dgm:styleLbl>
+  <dgm:styleLbl name="fgAcc2">
+    <dgm:fillClrLst meth="repeat">
+      <a:schemeClr val="lt2">
+        <a:alpha val="90000"/>
+      </a:schemeClr>
+    </dgm:fillClrLst>
+    <dgm:linClrLst meth="repeat">
+      <a:schemeClr val="dk2"/>
+    </dgm:linClrLst>
+    <dgm:effectClrLst/>
+    <dgm:txLinClrLst/>
+    <dgm:txFillClrLst meth="repeat">
+      <a:schemeClr val="dk1"/>
+    </dgm:txFillClrLst>
+    <dgm:txEffectClrLst/>
+  </dgm:styleLbl>
+  <dgm:styleLbl name="fgAcc3">
+    <dgm:fillClrLst meth="repeat">
+      <a:schemeClr val="lt2">
+        <a:alpha val="90000"/>
+      </a:schemeClr>
+    </dgm:fillClrLst>
+    <dgm:linClrLst meth="repeat">
+      <a:schemeClr val="dk2"/>
+    </dgm:linClrLst>
+    <dgm:effectClrLst/>
+    <dgm:txLinClrLst/>
+    <dgm:txFillClrLst meth="repeat">
+      <a:schemeClr val="dk1"/>
+    </dgm:txFillClrLst>
+    <dgm:txEffectClrLst/>
+  </dgm:styleLbl>
+  <dgm:styleLbl name="fgAcc4">
+    <dgm:fillClrLst meth="repeat">
+      <a:schemeClr val="lt2">
+        <a:alpha val="90000"/>
+      </a:schemeClr>
+    </dgm:fillClrLst>
+    <dgm:linClrLst meth="repeat">
+      <a:schemeClr val="dk2"/>
+    </dgm:linClrLst>
+    <dgm:effectClrLst/>
+    <dgm:txLinClrLst/>
+    <dgm:txFillClrLst meth="repeat">
+      <a:schemeClr val="dk1"/>
+    </dgm:txFillClrLst>
+    <dgm:txEffectClrLst/>
+  </dgm:styleLbl>
+  <dgm:styleLbl name="bgShp">
+    <dgm:fillClrLst meth="repeat">
+      <a:schemeClr val="dk2">
+        <a:tint val="40000"/>
+      </a:schemeClr>
+    </dgm:fillClrLst>
+    <dgm:linClrLst meth="repeat">
+      <a:schemeClr val="dk2"/>
+    </dgm:linClrLst>
+    <dgm:effectClrLst/>
+    <dgm:txLinClrLst/>
+    <dgm:txFillClrLst meth="repeat">
+      <a:schemeClr val="dk1"/>
+    </dgm:txFillClrLst>
+    <dgm:txEffectClrLst/>
+  </dgm:styleLbl>
+  <dgm:styleLbl name="dkBgShp">
+    <dgm:fillClrLst meth="repeat">
+      <a:schemeClr val="dk2">
+        <a:shade val="80000"/>
+      </a:schemeClr>
+    </dgm:fillClrLst>
+    <dgm:linClrLst meth="repeat">
+      <a:schemeClr val="dk2"/>
+    </dgm:linClrLst>
+    <dgm:effectClrLst/>
+    <dgm:txLinClrLst/>
+    <dgm:txFillClrLst meth="repeat">
+      <a:schemeClr val="lt1"/>
+    </dgm:txFillClrLst>
+    <dgm:txEffectClrLst/>
+  </dgm:styleLbl>
+  <dgm:styleLbl name="trBgShp">
+    <dgm:fillClrLst meth="repeat">
+      <a:schemeClr val="dk2">
+        <a:tint val="50000"/>
+        <a:alpha val="40000"/>
+      </a:schemeClr>
+    </dgm:fillClrLst>
+    <dgm:linClrLst meth="repeat">
+      <a:schemeClr val="dk2"/>
+    </dgm:linClrLst>
+    <dgm:effectClrLst/>
+    <dgm:txLinClrLst/>
+    <dgm:txFillClrLst meth="repeat">
+      <a:schemeClr val="lt1"/>
+    </dgm:txFillClrLst>
+    <dgm:txEffectClrLst/>
+  </dgm:styleLbl>
+  <dgm:styleLbl name="fgShp">
+    <dgm:fillClrLst meth="repeat">
+      <a:schemeClr val="dk2">
+        <a:tint val="60000"/>
+      </a:schemeClr>
+    </dgm:fillClrLst>
+    <dgm:linClrLst meth="repeat">
+      <a:schemeClr val="lt2"/>
+    </dgm:linClrLst>
+    <dgm:effectClrLst/>
+    <dgm:txLinClrLst/>
+    <dgm:txFillClrLst meth="repeat">
+      <a:schemeClr val="dk1"/>
+    </dgm:txFillClrLst>
+    <dgm:txEffectClrLst/>
+  </dgm:styleLbl>
+  <dgm:styleLbl name="revTx">
+    <dgm:fillClrLst meth="repeat">
+      <a:schemeClr val="lt2">
+        <a:alpha val="0"/>
+      </a:schemeClr>
+    </dgm:fillClrLst>
+    <dgm:linClrLst meth="repeat">
+      <a:schemeClr val="dk1">
+        <a:alpha val="0"/>
+      </a:schemeClr>
+    </dgm:linClrLst>
+    <dgm:effectClrLst/>
+    <dgm:txLinClrLst/>
+    <dgm:txFillClrLst meth="repeat">
+      <a:schemeClr val="tx1"/>
+    </dgm:txFillClrLst>
+    <dgm:txEffectClrLst/>
+  </dgm:styleLbl>
+</dgm:colorsDef>
+</file>
+
+<file path=ppt/diagrams/colors2.xml><?xml version="1.0" encoding="utf-8"?>
 <dgm:colorsDef xmlns:dgm="http://schemas.openxmlformats.org/drawingml/2006/diagram" xmlns:a="http://schemas.openxmlformats.org/drawingml/2006/main" uniqueId="urn:microsoft.com/office/officeart/2005/8/colors/colorful5">
   <dgm:title val=""/>
   <dgm:desc val=""/>
@@ -923,6 +1673,182 @@
 </file>
 
 <file path=ppt/diagrams/data1.xml><?xml version="1.0" encoding="utf-8"?>
+<dgm:dataModel xmlns:dgm="http://schemas.openxmlformats.org/drawingml/2006/diagram" xmlns:a="http://schemas.openxmlformats.org/drawingml/2006/main">
+  <dgm:ptLst>
+    <dgm:pt modelId="{D8CA48D2-4CF7-4350-90CD-1A7ECE3AA0BB}" type="doc">
+      <dgm:prSet loTypeId="urn:microsoft.com/office/officeart/2005/8/layout/hierarchy1" loCatId="hierarchy" qsTypeId="urn:microsoft.com/office/officeart/2005/8/quickstyle/simple1" qsCatId="simple" csTypeId="urn:microsoft.com/office/officeart/2005/8/colors/accent0_3" csCatId="mainScheme"/>
+      <dgm:spPr/>
+      <dgm:t>
+        <a:bodyPr/>
+        <a:lstStyle/>
+        <a:p>
+          <a:endParaRPr lang="en-US"/>
+        </a:p>
+      </dgm:t>
+    </dgm:pt>
+    <dgm:pt modelId="{F4F3B173-0836-4648-8969-AB932784375B}">
+      <dgm:prSet/>
+      <dgm:spPr/>
+      <dgm:t>
+        <a:bodyPr/>
+        <a:lstStyle/>
+        <a:p>
+          <a:r>
+            <a:rPr lang="en-US" b="0" i="0"/>
+            <a:t>The goal of our project was to explore the patterns in the real estate market, mainly home value, regarding different features in the area. </a:t>
+          </a:r>
+          <a:endParaRPr lang="en-US"/>
+        </a:p>
+      </dgm:t>
+    </dgm:pt>
+    <dgm:pt modelId="{16B7AD42-7A55-4F03-A1CD-A638076C8A44}" type="parTrans" cxnId="{299BEAB8-F852-4842-A47D-552090D5E07D}">
+      <dgm:prSet/>
+      <dgm:spPr/>
+      <dgm:t>
+        <a:bodyPr/>
+        <a:lstStyle/>
+        <a:p>
+          <a:endParaRPr lang="en-US"/>
+        </a:p>
+      </dgm:t>
+    </dgm:pt>
+    <dgm:pt modelId="{89E75D31-373F-409E-BBFE-1436AD9AB981}" type="sibTrans" cxnId="{299BEAB8-F852-4842-A47D-552090D5E07D}">
+      <dgm:prSet/>
+      <dgm:spPr/>
+      <dgm:t>
+        <a:bodyPr/>
+        <a:lstStyle/>
+        <a:p>
+          <a:endParaRPr lang="en-US"/>
+        </a:p>
+      </dgm:t>
+    </dgm:pt>
+    <dgm:pt modelId="{C13F94FA-19E7-4442-BB26-CE312770DA03}">
+      <dgm:prSet/>
+      <dgm:spPr/>
+      <dgm:t>
+        <a:bodyPr/>
+        <a:lstStyle/>
+        <a:p>
+          <a:r>
+            <a:rPr lang="en-US" b="0" i="0"/>
+            <a:t>Typical Home Value vs different variables such as proximity to parks, access to healthcare, schools in the area, ect.</a:t>
+          </a:r>
+          <a:endParaRPr lang="en-US"/>
+        </a:p>
+      </dgm:t>
+    </dgm:pt>
+    <dgm:pt modelId="{F00411BE-D82C-400D-91AF-1148561035F4}" type="parTrans" cxnId="{136BAED7-AF81-42F0-8A7F-8437C6169A81}">
+      <dgm:prSet/>
+      <dgm:spPr/>
+      <dgm:t>
+        <a:bodyPr/>
+        <a:lstStyle/>
+        <a:p>
+          <a:endParaRPr lang="en-US"/>
+        </a:p>
+      </dgm:t>
+    </dgm:pt>
+    <dgm:pt modelId="{FFE96C1E-34BD-4597-BCA2-D724A716A119}" type="sibTrans" cxnId="{136BAED7-AF81-42F0-8A7F-8437C6169A81}">
+      <dgm:prSet/>
+      <dgm:spPr/>
+      <dgm:t>
+        <a:bodyPr/>
+        <a:lstStyle/>
+        <a:p>
+          <a:endParaRPr lang="en-US"/>
+        </a:p>
+      </dgm:t>
+    </dgm:pt>
+    <dgm:pt modelId="{54B01767-EB16-4533-8DB6-C1035557859E}" type="pres">
+      <dgm:prSet presAssocID="{D8CA48D2-4CF7-4350-90CD-1A7ECE3AA0BB}" presName="hierChild1" presStyleCnt="0">
+        <dgm:presLayoutVars>
+          <dgm:chPref val="1"/>
+          <dgm:dir/>
+          <dgm:animOne val="branch"/>
+          <dgm:animLvl val="lvl"/>
+          <dgm:resizeHandles/>
+        </dgm:presLayoutVars>
+      </dgm:prSet>
+      <dgm:spPr/>
+    </dgm:pt>
+    <dgm:pt modelId="{DE4622DD-EB07-486A-9E5F-FAD6FEDB191A}" type="pres">
+      <dgm:prSet presAssocID="{F4F3B173-0836-4648-8969-AB932784375B}" presName="hierRoot1" presStyleCnt="0"/>
+      <dgm:spPr/>
+    </dgm:pt>
+    <dgm:pt modelId="{56341F87-E514-4B25-BCF3-B8F2EC1DA17A}" type="pres">
+      <dgm:prSet presAssocID="{F4F3B173-0836-4648-8969-AB932784375B}" presName="composite" presStyleCnt="0"/>
+      <dgm:spPr/>
+    </dgm:pt>
+    <dgm:pt modelId="{82B02335-E19A-4CA1-B89A-DA69DAC99E54}" type="pres">
+      <dgm:prSet presAssocID="{F4F3B173-0836-4648-8969-AB932784375B}" presName="background" presStyleLbl="node0" presStyleIdx="0" presStyleCnt="2"/>
+      <dgm:spPr/>
+    </dgm:pt>
+    <dgm:pt modelId="{910DE51C-1A17-4B45-99D8-D4DAB1E3B61F}" type="pres">
+      <dgm:prSet presAssocID="{F4F3B173-0836-4648-8969-AB932784375B}" presName="text" presStyleLbl="fgAcc0" presStyleIdx="0" presStyleCnt="2">
+        <dgm:presLayoutVars>
+          <dgm:chPref val="3"/>
+        </dgm:presLayoutVars>
+      </dgm:prSet>
+      <dgm:spPr/>
+    </dgm:pt>
+    <dgm:pt modelId="{744654AF-B13B-40E0-BE1B-2A3C4FD6A1E1}" type="pres">
+      <dgm:prSet presAssocID="{F4F3B173-0836-4648-8969-AB932784375B}" presName="hierChild2" presStyleCnt="0"/>
+      <dgm:spPr/>
+    </dgm:pt>
+    <dgm:pt modelId="{BA05AAC0-E1FF-41BE-94CE-2148B25AAF79}" type="pres">
+      <dgm:prSet presAssocID="{C13F94FA-19E7-4442-BB26-CE312770DA03}" presName="hierRoot1" presStyleCnt="0"/>
+      <dgm:spPr/>
+    </dgm:pt>
+    <dgm:pt modelId="{EF78B6BC-A07F-46EB-A748-BFFF924B4321}" type="pres">
+      <dgm:prSet presAssocID="{C13F94FA-19E7-4442-BB26-CE312770DA03}" presName="composite" presStyleCnt="0"/>
+      <dgm:spPr/>
+    </dgm:pt>
+    <dgm:pt modelId="{F8E93978-7417-459D-9687-E36D69877A64}" type="pres">
+      <dgm:prSet presAssocID="{C13F94FA-19E7-4442-BB26-CE312770DA03}" presName="background" presStyleLbl="node0" presStyleIdx="1" presStyleCnt="2"/>
+      <dgm:spPr/>
+    </dgm:pt>
+    <dgm:pt modelId="{8B6617E4-3003-48B3-B454-3ABAD8F6C603}" type="pres">
+      <dgm:prSet presAssocID="{C13F94FA-19E7-4442-BB26-CE312770DA03}" presName="text" presStyleLbl="fgAcc0" presStyleIdx="1" presStyleCnt="2">
+        <dgm:presLayoutVars>
+          <dgm:chPref val="3"/>
+        </dgm:presLayoutVars>
+      </dgm:prSet>
+      <dgm:spPr/>
+    </dgm:pt>
+    <dgm:pt modelId="{96B63A23-C2BA-4A74-8F16-A4A8C9F19A6A}" type="pres">
+      <dgm:prSet presAssocID="{C13F94FA-19E7-4442-BB26-CE312770DA03}" presName="hierChild2" presStyleCnt="0"/>
+      <dgm:spPr/>
+    </dgm:pt>
+  </dgm:ptLst>
+  <dgm:cxnLst>
+    <dgm:cxn modelId="{46BECF21-4033-419E-8B33-F3365FDE85D8}" type="presOf" srcId="{D8CA48D2-4CF7-4350-90CD-1A7ECE3AA0BB}" destId="{54B01767-EB16-4533-8DB6-C1035557859E}" srcOrd="0" destOrd="0" presId="urn:microsoft.com/office/officeart/2005/8/layout/hierarchy1"/>
+    <dgm:cxn modelId="{FDBDFE29-EE5F-422F-9576-65DB9C98E02E}" type="presOf" srcId="{C13F94FA-19E7-4442-BB26-CE312770DA03}" destId="{8B6617E4-3003-48B3-B454-3ABAD8F6C603}" srcOrd="0" destOrd="0" presId="urn:microsoft.com/office/officeart/2005/8/layout/hierarchy1"/>
+    <dgm:cxn modelId="{D472743F-317E-4A4C-B253-161F5E2341E9}" type="presOf" srcId="{F4F3B173-0836-4648-8969-AB932784375B}" destId="{910DE51C-1A17-4B45-99D8-D4DAB1E3B61F}" srcOrd="0" destOrd="0" presId="urn:microsoft.com/office/officeart/2005/8/layout/hierarchy1"/>
+    <dgm:cxn modelId="{299BEAB8-F852-4842-A47D-552090D5E07D}" srcId="{D8CA48D2-4CF7-4350-90CD-1A7ECE3AA0BB}" destId="{F4F3B173-0836-4648-8969-AB932784375B}" srcOrd="0" destOrd="0" parTransId="{16B7AD42-7A55-4F03-A1CD-A638076C8A44}" sibTransId="{89E75D31-373F-409E-BBFE-1436AD9AB981}"/>
+    <dgm:cxn modelId="{136BAED7-AF81-42F0-8A7F-8437C6169A81}" srcId="{D8CA48D2-4CF7-4350-90CD-1A7ECE3AA0BB}" destId="{C13F94FA-19E7-4442-BB26-CE312770DA03}" srcOrd="1" destOrd="0" parTransId="{F00411BE-D82C-400D-91AF-1148561035F4}" sibTransId="{FFE96C1E-34BD-4597-BCA2-D724A716A119}"/>
+    <dgm:cxn modelId="{B1C7673F-E4C2-4CC7-ADE7-9F3E76E43A3F}" type="presParOf" srcId="{54B01767-EB16-4533-8DB6-C1035557859E}" destId="{DE4622DD-EB07-486A-9E5F-FAD6FEDB191A}" srcOrd="0" destOrd="0" presId="urn:microsoft.com/office/officeart/2005/8/layout/hierarchy1"/>
+    <dgm:cxn modelId="{B00628D3-BB36-45F6-BAE3-DDFABF3AC12D}" type="presParOf" srcId="{DE4622DD-EB07-486A-9E5F-FAD6FEDB191A}" destId="{56341F87-E514-4B25-BCF3-B8F2EC1DA17A}" srcOrd="0" destOrd="0" presId="urn:microsoft.com/office/officeart/2005/8/layout/hierarchy1"/>
+    <dgm:cxn modelId="{3CFEDAFF-F130-4AFE-AFE0-6A931A60479C}" type="presParOf" srcId="{56341F87-E514-4B25-BCF3-B8F2EC1DA17A}" destId="{82B02335-E19A-4CA1-B89A-DA69DAC99E54}" srcOrd="0" destOrd="0" presId="urn:microsoft.com/office/officeart/2005/8/layout/hierarchy1"/>
+    <dgm:cxn modelId="{D0D71661-2E6A-49D1-A764-B296D613986B}" type="presParOf" srcId="{56341F87-E514-4B25-BCF3-B8F2EC1DA17A}" destId="{910DE51C-1A17-4B45-99D8-D4DAB1E3B61F}" srcOrd="1" destOrd="0" presId="urn:microsoft.com/office/officeart/2005/8/layout/hierarchy1"/>
+    <dgm:cxn modelId="{82274967-CA3E-4CA4-BCC1-102A7E887DAE}" type="presParOf" srcId="{DE4622DD-EB07-486A-9E5F-FAD6FEDB191A}" destId="{744654AF-B13B-40E0-BE1B-2A3C4FD6A1E1}" srcOrd="1" destOrd="0" presId="urn:microsoft.com/office/officeart/2005/8/layout/hierarchy1"/>
+    <dgm:cxn modelId="{F7180D35-5F53-4DE5-AC78-CA0FE1451D26}" type="presParOf" srcId="{54B01767-EB16-4533-8DB6-C1035557859E}" destId="{BA05AAC0-E1FF-41BE-94CE-2148B25AAF79}" srcOrd="1" destOrd="0" presId="urn:microsoft.com/office/officeart/2005/8/layout/hierarchy1"/>
+    <dgm:cxn modelId="{8BD09AE1-08FB-4A29-A385-B31E92B10625}" type="presParOf" srcId="{BA05AAC0-E1FF-41BE-94CE-2148B25AAF79}" destId="{EF78B6BC-A07F-46EB-A748-BFFF924B4321}" srcOrd="0" destOrd="0" presId="urn:microsoft.com/office/officeart/2005/8/layout/hierarchy1"/>
+    <dgm:cxn modelId="{0A35779F-B520-4239-A21C-BDBB06B69B53}" type="presParOf" srcId="{EF78B6BC-A07F-46EB-A748-BFFF924B4321}" destId="{F8E93978-7417-459D-9687-E36D69877A64}" srcOrd="0" destOrd="0" presId="urn:microsoft.com/office/officeart/2005/8/layout/hierarchy1"/>
+    <dgm:cxn modelId="{8FB9F186-41A2-4138-AE81-246EC3BB4DBA}" type="presParOf" srcId="{EF78B6BC-A07F-46EB-A748-BFFF924B4321}" destId="{8B6617E4-3003-48B3-B454-3ABAD8F6C603}" srcOrd="1" destOrd="0" presId="urn:microsoft.com/office/officeart/2005/8/layout/hierarchy1"/>
+    <dgm:cxn modelId="{DF575C9B-286B-450C-8A1D-C9956A0FA4FC}" type="presParOf" srcId="{BA05AAC0-E1FF-41BE-94CE-2148B25AAF79}" destId="{96B63A23-C2BA-4A74-8F16-A4A8C9F19A6A}" srcOrd="1" destOrd="0" presId="urn:microsoft.com/office/officeart/2005/8/layout/hierarchy1"/>
+  </dgm:cxnLst>
+  <dgm:bg/>
+  <dgm:whole/>
+  <dgm:extLst>
+    <a:ext uri="http://schemas.microsoft.com/office/drawing/2008/diagram">
+      <dsp:dataModelExt xmlns:dsp="http://schemas.microsoft.com/office/drawing/2008/diagram" relId="rId6" minVer="http://schemas.openxmlformats.org/drawingml/2006/diagram"/>
+    </a:ext>
+  </dgm:extLst>
+</dgm:dataModel>
+</file>
+
+<file path=ppt/diagrams/data2.xml><?xml version="1.0" encoding="utf-8"?>
 <dgm:dataModel xmlns:dgm="http://schemas.openxmlformats.org/drawingml/2006/diagram" xmlns:a="http://schemas.openxmlformats.org/drawingml/2006/main">
   <dgm:ptLst>
     <dgm:pt modelId="{5C73681A-06FA-4B31-9E0B-6A50F1D4C411}" type="doc">
@@ -1139,6 +2065,282 @@
 </file>
 
 <file path=ppt/diagrams/drawing1.xml><?xml version="1.0" encoding="utf-8"?>
+<dsp:drawing xmlns:dgm="http://schemas.openxmlformats.org/drawingml/2006/diagram" xmlns:dsp="http://schemas.microsoft.com/office/drawing/2008/diagram" xmlns:a="http://schemas.openxmlformats.org/drawingml/2006/main">
+  <dsp:spTree>
+    <dsp:nvGrpSpPr>
+      <dsp:cNvPr id="0" name=""/>
+      <dsp:cNvGrpSpPr/>
+    </dsp:nvGrpSpPr>
+    <dsp:grpSpPr/>
+    <dsp:sp modelId="{82B02335-E19A-4CA1-B89A-DA69DAC99E54}">
+      <dsp:nvSpPr>
+        <dsp:cNvPr id="0" name=""/>
+        <dsp:cNvSpPr/>
+      </dsp:nvSpPr>
+      <dsp:spPr>
+        <a:xfrm>
+          <a:off x="134291" y="612"/>
+          <a:ext cx="4332795" cy="2751325"/>
+        </a:xfrm>
+        <a:prstGeom prst="roundRect">
+          <a:avLst>
+            <a:gd name="adj" fmla="val 10000"/>
+          </a:avLst>
+        </a:prstGeom>
+        <a:solidFill>
+          <a:schemeClr val="dk2">
+            <a:hueOff val="0"/>
+            <a:satOff val="0"/>
+            <a:lumOff val="0"/>
+            <a:alphaOff val="0"/>
+          </a:schemeClr>
+        </a:solidFill>
+        <a:ln w="12700" cap="flat" cmpd="sng" algn="ctr">
+          <a:solidFill>
+            <a:schemeClr val="lt2">
+              <a:hueOff val="0"/>
+              <a:satOff val="0"/>
+              <a:lumOff val="0"/>
+              <a:alphaOff val="0"/>
+            </a:schemeClr>
+          </a:solidFill>
+          <a:prstDash val="solid"/>
+          <a:miter lim="800000"/>
+        </a:ln>
+        <a:effectLst/>
+      </dsp:spPr>
+      <dsp:style>
+        <a:lnRef idx="2">
+          <a:scrgbClr r="0" g="0" b="0"/>
+        </a:lnRef>
+        <a:fillRef idx="1">
+          <a:scrgbClr r="0" g="0" b="0"/>
+        </a:fillRef>
+        <a:effectRef idx="0">
+          <a:scrgbClr r="0" g="0" b="0"/>
+        </a:effectRef>
+        <a:fontRef idx="minor">
+          <a:schemeClr val="lt1"/>
+        </a:fontRef>
+      </dsp:style>
+    </dsp:sp>
+    <dsp:sp modelId="{910DE51C-1A17-4B45-99D8-D4DAB1E3B61F}">
+      <dsp:nvSpPr>
+        <dsp:cNvPr id="0" name=""/>
+        <dsp:cNvSpPr/>
+      </dsp:nvSpPr>
+      <dsp:spPr>
+        <a:xfrm>
+          <a:off x="615713" y="457963"/>
+          <a:ext cx="4332795" cy="2751325"/>
+        </a:xfrm>
+        <a:prstGeom prst="roundRect">
+          <a:avLst>
+            <a:gd name="adj" fmla="val 10000"/>
+          </a:avLst>
+        </a:prstGeom>
+        <a:solidFill>
+          <a:schemeClr val="lt2">
+            <a:alpha val="90000"/>
+            <a:hueOff val="0"/>
+            <a:satOff val="0"/>
+            <a:lumOff val="0"/>
+            <a:alphaOff val="0"/>
+          </a:schemeClr>
+        </a:solidFill>
+        <a:ln w="12700" cap="flat" cmpd="sng" algn="ctr">
+          <a:solidFill>
+            <a:schemeClr val="dk2">
+              <a:hueOff val="0"/>
+              <a:satOff val="0"/>
+              <a:lumOff val="0"/>
+              <a:alphaOff val="0"/>
+            </a:schemeClr>
+          </a:solidFill>
+          <a:prstDash val="solid"/>
+          <a:miter lim="800000"/>
+        </a:ln>
+        <a:effectLst/>
+      </dsp:spPr>
+      <dsp:style>
+        <a:lnRef idx="2">
+          <a:scrgbClr r="0" g="0" b="0"/>
+        </a:lnRef>
+        <a:fillRef idx="1">
+          <a:scrgbClr r="0" g="0" b="0"/>
+        </a:fillRef>
+        <a:effectRef idx="0">
+          <a:scrgbClr r="0" g="0" b="0"/>
+        </a:effectRef>
+        <a:fontRef idx="minor"/>
+      </dsp:style>
+      <dsp:txBody>
+        <a:bodyPr spcFirstLastPara="0" vert="horz" wrap="square" lIns="106680" tIns="106680" rIns="106680" bIns="106680" numCol="1" spcCol="1270" anchor="ctr" anchorCtr="0">
+          <a:noAutofit/>
+        </a:bodyPr>
+        <a:lstStyle/>
+        <a:p>
+          <a:pPr marL="0" lvl="0" indent="0" algn="ctr" defTabSz="1244600">
+            <a:lnSpc>
+              <a:spcPct val="90000"/>
+            </a:lnSpc>
+            <a:spcBef>
+              <a:spcPct val="0"/>
+            </a:spcBef>
+            <a:spcAft>
+              <a:spcPct val="35000"/>
+            </a:spcAft>
+            <a:buNone/>
+          </a:pPr>
+          <a:r>
+            <a:rPr lang="en-US" sz="2800" b="0" i="0" kern="1200"/>
+            <a:t>The goal of our project was to explore the patterns in the real estate market, mainly home value, regarding different features in the area. </a:t>
+          </a:r>
+          <a:endParaRPr lang="en-US" sz="2800" kern="1200"/>
+        </a:p>
+      </dsp:txBody>
+      <dsp:txXfrm>
+        <a:off x="696297" y="538547"/>
+        <a:ext cx="4171627" cy="2590157"/>
+      </dsp:txXfrm>
+    </dsp:sp>
+    <dsp:sp modelId="{F8E93978-7417-459D-9687-E36D69877A64}">
+      <dsp:nvSpPr>
+        <dsp:cNvPr id="0" name=""/>
+        <dsp:cNvSpPr/>
+      </dsp:nvSpPr>
+      <dsp:spPr>
+        <a:xfrm>
+          <a:off x="5429930" y="612"/>
+          <a:ext cx="4332795" cy="2751325"/>
+        </a:xfrm>
+        <a:prstGeom prst="roundRect">
+          <a:avLst>
+            <a:gd name="adj" fmla="val 10000"/>
+          </a:avLst>
+        </a:prstGeom>
+        <a:solidFill>
+          <a:schemeClr val="dk2">
+            <a:hueOff val="0"/>
+            <a:satOff val="0"/>
+            <a:lumOff val="0"/>
+            <a:alphaOff val="0"/>
+          </a:schemeClr>
+        </a:solidFill>
+        <a:ln w="12700" cap="flat" cmpd="sng" algn="ctr">
+          <a:solidFill>
+            <a:schemeClr val="lt2">
+              <a:hueOff val="0"/>
+              <a:satOff val="0"/>
+              <a:lumOff val="0"/>
+              <a:alphaOff val="0"/>
+            </a:schemeClr>
+          </a:solidFill>
+          <a:prstDash val="solid"/>
+          <a:miter lim="800000"/>
+        </a:ln>
+        <a:effectLst/>
+      </dsp:spPr>
+      <dsp:style>
+        <a:lnRef idx="2">
+          <a:scrgbClr r="0" g="0" b="0"/>
+        </a:lnRef>
+        <a:fillRef idx="1">
+          <a:scrgbClr r="0" g="0" b="0"/>
+        </a:fillRef>
+        <a:effectRef idx="0">
+          <a:scrgbClr r="0" g="0" b="0"/>
+        </a:effectRef>
+        <a:fontRef idx="minor">
+          <a:schemeClr val="lt1"/>
+        </a:fontRef>
+      </dsp:style>
+    </dsp:sp>
+    <dsp:sp modelId="{8B6617E4-3003-48B3-B454-3ABAD8F6C603}">
+      <dsp:nvSpPr>
+        <dsp:cNvPr id="0" name=""/>
+        <dsp:cNvSpPr/>
+      </dsp:nvSpPr>
+      <dsp:spPr>
+        <a:xfrm>
+          <a:off x="5911352" y="457963"/>
+          <a:ext cx="4332795" cy="2751325"/>
+        </a:xfrm>
+        <a:prstGeom prst="roundRect">
+          <a:avLst>
+            <a:gd name="adj" fmla="val 10000"/>
+          </a:avLst>
+        </a:prstGeom>
+        <a:solidFill>
+          <a:schemeClr val="lt2">
+            <a:alpha val="90000"/>
+            <a:hueOff val="0"/>
+            <a:satOff val="0"/>
+            <a:lumOff val="0"/>
+            <a:alphaOff val="0"/>
+          </a:schemeClr>
+        </a:solidFill>
+        <a:ln w="12700" cap="flat" cmpd="sng" algn="ctr">
+          <a:solidFill>
+            <a:schemeClr val="dk2">
+              <a:hueOff val="0"/>
+              <a:satOff val="0"/>
+              <a:lumOff val="0"/>
+              <a:alphaOff val="0"/>
+            </a:schemeClr>
+          </a:solidFill>
+          <a:prstDash val="solid"/>
+          <a:miter lim="800000"/>
+        </a:ln>
+        <a:effectLst/>
+      </dsp:spPr>
+      <dsp:style>
+        <a:lnRef idx="2">
+          <a:scrgbClr r="0" g="0" b="0"/>
+        </a:lnRef>
+        <a:fillRef idx="1">
+          <a:scrgbClr r="0" g="0" b="0"/>
+        </a:fillRef>
+        <a:effectRef idx="0">
+          <a:scrgbClr r="0" g="0" b="0"/>
+        </a:effectRef>
+        <a:fontRef idx="minor"/>
+      </dsp:style>
+      <dsp:txBody>
+        <a:bodyPr spcFirstLastPara="0" vert="horz" wrap="square" lIns="106680" tIns="106680" rIns="106680" bIns="106680" numCol="1" spcCol="1270" anchor="ctr" anchorCtr="0">
+          <a:noAutofit/>
+        </a:bodyPr>
+        <a:lstStyle/>
+        <a:p>
+          <a:pPr marL="0" lvl="0" indent="0" algn="ctr" defTabSz="1244600">
+            <a:lnSpc>
+              <a:spcPct val="90000"/>
+            </a:lnSpc>
+            <a:spcBef>
+              <a:spcPct val="0"/>
+            </a:spcBef>
+            <a:spcAft>
+              <a:spcPct val="35000"/>
+            </a:spcAft>
+            <a:buNone/>
+          </a:pPr>
+          <a:r>
+            <a:rPr lang="en-US" sz="2800" b="0" i="0" kern="1200"/>
+            <a:t>Typical Home Value vs different variables such as proximity to parks, access to healthcare, schools in the area, ect.</a:t>
+          </a:r>
+          <a:endParaRPr lang="en-US" sz="2800" kern="1200"/>
+        </a:p>
+      </dsp:txBody>
+      <dsp:txXfrm>
+        <a:off x="5991936" y="538547"/>
+        <a:ext cx="4171627" cy="2590157"/>
+      </dsp:txXfrm>
+    </dsp:sp>
+  </dsp:spTree>
+</dsp:drawing>
+</file>
+
+<file path=ppt/diagrams/drawing2.xml><?xml version="1.0" encoding="utf-8"?>
 <dsp:drawing xmlns:dgm="http://schemas.openxmlformats.org/drawingml/2006/diagram" xmlns:dsp="http://schemas.microsoft.com/office/drawing/2008/diagram" xmlns:a="http://schemas.openxmlformats.org/drawingml/2006/main">
   <dsp:spTree>
     <dsp:nvGrpSpPr>
@@ -1388,6 +2590,569 @@
 </file>
 
 <file path=ppt/diagrams/layout1.xml><?xml version="1.0" encoding="utf-8"?>
+<dgm:layoutDef xmlns:dgm="http://schemas.openxmlformats.org/drawingml/2006/diagram" xmlns:a="http://schemas.openxmlformats.org/drawingml/2006/main" uniqueId="urn:microsoft.com/office/officeart/2005/8/layout/hierarchy1">
+  <dgm:title val=""/>
+  <dgm:desc val=""/>
+  <dgm:catLst>
+    <dgm:cat type="hierarchy" pri="2000"/>
+  </dgm:catLst>
+  <dgm:sampData>
+    <dgm:dataModel>
+      <dgm:ptLst>
+        <dgm:pt modelId="0" type="doc"/>
+        <dgm:pt modelId="1">
+          <dgm:prSet phldr="1"/>
+        </dgm:pt>
+        <dgm:pt modelId="2">
+          <dgm:prSet phldr="1"/>
+        </dgm:pt>
+        <dgm:pt modelId="21">
+          <dgm:prSet phldr="1"/>
+        </dgm:pt>
+        <dgm:pt modelId="22">
+          <dgm:prSet phldr="1"/>
+        </dgm:pt>
+        <dgm:pt modelId="3">
+          <dgm:prSet phldr="1"/>
+        </dgm:pt>
+        <dgm:pt modelId="31">
+          <dgm:prSet phldr="1"/>
+        </dgm:pt>
+      </dgm:ptLst>
+      <dgm:cxnLst>
+        <dgm:cxn modelId="4" srcId="0" destId="1" srcOrd="0" destOrd="0"/>
+        <dgm:cxn modelId="5" srcId="1" destId="2" srcOrd="0" destOrd="0"/>
+        <dgm:cxn modelId="6" srcId="1" destId="3" srcOrd="1" destOrd="0"/>
+        <dgm:cxn modelId="23" srcId="2" destId="21" srcOrd="0" destOrd="0"/>
+        <dgm:cxn modelId="24" srcId="2" destId="22" srcOrd="1" destOrd="0"/>
+        <dgm:cxn modelId="33" srcId="3" destId="31" srcOrd="0" destOrd="0"/>
+      </dgm:cxnLst>
+      <dgm:bg/>
+      <dgm:whole/>
+    </dgm:dataModel>
+  </dgm:sampData>
+  <dgm:styleData>
+    <dgm:dataModel>
+      <dgm:ptLst>
+        <dgm:pt modelId="0" type="doc"/>
+        <dgm:pt modelId="1"/>
+        <dgm:pt modelId="11"/>
+        <dgm:pt modelId="12"/>
+      </dgm:ptLst>
+      <dgm:cxnLst>
+        <dgm:cxn modelId="2" srcId="0" destId="1" srcOrd="0" destOrd="0"/>
+        <dgm:cxn modelId="13" srcId="1" destId="11" srcOrd="0" destOrd="0"/>
+        <dgm:cxn modelId="14" srcId="1" destId="12" srcOrd="1" destOrd="0"/>
+      </dgm:cxnLst>
+      <dgm:bg/>
+      <dgm:whole/>
+    </dgm:dataModel>
+  </dgm:styleData>
+  <dgm:clrData>
+    <dgm:dataModel>
+      <dgm:ptLst>
+        <dgm:pt modelId="0" type="doc"/>
+        <dgm:pt modelId="1"/>
+        <dgm:pt modelId="2"/>
+        <dgm:pt modelId="21"/>
+        <dgm:pt modelId="211"/>
+        <dgm:pt modelId="3"/>
+        <dgm:pt modelId="31"/>
+        <dgm:pt modelId="311"/>
+      </dgm:ptLst>
+      <dgm:cxnLst>
+        <dgm:cxn modelId="4" srcId="0" destId="1" srcOrd="0" destOrd="0"/>
+        <dgm:cxn modelId="5" srcId="1" destId="2" srcOrd="0" destOrd="0"/>
+        <dgm:cxn modelId="6" srcId="1" destId="3" srcOrd="1" destOrd="0"/>
+        <dgm:cxn modelId="23" srcId="2" destId="21" srcOrd="0" destOrd="0"/>
+        <dgm:cxn modelId="24" srcId="21" destId="211" srcOrd="0" destOrd="0"/>
+        <dgm:cxn modelId="33" srcId="3" destId="31" srcOrd="0" destOrd="0"/>
+        <dgm:cxn modelId="34" srcId="31" destId="311" srcOrd="0" destOrd="0"/>
+      </dgm:cxnLst>
+      <dgm:bg/>
+      <dgm:whole/>
+    </dgm:dataModel>
+  </dgm:clrData>
+  <dgm:layoutNode name="hierChild1">
+    <dgm:varLst>
+      <dgm:chPref val="1"/>
+      <dgm:dir/>
+      <dgm:animOne val="branch"/>
+      <dgm:animLvl val="lvl"/>
+      <dgm:resizeHandles/>
+    </dgm:varLst>
+    <dgm:choose name="Name0">
+      <dgm:if name="Name1" func="var" arg="dir" op="equ" val="norm">
+        <dgm:alg type="hierChild">
+          <dgm:param type="linDir" val="fromL"/>
+        </dgm:alg>
+      </dgm:if>
+      <dgm:else name="Name2">
+        <dgm:alg type="hierChild">
+          <dgm:param type="linDir" val="fromR"/>
+        </dgm:alg>
+      </dgm:else>
+    </dgm:choose>
+    <dgm:shape xmlns:r="http://schemas.openxmlformats.org/officeDocument/2006/relationships" r:blip="">
+      <dgm:adjLst/>
+    </dgm:shape>
+    <dgm:presOf/>
+    <dgm:constrLst>
+      <dgm:constr type="primFontSz" for="des" ptType="node" op="equ" val="65"/>
+      <dgm:constr type="w" for="des" forName="composite" refType="w"/>
+      <dgm:constr type="h" for="des" forName="composite" refType="w" refFor="des" refForName="composite" fact="0.667"/>
+      <dgm:constr type="w" for="des" forName="composite2" refType="w" refFor="des" refForName="composite"/>
+      <dgm:constr type="h" for="des" forName="composite2" refType="h" refFor="des" refForName="composite"/>
+      <dgm:constr type="w" for="des" forName="composite3" refType="w" refFor="des" refForName="composite"/>
+      <dgm:constr type="h" for="des" forName="composite3" refType="h" refFor="des" refForName="composite"/>
+      <dgm:constr type="w" for="des" forName="composite4" refType="w" refFor="des" refForName="composite"/>
+      <dgm:constr type="h" for="des" forName="composite4" refType="h" refFor="des" refForName="composite"/>
+      <dgm:constr type="w" for="des" forName="composite5" refType="w" refFor="des" refForName="composite"/>
+      <dgm:constr type="h" for="des" forName="composite5" refType="h" refFor="des" refForName="composite"/>
+      <dgm:constr type="sibSp" refType="w" refFor="des" refForName="composite" fact="0.1"/>
+      <dgm:constr type="sibSp" for="des" forName="hierChild2" refType="sibSp"/>
+      <dgm:constr type="sibSp" for="des" forName="hierChild3" refType="sibSp"/>
+      <dgm:constr type="sibSp" for="des" forName="hierChild4" refType="sibSp"/>
+      <dgm:constr type="sibSp" for="des" forName="hierChild5" refType="sibSp"/>
+      <dgm:constr type="sibSp" for="des" forName="hierChild6" refType="sibSp"/>
+      <dgm:constr type="sp" for="des" forName="hierRoot1" refType="h" refFor="des" refForName="composite" fact="0.25"/>
+      <dgm:constr type="sp" for="des" forName="hierRoot2" refType="sp" refFor="des" refForName="hierRoot1"/>
+      <dgm:constr type="sp" for="des" forName="hierRoot3" refType="sp" refFor="des" refForName="hierRoot1"/>
+      <dgm:constr type="sp" for="des" forName="hierRoot4" refType="sp" refFor="des" refForName="hierRoot1"/>
+      <dgm:constr type="sp" for="des" forName="hierRoot5" refType="sp" refFor="des" refForName="hierRoot1"/>
+    </dgm:constrLst>
+    <dgm:ruleLst/>
+    <dgm:forEach name="Name3" axis="ch">
+      <dgm:forEach name="Name4" axis="self" ptType="node">
+        <dgm:layoutNode name="hierRoot1">
+          <dgm:alg type="hierRoot"/>
+          <dgm:shape xmlns:r="http://schemas.openxmlformats.org/officeDocument/2006/relationships" r:blip="">
+            <dgm:adjLst/>
+          </dgm:shape>
+          <dgm:presOf/>
+          <dgm:constrLst>
+            <dgm:constr type="bendDist" for="des" ptType="parTrans" refType="sp" fact="0.5"/>
+          </dgm:constrLst>
+          <dgm:ruleLst/>
+          <dgm:layoutNode name="composite">
+            <dgm:alg type="composite"/>
+            <dgm:shape xmlns:r="http://schemas.openxmlformats.org/officeDocument/2006/relationships" r:blip="">
+              <dgm:adjLst/>
+            </dgm:shape>
+            <dgm:presOf/>
+            <dgm:constrLst>
+              <dgm:constr type="w" for="ch" forName="background" refType="w" fact="0.9"/>
+              <dgm:constr type="h" for="ch" forName="background" refType="w" refFor="ch" refForName="background" fact="0.635"/>
+              <dgm:constr type="t" for="ch" forName="background"/>
+              <dgm:constr type="l" for="ch" forName="background"/>
+              <dgm:constr type="w" for="ch" forName="text" refType="w" fact="0.9"/>
+              <dgm:constr type="h" for="ch" forName="text" refType="w" refFor="ch" refForName="text" fact="0.635"/>
+              <dgm:constr type="t" for="ch" forName="text" refType="w" fact="0.095"/>
+              <dgm:constr type="l" for="ch" forName="text" refType="w" fact="0.1"/>
+            </dgm:constrLst>
+            <dgm:ruleLst/>
+            <dgm:layoutNode name="background" styleLbl="node0" moveWith="text">
+              <dgm:alg type="sp"/>
+              <dgm:shape xmlns:r="http://schemas.openxmlformats.org/officeDocument/2006/relationships" type="roundRect" r:blip="">
+                <dgm:adjLst>
+                  <dgm:adj idx="1" val="0.1"/>
+                </dgm:adjLst>
+              </dgm:shape>
+              <dgm:presOf/>
+              <dgm:constrLst/>
+              <dgm:ruleLst/>
+            </dgm:layoutNode>
+            <dgm:layoutNode name="text" styleLbl="fgAcc0">
+              <dgm:varLst>
+                <dgm:chPref val="3"/>
+              </dgm:varLst>
+              <dgm:alg type="tx"/>
+              <dgm:shape xmlns:r="http://schemas.openxmlformats.org/officeDocument/2006/relationships" type="roundRect" r:blip="">
+                <dgm:adjLst>
+                  <dgm:adj idx="1" val="0.1"/>
+                </dgm:adjLst>
+              </dgm:shape>
+              <dgm:presOf axis="self"/>
+              <dgm:constrLst>
+                <dgm:constr type="tMarg" refType="primFontSz" fact="0.3"/>
+                <dgm:constr type="bMarg" refType="primFontSz" fact="0.3"/>
+                <dgm:constr type="lMarg" refType="primFontSz" fact="0.3"/>
+                <dgm:constr type="rMarg" refType="primFontSz" fact="0.3"/>
+              </dgm:constrLst>
+              <dgm:ruleLst>
+                <dgm:rule type="primFontSz" val="5" fact="NaN" max="NaN"/>
+              </dgm:ruleLst>
+            </dgm:layoutNode>
+          </dgm:layoutNode>
+          <dgm:layoutNode name="hierChild2">
+            <dgm:choose name="Name5">
+              <dgm:if name="Name6" func="var" arg="dir" op="equ" val="norm">
+                <dgm:alg type="hierChild">
+                  <dgm:param type="linDir" val="fromL"/>
+                </dgm:alg>
+              </dgm:if>
+              <dgm:else name="Name7">
+                <dgm:alg type="hierChild">
+                  <dgm:param type="linDir" val="fromR"/>
+                </dgm:alg>
+              </dgm:else>
+            </dgm:choose>
+            <dgm:shape xmlns:r="http://schemas.openxmlformats.org/officeDocument/2006/relationships" r:blip="">
+              <dgm:adjLst/>
+            </dgm:shape>
+            <dgm:presOf/>
+            <dgm:constrLst/>
+            <dgm:ruleLst/>
+            <dgm:forEach name="Name8" axis="ch">
+              <dgm:forEach name="Name9" axis="self" ptType="parTrans" cnt="1">
+                <dgm:layoutNode name="Name10">
+                  <dgm:alg type="conn">
+                    <dgm:param type="dim" val="1D"/>
+                    <dgm:param type="endSty" val="noArr"/>
+                    <dgm:param type="connRout" val="bend"/>
+                    <dgm:param type="bendPt" val="end"/>
+                    <dgm:param type="begPts" val="bCtr"/>
+                    <dgm:param type="endPts" val="tCtr"/>
+                    <dgm:param type="srcNode" val="background"/>
+                    <dgm:param type="dstNode" val="background2"/>
+                  </dgm:alg>
+                  <dgm:shape xmlns:r="http://schemas.openxmlformats.org/officeDocument/2006/relationships" type="conn" r:blip="" zOrderOff="-999">
+                    <dgm:adjLst/>
+                  </dgm:shape>
+                  <dgm:presOf axis="self"/>
+                  <dgm:constrLst>
+                    <dgm:constr type="begPad"/>
+                    <dgm:constr type="endPad"/>
+                  </dgm:constrLst>
+                  <dgm:ruleLst/>
+                </dgm:layoutNode>
+              </dgm:forEach>
+              <dgm:forEach name="Name11" axis="self" ptType="node">
+                <dgm:layoutNode name="hierRoot2">
+                  <dgm:alg type="hierRoot"/>
+                  <dgm:shape xmlns:r="http://schemas.openxmlformats.org/officeDocument/2006/relationships" r:blip="">
+                    <dgm:adjLst/>
+                  </dgm:shape>
+                  <dgm:presOf/>
+                  <dgm:constrLst>
+                    <dgm:constr type="bendDist" for="des" ptType="parTrans" refType="sp" fact="0.5"/>
+                  </dgm:constrLst>
+                  <dgm:ruleLst/>
+                  <dgm:layoutNode name="composite2">
+                    <dgm:alg type="composite"/>
+                    <dgm:shape xmlns:r="http://schemas.openxmlformats.org/officeDocument/2006/relationships" r:blip="">
+                      <dgm:adjLst/>
+                    </dgm:shape>
+                    <dgm:presOf/>
+                    <dgm:constrLst>
+                      <dgm:constr type="w" for="ch" forName="background2" refType="w" fact="0.9"/>
+                      <dgm:constr type="h" for="ch" forName="background2" refType="w" refFor="ch" refForName="background2" fact="0.635"/>
+                      <dgm:constr type="t" for="ch" forName="background2"/>
+                      <dgm:constr type="l" for="ch" forName="background2"/>
+                      <dgm:constr type="w" for="ch" forName="text2" refType="w" fact="0.9"/>
+                      <dgm:constr type="h" for="ch" forName="text2" refType="w" refFor="ch" refForName="text2" fact="0.635"/>
+                      <dgm:constr type="t" for="ch" forName="text2" refType="w" fact="0.095"/>
+                      <dgm:constr type="l" for="ch" forName="text2" refType="w" fact="0.1"/>
+                    </dgm:constrLst>
+                    <dgm:ruleLst/>
+                    <dgm:layoutNode name="background2" moveWith="text2">
+                      <dgm:alg type="sp"/>
+                      <dgm:shape xmlns:r="http://schemas.openxmlformats.org/officeDocument/2006/relationships" type="roundRect" r:blip="">
+                        <dgm:adjLst>
+                          <dgm:adj idx="1" val="0.1"/>
+                        </dgm:adjLst>
+                      </dgm:shape>
+                      <dgm:presOf/>
+                      <dgm:constrLst/>
+                      <dgm:ruleLst/>
+                    </dgm:layoutNode>
+                    <dgm:layoutNode name="text2" styleLbl="fgAcc2">
+                      <dgm:varLst>
+                        <dgm:chPref val="3"/>
+                      </dgm:varLst>
+                      <dgm:alg type="tx"/>
+                      <dgm:shape xmlns:r="http://schemas.openxmlformats.org/officeDocument/2006/relationships" type="roundRect" r:blip="">
+                        <dgm:adjLst>
+                          <dgm:adj idx="1" val="0.1"/>
+                        </dgm:adjLst>
+                      </dgm:shape>
+                      <dgm:presOf axis="self"/>
+                      <dgm:constrLst>
+                        <dgm:constr type="tMarg" refType="primFontSz" fact="0.3"/>
+                        <dgm:constr type="bMarg" refType="primFontSz" fact="0.3"/>
+                        <dgm:constr type="lMarg" refType="primFontSz" fact="0.3"/>
+                        <dgm:constr type="rMarg" refType="primFontSz" fact="0.3"/>
+                      </dgm:constrLst>
+                      <dgm:ruleLst>
+                        <dgm:rule type="primFontSz" val="5" fact="NaN" max="NaN"/>
+                      </dgm:ruleLst>
+                    </dgm:layoutNode>
+                  </dgm:layoutNode>
+                  <dgm:layoutNode name="hierChild3">
+                    <dgm:choose name="Name12">
+                      <dgm:if name="Name13" func="var" arg="dir" op="equ" val="norm">
+                        <dgm:alg type="hierChild">
+                          <dgm:param type="linDir" val="fromL"/>
+                        </dgm:alg>
+                      </dgm:if>
+                      <dgm:else name="Name14">
+                        <dgm:alg type="hierChild">
+                          <dgm:param type="linDir" val="fromR"/>
+                        </dgm:alg>
+                      </dgm:else>
+                    </dgm:choose>
+                    <dgm:shape xmlns:r="http://schemas.openxmlformats.org/officeDocument/2006/relationships" r:blip="">
+                      <dgm:adjLst/>
+                    </dgm:shape>
+                    <dgm:presOf/>
+                    <dgm:constrLst/>
+                    <dgm:ruleLst/>
+                    <dgm:forEach name="Name15" axis="ch">
+                      <dgm:forEach name="Name16" axis="self" ptType="parTrans" cnt="1">
+                        <dgm:layoutNode name="Name17">
+                          <dgm:alg type="conn">
+                            <dgm:param type="dim" val="1D"/>
+                            <dgm:param type="endSty" val="noArr"/>
+                            <dgm:param type="connRout" val="bend"/>
+                            <dgm:param type="bendPt" val="end"/>
+                            <dgm:param type="begPts" val="bCtr"/>
+                            <dgm:param type="endPts" val="tCtr"/>
+                            <dgm:param type="srcNode" val="background2"/>
+                            <dgm:param type="dstNode" val="background3"/>
+                          </dgm:alg>
+                          <dgm:shape xmlns:r="http://schemas.openxmlformats.org/officeDocument/2006/relationships" type="conn" r:blip="" zOrderOff="-999">
+                            <dgm:adjLst/>
+                          </dgm:shape>
+                          <dgm:presOf axis="self"/>
+                          <dgm:constrLst>
+                            <dgm:constr type="begPad"/>
+                            <dgm:constr type="endPad"/>
+                          </dgm:constrLst>
+                          <dgm:ruleLst/>
+                        </dgm:layoutNode>
+                      </dgm:forEach>
+                      <dgm:forEach name="Name18" axis="self" ptType="node">
+                        <dgm:layoutNode name="hierRoot3">
+                          <dgm:alg type="hierRoot"/>
+                          <dgm:shape xmlns:r="http://schemas.openxmlformats.org/officeDocument/2006/relationships" r:blip="">
+                            <dgm:adjLst/>
+                          </dgm:shape>
+                          <dgm:presOf/>
+                          <dgm:constrLst>
+                            <dgm:constr type="bendDist" for="des" ptType="parTrans" refType="sp" fact="0.5"/>
+                          </dgm:constrLst>
+                          <dgm:ruleLst/>
+                          <dgm:layoutNode name="composite3">
+                            <dgm:alg type="composite"/>
+                            <dgm:shape xmlns:r="http://schemas.openxmlformats.org/officeDocument/2006/relationships" r:blip="">
+                              <dgm:adjLst/>
+                            </dgm:shape>
+                            <dgm:presOf/>
+                            <dgm:constrLst>
+                              <dgm:constr type="w" for="ch" forName="background3" refType="w" fact="0.9"/>
+                              <dgm:constr type="h" for="ch" forName="background3" refType="w" refFor="ch" refForName="background3" fact="0.635"/>
+                              <dgm:constr type="t" for="ch" forName="background3"/>
+                              <dgm:constr type="l" for="ch" forName="background3"/>
+                              <dgm:constr type="w" for="ch" forName="text3" refType="w" fact="0.9"/>
+                              <dgm:constr type="h" for="ch" forName="text3" refType="w" refFor="ch" refForName="text3" fact="0.635"/>
+                              <dgm:constr type="t" for="ch" forName="text3" refType="w" fact="0.095"/>
+                              <dgm:constr type="l" for="ch" forName="text3" refType="w" fact="0.1"/>
+                            </dgm:constrLst>
+                            <dgm:ruleLst/>
+                            <dgm:layoutNode name="background3" moveWith="text3">
+                              <dgm:alg type="sp"/>
+                              <dgm:shape xmlns:r="http://schemas.openxmlformats.org/officeDocument/2006/relationships" type="roundRect" r:blip="">
+                                <dgm:adjLst>
+                                  <dgm:adj idx="1" val="0.1"/>
+                                </dgm:adjLst>
+                              </dgm:shape>
+                              <dgm:presOf/>
+                              <dgm:constrLst/>
+                              <dgm:ruleLst/>
+                            </dgm:layoutNode>
+                            <dgm:layoutNode name="text3" styleLbl="fgAcc3">
+                              <dgm:varLst>
+                                <dgm:chPref val="3"/>
+                              </dgm:varLst>
+                              <dgm:alg type="tx"/>
+                              <dgm:shape xmlns:r="http://schemas.openxmlformats.org/officeDocument/2006/relationships" type="roundRect" r:blip="">
+                                <dgm:adjLst>
+                                  <dgm:adj idx="1" val="0.1"/>
+                                </dgm:adjLst>
+                              </dgm:shape>
+                              <dgm:presOf axis="self"/>
+                              <dgm:constrLst>
+                                <dgm:constr type="tMarg" refType="primFontSz" fact="0.3"/>
+                                <dgm:constr type="bMarg" refType="primFontSz" fact="0.3"/>
+                                <dgm:constr type="lMarg" refType="primFontSz" fact="0.3"/>
+                                <dgm:constr type="rMarg" refType="primFontSz" fact="0.3"/>
+                              </dgm:constrLst>
+                              <dgm:ruleLst>
+                                <dgm:rule type="primFontSz" val="5" fact="NaN" max="NaN"/>
+                              </dgm:ruleLst>
+                            </dgm:layoutNode>
+                          </dgm:layoutNode>
+                          <dgm:layoutNode name="hierChild4">
+                            <dgm:choose name="Name19">
+                              <dgm:if name="Name20" func="var" arg="dir" op="equ" val="norm">
+                                <dgm:alg type="hierChild">
+                                  <dgm:param type="linDir" val="fromL"/>
+                                </dgm:alg>
+                              </dgm:if>
+                              <dgm:else name="Name21">
+                                <dgm:alg type="hierChild">
+                                  <dgm:param type="linDir" val="fromR"/>
+                                </dgm:alg>
+                              </dgm:else>
+                            </dgm:choose>
+                            <dgm:shape xmlns:r="http://schemas.openxmlformats.org/officeDocument/2006/relationships" r:blip="">
+                              <dgm:adjLst/>
+                            </dgm:shape>
+                            <dgm:presOf/>
+                            <dgm:constrLst/>
+                            <dgm:ruleLst/>
+                            <dgm:forEach name="repeat" axis="ch">
+                              <dgm:forEach name="Name22" axis="self" ptType="parTrans" cnt="1">
+                                <dgm:layoutNode name="Name23">
+                                  <dgm:choose name="Name24">
+                                    <dgm:if name="Name25" axis="self" func="depth" op="lte" val="4">
+                                      <dgm:alg type="conn">
+                                        <dgm:param type="dim" val="1D"/>
+                                        <dgm:param type="endSty" val="noArr"/>
+                                        <dgm:param type="connRout" val="bend"/>
+                                        <dgm:param type="bendPt" val="end"/>
+                                        <dgm:param type="begPts" val="bCtr"/>
+                                        <dgm:param type="endPts" val="tCtr"/>
+                                        <dgm:param type="srcNode" val="background3"/>
+                                        <dgm:param type="dstNode" val="background4"/>
+                                      </dgm:alg>
+                                    </dgm:if>
+                                    <dgm:else name="Name26">
+                                      <dgm:alg type="conn">
+                                        <dgm:param type="dim" val="1D"/>
+                                        <dgm:param type="endSty" val="noArr"/>
+                                        <dgm:param type="connRout" val="bend"/>
+                                        <dgm:param type="bendPt" val="end"/>
+                                        <dgm:param type="begPts" val="bCtr"/>
+                                        <dgm:param type="endPts" val="tCtr"/>
+                                        <dgm:param type="srcNode" val="background4"/>
+                                        <dgm:param type="dstNode" val="background4"/>
+                                      </dgm:alg>
+                                    </dgm:else>
+                                  </dgm:choose>
+                                  <dgm:shape xmlns:r="http://schemas.openxmlformats.org/officeDocument/2006/relationships" type="conn" r:blip="" zOrderOff="-999">
+                                    <dgm:adjLst/>
+                                  </dgm:shape>
+                                  <dgm:presOf axis="self"/>
+                                  <dgm:constrLst>
+                                    <dgm:constr type="begPad"/>
+                                    <dgm:constr type="endPad"/>
+                                  </dgm:constrLst>
+                                  <dgm:ruleLst/>
+                                </dgm:layoutNode>
+                              </dgm:forEach>
+                              <dgm:forEach name="Name27" axis="self" ptType="node">
+                                <dgm:layoutNode name="hierRoot4">
+                                  <dgm:alg type="hierRoot"/>
+                                  <dgm:shape xmlns:r="http://schemas.openxmlformats.org/officeDocument/2006/relationships" r:blip="">
+                                    <dgm:adjLst/>
+                                  </dgm:shape>
+                                  <dgm:presOf/>
+                                  <dgm:constrLst>
+                                    <dgm:constr type="bendDist" for="des" ptType="parTrans" refType="sp" fact="0.5"/>
+                                  </dgm:constrLst>
+                                  <dgm:ruleLst/>
+                                  <dgm:layoutNode name="composite4">
+                                    <dgm:alg type="composite"/>
+                                    <dgm:shape xmlns:r="http://schemas.openxmlformats.org/officeDocument/2006/relationships" r:blip="">
+                                      <dgm:adjLst/>
+                                    </dgm:shape>
+                                    <dgm:presOf/>
+                                    <dgm:constrLst>
+                                      <dgm:constr type="w" for="ch" forName="background4" refType="w" fact="0.9"/>
+                                      <dgm:constr type="h" for="ch" forName="background4" refType="w" refFor="ch" refForName="background4" fact="0.635"/>
+                                      <dgm:constr type="t" for="ch" forName="background4"/>
+                                      <dgm:constr type="l" for="ch" forName="background4"/>
+                                      <dgm:constr type="w" for="ch" forName="text4" refType="w" fact="0.9"/>
+                                      <dgm:constr type="h" for="ch" forName="text4" refType="w" refFor="ch" refForName="text4" fact="0.635"/>
+                                      <dgm:constr type="t" for="ch" forName="text4" refType="w" fact="0.095"/>
+                                      <dgm:constr type="l" for="ch" forName="text4" refType="w" fact="0.1"/>
+                                    </dgm:constrLst>
+                                    <dgm:ruleLst/>
+                                    <dgm:layoutNode name="background4" moveWith="text4">
+                                      <dgm:alg type="sp"/>
+                                      <dgm:shape xmlns:r="http://schemas.openxmlformats.org/officeDocument/2006/relationships" type="roundRect" r:blip="">
+                                        <dgm:adjLst>
+                                          <dgm:adj idx="1" val="0.1"/>
+                                        </dgm:adjLst>
+                                      </dgm:shape>
+                                      <dgm:presOf/>
+                                      <dgm:constrLst/>
+                                      <dgm:ruleLst/>
+                                    </dgm:layoutNode>
+                                    <dgm:layoutNode name="text4" styleLbl="fgAcc4">
+                                      <dgm:varLst>
+                                        <dgm:chPref val="3"/>
+                                      </dgm:varLst>
+                                      <dgm:alg type="tx"/>
+                                      <dgm:shape xmlns:r="http://schemas.openxmlformats.org/officeDocument/2006/relationships" type="roundRect" r:blip="">
+                                        <dgm:adjLst>
+                                          <dgm:adj idx="1" val="0.1"/>
+                                        </dgm:adjLst>
+                                      </dgm:shape>
+                                      <dgm:presOf axis="self"/>
+                                      <dgm:constrLst>
+                                        <dgm:constr type="tMarg" refType="primFontSz" fact="0.3"/>
+                                        <dgm:constr type="bMarg" refType="primFontSz" fact="0.3"/>
+                                        <dgm:constr type="lMarg" refType="primFontSz" fact="0.3"/>
+                                        <dgm:constr type="rMarg" refType="primFontSz" fact="0.3"/>
+                                      </dgm:constrLst>
+                                      <dgm:ruleLst>
+                                        <dgm:rule type="primFontSz" val="5" fact="NaN" max="NaN"/>
+                                      </dgm:ruleLst>
+                                    </dgm:layoutNode>
+                                  </dgm:layoutNode>
+                                  <dgm:layoutNode name="hierChild5">
+                                    <dgm:choose name="Name28">
+                                      <dgm:if name="Name29" func="var" arg="dir" op="equ" val="norm">
+                                        <dgm:alg type="hierChild">
+                                          <dgm:param type="linDir" val="fromL"/>
+                                        </dgm:alg>
+                                      </dgm:if>
+                                      <dgm:else name="Name30">
+                                        <dgm:alg type="hierChild">
+                                          <dgm:param type="linDir" val="fromR"/>
+                                        </dgm:alg>
+                                      </dgm:else>
+                                    </dgm:choose>
+                                    <dgm:shape xmlns:r="http://schemas.openxmlformats.org/officeDocument/2006/relationships" r:blip="">
+                                      <dgm:adjLst/>
+                                    </dgm:shape>
+                                    <dgm:presOf/>
+                                    <dgm:constrLst/>
+                                    <dgm:ruleLst/>
+                                    <dgm:forEach name="Name31" ref="repeat"/>
+                                  </dgm:layoutNode>
+                                </dgm:layoutNode>
+                              </dgm:forEach>
+                            </dgm:forEach>
+                          </dgm:layoutNode>
+                        </dgm:layoutNode>
+                      </dgm:forEach>
+                    </dgm:forEach>
+                  </dgm:layoutNode>
+                </dgm:layoutNode>
+              </dgm:forEach>
+            </dgm:forEach>
+          </dgm:layoutNode>
+        </dgm:layoutNode>
+      </dgm:forEach>
+    </dgm:forEach>
+  </dgm:layoutNode>
+</dgm:layoutDef>
+</file>
+
+<file path=ppt/diagrams/layout2.xml><?xml version="1.0" encoding="utf-8"?>
 <dgm:layoutDef xmlns:dgm="http://schemas.openxmlformats.org/drawingml/2006/diagram" xmlns:a="http://schemas.openxmlformats.org/drawingml/2006/main" uniqueId="urn:microsoft.com/office/officeart/2005/8/layout/default">
   <dgm:title val=""/>
   <dgm:desc val=""/>
@@ -2568,6 +4333,1040 @@
 </dgm:styleDef>
 </file>
 
+<file path=ppt/diagrams/quickStyle2.xml><?xml version="1.0" encoding="utf-8"?>
+<dgm:styleDef xmlns:dgm="http://schemas.openxmlformats.org/drawingml/2006/diagram" xmlns:a="http://schemas.openxmlformats.org/drawingml/2006/main" uniqueId="urn:microsoft.com/office/officeart/2005/8/quickstyle/simple1">
+  <dgm:title val=""/>
+  <dgm:desc val=""/>
+  <dgm:catLst>
+    <dgm:cat type="simple" pri="10100"/>
+  </dgm:catLst>
+  <dgm:scene3d>
+    <a:camera prst="orthographicFront"/>
+    <a:lightRig rig="threePt" dir="t"/>
+  </dgm:scene3d>
+  <dgm:styleLbl name="node0">
+    <dgm:scene3d>
+      <a:camera prst="orthographicFront"/>
+      <a:lightRig rig="threePt" dir="t"/>
+    </dgm:scene3d>
+    <dgm:sp3d/>
+    <dgm:txPr/>
+    <dgm:style>
+      <a:lnRef idx="2">
+        <a:scrgbClr r="0" g="0" b="0"/>
+      </a:lnRef>
+      <a:fillRef idx="1">
+        <a:scrgbClr r="0" g="0" b="0"/>
+      </a:fillRef>
+      <a:effectRef idx="0">
+        <a:scrgbClr r="0" g="0" b="0"/>
+      </a:effectRef>
+      <a:fontRef idx="minor">
+        <a:schemeClr val="lt1"/>
+      </a:fontRef>
+    </dgm:style>
+  </dgm:styleLbl>
+  <dgm:styleLbl name="lnNode1">
+    <dgm:scene3d>
+      <a:camera prst="orthographicFront"/>
+      <a:lightRig rig="threePt" dir="t"/>
+    </dgm:scene3d>
+    <dgm:sp3d/>
+    <dgm:txPr/>
+    <dgm:style>
+      <a:lnRef idx="2">
+        <a:scrgbClr r="0" g="0" b="0"/>
+      </a:lnRef>
+      <a:fillRef idx="1">
+        <a:scrgbClr r="0" g="0" b="0"/>
+      </a:fillRef>
+      <a:effectRef idx="0">
+        <a:scrgbClr r="0" g="0" b="0"/>
+      </a:effectRef>
+      <a:fontRef idx="minor">
+        <a:schemeClr val="lt1"/>
+      </a:fontRef>
+    </dgm:style>
+  </dgm:styleLbl>
+  <dgm:styleLbl name="vennNode1">
+    <dgm:scene3d>
+      <a:camera prst="orthographicFront"/>
+      <a:lightRig rig="threePt" dir="t"/>
+    </dgm:scene3d>
+    <dgm:sp3d/>
+    <dgm:txPr/>
+    <dgm:style>
+      <a:lnRef idx="2">
+        <a:scrgbClr r="0" g="0" b="0"/>
+      </a:lnRef>
+      <a:fillRef idx="1">
+        <a:scrgbClr r="0" g="0" b="0"/>
+      </a:fillRef>
+      <a:effectRef idx="0">
+        <a:scrgbClr r="0" g="0" b="0"/>
+      </a:effectRef>
+      <a:fontRef idx="minor">
+        <a:schemeClr val="tx1"/>
+      </a:fontRef>
+    </dgm:style>
+  </dgm:styleLbl>
+  <dgm:styleLbl name="alignNode1">
+    <dgm:scene3d>
+      <a:camera prst="orthographicFront"/>
+      <a:lightRig rig="threePt" dir="t"/>
+    </dgm:scene3d>
+    <dgm:sp3d/>
+    <dgm:txPr/>
+    <dgm:style>
+      <a:lnRef idx="2">
+        <a:scrgbClr r="0" g="0" b="0"/>
+      </a:lnRef>
+      <a:fillRef idx="1">
+        <a:scrgbClr r="0" g="0" b="0"/>
+      </a:fillRef>
+      <a:effectRef idx="0">
+        <a:scrgbClr r="0" g="0" b="0"/>
+      </a:effectRef>
+      <a:fontRef idx="minor">
+        <a:schemeClr val="lt1"/>
+      </a:fontRef>
+    </dgm:style>
+  </dgm:styleLbl>
+  <dgm:styleLbl name="node1">
+    <dgm:scene3d>
+      <a:camera prst="orthographicFront"/>
+      <a:lightRig rig="threePt" dir="t"/>
+    </dgm:scene3d>
+    <dgm:sp3d/>
+    <dgm:txPr/>
+    <dgm:style>
+      <a:lnRef idx="2">
+        <a:scrgbClr r="0" g="0" b="0"/>
+      </a:lnRef>
+      <a:fillRef idx="1">
+        <a:scrgbClr r="0" g="0" b="0"/>
+      </a:fillRef>
+      <a:effectRef idx="0">
+        <a:scrgbClr r="0" g="0" b="0"/>
+      </a:effectRef>
+      <a:fontRef idx="minor">
+        <a:schemeClr val="lt1"/>
+      </a:fontRef>
+    </dgm:style>
+  </dgm:styleLbl>
+  <dgm:styleLbl name="node2">
+    <dgm:scene3d>
+      <a:camera prst="orthographicFront"/>
+      <a:lightRig rig="threePt" dir="t"/>
+    </dgm:scene3d>
+    <dgm:sp3d/>
+    <dgm:txPr/>
+    <dgm:style>
+      <a:lnRef idx="2">
+        <a:scrgbClr r="0" g="0" b="0"/>
+      </a:lnRef>
+      <a:fillRef idx="1">
+        <a:scrgbClr r="0" g="0" b="0"/>
+      </a:fillRef>
+      <a:effectRef idx="0">
+        <a:scrgbClr r="0" g="0" b="0"/>
+      </a:effectRef>
+      <a:fontRef idx="minor">
+        <a:schemeClr val="lt1"/>
+      </a:fontRef>
+    </dgm:style>
+  </dgm:styleLbl>
+  <dgm:styleLbl name="node3">
+    <dgm:scene3d>
+      <a:camera prst="orthographicFront"/>
+      <a:lightRig rig="threePt" dir="t"/>
+    </dgm:scene3d>
+    <dgm:sp3d/>
+    <dgm:txPr/>
+    <dgm:style>
+      <a:lnRef idx="2">
+        <a:scrgbClr r="0" g="0" b="0"/>
+      </a:lnRef>
+      <a:fillRef idx="1">
+        <a:scrgbClr r="0" g="0" b="0"/>
+      </a:fillRef>
+      <a:effectRef idx="0">
+        <a:scrgbClr r="0" g="0" b="0"/>
+      </a:effectRef>
+      <a:fontRef idx="minor">
+        <a:schemeClr val="lt1"/>
+      </a:fontRef>
+    </dgm:style>
+  </dgm:styleLbl>
+  <dgm:styleLbl name="node4">
+    <dgm:scene3d>
+      <a:camera prst="orthographicFront"/>
+      <a:lightRig rig="threePt" dir="t"/>
+    </dgm:scene3d>
+    <dgm:sp3d/>
+    <dgm:txPr/>
+    <dgm:style>
+      <a:lnRef idx="2">
+        <a:scrgbClr r="0" g="0" b="0"/>
+      </a:lnRef>
+      <a:fillRef idx="1">
+        <a:scrgbClr r="0" g="0" b="0"/>
+      </a:fillRef>
+      <a:effectRef idx="0">
+        <a:scrgbClr r="0" g="0" b="0"/>
+      </a:effectRef>
+      <a:fontRef idx="minor">
+        <a:schemeClr val="lt1"/>
+      </a:fontRef>
+    </dgm:style>
+  </dgm:styleLbl>
+  <dgm:styleLbl name="fgImgPlace1">
+    <dgm:scene3d>
+      <a:camera prst="orthographicFront"/>
+      <a:lightRig rig="threePt" dir="t"/>
+    </dgm:scene3d>
+    <dgm:sp3d/>
+    <dgm:txPr/>
+    <dgm:style>
+      <a:lnRef idx="2">
+        <a:scrgbClr r="0" g="0" b="0"/>
+      </a:lnRef>
+      <a:fillRef idx="1">
+        <a:scrgbClr r="0" g="0" b="0"/>
+      </a:fillRef>
+      <a:effectRef idx="0">
+        <a:scrgbClr r="0" g="0" b="0"/>
+      </a:effectRef>
+      <a:fontRef idx="minor"/>
+    </dgm:style>
+  </dgm:styleLbl>
+  <dgm:styleLbl name="alignImgPlace1">
+    <dgm:scene3d>
+      <a:camera prst="orthographicFront"/>
+      <a:lightRig rig="threePt" dir="t"/>
+    </dgm:scene3d>
+    <dgm:sp3d/>
+    <dgm:txPr/>
+    <dgm:style>
+      <a:lnRef idx="2">
+        <a:scrgbClr r="0" g="0" b="0"/>
+      </a:lnRef>
+      <a:fillRef idx="1">
+        <a:scrgbClr r="0" g="0" b="0"/>
+      </a:fillRef>
+      <a:effectRef idx="0">
+        <a:scrgbClr r="0" g="0" b="0"/>
+      </a:effectRef>
+      <a:fontRef idx="minor"/>
+    </dgm:style>
+  </dgm:styleLbl>
+  <dgm:styleLbl name="bgImgPlace1">
+    <dgm:scene3d>
+      <a:camera prst="orthographicFront"/>
+      <a:lightRig rig="threePt" dir="t"/>
+    </dgm:scene3d>
+    <dgm:sp3d/>
+    <dgm:txPr/>
+    <dgm:style>
+      <a:lnRef idx="2">
+        <a:scrgbClr r="0" g="0" b="0"/>
+      </a:lnRef>
+      <a:fillRef idx="1">
+        <a:scrgbClr r="0" g="0" b="0"/>
+      </a:fillRef>
+      <a:effectRef idx="0">
+        <a:scrgbClr r="0" g="0" b="0"/>
+      </a:effectRef>
+      <a:fontRef idx="minor"/>
+    </dgm:style>
+  </dgm:styleLbl>
+  <dgm:styleLbl name="sibTrans2D1">
+    <dgm:scene3d>
+      <a:camera prst="orthographicFront"/>
+      <a:lightRig rig="threePt" dir="t"/>
+    </dgm:scene3d>
+    <dgm:sp3d/>
+    <dgm:txPr/>
+    <dgm:style>
+      <a:lnRef idx="0">
+        <a:scrgbClr r="0" g="0" b="0"/>
+      </a:lnRef>
+      <a:fillRef idx="1">
+        <a:scrgbClr r="0" g="0" b="0"/>
+      </a:fillRef>
+      <a:effectRef idx="0">
+        <a:scrgbClr r="0" g="0" b="0"/>
+      </a:effectRef>
+      <a:fontRef idx="minor">
+        <a:schemeClr val="lt1"/>
+      </a:fontRef>
+    </dgm:style>
+  </dgm:styleLbl>
+  <dgm:styleLbl name="fgSibTrans2D1">
+    <dgm:scene3d>
+      <a:camera prst="orthographicFront"/>
+      <a:lightRig rig="threePt" dir="t"/>
+    </dgm:scene3d>
+    <dgm:sp3d/>
+    <dgm:txPr/>
+    <dgm:style>
+      <a:lnRef idx="0">
+        <a:scrgbClr r="0" g="0" b="0"/>
+      </a:lnRef>
+      <a:fillRef idx="1">
+        <a:scrgbClr r="0" g="0" b="0"/>
+      </a:fillRef>
+      <a:effectRef idx="0">
+        <a:scrgbClr r="0" g="0" b="0"/>
+      </a:effectRef>
+      <a:fontRef idx="minor">
+        <a:schemeClr val="lt1"/>
+      </a:fontRef>
+    </dgm:style>
+  </dgm:styleLbl>
+  <dgm:styleLbl name="bgSibTrans2D1">
+    <dgm:scene3d>
+      <a:camera prst="orthographicFront"/>
+      <a:lightRig rig="threePt" dir="t"/>
+    </dgm:scene3d>
+    <dgm:sp3d/>
+    <dgm:txPr/>
+    <dgm:style>
+      <a:lnRef idx="0">
+        <a:scrgbClr r="0" g="0" b="0"/>
+      </a:lnRef>
+      <a:fillRef idx="1">
+        <a:scrgbClr r="0" g="0" b="0"/>
+      </a:fillRef>
+      <a:effectRef idx="0">
+        <a:scrgbClr r="0" g="0" b="0"/>
+      </a:effectRef>
+      <a:fontRef idx="minor">
+        <a:schemeClr val="lt1"/>
+      </a:fontRef>
+    </dgm:style>
+  </dgm:styleLbl>
+  <dgm:styleLbl name="sibTrans1D1">
+    <dgm:scene3d>
+      <a:camera prst="orthographicFront"/>
+      <a:lightRig rig="threePt" dir="t"/>
+    </dgm:scene3d>
+    <dgm:sp3d/>
+    <dgm:txPr/>
+    <dgm:style>
+      <a:lnRef idx="1">
+        <a:scrgbClr r="0" g="0" b="0"/>
+      </a:lnRef>
+      <a:fillRef idx="0">
+        <a:scrgbClr r="0" g="0" b="0"/>
+      </a:fillRef>
+      <a:effectRef idx="0">
+        <a:scrgbClr r="0" g="0" b="0"/>
+      </a:effectRef>
+      <a:fontRef idx="minor"/>
+    </dgm:style>
+  </dgm:styleLbl>
+  <dgm:styleLbl name="callout">
+    <dgm:scene3d>
+      <a:camera prst="orthographicFront"/>
+      <a:lightRig rig="threePt" dir="t"/>
+    </dgm:scene3d>
+    <dgm:sp3d/>
+    <dgm:txPr/>
+    <dgm:style>
+      <a:lnRef idx="2">
+        <a:scrgbClr r="0" g="0" b="0"/>
+      </a:lnRef>
+      <a:fillRef idx="1">
+        <a:scrgbClr r="0" g="0" b="0"/>
+      </a:fillRef>
+      <a:effectRef idx="0">
+        <a:scrgbClr r="0" g="0" b="0"/>
+      </a:effectRef>
+      <a:fontRef idx="minor"/>
+    </dgm:style>
+  </dgm:styleLbl>
+  <dgm:styleLbl name="asst0">
+    <dgm:scene3d>
+      <a:camera prst="orthographicFront"/>
+      <a:lightRig rig="threePt" dir="t"/>
+    </dgm:scene3d>
+    <dgm:sp3d/>
+    <dgm:txPr/>
+    <dgm:style>
+      <a:lnRef idx="2">
+        <a:scrgbClr r="0" g="0" b="0"/>
+      </a:lnRef>
+      <a:fillRef idx="1">
+        <a:scrgbClr r="0" g="0" b="0"/>
+      </a:fillRef>
+      <a:effectRef idx="0">
+        <a:scrgbClr r="0" g="0" b="0"/>
+      </a:effectRef>
+      <a:fontRef idx="minor">
+        <a:schemeClr val="lt1"/>
+      </a:fontRef>
+    </dgm:style>
+  </dgm:styleLbl>
+  <dgm:styleLbl name="asst1">
+    <dgm:scene3d>
+      <a:camera prst="orthographicFront"/>
+      <a:lightRig rig="threePt" dir="t"/>
+    </dgm:scene3d>
+    <dgm:sp3d/>
+    <dgm:txPr/>
+    <dgm:style>
+      <a:lnRef idx="2">
+        <a:scrgbClr r="0" g="0" b="0"/>
+      </a:lnRef>
+      <a:fillRef idx="1">
+        <a:scrgbClr r="0" g="0" b="0"/>
+      </a:fillRef>
+      <a:effectRef idx="0">
+        <a:scrgbClr r="0" g="0" b="0"/>
+      </a:effectRef>
+      <a:fontRef idx="minor">
+        <a:schemeClr val="lt1"/>
+      </a:fontRef>
+    </dgm:style>
+  </dgm:styleLbl>
+  <dgm:styleLbl name="asst2">
+    <dgm:scene3d>
+      <a:camera prst="orthographicFront"/>
+      <a:lightRig rig="threePt" dir="t"/>
+    </dgm:scene3d>
+    <dgm:sp3d/>
+    <dgm:txPr/>
+    <dgm:style>
+      <a:lnRef idx="2">
+        <a:scrgbClr r="0" g="0" b="0"/>
+      </a:lnRef>
+      <a:fillRef idx="1">
+        <a:scrgbClr r="0" g="0" b="0"/>
+      </a:fillRef>
+      <a:effectRef idx="0">
+        <a:scrgbClr r="0" g="0" b="0"/>
+      </a:effectRef>
+      <a:fontRef idx="minor">
+        <a:schemeClr val="lt1"/>
+      </a:fontRef>
+    </dgm:style>
+  </dgm:styleLbl>
+  <dgm:styleLbl name="asst3">
+    <dgm:scene3d>
+      <a:camera prst="orthographicFront"/>
+      <a:lightRig rig="threePt" dir="t"/>
+    </dgm:scene3d>
+    <dgm:sp3d/>
+    <dgm:txPr/>
+    <dgm:style>
+      <a:lnRef idx="2">
+        <a:scrgbClr r="0" g="0" b="0"/>
+      </a:lnRef>
+      <a:fillRef idx="1">
+        <a:scrgbClr r="0" g="0" b="0"/>
+      </a:fillRef>
+      <a:effectRef idx="0">
+        <a:scrgbClr r="0" g="0" b="0"/>
+      </a:effectRef>
+      <a:fontRef idx="minor">
+        <a:schemeClr val="lt1"/>
+      </a:fontRef>
+    </dgm:style>
+  </dgm:styleLbl>
+  <dgm:styleLbl name="asst4">
+    <dgm:scene3d>
+      <a:camera prst="orthographicFront"/>
+      <a:lightRig rig="threePt" dir="t"/>
+    </dgm:scene3d>
+    <dgm:sp3d/>
+    <dgm:txPr/>
+    <dgm:style>
+      <a:lnRef idx="2">
+        <a:scrgbClr r="0" g="0" b="0"/>
+      </a:lnRef>
+      <a:fillRef idx="1">
+        <a:scrgbClr r="0" g="0" b="0"/>
+      </a:fillRef>
+      <a:effectRef idx="0">
+        <a:scrgbClr r="0" g="0" b="0"/>
+      </a:effectRef>
+      <a:fontRef idx="minor">
+        <a:schemeClr val="lt1"/>
+      </a:fontRef>
+    </dgm:style>
+  </dgm:styleLbl>
+  <dgm:styleLbl name="parChTrans2D1">
+    <dgm:scene3d>
+      <a:camera prst="orthographicFront"/>
+      <a:lightRig rig="threePt" dir="t"/>
+    </dgm:scene3d>
+    <dgm:sp3d/>
+    <dgm:txPr/>
+    <dgm:style>
+      <a:lnRef idx="2">
+        <a:scrgbClr r="0" g="0" b="0"/>
+      </a:lnRef>
+      <a:fillRef idx="1">
+        <a:scrgbClr r="0" g="0" b="0"/>
+      </a:fillRef>
+      <a:effectRef idx="0">
+        <a:scrgbClr r="0" g="0" b="0"/>
+      </a:effectRef>
+      <a:fontRef idx="minor">
+        <a:schemeClr val="lt1"/>
+      </a:fontRef>
+    </dgm:style>
+  </dgm:styleLbl>
+  <dgm:styleLbl name="parChTrans2D2">
+    <dgm:scene3d>
+      <a:camera prst="orthographicFront"/>
+      <a:lightRig rig="threePt" dir="t"/>
+    </dgm:scene3d>
+    <dgm:sp3d/>
+    <dgm:txPr/>
+    <dgm:style>
+      <a:lnRef idx="2">
+        <a:scrgbClr r="0" g="0" b="0"/>
+      </a:lnRef>
+      <a:fillRef idx="1">
+        <a:scrgbClr r="0" g="0" b="0"/>
+      </a:fillRef>
+      <a:effectRef idx="0">
+        <a:scrgbClr r="0" g="0" b="0"/>
+      </a:effectRef>
+      <a:fontRef idx="minor">
+        <a:schemeClr val="lt1"/>
+      </a:fontRef>
+    </dgm:style>
+  </dgm:styleLbl>
+  <dgm:styleLbl name="parChTrans2D3">
+    <dgm:scene3d>
+      <a:camera prst="orthographicFront"/>
+      <a:lightRig rig="threePt" dir="t"/>
+    </dgm:scene3d>
+    <dgm:sp3d/>
+    <dgm:txPr/>
+    <dgm:style>
+      <a:lnRef idx="2">
+        <a:scrgbClr r="0" g="0" b="0"/>
+      </a:lnRef>
+      <a:fillRef idx="1">
+        <a:scrgbClr r="0" g="0" b="0"/>
+      </a:fillRef>
+      <a:effectRef idx="0">
+        <a:scrgbClr r="0" g="0" b="0"/>
+      </a:effectRef>
+      <a:fontRef idx="minor">
+        <a:schemeClr val="lt1"/>
+      </a:fontRef>
+    </dgm:style>
+  </dgm:styleLbl>
+  <dgm:styleLbl name="parChTrans2D4">
+    <dgm:scene3d>
+      <a:camera prst="orthographicFront"/>
+      <a:lightRig rig="threePt" dir="t"/>
+    </dgm:scene3d>
+    <dgm:sp3d/>
+    <dgm:txPr/>
+    <dgm:style>
+      <a:lnRef idx="2">
+        <a:scrgbClr r="0" g="0" b="0"/>
+      </a:lnRef>
+      <a:fillRef idx="1">
+        <a:scrgbClr r="0" g="0" b="0"/>
+      </a:fillRef>
+      <a:effectRef idx="0">
+        <a:scrgbClr r="0" g="0" b="0"/>
+      </a:effectRef>
+      <a:fontRef idx="minor">
+        <a:schemeClr val="lt1"/>
+      </a:fontRef>
+    </dgm:style>
+  </dgm:styleLbl>
+  <dgm:styleLbl name="parChTrans1D1">
+    <dgm:scene3d>
+      <a:camera prst="orthographicFront"/>
+      <a:lightRig rig="threePt" dir="t"/>
+    </dgm:scene3d>
+    <dgm:sp3d/>
+    <dgm:txPr/>
+    <dgm:style>
+      <a:lnRef idx="2">
+        <a:scrgbClr r="0" g="0" b="0"/>
+      </a:lnRef>
+      <a:fillRef idx="0">
+        <a:scrgbClr r="0" g="0" b="0"/>
+      </a:fillRef>
+      <a:effectRef idx="0">
+        <a:scrgbClr r="0" g="0" b="0"/>
+      </a:effectRef>
+      <a:fontRef idx="minor"/>
+    </dgm:style>
+  </dgm:styleLbl>
+  <dgm:styleLbl name="parChTrans1D2">
+    <dgm:scene3d>
+      <a:camera prst="orthographicFront"/>
+      <a:lightRig rig="threePt" dir="t"/>
+    </dgm:scene3d>
+    <dgm:sp3d/>
+    <dgm:txPr/>
+    <dgm:style>
+      <a:lnRef idx="2">
+        <a:scrgbClr r="0" g="0" b="0"/>
+      </a:lnRef>
+      <a:fillRef idx="0">
+        <a:scrgbClr r="0" g="0" b="0"/>
+      </a:fillRef>
+      <a:effectRef idx="0">
+        <a:scrgbClr r="0" g="0" b="0"/>
+      </a:effectRef>
+      <a:fontRef idx="minor"/>
+    </dgm:style>
+  </dgm:styleLbl>
+  <dgm:styleLbl name="parChTrans1D3">
+    <dgm:scene3d>
+      <a:camera prst="orthographicFront"/>
+      <a:lightRig rig="threePt" dir="t"/>
+    </dgm:scene3d>
+    <dgm:sp3d/>
+    <dgm:txPr/>
+    <dgm:style>
+      <a:lnRef idx="2">
+        <a:scrgbClr r="0" g="0" b="0"/>
+      </a:lnRef>
+      <a:fillRef idx="0">
+        <a:scrgbClr r="0" g="0" b="0"/>
+      </a:fillRef>
+      <a:effectRef idx="0">
+        <a:scrgbClr r="0" g="0" b="0"/>
+      </a:effectRef>
+      <a:fontRef idx="minor"/>
+    </dgm:style>
+  </dgm:styleLbl>
+  <dgm:styleLbl name="parChTrans1D4">
+    <dgm:scene3d>
+      <a:camera prst="orthographicFront"/>
+      <a:lightRig rig="threePt" dir="t"/>
+    </dgm:scene3d>
+    <dgm:sp3d/>
+    <dgm:txPr/>
+    <dgm:style>
+      <a:lnRef idx="2">
+        <a:scrgbClr r="0" g="0" b="0"/>
+      </a:lnRef>
+      <a:fillRef idx="0">
+        <a:scrgbClr r="0" g="0" b="0"/>
+      </a:fillRef>
+      <a:effectRef idx="0">
+        <a:scrgbClr r="0" g="0" b="0"/>
+      </a:effectRef>
+      <a:fontRef idx="minor"/>
+    </dgm:style>
+  </dgm:styleLbl>
+  <dgm:styleLbl name="fgAcc1">
+    <dgm:scene3d>
+      <a:camera prst="orthographicFront"/>
+      <a:lightRig rig="threePt" dir="t"/>
+    </dgm:scene3d>
+    <dgm:sp3d/>
+    <dgm:txPr/>
+    <dgm:style>
+      <a:lnRef idx="2">
+        <a:scrgbClr r="0" g="0" b="0"/>
+      </a:lnRef>
+      <a:fillRef idx="1">
+        <a:scrgbClr r="0" g="0" b="0"/>
+      </a:fillRef>
+      <a:effectRef idx="0">
+        <a:scrgbClr r="0" g="0" b="0"/>
+      </a:effectRef>
+      <a:fontRef idx="minor"/>
+    </dgm:style>
+  </dgm:styleLbl>
+  <dgm:styleLbl name="conFgAcc1">
+    <dgm:scene3d>
+      <a:camera prst="orthographicFront"/>
+      <a:lightRig rig="threePt" dir="t"/>
+    </dgm:scene3d>
+    <dgm:sp3d/>
+    <dgm:txPr/>
+    <dgm:style>
+      <a:lnRef idx="2">
+        <a:scrgbClr r="0" g="0" b="0"/>
+      </a:lnRef>
+      <a:fillRef idx="1">
+        <a:scrgbClr r="0" g="0" b="0"/>
+      </a:fillRef>
+      <a:effectRef idx="0">
+        <a:scrgbClr r="0" g="0" b="0"/>
+      </a:effectRef>
+      <a:fontRef idx="minor"/>
+    </dgm:style>
+  </dgm:styleLbl>
+  <dgm:styleLbl name="alignAcc1">
+    <dgm:scene3d>
+      <a:camera prst="orthographicFront"/>
+      <a:lightRig rig="threePt" dir="t"/>
+    </dgm:scene3d>
+    <dgm:sp3d/>
+    <dgm:txPr/>
+    <dgm:style>
+      <a:lnRef idx="2">
+        <a:scrgbClr r="0" g="0" b="0"/>
+      </a:lnRef>
+      <a:fillRef idx="1">
+        <a:scrgbClr r="0" g="0" b="0"/>
+      </a:fillRef>
+      <a:effectRef idx="0">
+        <a:scrgbClr r="0" g="0" b="0"/>
+      </a:effectRef>
+      <a:fontRef idx="minor"/>
+    </dgm:style>
+  </dgm:styleLbl>
+  <dgm:styleLbl name="trAlignAcc1">
+    <dgm:scene3d>
+      <a:camera prst="orthographicFront"/>
+      <a:lightRig rig="threePt" dir="t"/>
+    </dgm:scene3d>
+    <dgm:sp3d/>
+    <dgm:txPr/>
+    <dgm:style>
+      <a:lnRef idx="1">
+        <a:scrgbClr r="0" g="0" b="0"/>
+      </a:lnRef>
+      <a:fillRef idx="1">
+        <a:scrgbClr r="0" g="0" b="0"/>
+      </a:fillRef>
+      <a:effectRef idx="0">
+        <a:scrgbClr r="0" g="0" b="0"/>
+      </a:effectRef>
+      <a:fontRef idx="minor"/>
+    </dgm:style>
+  </dgm:styleLbl>
+  <dgm:styleLbl name="bgAcc1">
+    <dgm:scene3d>
+      <a:camera prst="orthographicFront"/>
+      <a:lightRig rig="threePt" dir="t"/>
+    </dgm:scene3d>
+    <dgm:sp3d/>
+    <dgm:txPr/>
+    <dgm:style>
+      <a:lnRef idx="2">
+        <a:scrgbClr r="0" g="0" b="0"/>
+      </a:lnRef>
+      <a:fillRef idx="1">
+        <a:scrgbClr r="0" g="0" b="0"/>
+      </a:fillRef>
+      <a:effectRef idx="0">
+        <a:scrgbClr r="0" g="0" b="0"/>
+      </a:effectRef>
+      <a:fontRef idx="minor"/>
+    </dgm:style>
+  </dgm:styleLbl>
+  <dgm:styleLbl name="solidFgAcc1">
+    <dgm:scene3d>
+      <a:camera prst="orthographicFront"/>
+      <a:lightRig rig="threePt" dir="t"/>
+    </dgm:scene3d>
+    <dgm:sp3d/>
+    <dgm:txPr/>
+    <dgm:style>
+      <a:lnRef idx="2">
+        <a:scrgbClr r="0" g="0" b="0"/>
+      </a:lnRef>
+      <a:fillRef idx="1">
+        <a:scrgbClr r="0" g="0" b="0"/>
+      </a:fillRef>
+      <a:effectRef idx="0">
+        <a:scrgbClr r="0" g="0" b="0"/>
+      </a:effectRef>
+      <a:fontRef idx="minor"/>
+    </dgm:style>
+  </dgm:styleLbl>
+  <dgm:styleLbl name="solidAlignAcc1">
+    <dgm:scene3d>
+      <a:camera prst="orthographicFront"/>
+      <a:lightRig rig="threePt" dir="t"/>
+    </dgm:scene3d>
+    <dgm:sp3d/>
+    <dgm:txPr/>
+    <dgm:style>
+      <a:lnRef idx="2">
+        <a:scrgbClr r="0" g="0" b="0"/>
+      </a:lnRef>
+      <a:fillRef idx="1">
+        <a:scrgbClr r="0" g="0" b="0"/>
+      </a:fillRef>
+      <a:effectRef idx="0">
+        <a:scrgbClr r="0" g="0" b="0"/>
+      </a:effectRef>
+      <a:fontRef idx="minor"/>
+    </dgm:style>
+  </dgm:styleLbl>
+  <dgm:styleLbl name="solidBgAcc1">
+    <dgm:scene3d>
+      <a:camera prst="orthographicFront"/>
+      <a:lightRig rig="threePt" dir="t"/>
+    </dgm:scene3d>
+    <dgm:sp3d/>
+    <dgm:txPr/>
+    <dgm:style>
+      <a:lnRef idx="2">
+        <a:scrgbClr r="0" g="0" b="0"/>
+      </a:lnRef>
+      <a:fillRef idx="1">
+        <a:scrgbClr r="0" g="0" b="0"/>
+      </a:fillRef>
+      <a:effectRef idx="0">
+        <a:scrgbClr r="0" g="0" b="0"/>
+      </a:effectRef>
+      <a:fontRef idx="minor"/>
+    </dgm:style>
+  </dgm:styleLbl>
+  <dgm:styleLbl name="fgAccFollowNode1">
+    <dgm:scene3d>
+      <a:camera prst="orthographicFront"/>
+      <a:lightRig rig="threePt" dir="t"/>
+    </dgm:scene3d>
+    <dgm:sp3d/>
+    <dgm:txPr/>
+    <dgm:style>
+      <a:lnRef idx="2">
+        <a:scrgbClr r="0" g="0" b="0"/>
+      </a:lnRef>
+      <a:fillRef idx="1">
+        <a:scrgbClr r="0" g="0" b="0"/>
+      </a:fillRef>
+      <a:effectRef idx="0">
+        <a:scrgbClr r="0" g="0" b="0"/>
+      </a:effectRef>
+      <a:fontRef idx="minor"/>
+    </dgm:style>
+  </dgm:styleLbl>
+  <dgm:styleLbl name="alignAccFollowNode1">
+    <dgm:scene3d>
+      <a:camera prst="orthographicFront"/>
+      <a:lightRig rig="threePt" dir="t"/>
+    </dgm:scene3d>
+    <dgm:sp3d/>
+    <dgm:txPr/>
+    <dgm:style>
+      <a:lnRef idx="2">
+        <a:scrgbClr r="0" g="0" b="0"/>
+      </a:lnRef>
+      <a:fillRef idx="1">
+        <a:scrgbClr r="0" g="0" b="0"/>
+      </a:fillRef>
+      <a:effectRef idx="0">
+        <a:scrgbClr r="0" g="0" b="0"/>
+      </a:effectRef>
+      <a:fontRef idx="minor"/>
+    </dgm:style>
+  </dgm:styleLbl>
+  <dgm:styleLbl name="bgAccFollowNode1">
+    <dgm:scene3d>
+      <a:camera prst="orthographicFront"/>
+      <a:lightRig rig="threePt" dir="t"/>
+    </dgm:scene3d>
+    <dgm:sp3d/>
+    <dgm:txPr/>
+    <dgm:style>
+      <a:lnRef idx="2">
+        <a:scrgbClr r="0" g="0" b="0"/>
+      </a:lnRef>
+      <a:fillRef idx="1">
+        <a:scrgbClr r="0" g="0" b="0"/>
+      </a:fillRef>
+      <a:effectRef idx="0">
+        <a:scrgbClr r="0" g="0" b="0"/>
+      </a:effectRef>
+      <a:fontRef idx="minor"/>
+    </dgm:style>
+  </dgm:styleLbl>
+  <dgm:styleLbl name="fgAcc0">
+    <dgm:scene3d>
+      <a:camera prst="orthographicFront"/>
+      <a:lightRig rig="threePt" dir="t"/>
+    </dgm:scene3d>
+    <dgm:sp3d/>
+    <dgm:txPr/>
+    <dgm:style>
+      <a:lnRef idx="2">
+        <a:scrgbClr r="0" g="0" b="0"/>
+      </a:lnRef>
+      <a:fillRef idx="1">
+        <a:scrgbClr r="0" g="0" b="0"/>
+      </a:fillRef>
+      <a:effectRef idx="0">
+        <a:scrgbClr r="0" g="0" b="0"/>
+      </a:effectRef>
+      <a:fontRef idx="minor"/>
+    </dgm:style>
+  </dgm:styleLbl>
+  <dgm:styleLbl name="fgAcc2">
+    <dgm:scene3d>
+      <a:camera prst="orthographicFront"/>
+      <a:lightRig rig="threePt" dir="t"/>
+    </dgm:scene3d>
+    <dgm:sp3d/>
+    <dgm:txPr/>
+    <dgm:style>
+      <a:lnRef idx="2">
+        <a:scrgbClr r="0" g="0" b="0"/>
+      </a:lnRef>
+      <a:fillRef idx="1">
+        <a:scrgbClr r="0" g="0" b="0"/>
+      </a:fillRef>
+      <a:effectRef idx="0">
+        <a:scrgbClr r="0" g="0" b="0"/>
+      </a:effectRef>
+      <a:fontRef idx="minor"/>
+    </dgm:style>
+  </dgm:styleLbl>
+  <dgm:styleLbl name="fgAcc3">
+    <dgm:scene3d>
+      <a:camera prst="orthographicFront"/>
+      <a:lightRig rig="threePt" dir="t"/>
+    </dgm:scene3d>
+    <dgm:sp3d/>
+    <dgm:txPr/>
+    <dgm:style>
+      <a:lnRef idx="2">
+        <a:scrgbClr r="0" g="0" b="0"/>
+      </a:lnRef>
+      <a:fillRef idx="1">
+        <a:scrgbClr r="0" g="0" b="0"/>
+      </a:fillRef>
+      <a:effectRef idx="0">
+        <a:scrgbClr r="0" g="0" b="0"/>
+      </a:effectRef>
+      <a:fontRef idx="minor"/>
+    </dgm:style>
+  </dgm:styleLbl>
+  <dgm:styleLbl name="fgAcc4">
+    <dgm:scene3d>
+      <a:camera prst="orthographicFront"/>
+      <a:lightRig rig="threePt" dir="t"/>
+    </dgm:scene3d>
+    <dgm:sp3d/>
+    <dgm:txPr/>
+    <dgm:style>
+      <a:lnRef idx="2">
+        <a:scrgbClr r="0" g="0" b="0"/>
+      </a:lnRef>
+      <a:fillRef idx="1">
+        <a:scrgbClr r="0" g="0" b="0"/>
+      </a:fillRef>
+      <a:effectRef idx="0">
+        <a:scrgbClr r="0" g="0" b="0"/>
+      </a:effectRef>
+      <a:fontRef idx="minor"/>
+    </dgm:style>
+  </dgm:styleLbl>
+  <dgm:styleLbl name="bgShp">
+    <dgm:scene3d>
+      <a:camera prst="orthographicFront"/>
+      <a:lightRig rig="threePt" dir="t"/>
+    </dgm:scene3d>
+    <dgm:sp3d/>
+    <dgm:txPr/>
+    <dgm:style>
+      <a:lnRef idx="0">
+        <a:scrgbClr r="0" g="0" b="0"/>
+      </a:lnRef>
+      <a:fillRef idx="1">
+        <a:scrgbClr r="0" g="0" b="0"/>
+      </a:fillRef>
+      <a:effectRef idx="0">
+        <a:scrgbClr r="0" g="0" b="0"/>
+      </a:effectRef>
+      <a:fontRef idx="minor"/>
+    </dgm:style>
+  </dgm:styleLbl>
+  <dgm:styleLbl name="dkBgShp">
+    <dgm:scene3d>
+      <a:camera prst="orthographicFront"/>
+      <a:lightRig rig="threePt" dir="t"/>
+    </dgm:scene3d>
+    <dgm:sp3d/>
+    <dgm:txPr/>
+    <dgm:style>
+      <a:lnRef idx="0">
+        <a:scrgbClr r="0" g="0" b="0"/>
+      </a:lnRef>
+      <a:fillRef idx="1">
+        <a:scrgbClr r="0" g="0" b="0"/>
+      </a:fillRef>
+      <a:effectRef idx="0">
+        <a:scrgbClr r="0" g="0" b="0"/>
+      </a:effectRef>
+      <a:fontRef idx="minor"/>
+    </dgm:style>
+  </dgm:styleLbl>
+  <dgm:styleLbl name="trBgShp">
+    <dgm:scene3d>
+      <a:camera prst="orthographicFront"/>
+      <a:lightRig rig="threePt" dir="t"/>
+    </dgm:scene3d>
+    <dgm:sp3d/>
+    <dgm:txPr/>
+    <dgm:style>
+      <a:lnRef idx="0">
+        <a:scrgbClr r="0" g="0" b="0"/>
+      </a:lnRef>
+      <a:fillRef idx="1">
+        <a:scrgbClr r="0" g="0" b="0"/>
+      </a:fillRef>
+      <a:effectRef idx="0">
+        <a:scrgbClr r="0" g="0" b="0"/>
+      </a:effectRef>
+      <a:fontRef idx="minor"/>
+    </dgm:style>
+  </dgm:styleLbl>
+  <dgm:styleLbl name="fgShp">
+    <dgm:scene3d>
+      <a:camera prst="orthographicFront"/>
+      <a:lightRig rig="threePt" dir="t"/>
+    </dgm:scene3d>
+    <dgm:sp3d/>
+    <dgm:txPr/>
+    <dgm:style>
+      <a:lnRef idx="2">
+        <a:scrgbClr r="0" g="0" b="0"/>
+      </a:lnRef>
+      <a:fillRef idx="1">
+        <a:scrgbClr r="0" g="0" b="0"/>
+      </a:fillRef>
+      <a:effectRef idx="0">
+        <a:scrgbClr r="0" g="0" b="0"/>
+      </a:effectRef>
+      <a:fontRef idx="minor"/>
+    </dgm:style>
+  </dgm:styleLbl>
+  <dgm:styleLbl name="revTx">
+    <dgm:scene3d>
+      <a:camera prst="orthographicFront"/>
+      <a:lightRig rig="threePt" dir="t"/>
+    </dgm:scene3d>
+    <dgm:sp3d/>
+    <dgm:txPr/>
+    <dgm:style>
+      <a:lnRef idx="0">
+        <a:scrgbClr r="0" g="0" b="0"/>
+      </a:lnRef>
+      <a:fillRef idx="0">
+        <a:scrgbClr r="0" g="0" b="0"/>
+      </a:fillRef>
+      <a:effectRef idx="0">
+        <a:scrgbClr r="0" g="0" b="0"/>
+      </a:effectRef>
+      <a:fontRef idx="minor"/>
+    </dgm:style>
+  </dgm:styleLbl>
+</dgm:styleDef>
+</file>
+
 <file path=ppt/notesMasters/notesMaster1.xml><?xml version="1.0" encoding="utf-8"?>
 <p:notesMaster xmlns:a="http://schemas.openxmlformats.org/drawingml/2006/main" xmlns:r="http://schemas.openxmlformats.org/officeDocument/2006/relationships" xmlns:p="http://schemas.openxmlformats.org/presentationml/2006/main">
   <p:cSld>
@@ -2982,7 +5781,7 @@
           <a:p>
             <a:fld id="{81877F35-DD72-4AEE-98C4-BACA01E52352}" type="slidenum">
               <a:rPr lang="en-US" smtClean="0"/>
-              <a:t>15</a:t>
+              <a:t>14</a:t>
             </a:fld>
             <a:endParaRPr lang="en-US"/>
           </a:p>
@@ -3066,7 +5865,7 @@
           <a:p>
             <a:fld id="{6624EA6F-41C5-8449-8FBC-886BDC0FF6B4}" type="slidenum">
               <a:rPr lang="en-US" smtClean="0"/>
-              <a:t>18</a:t>
+              <a:t>17</a:t>
             </a:fld>
             <a:endParaRPr lang="en-US"/>
           </a:p>
@@ -6726,433 +9525,6 @@
 </file>
 
 <file path=ppt/slides/slide10.xml><?xml version="1.0" encoding="utf-8"?>
-<p:sld xmlns:a="http://schemas.openxmlformats.org/drawingml/2006/main" xmlns:r="http://schemas.openxmlformats.org/officeDocument/2006/relationships" xmlns:p="http://schemas.openxmlformats.org/presentationml/2006/main">
-  <p:cSld>
-    <p:bg>
-      <p:bgPr>
-        <a:solidFill>
-          <a:schemeClr val="bg1"/>
-        </a:solidFill>
-        <a:effectLst/>
-      </p:bgPr>
-    </p:bg>
-    <p:spTree>
-      <p:nvGrpSpPr>
-        <p:cNvPr id="1" name=""/>
-        <p:cNvGrpSpPr/>
-        <p:nvPr/>
-      </p:nvGrpSpPr>
-      <p:grpSpPr>
-        <a:xfrm>
-          <a:off x="0" y="0"/>
-          <a:ext cx="0" cy="0"/>
-          <a:chOff x="0" y="0"/>
-          <a:chExt cx="0" cy="0"/>
-        </a:xfrm>
-      </p:grpSpPr>
-      <p:sp useBgFill="1">
-        <p:nvSpPr>
-          <p:cNvPr id="38" name="Rectangle 37">
-            <a:extLst>
-              <a:ext uri="{FF2B5EF4-FFF2-40B4-BE49-F238E27FC236}">
-                <a16:creationId xmlns:a16="http://schemas.microsoft.com/office/drawing/2014/main" id="{BE7F2629-7AD4-4FB8-B544-38B7CC6E9D30}"/>
-              </a:ext>
-              <a:ext uri="{C183D7F6-B498-43B3-948B-1728B52AA6E4}">
-                <adec:decorative xmlns:adec="http://schemas.microsoft.com/office/drawing/2017/decorative" val="1"/>
-              </a:ext>
-            </a:extLst>
-          </p:cNvPr>
-          <p:cNvSpPr>
-            <a:spLocks noGrp="1" noRot="1" noChangeAspect="1" noMove="1" noResize="1" noEditPoints="1" noAdjustHandles="1" noChangeArrowheads="1" noChangeShapeType="1" noTextEdit="1"/>
-          </p:cNvSpPr>
-          <p:nvPr>
-            <p:extLst>
-              <p:ext uri="{386F3935-93C4-4BCD-93E2-E3B085C9AB24}">
-                <p16:designElem xmlns:p16="http://schemas.microsoft.com/office/powerpoint/2015/main" val="1"/>
-              </p:ext>
-            </p:extLst>
-          </p:nvPr>
-        </p:nvSpPr>
-        <p:spPr>
-          <a:xfrm>
-            <a:off x="-1" y="0"/>
-            <a:ext cx="12188952" cy="6858000"/>
-          </a:xfrm>
-          <a:prstGeom prst="rect">
-            <a:avLst/>
-          </a:prstGeom>
-          <a:ln>
-            <a:noFill/>
-          </a:ln>
-        </p:spPr>
-        <p:style>
-          <a:lnRef idx="2">
-            <a:schemeClr val="accent1">
-              <a:shade val="50000"/>
-            </a:schemeClr>
-          </a:lnRef>
-          <a:fillRef idx="1">
-            <a:schemeClr val="accent1"/>
-          </a:fillRef>
-          <a:effectRef idx="0">
-            <a:schemeClr val="accent1"/>
-          </a:effectRef>
-          <a:fontRef idx="minor">
-            <a:schemeClr val="lt1"/>
-          </a:fontRef>
-        </p:style>
-        <p:txBody>
-          <a:bodyPr rtlCol="0" anchor="ctr"/>
-          <a:lstStyle/>
-          <a:p>
-            <a:pPr algn="ctr"/>
-            <a:endParaRPr lang="en-US"/>
-          </a:p>
-        </p:txBody>
-      </p:sp>
-      <p:pic>
-        <p:nvPicPr>
-          <p:cNvPr id="40" name="Graphic 39">
-            <a:extLst>
-              <a:ext uri="{FF2B5EF4-FFF2-40B4-BE49-F238E27FC236}">
-                <a16:creationId xmlns:a16="http://schemas.microsoft.com/office/drawing/2014/main" id="{29FDBBCD-C46B-4CD7-9735-0FC561E9A0DD}"/>
-              </a:ext>
-              <a:ext uri="{C183D7F6-B498-43B3-948B-1728B52AA6E4}">
-                <adec:decorative xmlns:adec="http://schemas.microsoft.com/office/drawing/2017/decorative" val="1"/>
-              </a:ext>
-            </a:extLst>
-          </p:cNvPr>
-          <p:cNvPicPr>
-            <a:picLocks noGrp="1" noRot="1" noChangeAspect="1" noMove="1" noResize="1" noEditPoints="1" noAdjustHandles="1" noChangeArrowheads="1" noChangeShapeType="1" noCrop="1"/>
-          </p:cNvPicPr>
-          <p:nvPr>
-            <p:extLst>
-              <p:ext uri="{386F3935-93C4-4BCD-93E2-E3B085C9AB24}">
-                <p16:designElem xmlns:p16="http://schemas.microsoft.com/office/powerpoint/2015/main" val="1"/>
-              </p:ext>
-            </p:extLst>
-          </p:nvPr>
-        </p:nvPicPr>
-        <p:blipFill>
-          <a:blip r:embed="rId2">
-            <a:extLst>
-              <a:ext uri="{28A0092B-C50C-407E-A947-70E740481C1C}">
-                <a14:useLocalDpi xmlns:a14="http://schemas.microsoft.com/office/drawing/2010/main" val="0"/>
-              </a:ext>
-              <a:ext uri="{96DAC541-7B7A-43D3-8B79-37D633B846F1}">
-                <asvg:svgBlip xmlns:asvg="http://schemas.microsoft.com/office/drawing/2016/SVG/main" r:embed="rId3"/>
-              </a:ext>
-            </a:extLst>
-          </a:blip>
-          <a:stretch>
-            <a:fillRect/>
-          </a:stretch>
-        </p:blipFill>
-        <p:spPr>
-          <a:xfrm rot="5400000">
-            <a:off x="3354324" y="-2665475"/>
-            <a:ext cx="5486400" cy="12188952"/>
-          </a:xfrm>
-          <a:prstGeom prst="rect">
-            <a:avLst/>
-          </a:prstGeom>
-        </p:spPr>
-      </p:pic>
-      <p:sp>
-        <p:nvSpPr>
-          <p:cNvPr id="2" name="Title 1">
-            <a:extLst>
-              <a:ext uri="{FF2B5EF4-FFF2-40B4-BE49-F238E27FC236}">
-                <a16:creationId xmlns:a16="http://schemas.microsoft.com/office/drawing/2014/main" id="{3C07811D-0095-2E52-3D43-14B004504CF9}"/>
-              </a:ext>
-            </a:extLst>
-          </p:cNvPr>
-          <p:cNvSpPr>
-            <a:spLocks noGrp="1"/>
-          </p:cNvSpPr>
-          <p:nvPr>
-            <p:ph type="title"/>
-          </p:nvPr>
-        </p:nvSpPr>
-        <p:spPr>
-          <a:xfrm>
-            <a:off x="1463039" y="685797"/>
-            <a:ext cx="5029200" cy="2263779"/>
-          </a:xfrm>
-        </p:spPr>
-        <p:txBody>
-          <a:bodyPr anchor="t">
-            <a:normAutofit/>
-          </a:bodyPr>
-          <a:lstStyle/>
-          <a:p>
-            <a:r>
-              <a:rPr lang="en-US" sz="5000"/>
-              <a:t>Calculating R-Values</a:t>
-            </a:r>
-          </a:p>
-        </p:txBody>
-      </p:sp>
-      <p:sp>
-        <p:nvSpPr>
-          <p:cNvPr id="42" name="Rectangle 41">
-            <a:extLst>
-              <a:ext uri="{FF2B5EF4-FFF2-40B4-BE49-F238E27FC236}">
-                <a16:creationId xmlns:a16="http://schemas.microsoft.com/office/drawing/2014/main" id="{093F2DF8-01DE-40AE-9C05-7828DAB9CD92}"/>
-              </a:ext>
-              <a:ext uri="{C183D7F6-B498-43B3-948B-1728B52AA6E4}">
-                <adec:decorative xmlns:adec="http://schemas.microsoft.com/office/drawing/2017/decorative" val="1"/>
-              </a:ext>
-            </a:extLst>
-          </p:cNvPr>
-          <p:cNvSpPr>
-            <a:spLocks noGrp="1" noRot="1" noChangeAspect="1" noMove="1" noResize="1" noEditPoints="1" noAdjustHandles="1" noChangeArrowheads="1" noChangeShapeType="1" noTextEdit="1"/>
-          </p:cNvSpPr>
-          <p:nvPr>
-            <p:extLst>
-              <p:ext uri="{386F3935-93C4-4BCD-93E2-E3B085C9AB24}">
-                <p16:designElem xmlns:p16="http://schemas.microsoft.com/office/powerpoint/2015/main" val="1"/>
-              </p:ext>
-            </p:extLst>
-          </p:nvPr>
-        </p:nvSpPr>
-        <p:spPr>
-          <a:xfrm>
-            <a:off x="1159764" y="685797"/>
-            <a:ext cx="118872" cy="1550455"/>
-          </a:xfrm>
-          <a:prstGeom prst="rect">
-            <a:avLst/>
-          </a:prstGeom>
-          <a:solidFill>
-            <a:schemeClr val="accent2"/>
-          </a:solidFill>
-          <a:ln>
-            <a:noFill/>
-          </a:ln>
-        </p:spPr>
-        <p:style>
-          <a:lnRef idx="2">
-            <a:schemeClr val="accent1">
-              <a:shade val="50000"/>
-            </a:schemeClr>
-          </a:lnRef>
-          <a:fillRef idx="1">
-            <a:schemeClr val="accent1"/>
-          </a:fillRef>
-          <a:effectRef idx="0">
-            <a:schemeClr val="accent1"/>
-          </a:effectRef>
-          <a:fontRef idx="minor">
-            <a:schemeClr val="lt1"/>
-          </a:fontRef>
-        </p:style>
-        <p:txBody>
-          <a:bodyPr rtlCol="0" anchor="ctr"/>
-          <a:lstStyle/>
-          <a:p>
-            <a:pPr algn="ctr"/>
-            <a:endParaRPr lang="en-US"/>
-          </a:p>
-        </p:txBody>
-      </p:sp>
-      <p:sp>
-        <p:nvSpPr>
-          <p:cNvPr id="11" name="Content Placeholder 10">
-            <a:extLst>
-              <a:ext uri="{FF2B5EF4-FFF2-40B4-BE49-F238E27FC236}">
-                <a16:creationId xmlns:a16="http://schemas.microsoft.com/office/drawing/2014/main" id="{FDDA0529-064C-1AB4-98EC-21B50B42EE2C}"/>
-              </a:ext>
-            </a:extLst>
-          </p:cNvPr>
-          <p:cNvSpPr>
-            <a:spLocks noGrp="1"/>
-          </p:cNvSpPr>
-          <p:nvPr>
-            <p:ph idx="1"/>
-          </p:nvPr>
-        </p:nvSpPr>
-        <p:spPr>
-          <a:xfrm>
-            <a:off x="1463039" y="3133724"/>
-            <a:ext cx="5029200" cy="2746621"/>
-          </a:xfrm>
-        </p:spPr>
-        <p:txBody>
-          <a:bodyPr>
-            <a:normAutofit/>
-          </a:bodyPr>
-          <a:lstStyle/>
-          <a:p>
-            <a:r>
-              <a:rPr lang="en-US" sz="1800" dirty="0"/>
-              <a:t>Using a for loop, </a:t>
-            </a:r>
-            <a:r>
-              <a:rPr lang="en-US" sz="1800" dirty="0" err="1"/>
-              <a:t>r-values</a:t>
-            </a:r>
-            <a:r>
-              <a:rPr lang="en-US" sz="1800" dirty="0"/>
-              <a:t> were calculated for every category on the </a:t>
-            </a:r>
-            <a:r>
-              <a:rPr lang="en-US" sz="1800" dirty="0" err="1"/>
-              <a:t>geoapify</a:t>
-            </a:r>
-            <a:r>
-              <a:rPr lang="en-US" sz="1800" dirty="0"/>
-              <a:t> places API.</a:t>
-            </a:r>
-          </a:p>
-          <a:p>
-            <a:endParaRPr lang="en-US" sz="1400" dirty="0"/>
-          </a:p>
-          <a:p>
-            <a:r>
-              <a:rPr lang="en-US" sz="1800" dirty="0"/>
-              <a:t>The five strongest positive correlations and the five strongest negative correlations are shown to the right.</a:t>
-            </a:r>
-          </a:p>
-        </p:txBody>
-      </p:sp>
-      <p:pic>
-        <p:nvPicPr>
-          <p:cNvPr id="8" name="Picture 7">
-            <a:extLst>
-              <a:ext uri="{FF2B5EF4-FFF2-40B4-BE49-F238E27FC236}">
-                <a16:creationId xmlns:a16="http://schemas.microsoft.com/office/drawing/2014/main" id="{2416161D-23E8-D2EE-C9AF-394B480673AF}"/>
-              </a:ext>
-            </a:extLst>
-          </p:cNvPr>
-          <p:cNvPicPr>
-            <a:picLocks noChangeAspect="1"/>
-          </p:cNvPicPr>
-          <p:nvPr/>
-        </p:nvPicPr>
-        <p:blipFill>
-          <a:blip r:embed="rId4"/>
-          <a:stretch>
-            <a:fillRect/>
-          </a:stretch>
-        </p:blipFill>
-        <p:spPr>
-          <a:xfrm>
-            <a:off x="6766560" y="720468"/>
-            <a:ext cx="4211775" cy="2671986"/>
-          </a:xfrm>
-          <a:prstGeom prst="rect">
-            <a:avLst/>
-          </a:prstGeom>
-        </p:spPr>
-      </p:pic>
-      <p:pic>
-        <p:nvPicPr>
-          <p:cNvPr id="4" name="Picture 3">
-            <a:extLst>
-              <a:ext uri="{FF2B5EF4-FFF2-40B4-BE49-F238E27FC236}">
-                <a16:creationId xmlns:a16="http://schemas.microsoft.com/office/drawing/2014/main" id="{0C719924-79E6-6674-B5F7-BC383EF9CA82}"/>
-              </a:ext>
-            </a:extLst>
-          </p:cNvPr>
-          <p:cNvPicPr>
-            <a:picLocks noChangeAspect="1"/>
-          </p:cNvPicPr>
-          <p:nvPr/>
-        </p:nvPicPr>
-        <p:blipFill>
-          <a:blip r:embed="rId5"/>
-          <a:stretch>
-            <a:fillRect/>
-          </a:stretch>
-        </p:blipFill>
-        <p:spPr>
-          <a:xfrm>
-            <a:off x="6766560" y="3450963"/>
-            <a:ext cx="4401826" cy="2671986"/>
-          </a:xfrm>
-          <a:prstGeom prst="rect">
-            <a:avLst/>
-          </a:prstGeom>
-        </p:spPr>
-      </p:pic>
-      <p:sp>
-        <p:nvSpPr>
-          <p:cNvPr id="44" name="Rectangle 43">
-            <a:extLst>
-              <a:ext uri="{FF2B5EF4-FFF2-40B4-BE49-F238E27FC236}">
-                <a16:creationId xmlns:a16="http://schemas.microsoft.com/office/drawing/2014/main" id="{541CD191-DCF0-4E88-A62A-10F0B3FC93D1}"/>
-              </a:ext>
-              <a:ext uri="{C183D7F6-B498-43B3-948B-1728B52AA6E4}">
-                <adec:decorative xmlns:adec="http://schemas.microsoft.com/office/drawing/2017/decorative" val="1"/>
-              </a:ext>
-            </a:extLst>
-          </p:cNvPr>
-          <p:cNvSpPr>
-            <a:spLocks noGrp="1" noRot="1" noChangeAspect="1" noMove="1" noResize="1" noEditPoints="1" noAdjustHandles="1" noChangeArrowheads="1" noChangeShapeType="1" noTextEdit="1"/>
-          </p:cNvSpPr>
-          <p:nvPr>
-            <p:extLst>
-              <p:ext uri="{386F3935-93C4-4BCD-93E2-E3B085C9AB24}">
-                <p16:designElem xmlns:p16="http://schemas.microsoft.com/office/powerpoint/2015/main" val="1"/>
-              </p:ext>
-            </p:extLst>
-          </p:nvPr>
-        </p:nvSpPr>
-        <p:spPr>
-          <a:xfrm>
-            <a:off x="12073128" y="6172201"/>
-            <a:ext cx="118872" cy="685800"/>
-          </a:xfrm>
-          <a:prstGeom prst="rect">
-            <a:avLst/>
-          </a:prstGeom>
-          <a:solidFill>
-            <a:schemeClr val="accent2"/>
-          </a:solidFill>
-          <a:ln>
-            <a:noFill/>
-          </a:ln>
-        </p:spPr>
-        <p:style>
-          <a:lnRef idx="2">
-            <a:schemeClr val="accent1">
-              <a:shade val="50000"/>
-            </a:schemeClr>
-          </a:lnRef>
-          <a:fillRef idx="1">
-            <a:schemeClr val="accent1"/>
-          </a:fillRef>
-          <a:effectRef idx="0">
-            <a:schemeClr val="accent1"/>
-          </a:effectRef>
-          <a:fontRef idx="minor">
-            <a:schemeClr val="lt1"/>
-          </a:fontRef>
-        </p:style>
-        <p:txBody>
-          <a:bodyPr rtlCol="0" anchor="ctr"/>
-          <a:lstStyle/>
-          <a:p>
-            <a:pPr algn="ctr"/>
-            <a:endParaRPr lang="en-US"/>
-          </a:p>
-        </p:txBody>
-      </p:sp>
-    </p:spTree>
-    <p:extLst>
-      <p:ext uri="{BB962C8B-B14F-4D97-AF65-F5344CB8AC3E}">
-        <p14:creationId xmlns:p14="http://schemas.microsoft.com/office/powerpoint/2010/main" val="500679354"/>
-      </p:ext>
-    </p:extLst>
-  </p:cSld>
-  <p:clrMapOvr>
-    <a:masterClrMapping/>
-  </p:clrMapOvr>
-</p:sld>
-</file>
-
-<file path=ppt/slides/slide11.xml><?xml version="1.0" encoding="utf-8"?>
 <p:sld xmlns:a="http://schemas.openxmlformats.org/drawingml/2006/main" xmlns:r="http://schemas.openxmlformats.org/officeDocument/2006/relationships" xmlns:p="http://schemas.openxmlformats.org/presentationml/2006/main">
   <p:cSld>
     <p:bg>
@@ -9474,7 +11846,7 @@
 </p:sld>
 </file>
 
-<file path=ppt/slides/slide12.xml><?xml version="1.0" encoding="utf-8"?>
+<file path=ppt/slides/slide11.xml><?xml version="1.0" encoding="utf-8"?>
 <p:sld xmlns:a="http://schemas.openxmlformats.org/drawingml/2006/main" xmlns:r="http://schemas.openxmlformats.org/officeDocument/2006/relationships" xmlns:p="http://schemas.openxmlformats.org/presentationml/2006/main">
   <p:cSld>
     <p:bg>
@@ -10224,7 +12596,7 @@
 </p:sld>
 </file>
 
-<file path=ppt/slides/slide13.xml><?xml version="1.0" encoding="utf-8"?>
+<file path=ppt/slides/slide12.xml><?xml version="1.0" encoding="utf-8"?>
 <p:sld xmlns:a="http://schemas.openxmlformats.org/drawingml/2006/main" xmlns:r="http://schemas.openxmlformats.org/officeDocument/2006/relationships" xmlns:p="http://schemas.openxmlformats.org/presentationml/2006/main">
   <p:cSld>
     <p:spTree>
@@ -10505,6 +12877,92 @@
 </p:sld>
 </file>
 
+<file path=ppt/slides/slide13.xml><?xml version="1.0" encoding="utf-8"?>
+<p:sld xmlns:a="http://schemas.openxmlformats.org/drawingml/2006/main" xmlns:r="http://schemas.openxmlformats.org/officeDocument/2006/relationships" xmlns:p="http://schemas.openxmlformats.org/presentationml/2006/main">
+  <p:cSld>
+    <p:spTree>
+      <p:nvGrpSpPr>
+        <p:cNvPr id="1" name=""/>
+        <p:cNvGrpSpPr/>
+        <p:nvPr/>
+      </p:nvGrpSpPr>
+      <p:grpSpPr>
+        <a:xfrm>
+          <a:off x="0" y="0"/>
+          <a:ext cx="0" cy="0"/>
+          <a:chOff x="0" y="0"/>
+          <a:chExt cx="0" cy="0"/>
+        </a:xfrm>
+      </p:grpSpPr>
+      <p:sp>
+        <p:nvSpPr>
+          <p:cNvPr id="2" name="Title 1">
+            <a:extLst>
+              <a:ext uri="{FF2B5EF4-FFF2-40B4-BE49-F238E27FC236}">
+                <a16:creationId xmlns:a16="http://schemas.microsoft.com/office/drawing/2014/main" id="{447A74B5-E0BD-2FE4-073A-CF12653E693A}"/>
+              </a:ext>
+            </a:extLst>
+          </p:cNvPr>
+          <p:cNvSpPr>
+            <a:spLocks noGrp="1"/>
+          </p:cNvSpPr>
+          <p:nvPr>
+            <p:ph type="ctrTitle"/>
+          </p:nvPr>
+        </p:nvSpPr>
+        <p:spPr/>
+        <p:txBody>
+          <a:bodyPr/>
+          <a:lstStyle/>
+          <a:p>
+            <a:r>
+              <a:rPr lang="en-US" dirty="0"/>
+              <a:t>Healthcare</a:t>
+            </a:r>
+          </a:p>
+        </p:txBody>
+      </p:sp>
+      <p:sp>
+        <p:nvSpPr>
+          <p:cNvPr id="3" name="Subtitle 2">
+            <a:extLst>
+              <a:ext uri="{FF2B5EF4-FFF2-40B4-BE49-F238E27FC236}">
+                <a16:creationId xmlns:a16="http://schemas.microsoft.com/office/drawing/2014/main" id="{7123102D-6989-1C1A-E414-43CC96A5F011}"/>
+              </a:ext>
+            </a:extLst>
+          </p:cNvPr>
+          <p:cNvSpPr>
+            <a:spLocks noGrp="1"/>
+          </p:cNvSpPr>
+          <p:nvPr>
+            <p:ph type="subTitle" idx="1"/>
+          </p:nvPr>
+        </p:nvSpPr>
+        <p:spPr/>
+        <p:txBody>
+          <a:bodyPr/>
+          <a:lstStyle/>
+          <a:p>
+            <a:r>
+              <a:rPr lang="en-US" dirty="0"/>
+              <a:t>does the number of hospitals in a city impact home pricing  </a:t>
+            </a:r>
+          </a:p>
+        </p:txBody>
+      </p:sp>
+    </p:spTree>
+    <p:extLst>
+      <p:ext uri="{BB962C8B-B14F-4D97-AF65-F5344CB8AC3E}">
+        <p14:creationId xmlns:p14="http://schemas.microsoft.com/office/powerpoint/2010/main" val="3783998158"/>
+      </p:ext>
+    </p:extLst>
+  </p:cSld>
+  <p:clrMapOvr>
+    <a:masterClrMapping/>
+  </p:clrMapOvr>
+</p:sld>
+</file>
+
 <file path=ppt/slides/slide14.xml><?xml version="1.0" encoding="utf-8"?>
 <p:sld xmlns:a="http://schemas.openxmlformats.org/drawingml/2006/main" xmlns:r="http://schemas.openxmlformats.org/officeDocument/2006/relationships" xmlns:p="http://schemas.openxmlformats.org/presentationml/2006/main">
   <p:cSld>
@@ -10527,92 +12985,6 @@
           <p:cNvPr id="2" name="Title 1">
             <a:extLst>
               <a:ext uri="{FF2B5EF4-FFF2-40B4-BE49-F238E27FC236}">
-                <a16:creationId xmlns:a16="http://schemas.microsoft.com/office/drawing/2014/main" id="{447A74B5-E0BD-2FE4-073A-CF12653E693A}"/>
-              </a:ext>
-            </a:extLst>
-          </p:cNvPr>
-          <p:cNvSpPr>
-            <a:spLocks noGrp="1"/>
-          </p:cNvSpPr>
-          <p:nvPr>
-            <p:ph type="ctrTitle"/>
-          </p:nvPr>
-        </p:nvSpPr>
-        <p:spPr/>
-        <p:txBody>
-          <a:bodyPr/>
-          <a:lstStyle/>
-          <a:p>
-            <a:r>
-              <a:rPr lang="en-US" dirty="0"/>
-              <a:t>Healthcare</a:t>
-            </a:r>
-          </a:p>
-        </p:txBody>
-      </p:sp>
-      <p:sp>
-        <p:nvSpPr>
-          <p:cNvPr id="3" name="Subtitle 2">
-            <a:extLst>
-              <a:ext uri="{FF2B5EF4-FFF2-40B4-BE49-F238E27FC236}">
-                <a16:creationId xmlns:a16="http://schemas.microsoft.com/office/drawing/2014/main" id="{7123102D-6989-1C1A-E414-43CC96A5F011}"/>
-              </a:ext>
-            </a:extLst>
-          </p:cNvPr>
-          <p:cNvSpPr>
-            <a:spLocks noGrp="1"/>
-          </p:cNvSpPr>
-          <p:nvPr>
-            <p:ph type="subTitle" idx="1"/>
-          </p:nvPr>
-        </p:nvSpPr>
-        <p:spPr/>
-        <p:txBody>
-          <a:bodyPr/>
-          <a:lstStyle/>
-          <a:p>
-            <a:r>
-              <a:rPr lang="en-US" dirty="0"/>
-              <a:t>does the number of hospitals in a city impact home pricing  </a:t>
-            </a:r>
-          </a:p>
-        </p:txBody>
-      </p:sp>
-    </p:spTree>
-    <p:extLst>
-      <p:ext uri="{BB962C8B-B14F-4D97-AF65-F5344CB8AC3E}">
-        <p14:creationId xmlns:p14="http://schemas.microsoft.com/office/powerpoint/2010/main" val="3783998158"/>
-      </p:ext>
-    </p:extLst>
-  </p:cSld>
-  <p:clrMapOvr>
-    <a:masterClrMapping/>
-  </p:clrMapOvr>
-</p:sld>
-</file>
-
-<file path=ppt/slides/slide15.xml><?xml version="1.0" encoding="utf-8"?>
-<p:sld xmlns:a="http://schemas.openxmlformats.org/drawingml/2006/main" xmlns:r="http://schemas.openxmlformats.org/officeDocument/2006/relationships" xmlns:p="http://schemas.openxmlformats.org/presentationml/2006/main">
-  <p:cSld>
-    <p:spTree>
-      <p:nvGrpSpPr>
-        <p:cNvPr id="1" name=""/>
-        <p:cNvGrpSpPr/>
-        <p:nvPr/>
-      </p:nvGrpSpPr>
-      <p:grpSpPr>
-        <a:xfrm>
-          <a:off x="0" y="0"/>
-          <a:ext cx="0" cy="0"/>
-          <a:chOff x="0" y="0"/>
-          <a:chExt cx="0" cy="0"/>
-        </a:xfrm>
-      </p:grpSpPr>
-      <p:sp>
-        <p:nvSpPr>
-          <p:cNvPr id="2" name="Title 1">
-            <a:extLst>
-              <a:ext uri="{FF2B5EF4-FFF2-40B4-BE49-F238E27FC236}">
                 <a16:creationId xmlns:a16="http://schemas.microsoft.com/office/drawing/2014/main" id="{56A84AA6-A35E-2415-4EA5-FFCBD6455B89}"/>
               </a:ext>
             </a:extLst>
@@ -10777,7 +13149,7 @@
 </p:sld>
 </file>
 
-<file path=ppt/slides/slide16.xml><?xml version="1.0" encoding="utf-8"?>
+<file path=ppt/slides/slide15.xml><?xml version="1.0" encoding="utf-8"?>
 <p:sld xmlns:a="http://schemas.openxmlformats.org/drawingml/2006/main" xmlns:r="http://schemas.openxmlformats.org/officeDocument/2006/relationships" xmlns:p="http://schemas.openxmlformats.org/presentationml/2006/main">
   <p:cSld>
     <p:spTree>
@@ -10879,7 +13251,7 @@
 </p:sld>
 </file>
 
-<file path=ppt/slides/slide17.xml><?xml version="1.0" encoding="utf-8"?>
+<file path=ppt/slides/slide16.xml><?xml version="1.0" encoding="utf-8"?>
 <p:sld xmlns:a="http://schemas.openxmlformats.org/drawingml/2006/main" xmlns:r="http://schemas.openxmlformats.org/officeDocument/2006/relationships" xmlns:p="http://schemas.openxmlformats.org/presentationml/2006/main">
   <p:cSld>
     <p:spTree>
@@ -11113,7 +13485,7 @@
 </p:sld>
 </file>
 
-<file path=ppt/slides/slide18.xml><?xml version="1.0" encoding="utf-8"?>
+<file path=ppt/slides/slide17.xml><?xml version="1.0" encoding="utf-8"?>
 <p:sld xmlns:a="http://schemas.openxmlformats.org/drawingml/2006/main" xmlns:r="http://schemas.openxmlformats.org/officeDocument/2006/relationships" xmlns:p="http://schemas.openxmlformats.org/presentationml/2006/main">
   <p:cSld>
     <p:spTree>
@@ -11158,12 +13530,14 @@
           </a:bodyPr>
           <a:lstStyle/>
           <a:p>
+            <a:pPr algn="l"/>
             <a:r>
               <a:rPr lang="en-US" dirty="0"/>
               <a:t>- Radius = 10 km</a:t>
             </a:r>
           </a:p>
           <a:p>
+            <a:pPr algn="l"/>
             <a:r>
               <a:rPr lang="en-US" dirty="0"/>
               <a:t>- Using </a:t>
@@ -11262,6 +13636,14 @@
 <file path=ppt/slides/slide2.xml><?xml version="1.0" encoding="utf-8"?>
 <p:sld xmlns:a="http://schemas.openxmlformats.org/drawingml/2006/main" xmlns:r="http://schemas.openxmlformats.org/officeDocument/2006/relationships" xmlns:p="http://schemas.openxmlformats.org/presentationml/2006/main">
   <p:cSld>
+    <p:bg>
+      <p:bgPr>
+        <a:solidFill>
+          <a:schemeClr val="bg1"/>
+        </a:solidFill>
+        <a:effectLst/>
+      </p:bgPr>
+    </p:bg>
     <p:spTree>
       <p:nvGrpSpPr>
         <p:cNvPr id="1" name=""/>
@@ -11276,6 +13658,348 @@
           <a:chExt cx="0" cy="0"/>
         </a:xfrm>
       </p:grpSpPr>
+      <p:sp useBgFill="1">
+        <p:nvSpPr>
+          <p:cNvPr id="9" name="Rectangle 8">
+            <a:extLst>
+              <a:ext uri="{FF2B5EF4-FFF2-40B4-BE49-F238E27FC236}">
+                <a16:creationId xmlns:a16="http://schemas.microsoft.com/office/drawing/2014/main" id="{56E9B3E6-E277-4D68-BA48-9CB43FFBD6E2}"/>
+              </a:ext>
+              <a:ext uri="{C183D7F6-B498-43B3-948B-1728B52AA6E4}">
+                <adec:decorative xmlns:adec="http://schemas.microsoft.com/office/drawing/2017/decorative" val="1"/>
+              </a:ext>
+            </a:extLst>
+          </p:cNvPr>
+          <p:cNvSpPr>
+            <a:spLocks noGrp="1" noRot="1" noChangeAspect="1" noMove="1" noResize="1" noEditPoints="1" noAdjustHandles="1" noChangeArrowheads="1" noChangeShapeType="1" noTextEdit="1"/>
+          </p:cNvSpPr>
+          <p:nvPr>
+            <p:extLst>
+              <p:ext uri="{386F3935-93C4-4BCD-93E2-E3B085C9AB24}">
+                <p16:designElem xmlns:p16="http://schemas.microsoft.com/office/powerpoint/2015/main" val="1"/>
+              </p:ext>
+            </p:extLst>
+          </p:nvPr>
+        </p:nvSpPr>
+        <p:spPr>
+          <a:xfrm>
+            <a:off x="0" y="0"/>
+            <a:ext cx="12191999" cy="6857365"/>
+          </a:xfrm>
+          <a:prstGeom prst="rect">
+            <a:avLst/>
+          </a:prstGeom>
+          <a:ln>
+            <a:noFill/>
+          </a:ln>
+        </p:spPr>
+        <p:style>
+          <a:lnRef idx="2">
+            <a:schemeClr val="accent1">
+              <a:shade val="50000"/>
+            </a:schemeClr>
+          </a:lnRef>
+          <a:fillRef idx="1">
+            <a:schemeClr val="accent1"/>
+          </a:fillRef>
+          <a:effectRef idx="0">
+            <a:schemeClr val="accent1"/>
+          </a:effectRef>
+          <a:fontRef idx="minor">
+            <a:schemeClr val="lt1"/>
+          </a:fontRef>
+        </p:style>
+        <p:txBody>
+          <a:bodyPr rtlCol="0" anchor="ctr"/>
+          <a:lstStyle/>
+          <a:p>
+            <a:pPr algn="ctr"/>
+            <a:endParaRPr lang="en-US"/>
+          </a:p>
+        </p:txBody>
+      </p:sp>
+      <p:grpSp>
+        <p:nvGrpSpPr>
+          <p:cNvPr id="11" name="Group 10">
+            <a:extLst>
+              <a:ext uri="{FF2B5EF4-FFF2-40B4-BE49-F238E27FC236}">
+                <a16:creationId xmlns:a16="http://schemas.microsoft.com/office/drawing/2014/main" id="{AE1C45F0-260A-458C-96ED-C1F6D2151219}"/>
+              </a:ext>
+              <a:ext uri="{C183D7F6-B498-43B3-948B-1728B52AA6E4}">
+                <adec:decorative xmlns:adec="http://schemas.microsoft.com/office/drawing/2017/decorative" val="1"/>
+              </a:ext>
+            </a:extLst>
+          </p:cNvPr>
+          <p:cNvGrpSpPr>
+            <a:grpSpLocks noGrp="1" noUngrp="1" noRot="1" noChangeAspect="1" noMove="1" noResize="1"/>
+          </p:cNvGrpSpPr>
+          <p:nvPr>
+            <p:extLst>
+              <p:ext uri="{386F3935-93C4-4BCD-93E2-E3B085C9AB24}">
+                <p16:designElem xmlns:p16="http://schemas.microsoft.com/office/powerpoint/2015/main" val="1"/>
+              </p:ext>
+            </p:extLst>
+          </p:nvPr>
+        </p:nvGrpSpPr>
+        <p:grpSpPr>
+          <a:xfrm>
+            <a:off x="4" y="1216597"/>
+            <a:ext cx="731521" cy="673460"/>
+            <a:chOff x="3940602" y="308034"/>
+            <a:chExt cx="2116791" cy="3428999"/>
+          </a:xfrm>
+          <a:solidFill>
+            <a:schemeClr val="accent4"/>
+          </a:solidFill>
+        </p:grpSpPr>
+        <p:sp>
+          <p:nvSpPr>
+            <p:cNvPr id="12" name="Rectangle 11">
+              <a:extLst>
+                <a:ext uri="{FF2B5EF4-FFF2-40B4-BE49-F238E27FC236}">
+                  <a16:creationId xmlns:a16="http://schemas.microsoft.com/office/drawing/2014/main" id="{A6604B49-AD5C-4590-B051-06C8222ECD99}"/>
+                </a:ext>
+                <a:ext uri="{C183D7F6-B498-43B3-948B-1728B52AA6E4}">
+                  <adec:decorative xmlns:adec="http://schemas.microsoft.com/office/drawing/2017/decorative" val="1"/>
+                </a:ext>
+              </a:extLst>
+            </p:cNvPr>
+            <p:cNvSpPr/>
+            <p:nvPr>
+              <p:extLst>
+                <p:ext uri="{386F3935-93C4-4BCD-93E2-E3B085C9AB24}">
+                  <p16:designElem xmlns:p16="http://schemas.microsoft.com/office/powerpoint/2015/main" val="1"/>
+                </p:ext>
+              </p:extLst>
+            </p:nvPr>
+          </p:nvSpPr>
+          <p:spPr>
+            <a:xfrm>
+              <a:off x="3940602" y="308034"/>
+              <a:ext cx="566743" cy="3428999"/>
+            </a:xfrm>
+            <a:prstGeom prst="rect">
+              <a:avLst/>
+            </a:prstGeom>
+            <a:grpFill/>
+            <a:ln>
+              <a:noFill/>
+            </a:ln>
+          </p:spPr>
+          <p:style>
+            <a:lnRef idx="2">
+              <a:schemeClr val="accent1">
+                <a:shade val="50000"/>
+              </a:schemeClr>
+            </a:lnRef>
+            <a:fillRef idx="1">
+              <a:schemeClr val="accent1"/>
+            </a:fillRef>
+            <a:effectRef idx="0">
+              <a:schemeClr val="accent1"/>
+            </a:effectRef>
+            <a:fontRef idx="minor">
+              <a:schemeClr val="lt1"/>
+            </a:fontRef>
+          </p:style>
+          <p:txBody>
+            <a:bodyPr rtlCol="0" anchor="ctr"/>
+            <a:lstStyle/>
+            <a:p>
+              <a:pPr algn="ctr"/>
+              <a:endParaRPr lang="en-US"/>
+            </a:p>
+          </p:txBody>
+        </p:sp>
+        <p:sp>
+          <p:nvSpPr>
+            <p:cNvPr id="13" name="Rectangle 12">
+              <a:extLst>
+                <a:ext uri="{FF2B5EF4-FFF2-40B4-BE49-F238E27FC236}">
+                  <a16:creationId xmlns:a16="http://schemas.microsoft.com/office/drawing/2014/main" id="{743ECCAF-29C5-4537-947C-7EA1292463DB}"/>
+                </a:ext>
+                <a:ext uri="{C183D7F6-B498-43B3-948B-1728B52AA6E4}">
+                  <adec:decorative xmlns:adec="http://schemas.microsoft.com/office/drawing/2017/decorative" val="1"/>
+                </a:ext>
+              </a:extLst>
+            </p:cNvPr>
+            <p:cNvSpPr/>
+            <p:nvPr>
+              <p:extLst>
+                <p:ext uri="{386F3935-93C4-4BCD-93E2-E3B085C9AB24}">
+                  <p16:designElem xmlns:p16="http://schemas.microsoft.com/office/powerpoint/2015/main" val="1"/>
+                </p:ext>
+              </p:extLst>
+            </p:nvPr>
+          </p:nvSpPr>
+          <p:spPr>
+            <a:xfrm>
+              <a:off x="4715626" y="308034"/>
+              <a:ext cx="566743" cy="3428999"/>
+            </a:xfrm>
+            <a:prstGeom prst="rect">
+              <a:avLst/>
+            </a:prstGeom>
+            <a:grpFill/>
+            <a:ln>
+              <a:noFill/>
+            </a:ln>
+          </p:spPr>
+          <p:style>
+            <a:lnRef idx="2">
+              <a:schemeClr val="accent1">
+                <a:shade val="50000"/>
+              </a:schemeClr>
+            </a:lnRef>
+            <a:fillRef idx="1">
+              <a:schemeClr val="accent1"/>
+            </a:fillRef>
+            <a:effectRef idx="0">
+              <a:schemeClr val="accent1"/>
+            </a:effectRef>
+            <a:fontRef idx="minor">
+              <a:schemeClr val="lt1"/>
+            </a:fontRef>
+          </p:style>
+          <p:txBody>
+            <a:bodyPr rtlCol="0" anchor="ctr"/>
+            <a:lstStyle/>
+            <a:p>
+              <a:pPr algn="ctr"/>
+              <a:endParaRPr lang="en-US"/>
+            </a:p>
+          </p:txBody>
+        </p:sp>
+        <p:sp>
+          <p:nvSpPr>
+            <p:cNvPr id="14" name="Rectangle 13">
+              <a:extLst>
+                <a:ext uri="{FF2B5EF4-FFF2-40B4-BE49-F238E27FC236}">
+                  <a16:creationId xmlns:a16="http://schemas.microsoft.com/office/drawing/2014/main" id="{ED49787B-8DE6-4467-AD0A-8DECC6E0C2D6}"/>
+                </a:ext>
+                <a:ext uri="{C183D7F6-B498-43B3-948B-1728B52AA6E4}">
+                  <adec:decorative xmlns:adec="http://schemas.microsoft.com/office/drawing/2017/decorative" val="1"/>
+                </a:ext>
+              </a:extLst>
+            </p:cNvPr>
+            <p:cNvSpPr/>
+            <p:nvPr>
+              <p:extLst>
+                <p:ext uri="{386F3935-93C4-4BCD-93E2-E3B085C9AB24}">
+                  <p16:designElem xmlns:p16="http://schemas.microsoft.com/office/powerpoint/2015/main" val="1"/>
+                </p:ext>
+              </p:extLst>
+            </p:nvPr>
+          </p:nvSpPr>
+          <p:spPr>
+            <a:xfrm>
+              <a:off x="5490650" y="308034"/>
+              <a:ext cx="566743" cy="3428999"/>
+            </a:xfrm>
+            <a:prstGeom prst="rect">
+              <a:avLst/>
+            </a:prstGeom>
+            <a:grpFill/>
+            <a:ln>
+              <a:noFill/>
+            </a:ln>
+          </p:spPr>
+          <p:style>
+            <a:lnRef idx="2">
+              <a:schemeClr val="accent1">
+                <a:shade val="50000"/>
+              </a:schemeClr>
+            </a:lnRef>
+            <a:fillRef idx="1">
+              <a:schemeClr val="accent1"/>
+            </a:fillRef>
+            <a:effectRef idx="0">
+              <a:schemeClr val="accent1"/>
+            </a:effectRef>
+            <a:fontRef idx="minor">
+              <a:schemeClr val="lt1"/>
+            </a:fontRef>
+          </p:style>
+          <p:txBody>
+            <a:bodyPr rtlCol="0" anchor="ctr"/>
+            <a:lstStyle/>
+            <a:p>
+              <a:pPr algn="ctr"/>
+              <a:endParaRPr lang="en-US"/>
+            </a:p>
+          </p:txBody>
+        </p:sp>
+      </p:grpSp>
+      <p:sp>
+        <p:nvSpPr>
+          <p:cNvPr id="16" name="Rectangle 15">
+            <a:extLst>
+              <a:ext uri="{FF2B5EF4-FFF2-40B4-BE49-F238E27FC236}">
+                <a16:creationId xmlns:a16="http://schemas.microsoft.com/office/drawing/2014/main" id="{D5B0017B-2ECA-49AF-B397-DC140825DF8D}"/>
+              </a:ext>
+              <a:ext uri="{C183D7F6-B498-43B3-948B-1728B52AA6E4}">
+                <adec:decorative xmlns:adec="http://schemas.microsoft.com/office/drawing/2017/decorative" val="1"/>
+              </a:ext>
+            </a:extLst>
+          </p:cNvPr>
+          <p:cNvSpPr>
+            <a:spLocks noGrp="1" noRot="1" noChangeAspect="1" noMove="1" noResize="1" noEditPoints="1" noAdjustHandles="1" noChangeArrowheads="1" noChangeShapeType="1" noTextEdit="1"/>
+          </p:cNvSpPr>
+          <p:nvPr>
+            <p:extLst>
+              <p:ext uri="{386F3935-93C4-4BCD-93E2-E3B085C9AB24}">
+                <p16:designElem xmlns:p16="http://schemas.microsoft.com/office/powerpoint/2015/main" val="1"/>
+              </p:ext>
+            </p:extLst>
+          </p:nvPr>
+        </p:nvSpPr>
+        <p:spPr>
+          <a:xfrm>
+            <a:off x="640079" y="613954"/>
+            <a:ext cx="10907487" cy="1894116"/>
+          </a:xfrm>
+          <a:prstGeom prst="rect">
+            <a:avLst/>
+          </a:prstGeom>
+          <a:solidFill>
+            <a:schemeClr val="bg1"/>
+          </a:solidFill>
+          <a:ln>
+            <a:noFill/>
+          </a:ln>
+          <a:effectLst>
+            <a:outerShdw blurRad="139700" dist="127000" dir="5400000" algn="t" rotWithShape="0">
+              <a:prstClr val="black">
+                <a:alpha val="15000"/>
+              </a:prstClr>
+            </a:outerShdw>
+          </a:effectLst>
+        </p:spPr>
+        <p:style>
+          <a:lnRef idx="2">
+            <a:schemeClr val="accent1">
+              <a:shade val="50000"/>
+            </a:schemeClr>
+          </a:lnRef>
+          <a:fillRef idx="1">
+            <a:schemeClr val="accent1"/>
+          </a:fillRef>
+          <a:effectRef idx="0">
+            <a:schemeClr val="accent1"/>
+          </a:effectRef>
+          <a:fontRef idx="minor">
+            <a:schemeClr val="lt1"/>
+          </a:fontRef>
+        </p:style>
+        <p:txBody>
+          <a:bodyPr rtlCol="0" anchor="ctr"/>
+          <a:lstStyle/>
+          <a:p>
+            <a:pPr algn="ctr"/>
+            <a:endParaRPr lang="en-US"/>
+          </a:p>
+        </p:txBody>
+      </p:sp>
       <p:sp>
         <p:nvSpPr>
           <p:cNvPr id="2" name="Title 1">
@@ -11292,100 +14016,108 @@
             <p:ph type="title"/>
           </p:nvPr>
         </p:nvSpPr>
-        <p:spPr/>
+        <p:spPr>
+          <a:xfrm>
+            <a:off x="1043631" y="809898"/>
+            <a:ext cx="10173010" cy="1554480"/>
+          </a:xfrm>
+        </p:spPr>
         <p:txBody>
-          <a:bodyPr/>
+          <a:bodyPr anchor="ctr">
+            <a:normAutofit/>
+          </a:bodyPr>
           <a:lstStyle/>
           <a:p>
             <a:r>
-              <a:rPr lang="en-US" dirty="0"/>
+              <a:rPr lang="en-US" sz="4800"/>
               <a:t>Summary</a:t>
             </a:r>
           </a:p>
         </p:txBody>
       </p:sp>
-      <p:sp>
-        <p:nvSpPr>
-          <p:cNvPr id="3" name="Content Placeholder 2">
+      <p:cxnSp>
+        <p:nvCxnSpPr>
+          <p:cNvPr id="18" name="Straight Connector 17">
             <a:extLst>
               <a:ext uri="{FF2B5EF4-FFF2-40B4-BE49-F238E27FC236}">
-                <a16:creationId xmlns:a16="http://schemas.microsoft.com/office/drawing/2014/main" id="{952BB953-F5FD-1E6F-CA0B-4A0BF98AF163}"/>
+                <a16:creationId xmlns:a16="http://schemas.microsoft.com/office/drawing/2014/main" id="{6CF1BAF6-AD41-4082-B212-8A1F9A2E8779}"/>
+              </a:ext>
+              <a:ext uri="{C183D7F6-B498-43B3-948B-1728B52AA6E4}">
+                <adec:decorative xmlns:adec="http://schemas.microsoft.com/office/drawing/2017/decorative" val="1"/>
               </a:ext>
             </a:extLst>
           </p:cNvPr>
-          <p:cNvSpPr>
-            <a:spLocks noGrp="1"/>
-          </p:cNvSpPr>
+          <p:cNvCxnSpPr>
+            <a:cxnSpLocks noGrp="1" noRot="1" noChangeAspect="1" noMove="1" noResize="1" noEditPoints="1" noAdjustHandles="1" noChangeArrowheads="1" noChangeShapeType="1"/>
+          </p:cNvCxnSpPr>
+          <p:nvPr>
+            <p:extLst>
+              <p:ext uri="{386F3935-93C4-4BCD-93E2-E3B085C9AB24}">
+                <p16:designElem xmlns:p16="http://schemas.microsoft.com/office/powerpoint/2015/main" val="1"/>
+              </p:ext>
+            </p:extLst>
+          </p:nvPr>
+        </p:nvCxnSpPr>
+        <p:spPr>
+          <a:xfrm flipH="1">
+            <a:off x="838200" y="6485313"/>
+            <a:ext cx="10515600" cy="0"/>
+          </a:xfrm>
+          <a:prstGeom prst="line">
+            <a:avLst/>
+          </a:prstGeom>
+          <a:ln w="57150">
+            <a:solidFill>
+              <a:schemeClr val="accent4"/>
+            </a:solidFill>
+          </a:ln>
+        </p:spPr>
+        <p:style>
+          <a:lnRef idx="1">
+            <a:schemeClr val="accent1"/>
+          </a:lnRef>
+          <a:fillRef idx="0">
+            <a:schemeClr val="accent1"/>
+          </a:fillRef>
+          <a:effectRef idx="0">
+            <a:schemeClr val="accent1"/>
+          </a:effectRef>
+          <a:fontRef idx="minor">
+            <a:schemeClr val="tx1"/>
+          </a:fontRef>
+        </p:style>
+      </p:cxnSp>
+      <p:graphicFrame>
+        <p:nvGraphicFramePr>
+          <p:cNvPr id="5" name="Content Placeholder 2">
+            <a:extLst>
+              <a:ext uri="{FF2B5EF4-FFF2-40B4-BE49-F238E27FC236}">
+                <a16:creationId xmlns:a16="http://schemas.microsoft.com/office/drawing/2014/main" id="{331FFF54-7C57-A61C-5FAB-897D8E666B31}"/>
+              </a:ext>
+            </a:extLst>
+          </p:cNvPr>
+          <p:cNvGraphicFramePr>
+            <a:graphicFrameLocks noGrp="1"/>
+          </p:cNvGraphicFramePr>
           <p:nvPr>
             <p:ph idx="1"/>
+            <p:extLst>
+              <p:ext uri="{D42A27DB-BD31-4B8C-83A1-F6EECF244321}">
+                <p14:modId xmlns:p14="http://schemas.microsoft.com/office/powerpoint/2010/main" val="305392132"/>
+              </p:ext>
+            </p:extLst>
           </p:nvPr>
-        </p:nvSpPr>
-        <p:spPr/>
-        <p:txBody>
-          <a:bodyPr/>
-          <a:lstStyle/>
-          <a:p>
-            <a:pPr algn="l">
-              <a:buFont typeface="Arial" panose="020B0604020202020204" pitchFamily="34" charset="0"/>
-              <a:buChar char="•"/>
-            </a:pPr>
-            <a:r>
-              <a:rPr lang="en-US" b="0" i="0" dirty="0">
-                <a:effectLst/>
-                <a:latin typeface="-apple-system"/>
-              </a:rPr>
-              <a:t>The goal of our project was to explore the patterns in the real estate market, mainly home value, regarding different features in the area. </a:t>
-            </a:r>
-          </a:p>
-          <a:p>
-            <a:pPr algn="l">
-              <a:buFont typeface="Arial" panose="020B0604020202020204" pitchFamily="34" charset="0"/>
-              <a:buChar char="•"/>
-            </a:pPr>
-            <a:endParaRPr lang="en-US" dirty="0">
-              <a:latin typeface="-apple-system"/>
-            </a:endParaRPr>
-          </a:p>
-          <a:p>
-            <a:pPr algn="l">
-              <a:buFont typeface="Arial" panose="020B0604020202020204" pitchFamily="34" charset="0"/>
-              <a:buChar char="•"/>
-            </a:pPr>
-            <a:endParaRPr lang="en-US" b="0" i="0" dirty="0">
-              <a:effectLst/>
-              <a:latin typeface="-apple-system"/>
-            </a:endParaRPr>
-          </a:p>
-          <a:p>
-            <a:pPr algn="l">
-              <a:buFont typeface="Arial" panose="020B0604020202020204" pitchFamily="34" charset="0"/>
-              <a:buChar char="•"/>
-            </a:pPr>
-            <a:r>
-              <a:rPr lang="en-US" b="0" i="0" dirty="0">
-                <a:effectLst/>
-                <a:latin typeface="-apple-system"/>
-              </a:rPr>
-              <a:t>Typical Home Value vs different variables such as proximity to parks, access to healthcare, schools in the area, </a:t>
-            </a:r>
-            <a:r>
-              <a:rPr lang="en-US" b="0" i="0" dirty="0" err="1">
-                <a:effectLst/>
-                <a:latin typeface="-apple-system"/>
-              </a:rPr>
-              <a:t>ect</a:t>
-            </a:r>
-            <a:r>
-              <a:rPr lang="en-US" b="0" i="0" dirty="0">
-                <a:effectLst/>
-                <a:latin typeface="-apple-system"/>
-              </a:rPr>
-              <a:t>.</a:t>
-            </a:r>
-            <a:endParaRPr lang="en-US" dirty="0"/>
-          </a:p>
-        </p:txBody>
-      </p:sp>
+        </p:nvGraphicFramePr>
+        <p:xfrm>
+          <a:off x="904602" y="3017519"/>
+          <a:ext cx="10378440" cy="3209902"/>
+        </p:xfrm>
+        <a:graphic>
+          <a:graphicData uri="http://schemas.openxmlformats.org/drawingml/2006/diagram">
+            <dgm:relIds xmlns:dgm="http://schemas.openxmlformats.org/drawingml/2006/diagram" xmlns:r="http://schemas.openxmlformats.org/officeDocument/2006/relationships" r:dm="rId2" r:lo="rId3" r:qs="rId4" r:cs="rId5"/>
+          </a:graphicData>
+        </a:graphic>
+      </p:graphicFrame>
     </p:spTree>
     <p:extLst>
       <p:ext uri="{BB962C8B-B14F-4D97-AF65-F5344CB8AC3E}">
@@ -11402,6 +14134,14 @@
 <file path=ppt/slides/slide3.xml><?xml version="1.0" encoding="utf-8"?>
 <p:sld xmlns:a="http://schemas.openxmlformats.org/drawingml/2006/main" xmlns:r="http://schemas.openxmlformats.org/officeDocument/2006/relationships" xmlns:p="http://schemas.openxmlformats.org/presentationml/2006/main">
   <p:cSld>
+    <p:bg>
+      <p:bgPr>
+        <a:solidFill>
+          <a:schemeClr val="bg1"/>
+        </a:solidFill>
+        <a:effectLst/>
+      </p:bgPr>
+    </p:bg>
     <p:spTree>
       <p:nvGrpSpPr>
         <p:cNvPr id="1" name=""/>
@@ -11416,6 +14156,181 @@
           <a:chExt cx="0" cy="0"/>
         </a:xfrm>
       </p:grpSpPr>
+      <p:sp useBgFill="1">
+        <p:nvSpPr>
+          <p:cNvPr id="9" name="Rectangle 8">
+            <a:extLst>
+              <a:ext uri="{FF2B5EF4-FFF2-40B4-BE49-F238E27FC236}">
+                <a16:creationId xmlns:a16="http://schemas.microsoft.com/office/drawing/2014/main" id="{8FC9BE17-9A7B-462D-AE50-3D8777387304}"/>
+              </a:ext>
+              <a:ext uri="{C183D7F6-B498-43B3-948B-1728B52AA6E4}">
+                <adec:decorative xmlns:adec="http://schemas.microsoft.com/office/drawing/2017/decorative" val="1"/>
+              </a:ext>
+            </a:extLst>
+          </p:cNvPr>
+          <p:cNvSpPr>
+            <a:spLocks noGrp="1" noRot="1" noChangeAspect="1" noMove="1" noResize="1" noEditPoints="1" noAdjustHandles="1" noChangeArrowheads="1" noChangeShapeType="1" noTextEdit="1"/>
+          </p:cNvSpPr>
+          <p:nvPr>
+            <p:extLst>
+              <p:ext uri="{386F3935-93C4-4BCD-93E2-E3B085C9AB24}">
+                <p16:designElem xmlns:p16="http://schemas.microsoft.com/office/powerpoint/2015/main" val="1"/>
+              </p:ext>
+            </p:extLst>
+          </p:nvPr>
+        </p:nvSpPr>
+        <p:spPr>
+          <a:xfrm>
+            <a:off x="0" y="0"/>
+            <a:ext cx="12192000" cy="6858000"/>
+          </a:xfrm>
+          <a:prstGeom prst="rect">
+            <a:avLst/>
+          </a:prstGeom>
+          <a:ln>
+            <a:noFill/>
+          </a:ln>
+        </p:spPr>
+        <p:style>
+          <a:lnRef idx="2">
+            <a:schemeClr val="accent1">
+              <a:shade val="50000"/>
+            </a:schemeClr>
+          </a:lnRef>
+          <a:fillRef idx="1">
+            <a:schemeClr val="accent1"/>
+          </a:fillRef>
+          <a:effectRef idx="0">
+            <a:schemeClr val="accent1"/>
+          </a:effectRef>
+          <a:fontRef idx="minor">
+            <a:schemeClr val="lt1"/>
+          </a:fontRef>
+        </p:style>
+        <p:txBody>
+          <a:bodyPr rtlCol="0" anchor="ctr"/>
+          <a:lstStyle/>
+          <a:p>
+            <a:pPr algn="ctr"/>
+            <a:endParaRPr lang="en-US"/>
+          </a:p>
+        </p:txBody>
+      </p:sp>
+      <p:pic>
+        <p:nvPicPr>
+          <p:cNvPr id="5" name="Picture 4">
+            <a:extLst>
+              <a:ext uri="{FF2B5EF4-FFF2-40B4-BE49-F238E27FC236}">
+                <a16:creationId xmlns:a16="http://schemas.microsoft.com/office/drawing/2014/main" id="{DFA8F048-144C-29E3-1B45-DD484C583BBF}"/>
+              </a:ext>
+            </a:extLst>
+          </p:cNvPr>
+          <p:cNvPicPr>
+            <a:picLocks noChangeAspect="1"/>
+          </p:cNvPicPr>
+          <p:nvPr/>
+        </p:nvPicPr>
+        <p:blipFill rotWithShape="1">
+          <a:blip r:embed="rId2"/>
+          <a:srcRect r="15944"/>
+          <a:stretch/>
+        </p:blipFill>
+        <p:spPr>
+          <a:xfrm>
+            <a:off x="5505254" y="10"/>
+            <a:ext cx="6686746" cy="6857990"/>
+          </a:xfrm>
+          <a:prstGeom prst="rect">
+            <a:avLst/>
+          </a:prstGeom>
+        </p:spPr>
+      </p:pic>
+      <p:sp>
+        <p:nvSpPr>
+          <p:cNvPr id="11" name="Rectangle 10">
+            <a:extLst>
+              <a:ext uri="{FF2B5EF4-FFF2-40B4-BE49-F238E27FC236}">
+                <a16:creationId xmlns:a16="http://schemas.microsoft.com/office/drawing/2014/main" id="{3EBE8569-6AEC-4B8C-8D53-2DE337CDBA65}"/>
+              </a:ext>
+              <a:ext uri="{C183D7F6-B498-43B3-948B-1728B52AA6E4}">
+                <adec:decorative xmlns:adec="http://schemas.microsoft.com/office/drawing/2017/decorative" val="1"/>
+              </a:ext>
+            </a:extLst>
+          </p:cNvPr>
+          <p:cNvSpPr>
+            <a:spLocks noGrp="1" noRot="1" noChangeAspect="1" noMove="1" noResize="1" noEditPoints="1" noAdjustHandles="1" noChangeArrowheads="1" noChangeShapeType="1" noTextEdit="1"/>
+          </p:cNvSpPr>
+          <p:nvPr>
+            <p:extLst>
+              <p:ext uri="{386F3935-93C4-4BCD-93E2-E3B085C9AB24}">
+                <p16:designElem xmlns:p16="http://schemas.microsoft.com/office/powerpoint/2015/main" val="1"/>
+              </p:ext>
+            </p:extLst>
+          </p:nvPr>
+        </p:nvSpPr>
+        <p:spPr>
+          <a:xfrm>
+            <a:off x="2" y="0"/>
+            <a:ext cx="9756601" cy="6858000"/>
+          </a:xfrm>
+          <a:prstGeom prst="rect">
+            <a:avLst/>
+          </a:prstGeom>
+          <a:gradFill>
+            <a:gsLst>
+              <a:gs pos="58000">
+                <a:schemeClr val="bg1"/>
+              </a:gs>
+              <a:gs pos="35000">
+                <a:schemeClr val="bg1">
+                  <a:alpha val="78000"/>
+                </a:schemeClr>
+              </a:gs>
+              <a:gs pos="19000">
+                <a:schemeClr val="bg1">
+                  <a:alpha val="38000"/>
+                </a:schemeClr>
+              </a:gs>
+              <a:gs pos="0">
+                <a:schemeClr val="bg1">
+                  <a:alpha val="0"/>
+                </a:schemeClr>
+              </a:gs>
+              <a:gs pos="100000">
+                <a:schemeClr val="bg1"/>
+              </a:gs>
+            </a:gsLst>
+            <a:lin ang="10800000" scaled="0"/>
+          </a:gradFill>
+          <a:ln>
+            <a:noFill/>
+          </a:ln>
+        </p:spPr>
+        <p:style>
+          <a:lnRef idx="2">
+            <a:schemeClr val="accent1">
+              <a:shade val="50000"/>
+            </a:schemeClr>
+          </a:lnRef>
+          <a:fillRef idx="1">
+            <a:schemeClr val="accent1"/>
+          </a:fillRef>
+          <a:effectRef idx="0">
+            <a:schemeClr val="accent1"/>
+          </a:effectRef>
+          <a:fontRef idx="minor">
+            <a:schemeClr val="lt1"/>
+          </a:fontRef>
+        </p:style>
+        <p:txBody>
+          <a:bodyPr rtlCol="0" anchor="ctr"/>
+          <a:lstStyle/>
+          <a:p>
+            <a:pPr algn="ctr"/>
+            <a:endParaRPr lang="en-US" dirty="0"/>
+          </a:p>
+        </p:txBody>
+      </p:sp>
       <p:sp>
         <p:nvSpPr>
           <p:cNvPr id="2" name="Title 1">
@@ -11432,22 +14347,208 @@
             <p:ph type="title"/>
           </p:nvPr>
         </p:nvSpPr>
-        <p:spPr/>
+        <p:spPr>
+          <a:xfrm>
+            <a:off x="371094" y="1161288"/>
+            <a:ext cx="3438144" cy="1124712"/>
+          </a:xfrm>
+        </p:spPr>
         <p:txBody>
-          <a:bodyPr/>
+          <a:bodyPr anchor="b">
+            <a:normAutofit/>
+          </a:bodyPr>
           <a:lstStyle/>
           <a:p>
             <a:r>
-              <a:rPr lang="en-US" b="0" i="0" dirty="0">
-                <a:solidFill>
-                  <a:srgbClr val="2B2B2B"/>
-                </a:solidFill>
+              <a:rPr lang="en-US" sz="3200" dirty="0">
+                <a:latin typeface="Roboto" panose="02000000000000000000" pitchFamily="2" charset="0"/>
+              </a:rPr>
+              <a:t>D</a:t>
+            </a:r>
+            <a:r>
+              <a:rPr lang="en-US" sz="3200" b="0" i="0" dirty="0">
                 <a:effectLst/>
                 <a:latin typeface="Roboto" panose="02000000000000000000" pitchFamily="2" charset="0"/>
               </a:rPr>
-              <a:t>data collection &amp; cleanup</a:t>
+              <a:t>ata </a:t>
             </a:r>
-            <a:endParaRPr lang="en-US" dirty="0"/>
+            <a:r>
+              <a:rPr lang="en-US" sz="3200" dirty="0">
+                <a:latin typeface="Roboto" panose="02000000000000000000" pitchFamily="2" charset="0"/>
+              </a:rPr>
+              <a:t>C</a:t>
+            </a:r>
+            <a:r>
+              <a:rPr lang="en-US" sz="3200" b="0" i="0" dirty="0">
+                <a:effectLst/>
+                <a:latin typeface="Roboto" panose="02000000000000000000" pitchFamily="2" charset="0"/>
+              </a:rPr>
+              <a:t>ollection: Round One</a:t>
+            </a:r>
+            <a:endParaRPr lang="en-US" sz="3200" dirty="0"/>
+          </a:p>
+        </p:txBody>
+      </p:sp>
+      <p:sp>
+        <p:nvSpPr>
+          <p:cNvPr id="13" name="Rectangle 12">
+            <a:extLst>
+              <a:ext uri="{FF2B5EF4-FFF2-40B4-BE49-F238E27FC236}">
+                <a16:creationId xmlns:a16="http://schemas.microsoft.com/office/drawing/2014/main" id="{55D4142C-5077-457F-A6AD-3FECFDB39685}"/>
+              </a:ext>
+              <a:ext uri="{C183D7F6-B498-43B3-948B-1728B52AA6E4}">
+                <adec:decorative xmlns:adec="http://schemas.microsoft.com/office/drawing/2017/decorative" val="1"/>
+              </a:ext>
+            </a:extLst>
+          </p:cNvPr>
+          <p:cNvSpPr>
+            <a:spLocks noGrp="1" noRot="1" noChangeAspect="1" noMove="1" noResize="1" noEditPoints="1" noAdjustHandles="1" noChangeArrowheads="1" noChangeShapeType="1" noTextEdit="1"/>
+          </p:cNvSpPr>
+          <p:nvPr>
+            <p:extLst>
+              <p:ext uri="{386F3935-93C4-4BCD-93E2-E3B085C9AB24}">
+                <p16:designElem xmlns:p16="http://schemas.microsoft.com/office/powerpoint/2015/main" val="1"/>
+              </p:ext>
+            </p:extLst>
+          </p:nvPr>
+        </p:nvSpPr>
+        <p:spPr>
+          <a:xfrm rot="5400000">
+            <a:off x="662559" y="605790"/>
+            <a:ext cx="73152" cy="548640"/>
+          </a:xfrm>
+          <a:prstGeom prst="rect">
+            <a:avLst/>
+          </a:prstGeom>
+          <a:solidFill>
+            <a:schemeClr val="accent2"/>
+          </a:solidFill>
+          <a:ln>
+            <a:noFill/>
+          </a:ln>
+        </p:spPr>
+        <p:style>
+          <a:lnRef idx="2">
+            <a:schemeClr val="accent1">
+              <a:shade val="50000"/>
+            </a:schemeClr>
+          </a:lnRef>
+          <a:fillRef idx="1">
+            <a:schemeClr val="accent1"/>
+          </a:fillRef>
+          <a:effectRef idx="0">
+            <a:schemeClr val="accent1"/>
+          </a:effectRef>
+          <a:fontRef idx="minor">
+            <a:schemeClr val="lt1"/>
+          </a:fontRef>
+        </p:style>
+        <p:txBody>
+          <a:bodyPr rtlCol="0" anchor="ctr"/>
+          <a:lstStyle/>
+          <a:p>
+            <a:pPr algn="ctr"/>
+            <a:endParaRPr lang="en-US">
+              <a:solidFill>
+                <a:prstClr val="white"/>
+              </a:solidFill>
+              <a:latin typeface="Calibri" panose="020F0502020204030204"/>
+            </a:endParaRPr>
+          </a:p>
+        </p:txBody>
+      </p:sp>
+      <p:sp>
+        <p:nvSpPr>
+          <p:cNvPr id="15" name="Rectangle 14">
+            <a:extLst>
+              <a:ext uri="{FF2B5EF4-FFF2-40B4-BE49-F238E27FC236}">
+                <a16:creationId xmlns:a16="http://schemas.microsoft.com/office/drawing/2014/main" id="{7A5F0580-5EE9-419F-96EE-B6529EF6E7D0}"/>
+              </a:ext>
+              <a:ext uri="{C183D7F6-B498-43B3-948B-1728B52AA6E4}">
+                <adec:decorative xmlns:adec="http://schemas.microsoft.com/office/drawing/2017/decorative" val="1"/>
+              </a:ext>
+            </a:extLst>
+          </p:cNvPr>
+          <p:cNvSpPr>
+            <a:spLocks noGrp="1" noRot="1" noChangeAspect="1" noMove="1" noResize="1" noEditPoints="1" noAdjustHandles="1" noChangeArrowheads="1" noChangeShapeType="1" noTextEdit="1"/>
+          </p:cNvSpPr>
+          <p:nvPr>
+            <p:extLst>
+              <p:ext uri="{386F3935-93C4-4BCD-93E2-E3B085C9AB24}">
+                <p16:designElem xmlns:p16="http://schemas.microsoft.com/office/powerpoint/2015/main" val="1"/>
+              </p:ext>
+            </p:extLst>
+          </p:nvPr>
+        </p:nvSpPr>
+        <p:spPr>
+          <a:xfrm>
+            <a:off x="428244" y="2443480"/>
+            <a:ext cx="3300984" cy="9144"/>
+          </a:xfrm>
+          <a:prstGeom prst="rect">
+            <a:avLst/>
+          </a:prstGeom>
+          <a:solidFill>
+            <a:srgbClr val="D5D5D5"/>
+          </a:solidFill>
+          <a:ln w="3175">
+            <a:solidFill>
+              <a:srgbClr val="D5D5D5"/>
+            </a:solidFill>
+          </a:ln>
+          <a:effectLst/>
+        </p:spPr>
+        <p:style>
+          <a:lnRef idx="2">
+            <a:schemeClr val="accent1">
+              <a:shade val="50000"/>
+            </a:schemeClr>
+          </a:lnRef>
+          <a:fillRef idx="1">
+            <a:schemeClr val="accent1"/>
+          </a:fillRef>
+          <a:effectRef idx="0">
+            <a:schemeClr val="accent1"/>
+          </a:effectRef>
+          <a:fontRef idx="minor">
+            <a:schemeClr val="lt1"/>
+          </a:fontRef>
+        </p:style>
+        <p:txBody>
+          <a:bodyPr rtlCol="0" anchor="ctr"/>
+          <a:lstStyle/>
+          <a:p>
+            <a:pPr marL="0" marR="0" lvl="0" indent="0" algn="ctr" defTabSz="914400" rtl="0" eaLnBrk="1" fontAlgn="auto" latinLnBrk="0" hangingPunct="1">
+              <a:lnSpc>
+                <a:spcPct val="100000"/>
+              </a:lnSpc>
+              <a:spcBef>
+                <a:spcPts val="0"/>
+              </a:spcBef>
+              <a:spcAft>
+                <a:spcPts val="0"/>
+              </a:spcAft>
+              <a:buClrTx/>
+              <a:buSzTx/>
+              <a:buFontTx/>
+              <a:buNone/>
+              <a:tabLst/>
+              <a:defRPr/>
+            </a:pPr>
+            <a:endParaRPr kumimoji="0" lang="en-US" sz="1800" b="0" i="0" u="none" strike="noStrike" kern="1200" cap="none" spc="0" normalizeH="0" baseline="0" noProof="0">
+              <a:ln>
+                <a:noFill/>
+              </a:ln>
+              <a:solidFill>
+                <a:prstClr val="white"/>
+              </a:solidFill>
+              <a:effectLst/>
+              <a:uLnTx/>
+              <a:uFillTx/>
+              <a:latin typeface="Calibri" panose="020F0502020204030204"/>
+              <a:ea typeface="+mn-ea"/>
+              <a:cs typeface="+mn-cs"/>
+            </a:endParaRPr>
           </a:p>
         </p:txBody>
       </p:sp>
@@ -11467,20 +14568,24 @@
             <p:ph idx="1"/>
           </p:nvPr>
         </p:nvSpPr>
-        <p:spPr/>
+        <p:spPr>
+          <a:xfrm>
+            <a:off x="371094" y="2718054"/>
+            <a:ext cx="5134160" cy="3207258"/>
+          </a:xfrm>
+        </p:spPr>
         <p:txBody>
-          <a:bodyPr/>
+          <a:bodyPr anchor="t">
+            <a:normAutofit/>
+          </a:bodyPr>
           <a:lstStyle/>
           <a:p>
-            <a:pPr algn="l">
+            <a:pPr>
               <a:buFont typeface="Arial" panose="020B0604020202020204" pitchFamily="34" charset="0"/>
               <a:buChar char="•"/>
             </a:pPr>
             <a:r>
-              <a:rPr lang="en-US" b="0" i="0" dirty="0">
-                <a:solidFill>
-                  <a:srgbClr val="2B2B2B"/>
-                </a:solidFill>
+              <a:rPr lang="en-US" sz="1800" b="0" i="0" dirty="0">
                 <a:effectLst/>
                 <a:latin typeface="Roboto" panose="02000000000000000000" pitchFamily="2" charset="0"/>
               </a:rPr>
@@ -11488,14 +14593,11 @@
             </a:r>
           </a:p>
           <a:p>
-            <a:pPr algn="l">
+            <a:pPr>
               <a:buFont typeface="Arial" panose="020B0604020202020204" pitchFamily="34" charset="0"/>
               <a:buChar char="•"/>
             </a:pPr>
-            <a:endParaRPr lang="en-US" b="0" i="0" dirty="0">
-              <a:solidFill>
-                <a:srgbClr val="2B2B2B"/>
-              </a:solidFill>
+            <a:endParaRPr lang="en-US" sz="1800" b="0" i="0" dirty="0">
               <a:effectLst/>
               <a:latin typeface="Roboto" panose="02000000000000000000" pitchFamily="2" charset="0"/>
             </a:endParaRPr>
@@ -11503,10 +14605,7 @@
           <a:p>
             <a:pPr lvl="1"/>
             <a:r>
-              <a:rPr lang="en-US" dirty="0">
-                <a:solidFill>
-                  <a:srgbClr val="2B2B2B"/>
-                </a:solidFill>
+              <a:rPr lang="en-US" sz="1800" dirty="0">
                 <a:latin typeface="Roboto" panose="02000000000000000000" pitchFamily="2" charset="0"/>
               </a:rPr>
               <a:t>The data set uses Zillow Home Value Index (ZHVI) to describe the typical home price at different geographical levels</a:t>
@@ -11515,19 +14614,13 @@
           <a:p>
             <a:pPr lvl="2"/>
             <a:r>
-              <a:rPr lang="en-US" dirty="0">
-                <a:solidFill>
-                  <a:srgbClr val="2B2B2B"/>
-                </a:solidFill>
+              <a:rPr lang="en-US" sz="1800" dirty="0">
                 <a:latin typeface="Roboto" panose="02000000000000000000" pitchFamily="2" charset="0"/>
-                <a:hlinkClick r:id="rId2"/>
+                <a:hlinkClick r:id="rId3"/>
               </a:rPr>
               <a:t>https://www.zillow.com/research/data/</a:t>
             </a:r>
-            <a:endParaRPr lang="en-US" dirty="0">
-              <a:solidFill>
-                <a:srgbClr val="2B2B2B"/>
-              </a:solidFill>
+            <a:endParaRPr lang="en-US" sz="1800" dirty="0">
               <a:latin typeface="Roboto" panose="02000000000000000000" pitchFamily="2" charset="0"/>
             </a:endParaRPr>
           </a:p>
@@ -11535,20 +14628,14 @@
             <a:pPr marL="914400" lvl="2" indent="0">
               <a:buNone/>
             </a:pPr>
-            <a:endParaRPr lang="en-US" dirty="0">
-              <a:solidFill>
-                <a:srgbClr val="2B2B2B"/>
-              </a:solidFill>
+            <a:endParaRPr lang="en-US" sz="1800" dirty="0">
               <a:latin typeface="Roboto" panose="02000000000000000000" pitchFamily="2" charset="0"/>
             </a:endParaRPr>
           </a:p>
           <a:p>
             <a:pPr lvl="1"/>
             <a:r>
-              <a:rPr lang="en-US" b="0" i="0" dirty="0">
-                <a:solidFill>
-                  <a:srgbClr val="2B2B2B"/>
-                </a:solidFill>
+              <a:rPr lang="en-US" sz="1800" b="0" i="0" dirty="0">
                 <a:effectLst/>
                 <a:latin typeface="Roboto" panose="02000000000000000000" pitchFamily="2" charset="0"/>
               </a:rPr>
@@ -11557,10 +14644,7 @@
           </a:p>
           <a:p>
             <a:pPr lvl="1"/>
-            <a:endParaRPr lang="en-US" b="0" i="0" dirty="0">
-              <a:solidFill>
-                <a:srgbClr val="2B2B2B"/>
-              </a:solidFill>
+            <a:endParaRPr lang="en-US" sz="1400" b="0" i="0" dirty="0">
               <a:effectLst/>
               <a:latin typeface="Roboto" panose="02000000000000000000" pitchFamily="2" charset="0"/>
             </a:endParaRPr>
@@ -13673,6 +16757,14 @@
 <file path=ppt/slides/slide7.xml><?xml version="1.0" encoding="utf-8"?>
 <p:sld xmlns:a="http://schemas.openxmlformats.org/drawingml/2006/main" xmlns:r="http://schemas.openxmlformats.org/officeDocument/2006/relationships" xmlns:p="http://schemas.openxmlformats.org/presentationml/2006/main">
   <p:cSld>
+    <p:bg>
+      <p:bgPr>
+        <a:solidFill>
+          <a:schemeClr val="bg1"/>
+        </a:solidFill>
+        <a:effectLst/>
+      </p:bgPr>
+    </p:bg>
     <p:spTree>
       <p:nvGrpSpPr>
         <p:cNvPr id="1" name=""/>
@@ -13687,6 +16779,66 @@
           <a:chExt cx="0" cy="0"/>
         </a:xfrm>
       </p:grpSpPr>
+      <p:sp useBgFill="1">
+        <p:nvSpPr>
+          <p:cNvPr id="9" name="Rectangle 8">
+            <a:extLst>
+              <a:ext uri="{FF2B5EF4-FFF2-40B4-BE49-F238E27FC236}">
+                <a16:creationId xmlns:a16="http://schemas.microsoft.com/office/drawing/2014/main" id="{2C61293E-6EBE-43EF-A52C-9BEBFD7679D4}"/>
+              </a:ext>
+              <a:ext uri="{C183D7F6-B498-43B3-948B-1728B52AA6E4}">
+                <adec:decorative xmlns:adec="http://schemas.microsoft.com/office/drawing/2017/decorative" val="1"/>
+              </a:ext>
+            </a:extLst>
+          </p:cNvPr>
+          <p:cNvSpPr>
+            <a:spLocks noGrp="1" noRot="1" noChangeAspect="1" noMove="1" noResize="1" noEditPoints="1" noAdjustHandles="1" noChangeArrowheads="1" noChangeShapeType="1" noTextEdit="1"/>
+          </p:cNvSpPr>
+          <p:nvPr>
+            <p:extLst>
+              <p:ext uri="{386F3935-93C4-4BCD-93E2-E3B085C9AB24}">
+                <p16:designElem xmlns:p16="http://schemas.microsoft.com/office/powerpoint/2015/main" val="1"/>
+              </p:ext>
+            </p:extLst>
+          </p:nvPr>
+        </p:nvSpPr>
+        <p:spPr>
+          <a:xfrm>
+            <a:off x="0" y="0"/>
+            <a:ext cx="12188952" cy="6858000"/>
+          </a:xfrm>
+          <a:prstGeom prst="rect">
+            <a:avLst/>
+          </a:prstGeom>
+          <a:ln>
+            <a:noFill/>
+          </a:ln>
+        </p:spPr>
+        <p:style>
+          <a:lnRef idx="2">
+            <a:schemeClr val="accent1">
+              <a:shade val="50000"/>
+            </a:schemeClr>
+          </a:lnRef>
+          <a:fillRef idx="1">
+            <a:schemeClr val="accent1"/>
+          </a:fillRef>
+          <a:effectRef idx="0">
+            <a:schemeClr val="accent1"/>
+          </a:effectRef>
+          <a:fontRef idx="minor">
+            <a:schemeClr val="lt1"/>
+          </a:fontRef>
+        </p:style>
+        <p:txBody>
+          <a:bodyPr rtlCol="0" anchor="ctr"/>
+          <a:lstStyle/>
+          <a:p>
+            <a:pPr algn="ctr"/>
+            <a:endParaRPr lang="en-US"/>
+          </a:p>
+        </p:txBody>
+      </p:sp>
       <p:sp>
         <p:nvSpPr>
           <p:cNvPr id="2" name="Title 1">
@@ -13703,22 +16855,529 @@
             <p:ph type="title"/>
           </p:nvPr>
         </p:nvSpPr>
-        <p:spPr/>
+        <p:spPr>
+          <a:xfrm>
+            <a:off x="5297762" y="329184"/>
+            <a:ext cx="6251110" cy="1783080"/>
+          </a:xfrm>
+        </p:spPr>
         <p:txBody>
-          <a:bodyPr/>
+          <a:bodyPr anchor="b">
+            <a:normAutofit/>
+          </a:bodyPr>
           <a:lstStyle/>
           <a:p>
             <a:r>
-              <a:rPr lang="en-US" b="0" i="0" dirty="0">
-                <a:solidFill>
-                  <a:srgbClr val="2B2B2B"/>
-                </a:solidFill>
+              <a:rPr lang="en-US" sz="5400" dirty="0">
+                <a:latin typeface="Roboto" panose="02000000000000000000" pitchFamily="2" charset="0"/>
+              </a:rPr>
+              <a:t>D</a:t>
+            </a:r>
+            <a:r>
+              <a:rPr lang="en-US" sz="5400" b="0" i="0" dirty="0">
                 <a:effectLst/>
                 <a:latin typeface="Roboto" panose="02000000000000000000" pitchFamily="2" charset="0"/>
               </a:rPr>
-              <a:t>data collection &amp; cleanup</a:t>
+              <a:t>ata </a:t>
             </a:r>
-            <a:endParaRPr lang="en-US" dirty="0"/>
+            <a:r>
+              <a:rPr lang="en-US" sz="5400" dirty="0">
+                <a:latin typeface="Roboto" panose="02000000000000000000" pitchFamily="2" charset="0"/>
+              </a:rPr>
+              <a:t>C</a:t>
+            </a:r>
+            <a:r>
+              <a:rPr lang="en-US" sz="5400" b="0" i="0" dirty="0">
+                <a:effectLst/>
+                <a:latin typeface="Roboto" panose="02000000000000000000" pitchFamily="2" charset="0"/>
+              </a:rPr>
+              <a:t>ollection: Round Two</a:t>
+            </a:r>
+            <a:endParaRPr lang="en-US" sz="5400" dirty="0"/>
+          </a:p>
+        </p:txBody>
+      </p:sp>
+      <p:pic>
+        <p:nvPicPr>
+          <p:cNvPr id="5" name="Picture 4" descr="Red drawing pins on a map">
+            <a:extLst>
+              <a:ext uri="{FF2B5EF4-FFF2-40B4-BE49-F238E27FC236}">
+                <a16:creationId xmlns:a16="http://schemas.microsoft.com/office/drawing/2014/main" id="{F9309AA3-1B65-6B99-994D-A5C146D59DBF}"/>
+              </a:ext>
+            </a:extLst>
+          </p:cNvPr>
+          <p:cNvPicPr>
+            <a:picLocks noChangeAspect="1"/>
+          </p:cNvPicPr>
+          <p:nvPr/>
+        </p:nvPicPr>
+        <p:blipFill rotWithShape="1">
+          <a:blip r:embed="rId2"/>
+          <a:srcRect l="20618" r="28449"/>
+          <a:stretch/>
+        </p:blipFill>
+        <p:spPr>
+          <a:xfrm>
+            <a:off x="1" y="10"/>
+            <a:ext cx="4657344" cy="6857990"/>
+          </a:xfrm>
+          <a:custGeom>
+            <a:avLst/>
+            <a:gdLst/>
+            <a:ahLst/>
+            <a:cxnLst/>
+            <a:rect l="l" t="t" r="r" b="b"/>
+            <a:pathLst>
+              <a:path w="4657344" h="6858000">
+                <a:moveTo>
+                  <a:pt x="0" y="0"/>
+                </a:moveTo>
+                <a:lnTo>
+                  <a:pt x="3429755" y="0"/>
+                </a:lnTo>
+                <a:lnTo>
+                  <a:pt x="3526016" y="148742"/>
+                </a:lnTo>
+                <a:cubicBezTo>
+                  <a:pt x="3657740" y="365513"/>
+                  <a:pt x="3777402" y="589569"/>
+                  <a:pt x="3886489" y="819975"/>
+                </a:cubicBezTo>
+                <a:cubicBezTo>
+                  <a:pt x="3891856" y="833492"/>
+                  <a:pt x="3900663" y="845393"/>
+                  <a:pt x="3912049" y="854514"/>
+                </a:cubicBezTo>
+                <a:cubicBezTo>
+                  <a:pt x="3897352" y="819849"/>
+                  <a:pt x="3883037" y="784928"/>
+                  <a:pt x="3868083" y="750263"/>
+                </a:cubicBezTo>
+                <a:cubicBezTo>
+                  <a:pt x="3806989" y="608712"/>
+                  <a:pt x="3742478" y="469145"/>
+                  <a:pt x="3674155" y="331786"/>
+                </a:cubicBezTo>
+                <a:lnTo>
+                  <a:pt x="3496656" y="0"/>
+                </a:lnTo>
+                <a:lnTo>
+                  <a:pt x="3554371" y="0"/>
+                </a:lnTo>
+                <a:lnTo>
+                  <a:pt x="3661621" y="196614"/>
+                </a:lnTo>
+                <a:cubicBezTo>
+                  <a:pt x="3856899" y="573253"/>
+                  <a:pt x="4021071" y="966066"/>
+                  <a:pt x="4161279" y="1371196"/>
+                </a:cubicBezTo>
+                <a:cubicBezTo>
+                  <a:pt x="4379525" y="2007265"/>
+                  <a:pt x="4530141" y="2664286"/>
+                  <a:pt x="4610660" y="3331516"/>
+                </a:cubicBezTo>
+                <a:cubicBezTo>
+                  <a:pt x="4652837" y="3672965"/>
+                  <a:pt x="4671625" y="4013908"/>
+                  <a:pt x="4645040" y="4357388"/>
+                </a:cubicBezTo>
+                <a:cubicBezTo>
+                  <a:pt x="4613599" y="4758899"/>
+                  <a:pt x="4566181" y="5157998"/>
+                  <a:pt x="4485789" y="5552906"/>
+                </a:cubicBezTo>
+                <a:cubicBezTo>
+                  <a:pt x="4397121" y="5988893"/>
+                  <a:pt x="4276748" y="6414594"/>
+                  <a:pt x="4117769" y="6828295"/>
+                </a:cubicBezTo>
+                <a:lnTo>
+                  <a:pt x="4105288" y="6858000"/>
+                </a:lnTo>
+                <a:lnTo>
+                  <a:pt x="4052520" y="6858000"/>
+                </a:lnTo>
+                <a:lnTo>
+                  <a:pt x="4059369" y="6841549"/>
+                </a:lnTo>
+                <a:cubicBezTo>
+                  <a:pt x="4147276" y="6614016"/>
+                  <a:pt x="4224193" y="6380817"/>
+                  <a:pt x="4291518" y="6142729"/>
+                </a:cubicBezTo>
+                <a:cubicBezTo>
+                  <a:pt x="4350055" y="5935370"/>
+                  <a:pt x="4393256" y="5723695"/>
+                  <a:pt x="4443357" y="5513923"/>
+                </a:cubicBezTo>
+                <a:cubicBezTo>
+                  <a:pt x="4444541" y="5502788"/>
+                  <a:pt x="4445137" y="5491601"/>
+                  <a:pt x="4445146" y="5480401"/>
+                </a:cubicBezTo>
+                <a:cubicBezTo>
+                  <a:pt x="4408465" y="5607635"/>
+                  <a:pt x="4379196" y="5719759"/>
+                  <a:pt x="4344559" y="5830359"/>
+                </a:cubicBezTo>
+                <a:cubicBezTo>
+                  <a:pt x="4254261" y="6118381"/>
+                  <a:pt x="4150112" y="6398531"/>
+                  <a:pt x="4031702" y="6670527"/>
+                </a:cubicBezTo>
+                <a:lnTo>
+                  <a:pt x="3943824" y="6858000"/>
+                </a:lnTo>
+                <a:lnTo>
+                  <a:pt x="0" y="6858000"/>
+                </a:lnTo>
+                <a:close/>
+              </a:path>
+            </a:pathLst>
+          </a:custGeom>
+        </p:spPr>
+      </p:pic>
+      <p:sp>
+        <p:nvSpPr>
+          <p:cNvPr id="11" name="sketchy line">
+            <a:extLst>
+              <a:ext uri="{FF2B5EF4-FFF2-40B4-BE49-F238E27FC236}">
+                <a16:creationId xmlns:a16="http://schemas.microsoft.com/office/drawing/2014/main" id="{21540236-BFD5-4A9D-8840-4703E7F76825}"/>
+              </a:ext>
+              <a:ext uri="{C183D7F6-B498-43B3-948B-1728B52AA6E4}">
+                <adec:decorative xmlns:adec="http://schemas.microsoft.com/office/drawing/2017/decorative" val="1"/>
+              </a:ext>
+            </a:extLst>
+          </p:cNvPr>
+          <p:cNvSpPr>
+            <a:spLocks noGrp="1" noRot="1" noChangeAspect="1" noMove="1" noResize="1" noEditPoints="1" noAdjustHandles="1" noChangeArrowheads="1" noChangeShapeType="1" noTextEdit="1"/>
+          </p:cNvSpPr>
+          <p:nvPr>
+            <p:extLst>
+              <p:ext uri="{386F3935-93C4-4BCD-93E2-E3B085C9AB24}">
+                <p16:designElem xmlns:p16="http://schemas.microsoft.com/office/powerpoint/2015/main" val="1"/>
+              </p:ext>
+            </p:extLst>
+          </p:nvPr>
+        </p:nvSpPr>
+        <p:spPr>
+          <a:xfrm>
+            <a:off x="5297762" y="2374947"/>
+            <a:ext cx="4243589" cy="18288"/>
+          </a:xfrm>
+          <a:custGeom>
+            <a:avLst/>
+            <a:gdLst>
+              <a:gd name="connsiteX0" fmla="*/ 0 w 4243589"/>
+              <a:gd name="connsiteY0" fmla="*/ 0 h 18288"/>
+              <a:gd name="connsiteX1" fmla="*/ 478919 w 4243589"/>
+              <a:gd name="connsiteY1" fmla="*/ 0 h 18288"/>
+              <a:gd name="connsiteX2" fmla="*/ 957839 w 4243589"/>
+              <a:gd name="connsiteY2" fmla="*/ 0 h 18288"/>
+              <a:gd name="connsiteX3" fmla="*/ 1521630 w 4243589"/>
+              <a:gd name="connsiteY3" fmla="*/ 0 h 18288"/>
+              <a:gd name="connsiteX4" fmla="*/ 2212729 w 4243589"/>
+              <a:gd name="connsiteY4" fmla="*/ 0 h 18288"/>
+              <a:gd name="connsiteX5" fmla="*/ 2734084 w 4243589"/>
+              <a:gd name="connsiteY5" fmla="*/ 0 h 18288"/>
+              <a:gd name="connsiteX6" fmla="*/ 3255439 w 4243589"/>
+              <a:gd name="connsiteY6" fmla="*/ 0 h 18288"/>
+              <a:gd name="connsiteX7" fmla="*/ 4243589 w 4243589"/>
+              <a:gd name="connsiteY7" fmla="*/ 0 h 18288"/>
+              <a:gd name="connsiteX8" fmla="*/ 4243589 w 4243589"/>
+              <a:gd name="connsiteY8" fmla="*/ 18288 h 18288"/>
+              <a:gd name="connsiteX9" fmla="*/ 3594926 w 4243589"/>
+              <a:gd name="connsiteY9" fmla="*/ 18288 h 18288"/>
+              <a:gd name="connsiteX10" fmla="*/ 3073571 w 4243589"/>
+              <a:gd name="connsiteY10" fmla="*/ 18288 h 18288"/>
+              <a:gd name="connsiteX11" fmla="*/ 2552216 w 4243589"/>
+              <a:gd name="connsiteY11" fmla="*/ 18288 h 18288"/>
+              <a:gd name="connsiteX12" fmla="*/ 1903553 w 4243589"/>
+              <a:gd name="connsiteY12" fmla="*/ 18288 h 18288"/>
+              <a:gd name="connsiteX13" fmla="*/ 1212454 w 4243589"/>
+              <a:gd name="connsiteY13" fmla="*/ 18288 h 18288"/>
+              <a:gd name="connsiteX14" fmla="*/ 733535 w 4243589"/>
+              <a:gd name="connsiteY14" fmla="*/ 18288 h 18288"/>
+              <a:gd name="connsiteX15" fmla="*/ 0 w 4243589"/>
+              <a:gd name="connsiteY15" fmla="*/ 18288 h 18288"/>
+              <a:gd name="connsiteX16" fmla="*/ 0 w 4243589"/>
+              <a:gd name="connsiteY16" fmla="*/ 0 h 18288"/>
+            </a:gdLst>
+            <a:ahLst/>
+            <a:cxnLst>
+              <a:cxn ang="0">
+                <a:pos x="connsiteX0" y="connsiteY0"/>
+              </a:cxn>
+              <a:cxn ang="0">
+                <a:pos x="connsiteX1" y="connsiteY1"/>
+              </a:cxn>
+              <a:cxn ang="0">
+                <a:pos x="connsiteX2" y="connsiteY2"/>
+              </a:cxn>
+              <a:cxn ang="0">
+                <a:pos x="connsiteX3" y="connsiteY3"/>
+              </a:cxn>
+              <a:cxn ang="0">
+                <a:pos x="connsiteX4" y="connsiteY4"/>
+              </a:cxn>
+              <a:cxn ang="0">
+                <a:pos x="connsiteX5" y="connsiteY5"/>
+              </a:cxn>
+              <a:cxn ang="0">
+                <a:pos x="connsiteX6" y="connsiteY6"/>
+              </a:cxn>
+              <a:cxn ang="0">
+                <a:pos x="connsiteX7" y="connsiteY7"/>
+              </a:cxn>
+              <a:cxn ang="0">
+                <a:pos x="connsiteX8" y="connsiteY8"/>
+              </a:cxn>
+              <a:cxn ang="0">
+                <a:pos x="connsiteX9" y="connsiteY9"/>
+              </a:cxn>
+              <a:cxn ang="0">
+                <a:pos x="connsiteX10" y="connsiteY10"/>
+              </a:cxn>
+              <a:cxn ang="0">
+                <a:pos x="connsiteX11" y="connsiteY11"/>
+              </a:cxn>
+              <a:cxn ang="0">
+                <a:pos x="connsiteX12" y="connsiteY12"/>
+              </a:cxn>
+              <a:cxn ang="0">
+                <a:pos x="connsiteX13" y="connsiteY13"/>
+              </a:cxn>
+              <a:cxn ang="0">
+                <a:pos x="connsiteX14" y="connsiteY14"/>
+              </a:cxn>
+              <a:cxn ang="0">
+                <a:pos x="connsiteX15" y="connsiteY15"/>
+              </a:cxn>
+              <a:cxn ang="0">
+                <a:pos x="connsiteX16" y="connsiteY16"/>
+              </a:cxn>
+            </a:cxnLst>
+            <a:rect l="l" t="t" r="r" b="b"/>
+            <a:pathLst>
+              <a:path w="4243589" h="18288" fill="none" extrusionOk="0">
+                <a:moveTo>
+                  <a:pt x="0" y="0"/>
+                </a:moveTo>
+                <a:cubicBezTo>
+                  <a:pt x="213395" y="-21006"/>
+                  <a:pt x="307421" y="-18116"/>
+                  <a:pt x="478919" y="0"/>
+                </a:cubicBezTo>
+                <a:cubicBezTo>
+                  <a:pt x="650417" y="18116"/>
+                  <a:pt x="831092" y="-21237"/>
+                  <a:pt x="957839" y="0"/>
+                </a:cubicBezTo>
+                <a:cubicBezTo>
+                  <a:pt x="1084586" y="21237"/>
+                  <a:pt x="1301682" y="25124"/>
+                  <a:pt x="1521630" y="0"/>
+                </a:cubicBezTo>
+                <a:cubicBezTo>
+                  <a:pt x="1741578" y="-25124"/>
+                  <a:pt x="1970269" y="-29139"/>
+                  <a:pt x="2212729" y="0"/>
+                </a:cubicBezTo>
+                <a:cubicBezTo>
+                  <a:pt x="2455189" y="29139"/>
+                  <a:pt x="2558847" y="-4796"/>
+                  <a:pt x="2734084" y="0"/>
+                </a:cubicBezTo>
+                <a:cubicBezTo>
+                  <a:pt x="2909321" y="4796"/>
+                  <a:pt x="3097217" y="-13409"/>
+                  <a:pt x="3255439" y="0"/>
+                </a:cubicBezTo>
+                <a:cubicBezTo>
+                  <a:pt x="3413662" y="13409"/>
+                  <a:pt x="3979999" y="-10121"/>
+                  <a:pt x="4243589" y="0"/>
+                </a:cubicBezTo>
+                <a:cubicBezTo>
+                  <a:pt x="4244484" y="8974"/>
+                  <a:pt x="4243043" y="9359"/>
+                  <a:pt x="4243589" y="18288"/>
+                </a:cubicBezTo>
+                <a:cubicBezTo>
+                  <a:pt x="4058777" y="31246"/>
+                  <a:pt x="3910348" y="3158"/>
+                  <a:pt x="3594926" y="18288"/>
+                </a:cubicBezTo>
+                <a:cubicBezTo>
+                  <a:pt x="3279504" y="33418"/>
+                  <a:pt x="3319955" y="-3977"/>
+                  <a:pt x="3073571" y="18288"/>
+                </a:cubicBezTo>
+                <a:cubicBezTo>
+                  <a:pt x="2827187" y="40553"/>
+                  <a:pt x="2767387" y="1863"/>
+                  <a:pt x="2552216" y="18288"/>
+                </a:cubicBezTo>
+                <a:cubicBezTo>
+                  <a:pt x="2337046" y="34713"/>
+                  <a:pt x="2181871" y="19527"/>
+                  <a:pt x="1903553" y="18288"/>
+                </a:cubicBezTo>
+                <a:cubicBezTo>
+                  <a:pt x="1625235" y="17049"/>
+                  <a:pt x="1557672" y="24174"/>
+                  <a:pt x="1212454" y="18288"/>
+                </a:cubicBezTo>
+                <a:cubicBezTo>
+                  <a:pt x="867236" y="12402"/>
+                  <a:pt x="874382" y="15627"/>
+                  <a:pt x="733535" y="18288"/>
+                </a:cubicBezTo>
+                <a:cubicBezTo>
+                  <a:pt x="592688" y="20949"/>
+                  <a:pt x="183477" y="14753"/>
+                  <a:pt x="0" y="18288"/>
+                </a:cubicBezTo>
+                <a:cubicBezTo>
+                  <a:pt x="-229" y="14222"/>
+                  <a:pt x="509" y="5816"/>
+                  <a:pt x="0" y="0"/>
+                </a:cubicBezTo>
+                <a:close/>
+              </a:path>
+              <a:path w="4243589" h="18288" stroke="0" extrusionOk="0">
+                <a:moveTo>
+                  <a:pt x="0" y="0"/>
+                </a:moveTo>
+                <a:cubicBezTo>
+                  <a:pt x="143690" y="16630"/>
+                  <a:pt x="266667" y="14847"/>
+                  <a:pt x="521355" y="0"/>
+                </a:cubicBezTo>
+                <a:cubicBezTo>
+                  <a:pt x="776043" y="-14847"/>
+                  <a:pt x="814491" y="-17363"/>
+                  <a:pt x="1000275" y="0"/>
+                </a:cubicBezTo>
+                <a:cubicBezTo>
+                  <a:pt x="1186059" y="17363"/>
+                  <a:pt x="1352504" y="-23507"/>
+                  <a:pt x="1521630" y="0"/>
+                </a:cubicBezTo>
+                <a:cubicBezTo>
+                  <a:pt x="1690756" y="23507"/>
+                  <a:pt x="1889525" y="5871"/>
+                  <a:pt x="2127857" y="0"/>
+                </a:cubicBezTo>
+                <a:cubicBezTo>
+                  <a:pt x="2366189" y="-5871"/>
+                  <a:pt x="2620628" y="-27997"/>
+                  <a:pt x="2776520" y="0"/>
+                </a:cubicBezTo>
+                <a:cubicBezTo>
+                  <a:pt x="2932412" y="27997"/>
+                  <a:pt x="3131683" y="-25073"/>
+                  <a:pt x="3467618" y="0"/>
+                </a:cubicBezTo>
+                <a:cubicBezTo>
+                  <a:pt x="3803553" y="25073"/>
+                  <a:pt x="4017371" y="3071"/>
+                  <a:pt x="4243589" y="0"/>
+                </a:cubicBezTo>
+                <a:cubicBezTo>
+                  <a:pt x="4243134" y="6162"/>
+                  <a:pt x="4243492" y="11775"/>
+                  <a:pt x="4243589" y="18288"/>
+                </a:cubicBezTo>
+                <a:cubicBezTo>
+                  <a:pt x="4017834" y="-5779"/>
+                  <a:pt x="3834586" y="13376"/>
+                  <a:pt x="3594926" y="18288"/>
+                </a:cubicBezTo>
+                <a:cubicBezTo>
+                  <a:pt x="3355266" y="23200"/>
+                  <a:pt x="3204179" y="2869"/>
+                  <a:pt x="2903827" y="18288"/>
+                </a:cubicBezTo>
+                <a:cubicBezTo>
+                  <a:pt x="2603475" y="33707"/>
+                  <a:pt x="2526187" y="46187"/>
+                  <a:pt x="2212729" y="18288"/>
+                </a:cubicBezTo>
+                <a:cubicBezTo>
+                  <a:pt x="1899271" y="-9611"/>
+                  <a:pt x="1966289" y="29692"/>
+                  <a:pt x="1733809" y="18288"/>
+                </a:cubicBezTo>
+                <a:cubicBezTo>
+                  <a:pt x="1501329" y="6884"/>
+                  <a:pt x="1343612" y="12492"/>
+                  <a:pt x="1085146" y="18288"/>
+                </a:cubicBezTo>
+                <a:cubicBezTo>
+                  <a:pt x="826680" y="24084"/>
+                  <a:pt x="778184" y="35607"/>
+                  <a:pt x="521355" y="18288"/>
+                </a:cubicBezTo>
+                <a:cubicBezTo>
+                  <a:pt x="264526" y="969"/>
+                  <a:pt x="120277" y="4268"/>
+                  <a:pt x="0" y="18288"/>
+                </a:cubicBezTo>
+                <a:cubicBezTo>
+                  <a:pt x="766" y="10800"/>
+                  <a:pt x="-457" y="8180"/>
+                  <a:pt x="0" y="0"/>
+                </a:cubicBezTo>
+                <a:close/>
+              </a:path>
+            </a:pathLst>
+          </a:custGeom>
+          <a:solidFill>
+            <a:schemeClr val="accent2"/>
+          </a:solidFill>
+          <a:ln w="44450" cap="rnd">
+            <a:solidFill>
+              <a:schemeClr val="accent2"/>
+            </a:solidFill>
+            <a:round/>
+            <a:extLst>
+              <a:ext uri="{C807C97D-BFC1-408E-A445-0C87EB9F89A2}">
+                <ask:lineSketchStyleProps xmlns:ask="http://schemas.microsoft.com/office/drawing/2018/sketchyshapes" sd="2727557108">
+                  <a:prstGeom prst="rect">
+                    <a:avLst/>
+                  </a:prstGeom>
+                  <ask:type>
+                    <ask:lineSketchFreehand/>
+                  </ask:type>
+                </ask:lineSketchStyleProps>
+              </a:ext>
+            </a:extLst>
+          </a:ln>
+        </p:spPr>
+        <p:style>
+          <a:lnRef idx="2">
+            <a:schemeClr val="accent1">
+              <a:shade val="50000"/>
+            </a:schemeClr>
+          </a:lnRef>
+          <a:fillRef idx="1">
+            <a:schemeClr val="accent1"/>
+          </a:fillRef>
+          <a:effectRef idx="0">
+            <a:schemeClr val="accent1"/>
+          </a:effectRef>
+          <a:fontRef idx="minor">
+            <a:schemeClr val="lt1"/>
+          </a:fontRef>
+        </p:style>
+        <p:txBody>
+          <a:bodyPr rtlCol="0" anchor="ctr"/>
+          <a:lstStyle/>
+          <a:p>
+            <a:pPr algn="ctr"/>
+            <a:endParaRPr lang="en-US"/>
           </a:p>
         </p:txBody>
       </p:sp>
@@ -13738,60 +17397,67 @@
             <p:ph idx="1"/>
           </p:nvPr>
         </p:nvSpPr>
-        <p:spPr/>
+        <p:spPr>
+          <a:xfrm>
+            <a:off x="5297762" y="2706624"/>
+            <a:ext cx="6251110" cy="3483864"/>
+          </a:xfrm>
+        </p:spPr>
         <p:txBody>
-          <a:bodyPr/>
+          <a:bodyPr>
+            <a:normAutofit/>
+          </a:bodyPr>
           <a:lstStyle/>
           <a:p>
             <a:r>
-              <a:rPr lang="en-US" dirty="0"/>
+              <a:rPr lang="en-US" sz="2200" dirty="0"/>
               <a:t>After getting the typical home value for 19 Colorado cities, we used </a:t>
             </a:r>
             <a:r>
-              <a:rPr lang="en-US" dirty="0" err="1"/>
+              <a:rPr lang="en-US" sz="2200" dirty="0" err="1"/>
               <a:t>Geoapify</a:t>
             </a:r>
             <a:r>
-              <a:rPr lang="en-US" dirty="0"/>
+              <a:rPr lang="en-US" sz="2200" dirty="0"/>
               <a:t> to get coordinates for each city</a:t>
             </a:r>
           </a:p>
           <a:p>
-            <a:endParaRPr lang="en-US" dirty="0"/>
+            <a:endParaRPr lang="en-US" sz="2200" dirty="0"/>
           </a:p>
           <a:p>
             <a:r>
-              <a:rPr lang="en-US" dirty="0"/>
+              <a:rPr lang="en-US" sz="2200" dirty="0"/>
               <a:t>Using the </a:t>
             </a:r>
             <a:r>
-              <a:rPr lang="en-US" dirty="0" err="1"/>
+              <a:rPr lang="en-US" sz="2200" dirty="0" err="1"/>
               <a:t>coords</a:t>
             </a:r>
             <a:r>
-              <a:rPr lang="en-US" dirty="0"/>
+              <a:rPr lang="en-US" sz="2200" dirty="0"/>
               <a:t> for each city, we explored the different categories on the </a:t>
             </a:r>
             <a:r>
-              <a:rPr lang="en-US" dirty="0" err="1"/>
+              <a:rPr lang="en-US" sz="2200" dirty="0" err="1"/>
               <a:t>Geoapify</a:t>
             </a:r>
             <a:r>
-              <a:rPr lang="en-US" dirty="0"/>
+              <a:rPr lang="en-US" sz="2200" dirty="0"/>
               <a:t> Places API</a:t>
             </a:r>
           </a:p>
           <a:p>
             <a:pPr lvl="1"/>
             <a:r>
-              <a:rPr lang="en-US" dirty="0"/>
-              <a:t>How many of each feature is within x radius from city</a:t>
+              <a:rPr lang="en-US" sz="2200" dirty="0"/>
+              <a:t>How many of each feature is within x radius from city?</a:t>
             </a:r>
           </a:p>
           <a:p>
             <a:pPr lvl="1"/>
             <a:r>
-              <a:rPr lang="en-US" dirty="0"/>
+              <a:rPr lang="en-US" sz="2200" dirty="0"/>
               <a:t>How does this relate to home value?</a:t>
             </a:r>
           </a:p>
@@ -13811,169 +17477,6 @@
 </file>
 
 <file path=ppt/slides/slide8.xml><?xml version="1.0" encoding="utf-8"?>
-<p:sld xmlns:a="http://schemas.openxmlformats.org/drawingml/2006/main" xmlns:r="http://schemas.openxmlformats.org/officeDocument/2006/relationships" xmlns:p="http://schemas.openxmlformats.org/presentationml/2006/main">
-  <p:cSld>
-    <p:spTree>
-      <p:nvGrpSpPr>
-        <p:cNvPr id="1" name=""/>
-        <p:cNvGrpSpPr/>
-        <p:nvPr/>
-      </p:nvGrpSpPr>
-      <p:grpSpPr>
-        <a:xfrm>
-          <a:off x="0" y="0"/>
-          <a:ext cx="0" cy="0"/>
-          <a:chOff x="0" y="0"/>
-          <a:chExt cx="0" cy="0"/>
-        </a:xfrm>
-      </p:grpSpPr>
-      <p:sp>
-        <p:nvSpPr>
-          <p:cNvPr id="2" name="Title 1">
-            <a:extLst>
-              <a:ext uri="{FF2B5EF4-FFF2-40B4-BE49-F238E27FC236}">
-                <a16:creationId xmlns:a16="http://schemas.microsoft.com/office/drawing/2014/main" id="{8DBD18E2-3EDD-11CD-035E-587B93AE4143}"/>
-              </a:ext>
-            </a:extLst>
-          </p:cNvPr>
-          <p:cNvSpPr>
-            <a:spLocks noGrp="1"/>
-          </p:cNvSpPr>
-          <p:nvPr>
-            <p:ph type="title"/>
-          </p:nvPr>
-        </p:nvSpPr>
-        <p:spPr/>
-        <p:txBody>
-          <a:bodyPr/>
-          <a:lstStyle/>
-          <a:p>
-            <a:endParaRPr lang="en-US"/>
-          </a:p>
-        </p:txBody>
-      </p:sp>
-      <p:sp>
-        <p:nvSpPr>
-          <p:cNvPr id="3" name="Content Placeholder 2">
-            <a:extLst>
-              <a:ext uri="{FF2B5EF4-FFF2-40B4-BE49-F238E27FC236}">
-                <a16:creationId xmlns:a16="http://schemas.microsoft.com/office/drawing/2014/main" id="{D5F9BAE7-0FE8-AC85-9B9D-9C8BCE6661A3}"/>
-              </a:ext>
-            </a:extLst>
-          </p:cNvPr>
-          <p:cNvSpPr>
-            <a:spLocks noGrp="1"/>
-          </p:cNvSpPr>
-          <p:nvPr>
-            <p:ph idx="1"/>
-          </p:nvPr>
-        </p:nvSpPr>
-        <p:spPr/>
-        <p:txBody>
-          <a:bodyPr/>
-          <a:lstStyle/>
-          <a:p>
-            <a:pPr algn="l"/>
-            <a:r>
-              <a:rPr lang="en-US" b="0" i="0" dirty="0">
-                <a:solidFill>
-                  <a:srgbClr val="2B2B2B"/>
-                </a:solidFill>
-                <a:effectLst/>
-                <a:highlight>
-                  <a:srgbClr val="FF0000"/>
-                </a:highlight>
-                <a:latin typeface="Roboto" panose="02000000000000000000" pitchFamily="2" charset="0"/>
-              </a:rPr>
-              <a:t>The approach that your group took to achieve the project goals:</a:t>
-            </a:r>
-          </a:p>
-          <a:p>
-            <a:pPr algn="l"/>
-            <a:endParaRPr lang="en-US" b="0" i="0" dirty="0">
-              <a:solidFill>
-                <a:srgbClr val="2B2B2B"/>
-              </a:solidFill>
-              <a:effectLst/>
-              <a:highlight>
-                <a:srgbClr val="FF0000"/>
-              </a:highlight>
-              <a:latin typeface="Roboto" panose="02000000000000000000" pitchFamily="2" charset="0"/>
-            </a:endParaRPr>
-          </a:p>
-          <a:p>
-            <a:pPr algn="l">
-              <a:buFont typeface="Arial" panose="020B0604020202020204" pitchFamily="34" charset="0"/>
-              <a:buChar char="•"/>
-            </a:pPr>
-            <a:r>
-              <a:rPr lang="en-US" b="0" i="0" dirty="0">
-                <a:solidFill>
-                  <a:srgbClr val="2B2B2B"/>
-                </a:solidFill>
-                <a:effectLst/>
-                <a:highlight>
-                  <a:srgbClr val="FF0000"/>
-                </a:highlight>
-                <a:latin typeface="Roboto" panose="02000000000000000000" pitchFamily="2" charset="0"/>
-              </a:rPr>
-              <a:t>Include any relevant code or demonstrations of the application or analysis.</a:t>
-            </a:r>
-          </a:p>
-          <a:p>
-            <a:pPr algn="l">
-              <a:buFont typeface="Arial" panose="020B0604020202020204" pitchFamily="34" charset="0"/>
-              <a:buChar char="•"/>
-            </a:pPr>
-            <a:endParaRPr lang="en-US" b="0" i="0" dirty="0">
-              <a:solidFill>
-                <a:srgbClr val="2B2B2B"/>
-              </a:solidFill>
-              <a:effectLst/>
-              <a:highlight>
-                <a:srgbClr val="FF0000"/>
-              </a:highlight>
-              <a:latin typeface="Roboto" panose="02000000000000000000" pitchFamily="2" charset="0"/>
-            </a:endParaRPr>
-          </a:p>
-          <a:p>
-            <a:pPr algn="l">
-              <a:buFont typeface="Arial" panose="020B0604020202020204" pitchFamily="34" charset="0"/>
-              <a:buChar char="•"/>
-            </a:pPr>
-            <a:r>
-              <a:rPr lang="en-US" b="0" i="0" dirty="0">
-                <a:solidFill>
-                  <a:srgbClr val="2B2B2B"/>
-                </a:solidFill>
-                <a:effectLst/>
-                <a:highlight>
-                  <a:srgbClr val="FF0000"/>
-                </a:highlight>
-                <a:latin typeface="Roboto" panose="02000000000000000000" pitchFamily="2" charset="0"/>
-              </a:rPr>
-              <a:t>Discuss any unanticipated insights or problems that arose and how you resolved them</a:t>
-            </a:r>
-          </a:p>
-          <a:p>
-            <a:endParaRPr lang="en-US" dirty="0"/>
-          </a:p>
-        </p:txBody>
-      </p:sp>
-    </p:spTree>
-    <p:extLst>
-      <p:ext uri="{BB962C8B-B14F-4D97-AF65-F5344CB8AC3E}">
-        <p14:creationId xmlns:p14="http://schemas.microsoft.com/office/powerpoint/2010/main" val="3709511169"/>
-      </p:ext>
-    </p:extLst>
-  </p:cSld>
-  <p:clrMapOvr>
-    <a:masterClrMapping/>
-  </p:clrMapOvr>
-</p:sld>
-</file>
-
-<file path=ppt/slides/slide9.xml><?xml version="1.0" encoding="utf-8"?>
 <p:sld xmlns:a="http://schemas.openxmlformats.org/drawingml/2006/main" xmlns:r="http://schemas.openxmlformats.org/officeDocument/2006/relationships" xmlns:p="http://schemas.openxmlformats.org/presentationml/2006/main">
   <p:cSld>
     <p:bg>
@@ -14323,18 +17826,19 @@
           <a:lstStyle/>
           <a:p>
             <a:r>
-              <a:rPr lang="en-US" sz="1800" dirty="0"/>
+              <a:rPr lang="en-US" sz="1800"/>
               <a:t>Typical Home value in Colorado has trended up over the last decade</a:t>
             </a:r>
           </a:p>
           <a:p>
-            <a:endParaRPr lang="en-US" sz="1800" dirty="0"/>
+            <a:endParaRPr lang="en-US" sz="1800"/>
           </a:p>
           <a:p>
             <a:r>
-              <a:rPr lang="en-US" sz="1800" dirty="0"/>
+              <a:rPr lang="en-US" sz="1800"/>
               <a:t>The rate at which home values are increasing appears to be increasing since 2020</a:t>
             </a:r>
+            <a:endParaRPr lang="en-US" sz="1800" dirty="0"/>
           </a:p>
         </p:txBody>
       </p:sp>
@@ -14342,6 +17846,433 @@
     <p:extLst>
       <p:ext uri="{BB962C8B-B14F-4D97-AF65-F5344CB8AC3E}">
         <p14:creationId xmlns:p14="http://schemas.microsoft.com/office/powerpoint/2010/main" val="658906706"/>
+      </p:ext>
+    </p:extLst>
+  </p:cSld>
+  <p:clrMapOvr>
+    <a:masterClrMapping/>
+  </p:clrMapOvr>
+</p:sld>
+</file>
+
+<file path=ppt/slides/slide9.xml><?xml version="1.0" encoding="utf-8"?>
+<p:sld xmlns:a="http://schemas.openxmlformats.org/drawingml/2006/main" xmlns:r="http://schemas.openxmlformats.org/officeDocument/2006/relationships" xmlns:p="http://schemas.openxmlformats.org/presentationml/2006/main">
+  <p:cSld>
+    <p:bg>
+      <p:bgPr>
+        <a:solidFill>
+          <a:schemeClr val="bg1"/>
+        </a:solidFill>
+        <a:effectLst/>
+      </p:bgPr>
+    </p:bg>
+    <p:spTree>
+      <p:nvGrpSpPr>
+        <p:cNvPr id="1" name=""/>
+        <p:cNvGrpSpPr/>
+        <p:nvPr/>
+      </p:nvGrpSpPr>
+      <p:grpSpPr>
+        <a:xfrm>
+          <a:off x="0" y="0"/>
+          <a:ext cx="0" cy="0"/>
+          <a:chOff x="0" y="0"/>
+          <a:chExt cx="0" cy="0"/>
+        </a:xfrm>
+      </p:grpSpPr>
+      <p:sp useBgFill="1">
+        <p:nvSpPr>
+          <p:cNvPr id="38" name="Rectangle 37">
+            <a:extLst>
+              <a:ext uri="{FF2B5EF4-FFF2-40B4-BE49-F238E27FC236}">
+                <a16:creationId xmlns:a16="http://schemas.microsoft.com/office/drawing/2014/main" id="{BE7F2629-7AD4-4FB8-B544-38B7CC6E9D30}"/>
+              </a:ext>
+              <a:ext uri="{C183D7F6-B498-43B3-948B-1728B52AA6E4}">
+                <adec:decorative xmlns:adec="http://schemas.microsoft.com/office/drawing/2017/decorative" val="1"/>
+              </a:ext>
+            </a:extLst>
+          </p:cNvPr>
+          <p:cNvSpPr>
+            <a:spLocks noGrp="1" noRot="1" noChangeAspect="1" noMove="1" noResize="1" noEditPoints="1" noAdjustHandles="1" noChangeArrowheads="1" noChangeShapeType="1" noTextEdit="1"/>
+          </p:cNvSpPr>
+          <p:nvPr>
+            <p:extLst>
+              <p:ext uri="{386F3935-93C4-4BCD-93E2-E3B085C9AB24}">
+                <p16:designElem xmlns:p16="http://schemas.microsoft.com/office/powerpoint/2015/main" val="1"/>
+              </p:ext>
+            </p:extLst>
+          </p:nvPr>
+        </p:nvSpPr>
+        <p:spPr>
+          <a:xfrm>
+            <a:off x="-1" y="0"/>
+            <a:ext cx="12188952" cy="6858000"/>
+          </a:xfrm>
+          <a:prstGeom prst="rect">
+            <a:avLst/>
+          </a:prstGeom>
+          <a:ln>
+            <a:noFill/>
+          </a:ln>
+        </p:spPr>
+        <p:style>
+          <a:lnRef idx="2">
+            <a:schemeClr val="accent1">
+              <a:shade val="50000"/>
+            </a:schemeClr>
+          </a:lnRef>
+          <a:fillRef idx="1">
+            <a:schemeClr val="accent1"/>
+          </a:fillRef>
+          <a:effectRef idx="0">
+            <a:schemeClr val="accent1"/>
+          </a:effectRef>
+          <a:fontRef idx="minor">
+            <a:schemeClr val="lt1"/>
+          </a:fontRef>
+        </p:style>
+        <p:txBody>
+          <a:bodyPr rtlCol="0" anchor="ctr"/>
+          <a:lstStyle/>
+          <a:p>
+            <a:pPr algn="ctr"/>
+            <a:endParaRPr lang="en-US"/>
+          </a:p>
+        </p:txBody>
+      </p:sp>
+      <p:pic>
+        <p:nvPicPr>
+          <p:cNvPr id="40" name="Graphic 39">
+            <a:extLst>
+              <a:ext uri="{FF2B5EF4-FFF2-40B4-BE49-F238E27FC236}">
+                <a16:creationId xmlns:a16="http://schemas.microsoft.com/office/drawing/2014/main" id="{29FDBBCD-C46B-4CD7-9735-0FC561E9A0DD}"/>
+              </a:ext>
+              <a:ext uri="{C183D7F6-B498-43B3-948B-1728B52AA6E4}">
+                <adec:decorative xmlns:adec="http://schemas.microsoft.com/office/drawing/2017/decorative" val="1"/>
+              </a:ext>
+            </a:extLst>
+          </p:cNvPr>
+          <p:cNvPicPr>
+            <a:picLocks noGrp="1" noRot="1" noChangeAspect="1" noMove="1" noResize="1" noEditPoints="1" noAdjustHandles="1" noChangeArrowheads="1" noChangeShapeType="1" noCrop="1"/>
+          </p:cNvPicPr>
+          <p:nvPr>
+            <p:extLst>
+              <p:ext uri="{386F3935-93C4-4BCD-93E2-E3B085C9AB24}">
+                <p16:designElem xmlns:p16="http://schemas.microsoft.com/office/powerpoint/2015/main" val="1"/>
+              </p:ext>
+            </p:extLst>
+          </p:nvPr>
+        </p:nvPicPr>
+        <p:blipFill>
+          <a:blip r:embed="rId2">
+            <a:extLst>
+              <a:ext uri="{28A0092B-C50C-407E-A947-70E740481C1C}">
+                <a14:useLocalDpi xmlns:a14="http://schemas.microsoft.com/office/drawing/2010/main" val="0"/>
+              </a:ext>
+              <a:ext uri="{96DAC541-7B7A-43D3-8B79-37D633B846F1}">
+                <asvg:svgBlip xmlns:asvg="http://schemas.microsoft.com/office/drawing/2016/SVG/main" r:embed="rId3"/>
+              </a:ext>
+            </a:extLst>
+          </a:blip>
+          <a:stretch>
+            <a:fillRect/>
+          </a:stretch>
+        </p:blipFill>
+        <p:spPr>
+          <a:xfrm rot="5400000">
+            <a:off x="3354324" y="-2665475"/>
+            <a:ext cx="5486400" cy="12188952"/>
+          </a:xfrm>
+          <a:prstGeom prst="rect">
+            <a:avLst/>
+          </a:prstGeom>
+        </p:spPr>
+      </p:pic>
+      <p:sp>
+        <p:nvSpPr>
+          <p:cNvPr id="2" name="Title 1">
+            <a:extLst>
+              <a:ext uri="{FF2B5EF4-FFF2-40B4-BE49-F238E27FC236}">
+                <a16:creationId xmlns:a16="http://schemas.microsoft.com/office/drawing/2014/main" id="{3C07811D-0095-2E52-3D43-14B004504CF9}"/>
+              </a:ext>
+            </a:extLst>
+          </p:cNvPr>
+          <p:cNvSpPr>
+            <a:spLocks noGrp="1"/>
+          </p:cNvSpPr>
+          <p:nvPr>
+            <p:ph type="title"/>
+          </p:nvPr>
+        </p:nvSpPr>
+        <p:spPr>
+          <a:xfrm>
+            <a:off x="1463039" y="685797"/>
+            <a:ext cx="5029200" cy="2263779"/>
+          </a:xfrm>
+        </p:spPr>
+        <p:txBody>
+          <a:bodyPr anchor="t">
+            <a:normAutofit/>
+          </a:bodyPr>
+          <a:lstStyle/>
+          <a:p>
+            <a:r>
+              <a:rPr lang="en-US" sz="5000"/>
+              <a:t>Calculating R-Values</a:t>
+            </a:r>
+          </a:p>
+        </p:txBody>
+      </p:sp>
+      <p:sp>
+        <p:nvSpPr>
+          <p:cNvPr id="42" name="Rectangle 41">
+            <a:extLst>
+              <a:ext uri="{FF2B5EF4-FFF2-40B4-BE49-F238E27FC236}">
+                <a16:creationId xmlns:a16="http://schemas.microsoft.com/office/drawing/2014/main" id="{093F2DF8-01DE-40AE-9C05-7828DAB9CD92}"/>
+              </a:ext>
+              <a:ext uri="{C183D7F6-B498-43B3-948B-1728B52AA6E4}">
+                <adec:decorative xmlns:adec="http://schemas.microsoft.com/office/drawing/2017/decorative" val="1"/>
+              </a:ext>
+            </a:extLst>
+          </p:cNvPr>
+          <p:cNvSpPr>
+            <a:spLocks noGrp="1" noRot="1" noChangeAspect="1" noMove="1" noResize="1" noEditPoints="1" noAdjustHandles="1" noChangeArrowheads="1" noChangeShapeType="1" noTextEdit="1"/>
+          </p:cNvSpPr>
+          <p:nvPr>
+            <p:extLst>
+              <p:ext uri="{386F3935-93C4-4BCD-93E2-E3B085C9AB24}">
+                <p16:designElem xmlns:p16="http://schemas.microsoft.com/office/powerpoint/2015/main" val="1"/>
+              </p:ext>
+            </p:extLst>
+          </p:nvPr>
+        </p:nvSpPr>
+        <p:spPr>
+          <a:xfrm>
+            <a:off x="1159764" y="685797"/>
+            <a:ext cx="118872" cy="1550455"/>
+          </a:xfrm>
+          <a:prstGeom prst="rect">
+            <a:avLst/>
+          </a:prstGeom>
+          <a:solidFill>
+            <a:schemeClr val="accent2"/>
+          </a:solidFill>
+          <a:ln>
+            <a:noFill/>
+          </a:ln>
+        </p:spPr>
+        <p:style>
+          <a:lnRef idx="2">
+            <a:schemeClr val="accent1">
+              <a:shade val="50000"/>
+            </a:schemeClr>
+          </a:lnRef>
+          <a:fillRef idx="1">
+            <a:schemeClr val="accent1"/>
+          </a:fillRef>
+          <a:effectRef idx="0">
+            <a:schemeClr val="accent1"/>
+          </a:effectRef>
+          <a:fontRef idx="minor">
+            <a:schemeClr val="lt1"/>
+          </a:fontRef>
+        </p:style>
+        <p:txBody>
+          <a:bodyPr rtlCol="0" anchor="ctr"/>
+          <a:lstStyle/>
+          <a:p>
+            <a:pPr algn="ctr"/>
+            <a:endParaRPr lang="en-US"/>
+          </a:p>
+        </p:txBody>
+      </p:sp>
+      <p:sp>
+        <p:nvSpPr>
+          <p:cNvPr id="11" name="Content Placeholder 10">
+            <a:extLst>
+              <a:ext uri="{FF2B5EF4-FFF2-40B4-BE49-F238E27FC236}">
+                <a16:creationId xmlns:a16="http://schemas.microsoft.com/office/drawing/2014/main" id="{FDDA0529-064C-1AB4-98EC-21B50B42EE2C}"/>
+              </a:ext>
+            </a:extLst>
+          </p:cNvPr>
+          <p:cNvSpPr>
+            <a:spLocks noGrp="1"/>
+          </p:cNvSpPr>
+          <p:nvPr>
+            <p:ph idx="1"/>
+          </p:nvPr>
+        </p:nvSpPr>
+        <p:spPr>
+          <a:xfrm>
+            <a:off x="1463039" y="3133724"/>
+            <a:ext cx="5029200" cy="2746621"/>
+          </a:xfrm>
+        </p:spPr>
+        <p:txBody>
+          <a:bodyPr>
+            <a:normAutofit/>
+          </a:bodyPr>
+          <a:lstStyle/>
+          <a:p>
+            <a:r>
+              <a:rPr lang="en-US" sz="1800" dirty="0"/>
+              <a:t>Using a for loop, </a:t>
+            </a:r>
+            <a:r>
+              <a:rPr lang="en-US" sz="1800" dirty="0" err="1"/>
+              <a:t>r-values</a:t>
+            </a:r>
+            <a:r>
+              <a:rPr lang="en-US" sz="1800" dirty="0"/>
+              <a:t> were calculated for every category on the </a:t>
+            </a:r>
+            <a:r>
+              <a:rPr lang="en-US" sz="1800" dirty="0" err="1"/>
+              <a:t>geoapify</a:t>
+            </a:r>
+            <a:r>
+              <a:rPr lang="en-US" sz="1800" dirty="0"/>
+              <a:t> places API.</a:t>
+            </a:r>
+          </a:p>
+          <a:p>
+            <a:endParaRPr lang="en-US" sz="1400" dirty="0"/>
+          </a:p>
+          <a:p>
+            <a:r>
+              <a:rPr lang="en-US" sz="1800" dirty="0"/>
+              <a:t>The five strongest positive correlations and the five strongest negative correlations are shown to the right.</a:t>
+            </a:r>
+          </a:p>
+        </p:txBody>
+      </p:sp>
+      <p:pic>
+        <p:nvPicPr>
+          <p:cNvPr id="8" name="Picture 7">
+            <a:extLst>
+              <a:ext uri="{FF2B5EF4-FFF2-40B4-BE49-F238E27FC236}">
+                <a16:creationId xmlns:a16="http://schemas.microsoft.com/office/drawing/2014/main" id="{2416161D-23E8-D2EE-C9AF-394B480673AF}"/>
+              </a:ext>
+            </a:extLst>
+          </p:cNvPr>
+          <p:cNvPicPr>
+            <a:picLocks noChangeAspect="1"/>
+          </p:cNvPicPr>
+          <p:nvPr/>
+        </p:nvPicPr>
+        <p:blipFill>
+          <a:blip r:embed="rId4"/>
+          <a:stretch>
+            <a:fillRect/>
+          </a:stretch>
+        </p:blipFill>
+        <p:spPr>
+          <a:xfrm>
+            <a:off x="6766560" y="720468"/>
+            <a:ext cx="4211775" cy="2671986"/>
+          </a:xfrm>
+          <a:prstGeom prst="rect">
+            <a:avLst/>
+          </a:prstGeom>
+        </p:spPr>
+      </p:pic>
+      <p:pic>
+        <p:nvPicPr>
+          <p:cNvPr id="4" name="Picture 3">
+            <a:extLst>
+              <a:ext uri="{FF2B5EF4-FFF2-40B4-BE49-F238E27FC236}">
+                <a16:creationId xmlns:a16="http://schemas.microsoft.com/office/drawing/2014/main" id="{0C719924-79E6-6674-B5F7-BC383EF9CA82}"/>
+              </a:ext>
+            </a:extLst>
+          </p:cNvPr>
+          <p:cNvPicPr>
+            <a:picLocks noChangeAspect="1"/>
+          </p:cNvPicPr>
+          <p:nvPr/>
+        </p:nvPicPr>
+        <p:blipFill>
+          <a:blip r:embed="rId5"/>
+          <a:stretch>
+            <a:fillRect/>
+          </a:stretch>
+        </p:blipFill>
+        <p:spPr>
+          <a:xfrm>
+            <a:off x="6766560" y="3450963"/>
+            <a:ext cx="4401826" cy="2671986"/>
+          </a:xfrm>
+          <a:prstGeom prst="rect">
+            <a:avLst/>
+          </a:prstGeom>
+        </p:spPr>
+      </p:pic>
+      <p:sp>
+        <p:nvSpPr>
+          <p:cNvPr id="44" name="Rectangle 43">
+            <a:extLst>
+              <a:ext uri="{FF2B5EF4-FFF2-40B4-BE49-F238E27FC236}">
+                <a16:creationId xmlns:a16="http://schemas.microsoft.com/office/drawing/2014/main" id="{541CD191-DCF0-4E88-A62A-10F0B3FC93D1}"/>
+              </a:ext>
+              <a:ext uri="{C183D7F6-B498-43B3-948B-1728B52AA6E4}">
+                <adec:decorative xmlns:adec="http://schemas.microsoft.com/office/drawing/2017/decorative" val="1"/>
+              </a:ext>
+            </a:extLst>
+          </p:cNvPr>
+          <p:cNvSpPr>
+            <a:spLocks noGrp="1" noRot="1" noChangeAspect="1" noMove="1" noResize="1" noEditPoints="1" noAdjustHandles="1" noChangeArrowheads="1" noChangeShapeType="1" noTextEdit="1"/>
+          </p:cNvSpPr>
+          <p:nvPr>
+            <p:extLst>
+              <p:ext uri="{386F3935-93C4-4BCD-93E2-E3B085C9AB24}">
+                <p16:designElem xmlns:p16="http://schemas.microsoft.com/office/powerpoint/2015/main" val="1"/>
+              </p:ext>
+            </p:extLst>
+          </p:nvPr>
+        </p:nvSpPr>
+        <p:spPr>
+          <a:xfrm>
+            <a:off x="12073128" y="6172201"/>
+            <a:ext cx="118872" cy="685800"/>
+          </a:xfrm>
+          <a:prstGeom prst="rect">
+            <a:avLst/>
+          </a:prstGeom>
+          <a:solidFill>
+            <a:schemeClr val="accent2"/>
+          </a:solidFill>
+          <a:ln>
+            <a:noFill/>
+          </a:ln>
+        </p:spPr>
+        <p:style>
+          <a:lnRef idx="2">
+            <a:schemeClr val="accent1">
+              <a:shade val="50000"/>
+            </a:schemeClr>
+          </a:lnRef>
+          <a:fillRef idx="1">
+            <a:schemeClr val="accent1"/>
+          </a:fillRef>
+          <a:effectRef idx="0">
+            <a:schemeClr val="accent1"/>
+          </a:effectRef>
+          <a:fontRef idx="minor">
+            <a:schemeClr val="lt1"/>
+          </a:fontRef>
+        </p:style>
+        <p:txBody>
+          <a:bodyPr rtlCol="0" anchor="ctr"/>
+          <a:lstStyle/>
+          <a:p>
+            <a:pPr algn="ctr"/>
+            <a:endParaRPr lang="en-US"/>
+          </a:p>
+        </p:txBody>
+      </p:sp>
+    </p:spTree>
+    <p:extLst>
+      <p:ext uri="{BB962C8B-B14F-4D97-AF65-F5344CB8AC3E}">
+        <p14:creationId xmlns:p14="http://schemas.microsoft.com/office/powerpoint/2010/main" val="500679354"/>
       </p:ext>
     </p:extLst>
   </p:cSld>

--- a/Slide_Deck.pptx
+++ b/Slide_Deck.pptx
@@ -5,7 +5,7 @@
     <p:sldMasterId id="2147483648" r:id="rId1"/>
   </p:sldMasterIdLst>
   <p:notesMasterIdLst>
-    <p:notesMasterId r:id="rId19"/>
+    <p:notesMasterId r:id="rId23"/>
   </p:notesMasterIdLst>
   <p:sldIdLst>
     <p:sldId id="256" r:id="rId2"/>
@@ -19,12 +19,16 @@
     <p:sldId id="258" r:id="rId10"/>
     <p:sldId id="273" r:id="rId11"/>
     <p:sldId id="257" r:id="rId12"/>
-    <p:sldId id="265" r:id="rId13"/>
-    <p:sldId id="266" r:id="rId14"/>
-    <p:sldId id="267" r:id="rId15"/>
-    <p:sldId id="268" r:id="rId16"/>
-    <p:sldId id="269" r:id="rId17"/>
-    <p:sldId id="270" r:id="rId18"/>
+    <p:sldId id="276" r:id="rId13"/>
+    <p:sldId id="265" r:id="rId14"/>
+    <p:sldId id="266" r:id="rId15"/>
+    <p:sldId id="277" r:id="rId16"/>
+    <p:sldId id="267" r:id="rId17"/>
+    <p:sldId id="268" r:id="rId18"/>
+    <p:sldId id="278" r:id="rId19"/>
+    <p:sldId id="269" r:id="rId20"/>
+    <p:sldId id="279" r:id="rId21"/>
+    <p:sldId id="270" r:id="rId22"/>
   </p:sldIdLst>
   <p:sldSz cx="12192000" cy="6858000"/>
   <p:notesSz cx="6858000" cy="9144000"/>
@@ -5449,7 +5453,7 @@
           <a:p>
             <a:fld id="{FFFBAEDC-AF75-4BDD-978D-5D83F3B4ECCC}" type="datetimeFigureOut">
               <a:rPr lang="en-US" smtClean="0"/>
-              <a:t>4/6/2023</a:t>
+              <a:t>4/6/23</a:t>
             </a:fld>
             <a:endParaRPr lang="en-US"/>
           </a:p>
@@ -5781,7 +5785,7 @@
           <a:p>
             <a:fld id="{81877F35-DD72-4AEE-98C4-BACA01E52352}" type="slidenum">
               <a:rPr lang="en-US" smtClean="0"/>
-              <a:t>14</a:t>
+              <a:t>16</a:t>
             </a:fld>
             <a:endParaRPr lang="en-US"/>
           </a:p>
@@ -5865,7 +5869,7 @@
           <a:p>
             <a:fld id="{6624EA6F-41C5-8449-8FBC-886BDC0FF6B4}" type="slidenum">
               <a:rPr lang="en-US" smtClean="0"/>
-              <a:t>17</a:t>
+              <a:t>21</a:t>
             </a:fld>
             <a:endParaRPr lang="en-US"/>
           </a:p>
@@ -6031,7 +6035,7 @@
           <a:p>
             <a:fld id="{F3E3D61B-7364-4AC2-9DB3-C4410285676E}" type="datetimeFigureOut">
               <a:rPr lang="en-US" smtClean="0"/>
-              <a:t>4/6/2023</a:t>
+              <a:t>4/6/23</a:t>
             </a:fld>
             <a:endParaRPr lang="en-US"/>
           </a:p>
@@ -6229,7 +6233,7 @@
           <a:p>
             <a:fld id="{F3E3D61B-7364-4AC2-9DB3-C4410285676E}" type="datetimeFigureOut">
               <a:rPr lang="en-US" smtClean="0"/>
-              <a:t>4/6/2023</a:t>
+              <a:t>4/6/23</a:t>
             </a:fld>
             <a:endParaRPr lang="en-US"/>
           </a:p>
@@ -6437,7 +6441,7 @@
           <a:p>
             <a:fld id="{F3E3D61B-7364-4AC2-9DB3-C4410285676E}" type="datetimeFigureOut">
               <a:rPr lang="en-US" smtClean="0"/>
-              <a:t>4/6/2023</a:t>
+              <a:t>4/6/23</a:t>
             </a:fld>
             <a:endParaRPr lang="en-US"/>
           </a:p>
@@ -6635,7 +6639,7 @@
           <a:p>
             <a:fld id="{F3E3D61B-7364-4AC2-9DB3-C4410285676E}" type="datetimeFigureOut">
               <a:rPr lang="en-US" smtClean="0"/>
-              <a:t>4/6/2023</a:t>
+              <a:t>4/6/23</a:t>
             </a:fld>
             <a:endParaRPr lang="en-US"/>
           </a:p>
@@ -6910,7 +6914,7 @@
           <a:p>
             <a:fld id="{F3E3D61B-7364-4AC2-9DB3-C4410285676E}" type="datetimeFigureOut">
               <a:rPr lang="en-US" smtClean="0"/>
-              <a:t>4/6/2023</a:t>
+              <a:t>4/6/23</a:t>
             </a:fld>
             <a:endParaRPr lang="en-US"/>
           </a:p>
@@ -7175,7 +7179,7 @@
           <a:p>
             <a:fld id="{F3E3D61B-7364-4AC2-9DB3-C4410285676E}" type="datetimeFigureOut">
               <a:rPr lang="en-US" smtClean="0"/>
-              <a:t>4/6/2023</a:t>
+              <a:t>4/6/23</a:t>
             </a:fld>
             <a:endParaRPr lang="en-US"/>
           </a:p>
@@ -7587,7 +7591,7 @@
           <a:p>
             <a:fld id="{F3E3D61B-7364-4AC2-9DB3-C4410285676E}" type="datetimeFigureOut">
               <a:rPr lang="en-US" smtClean="0"/>
-              <a:t>4/6/2023</a:t>
+              <a:t>4/6/23</a:t>
             </a:fld>
             <a:endParaRPr lang="en-US"/>
           </a:p>
@@ -7728,7 +7732,7 @@
           <a:p>
             <a:fld id="{F3E3D61B-7364-4AC2-9DB3-C4410285676E}" type="datetimeFigureOut">
               <a:rPr lang="en-US" smtClean="0"/>
-              <a:t>4/6/2023</a:t>
+              <a:t>4/6/23</a:t>
             </a:fld>
             <a:endParaRPr lang="en-US"/>
           </a:p>
@@ -7841,7 +7845,7 @@
           <a:p>
             <a:fld id="{F3E3D61B-7364-4AC2-9DB3-C4410285676E}" type="datetimeFigureOut">
               <a:rPr lang="en-US" smtClean="0"/>
-              <a:t>4/6/2023</a:t>
+              <a:t>4/6/23</a:t>
             </a:fld>
             <a:endParaRPr lang="en-US"/>
           </a:p>
@@ -8152,7 +8156,7 @@
           <a:p>
             <a:fld id="{F3E3D61B-7364-4AC2-9DB3-C4410285676E}" type="datetimeFigureOut">
               <a:rPr lang="en-US" smtClean="0"/>
-              <a:t>4/6/2023</a:t>
+              <a:t>4/6/23</a:t>
             </a:fld>
             <a:endParaRPr lang="en-US"/>
           </a:p>
@@ -8440,7 +8444,7 @@
           <a:p>
             <a:fld id="{F3E3D61B-7364-4AC2-9DB3-C4410285676E}" type="datetimeFigureOut">
               <a:rPr lang="en-US" smtClean="0"/>
-              <a:t>4/6/2023</a:t>
+              <a:t>4/6/23</a:t>
             </a:fld>
             <a:endParaRPr lang="en-US"/>
           </a:p>
@@ -8681,7 +8685,7 @@
           <a:p>
             <a:fld id="{F3E3D61B-7364-4AC2-9DB3-C4410285676E}" type="datetimeFigureOut">
               <a:rPr lang="en-US" smtClean="0"/>
-              <a:t>4/6/2023</a:t>
+              <a:t>4/6/23</a:t>
             </a:fld>
             <a:endParaRPr lang="en-US"/>
           </a:p>
@@ -12537,16 +12541,15 @@
           </p:cNvPicPr>
           <p:nvPr/>
         </p:nvPicPr>
-        <p:blipFill>
+        <p:blipFill rotWithShape="1">
           <a:blip r:embed="rId2"/>
-          <a:stretch>
-            <a:fillRect/>
-          </a:stretch>
+          <a:srcRect l="8625" r="11269"/>
+          <a:stretch/>
         </p:blipFill>
         <p:spPr>
           <a:xfrm>
-            <a:off x="5958800" y="294183"/>
-            <a:ext cx="5673876" cy="3134817"/>
+            <a:off x="6539946" y="2385"/>
+            <a:ext cx="4840356" cy="3338460"/>
           </a:xfrm>
           <a:prstGeom prst="rect">
             <a:avLst/>
@@ -12567,16 +12570,15 @@
           </p:cNvPicPr>
           <p:nvPr/>
         </p:nvPicPr>
-        <p:blipFill>
+        <p:blipFill rotWithShape="1">
           <a:blip r:embed="rId3"/>
-          <a:stretch>
-            <a:fillRect/>
-          </a:stretch>
+          <a:srcRect l="8366" r="17350"/>
+          <a:stretch/>
         </p:blipFill>
         <p:spPr>
           <a:xfrm>
-            <a:off x="5823749" y="3341856"/>
-            <a:ext cx="6481373" cy="3516144"/>
+            <a:off x="6483626" y="3249528"/>
+            <a:ext cx="4936435" cy="3605076"/>
           </a:xfrm>
           <a:prstGeom prst="rect">
             <a:avLst/>
@@ -12598,6 +12600,798 @@
 
 <file path=ppt/slides/slide12.xml><?xml version="1.0" encoding="utf-8"?>
 <p:sld xmlns:a="http://schemas.openxmlformats.org/drawingml/2006/main" xmlns:r="http://schemas.openxmlformats.org/officeDocument/2006/relationships" xmlns:p="http://schemas.openxmlformats.org/presentationml/2006/main">
+  <p:cSld>
+    <p:bg>
+      <p:bgPr>
+        <a:solidFill>
+          <a:schemeClr val="bg1"/>
+        </a:solidFill>
+        <a:effectLst/>
+      </p:bgPr>
+    </p:bg>
+    <p:spTree>
+      <p:nvGrpSpPr>
+        <p:cNvPr id="1" name=""/>
+        <p:cNvGrpSpPr/>
+        <p:nvPr/>
+      </p:nvGrpSpPr>
+      <p:grpSpPr>
+        <a:xfrm>
+          <a:off x="0" y="0"/>
+          <a:ext cx="0" cy="0"/>
+          <a:chOff x="0" y="0"/>
+          <a:chExt cx="0" cy="0"/>
+        </a:xfrm>
+      </p:grpSpPr>
+      <p:sp useBgFill="1">
+        <p:nvSpPr>
+          <p:cNvPr id="14" name="Rectangle 13">
+            <a:extLst>
+              <a:ext uri="{FF2B5EF4-FFF2-40B4-BE49-F238E27FC236}">
+                <a16:creationId xmlns:a16="http://schemas.microsoft.com/office/drawing/2014/main" id="{115719BB-48A7-4AF4-BB91-DC82E0DF727D}"/>
+              </a:ext>
+              <a:ext uri="{C183D7F6-B498-43B3-948B-1728B52AA6E4}">
+                <adec:decorative xmlns:adec="http://schemas.microsoft.com/office/drawing/2017/decorative" val="1"/>
+              </a:ext>
+            </a:extLst>
+          </p:cNvPr>
+          <p:cNvSpPr>
+            <a:spLocks noGrp="1" noRot="1" noChangeAspect="1" noMove="1" noResize="1" noEditPoints="1" noAdjustHandles="1" noChangeArrowheads="1" noChangeShapeType="1" noTextEdit="1"/>
+          </p:cNvSpPr>
+          <p:nvPr>
+            <p:extLst>
+              <p:ext uri="{386F3935-93C4-4BCD-93E2-E3B085C9AB24}">
+                <p16:designElem xmlns:p16="http://schemas.microsoft.com/office/powerpoint/2015/main" val="1"/>
+              </p:ext>
+            </p:extLst>
+          </p:nvPr>
+        </p:nvSpPr>
+        <p:spPr>
+          <a:xfrm>
+            <a:off x="0" y="0"/>
+            <a:ext cx="12192000" cy="6858000"/>
+          </a:xfrm>
+          <a:prstGeom prst="rect">
+            <a:avLst/>
+          </a:prstGeom>
+          <a:ln>
+            <a:noFill/>
+          </a:ln>
+        </p:spPr>
+        <p:style>
+          <a:lnRef idx="2">
+            <a:schemeClr val="accent1">
+              <a:shade val="50000"/>
+            </a:schemeClr>
+          </a:lnRef>
+          <a:fillRef idx="1">
+            <a:schemeClr val="accent1"/>
+          </a:fillRef>
+          <a:effectRef idx="0">
+            <a:schemeClr val="accent1"/>
+          </a:effectRef>
+          <a:fontRef idx="minor">
+            <a:schemeClr val="lt1"/>
+          </a:fontRef>
+        </p:style>
+        <p:txBody>
+          <a:bodyPr rtlCol="0" anchor="ctr"/>
+          <a:lstStyle/>
+          <a:p>
+            <a:pPr algn="ctr"/>
+            <a:endParaRPr lang="en-US"/>
+          </a:p>
+        </p:txBody>
+      </p:sp>
+      <p:sp useBgFill="1">
+        <p:nvSpPr>
+          <p:cNvPr id="16" name="Freeform: Shape 15">
+            <a:extLst>
+              <a:ext uri="{FF2B5EF4-FFF2-40B4-BE49-F238E27FC236}">
+                <a16:creationId xmlns:a16="http://schemas.microsoft.com/office/drawing/2014/main" id="{10973A55-5440-4A99-B526-B5812E46271E}"/>
+              </a:ext>
+              <a:ext uri="{C183D7F6-B498-43B3-948B-1728B52AA6E4}">
+                <adec:decorative xmlns:adec="http://schemas.microsoft.com/office/drawing/2017/decorative" val="1"/>
+              </a:ext>
+            </a:extLst>
+          </p:cNvPr>
+          <p:cNvSpPr>
+            <a:spLocks noGrp="1" noRot="1" noChangeAspect="1" noMove="1" noResize="1" noEditPoints="1" noAdjustHandles="1" noChangeArrowheads="1" noChangeShapeType="1" noTextEdit="1"/>
+          </p:cNvSpPr>
+          <p:nvPr>
+            <p:extLst>
+              <p:ext uri="{386F3935-93C4-4BCD-93E2-E3B085C9AB24}">
+                <p16:designElem xmlns:p16="http://schemas.microsoft.com/office/powerpoint/2015/main" val="1"/>
+              </p:ext>
+            </p:extLst>
+          </p:nvPr>
+        </p:nvSpPr>
+        <p:spPr>
+          <a:xfrm>
+            <a:off x="-1" y="0"/>
+            <a:ext cx="6096002" cy="6858000"/>
+          </a:xfrm>
+          <a:custGeom>
+            <a:avLst/>
+            <a:gdLst>
+              <a:gd name="connsiteX0" fmla="*/ 0 w 6096002"/>
+              <a:gd name="connsiteY0" fmla="*/ 0 h 6858000"/>
+              <a:gd name="connsiteX1" fmla="*/ 4885967 w 6096002"/>
+              <a:gd name="connsiteY1" fmla="*/ 0 h 6858000"/>
+              <a:gd name="connsiteX2" fmla="*/ 4946007 w 6096002"/>
+              <a:gd name="connsiteY2" fmla="*/ 69271 h 6858000"/>
+              <a:gd name="connsiteX3" fmla="*/ 6096002 w 6096002"/>
+              <a:gd name="connsiteY3" fmla="*/ 3429000 h 6858000"/>
+              <a:gd name="connsiteX4" fmla="*/ 4946007 w 6096002"/>
+              <a:gd name="connsiteY4" fmla="*/ 6788730 h 6858000"/>
+              <a:gd name="connsiteX5" fmla="*/ 4885967 w 6096002"/>
+              <a:gd name="connsiteY5" fmla="*/ 6858000 h 6858000"/>
+              <a:gd name="connsiteX6" fmla="*/ 0 w 6096002"/>
+              <a:gd name="connsiteY6" fmla="*/ 6858000 h 6858000"/>
+            </a:gdLst>
+            <a:ahLst/>
+            <a:cxnLst>
+              <a:cxn ang="0">
+                <a:pos x="connsiteX0" y="connsiteY0"/>
+              </a:cxn>
+              <a:cxn ang="0">
+                <a:pos x="connsiteX1" y="connsiteY1"/>
+              </a:cxn>
+              <a:cxn ang="0">
+                <a:pos x="connsiteX2" y="connsiteY2"/>
+              </a:cxn>
+              <a:cxn ang="0">
+                <a:pos x="connsiteX3" y="connsiteY3"/>
+              </a:cxn>
+              <a:cxn ang="0">
+                <a:pos x="connsiteX4" y="connsiteY4"/>
+              </a:cxn>
+              <a:cxn ang="0">
+                <a:pos x="connsiteX5" y="connsiteY5"/>
+              </a:cxn>
+              <a:cxn ang="0">
+                <a:pos x="connsiteX6" y="connsiteY6"/>
+              </a:cxn>
+            </a:cxnLst>
+            <a:rect l="l" t="t" r="r" b="b"/>
+            <a:pathLst>
+              <a:path w="6096002" h="6858000">
+                <a:moveTo>
+                  <a:pt x="0" y="0"/>
+                </a:moveTo>
+                <a:lnTo>
+                  <a:pt x="4885967" y="0"/>
+                </a:lnTo>
+                <a:lnTo>
+                  <a:pt x="4946007" y="69271"/>
+                </a:lnTo>
+                <a:cubicBezTo>
+                  <a:pt x="5656533" y="929100"/>
+                  <a:pt x="6096002" y="2116944"/>
+                  <a:pt x="6096002" y="3429000"/>
+                </a:cubicBezTo>
+                <a:cubicBezTo>
+                  <a:pt x="6096002" y="4741056"/>
+                  <a:pt x="5656533" y="5928900"/>
+                  <a:pt x="4946007" y="6788730"/>
+                </a:cubicBezTo>
+                <a:lnTo>
+                  <a:pt x="4885967" y="6858000"/>
+                </a:lnTo>
+                <a:lnTo>
+                  <a:pt x="0" y="6858000"/>
+                </a:lnTo>
+                <a:close/>
+              </a:path>
+            </a:pathLst>
+          </a:custGeom>
+          <a:ln w="9525">
+            <a:solidFill>
+              <a:srgbClr val="EFEFEF"/>
+            </a:solidFill>
+          </a:ln>
+          <a:effectLst>
+            <a:outerShdw blurRad="88900" dist="38100" algn="l" rotWithShape="0">
+              <a:schemeClr val="bg1">
+                <a:lumMod val="85000"/>
+                <a:alpha val="50000"/>
+              </a:schemeClr>
+            </a:outerShdw>
+          </a:effectLst>
+        </p:spPr>
+        <p:style>
+          <a:lnRef idx="2">
+            <a:schemeClr val="accent1">
+              <a:shade val="50000"/>
+            </a:schemeClr>
+          </a:lnRef>
+          <a:fillRef idx="1">
+            <a:schemeClr val="accent1"/>
+          </a:fillRef>
+          <a:effectRef idx="0">
+            <a:schemeClr val="accent1"/>
+          </a:effectRef>
+          <a:fontRef idx="minor">
+            <a:schemeClr val="lt1"/>
+          </a:fontRef>
+        </p:style>
+        <p:txBody>
+          <a:bodyPr wrap="square" rtlCol="0" anchor="ctr">
+            <a:noAutofit/>
+          </a:bodyPr>
+          <a:lstStyle/>
+          <a:p>
+            <a:pPr marL="0" marR="0" lvl="0" indent="0" algn="ctr" defTabSz="914400" rtl="0" eaLnBrk="1" fontAlgn="auto" latinLnBrk="0" hangingPunct="1">
+              <a:lnSpc>
+                <a:spcPct val="100000"/>
+              </a:lnSpc>
+              <a:spcBef>
+                <a:spcPts val="0"/>
+              </a:spcBef>
+              <a:spcAft>
+                <a:spcPts val="0"/>
+              </a:spcAft>
+              <a:buClrTx/>
+              <a:buSzTx/>
+              <a:buFontTx/>
+              <a:buNone/>
+              <a:tabLst/>
+              <a:defRPr/>
+            </a:pPr>
+            <a:endParaRPr kumimoji="0" lang="en-US" sz="1800" b="0" i="0" u="none" strike="noStrike" kern="1200" cap="none" spc="0" normalizeH="0" baseline="0" noProof="0">
+              <a:ln>
+                <a:noFill/>
+              </a:ln>
+              <a:solidFill>
+                <a:prstClr val="white"/>
+              </a:solidFill>
+              <a:effectLst/>
+              <a:uLnTx/>
+              <a:uFillTx/>
+              <a:latin typeface="Calibri" panose="020F0502020204030204"/>
+              <a:ea typeface="+mn-ea"/>
+              <a:cs typeface="+mn-cs"/>
+            </a:endParaRPr>
+          </a:p>
+        </p:txBody>
+      </p:sp>
+      <p:sp useBgFill="1">
+        <p:nvSpPr>
+          <p:cNvPr id="18" name="Freeform: Shape 17">
+            <a:extLst>
+              <a:ext uri="{FF2B5EF4-FFF2-40B4-BE49-F238E27FC236}">
+                <a16:creationId xmlns:a16="http://schemas.microsoft.com/office/drawing/2014/main" id="{A9682493-588A-4D52-98F6-FBBD80C07ECB}"/>
+              </a:ext>
+              <a:ext uri="{C183D7F6-B498-43B3-948B-1728B52AA6E4}">
+                <adec:decorative xmlns:adec="http://schemas.microsoft.com/office/drawing/2017/decorative" val="1"/>
+              </a:ext>
+            </a:extLst>
+          </p:cNvPr>
+          <p:cNvSpPr>
+            <a:spLocks noGrp="1" noRot="1" noChangeAspect="1" noMove="1" noResize="1" noEditPoints="1" noAdjustHandles="1" noChangeArrowheads="1" noChangeShapeType="1" noTextEdit="1"/>
+          </p:cNvSpPr>
+          <p:nvPr>
+            <p:extLst>
+              <p:ext uri="{386F3935-93C4-4BCD-93E2-E3B085C9AB24}">
+                <p16:designElem xmlns:p16="http://schemas.microsoft.com/office/powerpoint/2015/main" val="1"/>
+              </p:ext>
+            </p:extLst>
+          </p:nvPr>
+        </p:nvSpPr>
+        <p:spPr>
+          <a:xfrm>
+            <a:off x="0" y="0"/>
+            <a:ext cx="6085370" cy="6858000"/>
+          </a:xfrm>
+          <a:custGeom>
+            <a:avLst/>
+            <a:gdLst>
+              <a:gd name="connsiteX0" fmla="*/ 0 w 6085370"/>
+              <a:gd name="connsiteY0" fmla="*/ 0 h 6858000"/>
+              <a:gd name="connsiteX1" fmla="*/ 4875335 w 6085370"/>
+              <a:gd name="connsiteY1" fmla="*/ 0 h 6858000"/>
+              <a:gd name="connsiteX2" fmla="*/ 4935375 w 6085370"/>
+              <a:gd name="connsiteY2" fmla="*/ 69271 h 6858000"/>
+              <a:gd name="connsiteX3" fmla="*/ 6085370 w 6085370"/>
+              <a:gd name="connsiteY3" fmla="*/ 3429000 h 6858000"/>
+              <a:gd name="connsiteX4" fmla="*/ 4935375 w 6085370"/>
+              <a:gd name="connsiteY4" fmla="*/ 6788730 h 6858000"/>
+              <a:gd name="connsiteX5" fmla="*/ 4875335 w 6085370"/>
+              <a:gd name="connsiteY5" fmla="*/ 6858000 h 6858000"/>
+              <a:gd name="connsiteX6" fmla="*/ 0 w 6085370"/>
+              <a:gd name="connsiteY6" fmla="*/ 6858000 h 6858000"/>
+            </a:gdLst>
+            <a:ahLst/>
+            <a:cxnLst>
+              <a:cxn ang="0">
+                <a:pos x="connsiteX0" y="connsiteY0"/>
+              </a:cxn>
+              <a:cxn ang="0">
+                <a:pos x="connsiteX1" y="connsiteY1"/>
+              </a:cxn>
+              <a:cxn ang="0">
+                <a:pos x="connsiteX2" y="connsiteY2"/>
+              </a:cxn>
+              <a:cxn ang="0">
+                <a:pos x="connsiteX3" y="connsiteY3"/>
+              </a:cxn>
+              <a:cxn ang="0">
+                <a:pos x="connsiteX4" y="connsiteY4"/>
+              </a:cxn>
+              <a:cxn ang="0">
+                <a:pos x="connsiteX5" y="connsiteY5"/>
+              </a:cxn>
+              <a:cxn ang="0">
+                <a:pos x="connsiteX6" y="connsiteY6"/>
+              </a:cxn>
+            </a:cxnLst>
+            <a:rect l="l" t="t" r="r" b="b"/>
+            <a:pathLst>
+              <a:path w="6085370" h="6858000">
+                <a:moveTo>
+                  <a:pt x="0" y="0"/>
+                </a:moveTo>
+                <a:lnTo>
+                  <a:pt x="4875335" y="0"/>
+                </a:lnTo>
+                <a:lnTo>
+                  <a:pt x="4935375" y="69271"/>
+                </a:lnTo>
+                <a:cubicBezTo>
+                  <a:pt x="5645901" y="929100"/>
+                  <a:pt x="6085370" y="2116944"/>
+                  <a:pt x="6085370" y="3429000"/>
+                </a:cubicBezTo>
+                <a:cubicBezTo>
+                  <a:pt x="6085370" y="4741056"/>
+                  <a:pt x="5645901" y="5928900"/>
+                  <a:pt x="4935375" y="6788730"/>
+                </a:cubicBezTo>
+                <a:lnTo>
+                  <a:pt x="4875335" y="6858000"/>
+                </a:lnTo>
+                <a:lnTo>
+                  <a:pt x="0" y="6858000"/>
+                </a:lnTo>
+                <a:close/>
+              </a:path>
+            </a:pathLst>
+          </a:custGeom>
+          <a:ln w="9525">
+            <a:noFill/>
+          </a:ln>
+          <a:effectLst/>
+        </p:spPr>
+        <p:style>
+          <a:lnRef idx="2">
+            <a:schemeClr val="accent1">
+              <a:shade val="50000"/>
+            </a:schemeClr>
+          </a:lnRef>
+          <a:fillRef idx="1">
+            <a:schemeClr val="accent1"/>
+          </a:fillRef>
+          <a:effectRef idx="0">
+            <a:schemeClr val="accent1"/>
+          </a:effectRef>
+          <a:fontRef idx="minor">
+            <a:schemeClr val="lt1"/>
+          </a:fontRef>
+        </p:style>
+        <p:txBody>
+          <a:bodyPr wrap="square" rtlCol="0" anchor="ctr">
+            <a:noAutofit/>
+          </a:bodyPr>
+          <a:lstStyle/>
+          <a:p>
+            <a:pPr marL="0" marR="0" lvl="0" indent="0" algn="ctr" defTabSz="914400" rtl="0" eaLnBrk="1" fontAlgn="auto" latinLnBrk="0" hangingPunct="1">
+              <a:lnSpc>
+                <a:spcPct val="100000"/>
+              </a:lnSpc>
+              <a:spcBef>
+                <a:spcPts val="0"/>
+              </a:spcBef>
+              <a:spcAft>
+                <a:spcPts val="0"/>
+              </a:spcAft>
+              <a:buClrTx/>
+              <a:buSzTx/>
+              <a:buFontTx/>
+              <a:buNone/>
+              <a:tabLst/>
+              <a:defRPr/>
+            </a:pPr>
+            <a:endParaRPr kumimoji="0" lang="en-US" sz="1800" b="0" i="0" u="none" strike="noStrike" kern="1200" cap="none" spc="0" normalizeH="0" baseline="0" noProof="0">
+              <a:ln>
+                <a:noFill/>
+              </a:ln>
+              <a:solidFill>
+                <a:prstClr val="white"/>
+              </a:solidFill>
+              <a:effectLst/>
+              <a:uLnTx/>
+              <a:uFillTx/>
+              <a:latin typeface="Calibri" panose="020F0502020204030204"/>
+              <a:ea typeface="+mn-ea"/>
+              <a:cs typeface="+mn-cs"/>
+            </a:endParaRPr>
+          </a:p>
+        </p:txBody>
+      </p:sp>
+      <p:sp>
+        <p:nvSpPr>
+          <p:cNvPr id="2" name="Title 1">
+            <a:extLst>
+              <a:ext uri="{FF2B5EF4-FFF2-40B4-BE49-F238E27FC236}">
+                <a16:creationId xmlns:a16="http://schemas.microsoft.com/office/drawing/2014/main" id="{AA8476FD-ED7D-33A4-13B0-0560C0D3B77B}"/>
+              </a:ext>
+            </a:extLst>
+          </p:cNvPr>
+          <p:cNvSpPr>
+            <a:spLocks noGrp="1"/>
+          </p:cNvSpPr>
+          <p:nvPr>
+            <p:ph type="title"/>
+          </p:nvPr>
+        </p:nvSpPr>
+        <p:spPr>
+          <a:xfrm>
+            <a:off x="438913" y="859536"/>
+            <a:ext cx="4832802" cy="1170432"/>
+          </a:xfrm>
+        </p:spPr>
+        <p:txBody>
+          <a:bodyPr anchor="b">
+            <a:normAutofit/>
+          </a:bodyPr>
+          <a:lstStyle/>
+          <a:p>
+            <a:r>
+              <a:rPr lang="en-US" sz="3400" dirty="0"/>
+              <a:t>Mountain Data</a:t>
+            </a:r>
+          </a:p>
+        </p:txBody>
+      </p:sp>
+      <p:sp>
+        <p:nvSpPr>
+          <p:cNvPr id="20" name="Rectangle 19">
+            <a:extLst>
+              <a:ext uri="{FF2B5EF4-FFF2-40B4-BE49-F238E27FC236}">
+                <a16:creationId xmlns:a16="http://schemas.microsoft.com/office/drawing/2014/main" id="{FBEC5A7A-ADE4-48D9-B89C-2BA1C9110632}"/>
+              </a:ext>
+              <a:ext uri="{C183D7F6-B498-43B3-948B-1728B52AA6E4}">
+                <adec:decorative xmlns:adec="http://schemas.microsoft.com/office/drawing/2017/decorative" val="1"/>
+              </a:ext>
+            </a:extLst>
+          </p:cNvPr>
+          <p:cNvSpPr>
+            <a:spLocks noGrp="1" noRot="1" noChangeAspect="1" noMove="1" noResize="1" noEditPoints="1" noAdjustHandles="1" noChangeArrowheads="1" noChangeShapeType="1" noTextEdit="1"/>
+          </p:cNvSpPr>
+          <p:nvPr>
+            <p:extLst>
+              <p:ext uri="{386F3935-93C4-4BCD-93E2-E3B085C9AB24}">
+                <p16:designElem xmlns:p16="http://schemas.microsoft.com/office/powerpoint/2015/main" val="1"/>
+              </p:ext>
+            </p:extLst>
+          </p:nvPr>
+        </p:nvSpPr>
+        <p:spPr>
+          <a:xfrm rot="5400000">
+            <a:off x="703236" y="363389"/>
+            <a:ext cx="73152" cy="548640"/>
+          </a:xfrm>
+          <a:prstGeom prst="rect">
+            <a:avLst/>
+          </a:prstGeom>
+          <a:solidFill>
+            <a:schemeClr val="accent2"/>
+          </a:solidFill>
+          <a:ln>
+            <a:noFill/>
+          </a:ln>
+        </p:spPr>
+        <p:style>
+          <a:lnRef idx="2">
+            <a:schemeClr val="accent1">
+              <a:shade val="50000"/>
+            </a:schemeClr>
+          </a:lnRef>
+          <a:fillRef idx="1">
+            <a:schemeClr val="accent1"/>
+          </a:fillRef>
+          <a:effectRef idx="0">
+            <a:schemeClr val="accent1"/>
+          </a:effectRef>
+          <a:fontRef idx="minor">
+            <a:schemeClr val="lt1"/>
+          </a:fontRef>
+        </p:style>
+        <p:txBody>
+          <a:bodyPr rtlCol="0" anchor="ctr"/>
+          <a:lstStyle/>
+          <a:p>
+            <a:pPr algn="ctr"/>
+            <a:endParaRPr lang="en-US">
+              <a:solidFill>
+                <a:prstClr val="white"/>
+              </a:solidFill>
+              <a:latin typeface="Calibri" panose="020F0502020204030204"/>
+            </a:endParaRPr>
+          </a:p>
+        </p:txBody>
+      </p:sp>
+      <p:sp>
+        <p:nvSpPr>
+          <p:cNvPr id="22" name="Rectangle 21">
+            <a:extLst>
+              <a:ext uri="{FF2B5EF4-FFF2-40B4-BE49-F238E27FC236}">
+                <a16:creationId xmlns:a16="http://schemas.microsoft.com/office/drawing/2014/main" id="{82095FCE-EF05-4443-B97A-85DEE3A5CA17}"/>
+              </a:ext>
+              <a:ext uri="{C183D7F6-B498-43B3-948B-1728B52AA6E4}">
+                <adec:decorative xmlns:adec="http://schemas.microsoft.com/office/drawing/2017/decorative" val="1"/>
+              </a:ext>
+            </a:extLst>
+          </p:cNvPr>
+          <p:cNvSpPr>
+            <a:spLocks noGrp="1" noRot="1" noChangeAspect="1" noMove="1" noResize="1" noEditPoints="1" noAdjustHandles="1" noChangeArrowheads="1" noChangeShapeType="1" noTextEdit="1"/>
+          </p:cNvSpPr>
+          <p:nvPr>
+            <p:extLst>
+              <p:ext uri="{386F3935-93C4-4BCD-93E2-E3B085C9AB24}">
+                <p16:designElem xmlns:p16="http://schemas.microsoft.com/office/powerpoint/2015/main" val="1"/>
+              </p:ext>
+            </p:extLst>
+          </p:nvPr>
+        </p:nvSpPr>
+        <p:spPr>
+          <a:xfrm>
+            <a:off x="465492" y="2185062"/>
+            <a:ext cx="4937760" cy="18288"/>
+          </a:xfrm>
+          <a:prstGeom prst="rect">
+            <a:avLst/>
+          </a:prstGeom>
+          <a:solidFill>
+            <a:srgbClr val="D5D5D5"/>
+          </a:solidFill>
+          <a:ln w="3175">
+            <a:noFill/>
+          </a:ln>
+          <a:effectLst/>
+        </p:spPr>
+        <p:style>
+          <a:lnRef idx="2">
+            <a:schemeClr val="accent1">
+              <a:shade val="50000"/>
+            </a:schemeClr>
+          </a:lnRef>
+          <a:fillRef idx="1">
+            <a:schemeClr val="accent1"/>
+          </a:fillRef>
+          <a:effectRef idx="0">
+            <a:schemeClr val="accent1"/>
+          </a:effectRef>
+          <a:fontRef idx="minor">
+            <a:schemeClr val="lt1"/>
+          </a:fontRef>
+        </p:style>
+        <p:txBody>
+          <a:bodyPr rtlCol="0" anchor="ctr"/>
+          <a:lstStyle/>
+          <a:p>
+            <a:pPr marL="0" marR="0" lvl="0" indent="0" algn="ctr" defTabSz="914400" rtl="0" eaLnBrk="1" fontAlgn="auto" latinLnBrk="0" hangingPunct="1">
+              <a:lnSpc>
+                <a:spcPct val="100000"/>
+              </a:lnSpc>
+              <a:spcBef>
+                <a:spcPts val="0"/>
+              </a:spcBef>
+              <a:spcAft>
+                <a:spcPts val="0"/>
+              </a:spcAft>
+              <a:buClrTx/>
+              <a:buSzTx/>
+              <a:buFontTx/>
+              <a:buNone/>
+              <a:tabLst/>
+              <a:defRPr/>
+            </a:pPr>
+            <a:endParaRPr kumimoji="0" lang="en-US" sz="1800" b="0" i="0" u="none" strike="noStrike" kern="1200" cap="none" spc="0" normalizeH="0" baseline="0" noProof="0">
+              <a:ln>
+                <a:noFill/>
+              </a:ln>
+              <a:solidFill>
+                <a:prstClr val="white"/>
+              </a:solidFill>
+              <a:effectLst/>
+              <a:uLnTx/>
+              <a:uFillTx/>
+              <a:latin typeface="Calibri" panose="020F0502020204030204"/>
+              <a:ea typeface="+mn-ea"/>
+              <a:cs typeface="+mn-cs"/>
+            </a:endParaRPr>
+          </a:p>
+        </p:txBody>
+      </p:sp>
+      <p:sp>
+        <p:nvSpPr>
+          <p:cNvPr id="11" name="Content Placeholder 10">
+            <a:extLst>
+              <a:ext uri="{FF2B5EF4-FFF2-40B4-BE49-F238E27FC236}">
+                <a16:creationId xmlns:a16="http://schemas.microsoft.com/office/drawing/2014/main" id="{D676152A-A8FD-283A-8776-E919A481B5D6}"/>
+              </a:ext>
+            </a:extLst>
+          </p:cNvPr>
+          <p:cNvSpPr>
+            <a:spLocks noGrp="1"/>
+          </p:cNvSpPr>
+          <p:nvPr>
+            <p:ph idx="1"/>
+          </p:nvPr>
+        </p:nvSpPr>
+        <p:spPr>
+          <a:xfrm>
+            <a:off x="438912" y="2512611"/>
+            <a:ext cx="4832803" cy="3664351"/>
+          </a:xfrm>
+        </p:spPr>
+        <p:txBody>
+          <a:bodyPr>
+            <a:normAutofit lnSpcReduction="10000"/>
+          </a:bodyPr>
+          <a:lstStyle/>
+          <a:p>
+            <a:r>
+              <a:rPr lang="en-US" sz="1200" dirty="0"/>
+              <a:t>Wanted to see if having more mountains in a city meant more expensive homes in the city.</a:t>
+            </a:r>
+          </a:p>
+          <a:p>
+            <a:endParaRPr lang="en-US" sz="1200" dirty="0"/>
+          </a:p>
+          <a:p>
+            <a:r>
+              <a:rPr lang="en-US" sz="1200" dirty="0"/>
+              <a:t>Figured out how many mountains are in each city and typical home prices in each city. (Bar Graph)</a:t>
+            </a:r>
+          </a:p>
+          <a:p>
+            <a:endParaRPr lang="en-US" sz="1200" dirty="0"/>
+          </a:p>
+          <a:p>
+            <a:r>
+              <a:rPr lang="en-US" sz="1200" dirty="0"/>
+              <a:t>Compared typical home prices to number of mountains in the city . (Scatter Plot)</a:t>
+            </a:r>
+          </a:p>
+          <a:p>
+            <a:endParaRPr lang="en-US" sz="1200" dirty="0"/>
+          </a:p>
+          <a:p>
+            <a:r>
+              <a:rPr lang="en-US" sz="1200" dirty="0"/>
+              <a:t>Had a radius of 10 km because mountains wouldn’t be right in a city, they would be surrounding the city.</a:t>
+            </a:r>
+          </a:p>
+          <a:p>
+            <a:endParaRPr lang="en-US" sz="1200" dirty="0"/>
+          </a:p>
+          <a:p>
+            <a:r>
+              <a:rPr lang="en-US" sz="1200" dirty="0"/>
+              <a:t>Found that there is a very strong correlation between the number of mountains and the home price. The R value was .76 which means there is a 76% chance that the value of homes increases based on the number of mountains. </a:t>
+            </a:r>
+          </a:p>
+        </p:txBody>
+      </p:sp>
+      <p:pic>
+        <p:nvPicPr>
+          <p:cNvPr id="3" name="Picture 4">
+            <a:extLst>
+              <a:ext uri="{FF2B5EF4-FFF2-40B4-BE49-F238E27FC236}">
+                <a16:creationId xmlns:a16="http://schemas.microsoft.com/office/drawing/2014/main" id="{F58D920D-5514-F3C0-2D70-06D35085C75B}"/>
+              </a:ext>
+            </a:extLst>
+          </p:cNvPr>
+          <p:cNvPicPr>
+            <a:picLocks noChangeAspect="1" noChangeArrowheads="1"/>
+          </p:cNvPicPr>
+          <p:nvPr/>
+        </p:nvPicPr>
+        <p:blipFill>
+          <a:blip r:embed="rId2">
+            <a:extLst>
+              <a:ext uri="{28A0092B-C50C-407E-A947-70E740481C1C}">
+                <a14:useLocalDpi xmlns:a14="http://schemas.microsoft.com/office/drawing/2010/main" val="0"/>
+              </a:ext>
+            </a:extLst>
+          </a:blip>
+          <a:stretch>
+            <a:fillRect/>
+          </a:stretch>
+        </p:blipFill>
+        <p:spPr bwMode="auto">
+          <a:xfrm>
+            <a:off x="6536882" y="0"/>
+            <a:ext cx="5215569" cy="3885598"/>
+          </a:xfrm>
+          <a:prstGeom prst="rect">
+            <a:avLst/>
+          </a:prstGeom>
+          <a:noFill/>
+          <a:extLst>
+            <a:ext uri="{909E8E84-426E-40DD-AFC4-6F175D3DCCD1}">
+              <a14:hiddenFill xmlns:a14="http://schemas.microsoft.com/office/drawing/2010/main">
+                <a:solidFill>
+                  <a:srgbClr val="FFFFFF"/>
+                </a:solidFill>
+              </a14:hiddenFill>
+            </a:ext>
+          </a:extLst>
+        </p:spPr>
+      </p:pic>
+      <p:pic>
+        <p:nvPicPr>
+          <p:cNvPr id="4" name="Picture 2">
+            <a:extLst>
+              <a:ext uri="{FF2B5EF4-FFF2-40B4-BE49-F238E27FC236}">
+                <a16:creationId xmlns:a16="http://schemas.microsoft.com/office/drawing/2014/main" id="{7C2261C6-A506-1627-0F3A-0455B8CB858B}"/>
+              </a:ext>
+            </a:extLst>
+          </p:cNvPr>
+          <p:cNvPicPr>
+            <a:picLocks noChangeAspect="1" noChangeArrowheads="1"/>
+          </p:cNvPicPr>
+          <p:nvPr/>
+        </p:nvPicPr>
+        <p:blipFill>
+          <a:blip r:embed="rId3">
+            <a:extLst>
+              <a:ext uri="{28A0092B-C50C-407E-A947-70E740481C1C}">
+                <a14:useLocalDpi xmlns:a14="http://schemas.microsoft.com/office/drawing/2010/main" val="0"/>
+              </a:ext>
+            </a:extLst>
+          </a:blip>
+          <a:stretch>
+            <a:fillRect/>
+          </a:stretch>
+        </p:blipFill>
+        <p:spPr bwMode="auto">
+          <a:xfrm>
+            <a:off x="7084011" y="3359426"/>
+            <a:ext cx="4400722" cy="3498574"/>
+          </a:xfrm>
+          <a:prstGeom prst="rect">
+            <a:avLst/>
+          </a:prstGeom>
+          <a:noFill/>
+          <a:extLst>
+            <a:ext uri="{909E8E84-426E-40DD-AFC4-6F175D3DCCD1}">
+              <a14:hiddenFill xmlns:a14="http://schemas.microsoft.com/office/drawing/2010/main">
+                <a:solidFill>
+                  <a:srgbClr val="FFFFFF"/>
+                </a:solidFill>
+              </a14:hiddenFill>
+            </a:ext>
+          </a:extLst>
+        </p:spPr>
+      </p:pic>
+    </p:spTree>
+    <p:extLst>
+      <p:ext uri="{BB962C8B-B14F-4D97-AF65-F5344CB8AC3E}">
+        <p14:creationId xmlns:p14="http://schemas.microsoft.com/office/powerpoint/2010/main" val="1785084496"/>
+      </p:ext>
+    </p:extLst>
+  </p:cSld>
+  <p:clrMapOvr>
+    <a:masterClrMapping/>
+  </p:clrMapOvr>
+</p:sld>
+</file>
+
+<file path=ppt/slides/slide13.xml><?xml version="1.0" encoding="utf-8"?>
+<p:sld xmlns:a="http://schemas.openxmlformats.org/drawingml/2006/main" xmlns:r="http://schemas.openxmlformats.org/officeDocument/2006/relationships" xmlns:p="http://schemas.openxmlformats.org/presentationml/2006/main" show="0">
   <p:cSld>
     <p:spTree>
       <p:nvGrpSpPr>
@@ -12877,8 +13671,8 @@
 </p:sld>
 </file>
 
-<file path=ppt/slides/slide13.xml><?xml version="1.0" encoding="utf-8"?>
-<p:sld xmlns:a="http://schemas.openxmlformats.org/drawingml/2006/main" xmlns:r="http://schemas.openxmlformats.org/officeDocument/2006/relationships" xmlns:p="http://schemas.openxmlformats.org/presentationml/2006/main">
+<file path=ppt/slides/slide14.xml><?xml version="1.0" encoding="utf-8"?>
+<p:sld xmlns:a="http://schemas.openxmlformats.org/drawingml/2006/main" xmlns:r="http://schemas.openxmlformats.org/officeDocument/2006/relationships" xmlns:p="http://schemas.openxmlformats.org/presentationml/2006/main" show="0">
   <p:cSld>
     <p:spTree>
       <p:nvGrpSpPr>
@@ -12963,8 +13757,766 @@
 </p:sld>
 </file>
 
-<file path=ppt/slides/slide14.xml><?xml version="1.0" encoding="utf-8"?>
+<file path=ppt/slides/slide15.xml><?xml version="1.0" encoding="utf-8"?>
 <p:sld xmlns:a="http://schemas.openxmlformats.org/drawingml/2006/main" xmlns:r="http://schemas.openxmlformats.org/officeDocument/2006/relationships" xmlns:p="http://schemas.openxmlformats.org/presentationml/2006/main">
+  <p:cSld>
+    <p:bg>
+      <p:bgPr>
+        <a:solidFill>
+          <a:schemeClr val="bg1"/>
+        </a:solidFill>
+        <a:effectLst/>
+      </p:bgPr>
+    </p:bg>
+    <p:spTree>
+      <p:nvGrpSpPr>
+        <p:cNvPr id="1" name=""/>
+        <p:cNvGrpSpPr/>
+        <p:nvPr/>
+      </p:nvGrpSpPr>
+      <p:grpSpPr>
+        <a:xfrm>
+          <a:off x="0" y="0"/>
+          <a:ext cx="0" cy="0"/>
+          <a:chOff x="0" y="0"/>
+          <a:chExt cx="0" cy="0"/>
+        </a:xfrm>
+      </p:grpSpPr>
+      <p:sp useBgFill="1">
+        <p:nvSpPr>
+          <p:cNvPr id="14" name="Rectangle 13">
+            <a:extLst>
+              <a:ext uri="{FF2B5EF4-FFF2-40B4-BE49-F238E27FC236}">
+                <a16:creationId xmlns:a16="http://schemas.microsoft.com/office/drawing/2014/main" id="{115719BB-48A7-4AF4-BB91-DC82E0DF727D}"/>
+              </a:ext>
+              <a:ext uri="{C183D7F6-B498-43B3-948B-1728B52AA6E4}">
+                <adec:decorative xmlns:adec="http://schemas.microsoft.com/office/drawing/2017/decorative" val="1"/>
+              </a:ext>
+            </a:extLst>
+          </p:cNvPr>
+          <p:cNvSpPr>
+            <a:spLocks noGrp="1" noRot="1" noChangeAspect="1" noMove="1" noResize="1" noEditPoints="1" noAdjustHandles="1" noChangeArrowheads="1" noChangeShapeType="1" noTextEdit="1"/>
+          </p:cNvSpPr>
+          <p:nvPr>
+            <p:extLst>
+              <p:ext uri="{386F3935-93C4-4BCD-93E2-E3B085C9AB24}">
+                <p16:designElem xmlns:p16="http://schemas.microsoft.com/office/powerpoint/2015/main" val="1"/>
+              </p:ext>
+            </p:extLst>
+          </p:nvPr>
+        </p:nvSpPr>
+        <p:spPr>
+          <a:xfrm>
+            <a:off x="0" y="0"/>
+            <a:ext cx="12192000" cy="6858000"/>
+          </a:xfrm>
+          <a:prstGeom prst="rect">
+            <a:avLst/>
+          </a:prstGeom>
+          <a:ln>
+            <a:noFill/>
+          </a:ln>
+        </p:spPr>
+        <p:style>
+          <a:lnRef idx="2">
+            <a:schemeClr val="accent1">
+              <a:shade val="50000"/>
+            </a:schemeClr>
+          </a:lnRef>
+          <a:fillRef idx="1">
+            <a:schemeClr val="accent1"/>
+          </a:fillRef>
+          <a:effectRef idx="0">
+            <a:schemeClr val="accent1"/>
+          </a:effectRef>
+          <a:fontRef idx="minor">
+            <a:schemeClr val="lt1"/>
+          </a:fontRef>
+        </p:style>
+        <p:txBody>
+          <a:bodyPr rtlCol="0" anchor="ctr"/>
+          <a:lstStyle/>
+          <a:p>
+            <a:pPr algn="ctr"/>
+            <a:endParaRPr lang="en-US"/>
+          </a:p>
+        </p:txBody>
+      </p:sp>
+      <p:sp useBgFill="1">
+        <p:nvSpPr>
+          <p:cNvPr id="16" name="Freeform: Shape 15">
+            <a:extLst>
+              <a:ext uri="{FF2B5EF4-FFF2-40B4-BE49-F238E27FC236}">
+                <a16:creationId xmlns:a16="http://schemas.microsoft.com/office/drawing/2014/main" id="{10973A55-5440-4A99-B526-B5812E46271E}"/>
+              </a:ext>
+              <a:ext uri="{C183D7F6-B498-43B3-948B-1728B52AA6E4}">
+                <adec:decorative xmlns:adec="http://schemas.microsoft.com/office/drawing/2017/decorative" val="1"/>
+              </a:ext>
+            </a:extLst>
+          </p:cNvPr>
+          <p:cNvSpPr>
+            <a:spLocks noGrp="1" noRot="1" noChangeAspect="1" noMove="1" noResize="1" noEditPoints="1" noAdjustHandles="1" noChangeArrowheads="1" noChangeShapeType="1" noTextEdit="1"/>
+          </p:cNvSpPr>
+          <p:nvPr>
+            <p:extLst>
+              <p:ext uri="{386F3935-93C4-4BCD-93E2-E3B085C9AB24}">
+                <p16:designElem xmlns:p16="http://schemas.microsoft.com/office/powerpoint/2015/main" val="1"/>
+              </p:ext>
+            </p:extLst>
+          </p:nvPr>
+        </p:nvSpPr>
+        <p:spPr>
+          <a:xfrm>
+            <a:off x="-1" y="0"/>
+            <a:ext cx="6096002" cy="6858000"/>
+          </a:xfrm>
+          <a:custGeom>
+            <a:avLst/>
+            <a:gdLst>
+              <a:gd name="connsiteX0" fmla="*/ 0 w 6096002"/>
+              <a:gd name="connsiteY0" fmla="*/ 0 h 6858000"/>
+              <a:gd name="connsiteX1" fmla="*/ 4885967 w 6096002"/>
+              <a:gd name="connsiteY1" fmla="*/ 0 h 6858000"/>
+              <a:gd name="connsiteX2" fmla="*/ 4946007 w 6096002"/>
+              <a:gd name="connsiteY2" fmla="*/ 69271 h 6858000"/>
+              <a:gd name="connsiteX3" fmla="*/ 6096002 w 6096002"/>
+              <a:gd name="connsiteY3" fmla="*/ 3429000 h 6858000"/>
+              <a:gd name="connsiteX4" fmla="*/ 4946007 w 6096002"/>
+              <a:gd name="connsiteY4" fmla="*/ 6788730 h 6858000"/>
+              <a:gd name="connsiteX5" fmla="*/ 4885967 w 6096002"/>
+              <a:gd name="connsiteY5" fmla="*/ 6858000 h 6858000"/>
+              <a:gd name="connsiteX6" fmla="*/ 0 w 6096002"/>
+              <a:gd name="connsiteY6" fmla="*/ 6858000 h 6858000"/>
+            </a:gdLst>
+            <a:ahLst/>
+            <a:cxnLst>
+              <a:cxn ang="0">
+                <a:pos x="connsiteX0" y="connsiteY0"/>
+              </a:cxn>
+              <a:cxn ang="0">
+                <a:pos x="connsiteX1" y="connsiteY1"/>
+              </a:cxn>
+              <a:cxn ang="0">
+                <a:pos x="connsiteX2" y="connsiteY2"/>
+              </a:cxn>
+              <a:cxn ang="0">
+                <a:pos x="connsiteX3" y="connsiteY3"/>
+              </a:cxn>
+              <a:cxn ang="0">
+                <a:pos x="connsiteX4" y="connsiteY4"/>
+              </a:cxn>
+              <a:cxn ang="0">
+                <a:pos x="connsiteX5" y="connsiteY5"/>
+              </a:cxn>
+              <a:cxn ang="0">
+                <a:pos x="connsiteX6" y="connsiteY6"/>
+              </a:cxn>
+            </a:cxnLst>
+            <a:rect l="l" t="t" r="r" b="b"/>
+            <a:pathLst>
+              <a:path w="6096002" h="6858000">
+                <a:moveTo>
+                  <a:pt x="0" y="0"/>
+                </a:moveTo>
+                <a:lnTo>
+                  <a:pt x="4885967" y="0"/>
+                </a:lnTo>
+                <a:lnTo>
+                  <a:pt x="4946007" y="69271"/>
+                </a:lnTo>
+                <a:cubicBezTo>
+                  <a:pt x="5656533" y="929100"/>
+                  <a:pt x="6096002" y="2116944"/>
+                  <a:pt x="6096002" y="3429000"/>
+                </a:cubicBezTo>
+                <a:cubicBezTo>
+                  <a:pt x="6096002" y="4741056"/>
+                  <a:pt x="5656533" y="5928900"/>
+                  <a:pt x="4946007" y="6788730"/>
+                </a:cubicBezTo>
+                <a:lnTo>
+                  <a:pt x="4885967" y="6858000"/>
+                </a:lnTo>
+                <a:lnTo>
+                  <a:pt x="0" y="6858000"/>
+                </a:lnTo>
+                <a:close/>
+              </a:path>
+            </a:pathLst>
+          </a:custGeom>
+          <a:ln w="9525">
+            <a:solidFill>
+              <a:srgbClr val="EFEFEF"/>
+            </a:solidFill>
+          </a:ln>
+          <a:effectLst>
+            <a:outerShdw blurRad="88900" dist="38100" algn="l" rotWithShape="0">
+              <a:schemeClr val="bg1">
+                <a:lumMod val="85000"/>
+                <a:alpha val="50000"/>
+              </a:schemeClr>
+            </a:outerShdw>
+          </a:effectLst>
+        </p:spPr>
+        <p:style>
+          <a:lnRef idx="2">
+            <a:schemeClr val="accent1">
+              <a:shade val="50000"/>
+            </a:schemeClr>
+          </a:lnRef>
+          <a:fillRef idx="1">
+            <a:schemeClr val="accent1"/>
+          </a:fillRef>
+          <a:effectRef idx="0">
+            <a:schemeClr val="accent1"/>
+          </a:effectRef>
+          <a:fontRef idx="minor">
+            <a:schemeClr val="lt1"/>
+          </a:fontRef>
+        </p:style>
+        <p:txBody>
+          <a:bodyPr wrap="square" rtlCol="0" anchor="ctr">
+            <a:noAutofit/>
+          </a:bodyPr>
+          <a:lstStyle/>
+          <a:p>
+            <a:pPr marL="0" marR="0" lvl="0" indent="0" algn="ctr" defTabSz="914400" rtl="0" eaLnBrk="1" fontAlgn="auto" latinLnBrk="0" hangingPunct="1">
+              <a:lnSpc>
+                <a:spcPct val="100000"/>
+              </a:lnSpc>
+              <a:spcBef>
+                <a:spcPts val="0"/>
+              </a:spcBef>
+              <a:spcAft>
+                <a:spcPts val="0"/>
+              </a:spcAft>
+              <a:buClrTx/>
+              <a:buSzTx/>
+              <a:buFontTx/>
+              <a:buNone/>
+              <a:tabLst/>
+              <a:defRPr/>
+            </a:pPr>
+            <a:endParaRPr kumimoji="0" lang="en-US" sz="1800" b="0" i="0" u="none" strike="noStrike" kern="1200" cap="none" spc="0" normalizeH="0" baseline="0" noProof="0">
+              <a:ln>
+                <a:noFill/>
+              </a:ln>
+              <a:solidFill>
+                <a:prstClr val="white"/>
+              </a:solidFill>
+              <a:effectLst/>
+              <a:uLnTx/>
+              <a:uFillTx/>
+              <a:latin typeface="Calibri" panose="020F0502020204030204"/>
+              <a:ea typeface="+mn-ea"/>
+              <a:cs typeface="+mn-cs"/>
+            </a:endParaRPr>
+          </a:p>
+        </p:txBody>
+      </p:sp>
+      <p:sp useBgFill="1">
+        <p:nvSpPr>
+          <p:cNvPr id="18" name="Freeform: Shape 17">
+            <a:extLst>
+              <a:ext uri="{FF2B5EF4-FFF2-40B4-BE49-F238E27FC236}">
+                <a16:creationId xmlns:a16="http://schemas.microsoft.com/office/drawing/2014/main" id="{A9682493-588A-4D52-98F6-FBBD80C07ECB}"/>
+              </a:ext>
+              <a:ext uri="{C183D7F6-B498-43B3-948B-1728B52AA6E4}">
+                <adec:decorative xmlns:adec="http://schemas.microsoft.com/office/drawing/2017/decorative" val="1"/>
+              </a:ext>
+            </a:extLst>
+          </p:cNvPr>
+          <p:cNvSpPr>
+            <a:spLocks noGrp="1" noRot="1" noChangeAspect="1" noMove="1" noResize="1" noEditPoints="1" noAdjustHandles="1" noChangeArrowheads="1" noChangeShapeType="1" noTextEdit="1"/>
+          </p:cNvSpPr>
+          <p:nvPr>
+            <p:extLst>
+              <p:ext uri="{386F3935-93C4-4BCD-93E2-E3B085C9AB24}">
+                <p16:designElem xmlns:p16="http://schemas.microsoft.com/office/powerpoint/2015/main" val="1"/>
+              </p:ext>
+            </p:extLst>
+          </p:nvPr>
+        </p:nvSpPr>
+        <p:spPr>
+          <a:xfrm>
+            <a:off x="0" y="0"/>
+            <a:ext cx="6085370" cy="6858000"/>
+          </a:xfrm>
+          <a:custGeom>
+            <a:avLst/>
+            <a:gdLst>
+              <a:gd name="connsiteX0" fmla="*/ 0 w 6085370"/>
+              <a:gd name="connsiteY0" fmla="*/ 0 h 6858000"/>
+              <a:gd name="connsiteX1" fmla="*/ 4875335 w 6085370"/>
+              <a:gd name="connsiteY1" fmla="*/ 0 h 6858000"/>
+              <a:gd name="connsiteX2" fmla="*/ 4935375 w 6085370"/>
+              <a:gd name="connsiteY2" fmla="*/ 69271 h 6858000"/>
+              <a:gd name="connsiteX3" fmla="*/ 6085370 w 6085370"/>
+              <a:gd name="connsiteY3" fmla="*/ 3429000 h 6858000"/>
+              <a:gd name="connsiteX4" fmla="*/ 4935375 w 6085370"/>
+              <a:gd name="connsiteY4" fmla="*/ 6788730 h 6858000"/>
+              <a:gd name="connsiteX5" fmla="*/ 4875335 w 6085370"/>
+              <a:gd name="connsiteY5" fmla="*/ 6858000 h 6858000"/>
+              <a:gd name="connsiteX6" fmla="*/ 0 w 6085370"/>
+              <a:gd name="connsiteY6" fmla="*/ 6858000 h 6858000"/>
+            </a:gdLst>
+            <a:ahLst/>
+            <a:cxnLst>
+              <a:cxn ang="0">
+                <a:pos x="connsiteX0" y="connsiteY0"/>
+              </a:cxn>
+              <a:cxn ang="0">
+                <a:pos x="connsiteX1" y="connsiteY1"/>
+              </a:cxn>
+              <a:cxn ang="0">
+                <a:pos x="connsiteX2" y="connsiteY2"/>
+              </a:cxn>
+              <a:cxn ang="0">
+                <a:pos x="connsiteX3" y="connsiteY3"/>
+              </a:cxn>
+              <a:cxn ang="0">
+                <a:pos x="connsiteX4" y="connsiteY4"/>
+              </a:cxn>
+              <a:cxn ang="0">
+                <a:pos x="connsiteX5" y="connsiteY5"/>
+              </a:cxn>
+              <a:cxn ang="0">
+                <a:pos x="connsiteX6" y="connsiteY6"/>
+              </a:cxn>
+            </a:cxnLst>
+            <a:rect l="l" t="t" r="r" b="b"/>
+            <a:pathLst>
+              <a:path w="6085370" h="6858000">
+                <a:moveTo>
+                  <a:pt x="0" y="0"/>
+                </a:moveTo>
+                <a:lnTo>
+                  <a:pt x="4875335" y="0"/>
+                </a:lnTo>
+                <a:lnTo>
+                  <a:pt x="4935375" y="69271"/>
+                </a:lnTo>
+                <a:cubicBezTo>
+                  <a:pt x="5645901" y="929100"/>
+                  <a:pt x="6085370" y="2116944"/>
+                  <a:pt x="6085370" y="3429000"/>
+                </a:cubicBezTo>
+                <a:cubicBezTo>
+                  <a:pt x="6085370" y="4741056"/>
+                  <a:pt x="5645901" y="5928900"/>
+                  <a:pt x="4935375" y="6788730"/>
+                </a:cubicBezTo>
+                <a:lnTo>
+                  <a:pt x="4875335" y="6858000"/>
+                </a:lnTo>
+                <a:lnTo>
+                  <a:pt x="0" y="6858000"/>
+                </a:lnTo>
+                <a:close/>
+              </a:path>
+            </a:pathLst>
+          </a:custGeom>
+          <a:ln w="9525">
+            <a:noFill/>
+          </a:ln>
+          <a:effectLst/>
+        </p:spPr>
+        <p:style>
+          <a:lnRef idx="2">
+            <a:schemeClr val="accent1">
+              <a:shade val="50000"/>
+            </a:schemeClr>
+          </a:lnRef>
+          <a:fillRef idx="1">
+            <a:schemeClr val="accent1"/>
+          </a:fillRef>
+          <a:effectRef idx="0">
+            <a:schemeClr val="accent1"/>
+          </a:effectRef>
+          <a:fontRef idx="minor">
+            <a:schemeClr val="lt1"/>
+          </a:fontRef>
+        </p:style>
+        <p:txBody>
+          <a:bodyPr wrap="square" rtlCol="0" anchor="ctr">
+            <a:noAutofit/>
+          </a:bodyPr>
+          <a:lstStyle/>
+          <a:p>
+            <a:pPr marL="0" marR="0" lvl="0" indent="0" algn="ctr" defTabSz="914400" rtl="0" eaLnBrk="1" fontAlgn="auto" latinLnBrk="0" hangingPunct="1">
+              <a:lnSpc>
+                <a:spcPct val="100000"/>
+              </a:lnSpc>
+              <a:spcBef>
+                <a:spcPts val="0"/>
+              </a:spcBef>
+              <a:spcAft>
+                <a:spcPts val="0"/>
+              </a:spcAft>
+              <a:buClrTx/>
+              <a:buSzTx/>
+              <a:buFontTx/>
+              <a:buNone/>
+              <a:tabLst/>
+              <a:defRPr/>
+            </a:pPr>
+            <a:endParaRPr kumimoji="0" lang="en-US" sz="1800" b="0" i="0" u="none" strike="noStrike" kern="1200" cap="none" spc="0" normalizeH="0" baseline="0" noProof="0">
+              <a:ln>
+                <a:noFill/>
+              </a:ln>
+              <a:solidFill>
+                <a:prstClr val="white"/>
+              </a:solidFill>
+              <a:effectLst/>
+              <a:uLnTx/>
+              <a:uFillTx/>
+              <a:latin typeface="Calibri" panose="020F0502020204030204"/>
+              <a:ea typeface="+mn-ea"/>
+              <a:cs typeface="+mn-cs"/>
+            </a:endParaRPr>
+          </a:p>
+        </p:txBody>
+      </p:sp>
+      <p:sp>
+        <p:nvSpPr>
+          <p:cNvPr id="2" name="Title 1">
+            <a:extLst>
+              <a:ext uri="{FF2B5EF4-FFF2-40B4-BE49-F238E27FC236}">
+                <a16:creationId xmlns:a16="http://schemas.microsoft.com/office/drawing/2014/main" id="{AA8476FD-ED7D-33A4-13B0-0560C0D3B77B}"/>
+              </a:ext>
+            </a:extLst>
+          </p:cNvPr>
+          <p:cNvSpPr>
+            <a:spLocks noGrp="1"/>
+          </p:cNvSpPr>
+          <p:nvPr>
+            <p:ph type="title"/>
+          </p:nvPr>
+        </p:nvSpPr>
+        <p:spPr>
+          <a:xfrm>
+            <a:off x="438913" y="859536"/>
+            <a:ext cx="4832802" cy="1170432"/>
+          </a:xfrm>
+        </p:spPr>
+        <p:txBody>
+          <a:bodyPr anchor="b">
+            <a:normAutofit/>
+          </a:bodyPr>
+          <a:lstStyle/>
+          <a:p>
+            <a:r>
+              <a:rPr lang="en-US" sz="3400" dirty="0"/>
+              <a:t>Healthcare Data</a:t>
+            </a:r>
+          </a:p>
+        </p:txBody>
+      </p:sp>
+      <p:sp>
+        <p:nvSpPr>
+          <p:cNvPr id="20" name="Rectangle 19">
+            <a:extLst>
+              <a:ext uri="{FF2B5EF4-FFF2-40B4-BE49-F238E27FC236}">
+                <a16:creationId xmlns:a16="http://schemas.microsoft.com/office/drawing/2014/main" id="{FBEC5A7A-ADE4-48D9-B89C-2BA1C9110632}"/>
+              </a:ext>
+              <a:ext uri="{C183D7F6-B498-43B3-948B-1728B52AA6E4}">
+                <adec:decorative xmlns:adec="http://schemas.microsoft.com/office/drawing/2017/decorative" val="1"/>
+              </a:ext>
+            </a:extLst>
+          </p:cNvPr>
+          <p:cNvSpPr>
+            <a:spLocks noGrp="1" noRot="1" noChangeAspect="1" noMove="1" noResize="1" noEditPoints="1" noAdjustHandles="1" noChangeArrowheads="1" noChangeShapeType="1" noTextEdit="1"/>
+          </p:cNvSpPr>
+          <p:nvPr>
+            <p:extLst>
+              <p:ext uri="{386F3935-93C4-4BCD-93E2-E3B085C9AB24}">
+                <p16:designElem xmlns:p16="http://schemas.microsoft.com/office/powerpoint/2015/main" val="1"/>
+              </p:ext>
+            </p:extLst>
+          </p:nvPr>
+        </p:nvSpPr>
+        <p:spPr>
+          <a:xfrm rot="5400000">
+            <a:off x="703236" y="363389"/>
+            <a:ext cx="73152" cy="548640"/>
+          </a:xfrm>
+          <a:prstGeom prst="rect">
+            <a:avLst/>
+          </a:prstGeom>
+          <a:solidFill>
+            <a:schemeClr val="accent2"/>
+          </a:solidFill>
+          <a:ln>
+            <a:noFill/>
+          </a:ln>
+        </p:spPr>
+        <p:style>
+          <a:lnRef idx="2">
+            <a:schemeClr val="accent1">
+              <a:shade val="50000"/>
+            </a:schemeClr>
+          </a:lnRef>
+          <a:fillRef idx="1">
+            <a:schemeClr val="accent1"/>
+          </a:fillRef>
+          <a:effectRef idx="0">
+            <a:schemeClr val="accent1"/>
+          </a:effectRef>
+          <a:fontRef idx="minor">
+            <a:schemeClr val="lt1"/>
+          </a:fontRef>
+        </p:style>
+        <p:txBody>
+          <a:bodyPr rtlCol="0" anchor="ctr"/>
+          <a:lstStyle/>
+          <a:p>
+            <a:pPr algn="ctr"/>
+            <a:endParaRPr lang="en-US">
+              <a:solidFill>
+                <a:prstClr val="white"/>
+              </a:solidFill>
+              <a:latin typeface="Calibri" panose="020F0502020204030204"/>
+            </a:endParaRPr>
+          </a:p>
+        </p:txBody>
+      </p:sp>
+      <p:sp>
+        <p:nvSpPr>
+          <p:cNvPr id="22" name="Rectangle 21">
+            <a:extLst>
+              <a:ext uri="{FF2B5EF4-FFF2-40B4-BE49-F238E27FC236}">
+                <a16:creationId xmlns:a16="http://schemas.microsoft.com/office/drawing/2014/main" id="{82095FCE-EF05-4443-B97A-85DEE3A5CA17}"/>
+              </a:ext>
+              <a:ext uri="{C183D7F6-B498-43B3-948B-1728B52AA6E4}">
+                <adec:decorative xmlns:adec="http://schemas.microsoft.com/office/drawing/2017/decorative" val="1"/>
+              </a:ext>
+            </a:extLst>
+          </p:cNvPr>
+          <p:cNvSpPr>
+            <a:spLocks noGrp="1" noRot="1" noChangeAspect="1" noMove="1" noResize="1" noEditPoints="1" noAdjustHandles="1" noChangeArrowheads="1" noChangeShapeType="1" noTextEdit="1"/>
+          </p:cNvSpPr>
+          <p:nvPr>
+            <p:extLst>
+              <p:ext uri="{386F3935-93C4-4BCD-93E2-E3B085C9AB24}">
+                <p16:designElem xmlns:p16="http://schemas.microsoft.com/office/powerpoint/2015/main" val="1"/>
+              </p:ext>
+            </p:extLst>
+          </p:nvPr>
+        </p:nvSpPr>
+        <p:spPr>
+          <a:xfrm>
+            <a:off x="465492" y="2185062"/>
+            <a:ext cx="4937760" cy="18288"/>
+          </a:xfrm>
+          <a:prstGeom prst="rect">
+            <a:avLst/>
+          </a:prstGeom>
+          <a:solidFill>
+            <a:srgbClr val="D5D5D5"/>
+          </a:solidFill>
+          <a:ln w="3175">
+            <a:noFill/>
+          </a:ln>
+          <a:effectLst/>
+        </p:spPr>
+        <p:style>
+          <a:lnRef idx="2">
+            <a:schemeClr val="accent1">
+              <a:shade val="50000"/>
+            </a:schemeClr>
+          </a:lnRef>
+          <a:fillRef idx="1">
+            <a:schemeClr val="accent1"/>
+          </a:fillRef>
+          <a:effectRef idx="0">
+            <a:schemeClr val="accent1"/>
+          </a:effectRef>
+          <a:fontRef idx="minor">
+            <a:schemeClr val="lt1"/>
+          </a:fontRef>
+        </p:style>
+        <p:txBody>
+          <a:bodyPr rtlCol="0" anchor="ctr"/>
+          <a:lstStyle/>
+          <a:p>
+            <a:pPr marL="0" marR="0" lvl="0" indent="0" algn="ctr" defTabSz="914400" rtl="0" eaLnBrk="1" fontAlgn="auto" latinLnBrk="0" hangingPunct="1">
+              <a:lnSpc>
+                <a:spcPct val="100000"/>
+              </a:lnSpc>
+              <a:spcBef>
+                <a:spcPts val="0"/>
+              </a:spcBef>
+              <a:spcAft>
+                <a:spcPts val="0"/>
+              </a:spcAft>
+              <a:buClrTx/>
+              <a:buSzTx/>
+              <a:buFontTx/>
+              <a:buNone/>
+              <a:tabLst/>
+              <a:defRPr/>
+            </a:pPr>
+            <a:endParaRPr kumimoji="0" lang="en-US" sz="1800" b="0" i="0" u="none" strike="noStrike" kern="1200" cap="none" spc="0" normalizeH="0" baseline="0" noProof="0">
+              <a:ln>
+                <a:noFill/>
+              </a:ln>
+              <a:solidFill>
+                <a:prstClr val="white"/>
+              </a:solidFill>
+              <a:effectLst/>
+              <a:uLnTx/>
+              <a:uFillTx/>
+              <a:latin typeface="Calibri" panose="020F0502020204030204"/>
+              <a:ea typeface="+mn-ea"/>
+              <a:cs typeface="+mn-cs"/>
+            </a:endParaRPr>
+          </a:p>
+        </p:txBody>
+      </p:sp>
+      <p:sp>
+        <p:nvSpPr>
+          <p:cNvPr id="11" name="Content Placeholder 10">
+            <a:extLst>
+              <a:ext uri="{FF2B5EF4-FFF2-40B4-BE49-F238E27FC236}">
+                <a16:creationId xmlns:a16="http://schemas.microsoft.com/office/drawing/2014/main" id="{D676152A-A8FD-283A-8776-E919A481B5D6}"/>
+              </a:ext>
+            </a:extLst>
+          </p:cNvPr>
+          <p:cNvSpPr>
+            <a:spLocks noGrp="1"/>
+          </p:cNvSpPr>
+          <p:nvPr>
+            <p:ph idx="1"/>
+          </p:nvPr>
+        </p:nvSpPr>
+        <p:spPr>
+          <a:xfrm>
+            <a:off x="438912" y="2512611"/>
+            <a:ext cx="4832803" cy="3664351"/>
+          </a:xfrm>
+        </p:spPr>
+        <p:txBody>
+          <a:bodyPr>
+            <a:normAutofit/>
+          </a:bodyPr>
+          <a:lstStyle/>
+          <a:p>
+            <a:pPr marL="285750" indent="-285750">
+              <a:buFont typeface="Arial" panose="020B0604020202020204" pitchFamily="34" charset="0"/>
+              <a:buChar char="•"/>
+            </a:pPr>
+            <a:r>
+              <a:rPr lang="en-US" sz="1800" dirty="0"/>
+              <a:t>Definition of Healthcare </a:t>
+            </a:r>
+          </a:p>
+          <a:p>
+            <a:pPr marL="285750" indent="-285750">
+              <a:buFont typeface="Arial" panose="020B0604020202020204" pitchFamily="34" charset="0"/>
+              <a:buChar char="•"/>
+            </a:pPr>
+            <a:r>
+              <a:rPr lang="en-US" sz="1800" dirty="0"/>
+              <a:t>Radius</a:t>
+            </a:r>
+          </a:p>
+          <a:p>
+            <a:pPr marL="285750" indent="-285750">
+              <a:buFont typeface="Arial" panose="020B0604020202020204" pitchFamily="34" charset="0"/>
+              <a:buChar char="•"/>
+            </a:pPr>
+            <a:r>
+              <a:rPr lang="en-US" sz="1800" dirty="0"/>
+              <a:t>R value</a:t>
+            </a:r>
+          </a:p>
+        </p:txBody>
+      </p:sp>
+      <p:pic>
+        <p:nvPicPr>
+          <p:cNvPr id="5" name="Picture 4" descr="Chart, scatter chart&#10;&#10;Description automatically generated">
+            <a:extLst>
+              <a:ext uri="{FF2B5EF4-FFF2-40B4-BE49-F238E27FC236}">
+                <a16:creationId xmlns:a16="http://schemas.microsoft.com/office/drawing/2014/main" id="{44840709-885D-8701-2D27-7678B7F7D203}"/>
+              </a:ext>
+            </a:extLst>
+          </p:cNvPr>
+          <p:cNvPicPr>
+            <a:picLocks noChangeAspect="1"/>
+          </p:cNvPicPr>
+          <p:nvPr/>
+        </p:nvPicPr>
+        <p:blipFill rotWithShape="1">
+          <a:blip r:embed="rId2">
+            <a:extLst>
+              <a:ext uri="{28A0092B-C50C-407E-A947-70E740481C1C}">
+                <a14:useLocalDpi xmlns:a14="http://schemas.microsoft.com/office/drawing/2010/main" val="0"/>
+              </a:ext>
+            </a:extLst>
+          </a:blip>
+          <a:srcRect l="6741" t="3219" r="29932" b="2590"/>
+          <a:stretch/>
+        </p:blipFill>
+        <p:spPr>
+          <a:xfrm>
+            <a:off x="6812689" y="3207350"/>
+            <a:ext cx="4537795" cy="3650650"/>
+          </a:xfrm>
+          <a:prstGeom prst="rect">
+            <a:avLst/>
+          </a:prstGeom>
+        </p:spPr>
+      </p:pic>
+      <p:pic>
+        <p:nvPicPr>
+          <p:cNvPr id="6" name="Content Placeholder 4" descr="Chart, bar chart, histogram&#10;&#10;Description automatically generated">
+            <a:extLst>
+              <a:ext uri="{FF2B5EF4-FFF2-40B4-BE49-F238E27FC236}">
+                <a16:creationId xmlns:a16="http://schemas.microsoft.com/office/drawing/2014/main" id="{01F40FD7-B97D-D688-7AFF-CEE8980E7B65}"/>
+              </a:ext>
+            </a:extLst>
+          </p:cNvPr>
+          <p:cNvPicPr>
+            <a:picLocks noChangeAspect="1"/>
+          </p:cNvPicPr>
+          <p:nvPr/>
+        </p:nvPicPr>
+        <p:blipFill rotWithShape="1">
+          <a:blip r:embed="rId3">
+            <a:extLst>
+              <a:ext uri="{28A0092B-C50C-407E-A947-70E740481C1C}">
+                <a14:useLocalDpi xmlns:a14="http://schemas.microsoft.com/office/drawing/2010/main" val="0"/>
+              </a:ext>
+            </a:extLst>
+          </a:blip>
+          <a:srcRect l="6589" t="4740" r="36972"/>
+          <a:stretch/>
+        </p:blipFill>
+        <p:spPr>
+          <a:xfrm>
+            <a:off x="6947452" y="1"/>
+            <a:ext cx="4078000" cy="3211198"/>
+          </a:xfrm>
+          <a:prstGeom prst="rect">
+            <a:avLst/>
+          </a:prstGeom>
+        </p:spPr>
+      </p:pic>
+    </p:spTree>
+    <p:extLst>
+      <p:ext uri="{BB962C8B-B14F-4D97-AF65-F5344CB8AC3E}">
+        <p14:creationId xmlns:p14="http://schemas.microsoft.com/office/powerpoint/2010/main" val="1887973118"/>
+      </p:ext>
+    </p:extLst>
+  </p:cSld>
+  <p:clrMapOvr>
+    <a:masterClrMapping/>
+  </p:clrMapOvr>
+</p:sld>
+</file>
+
+<file path=ppt/slides/slide16.xml><?xml version="1.0" encoding="utf-8"?>
+<p:sld xmlns:a="http://schemas.openxmlformats.org/drawingml/2006/main" xmlns:r="http://schemas.openxmlformats.org/officeDocument/2006/relationships" xmlns:p="http://schemas.openxmlformats.org/presentationml/2006/main" show="0">
   <p:cSld>
     <p:spTree>
       <p:nvGrpSpPr>
@@ -13149,8 +14701,8 @@
 </p:sld>
 </file>
 
-<file path=ppt/slides/slide15.xml><?xml version="1.0" encoding="utf-8"?>
-<p:sld xmlns:a="http://schemas.openxmlformats.org/drawingml/2006/main" xmlns:r="http://schemas.openxmlformats.org/officeDocument/2006/relationships" xmlns:p="http://schemas.openxmlformats.org/presentationml/2006/main">
+<file path=ppt/slides/slide17.xml><?xml version="1.0" encoding="utf-8"?>
+<p:sld xmlns:a="http://schemas.openxmlformats.org/drawingml/2006/main" xmlns:r="http://schemas.openxmlformats.org/officeDocument/2006/relationships" xmlns:p="http://schemas.openxmlformats.org/presentationml/2006/main" show="0">
   <p:cSld>
     <p:spTree>
       <p:nvGrpSpPr>
@@ -13251,8 +14803,838 @@
 </p:sld>
 </file>
 
-<file path=ppt/slides/slide16.xml><?xml version="1.0" encoding="utf-8"?>
+<file path=ppt/slides/slide18.xml><?xml version="1.0" encoding="utf-8"?>
 <p:sld xmlns:a="http://schemas.openxmlformats.org/drawingml/2006/main" xmlns:r="http://schemas.openxmlformats.org/officeDocument/2006/relationships" xmlns:p="http://schemas.openxmlformats.org/presentationml/2006/main">
+  <p:cSld>
+    <p:bg>
+      <p:bgPr>
+        <a:solidFill>
+          <a:schemeClr val="bg1"/>
+        </a:solidFill>
+        <a:effectLst/>
+      </p:bgPr>
+    </p:bg>
+    <p:spTree>
+      <p:nvGrpSpPr>
+        <p:cNvPr id="1" name=""/>
+        <p:cNvGrpSpPr/>
+        <p:nvPr/>
+      </p:nvGrpSpPr>
+      <p:grpSpPr>
+        <a:xfrm>
+          <a:off x="0" y="0"/>
+          <a:ext cx="0" cy="0"/>
+          <a:chOff x="0" y="0"/>
+          <a:chExt cx="0" cy="0"/>
+        </a:xfrm>
+      </p:grpSpPr>
+      <p:sp useBgFill="1">
+        <p:nvSpPr>
+          <p:cNvPr id="14" name="Rectangle 13">
+            <a:extLst>
+              <a:ext uri="{FF2B5EF4-FFF2-40B4-BE49-F238E27FC236}">
+                <a16:creationId xmlns:a16="http://schemas.microsoft.com/office/drawing/2014/main" id="{115719BB-48A7-4AF4-BB91-DC82E0DF727D}"/>
+              </a:ext>
+              <a:ext uri="{C183D7F6-B498-43B3-948B-1728B52AA6E4}">
+                <adec:decorative xmlns:adec="http://schemas.microsoft.com/office/drawing/2017/decorative" val="1"/>
+              </a:ext>
+            </a:extLst>
+          </p:cNvPr>
+          <p:cNvSpPr>
+            <a:spLocks noGrp="1" noRot="1" noChangeAspect="1" noMove="1" noResize="1" noEditPoints="1" noAdjustHandles="1" noChangeArrowheads="1" noChangeShapeType="1" noTextEdit="1"/>
+          </p:cNvSpPr>
+          <p:nvPr>
+            <p:extLst>
+              <p:ext uri="{386F3935-93C4-4BCD-93E2-E3B085C9AB24}">
+                <p16:designElem xmlns:p16="http://schemas.microsoft.com/office/powerpoint/2015/main" val="1"/>
+              </p:ext>
+            </p:extLst>
+          </p:nvPr>
+        </p:nvSpPr>
+        <p:spPr>
+          <a:xfrm>
+            <a:off x="0" y="0"/>
+            <a:ext cx="12192000" cy="6858000"/>
+          </a:xfrm>
+          <a:prstGeom prst="rect">
+            <a:avLst/>
+          </a:prstGeom>
+          <a:ln>
+            <a:noFill/>
+          </a:ln>
+        </p:spPr>
+        <p:style>
+          <a:lnRef idx="2">
+            <a:schemeClr val="accent1">
+              <a:shade val="50000"/>
+            </a:schemeClr>
+          </a:lnRef>
+          <a:fillRef idx="1">
+            <a:schemeClr val="accent1"/>
+          </a:fillRef>
+          <a:effectRef idx="0">
+            <a:schemeClr val="accent1"/>
+          </a:effectRef>
+          <a:fontRef idx="minor">
+            <a:schemeClr val="lt1"/>
+          </a:fontRef>
+        </p:style>
+        <p:txBody>
+          <a:bodyPr rtlCol="0" anchor="ctr"/>
+          <a:lstStyle/>
+          <a:p>
+            <a:pPr algn="ctr"/>
+            <a:endParaRPr lang="en-US"/>
+          </a:p>
+        </p:txBody>
+      </p:sp>
+      <p:sp useBgFill="1">
+        <p:nvSpPr>
+          <p:cNvPr id="16" name="Freeform: Shape 15">
+            <a:extLst>
+              <a:ext uri="{FF2B5EF4-FFF2-40B4-BE49-F238E27FC236}">
+                <a16:creationId xmlns:a16="http://schemas.microsoft.com/office/drawing/2014/main" id="{10973A55-5440-4A99-B526-B5812E46271E}"/>
+              </a:ext>
+              <a:ext uri="{C183D7F6-B498-43B3-948B-1728B52AA6E4}">
+                <adec:decorative xmlns:adec="http://schemas.microsoft.com/office/drawing/2017/decorative" val="1"/>
+              </a:ext>
+            </a:extLst>
+          </p:cNvPr>
+          <p:cNvSpPr>
+            <a:spLocks noGrp="1" noRot="1" noChangeAspect="1" noMove="1" noResize="1" noEditPoints="1" noAdjustHandles="1" noChangeArrowheads="1" noChangeShapeType="1" noTextEdit="1"/>
+          </p:cNvSpPr>
+          <p:nvPr>
+            <p:extLst>
+              <p:ext uri="{386F3935-93C4-4BCD-93E2-E3B085C9AB24}">
+                <p16:designElem xmlns:p16="http://schemas.microsoft.com/office/powerpoint/2015/main" val="1"/>
+              </p:ext>
+            </p:extLst>
+          </p:nvPr>
+        </p:nvSpPr>
+        <p:spPr>
+          <a:xfrm>
+            <a:off x="-1" y="0"/>
+            <a:ext cx="6096002" cy="6858000"/>
+          </a:xfrm>
+          <a:custGeom>
+            <a:avLst/>
+            <a:gdLst>
+              <a:gd name="connsiteX0" fmla="*/ 0 w 6096002"/>
+              <a:gd name="connsiteY0" fmla="*/ 0 h 6858000"/>
+              <a:gd name="connsiteX1" fmla="*/ 4885967 w 6096002"/>
+              <a:gd name="connsiteY1" fmla="*/ 0 h 6858000"/>
+              <a:gd name="connsiteX2" fmla="*/ 4946007 w 6096002"/>
+              <a:gd name="connsiteY2" fmla="*/ 69271 h 6858000"/>
+              <a:gd name="connsiteX3" fmla="*/ 6096002 w 6096002"/>
+              <a:gd name="connsiteY3" fmla="*/ 3429000 h 6858000"/>
+              <a:gd name="connsiteX4" fmla="*/ 4946007 w 6096002"/>
+              <a:gd name="connsiteY4" fmla="*/ 6788730 h 6858000"/>
+              <a:gd name="connsiteX5" fmla="*/ 4885967 w 6096002"/>
+              <a:gd name="connsiteY5" fmla="*/ 6858000 h 6858000"/>
+              <a:gd name="connsiteX6" fmla="*/ 0 w 6096002"/>
+              <a:gd name="connsiteY6" fmla="*/ 6858000 h 6858000"/>
+            </a:gdLst>
+            <a:ahLst/>
+            <a:cxnLst>
+              <a:cxn ang="0">
+                <a:pos x="connsiteX0" y="connsiteY0"/>
+              </a:cxn>
+              <a:cxn ang="0">
+                <a:pos x="connsiteX1" y="connsiteY1"/>
+              </a:cxn>
+              <a:cxn ang="0">
+                <a:pos x="connsiteX2" y="connsiteY2"/>
+              </a:cxn>
+              <a:cxn ang="0">
+                <a:pos x="connsiteX3" y="connsiteY3"/>
+              </a:cxn>
+              <a:cxn ang="0">
+                <a:pos x="connsiteX4" y="connsiteY4"/>
+              </a:cxn>
+              <a:cxn ang="0">
+                <a:pos x="connsiteX5" y="connsiteY5"/>
+              </a:cxn>
+              <a:cxn ang="0">
+                <a:pos x="connsiteX6" y="connsiteY6"/>
+              </a:cxn>
+            </a:cxnLst>
+            <a:rect l="l" t="t" r="r" b="b"/>
+            <a:pathLst>
+              <a:path w="6096002" h="6858000">
+                <a:moveTo>
+                  <a:pt x="0" y="0"/>
+                </a:moveTo>
+                <a:lnTo>
+                  <a:pt x="4885967" y="0"/>
+                </a:lnTo>
+                <a:lnTo>
+                  <a:pt x="4946007" y="69271"/>
+                </a:lnTo>
+                <a:cubicBezTo>
+                  <a:pt x="5656533" y="929100"/>
+                  <a:pt x="6096002" y="2116944"/>
+                  <a:pt x="6096002" y="3429000"/>
+                </a:cubicBezTo>
+                <a:cubicBezTo>
+                  <a:pt x="6096002" y="4741056"/>
+                  <a:pt x="5656533" y="5928900"/>
+                  <a:pt x="4946007" y="6788730"/>
+                </a:cubicBezTo>
+                <a:lnTo>
+                  <a:pt x="4885967" y="6858000"/>
+                </a:lnTo>
+                <a:lnTo>
+                  <a:pt x="0" y="6858000"/>
+                </a:lnTo>
+                <a:close/>
+              </a:path>
+            </a:pathLst>
+          </a:custGeom>
+          <a:ln w="9525">
+            <a:solidFill>
+              <a:srgbClr val="EFEFEF"/>
+            </a:solidFill>
+          </a:ln>
+          <a:effectLst>
+            <a:outerShdw blurRad="88900" dist="38100" algn="l" rotWithShape="0">
+              <a:schemeClr val="bg1">
+                <a:lumMod val="85000"/>
+                <a:alpha val="50000"/>
+              </a:schemeClr>
+            </a:outerShdw>
+          </a:effectLst>
+        </p:spPr>
+        <p:style>
+          <a:lnRef idx="2">
+            <a:schemeClr val="accent1">
+              <a:shade val="50000"/>
+            </a:schemeClr>
+          </a:lnRef>
+          <a:fillRef idx="1">
+            <a:schemeClr val="accent1"/>
+          </a:fillRef>
+          <a:effectRef idx="0">
+            <a:schemeClr val="accent1"/>
+          </a:effectRef>
+          <a:fontRef idx="minor">
+            <a:schemeClr val="lt1"/>
+          </a:fontRef>
+        </p:style>
+        <p:txBody>
+          <a:bodyPr wrap="square" rtlCol="0" anchor="ctr">
+            <a:noAutofit/>
+          </a:bodyPr>
+          <a:lstStyle/>
+          <a:p>
+            <a:pPr marL="0" marR="0" lvl="0" indent="0" algn="ctr" defTabSz="914400" rtl="0" eaLnBrk="1" fontAlgn="auto" latinLnBrk="0" hangingPunct="1">
+              <a:lnSpc>
+                <a:spcPct val="100000"/>
+              </a:lnSpc>
+              <a:spcBef>
+                <a:spcPts val="0"/>
+              </a:spcBef>
+              <a:spcAft>
+                <a:spcPts val="0"/>
+              </a:spcAft>
+              <a:buClrTx/>
+              <a:buSzTx/>
+              <a:buFontTx/>
+              <a:buNone/>
+              <a:tabLst/>
+              <a:defRPr/>
+            </a:pPr>
+            <a:endParaRPr kumimoji="0" lang="en-US" sz="1800" b="0" i="0" u="none" strike="noStrike" kern="1200" cap="none" spc="0" normalizeH="0" baseline="0" noProof="0">
+              <a:ln>
+                <a:noFill/>
+              </a:ln>
+              <a:solidFill>
+                <a:prstClr val="white"/>
+              </a:solidFill>
+              <a:effectLst/>
+              <a:uLnTx/>
+              <a:uFillTx/>
+              <a:latin typeface="Calibri" panose="020F0502020204030204"/>
+              <a:ea typeface="+mn-ea"/>
+              <a:cs typeface="+mn-cs"/>
+            </a:endParaRPr>
+          </a:p>
+        </p:txBody>
+      </p:sp>
+      <p:sp useBgFill="1">
+        <p:nvSpPr>
+          <p:cNvPr id="18" name="Freeform: Shape 17">
+            <a:extLst>
+              <a:ext uri="{FF2B5EF4-FFF2-40B4-BE49-F238E27FC236}">
+                <a16:creationId xmlns:a16="http://schemas.microsoft.com/office/drawing/2014/main" id="{A9682493-588A-4D52-98F6-FBBD80C07ECB}"/>
+              </a:ext>
+              <a:ext uri="{C183D7F6-B498-43B3-948B-1728B52AA6E4}">
+                <adec:decorative xmlns:adec="http://schemas.microsoft.com/office/drawing/2017/decorative" val="1"/>
+              </a:ext>
+            </a:extLst>
+          </p:cNvPr>
+          <p:cNvSpPr>
+            <a:spLocks noGrp="1" noRot="1" noChangeAspect="1" noMove="1" noResize="1" noEditPoints="1" noAdjustHandles="1" noChangeArrowheads="1" noChangeShapeType="1" noTextEdit="1"/>
+          </p:cNvSpPr>
+          <p:nvPr>
+            <p:extLst>
+              <p:ext uri="{386F3935-93C4-4BCD-93E2-E3B085C9AB24}">
+                <p16:designElem xmlns:p16="http://schemas.microsoft.com/office/powerpoint/2015/main" val="1"/>
+              </p:ext>
+            </p:extLst>
+          </p:nvPr>
+        </p:nvSpPr>
+        <p:spPr>
+          <a:xfrm>
+            <a:off x="0" y="0"/>
+            <a:ext cx="6085370" cy="6858000"/>
+          </a:xfrm>
+          <a:custGeom>
+            <a:avLst/>
+            <a:gdLst>
+              <a:gd name="connsiteX0" fmla="*/ 0 w 6085370"/>
+              <a:gd name="connsiteY0" fmla="*/ 0 h 6858000"/>
+              <a:gd name="connsiteX1" fmla="*/ 4875335 w 6085370"/>
+              <a:gd name="connsiteY1" fmla="*/ 0 h 6858000"/>
+              <a:gd name="connsiteX2" fmla="*/ 4935375 w 6085370"/>
+              <a:gd name="connsiteY2" fmla="*/ 69271 h 6858000"/>
+              <a:gd name="connsiteX3" fmla="*/ 6085370 w 6085370"/>
+              <a:gd name="connsiteY3" fmla="*/ 3429000 h 6858000"/>
+              <a:gd name="connsiteX4" fmla="*/ 4935375 w 6085370"/>
+              <a:gd name="connsiteY4" fmla="*/ 6788730 h 6858000"/>
+              <a:gd name="connsiteX5" fmla="*/ 4875335 w 6085370"/>
+              <a:gd name="connsiteY5" fmla="*/ 6858000 h 6858000"/>
+              <a:gd name="connsiteX6" fmla="*/ 0 w 6085370"/>
+              <a:gd name="connsiteY6" fmla="*/ 6858000 h 6858000"/>
+            </a:gdLst>
+            <a:ahLst/>
+            <a:cxnLst>
+              <a:cxn ang="0">
+                <a:pos x="connsiteX0" y="connsiteY0"/>
+              </a:cxn>
+              <a:cxn ang="0">
+                <a:pos x="connsiteX1" y="connsiteY1"/>
+              </a:cxn>
+              <a:cxn ang="0">
+                <a:pos x="connsiteX2" y="connsiteY2"/>
+              </a:cxn>
+              <a:cxn ang="0">
+                <a:pos x="connsiteX3" y="connsiteY3"/>
+              </a:cxn>
+              <a:cxn ang="0">
+                <a:pos x="connsiteX4" y="connsiteY4"/>
+              </a:cxn>
+              <a:cxn ang="0">
+                <a:pos x="connsiteX5" y="connsiteY5"/>
+              </a:cxn>
+              <a:cxn ang="0">
+                <a:pos x="connsiteX6" y="connsiteY6"/>
+              </a:cxn>
+            </a:cxnLst>
+            <a:rect l="l" t="t" r="r" b="b"/>
+            <a:pathLst>
+              <a:path w="6085370" h="6858000">
+                <a:moveTo>
+                  <a:pt x="0" y="0"/>
+                </a:moveTo>
+                <a:lnTo>
+                  <a:pt x="4875335" y="0"/>
+                </a:lnTo>
+                <a:lnTo>
+                  <a:pt x="4935375" y="69271"/>
+                </a:lnTo>
+                <a:cubicBezTo>
+                  <a:pt x="5645901" y="929100"/>
+                  <a:pt x="6085370" y="2116944"/>
+                  <a:pt x="6085370" y="3429000"/>
+                </a:cubicBezTo>
+                <a:cubicBezTo>
+                  <a:pt x="6085370" y="4741056"/>
+                  <a:pt x="5645901" y="5928900"/>
+                  <a:pt x="4935375" y="6788730"/>
+                </a:cubicBezTo>
+                <a:lnTo>
+                  <a:pt x="4875335" y="6858000"/>
+                </a:lnTo>
+                <a:lnTo>
+                  <a:pt x="0" y="6858000"/>
+                </a:lnTo>
+                <a:close/>
+              </a:path>
+            </a:pathLst>
+          </a:custGeom>
+          <a:ln w="9525">
+            <a:noFill/>
+          </a:ln>
+          <a:effectLst/>
+        </p:spPr>
+        <p:style>
+          <a:lnRef idx="2">
+            <a:schemeClr val="accent1">
+              <a:shade val="50000"/>
+            </a:schemeClr>
+          </a:lnRef>
+          <a:fillRef idx="1">
+            <a:schemeClr val="accent1"/>
+          </a:fillRef>
+          <a:effectRef idx="0">
+            <a:schemeClr val="accent1"/>
+          </a:effectRef>
+          <a:fontRef idx="minor">
+            <a:schemeClr val="lt1"/>
+          </a:fontRef>
+        </p:style>
+        <p:txBody>
+          <a:bodyPr wrap="square" rtlCol="0" anchor="ctr">
+            <a:noAutofit/>
+          </a:bodyPr>
+          <a:lstStyle/>
+          <a:p>
+            <a:pPr marL="0" marR="0" lvl="0" indent="0" algn="ctr" defTabSz="914400" rtl="0" eaLnBrk="1" fontAlgn="auto" latinLnBrk="0" hangingPunct="1">
+              <a:lnSpc>
+                <a:spcPct val="100000"/>
+              </a:lnSpc>
+              <a:spcBef>
+                <a:spcPts val="0"/>
+              </a:spcBef>
+              <a:spcAft>
+                <a:spcPts val="0"/>
+              </a:spcAft>
+              <a:buClrTx/>
+              <a:buSzTx/>
+              <a:buFontTx/>
+              <a:buNone/>
+              <a:tabLst/>
+              <a:defRPr/>
+            </a:pPr>
+            <a:endParaRPr kumimoji="0" lang="en-US" sz="1800" b="0" i="0" u="none" strike="noStrike" kern="1200" cap="none" spc="0" normalizeH="0" baseline="0" noProof="0">
+              <a:ln>
+                <a:noFill/>
+              </a:ln>
+              <a:solidFill>
+                <a:prstClr val="white"/>
+              </a:solidFill>
+              <a:effectLst/>
+              <a:uLnTx/>
+              <a:uFillTx/>
+              <a:latin typeface="Calibri" panose="020F0502020204030204"/>
+              <a:ea typeface="+mn-ea"/>
+              <a:cs typeface="+mn-cs"/>
+            </a:endParaRPr>
+          </a:p>
+        </p:txBody>
+      </p:sp>
+      <p:sp>
+        <p:nvSpPr>
+          <p:cNvPr id="2" name="Title 1">
+            <a:extLst>
+              <a:ext uri="{FF2B5EF4-FFF2-40B4-BE49-F238E27FC236}">
+                <a16:creationId xmlns:a16="http://schemas.microsoft.com/office/drawing/2014/main" id="{AA8476FD-ED7D-33A4-13B0-0560C0D3B77B}"/>
+              </a:ext>
+            </a:extLst>
+          </p:cNvPr>
+          <p:cNvSpPr>
+            <a:spLocks noGrp="1"/>
+          </p:cNvSpPr>
+          <p:nvPr>
+            <p:ph type="title"/>
+          </p:nvPr>
+        </p:nvSpPr>
+        <p:spPr>
+          <a:xfrm>
+            <a:off x="438913" y="859536"/>
+            <a:ext cx="4832802" cy="1170432"/>
+          </a:xfrm>
+        </p:spPr>
+        <p:txBody>
+          <a:bodyPr anchor="b">
+            <a:normAutofit/>
+          </a:bodyPr>
+          <a:lstStyle/>
+          <a:p>
+            <a:r>
+              <a:rPr lang="en-US" sz="3400" dirty="0"/>
+              <a:t>University Data</a:t>
+            </a:r>
+          </a:p>
+        </p:txBody>
+      </p:sp>
+      <p:sp>
+        <p:nvSpPr>
+          <p:cNvPr id="20" name="Rectangle 19">
+            <a:extLst>
+              <a:ext uri="{FF2B5EF4-FFF2-40B4-BE49-F238E27FC236}">
+                <a16:creationId xmlns:a16="http://schemas.microsoft.com/office/drawing/2014/main" id="{FBEC5A7A-ADE4-48D9-B89C-2BA1C9110632}"/>
+              </a:ext>
+              <a:ext uri="{C183D7F6-B498-43B3-948B-1728B52AA6E4}">
+                <adec:decorative xmlns:adec="http://schemas.microsoft.com/office/drawing/2017/decorative" val="1"/>
+              </a:ext>
+            </a:extLst>
+          </p:cNvPr>
+          <p:cNvSpPr>
+            <a:spLocks noGrp="1" noRot="1" noChangeAspect="1" noMove="1" noResize="1" noEditPoints="1" noAdjustHandles="1" noChangeArrowheads="1" noChangeShapeType="1" noTextEdit="1"/>
+          </p:cNvSpPr>
+          <p:nvPr>
+            <p:extLst>
+              <p:ext uri="{386F3935-93C4-4BCD-93E2-E3B085C9AB24}">
+                <p16:designElem xmlns:p16="http://schemas.microsoft.com/office/powerpoint/2015/main" val="1"/>
+              </p:ext>
+            </p:extLst>
+          </p:nvPr>
+        </p:nvSpPr>
+        <p:spPr>
+          <a:xfrm rot="5400000">
+            <a:off x="703236" y="363389"/>
+            <a:ext cx="73152" cy="548640"/>
+          </a:xfrm>
+          <a:prstGeom prst="rect">
+            <a:avLst/>
+          </a:prstGeom>
+          <a:solidFill>
+            <a:schemeClr val="accent2"/>
+          </a:solidFill>
+          <a:ln>
+            <a:noFill/>
+          </a:ln>
+        </p:spPr>
+        <p:style>
+          <a:lnRef idx="2">
+            <a:schemeClr val="accent1">
+              <a:shade val="50000"/>
+            </a:schemeClr>
+          </a:lnRef>
+          <a:fillRef idx="1">
+            <a:schemeClr val="accent1"/>
+          </a:fillRef>
+          <a:effectRef idx="0">
+            <a:schemeClr val="accent1"/>
+          </a:effectRef>
+          <a:fontRef idx="minor">
+            <a:schemeClr val="lt1"/>
+          </a:fontRef>
+        </p:style>
+        <p:txBody>
+          <a:bodyPr rtlCol="0" anchor="ctr"/>
+          <a:lstStyle/>
+          <a:p>
+            <a:pPr algn="ctr"/>
+            <a:endParaRPr lang="en-US">
+              <a:solidFill>
+                <a:prstClr val="white"/>
+              </a:solidFill>
+              <a:latin typeface="Calibri" panose="020F0502020204030204"/>
+            </a:endParaRPr>
+          </a:p>
+        </p:txBody>
+      </p:sp>
+      <p:sp>
+        <p:nvSpPr>
+          <p:cNvPr id="22" name="Rectangle 21">
+            <a:extLst>
+              <a:ext uri="{FF2B5EF4-FFF2-40B4-BE49-F238E27FC236}">
+                <a16:creationId xmlns:a16="http://schemas.microsoft.com/office/drawing/2014/main" id="{82095FCE-EF05-4443-B97A-85DEE3A5CA17}"/>
+              </a:ext>
+              <a:ext uri="{C183D7F6-B498-43B3-948B-1728B52AA6E4}">
+                <adec:decorative xmlns:adec="http://schemas.microsoft.com/office/drawing/2017/decorative" val="1"/>
+              </a:ext>
+            </a:extLst>
+          </p:cNvPr>
+          <p:cNvSpPr>
+            <a:spLocks noGrp="1" noRot="1" noChangeAspect="1" noMove="1" noResize="1" noEditPoints="1" noAdjustHandles="1" noChangeArrowheads="1" noChangeShapeType="1" noTextEdit="1"/>
+          </p:cNvSpPr>
+          <p:nvPr>
+            <p:extLst>
+              <p:ext uri="{386F3935-93C4-4BCD-93E2-E3B085C9AB24}">
+                <p16:designElem xmlns:p16="http://schemas.microsoft.com/office/powerpoint/2015/main" val="1"/>
+              </p:ext>
+            </p:extLst>
+          </p:nvPr>
+        </p:nvSpPr>
+        <p:spPr>
+          <a:xfrm>
+            <a:off x="465492" y="2185062"/>
+            <a:ext cx="4937760" cy="18288"/>
+          </a:xfrm>
+          <a:prstGeom prst="rect">
+            <a:avLst/>
+          </a:prstGeom>
+          <a:solidFill>
+            <a:srgbClr val="D5D5D5"/>
+          </a:solidFill>
+          <a:ln w="3175">
+            <a:noFill/>
+          </a:ln>
+          <a:effectLst/>
+        </p:spPr>
+        <p:style>
+          <a:lnRef idx="2">
+            <a:schemeClr val="accent1">
+              <a:shade val="50000"/>
+            </a:schemeClr>
+          </a:lnRef>
+          <a:fillRef idx="1">
+            <a:schemeClr val="accent1"/>
+          </a:fillRef>
+          <a:effectRef idx="0">
+            <a:schemeClr val="accent1"/>
+          </a:effectRef>
+          <a:fontRef idx="minor">
+            <a:schemeClr val="lt1"/>
+          </a:fontRef>
+        </p:style>
+        <p:txBody>
+          <a:bodyPr rtlCol="0" anchor="ctr"/>
+          <a:lstStyle/>
+          <a:p>
+            <a:pPr marL="0" marR="0" lvl="0" indent="0" algn="ctr" defTabSz="914400" rtl="0" eaLnBrk="1" fontAlgn="auto" latinLnBrk="0" hangingPunct="1">
+              <a:lnSpc>
+                <a:spcPct val="100000"/>
+              </a:lnSpc>
+              <a:spcBef>
+                <a:spcPts val="0"/>
+              </a:spcBef>
+              <a:spcAft>
+                <a:spcPts val="0"/>
+              </a:spcAft>
+              <a:buClrTx/>
+              <a:buSzTx/>
+              <a:buFontTx/>
+              <a:buNone/>
+              <a:tabLst/>
+              <a:defRPr/>
+            </a:pPr>
+            <a:endParaRPr kumimoji="0" lang="en-US" sz="1800" b="0" i="0" u="none" strike="noStrike" kern="1200" cap="none" spc="0" normalizeH="0" baseline="0" noProof="0">
+              <a:ln>
+                <a:noFill/>
+              </a:ln>
+              <a:solidFill>
+                <a:prstClr val="white"/>
+              </a:solidFill>
+              <a:effectLst/>
+              <a:uLnTx/>
+              <a:uFillTx/>
+              <a:latin typeface="Calibri" panose="020F0502020204030204"/>
+              <a:ea typeface="+mn-ea"/>
+              <a:cs typeface="+mn-cs"/>
+            </a:endParaRPr>
+          </a:p>
+        </p:txBody>
+      </p:sp>
+      <p:sp>
+        <p:nvSpPr>
+          <p:cNvPr id="11" name="Content Placeholder 10">
+            <a:extLst>
+              <a:ext uri="{FF2B5EF4-FFF2-40B4-BE49-F238E27FC236}">
+                <a16:creationId xmlns:a16="http://schemas.microsoft.com/office/drawing/2014/main" id="{D676152A-A8FD-283A-8776-E919A481B5D6}"/>
+              </a:ext>
+            </a:extLst>
+          </p:cNvPr>
+          <p:cNvSpPr>
+            <a:spLocks noGrp="1"/>
+          </p:cNvSpPr>
+          <p:nvPr>
+            <p:ph idx="1"/>
+          </p:nvPr>
+        </p:nvSpPr>
+        <p:spPr>
+          <a:xfrm>
+            <a:off x="438912" y="2512611"/>
+            <a:ext cx="4832803" cy="3664351"/>
+          </a:xfrm>
+        </p:spPr>
+        <p:txBody>
+          <a:bodyPr>
+            <a:normAutofit fontScale="77500" lnSpcReduction="20000"/>
+          </a:bodyPr>
+          <a:lstStyle/>
+          <a:p>
+            <a:r>
+              <a:rPr lang="en-US" sz="1800" dirty="0">
+                <a:latin typeface="New time"/>
+              </a:rPr>
+              <a:t>For my part of this group project, I used </a:t>
+            </a:r>
+            <a:r>
+              <a:rPr lang="en-US" sz="1800" dirty="0" err="1">
+                <a:latin typeface="New time"/>
+              </a:rPr>
+              <a:t>Geoapify</a:t>
+            </a:r>
+            <a:r>
+              <a:rPr lang="en-US" sz="1800" dirty="0">
+                <a:latin typeface="New time"/>
+              </a:rPr>
+              <a:t> to see if the presence of University increase home price  in the state of Colorado.</a:t>
+            </a:r>
+          </a:p>
+          <a:p>
+            <a:endParaRPr lang="en-US" sz="1800" dirty="0">
+              <a:latin typeface="New time"/>
+            </a:endParaRPr>
+          </a:p>
+          <a:p>
+            <a:r>
+              <a:rPr lang="en-US" sz="1800" dirty="0">
+                <a:latin typeface="New time"/>
+              </a:rPr>
+              <a:t>Per the bar chart, Colorado Spring has 31 University vs Breckenridge and Frisco with zero.</a:t>
+            </a:r>
+          </a:p>
+          <a:p>
+            <a:endParaRPr lang="en-US" sz="1800" dirty="0">
+              <a:latin typeface="New time"/>
+            </a:endParaRPr>
+          </a:p>
+          <a:p>
+            <a:r>
+              <a:rPr lang="en-US" sz="1800" dirty="0">
+                <a:latin typeface="New time"/>
+              </a:rPr>
+              <a:t>Based on my finding, a strong demand for a good University nearby can drive property values higher.</a:t>
+            </a:r>
+          </a:p>
+          <a:p>
+            <a:endParaRPr lang="en-US" sz="1800" dirty="0">
+              <a:latin typeface="New time"/>
+            </a:endParaRPr>
+          </a:p>
+          <a:p>
+            <a:r>
+              <a:rPr lang="en-US" sz="1800" dirty="0">
+                <a:latin typeface="New time"/>
+              </a:rPr>
+              <a:t>I believe there are limitation to this dataset. In future project, I would expand my supported categories to “</a:t>
+            </a:r>
+            <a:r>
+              <a:rPr lang="en-US" sz="1800" b="0" i="0" dirty="0" err="1">
+                <a:effectLst/>
+                <a:latin typeface="New time"/>
+              </a:rPr>
+              <a:t>education.school</a:t>
+            </a:r>
+            <a:r>
+              <a:rPr lang="en-US" sz="1800" b="0" i="0" dirty="0">
+                <a:effectLst/>
+                <a:latin typeface="New time"/>
+              </a:rPr>
+              <a:t>” instead of limiting it to “</a:t>
+            </a:r>
+            <a:r>
+              <a:rPr lang="en-US" sz="1800" b="0" i="0" dirty="0" err="1">
+                <a:effectLst/>
+                <a:latin typeface="New time"/>
+              </a:rPr>
+              <a:t>education.university</a:t>
+            </a:r>
+            <a:r>
+              <a:rPr lang="en-US" sz="1800" b="0" i="0" dirty="0">
+                <a:effectLst/>
+                <a:latin typeface="New time"/>
+              </a:rPr>
+              <a:t>”</a:t>
+            </a:r>
+          </a:p>
+          <a:p>
+            <a:endParaRPr lang="en-US" sz="1800" dirty="0">
+              <a:latin typeface="New time"/>
+            </a:endParaRPr>
+          </a:p>
+          <a:p>
+            <a:r>
+              <a:rPr lang="en-US" sz="1800" dirty="0">
+                <a:latin typeface="New time"/>
+              </a:rPr>
+              <a:t>Also, it would be helpful to identify the homebuyers age, race/ethnicity, marital status and/or education.</a:t>
+            </a:r>
+          </a:p>
+        </p:txBody>
+      </p:sp>
+      <p:pic>
+        <p:nvPicPr>
+          <p:cNvPr id="3" name="Picture 2">
+            <a:extLst>
+              <a:ext uri="{FF2B5EF4-FFF2-40B4-BE49-F238E27FC236}">
+                <a16:creationId xmlns:a16="http://schemas.microsoft.com/office/drawing/2014/main" id="{F351754F-F8CE-1FD0-F9F5-C04F4A5A395F}"/>
+              </a:ext>
+            </a:extLst>
+          </p:cNvPr>
+          <p:cNvPicPr>
+            <a:picLocks noChangeAspect="1"/>
+          </p:cNvPicPr>
+          <p:nvPr/>
+        </p:nvPicPr>
+        <p:blipFill>
+          <a:blip r:embed="rId2">
+            <a:extLst>
+              <a:ext uri="{28A0092B-C50C-407E-A947-70E740481C1C}">
+                <a14:useLocalDpi xmlns:a14="http://schemas.microsoft.com/office/drawing/2010/main" val="0"/>
+              </a:ext>
+            </a:extLst>
+          </a:blip>
+          <a:stretch>
+            <a:fillRect/>
+          </a:stretch>
+        </p:blipFill>
+        <p:spPr>
+          <a:xfrm>
+            <a:off x="6649282" y="43646"/>
+            <a:ext cx="4700127" cy="3506445"/>
+          </a:xfrm>
+          <a:prstGeom prst="rect">
+            <a:avLst/>
+          </a:prstGeom>
+        </p:spPr>
+      </p:pic>
+      <p:pic>
+        <p:nvPicPr>
+          <p:cNvPr id="4" name="Picture 3">
+            <a:extLst>
+              <a:ext uri="{FF2B5EF4-FFF2-40B4-BE49-F238E27FC236}">
+                <a16:creationId xmlns:a16="http://schemas.microsoft.com/office/drawing/2014/main" id="{91153885-3A2C-9F15-D235-409A680E1A21}"/>
+              </a:ext>
+            </a:extLst>
+          </p:cNvPr>
+          <p:cNvPicPr>
+            <a:picLocks noChangeAspect="1"/>
+          </p:cNvPicPr>
+          <p:nvPr/>
+        </p:nvPicPr>
+        <p:blipFill>
+          <a:blip r:embed="rId3">
+            <a:extLst>
+              <a:ext uri="{28A0092B-C50C-407E-A947-70E740481C1C}">
+                <a14:useLocalDpi xmlns:a14="http://schemas.microsoft.com/office/drawing/2010/main" val="0"/>
+              </a:ext>
+            </a:extLst>
+          </a:blip>
+          <a:stretch>
+            <a:fillRect/>
+          </a:stretch>
+        </p:blipFill>
+        <p:spPr>
+          <a:xfrm>
+            <a:off x="6361044" y="3498573"/>
+            <a:ext cx="5194724" cy="3315781"/>
+          </a:xfrm>
+          <a:prstGeom prst="rect">
+            <a:avLst/>
+          </a:prstGeom>
+        </p:spPr>
+      </p:pic>
+    </p:spTree>
+    <p:extLst>
+      <p:ext uri="{BB962C8B-B14F-4D97-AF65-F5344CB8AC3E}">
+        <p14:creationId xmlns:p14="http://schemas.microsoft.com/office/powerpoint/2010/main" val="3758379911"/>
+      </p:ext>
+    </p:extLst>
+  </p:cSld>
+  <p:clrMapOvr>
+    <a:masterClrMapping/>
+  </p:clrMapOvr>
+</p:sld>
+</file>
+
+<file path=ppt/slides/slide19.xml><?xml version="1.0" encoding="utf-8"?>
+<p:sld xmlns:a="http://schemas.openxmlformats.org/drawingml/2006/main" xmlns:r="http://schemas.openxmlformats.org/officeDocument/2006/relationships" xmlns:p="http://schemas.openxmlformats.org/presentationml/2006/main" show="0">
   <p:cSld>
     <p:spTree>
       <p:nvGrpSpPr>
@@ -13286,7 +15668,7 @@
         </p:nvSpPr>
         <p:spPr>
           <a:xfrm>
-            <a:off x="838200" y="1972733"/>
+            <a:off x="842591" y="1982672"/>
             <a:ext cx="3090333" cy="4204230"/>
           </a:xfrm>
         </p:spPr>
@@ -13428,8 +15810,8 @@
         </p:blipFill>
         <p:spPr>
           <a:xfrm>
-            <a:off x="7030431" y="95881"/>
-            <a:ext cx="4597270" cy="3429710"/>
+            <a:off x="6649282" y="43646"/>
+            <a:ext cx="4700127" cy="3506445"/>
           </a:xfrm>
           <a:prstGeom prst="rect">
             <a:avLst/>
@@ -13464,8 +15846,8 @@
         </p:blipFill>
         <p:spPr>
           <a:xfrm>
-            <a:off x="7030430" y="3873606"/>
-            <a:ext cx="4525337" cy="2888513"/>
+            <a:off x="6361044" y="3498573"/>
+            <a:ext cx="5194724" cy="3315781"/>
           </a:xfrm>
           <a:prstGeom prst="rect">
             <a:avLst/>
@@ -13476,154 +15858,6 @@
     <p:extLst>
       <p:ext uri="{BB962C8B-B14F-4D97-AF65-F5344CB8AC3E}">
         <p14:creationId xmlns:p14="http://schemas.microsoft.com/office/powerpoint/2010/main" val="3088322973"/>
-      </p:ext>
-    </p:extLst>
-  </p:cSld>
-  <p:clrMapOvr>
-    <a:masterClrMapping/>
-  </p:clrMapOvr>
-</p:sld>
-</file>
-
-<file path=ppt/slides/slide17.xml><?xml version="1.0" encoding="utf-8"?>
-<p:sld xmlns:a="http://schemas.openxmlformats.org/drawingml/2006/main" xmlns:r="http://schemas.openxmlformats.org/officeDocument/2006/relationships" xmlns:p="http://schemas.openxmlformats.org/presentationml/2006/main">
-  <p:cSld>
-    <p:spTree>
-      <p:nvGrpSpPr>
-        <p:cNvPr id="1" name=""/>
-        <p:cNvGrpSpPr/>
-        <p:nvPr/>
-      </p:nvGrpSpPr>
-      <p:grpSpPr>
-        <a:xfrm>
-          <a:off x="0" y="0"/>
-          <a:ext cx="0" cy="0"/>
-          <a:chOff x="0" y="0"/>
-          <a:chExt cx="0" cy="0"/>
-        </a:xfrm>
-      </p:grpSpPr>
-      <p:sp>
-        <p:nvSpPr>
-          <p:cNvPr id="3" name="Subtitle 2">
-            <a:extLst>
-              <a:ext uri="{FF2B5EF4-FFF2-40B4-BE49-F238E27FC236}">
-                <a16:creationId xmlns:a16="http://schemas.microsoft.com/office/drawing/2014/main" id="{64E58ADE-DE15-3AA7-F468-6C74AFCE2BCA}"/>
-              </a:ext>
-            </a:extLst>
-          </p:cNvPr>
-          <p:cNvSpPr>
-            <a:spLocks noGrp="1"/>
-          </p:cNvSpPr>
-          <p:nvPr>
-            <p:ph type="subTitle" idx="1"/>
-          </p:nvPr>
-        </p:nvSpPr>
-        <p:spPr>
-          <a:xfrm>
-            <a:off x="563596" y="4731026"/>
-            <a:ext cx="11064807" cy="1749286"/>
-          </a:xfrm>
-        </p:spPr>
-        <p:txBody>
-          <a:bodyPr>
-            <a:normAutofit/>
-          </a:bodyPr>
-          <a:lstStyle/>
-          <a:p>
-            <a:pPr algn="l"/>
-            <a:r>
-              <a:rPr lang="en-US" dirty="0"/>
-              <a:t>- Radius = 10 km</a:t>
-            </a:r>
-          </a:p>
-          <a:p>
-            <a:pPr algn="l"/>
-            <a:r>
-              <a:rPr lang="en-US" dirty="0"/>
-              <a:t>- Using </a:t>
-            </a:r>
-            <a:r>
-              <a:rPr lang="en-US" dirty="0" err="1"/>
-              <a:t>plot_linear_regression</a:t>
-            </a:r>
-            <a:r>
-              <a:rPr lang="en-US" dirty="0"/>
-              <a:t>, it was found that the </a:t>
-            </a:r>
-            <a:r>
-              <a:rPr lang="en-US" dirty="0" err="1"/>
-              <a:t>r-value</a:t>
-            </a:r>
-            <a:r>
-              <a:rPr lang="en-US" dirty="0"/>
-              <a:t> is -0.25763.  This would indicate that coffee shops are not very strongly correlated to typical single-family home price.</a:t>
-            </a:r>
-          </a:p>
-        </p:txBody>
-      </p:sp>
-      <p:pic>
-        <p:nvPicPr>
-          <p:cNvPr id="5" name="Picture 4" descr="Chart, bar chart&#10;&#10;Description automatically generated">
-            <a:extLst>
-              <a:ext uri="{FF2B5EF4-FFF2-40B4-BE49-F238E27FC236}">
-                <a16:creationId xmlns:a16="http://schemas.microsoft.com/office/drawing/2014/main" id="{52A79CB0-DA3C-2AA7-E53B-893E0D0A2071}"/>
-              </a:ext>
-            </a:extLst>
-          </p:cNvPr>
-          <p:cNvPicPr>
-            <a:picLocks noChangeAspect="1"/>
-          </p:cNvPicPr>
-          <p:nvPr/>
-        </p:nvPicPr>
-        <p:blipFill rotWithShape="1">
-          <a:blip r:embed="rId3"/>
-          <a:srcRect l="5926" r="5002"/>
-          <a:stretch/>
-        </p:blipFill>
-        <p:spPr>
-          <a:xfrm>
-            <a:off x="129211" y="128688"/>
-            <a:ext cx="5506275" cy="3955773"/>
-          </a:xfrm>
-          <a:prstGeom prst="rect">
-            <a:avLst/>
-          </a:prstGeom>
-        </p:spPr>
-      </p:pic>
-      <p:pic>
-        <p:nvPicPr>
-          <p:cNvPr id="9" name="Picture 8">
-            <a:extLst>
-              <a:ext uri="{FF2B5EF4-FFF2-40B4-BE49-F238E27FC236}">
-                <a16:creationId xmlns:a16="http://schemas.microsoft.com/office/drawing/2014/main" id="{34558095-D121-0AA9-5447-08D04CA3F1F3}"/>
-              </a:ext>
-            </a:extLst>
-          </p:cNvPr>
-          <p:cNvPicPr>
-            <a:picLocks noChangeAspect="1"/>
-          </p:cNvPicPr>
-          <p:nvPr/>
-        </p:nvPicPr>
-        <p:blipFill>
-          <a:blip r:embed="rId4"/>
-          <a:stretch>
-            <a:fillRect/>
-          </a:stretch>
-        </p:blipFill>
-        <p:spPr>
-          <a:xfrm>
-            <a:off x="5970513" y="128689"/>
-            <a:ext cx="6221487" cy="3955773"/>
-          </a:xfrm>
-          <a:prstGeom prst="rect">
-            <a:avLst/>
-          </a:prstGeom>
-        </p:spPr>
-      </p:pic>
-    </p:spTree>
-    <p:extLst>
-      <p:ext uri="{BB962C8B-B14F-4D97-AF65-F5344CB8AC3E}">
-        <p14:creationId xmlns:p14="http://schemas.microsoft.com/office/powerpoint/2010/main" val="4126349660"/>
       </p:ext>
     </p:extLst>
   </p:cSld>
@@ -14122,6 +16356,919 @@
     <p:extLst>
       <p:ext uri="{BB962C8B-B14F-4D97-AF65-F5344CB8AC3E}">
         <p14:creationId xmlns:p14="http://schemas.microsoft.com/office/powerpoint/2010/main" val="4224886598"/>
+      </p:ext>
+    </p:extLst>
+  </p:cSld>
+  <p:clrMapOvr>
+    <a:masterClrMapping/>
+  </p:clrMapOvr>
+</p:sld>
+</file>
+
+<file path=ppt/slides/slide20.xml><?xml version="1.0" encoding="utf-8"?>
+<p:sld xmlns:a="http://schemas.openxmlformats.org/drawingml/2006/main" xmlns:r="http://schemas.openxmlformats.org/officeDocument/2006/relationships" xmlns:p="http://schemas.openxmlformats.org/presentationml/2006/main">
+  <p:cSld>
+    <p:bg>
+      <p:bgPr>
+        <a:solidFill>
+          <a:schemeClr val="bg1"/>
+        </a:solidFill>
+        <a:effectLst/>
+      </p:bgPr>
+    </p:bg>
+    <p:spTree>
+      <p:nvGrpSpPr>
+        <p:cNvPr id="1" name=""/>
+        <p:cNvGrpSpPr/>
+        <p:nvPr/>
+      </p:nvGrpSpPr>
+      <p:grpSpPr>
+        <a:xfrm>
+          <a:off x="0" y="0"/>
+          <a:ext cx="0" cy="0"/>
+          <a:chOff x="0" y="0"/>
+          <a:chExt cx="0" cy="0"/>
+        </a:xfrm>
+      </p:grpSpPr>
+      <p:sp useBgFill="1">
+        <p:nvSpPr>
+          <p:cNvPr id="14" name="Rectangle 13">
+            <a:extLst>
+              <a:ext uri="{FF2B5EF4-FFF2-40B4-BE49-F238E27FC236}">
+                <a16:creationId xmlns:a16="http://schemas.microsoft.com/office/drawing/2014/main" id="{115719BB-48A7-4AF4-BB91-DC82E0DF727D}"/>
+              </a:ext>
+              <a:ext uri="{C183D7F6-B498-43B3-948B-1728B52AA6E4}">
+                <adec:decorative xmlns:adec="http://schemas.microsoft.com/office/drawing/2017/decorative" val="1"/>
+              </a:ext>
+            </a:extLst>
+          </p:cNvPr>
+          <p:cNvSpPr>
+            <a:spLocks noGrp="1" noRot="1" noChangeAspect="1" noMove="1" noResize="1" noEditPoints="1" noAdjustHandles="1" noChangeArrowheads="1" noChangeShapeType="1" noTextEdit="1"/>
+          </p:cNvSpPr>
+          <p:nvPr>
+            <p:extLst>
+              <p:ext uri="{386F3935-93C4-4BCD-93E2-E3B085C9AB24}">
+                <p16:designElem xmlns:p16="http://schemas.microsoft.com/office/powerpoint/2015/main" val="1"/>
+              </p:ext>
+            </p:extLst>
+          </p:nvPr>
+        </p:nvSpPr>
+        <p:spPr>
+          <a:xfrm>
+            <a:off x="0" y="0"/>
+            <a:ext cx="12192000" cy="6858000"/>
+          </a:xfrm>
+          <a:prstGeom prst="rect">
+            <a:avLst/>
+          </a:prstGeom>
+          <a:ln>
+            <a:noFill/>
+          </a:ln>
+        </p:spPr>
+        <p:style>
+          <a:lnRef idx="2">
+            <a:schemeClr val="accent1">
+              <a:shade val="50000"/>
+            </a:schemeClr>
+          </a:lnRef>
+          <a:fillRef idx="1">
+            <a:schemeClr val="accent1"/>
+          </a:fillRef>
+          <a:effectRef idx="0">
+            <a:schemeClr val="accent1"/>
+          </a:effectRef>
+          <a:fontRef idx="minor">
+            <a:schemeClr val="lt1"/>
+          </a:fontRef>
+        </p:style>
+        <p:txBody>
+          <a:bodyPr rtlCol="0" anchor="ctr"/>
+          <a:lstStyle/>
+          <a:p>
+            <a:pPr algn="ctr"/>
+            <a:endParaRPr lang="en-US"/>
+          </a:p>
+        </p:txBody>
+      </p:sp>
+      <p:sp useBgFill="1">
+        <p:nvSpPr>
+          <p:cNvPr id="16" name="Freeform: Shape 15">
+            <a:extLst>
+              <a:ext uri="{FF2B5EF4-FFF2-40B4-BE49-F238E27FC236}">
+                <a16:creationId xmlns:a16="http://schemas.microsoft.com/office/drawing/2014/main" id="{10973A55-5440-4A99-B526-B5812E46271E}"/>
+              </a:ext>
+              <a:ext uri="{C183D7F6-B498-43B3-948B-1728B52AA6E4}">
+                <adec:decorative xmlns:adec="http://schemas.microsoft.com/office/drawing/2017/decorative" val="1"/>
+              </a:ext>
+            </a:extLst>
+          </p:cNvPr>
+          <p:cNvSpPr>
+            <a:spLocks noGrp="1" noRot="1" noChangeAspect="1" noMove="1" noResize="1" noEditPoints="1" noAdjustHandles="1" noChangeArrowheads="1" noChangeShapeType="1" noTextEdit="1"/>
+          </p:cNvSpPr>
+          <p:nvPr>
+            <p:extLst>
+              <p:ext uri="{386F3935-93C4-4BCD-93E2-E3B085C9AB24}">
+                <p16:designElem xmlns:p16="http://schemas.microsoft.com/office/powerpoint/2015/main" val="1"/>
+              </p:ext>
+            </p:extLst>
+          </p:nvPr>
+        </p:nvSpPr>
+        <p:spPr>
+          <a:xfrm>
+            <a:off x="-1" y="0"/>
+            <a:ext cx="6096002" cy="6858000"/>
+          </a:xfrm>
+          <a:custGeom>
+            <a:avLst/>
+            <a:gdLst>
+              <a:gd name="connsiteX0" fmla="*/ 0 w 6096002"/>
+              <a:gd name="connsiteY0" fmla="*/ 0 h 6858000"/>
+              <a:gd name="connsiteX1" fmla="*/ 4885967 w 6096002"/>
+              <a:gd name="connsiteY1" fmla="*/ 0 h 6858000"/>
+              <a:gd name="connsiteX2" fmla="*/ 4946007 w 6096002"/>
+              <a:gd name="connsiteY2" fmla="*/ 69271 h 6858000"/>
+              <a:gd name="connsiteX3" fmla="*/ 6096002 w 6096002"/>
+              <a:gd name="connsiteY3" fmla="*/ 3429000 h 6858000"/>
+              <a:gd name="connsiteX4" fmla="*/ 4946007 w 6096002"/>
+              <a:gd name="connsiteY4" fmla="*/ 6788730 h 6858000"/>
+              <a:gd name="connsiteX5" fmla="*/ 4885967 w 6096002"/>
+              <a:gd name="connsiteY5" fmla="*/ 6858000 h 6858000"/>
+              <a:gd name="connsiteX6" fmla="*/ 0 w 6096002"/>
+              <a:gd name="connsiteY6" fmla="*/ 6858000 h 6858000"/>
+            </a:gdLst>
+            <a:ahLst/>
+            <a:cxnLst>
+              <a:cxn ang="0">
+                <a:pos x="connsiteX0" y="connsiteY0"/>
+              </a:cxn>
+              <a:cxn ang="0">
+                <a:pos x="connsiteX1" y="connsiteY1"/>
+              </a:cxn>
+              <a:cxn ang="0">
+                <a:pos x="connsiteX2" y="connsiteY2"/>
+              </a:cxn>
+              <a:cxn ang="0">
+                <a:pos x="connsiteX3" y="connsiteY3"/>
+              </a:cxn>
+              <a:cxn ang="0">
+                <a:pos x="connsiteX4" y="connsiteY4"/>
+              </a:cxn>
+              <a:cxn ang="0">
+                <a:pos x="connsiteX5" y="connsiteY5"/>
+              </a:cxn>
+              <a:cxn ang="0">
+                <a:pos x="connsiteX6" y="connsiteY6"/>
+              </a:cxn>
+            </a:cxnLst>
+            <a:rect l="l" t="t" r="r" b="b"/>
+            <a:pathLst>
+              <a:path w="6096002" h="6858000">
+                <a:moveTo>
+                  <a:pt x="0" y="0"/>
+                </a:moveTo>
+                <a:lnTo>
+                  <a:pt x="4885967" y="0"/>
+                </a:lnTo>
+                <a:lnTo>
+                  <a:pt x="4946007" y="69271"/>
+                </a:lnTo>
+                <a:cubicBezTo>
+                  <a:pt x="5656533" y="929100"/>
+                  <a:pt x="6096002" y="2116944"/>
+                  <a:pt x="6096002" y="3429000"/>
+                </a:cubicBezTo>
+                <a:cubicBezTo>
+                  <a:pt x="6096002" y="4741056"/>
+                  <a:pt x="5656533" y="5928900"/>
+                  <a:pt x="4946007" y="6788730"/>
+                </a:cubicBezTo>
+                <a:lnTo>
+                  <a:pt x="4885967" y="6858000"/>
+                </a:lnTo>
+                <a:lnTo>
+                  <a:pt x="0" y="6858000"/>
+                </a:lnTo>
+                <a:close/>
+              </a:path>
+            </a:pathLst>
+          </a:custGeom>
+          <a:ln w="9525">
+            <a:solidFill>
+              <a:srgbClr val="EFEFEF"/>
+            </a:solidFill>
+          </a:ln>
+          <a:effectLst>
+            <a:outerShdw blurRad="88900" dist="38100" algn="l" rotWithShape="0">
+              <a:schemeClr val="bg1">
+                <a:lumMod val="85000"/>
+                <a:alpha val="50000"/>
+              </a:schemeClr>
+            </a:outerShdw>
+          </a:effectLst>
+        </p:spPr>
+        <p:style>
+          <a:lnRef idx="2">
+            <a:schemeClr val="accent1">
+              <a:shade val="50000"/>
+            </a:schemeClr>
+          </a:lnRef>
+          <a:fillRef idx="1">
+            <a:schemeClr val="accent1"/>
+          </a:fillRef>
+          <a:effectRef idx="0">
+            <a:schemeClr val="accent1"/>
+          </a:effectRef>
+          <a:fontRef idx="minor">
+            <a:schemeClr val="lt1"/>
+          </a:fontRef>
+        </p:style>
+        <p:txBody>
+          <a:bodyPr wrap="square" rtlCol="0" anchor="ctr">
+            <a:noAutofit/>
+          </a:bodyPr>
+          <a:lstStyle/>
+          <a:p>
+            <a:pPr marL="0" marR="0" lvl="0" indent="0" algn="ctr" defTabSz="914400" rtl="0" eaLnBrk="1" fontAlgn="auto" latinLnBrk="0" hangingPunct="1">
+              <a:lnSpc>
+                <a:spcPct val="100000"/>
+              </a:lnSpc>
+              <a:spcBef>
+                <a:spcPts val="0"/>
+              </a:spcBef>
+              <a:spcAft>
+                <a:spcPts val="0"/>
+              </a:spcAft>
+              <a:buClrTx/>
+              <a:buSzTx/>
+              <a:buFontTx/>
+              <a:buNone/>
+              <a:tabLst/>
+              <a:defRPr/>
+            </a:pPr>
+            <a:endParaRPr kumimoji="0" lang="en-US" sz="1800" b="0" i="0" u="none" strike="noStrike" kern="1200" cap="none" spc="0" normalizeH="0" baseline="0" noProof="0">
+              <a:ln>
+                <a:noFill/>
+              </a:ln>
+              <a:solidFill>
+                <a:prstClr val="white"/>
+              </a:solidFill>
+              <a:effectLst/>
+              <a:uLnTx/>
+              <a:uFillTx/>
+              <a:latin typeface="Calibri" panose="020F0502020204030204"/>
+              <a:ea typeface="+mn-ea"/>
+              <a:cs typeface="+mn-cs"/>
+            </a:endParaRPr>
+          </a:p>
+        </p:txBody>
+      </p:sp>
+      <p:sp useBgFill="1">
+        <p:nvSpPr>
+          <p:cNvPr id="18" name="Freeform: Shape 17">
+            <a:extLst>
+              <a:ext uri="{FF2B5EF4-FFF2-40B4-BE49-F238E27FC236}">
+                <a16:creationId xmlns:a16="http://schemas.microsoft.com/office/drawing/2014/main" id="{A9682493-588A-4D52-98F6-FBBD80C07ECB}"/>
+              </a:ext>
+              <a:ext uri="{C183D7F6-B498-43B3-948B-1728B52AA6E4}">
+                <adec:decorative xmlns:adec="http://schemas.microsoft.com/office/drawing/2017/decorative" val="1"/>
+              </a:ext>
+            </a:extLst>
+          </p:cNvPr>
+          <p:cNvSpPr>
+            <a:spLocks noGrp="1" noRot="1" noChangeAspect="1" noMove="1" noResize="1" noEditPoints="1" noAdjustHandles="1" noChangeArrowheads="1" noChangeShapeType="1" noTextEdit="1"/>
+          </p:cNvSpPr>
+          <p:nvPr>
+            <p:extLst>
+              <p:ext uri="{386F3935-93C4-4BCD-93E2-E3B085C9AB24}">
+                <p16:designElem xmlns:p16="http://schemas.microsoft.com/office/powerpoint/2015/main" val="1"/>
+              </p:ext>
+            </p:extLst>
+          </p:nvPr>
+        </p:nvSpPr>
+        <p:spPr>
+          <a:xfrm>
+            <a:off x="0" y="0"/>
+            <a:ext cx="6085370" cy="6858000"/>
+          </a:xfrm>
+          <a:custGeom>
+            <a:avLst/>
+            <a:gdLst>
+              <a:gd name="connsiteX0" fmla="*/ 0 w 6085370"/>
+              <a:gd name="connsiteY0" fmla="*/ 0 h 6858000"/>
+              <a:gd name="connsiteX1" fmla="*/ 4875335 w 6085370"/>
+              <a:gd name="connsiteY1" fmla="*/ 0 h 6858000"/>
+              <a:gd name="connsiteX2" fmla="*/ 4935375 w 6085370"/>
+              <a:gd name="connsiteY2" fmla="*/ 69271 h 6858000"/>
+              <a:gd name="connsiteX3" fmla="*/ 6085370 w 6085370"/>
+              <a:gd name="connsiteY3" fmla="*/ 3429000 h 6858000"/>
+              <a:gd name="connsiteX4" fmla="*/ 4935375 w 6085370"/>
+              <a:gd name="connsiteY4" fmla="*/ 6788730 h 6858000"/>
+              <a:gd name="connsiteX5" fmla="*/ 4875335 w 6085370"/>
+              <a:gd name="connsiteY5" fmla="*/ 6858000 h 6858000"/>
+              <a:gd name="connsiteX6" fmla="*/ 0 w 6085370"/>
+              <a:gd name="connsiteY6" fmla="*/ 6858000 h 6858000"/>
+            </a:gdLst>
+            <a:ahLst/>
+            <a:cxnLst>
+              <a:cxn ang="0">
+                <a:pos x="connsiteX0" y="connsiteY0"/>
+              </a:cxn>
+              <a:cxn ang="0">
+                <a:pos x="connsiteX1" y="connsiteY1"/>
+              </a:cxn>
+              <a:cxn ang="0">
+                <a:pos x="connsiteX2" y="connsiteY2"/>
+              </a:cxn>
+              <a:cxn ang="0">
+                <a:pos x="connsiteX3" y="connsiteY3"/>
+              </a:cxn>
+              <a:cxn ang="0">
+                <a:pos x="connsiteX4" y="connsiteY4"/>
+              </a:cxn>
+              <a:cxn ang="0">
+                <a:pos x="connsiteX5" y="connsiteY5"/>
+              </a:cxn>
+              <a:cxn ang="0">
+                <a:pos x="connsiteX6" y="connsiteY6"/>
+              </a:cxn>
+            </a:cxnLst>
+            <a:rect l="l" t="t" r="r" b="b"/>
+            <a:pathLst>
+              <a:path w="6085370" h="6858000">
+                <a:moveTo>
+                  <a:pt x="0" y="0"/>
+                </a:moveTo>
+                <a:lnTo>
+                  <a:pt x="4875335" y="0"/>
+                </a:lnTo>
+                <a:lnTo>
+                  <a:pt x="4935375" y="69271"/>
+                </a:lnTo>
+                <a:cubicBezTo>
+                  <a:pt x="5645901" y="929100"/>
+                  <a:pt x="6085370" y="2116944"/>
+                  <a:pt x="6085370" y="3429000"/>
+                </a:cubicBezTo>
+                <a:cubicBezTo>
+                  <a:pt x="6085370" y="4741056"/>
+                  <a:pt x="5645901" y="5928900"/>
+                  <a:pt x="4935375" y="6788730"/>
+                </a:cubicBezTo>
+                <a:lnTo>
+                  <a:pt x="4875335" y="6858000"/>
+                </a:lnTo>
+                <a:lnTo>
+                  <a:pt x="0" y="6858000"/>
+                </a:lnTo>
+                <a:close/>
+              </a:path>
+            </a:pathLst>
+          </a:custGeom>
+          <a:ln w="9525">
+            <a:noFill/>
+          </a:ln>
+          <a:effectLst/>
+        </p:spPr>
+        <p:style>
+          <a:lnRef idx="2">
+            <a:schemeClr val="accent1">
+              <a:shade val="50000"/>
+            </a:schemeClr>
+          </a:lnRef>
+          <a:fillRef idx="1">
+            <a:schemeClr val="accent1"/>
+          </a:fillRef>
+          <a:effectRef idx="0">
+            <a:schemeClr val="accent1"/>
+          </a:effectRef>
+          <a:fontRef idx="minor">
+            <a:schemeClr val="lt1"/>
+          </a:fontRef>
+        </p:style>
+        <p:txBody>
+          <a:bodyPr wrap="square" rtlCol="0" anchor="ctr">
+            <a:noAutofit/>
+          </a:bodyPr>
+          <a:lstStyle/>
+          <a:p>
+            <a:pPr marL="0" marR="0" lvl="0" indent="0" algn="ctr" defTabSz="914400" rtl="0" eaLnBrk="1" fontAlgn="auto" latinLnBrk="0" hangingPunct="1">
+              <a:lnSpc>
+                <a:spcPct val="100000"/>
+              </a:lnSpc>
+              <a:spcBef>
+                <a:spcPts val="0"/>
+              </a:spcBef>
+              <a:spcAft>
+                <a:spcPts val="0"/>
+              </a:spcAft>
+              <a:buClrTx/>
+              <a:buSzTx/>
+              <a:buFontTx/>
+              <a:buNone/>
+              <a:tabLst/>
+              <a:defRPr/>
+            </a:pPr>
+            <a:endParaRPr kumimoji="0" lang="en-US" sz="1800" b="0" i="0" u="none" strike="noStrike" kern="1200" cap="none" spc="0" normalizeH="0" baseline="0" noProof="0">
+              <a:ln>
+                <a:noFill/>
+              </a:ln>
+              <a:solidFill>
+                <a:prstClr val="white"/>
+              </a:solidFill>
+              <a:effectLst/>
+              <a:uLnTx/>
+              <a:uFillTx/>
+              <a:latin typeface="Calibri" panose="020F0502020204030204"/>
+              <a:ea typeface="+mn-ea"/>
+              <a:cs typeface="+mn-cs"/>
+            </a:endParaRPr>
+          </a:p>
+        </p:txBody>
+      </p:sp>
+      <p:sp>
+        <p:nvSpPr>
+          <p:cNvPr id="2" name="Title 1">
+            <a:extLst>
+              <a:ext uri="{FF2B5EF4-FFF2-40B4-BE49-F238E27FC236}">
+                <a16:creationId xmlns:a16="http://schemas.microsoft.com/office/drawing/2014/main" id="{AA8476FD-ED7D-33A4-13B0-0560C0D3B77B}"/>
+              </a:ext>
+            </a:extLst>
+          </p:cNvPr>
+          <p:cNvSpPr>
+            <a:spLocks noGrp="1"/>
+          </p:cNvSpPr>
+          <p:nvPr>
+            <p:ph type="title"/>
+          </p:nvPr>
+        </p:nvSpPr>
+        <p:spPr>
+          <a:xfrm>
+            <a:off x="438913" y="859536"/>
+            <a:ext cx="4832802" cy="1170432"/>
+          </a:xfrm>
+        </p:spPr>
+        <p:txBody>
+          <a:bodyPr anchor="b">
+            <a:normAutofit/>
+          </a:bodyPr>
+          <a:lstStyle/>
+          <a:p>
+            <a:r>
+              <a:rPr lang="en-US" sz="3400" dirty="0"/>
+              <a:t>Coffee Shop Data</a:t>
+            </a:r>
+          </a:p>
+        </p:txBody>
+      </p:sp>
+      <p:sp>
+        <p:nvSpPr>
+          <p:cNvPr id="20" name="Rectangle 19">
+            <a:extLst>
+              <a:ext uri="{FF2B5EF4-FFF2-40B4-BE49-F238E27FC236}">
+                <a16:creationId xmlns:a16="http://schemas.microsoft.com/office/drawing/2014/main" id="{FBEC5A7A-ADE4-48D9-B89C-2BA1C9110632}"/>
+              </a:ext>
+              <a:ext uri="{C183D7F6-B498-43B3-948B-1728B52AA6E4}">
+                <adec:decorative xmlns:adec="http://schemas.microsoft.com/office/drawing/2017/decorative" val="1"/>
+              </a:ext>
+            </a:extLst>
+          </p:cNvPr>
+          <p:cNvSpPr>
+            <a:spLocks noGrp="1" noRot="1" noChangeAspect="1" noMove="1" noResize="1" noEditPoints="1" noAdjustHandles="1" noChangeArrowheads="1" noChangeShapeType="1" noTextEdit="1"/>
+          </p:cNvSpPr>
+          <p:nvPr>
+            <p:extLst>
+              <p:ext uri="{386F3935-93C4-4BCD-93E2-E3B085C9AB24}">
+                <p16:designElem xmlns:p16="http://schemas.microsoft.com/office/powerpoint/2015/main" val="1"/>
+              </p:ext>
+            </p:extLst>
+          </p:nvPr>
+        </p:nvSpPr>
+        <p:spPr>
+          <a:xfrm rot="5400000">
+            <a:off x="703236" y="363389"/>
+            <a:ext cx="73152" cy="548640"/>
+          </a:xfrm>
+          <a:prstGeom prst="rect">
+            <a:avLst/>
+          </a:prstGeom>
+          <a:solidFill>
+            <a:schemeClr val="accent2"/>
+          </a:solidFill>
+          <a:ln>
+            <a:noFill/>
+          </a:ln>
+        </p:spPr>
+        <p:style>
+          <a:lnRef idx="2">
+            <a:schemeClr val="accent1">
+              <a:shade val="50000"/>
+            </a:schemeClr>
+          </a:lnRef>
+          <a:fillRef idx="1">
+            <a:schemeClr val="accent1"/>
+          </a:fillRef>
+          <a:effectRef idx="0">
+            <a:schemeClr val="accent1"/>
+          </a:effectRef>
+          <a:fontRef idx="minor">
+            <a:schemeClr val="lt1"/>
+          </a:fontRef>
+        </p:style>
+        <p:txBody>
+          <a:bodyPr rtlCol="0" anchor="ctr"/>
+          <a:lstStyle/>
+          <a:p>
+            <a:pPr algn="ctr"/>
+            <a:endParaRPr lang="en-US">
+              <a:solidFill>
+                <a:prstClr val="white"/>
+              </a:solidFill>
+              <a:latin typeface="Calibri" panose="020F0502020204030204"/>
+            </a:endParaRPr>
+          </a:p>
+        </p:txBody>
+      </p:sp>
+      <p:sp>
+        <p:nvSpPr>
+          <p:cNvPr id="22" name="Rectangle 21">
+            <a:extLst>
+              <a:ext uri="{FF2B5EF4-FFF2-40B4-BE49-F238E27FC236}">
+                <a16:creationId xmlns:a16="http://schemas.microsoft.com/office/drawing/2014/main" id="{82095FCE-EF05-4443-B97A-85DEE3A5CA17}"/>
+              </a:ext>
+              <a:ext uri="{C183D7F6-B498-43B3-948B-1728B52AA6E4}">
+                <adec:decorative xmlns:adec="http://schemas.microsoft.com/office/drawing/2017/decorative" val="1"/>
+              </a:ext>
+            </a:extLst>
+          </p:cNvPr>
+          <p:cNvSpPr>
+            <a:spLocks noGrp="1" noRot="1" noChangeAspect="1" noMove="1" noResize="1" noEditPoints="1" noAdjustHandles="1" noChangeArrowheads="1" noChangeShapeType="1" noTextEdit="1"/>
+          </p:cNvSpPr>
+          <p:nvPr>
+            <p:extLst>
+              <p:ext uri="{386F3935-93C4-4BCD-93E2-E3B085C9AB24}">
+                <p16:designElem xmlns:p16="http://schemas.microsoft.com/office/powerpoint/2015/main" val="1"/>
+              </p:ext>
+            </p:extLst>
+          </p:nvPr>
+        </p:nvSpPr>
+        <p:spPr>
+          <a:xfrm>
+            <a:off x="465492" y="2185062"/>
+            <a:ext cx="4937760" cy="18288"/>
+          </a:xfrm>
+          <a:prstGeom prst="rect">
+            <a:avLst/>
+          </a:prstGeom>
+          <a:solidFill>
+            <a:srgbClr val="D5D5D5"/>
+          </a:solidFill>
+          <a:ln w="3175">
+            <a:noFill/>
+          </a:ln>
+          <a:effectLst/>
+        </p:spPr>
+        <p:style>
+          <a:lnRef idx="2">
+            <a:schemeClr val="accent1">
+              <a:shade val="50000"/>
+            </a:schemeClr>
+          </a:lnRef>
+          <a:fillRef idx="1">
+            <a:schemeClr val="accent1"/>
+          </a:fillRef>
+          <a:effectRef idx="0">
+            <a:schemeClr val="accent1"/>
+          </a:effectRef>
+          <a:fontRef idx="minor">
+            <a:schemeClr val="lt1"/>
+          </a:fontRef>
+        </p:style>
+        <p:txBody>
+          <a:bodyPr rtlCol="0" anchor="ctr"/>
+          <a:lstStyle/>
+          <a:p>
+            <a:pPr marL="0" marR="0" lvl="0" indent="0" algn="ctr" defTabSz="914400" rtl="0" eaLnBrk="1" fontAlgn="auto" latinLnBrk="0" hangingPunct="1">
+              <a:lnSpc>
+                <a:spcPct val="100000"/>
+              </a:lnSpc>
+              <a:spcBef>
+                <a:spcPts val="0"/>
+              </a:spcBef>
+              <a:spcAft>
+                <a:spcPts val="0"/>
+              </a:spcAft>
+              <a:buClrTx/>
+              <a:buSzTx/>
+              <a:buFontTx/>
+              <a:buNone/>
+              <a:tabLst/>
+              <a:defRPr/>
+            </a:pPr>
+            <a:endParaRPr kumimoji="0" lang="en-US" sz="1800" b="0" i="0" u="none" strike="noStrike" kern="1200" cap="none" spc="0" normalizeH="0" baseline="0" noProof="0">
+              <a:ln>
+                <a:noFill/>
+              </a:ln>
+              <a:solidFill>
+                <a:prstClr val="white"/>
+              </a:solidFill>
+              <a:effectLst/>
+              <a:uLnTx/>
+              <a:uFillTx/>
+              <a:latin typeface="Calibri" panose="020F0502020204030204"/>
+              <a:ea typeface="+mn-ea"/>
+              <a:cs typeface="+mn-cs"/>
+            </a:endParaRPr>
+          </a:p>
+        </p:txBody>
+      </p:sp>
+      <p:sp>
+        <p:nvSpPr>
+          <p:cNvPr id="11" name="Content Placeholder 10">
+            <a:extLst>
+              <a:ext uri="{FF2B5EF4-FFF2-40B4-BE49-F238E27FC236}">
+                <a16:creationId xmlns:a16="http://schemas.microsoft.com/office/drawing/2014/main" id="{D676152A-A8FD-283A-8776-E919A481B5D6}"/>
+              </a:ext>
+            </a:extLst>
+          </p:cNvPr>
+          <p:cNvSpPr>
+            <a:spLocks noGrp="1"/>
+          </p:cNvSpPr>
+          <p:nvPr>
+            <p:ph idx="1"/>
+          </p:nvPr>
+        </p:nvSpPr>
+        <p:spPr>
+          <a:xfrm>
+            <a:off x="438912" y="2512611"/>
+            <a:ext cx="4832803" cy="3664351"/>
+          </a:xfrm>
+        </p:spPr>
+        <p:txBody>
+          <a:bodyPr>
+            <a:normAutofit/>
+          </a:bodyPr>
+          <a:lstStyle/>
+          <a:p>
+            <a:pPr algn="l"/>
+            <a:r>
+              <a:rPr lang="en-US" sz="1400" dirty="0">
+                <a:latin typeface="+mj-lt"/>
+                <a:cs typeface="Nordique Inline" panose="020F0502020204030204" pitchFamily="34" charset="0"/>
+              </a:rPr>
+              <a:t>- Radius = 10 km</a:t>
+            </a:r>
+          </a:p>
+          <a:p>
+            <a:pPr algn="l"/>
+            <a:r>
+              <a:rPr lang="en-US" sz="1400" dirty="0">
+                <a:latin typeface="+mj-lt"/>
+                <a:cs typeface="Nordique Inline" panose="020F0502020204030204" pitchFamily="34" charset="0"/>
+              </a:rPr>
+              <a:t>- Using </a:t>
+            </a:r>
+            <a:r>
+              <a:rPr lang="en-US" sz="1400" dirty="0" err="1">
+                <a:latin typeface="+mj-lt"/>
+                <a:cs typeface="Nordique Inline" panose="020F0502020204030204" pitchFamily="34" charset="0"/>
+              </a:rPr>
+              <a:t>plot_linear_regression</a:t>
+            </a:r>
+            <a:r>
+              <a:rPr lang="en-US" sz="1400" dirty="0">
+                <a:latin typeface="+mj-lt"/>
+                <a:cs typeface="Nordique Inline" panose="020F0502020204030204" pitchFamily="34" charset="0"/>
+              </a:rPr>
+              <a:t>, it was found that the </a:t>
+            </a:r>
+            <a:r>
+              <a:rPr lang="en-US" sz="1400" dirty="0" err="1">
+                <a:latin typeface="+mj-lt"/>
+                <a:cs typeface="Nordique Inline" panose="020F0502020204030204" pitchFamily="34" charset="0"/>
+              </a:rPr>
+              <a:t>r-value</a:t>
+            </a:r>
+            <a:r>
+              <a:rPr lang="en-US" sz="1400" dirty="0">
+                <a:latin typeface="+mj-lt"/>
+                <a:cs typeface="Nordique Inline" panose="020F0502020204030204" pitchFamily="34" charset="0"/>
+              </a:rPr>
+              <a:t> is -0.25763.  This would indicate that coffee shops are not very strongly correlated to typical single-family home price.</a:t>
+            </a:r>
+          </a:p>
+        </p:txBody>
+      </p:sp>
+      <p:pic>
+        <p:nvPicPr>
+          <p:cNvPr id="5" name="Picture 4" descr="Chart, bar chart&#10;&#10;Description automatically generated">
+            <a:extLst>
+              <a:ext uri="{FF2B5EF4-FFF2-40B4-BE49-F238E27FC236}">
+                <a16:creationId xmlns:a16="http://schemas.microsoft.com/office/drawing/2014/main" id="{D362B25B-8C3B-153C-E724-5EF83758E1F3}"/>
+              </a:ext>
+            </a:extLst>
+          </p:cNvPr>
+          <p:cNvPicPr>
+            <a:picLocks noChangeAspect="1"/>
+          </p:cNvPicPr>
+          <p:nvPr/>
+        </p:nvPicPr>
+        <p:blipFill rotWithShape="1">
+          <a:blip r:embed="rId2"/>
+          <a:srcRect l="5926" r="5002"/>
+          <a:stretch/>
+        </p:blipFill>
+        <p:spPr>
+          <a:xfrm>
+            <a:off x="6402469" y="-1986"/>
+            <a:ext cx="4994275" cy="3587946"/>
+          </a:xfrm>
+          <a:prstGeom prst="rect">
+            <a:avLst/>
+          </a:prstGeom>
+        </p:spPr>
+      </p:pic>
+      <p:pic>
+        <p:nvPicPr>
+          <p:cNvPr id="6" name="Picture 5">
+            <a:extLst>
+              <a:ext uri="{FF2B5EF4-FFF2-40B4-BE49-F238E27FC236}">
+                <a16:creationId xmlns:a16="http://schemas.microsoft.com/office/drawing/2014/main" id="{4785DF16-B228-5B34-DDD9-B9FAF75132D3}"/>
+              </a:ext>
+            </a:extLst>
+          </p:cNvPr>
+          <p:cNvPicPr>
+            <a:picLocks noChangeAspect="1"/>
+          </p:cNvPicPr>
+          <p:nvPr/>
+        </p:nvPicPr>
+        <p:blipFill>
+          <a:blip r:embed="rId3"/>
+          <a:stretch>
+            <a:fillRect/>
+          </a:stretch>
+        </p:blipFill>
+        <p:spPr>
+          <a:xfrm>
+            <a:off x="6361823" y="3536265"/>
+            <a:ext cx="5194834" cy="3303002"/>
+          </a:xfrm>
+          <a:prstGeom prst="rect">
+            <a:avLst/>
+          </a:prstGeom>
+        </p:spPr>
+      </p:pic>
+    </p:spTree>
+    <p:extLst>
+      <p:ext uri="{BB962C8B-B14F-4D97-AF65-F5344CB8AC3E}">
+        <p14:creationId xmlns:p14="http://schemas.microsoft.com/office/powerpoint/2010/main" val="759800575"/>
+      </p:ext>
+    </p:extLst>
+  </p:cSld>
+  <p:clrMapOvr>
+    <a:masterClrMapping/>
+  </p:clrMapOvr>
+</p:sld>
+</file>
+
+<file path=ppt/slides/slide21.xml><?xml version="1.0" encoding="utf-8"?>
+<p:sld xmlns:a="http://schemas.openxmlformats.org/drawingml/2006/main" xmlns:r="http://schemas.openxmlformats.org/officeDocument/2006/relationships" xmlns:p="http://schemas.openxmlformats.org/presentationml/2006/main" show="0">
+  <p:cSld>
+    <p:spTree>
+      <p:nvGrpSpPr>
+        <p:cNvPr id="1" name=""/>
+        <p:cNvGrpSpPr/>
+        <p:nvPr/>
+      </p:nvGrpSpPr>
+      <p:grpSpPr>
+        <a:xfrm>
+          <a:off x="0" y="0"/>
+          <a:ext cx="0" cy="0"/>
+          <a:chOff x="0" y="0"/>
+          <a:chExt cx="0" cy="0"/>
+        </a:xfrm>
+      </p:grpSpPr>
+      <p:sp>
+        <p:nvSpPr>
+          <p:cNvPr id="3" name="Subtitle 2">
+            <a:extLst>
+              <a:ext uri="{FF2B5EF4-FFF2-40B4-BE49-F238E27FC236}">
+                <a16:creationId xmlns:a16="http://schemas.microsoft.com/office/drawing/2014/main" id="{64E58ADE-DE15-3AA7-F468-6C74AFCE2BCA}"/>
+              </a:ext>
+            </a:extLst>
+          </p:cNvPr>
+          <p:cNvSpPr>
+            <a:spLocks noGrp="1"/>
+          </p:cNvSpPr>
+          <p:nvPr>
+            <p:ph type="subTitle" idx="1"/>
+          </p:nvPr>
+        </p:nvSpPr>
+        <p:spPr>
+          <a:xfrm>
+            <a:off x="563596" y="4731026"/>
+            <a:ext cx="11064807" cy="1749286"/>
+          </a:xfrm>
+        </p:spPr>
+        <p:txBody>
+          <a:bodyPr>
+            <a:normAutofit/>
+          </a:bodyPr>
+          <a:lstStyle/>
+          <a:p>
+            <a:pPr algn="l"/>
+            <a:r>
+              <a:rPr lang="en-US" dirty="0"/>
+              <a:t>- Radius = 10 km</a:t>
+            </a:r>
+          </a:p>
+          <a:p>
+            <a:pPr algn="l"/>
+            <a:r>
+              <a:rPr lang="en-US" dirty="0"/>
+              <a:t>- Using </a:t>
+            </a:r>
+            <a:r>
+              <a:rPr lang="en-US" dirty="0" err="1"/>
+              <a:t>plot_linear_regression</a:t>
+            </a:r>
+            <a:r>
+              <a:rPr lang="en-US" dirty="0"/>
+              <a:t>, it was found that the </a:t>
+            </a:r>
+            <a:r>
+              <a:rPr lang="en-US" dirty="0" err="1"/>
+              <a:t>r-value</a:t>
+            </a:r>
+            <a:r>
+              <a:rPr lang="en-US" dirty="0"/>
+              <a:t> is -0.25763.  This would indicate that coffee shops are not very strongly correlated to typical single-family home price.</a:t>
+            </a:r>
+          </a:p>
+        </p:txBody>
+      </p:sp>
+      <p:pic>
+        <p:nvPicPr>
+          <p:cNvPr id="5" name="Picture 4" descr="Chart, bar chart&#10;&#10;Description automatically generated">
+            <a:extLst>
+              <a:ext uri="{FF2B5EF4-FFF2-40B4-BE49-F238E27FC236}">
+                <a16:creationId xmlns:a16="http://schemas.microsoft.com/office/drawing/2014/main" id="{52A79CB0-DA3C-2AA7-E53B-893E0D0A2071}"/>
+              </a:ext>
+            </a:extLst>
+          </p:cNvPr>
+          <p:cNvPicPr>
+            <a:picLocks noChangeAspect="1"/>
+          </p:cNvPicPr>
+          <p:nvPr/>
+        </p:nvPicPr>
+        <p:blipFill rotWithShape="1">
+          <a:blip r:embed="rId3"/>
+          <a:srcRect l="5926" r="5002"/>
+          <a:stretch/>
+        </p:blipFill>
+        <p:spPr>
+          <a:xfrm>
+            <a:off x="129211" y="128688"/>
+            <a:ext cx="5506275" cy="3955773"/>
+          </a:xfrm>
+          <a:prstGeom prst="rect">
+            <a:avLst/>
+          </a:prstGeom>
+        </p:spPr>
+      </p:pic>
+      <p:pic>
+        <p:nvPicPr>
+          <p:cNvPr id="9" name="Picture 8">
+            <a:extLst>
+              <a:ext uri="{FF2B5EF4-FFF2-40B4-BE49-F238E27FC236}">
+                <a16:creationId xmlns:a16="http://schemas.microsoft.com/office/drawing/2014/main" id="{34558095-D121-0AA9-5447-08D04CA3F1F3}"/>
+              </a:ext>
+            </a:extLst>
+          </p:cNvPr>
+          <p:cNvPicPr>
+            <a:picLocks noChangeAspect="1"/>
+          </p:cNvPicPr>
+          <p:nvPr/>
+        </p:nvPicPr>
+        <p:blipFill>
+          <a:blip r:embed="rId4"/>
+          <a:stretch>
+            <a:fillRect/>
+          </a:stretch>
+        </p:blipFill>
+        <p:spPr>
+          <a:xfrm>
+            <a:off x="5970513" y="128689"/>
+            <a:ext cx="6221487" cy="3955773"/>
+          </a:xfrm>
+          <a:prstGeom prst="rect">
+            <a:avLst/>
+          </a:prstGeom>
+        </p:spPr>
+      </p:pic>
+    </p:spTree>
+    <p:extLst>
+      <p:ext uri="{BB962C8B-B14F-4D97-AF65-F5344CB8AC3E}">
+        <p14:creationId xmlns:p14="http://schemas.microsoft.com/office/powerpoint/2010/main" val="4126349660"/>
       </p:ext>
     </p:extLst>
   </p:cSld>

--- a/Slide_Deck.pptx
+++ b/Slide_Deck.pptx
@@ -17011,11 +17011,18 @@
           <a:p>
             <a:pPr algn="l"/>
             <a:r>
+              <a:rPr lang="en-US" sz="1400">
+                <a:latin typeface="+mj-lt"/>
+                <a:cs typeface="Nordique Inline" panose="020F0502020204030204" pitchFamily="34" charset="0"/>
+              </a:rPr>
+              <a:t>Radius </a:t>
+            </a:r>
+            <a:r>
               <a:rPr lang="en-US" sz="1400" dirty="0">
                 <a:latin typeface="+mj-lt"/>
                 <a:cs typeface="Nordique Inline" panose="020F0502020204030204" pitchFamily="34" charset="0"/>
               </a:rPr>
-              <a:t>- Radius = 10 km</a:t>
+              <a:t>= 10 km</a:t>
             </a:r>
           </a:p>
           <a:p>
@@ -17025,7 +17032,7 @@
                 <a:latin typeface="+mj-lt"/>
                 <a:cs typeface="Nordique Inline" panose="020F0502020204030204" pitchFamily="34" charset="0"/>
               </a:rPr>
-              <a:t>- Using </a:t>
+              <a:t>Using </a:t>
             </a:r>
             <a:r>
               <a:rPr lang="en-US" sz="1400" dirty="0" err="1">

--- a/Slide_Deck.pptx
+++ b/Slide_Deck.pptx
@@ -2062,7 +2062,7 @@
   <dgm:whole/>
   <dgm:extLst>
     <a:ext uri="http://schemas.microsoft.com/office/drawing/2008/diagram">
-      <dsp:dataModelExt xmlns:dsp="http://schemas.microsoft.com/office/drawing/2008/diagram" relId="rId6" minVer="http://schemas.openxmlformats.org/drawingml/2006/diagram"/>
+      <dsp:dataModelExt xmlns:dsp="http://schemas.microsoft.com/office/drawing/2008/diagram" relId="rId7" minVer="http://schemas.openxmlformats.org/drawingml/2006/diagram"/>
     </a:ext>
   </dgm:extLst>
 </dgm:dataModel>
@@ -5453,7 +5453,7 @@
           <a:p>
             <a:fld id="{FFFBAEDC-AF75-4BDD-978D-5D83F3B4ECCC}" type="datetimeFigureOut">
               <a:rPr lang="en-US" smtClean="0"/>
-              <a:t>4/6/23</a:t>
+              <a:t>4/9/2023</a:t>
             </a:fld>
             <a:endParaRPr lang="en-US"/>
           </a:p>
@@ -5764,7 +5764,18 @@
           <a:bodyPr/>
           <a:lstStyle/>
           <a:p>
-            <a:endParaRPr lang="en-US" dirty="0"/>
+            <a:r>
+              <a:rPr lang="en-US" dirty="0"/>
+              <a:t>This is the </a:t>
+            </a:r>
+            <a:r>
+              <a:rPr lang="en-US" dirty="0" err="1"/>
+              <a:t>df</a:t>
+            </a:r>
+            <a:r>
+              <a:rPr lang="en-US" dirty="0"/>
+              <a:t> after reading in the raw data (csv). Has data for every state at different geographic levels</a:t>
+            </a:r>
           </a:p>
         </p:txBody>
       </p:sp>
@@ -5783,6 +5794,657 @@
           <a:bodyPr/>
           <a:lstStyle/>
           <a:p>
+            <a:fld id="{A5852CD4-E4D6-4640-BF52-AD4B3041F0E7}" type="slidenum">
+              <a:rPr lang="en-US" smtClean="0"/>
+              <a:t>4</a:t>
+            </a:fld>
+            <a:endParaRPr lang="en-US"/>
+          </a:p>
+        </p:txBody>
+      </p:sp>
+    </p:spTree>
+    <p:extLst>
+      <p:ext uri="{BB962C8B-B14F-4D97-AF65-F5344CB8AC3E}">
+        <p14:creationId xmlns:p14="http://schemas.microsoft.com/office/powerpoint/2010/main" val="2196681292"/>
+      </p:ext>
+    </p:extLst>
+  </p:cSld>
+  <p:clrMapOvr>
+    <a:masterClrMapping/>
+  </p:clrMapOvr>
+</p:notes>
+</file>
+
+<file path=ppt/notesSlides/notesSlide2.xml><?xml version="1.0" encoding="utf-8"?>
+<p:notes xmlns:a="http://schemas.openxmlformats.org/drawingml/2006/main" xmlns:r="http://schemas.openxmlformats.org/officeDocument/2006/relationships" xmlns:p="http://schemas.openxmlformats.org/presentationml/2006/main">
+  <p:cSld>
+    <p:spTree>
+      <p:nvGrpSpPr>
+        <p:cNvPr id="1" name=""/>
+        <p:cNvGrpSpPr/>
+        <p:nvPr/>
+      </p:nvGrpSpPr>
+      <p:grpSpPr>
+        <a:xfrm>
+          <a:off x="0" y="0"/>
+          <a:ext cx="0" cy="0"/>
+          <a:chOff x="0" y="0"/>
+          <a:chExt cx="0" cy="0"/>
+        </a:xfrm>
+      </p:grpSpPr>
+      <p:sp>
+        <p:nvSpPr>
+          <p:cNvPr id="2" name="Slide Image Placeholder 1"/>
+          <p:cNvSpPr>
+            <a:spLocks noGrp="1" noRot="1" noChangeAspect="1"/>
+          </p:cNvSpPr>
+          <p:nvPr>
+            <p:ph type="sldImg"/>
+          </p:nvPr>
+        </p:nvSpPr>
+        <p:spPr/>
+      </p:sp>
+      <p:sp>
+        <p:nvSpPr>
+          <p:cNvPr id="3" name="Notes Placeholder 2"/>
+          <p:cNvSpPr>
+            <a:spLocks noGrp="1"/>
+          </p:cNvSpPr>
+          <p:nvPr>
+            <p:ph type="body" idx="1"/>
+          </p:nvPr>
+        </p:nvSpPr>
+        <p:spPr/>
+        <p:txBody>
+          <a:bodyPr/>
+          <a:lstStyle/>
+          <a:p>
+            <a:endParaRPr lang="en-US" dirty="0"/>
+          </a:p>
+        </p:txBody>
+      </p:sp>
+      <p:sp>
+        <p:nvSpPr>
+          <p:cNvPr id="4" name="Slide Number Placeholder 3"/>
+          <p:cNvSpPr>
+            <a:spLocks noGrp="1"/>
+          </p:cNvSpPr>
+          <p:nvPr>
+            <p:ph type="sldNum" sz="quarter" idx="5"/>
+          </p:nvPr>
+        </p:nvSpPr>
+        <p:spPr/>
+        <p:txBody>
+          <a:bodyPr/>
+          <a:lstStyle/>
+          <a:p>
+            <a:fld id="{A5852CD4-E4D6-4640-BF52-AD4B3041F0E7}" type="slidenum">
+              <a:rPr lang="en-US" smtClean="0"/>
+              <a:t>5</a:t>
+            </a:fld>
+            <a:endParaRPr lang="en-US"/>
+          </a:p>
+        </p:txBody>
+      </p:sp>
+    </p:spTree>
+    <p:extLst>
+      <p:ext uri="{BB962C8B-B14F-4D97-AF65-F5344CB8AC3E}">
+        <p14:creationId xmlns:p14="http://schemas.microsoft.com/office/powerpoint/2010/main" val="194049932"/>
+      </p:ext>
+    </p:extLst>
+  </p:cSld>
+  <p:clrMapOvr>
+    <a:masterClrMapping/>
+  </p:clrMapOvr>
+</p:notes>
+</file>
+
+<file path=ppt/notesSlides/notesSlide3.xml><?xml version="1.0" encoding="utf-8"?>
+<p:notes xmlns:a="http://schemas.openxmlformats.org/drawingml/2006/main" xmlns:r="http://schemas.openxmlformats.org/officeDocument/2006/relationships" xmlns:p="http://schemas.openxmlformats.org/presentationml/2006/main">
+  <p:cSld>
+    <p:spTree>
+      <p:nvGrpSpPr>
+        <p:cNvPr id="1" name=""/>
+        <p:cNvGrpSpPr/>
+        <p:nvPr/>
+      </p:nvGrpSpPr>
+      <p:grpSpPr>
+        <a:xfrm>
+          <a:off x="0" y="0"/>
+          <a:ext cx="0" cy="0"/>
+          <a:chOff x="0" y="0"/>
+          <a:chExt cx="0" cy="0"/>
+        </a:xfrm>
+      </p:grpSpPr>
+      <p:sp>
+        <p:nvSpPr>
+          <p:cNvPr id="2" name="Slide Image Placeholder 1"/>
+          <p:cNvSpPr>
+            <a:spLocks noGrp="1" noRot="1" noChangeAspect="1"/>
+          </p:cNvSpPr>
+          <p:nvPr>
+            <p:ph type="sldImg"/>
+          </p:nvPr>
+        </p:nvSpPr>
+        <p:spPr/>
+      </p:sp>
+      <p:sp>
+        <p:nvSpPr>
+          <p:cNvPr id="3" name="Notes Placeholder 2"/>
+          <p:cNvSpPr>
+            <a:spLocks noGrp="1"/>
+          </p:cNvSpPr>
+          <p:nvPr>
+            <p:ph type="body" idx="1"/>
+          </p:nvPr>
+        </p:nvSpPr>
+        <p:spPr/>
+        <p:txBody>
+          <a:bodyPr/>
+          <a:lstStyle/>
+          <a:p>
+            <a:r>
+              <a:rPr lang="en-US" dirty="0"/>
+              <a:t>This is our </a:t>
+            </a:r>
+            <a:r>
+              <a:rPr lang="en-US" dirty="0" err="1"/>
+              <a:t>df</a:t>
+            </a:r>
+            <a:r>
+              <a:rPr lang="en-US" dirty="0"/>
+              <a:t> after cleaning it up. We grabbed only the most recent entries for Home value for our comparisons. 02/31/23</a:t>
+            </a:r>
+          </a:p>
+        </p:txBody>
+      </p:sp>
+      <p:sp>
+        <p:nvSpPr>
+          <p:cNvPr id="4" name="Slide Number Placeholder 3"/>
+          <p:cNvSpPr>
+            <a:spLocks noGrp="1"/>
+          </p:cNvSpPr>
+          <p:nvPr>
+            <p:ph type="sldNum" sz="quarter" idx="5"/>
+          </p:nvPr>
+        </p:nvSpPr>
+        <p:spPr/>
+        <p:txBody>
+          <a:bodyPr/>
+          <a:lstStyle/>
+          <a:p>
+            <a:fld id="{A5852CD4-E4D6-4640-BF52-AD4B3041F0E7}" type="slidenum">
+              <a:rPr lang="en-US" smtClean="0"/>
+              <a:t>6</a:t>
+            </a:fld>
+            <a:endParaRPr lang="en-US"/>
+          </a:p>
+        </p:txBody>
+      </p:sp>
+    </p:spTree>
+    <p:extLst>
+      <p:ext uri="{BB962C8B-B14F-4D97-AF65-F5344CB8AC3E}">
+        <p14:creationId xmlns:p14="http://schemas.microsoft.com/office/powerpoint/2010/main" val="687158072"/>
+      </p:ext>
+    </p:extLst>
+  </p:cSld>
+  <p:clrMapOvr>
+    <a:masterClrMapping/>
+  </p:clrMapOvr>
+</p:notes>
+</file>
+
+<file path=ppt/notesSlides/notesSlide4.xml><?xml version="1.0" encoding="utf-8"?>
+<p:notes xmlns:a="http://schemas.openxmlformats.org/drawingml/2006/main" xmlns:r="http://schemas.openxmlformats.org/officeDocument/2006/relationships" xmlns:p="http://schemas.openxmlformats.org/presentationml/2006/main">
+  <p:cSld>
+    <p:spTree>
+      <p:nvGrpSpPr>
+        <p:cNvPr id="1" name=""/>
+        <p:cNvGrpSpPr/>
+        <p:nvPr/>
+      </p:nvGrpSpPr>
+      <p:grpSpPr>
+        <a:xfrm>
+          <a:off x="0" y="0"/>
+          <a:ext cx="0" cy="0"/>
+          <a:chOff x="0" y="0"/>
+          <a:chExt cx="0" cy="0"/>
+        </a:xfrm>
+      </p:grpSpPr>
+      <p:sp>
+        <p:nvSpPr>
+          <p:cNvPr id="2" name="Slide Image Placeholder 1"/>
+          <p:cNvSpPr>
+            <a:spLocks noGrp="1" noRot="1" noChangeAspect="1"/>
+          </p:cNvSpPr>
+          <p:nvPr>
+            <p:ph type="sldImg"/>
+          </p:nvPr>
+        </p:nvSpPr>
+        <p:spPr/>
+      </p:sp>
+      <p:sp>
+        <p:nvSpPr>
+          <p:cNvPr id="3" name="Notes Placeholder 2"/>
+          <p:cNvSpPr>
+            <a:spLocks noGrp="1"/>
+          </p:cNvSpPr>
+          <p:nvPr>
+            <p:ph type="body" idx="1"/>
+          </p:nvPr>
+        </p:nvSpPr>
+        <p:spPr/>
+        <p:txBody>
+          <a:bodyPr/>
+          <a:lstStyle/>
+          <a:p>
+            <a:r>
+              <a:rPr lang="en-US" dirty="0"/>
+              <a:t>Used for loop and </a:t>
+            </a:r>
+            <a:r>
+              <a:rPr lang="en-US" dirty="0" err="1"/>
+              <a:t>df</a:t>
+            </a:r>
+            <a:r>
+              <a:rPr lang="en-US" dirty="0"/>
+              <a:t> to get cords for each city</a:t>
+            </a:r>
+          </a:p>
+        </p:txBody>
+      </p:sp>
+      <p:sp>
+        <p:nvSpPr>
+          <p:cNvPr id="4" name="Slide Number Placeholder 3"/>
+          <p:cNvSpPr>
+            <a:spLocks noGrp="1"/>
+          </p:cNvSpPr>
+          <p:nvPr>
+            <p:ph type="sldNum" sz="quarter" idx="5"/>
+          </p:nvPr>
+        </p:nvSpPr>
+        <p:spPr/>
+        <p:txBody>
+          <a:bodyPr/>
+          <a:lstStyle/>
+          <a:p>
+            <a:fld id="{A5852CD4-E4D6-4640-BF52-AD4B3041F0E7}" type="slidenum">
+              <a:rPr lang="en-US" smtClean="0"/>
+              <a:t>7</a:t>
+            </a:fld>
+            <a:endParaRPr lang="en-US"/>
+          </a:p>
+        </p:txBody>
+      </p:sp>
+    </p:spTree>
+    <p:extLst>
+      <p:ext uri="{BB962C8B-B14F-4D97-AF65-F5344CB8AC3E}">
+        <p14:creationId xmlns:p14="http://schemas.microsoft.com/office/powerpoint/2010/main" val="1330553941"/>
+      </p:ext>
+    </p:extLst>
+  </p:cSld>
+  <p:clrMapOvr>
+    <a:masterClrMapping/>
+  </p:clrMapOvr>
+</p:notes>
+</file>
+
+<file path=ppt/notesSlides/notesSlide5.xml><?xml version="1.0" encoding="utf-8"?>
+<p:notes xmlns:a="http://schemas.openxmlformats.org/drawingml/2006/main" xmlns:r="http://schemas.openxmlformats.org/officeDocument/2006/relationships" xmlns:p="http://schemas.openxmlformats.org/presentationml/2006/main">
+  <p:cSld>
+    <p:spTree>
+      <p:nvGrpSpPr>
+        <p:cNvPr id="1" name=""/>
+        <p:cNvGrpSpPr/>
+        <p:nvPr/>
+      </p:nvGrpSpPr>
+      <p:grpSpPr>
+        <a:xfrm>
+          <a:off x="0" y="0"/>
+          <a:ext cx="0" cy="0"/>
+          <a:chOff x="0" y="0"/>
+          <a:chExt cx="0" cy="0"/>
+        </a:xfrm>
+      </p:grpSpPr>
+      <p:sp>
+        <p:nvSpPr>
+          <p:cNvPr id="2" name="Slide Image Placeholder 1"/>
+          <p:cNvSpPr>
+            <a:spLocks noGrp="1" noRot="1" noChangeAspect="1"/>
+          </p:cNvSpPr>
+          <p:nvPr>
+            <p:ph type="sldImg"/>
+          </p:nvPr>
+        </p:nvSpPr>
+        <p:spPr/>
+      </p:sp>
+      <p:sp>
+        <p:nvSpPr>
+          <p:cNvPr id="3" name="Notes Placeholder 2"/>
+          <p:cNvSpPr>
+            <a:spLocks noGrp="1"/>
+          </p:cNvSpPr>
+          <p:nvPr>
+            <p:ph type="body" idx="1"/>
+          </p:nvPr>
+        </p:nvSpPr>
+        <p:spPr/>
+        <p:txBody>
+          <a:bodyPr/>
+          <a:lstStyle/>
+          <a:p>
+            <a:r>
+              <a:rPr lang="en-US" dirty="0"/>
+              <a:t>-We should have bought houses 10 years ago. </a:t>
+            </a:r>
+          </a:p>
+          <a:p>
+            <a:r>
+              <a:rPr lang="en-US" dirty="0"/>
+              <a:t>-All of the CO cities kind of follow the same pattern</a:t>
+            </a:r>
+          </a:p>
+          <a:p>
+            <a:r>
+              <a:rPr lang="en-US" dirty="0"/>
+              <a:t>-Frisco + Breck are outliers</a:t>
+            </a:r>
+          </a:p>
+        </p:txBody>
+      </p:sp>
+      <p:sp>
+        <p:nvSpPr>
+          <p:cNvPr id="4" name="Slide Number Placeholder 3"/>
+          <p:cNvSpPr>
+            <a:spLocks noGrp="1"/>
+          </p:cNvSpPr>
+          <p:nvPr>
+            <p:ph type="sldNum" sz="quarter" idx="5"/>
+          </p:nvPr>
+        </p:nvSpPr>
+        <p:spPr/>
+        <p:txBody>
+          <a:bodyPr/>
+          <a:lstStyle/>
+          <a:p>
+            <a:fld id="{A5852CD4-E4D6-4640-BF52-AD4B3041F0E7}" type="slidenum">
+              <a:rPr lang="en-US" smtClean="0"/>
+              <a:t>8</a:t>
+            </a:fld>
+            <a:endParaRPr lang="en-US"/>
+          </a:p>
+        </p:txBody>
+      </p:sp>
+    </p:spTree>
+    <p:extLst>
+      <p:ext uri="{BB962C8B-B14F-4D97-AF65-F5344CB8AC3E}">
+        <p14:creationId xmlns:p14="http://schemas.microsoft.com/office/powerpoint/2010/main" val="1071277244"/>
+      </p:ext>
+    </p:extLst>
+  </p:cSld>
+  <p:clrMapOvr>
+    <a:masterClrMapping/>
+  </p:clrMapOvr>
+</p:notes>
+</file>
+
+<file path=ppt/notesSlides/notesSlide6.xml><?xml version="1.0" encoding="utf-8"?>
+<p:notes xmlns:a="http://schemas.openxmlformats.org/drawingml/2006/main" xmlns:r="http://schemas.openxmlformats.org/officeDocument/2006/relationships" xmlns:p="http://schemas.openxmlformats.org/presentationml/2006/main">
+  <p:cSld>
+    <p:spTree>
+      <p:nvGrpSpPr>
+        <p:cNvPr id="1" name=""/>
+        <p:cNvGrpSpPr/>
+        <p:nvPr/>
+      </p:nvGrpSpPr>
+      <p:grpSpPr>
+        <a:xfrm>
+          <a:off x="0" y="0"/>
+          <a:ext cx="0" cy="0"/>
+          <a:chOff x="0" y="0"/>
+          <a:chExt cx="0" cy="0"/>
+        </a:xfrm>
+      </p:grpSpPr>
+      <p:sp>
+        <p:nvSpPr>
+          <p:cNvPr id="2" name="Slide Image Placeholder 1"/>
+          <p:cNvSpPr>
+            <a:spLocks noGrp="1" noRot="1" noChangeAspect="1"/>
+          </p:cNvSpPr>
+          <p:nvPr>
+            <p:ph type="sldImg"/>
+          </p:nvPr>
+        </p:nvSpPr>
+        <p:spPr/>
+      </p:sp>
+      <p:sp>
+        <p:nvSpPr>
+          <p:cNvPr id="3" name="Notes Placeholder 2"/>
+          <p:cNvSpPr>
+            <a:spLocks noGrp="1"/>
+          </p:cNvSpPr>
+          <p:nvPr>
+            <p:ph type="body" idx="1"/>
+          </p:nvPr>
+        </p:nvSpPr>
+        <p:spPr/>
+        <p:txBody>
+          <a:bodyPr/>
+          <a:lstStyle/>
+          <a:p>
+            <a:r>
+              <a:rPr lang="en-US" dirty="0"/>
+              <a:t>Used pandas </a:t>
+            </a:r>
+            <a:r>
+              <a:rPr lang="en-US" dirty="0" err="1"/>
+              <a:t>read_html</a:t>
+            </a:r>
+            <a:r>
+              <a:rPr lang="en-US" dirty="0"/>
+              <a:t>() to get cat list</a:t>
+            </a:r>
+          </a:p>
+          <a:p>
+            <a:r>
+              <a:rPr lang="en-US" dirty="0"/>
+              <a:t>Sea??</a:t>
+            </a:r>
+          </a:p>
+          <a:p>
+            <a:r>
+              <a:rPr lang="en-US" dirty="0"/>
+              <a:t>Strongest positive correlations are nature related</a:t>
+            </a:r>
+          </a:p>
+          <a:p>
+            <a:endParaRPr lang="en-US" dirty="0"/>
+          </a:p>
+        </p:txBody>
+      </p:sp>
+      <p:sp>
+        <p:nvSpPr>
+          <p:cNvPr id="4" name="Slide Number Placeholder 3"/>
+          <p:cNvSpPr>
+            <a:spLocks noGrp="1"/>
+          </p:cNvSpPr>
+          <p:nvPr>
+            <p:ph type="sldNum" sz="quarter" idx="5"/>
+          </p:nvPr>
+        </p:nvSpPr>
+        <p:spPr/>
+        <p:txBody>
+          <a:bodyPr/>
+          <a:lstStyle/>
+          <a:p>
+            <a:fld id="{A5852CD4-E4D6-4640-BF52-AD4B3041F0E7}" type="slidenum">
+              <a:rPr lang="en-US" smtClean="0"/>
+              <a:t>9</a:t>
+            </a:fld>
+            <a:endParaRPr lang="en-US"/>
+          </a:p>
+        </p:txBody>
+      </p:sp>
+    </p:spTree>
+    <p:extLst>
+      <p:ext uri="{BB962C8B-B14F-4D97-AF65-F5344CB8AC3E}">
+        <p14:creationId xmlns:p14="http://schemas.microsoft.com/office/powerpoint/2010/main" val="3371332885"/>
+      </p:ext>
+    </p:extLst>
+  </p:cSld>
+  <p:clrMapOvr>
+    <a:masterClrMapping/>
+  </p:clrMapOvr>
+</p:notes>
+</file>
+
+<file path=ppt/notesSlides/notesSlide7.xml><?xml version="1.0" encoding="utf-8"?>
+<p:notes xmlns:a="http://schemas.openxmlformats.org/drawingml/2006/main" xmlns:r="http://schemas.openxmlformats.org/officeDocument/2006/relationships" xmlns:p="http://schemas.openxmlformats.org/presentationml/2006/main">
+  <p:cSld>
+    <p:spTree>
+      <p:nvGrpSpPr>
+        <p:cNvPr id="1" name=""/>
+        <p:cNvGrpSpPr/>
+        <p:nvPr/>
+      </p:nvGrpSpPr>
+      <p:grpSpPr>
+        <a:xfrm>
+          <a:off x="0" y="0"/>
+          <a:ext cx="0" cy="0"/>
+          <a:chOff x="0" y="0"/>
+          <a:chExt cx="0" cy="0"/>
+        </a:xfrm>
+      </p:grpSpPr>
+      <p:sp>
+        <p:nvSpPr>
+          <p:cNvPr id="2" name="Slide Image Placeholder 1"/>
+          <p:cNvSpPr>
+            <a:spLocks noGrp="1" noRot="1" noChangeAspect="1"/>
+          </p:cNvSpPr>
+          <p:nvPr>
+            <p:ph type="sldImg"/>
+          </p:nvPr>
+        </p:nvSpPr>
+        <p:spPr/>
+      </p:sp>
+      <p:sp>
+        <p:nvSpPr>
+          <p:cNvPr id="3" name="Notes Placeholder 2"/>
+          <p:cNvSpPr>
+            <a:spLocks noGrp="1"/>
+          </p:cNvSpPr>
+          <p:nvPr>
+            <p:ph type="body" idx="1"/>
+          </p:nvPr>
+        </p:nvSpPr>
+        <p:spPr/>
+        <p:txBody>
+          <a:bodyPr/>
+          <a:lstStyle/>
+          <a:p>
+            <a:endParaRPr lang="en-US"/>
+          </a:p>
+        </p:txBody>
+      </p:sp>
+      <p:sp>
+        <p:nvSpPr>
+          <p:cNvPr id="4" name="Slide Number Placeholder 3"/>
+          <p:cNvSpPr>
+            <a:spLocks noGrp="1"/>
+          </p:cNvSpPr>
+          <p:nvPr>
+            <p:ph type="sldNum" sz="quarter" idx="5"/>
+          </p:nvPr>
+        </p:nvSpPr>
+        <p:spPr/>
+        <p:txBody>
+          <a:bodyPr/>
+          <a:lstStyle/>
+          <a:p>
+            <a:fld id="{A5852CD4-E4D6-4640-BF52-AD4B3041F0E7}" type="slidenum">
+              <a:rPr lang="en-US" smtClean="0"/>
+              <a:t>11</a:t>
+            </a:fld>
+            <a:endParaRPr lang="en-US"/>
+          </a:p>
+        </p:txBody>
+      </p:sp>
+    </p:spTree>
+    <p:extLst>
+      <p:ext uri="{BB962C8B-B14F-4D97-AF65-F5344CB8AC3E}">
+        <p14:creationId xmlns:p14="http://schemas.microsoft.com/office/powerpoint/2010/main" val="2103441859"/>
+      </p:ext>
+    </p:extLst>
+  </p:cSld>
+  <p:clrMapOvr>
+    <a:masterClrMapping/>
+  </p:clrMapOvr>
+</p:notes>
+</file>
+
+<file path=ppt/notesSlides/notesSlide8.xml><?xml version="1.0" encoding="utf-8"?>
+<p:notes xmlns:a="http://schemas.openxmlformats.org/drawingml/2006/main" xmlns:r="http://schemas.openxmlformats.org/officeDocument/2006/relationships" xmlns:p="http://schemas.openxmlformats.org/presentationml/2006/main">
+  <p:cSld>
+    <p:spTree>
+      <p:nvGrpSpPr>
+        <p:cNvPr id="1" name=""/>
+        <p:cNvGrpSpPr/>
+        <p:nvPr/>
+      </p:nvGrpSpPr>
+      <p:grpSpPr>
+        <a:xfrm>
+          <a:off x="0" y="0"/>
+          <a:ext cx="0" cy="0"/>
+          <a:chOff x="0" y="0"/>
+          <a:chExt cx="0" cy="0"/>
+        </a:xfrm>
+      </p:grpSpPr>
+      <p:sp>
+        <p:nvSpPr>
+          <p:cNvPr id="2" name="Slide Image Placeholder 1"/>
+          <p:cNvSpPr>
+            <a:spLocks noGrp="1" noRot="1" noChangeAspect="1"/>
+          </p:cNvSpPr>
+          <p:nvPr>
+            <p:ph type="sldImg"/>
+          </p:nvPr>
+        </p:nvSpPr>
+        <p:spPr/>
+      </p:sp>
+      <p:sp>
+        <p:nvSpPr>
+          <p:cNvPr id="3" name="Notes Placeholder 2"/>
+          <p:cNvSpPr>
+            <a:spLocks noGrp="1"/>
+          </p:cNvSpPr>
+          <p:nvPr>
+            <p:ph type="body" idx="1"/>
+          </p:nvPr>
+        </p:nvSpPr>
+        <p:spPr/>
+        <p:txBody>
+          <a:bodyPr/>
+          <a:lstStyle/>
+          <a:p>
+            <a:endParaRPr lang="en-US" dirty="0"/>
+          </a:p>
+        </p:txBody>
+      </p:sp>
+      <p:sp>
+        <p:nvSpPr>
+          <p:cNvPr id="4" name="Slide Number Placeholder 3"/>
+          <p:cNvSpPr>
+            <a:spLocks noGrp="1"/>
+          </p:cNvSpPr>
+          <p:nvPr>
+            <p:ph type="sldNum" sz="quarter" idx="5"/>
+          </p:nvPr>
+        </p:nvSpPr>
+        <p:spPr/>
+        <p:txBody>
+          <a:bodyPr/>
+          <a:lstStyle/>
+          <a:p>
             <a:fld id="{81877F35-DD72-4AEE-98C4-BACA01E52352}" type="slidenum">
               <a:rPr lang="en-US" smtClean="0"/>
               <a:t>16</a:t>
@@ -5804,7 +6466,7 @@
 </p:notes>
 </file>
 
-<file path=ppt/notesSlides/notesSlide2.xml><?xml version="1.0" encoding="utf-8"?>
+<file path=ppt/notesSlides/notesSlide9.xml><?xml version="1.0" encoding="utf-8"?>
 <p:notes xmlns:a="http://schemas.openxmlformats.org/drawingml/2006/main" xmlns:r="http://schemas.openxmlformats.org/officeDocument/2006/relationships" xmlns:p="http://schemas.openxmlformats.org/presentationml/2006/main">
   <p:cSld>
     <p:spTree>
@@ -6035,7 +6697,7 @@
           <a:p>
             <a:fld id="{F3E3D61B-7364-4AC2-9DB3-C4410285676E}" type="datetimeFigureOut">
               <a:rPr lang="en-US" smtClean="0"/>
-              <a:t>4/6/23</a:t>
+              <a:t>4/9/2023</a:t>
             </a:fld>
             <a:endParaRPr lang="en-US"/>
           </a:p>
@@ -6233,7 +6895,7 @@
           <a:p>
             <a:fld id="{F3E3D61B-7364-4AC2-9DB3-C4410285676E}" type="datetimeFigureOut">
               <a:rPr lang="en-US" smtClean="0"/>
-              <a:t>4/6/23</a:t>
+              <a:t>4/9/2023</a:t>
             </a:fld>
             <a:endParaRPr lang="en-US"/>
           </a:p>
@@ -6441,7 +7103,7 @@
           <a:p>
             <a:fld id="{F3E3D61B-7364-4AC2-9DB3-C4410285676E}" type="datetimeFigureOut">
               <a:rPr lang="en-US" smtClean="0"/>
-              <a:t>4/6/23</a:t>
+              <a:t>4/9/2023</a:t>
             </a:fld>
             <a:endParaRPr lang="en-US"/>
           </a:p>
@@ -6639,7 +7301,7 @@
           <a:p>
             <a:fld id="{F3E3D61B-7364-4AC2-9DB3-C4410285676E}" type="datetimeFigureOut">
               <a:rPr lang="en-US" smtClean="0"/>
-              <a:t>4/6/23</a:t>
+              <a:t>4/9/2023</a:t>
             </a:fld>
             <a:endParaRPr lang="en-US"/>
           </a:p>
@@ -6914,7 +7576,7 @@
           <a:p>
             <a:fld id="{F3E3D61B-7364-4AC2-9DB3-C4410285676E}" type="datetimeFigureOut">
               <a:rPr lang="en-US" smtClean="0"/>
-              <a:t>4/6/23</a:t>
+              <a:t>4/9/2023</a:t>
             </a:fld>
             <a:endParaRPr lang="en-US"/>
           </a:p>
@@ -7179,7 +7841,7 @@
           <a:p>
             <a:fld id="{F3E3D61B-7364-4AC2-9DB3-C4410285676E}" type="datetimeFigureOut">
               <a:rPr lang="en-US" smtClean="0"/>
-              <a:t>4/6/23</a:t>
+              <a:t>4/9/2023</a:t>
             </a:fld>
             <a:endParaRPr lang="en-US"/>
           </a:p>
@@ -7591,7 +8253,7 @@
           <a:p>
             <a:fld id="{F3E3D61B-7364-4AC2-9DB3-C4410285676E}" type="datetimeFigureOut">
               <a:rPr lang="en-US" smtClean="0"/>
-              <a:t>4/6/23</a:t>
+              <a:t>4/9/2023</a:t>
             </a:fld>
             <a:endParaRPr lang="en-US"/>
           </a:p>
@@ -7732,7 +8394,7 @@
           <a:p>
             <a:fld id="{F3E3D61B-7364-4AC2-9DB3-C4410285676E}" type="datetimeFigureOut">
               <a:rPr lang="en-US" smtClean="0"/>
-              <a:t>4/6/23</a:t>
+              <a:t>4/9/2023</a:t>
             </a:fld>
             <a:endParaRPr lang="en-US"/>
           </a:p>
@@ -7845,7 +8507,7 @@
           <a:p>
             <a:fld id="{F3E3D61B-7364-4AC2-9DB3-C4410285676E}" type="datetimeFigureOut">
               <a:rPr lang="en-US" smtClean="0"/>
-              <a:t>4/6/23</a:t>
+              <a:t>4/9/2023</a:t>
             </a:fld>
             <a:endParaRPr lang="en-US"/>
           </a:p>
@@ -8156,7 +8818,7 @@
           <a:p>
             <a:fld id="{F3E3D61B-7364-4AC2-9DB3-C4410285676E}" type="datetimeFigureOut">
               <a:rPr lang="en-US" smtClean="0"/>
-              <a:t>4/6/23</a:t>
+              <a:t>4/9/2023</a:t>
             </a:fld>
             <a:endParaRPr lang="en-US"/>
           </a:p>
@@ -8444,7 +9106,7 @@
           <a:p>
             <a:fld id="{F3E3D61B-7364-4AC2-9DB3-C4410285676E}" type="datetimeFigureOut">
               <a:rPr lang="en-US" smtClean="0"/>
-              <a:t>4/6/23</a:t>
+              <a:t>4/9/2023</a:t>
             </a:fld>
             <a:endParaRPr lang="en-US"/>
           </a:p>
@@ -8685,7 +9347,7 @@
           <a:p>
             <a:fld id="{F3E3D61B-7364-4AC2-9DB3-C4410285676E}" type="datetimeFigureOut">
               <a:rPr lang="en-US" smtClean="0"/>
-              <a:t>4/6/23</a:t>
+              <a:t>4/9/2023</a:t>
             </a:fld>
             <a:endParaRPr lang="en-US"/>
           </a:p>
@@ -12542,7 +13204,7 @@
           <p:nvPr/>
         </p:nvPicPr>
         <p:blipFill rotWithShape="1">
-          <a:blip r:embed="rId2"/>
+          <a:blip r:embed="rId3"/>
           <a:srcRect l="8625" r="11269"/>
           <a:stretch/>
         </p:blipFill>
@@ -12571,7 +13233,7 @@
           <p:nvPr/>
         </p:nvPicPr>
         <p:blipFill rotWithShape="1">
-          <a:blip r:embed="rId3"/>
+          <a:blip r:embed="rId4"/>
           <a:srcRect l="8366" r="17350"/>
           <a:stretch/>
         </p:blipFill>
@@ -17743,7 +18405,7 @@
                 <a:effectLst/>
                 <a:latin typeface="Roboto" panose="02000000000000000000" pitchFamily="2" charset="0"/>
               </a:rPr>
-              <a:t>We got our home data from Zillow Research Data</a:t>
+              <a:t>We got our home data from Zillow Research &amp; Data</a:t>
             </a:r>
           </a:p>
           <a:p>
@@ -17762,7 +18424,7 @@
               <a:rPr lang="en-US" sz="1800" dirty="0">
                 <a:latin typeface="Roboto" panose="02000000000000000000" pitchFamily="2" charset="0"/>
               </a:rPr>
-              <a:t>The data set uses Zillow Home Value Index (ZHVI) to describe the typical home price at different geographical levels</a:t>
+              <a:t>The data set uses the Zillow Home Value Index (ZHVI) to describe the typical home price at different geographical levels</a:t>
             </a:r>
           </a:p>
           <a:p>
@@ -18479,7 +19141,7 @@
           <p:nvPr/>
         </p:nvPicPr>
         <p:blipFill>
-          <a:blip r:embed="rId2"/>
+          <a:blip r:embed="rId3"/>
           <a:stretch>
             <a:fillRect/>
           </a:stretch>
@@ -19145,7 +19807,7 @@
         </p:xfrm>
         <a:graphic>
           <a:graphicData uri="http://schemas.openxmlformats.org/drawingml/2006/diagram">
-            <dgm:relIds xmlns:dgm="http://schemas.openxmlformats.org/drawingml/2006/diagram" xmlns:r="http://schemas.openxmlformats.org/officeDocument/2006/relationships" r:dm="rId2" r:lo="rId3" r:qs="rId4" r:cs="rId5"/>
+            <dgm:relIds xmlns:dgm="http://schemas.openxmlformats.org/drawingml/2006/diagram" xmlns:r="http://schemas.openxmlformats.org/officeDocument/2006/relationships" r:dm="rId3" r:lo="rId4" r:qs="rId5" r:cs="rId6"/>
           </a:graphicData>
         </a:graphic>
       </p:graphicFrame>
@@ -19164,7 +19826,7 @@
           <p:nvPr/>
         </p:nvPicPr>
         <p:blipFill>
-          <a:blip r:embed="rId7"/>
+          <a:blip r:embed="rId8"/>
           <a:stretch>
             <a:fillRect/>
           </a:stretch>
@@ -19194,7 +19856,7 @@
           <p:nvPr/>
         </p:nvPicPr>
         <p:blipFill>
-          <a:blip r:embed="rId8"/>
+          <a:blip r:embed="rId9"/>
           <a:stretch>
             <a:fillRect/>
           </a:stretch>
@@ -19224,7 +19886,7 @@
           <p:nvPr/>
         </p:nvPicPr>
         <p:blipFill>
-          <a:blip r:embed="rId9"/>
+          <a:blip r:embed="rId10"/>
           <a:stretch>
             <a:fillRect/>
           </a:stretch>
@@ -19880,7 +20542,7 @@
           </p:nvPr>
         </p:nvPicPr>
         <p:blipFill>
-          <a:blip r:embed="rId2"/>
+          <a:blip r:embed="rId3"/>
           <a:stretch>
             <a:fillRect/>
           </a:stretch>
@@ -20066,7 +20728,7 @@
           <p:nvPr/>
         </p:nvPicPr>
         <p:blipFill rotWithShape="1">
-          <a:blip r:embed="rId2"/>
+          <a:blip r:embed="rId3"/>
           <a:srcRect l="20618" r="28449"/>
           <a:stretch/>
         </p:blipFill>
@@ -20837,7 +21499,7 @@
           <p:nvPr/>
         </p:nvPicPr>
         <p:blipFill>
-          <a:blip r:embed="rId2"/>
+          <a:blip r:embed="rId3"/>
           <a:stretch>
             <a:fillRect/>
           </a:stretch>
@@ -21118,13 +21780,13 @@
           </p:nvPr>
         </p:nvPicPr>
         <p:blipFill>
-          <a:blip r:embed="rId2">
+          <a:blip r:embed="rId3">
             <a:extLst>
               <a:ext uri="{28A0092B-C50C-407E-A947-70E740481C1C}">
                 <a14:useLocalDpi xmlns:a14="http://schemas.microsoft.com/office/drawing/2010/main" val="0"/>
               </a:ext>
               <a:ext uri="{96DAC541-7B7A-43D3-8B79-37D633B846F1}">
-                <asvg:svgBlip xmlns:asvg="http://schemas.microsoft.com/office/drawing/2016/SVG/main" r:embed="rId3"/>
+                <asvg:svgBlip xmlns:asvg="http://schemas.microsoft.com/office/drawing/2016/SVG/main" r:embed="rId4"/>
               </a:ext>
             </a:extLst>
           </a:blip>
@@ -21315,7 +21977,7 @@
           <p:nvPr/>
         </p:nvPicPr>
         <p:blipFill>
-          <a:blip r:embed="rId4"/>
+          <a:blip r:embed="rId5"/>
           <a:stretch>
             <a:fillRect/>
           </a:stretch>
@@ -21345,7 +22007,7 @@
           <p:nvPr/>
         </p:nvPicPr>
         <p:blipFill>
-          <a:blip r:embed="rId5"/>
+          <a:blip r:embed="rId6"/>
           <a:stretch>
             <a:fillRect/>
           </a:stretch>

--- a/Slide_Deck.pptx
+++ b/Slide_Deck.pptx
@@ -5,7 +5,7 @@
     <p:sldMasterId id="2147483648" r:id="rId1"/>
   </p:sldMasterIdLst>
   <p:notesMasterIdLst>
-    <p:notesMasterId r:id="rId23"/>
+    <p:notesMasterId r:id="rId25"/>
   </p:notesMasterIdLst>
   <p:sldIdLst>
     <p:sldId id="256" r:id="rId2"/>
@@ -28,7 +28,9 @@
     <p:sldId id="278" r:id="rId19"/>
     <p:sldId id="269" r:id="rId20"/>
     <p:sldId id="279" r:id="rId21"/>
-    <p:sldId id="270" r:id="rId22"/>
+    <p:sldId id="280" r:id="rId22"/>
+    <p:sldId id="281" r:id="rId23"/>
+    <p:sldId id="270" r:id="rId24"/>
   </p:sldIdLst>
   <p:sldSz cx="12192000" cy="6858000"/>
   <p:notesSz cx="6858000" cy="9144000"/>
@@ -1643,6 +1645,753 @@
     <dgm:fillClrLst meth="repeat">
       <a:schemeClr val="accent5">
         <a:tint val="40000"/>
+      </a:schemeClr>
+    </dgm:fillClrLst>
+    <dgm:linClrLst meth="repeat">
+      <a:schemeClr val="lt1"/>
+    </dgm:linClrLst>
+    <dgm:effectClrLst/>
+    <dgm:txLinClrLst/>
+    <dgm:txFillClrLst meth="repeat">
+      <a:schemeClr val="dk1"/>
+    </dgm:txFillClrLst>
+    <dgm:txEffectClrLst/>
+  </dgm:styleLbl>
+  <dgm:styleLbl name="revTx">
+    <dgm:fillClrLst meth="repeat">
+      <a:schemeClr val="lt1">
+        <a:alpha val="0"/>
+      </a:schemeClr>
+    </dgm:fillClrLst>
+    <dgm:linClrLst meth="repeat">
+      <a:schemeClr val="dk1">
+        <a:alpha val="0"/>
+      </a:schemeClr>
+    </dgm:linClrLst>
+    <dgm:effectClrLst/>
+    <dgm:txLinClrLst/>
+    <dgm:txFillClrLst meth="repeat">
+      <a:schemeClr val="tx1"/>
+    </dgm:txFillClrLst>
+    <dgm:txEffectClrLst/>
+  </dgm:styleLbl>
+</dgm:colorsDef>
+</file>
+
+<file path=ppt/diagrams/colors3.xml><?xml version="1.0" encoding="utf-8"?>
+<dgm:colorsDef xmlns:dgm="http://schemas.openxmlformats.org/drawingml/2006/diagram" xmlns:a="http://schemas.openxmlformats.org/drawingml/2006/main" uniqueId="urn:microsoft.com/office/officeart/2005/8/colors/accent1_2">
+  <dgm:title val=""/>
+  <dgm:desc val=""/>
+  <dgm:catLst>
+    <dgm:cat type="accent1" pri="11200"/>
+  </dgm:catLst>
+  <dgm:styleLbl name="node0">
+    <dgm:fillClrLst meth="repeat">
+      <a:schemeClr val="accent1"/>
+    </dgm:fillClrLst>
+    <dgm:linClrLst meth="repeat">
+      <a:schemeClr val="lt1"/>
+    </dgm:linClrLst>
+    <dgm:effectClrLst/>
+    <dgm:txLinClrLst/>
+    <dgm:txFillClrLst/>
+    <dgm:txEffectClrLst/>
+  </dgm:styleLbl>
+  <dgm:styleLbl name="alignNode1">
+    <dgm:fillClrLst meth="repeat">
+      <a:schemeClr val="accent1"/>
+    </dgm:fillClrLst>
+    <dgm:linClrLst meth="repeat">
+      <a:schemeClr val="accent1"/>
+    </dgm:linClrLst>
+    <dgm:effectClrLst/>
+    <dgm:txLinClrLst/>
+    <dgm:txFillClrLst/>
+    <dgm:txEffectClrLst/>
+  </dgm:styleLbl>
+  <dgm:styleLbl name="node1">
+    <dgm:fillClrLst meth="repeat">
+      <a:schemeClr val="accent1"/>
+    </dgm:fillClrLst>
+    <dgm:linClrLst meth="repeat">
+      <a:schemeClr val="lt1"/>
+    </dgm:linClrLst>
+    <dgm:effectClrLst/>
+    <dgm:txLinClrLst/>
+    <dgm:txFillClrLst/>
+    <dgm:txEffectClrLst/>
+  </dgm:styleLbl>
+  <dgm:styleLbl name="lnNode1">
+    <dgm:fillClrLst meth="repeat">
+      <a:schemeClr val="accent1"/>
+    </dgm:fillClrLst>
+    <dgm:linClrLst meth="repeat">
+      <a:schemeClr val="lt1"/>
+    </dgm:linClrLst>
+    <dgm:effectClrLst/>
+    <dgm:txLinClrLst/>
+    <dgm:txFillClrLst/>
+    <dgm:txEffectClrLst/>
+  </dgm:styleLbl>
+  <dgm:styleLbl name="vennNode1">
+    <dgm:fillClrLst meth="repeat">
+      <a:schemeClr val="accent1">
+        <a:alpha val="50000"/>
+      </a:schemeClr>
+    </dgm:fillClrLst>
+    <dgm:linClrLst meth="repeat">
+      <a:schemeClr val="lt1"/>
+    </dgm:linClrLst>
+    <dgm:effectClrLst/>
+    <dgm:txLinClrLst/>
+    <dgm:txFillClrLst/>
+    <dgm:txEffectClrLst/>
+  </dgm:styleLbl>
+  <dgm:styleLbl name="node2">
+    <dgm:fillClrLst meth="repeat">
+      <a:schemeClr val="accent1"/>
+    </dgm:fillClrLst>
+    <dgm:linClrLst meth="repeat">
+      <a:schemeClr val="lt1"/>
+    </dgm:linClrLst>
+    <dgm:effectClrLst/>
+    <dgm:txLinClrLst/>
+    <dgm:txFillClrLst/>
+    <dgm:txEffectClrLst/>
+  </dgm:styleLbl>
+  <dgm:styleLbl name="node3">
+    <dgm:fillClrLst meth="repeat">
+      <a:schemeClr val="accent1"/>
+    </dgm:fillClrLst>
+    <dgm:linClrLst meth="repeat">
+      <a:schemeClr val="lt1"/>
+    </dgm:linClrLst>
+    <dgm:effectClrLst/>
+    <dgm:txLinClrLst/>
+    <dgm:txFillClrLst/>
+    <dgm:txEffectClrLst/>
+  </dgm:styleLbl>
+  <dgm:styleLbl name="node4">
+    <dgm:fillClrLst meth="repeat">
+      <a:schemeClr val="accent1"/>
+    </dgm:fillClrLst>
+    <dgm:linClrLst meth="repeat">
+      <a:schemeClr val="lt1"/>
+    </dgm:linClrLst>
+    <dgm:effectClrLst/>
+    <dgm:txLinClrLst/>
+    <dgm:txFillClrLst/>
+    <dgm:txEffectClrLst/>
+  </dgm:styleLbl>
+  <dgm:styleLbl name="fgImgPlace1">
+    <dgm:fillClrLst meth="repeat">
+      <a:schemeClr val="accent1">
+        <a:tint val="50000"/>
+      </a:schemeClr>
+    </dgm:fillClrLst>
+    <dgm:linClrLst meth="repeat">
+      <a:schemeClr val="lt1"/>
+    </dgm:linClrLst>
+    <dgm:effectClrLst/>
+    <dgm:txLinClrLst/>
+    <dgm:txFillClrLst meth="repeat">
+      <a:schemeClr val="lt1"/>
+    </dgm:txFillClrLst>
+    <dgm:txEffectClrLst/>
+  </dgm:styleLbl>
+  <dgm:styleLbl name="alignImgPlace1">
+    <dgm:fillClrLst meth="repeat">
+      <a:schemeClr val="accent1">
+        <a:tint val="50000"/>
+      </a:schemeClr>
+    </dgm:fillClrLst>
+    <dgm:linClrLst meth="repeat">
+      <a:schemeClr val="lt1"/>
+    </dgm:linClrLst>
+    <dgm:effectClrLst/>
+    <dgm:txLinClrLst/>
+    <dgm:txFillClrLst meth="repeat">
+      <a:schemeClr val="lt1"/>
+    </dgm:txFillClrLst>
+    <dgm:txEffectClrLst/>
+  </dgm:styleLbl>
+  <dgm:styleLbl name="bgImgPlace1">
+    <dgm:fillClrLst meth="repeat">
+      <a:schemeClr val="accent1">
+        <a:tint val="50000"/>
+      </a:schemeClr>
+    </dgm:fillClrLst>
+    <dgm:linClrLst meth="repeat">
+      <a:schemeClr val="lt1"/>
+    </dgm:linClrLst>
+    <dgm:effectClrLst/>
+    <dgm:txLinClrLst/>
+    <dgm:txFillClrLst meth="repeat">
+      <a:schemeClr val="lt1"/>
+    </dgm:txFillClrLst>
+    <dgm:txEffectClrLst/>
+  </dgm:styleLbl>
+  <dgm:styleLbl name="sibTrans2D1">
+    <dgm:fillClrLst meth="repeat">
+      <a:schemeClr val="accent1">
+        <a:tint val="60000"/>
+      </a:schemeClr>
+    </dgm:fillClrLst>
+    <dgm:linClrLst meth="repeat">
+      <a:schemeClr val="accent1">
+        <a:tint val="60000"/>
+      </a:schemeClr>
+    </dgm:linClrLst>
+    <dgm:effectClrLst/>
+    <dgm:txLinClrLst/>
+    <dgm:txFillClrLst/>
+    <dgm:txEffectClrLst/>
+  </dgm:styleLbl>
+  <dgm:styleLbl name="fgSibTrans2D1">
+    <dgm:fillClrLst meth="repeat">
+      <a:schemeClr val="accent1">
+        <a:tint val="60000"/>
+      </a:schemeClr>
+    </dgm:fillClrLst>
+    <dgm:linClrLst meth="repeat">
+      <a:schemeClr val="accent1">
+        <a:tint val="60000"/>
+      </a:schemeClr>
+    </dgm:linClrLst>
+    <dgm:effectClrLst/>
+    <dgm:txLinClrLst/>
+    <dgm:txFillClrLst/>
+    <dgm:txEffectClrLst/>
+  </dgm:styleLbl>
+  <dgm:styleLbl name="bgSibTrans2D1">
+    <dgm:fillClrLst meth="repeat">
+      <a:schemeClr val="accent1">
+        <a:tint val="60000"/>
+      </a:schemeClr>
+    </dgm:fillClrLst>
+    <dgm:linClrLst meth="repeat">
+      <a:schemeClr val="accent1">
+        <a:tint val="60000"/>
+      </a:schemeClr>
+    </dgm:linClrLst>
+    <dgm:effectClrLst/>
+    <dgm:txLinClrLst/>
+    <dgm:txFillClrLst/>
+    <dgm:txEffectClrLst/>
+  </dgm:styleLbl>
+  <dgm:styleLbl name="sibTrans1D1">
+    <dgm:fillClrLst meth="repeat">
+      <a:schemeClr val="accent1"/>
+    </dgm:fillClrLst>
+    <dgm:linClrLst meth="repeat">
+      <a:schemeClr val="accent1"/>
+    </dgm:linClrLst>
+    <dgm:effectClrLst/>
+    <dgm:txLinClrLst/>
+    <dgm:txFillClrLst meth="repeat">
+      <a:schemeClr val="tx1"/>
+    </dgm:txFillClrLst>
+    <dgm:txEffectClrLst/>
+  </dgm:styleLbl>
+  <dgm:styleLbl name="callout">
+    <dgm:fillClrLst meth="repeat">
+      <a:schemeClr val="accent1"/>
+    </dgm:fillClrLst>
+    <dgm:linClrLst meth="repeat">
+      <a:schemeClr val="accent1">
+        <a:tint val="50000"/>
+      </a:schemeClr>
+    </dgm:linClrLst>
+    <dgm:effectClrLst/>
+    <dgm:txLinClrLst/>
+    <dgm:txFillClrLst meth="repeat">
+      <a:schemeClr val="tx1"/>
+    </dgm:txFillClrLst>
+    <dgm:txEffectClrLst/>
+  </dgm:styleLbl>
+  <dgm:styleLbl name="asst0">
+    <dgm:fillClrLst meth="repeat">
+      <a:schemeClr val="accent1"/>
+    </dgm:fillClrLst>
+    <dgm:linClrLst meth="repeat">
+      <a:schemeClr val="lt1"/>
+    </dgm:linClrLst>
+    <dgm:effectClrLst/>
+    <dgm:txLinClrLst/>
+    <dgm:txFillClrLst/>
+    <dgm:txEffectClrLst/>
+  </dgm:styleLbl>
+  <dgm:styleLbl name="asst1">
+    <dgm:fillClrLst meth="repeat">
+      <a:schemeClr val="accent1"/>
+    </dgm:fillClrLst>
+    <dgm:linClrLst meth="repeat">
+      <a:schemeClr val="lt1"/>
+    </dgm:linClrLst>
+    <dgm:effectClrLst/>
+    <dgm:txLinClrLst/>
+    <dgm:txFillClrLst/>
+    <dgm:txEffectClrLst/>
+  </dgm:styleLbl>
+  <dgm:styleLbl name="asst2">
+    <dgm:fillClrLst meth="repeat">
+      <a:schemeClr val="accent1"/>
+    </dgm:fillClrLst>
+    <dgm:linClrLst meth="repeat">
+      <a:schemeClr val="lt1"/>
+    </dgm:linClrLst>
+    <dgm:effectClrLst/>
+    <dgm:txLinClrLst/>
+    <dgm:txFillClrLst/>
+    <dgm:txEffectClrLst/>
+  </dgm:styleLbl>
+  <dgm:styleLbl name="asst3">
+    <dgm:fillClrLst meth="repeat">
+      <a:schemeClr val="accent1"/>
+    </dgm:fillClrLst>
+    <dgm:linClrLst meth="repeat">
+      <a:schemeClr val="lt1"/>
+    </dgm:linClrLst>
+    <dgm:effectClrLst/>
+    <dgm:txLinClrLst/>
+    <dgm:txFillClrLst/>
+    <dgm:txEffectClrLst/>
+  </dgm:styleLbl>
+  <dgm:styleLbl name="asst4">
+    <dgm:fillClrLst meth="repeat">
+      <a:schemeClr val="accent1"/>
+    </dgm:fillClrLst>
+    <dgm:linClrLst meth="repeat">
+      <a:schemeClr val="lt1"/>
+    </dgm:linClrLst>
+    <dgm:effectClrLst/>
+    <dgm:txLinClrLst/>
+    <dgm:txFillClrLst/>
+    <dgm:txEffectClrLst/>
+  </dgm:styleLbl>
+  <dgm:styleLbl name="parChTrans2D1">
+    <dgm:fillClrLst meth="repeat">
+      <a:schemeClr val="accent1">
+        <a:tint val="60000"/>
+      </a:schemeClr>
+    </dgm:fillClrLst>
+    <dgm:linClrLst meth="repeat">
+      <a:schemeClr val="accent1">
+        <a:tint val="60000"/>
+      </a:schemeClr>
+    </dgm:linClrLst>
+    <dgm:effectClrLst/>
+    <dgm:txLinClrLst/>
+    <dgm:txFillClrLst meth="repeat">
+      <a:schemeClr val="lt1"/>
+    </dgm:txFillClrLst>
+    <dgm:txEffectClrLst/>
+  </dgm:styleLbl>
+  <dgm:styleLbl name="parChTrans2D2">
+    <dgm:fillClrLst meth="repeat">
+      <a:schemeClr val="accent1"/>
+    </dgm:fillClrLst>
+    <dgm:linClrLst meth="repeat">
+      <a:schemeClr val="accent1"/>
+    </dgm:linClrLst>
+    <dgm:effectClrLst/>
+    <dgm:txLinClrLst/>
+    <dgm:txFillClrLst meth="repeat">
+      <a:schemeClr val="lt1"/>
+    </dgm:txFillClrLst>
+    <dgm:txEffectClrLst/>
+  </dgm:styleLbl>
+  <dgm:styleLbl name="parChTrans2D3">
+    <dgm:fillClrLst meth="repeat">
+      <a:schemeClr val="accent1"/>
+    </dgm:fillClrLst>
+    <dgm:linClrLst meth="repeat">
+      <a:schemeClr val="accent1"/>
+    </dgm:linClrLst>
+    <dgm:effectClrLst/>
+    <dgm:txLinClrLst/>
+    <dgm:txFillClrLst meth="repeat">
+      <a:schemeClr val="lt1"/>
+    </dgm:txFillClrLst>
+    <dgm:txEffectClrLst/>
+  </dgm:styleLbl>
+  <dgm:styleLbl name="parChTrans2D4">
+    <dgm:fillClrLst meth="repeat">
+      <a:schemeClr val="accent1"/>
+    </dgm:fillClrLst>
+    <dgm:linClrLst meth="repeat">
+      <a:schemeClr val="accent1"/>
+    </dgm:linClrLst>
+    <dgm:effectClrLst/>
+    <dgm:txLinClrLst/>
+    <dgm:txFillClrLst meth="repeat">
+      <a:schemeClr val="lt1"/>
+    </dgm:txFillClrLst>
+    <dgm:txEffectClrLst/>
+  </dgm:styleLbl>
+  <dgm:styleLbl name="parChTrans1D1">
+    <dgm:fillClrLst meth="repeat">
+      <a:schemeClr val="accent1"/>
+    </dgm:fillClrLst>
+    <dgm:linClrLst meth="repeat">
+      <a:schemeClr val="accent1">
+        <a:shade val="60000"/>
+      </a:schemeClr>
+    </dgm:linClrLst>
+    <dgm:effectClrLst/>
+    <dgm:txLinClrLst/>
+    <dgm:txFillClrLst meth="repeat">
+      <a:schemeClr val="tx1"/>
+    </dgm:txFillClrLst>
+    <dgm:txEffectClrLst/>
+  </dgm:styleLbl>
+  <dgm:styleLbl name="parChTrans1D2">
+    <dgm:fillClrLst meth="repeat">
+      <a:schemeClr val="accent1"/>
+    </dgm:fillClrLst>
+    <dgm:linClrLst meth="repeat">
+      <a:schemeClr val="accent1">
+        <a:shade val="60000"/>
+      </a:schemeClr>
+    </dgm:linClrLst>
+    <dgm:effectClrLst/>
+    <dgm:txLinClrLst/>
+    <dgm:txFillClrLst meth="repeat">
+      <a:schemeClr val="tx1"/>
+    </dgm:txFillClrLst>
+    <dgm:txEffectClrLst/>
+  </dgm:styleLbl>
+  <dgm:styleLbl name="parChTrans1D3">
+    <dgm:fillClrLst meth="repeat">
+      <a:schemeClr val="accent1"/>
+    </dgm:fillClrLst>
+    <dgm:linClrLst meth="repeat">
+      <a:schemeClr val="accent1">
+        <a:shade val="80000"/>
+      </a:schemeClr>
+    </dgm:linClrLst>
+    <dgm:effectClrLst/>
+    <dgm:txLinClrLst/>
+    <dgm:txFillClrLst meth="repeat">
+      <a:schemeClr val="tx1"/>
+    </dgm:txFillClrLst>
+    <dgm:txEffectClrLst/>
+  </dgm:styleLbl>
+  <dgm:styleLbl name="parChTrans1D4">
+    <dgm:fillClrLst meth="repeat">
+      <a:schemeClr val="accent1"/>
+    </dgm:fillClrLst>
+    <dgm:linClrLst meth="repeat">
+      <a:schemeClr val="accent1">
+        <a:shade val="80000"/>
+      </a:schemeClr>
+    </dgm:linClrLst>
+    <dgm:effectClrLst/>
+    <dgm:txLinClrLst/>
+    <dgm:txFillClrLst meth="repeat">
+      <a:schemeClr val="tx1"/>
+    </dgm:txFillClrLst>
+    <dgm:txEffectClrLst/>
+  </dgm:styleLbl>
+  <dgm:styleLbl name="fgAcc1">
+    <dgm:fillClrLst meth="repeat">
+      <a:schemeClr val="lt1">
+        <a:alpha val="90000"/>
+      </a:schemeClr>
+    </dgm:fillClrLst>
+    <dgm:linClrLst meth="repeat">
+      <a:schemeClr val="accent1"/>
+    </dgm:linClrLst>
+    <dgm:effectClrLst/>
+    <dgm:txLinClrLst/>
+    <dgm:txFillClrLst meth="repeat">
+      <a:schemeClr val="dk1"/>
+    </dgm:txFillClrLst>
+    <dgm:txEffectClrLst/>
+  </dgm:styleLbl>
+  <dgm:styleLbl name="conFgAcc1">
+    <dgm:fillClrLst meth="repeat">
+      <a:schemeClr val="lt1">
+        <a:alpha val="90000"/>
+      </a:schemeClr>
+    </dgm:fillClrLst>
+    <dgm:linClrLst meth="repeat">
+      <a:schemeClr val="accent1"/>
+    </dgm:linClrLst>
+    <dgm:effectClrLst/>
+    <dgm:txLinClrLst/>
+    <dgm:txFillClrLst meth="repeat">
+      <a:schemeClr val="dk1"/>
+    </dgm:txFillClrLst>
+    <dgm:txEffectClrLst/>
+  </dgm:styleLbl>
+  <dgm:styleLbl name="alignAcc1">
+    <dgm:fillClrLst meth="repeat">
+      <a:schemeClr val="lt1">
+        <a:alpha val="90000"/>
+      </a:schemeClr>
+    </dgm:fillClrLst>
+    <dgm:linClrLst meth="repeat">
+      <a:schemeClr val="accent1"/>
+    </dgm:linClrLst>
+    <dgm:effectClrLst/>
+    <dgm:txLinClrLst/>
+    <dgm:txFillClrLst meth="repeat">
+      <a:schemeClr val="dk1"/>
+    </dgm:txFillClrLst>
+    <dgm:txEffectClrLst/>
+  </dgm:styleLbl>
+  <dgm:styleLbl name="trAlignAcc1">
+    <dgm:fillClrLst meth="repeat">
+      <a:schemeClr val="lt1">
+        <a:alpha val="40000"/>
+      </a:schemeClr>
+    </dgm:fillClrLst>
+    <dgm:linClrLst meth="repeat">
+      <a:schemeClr val="accent1"/>
+    </dgm:linClrLst>
+    <dgm:effectClrLst/>
+    <dgm:txLinClrLst/>
+    <dgm:txFillClrLst meth="repeat">
+      <a:schemeClr val="dk1"/>
+    </dgm:txFillClrLst>
+    <dgm:txEffectClrLst/>
+  </dgm:styleLbl>
+  <dgm:styleLbl name="bgAcc1">
+    <dgm:fillClrLst meth="repeat">
+      <a:schemeClr val="lt1">
+        <a:alpha val="90000"/>
+      </a:schemeClr>
+    </dgm:fillClrLst>
+    <dgm:linClrLst meth="repeat">
+      <a:schemeClr val="accent1"/>
+    </dgm:linClrLst>
+    <dgm:effectClrLst/>
+    <dgm:txLinClrLst/>
+    <dgm:txFillClrLst meth="repeat">
+      <a:schemeClr val="dk1"/>
+    </dgm:txFillClrLst>
+    <dgm:txEffectClrLst/>
+  </dgm:styleLbl>
+  <dgm:styleLbl name="solidFgAcc1">
+    <dgm:fillClrLst meth="repeat">
+      <a:schemeClr val="lt1"/>
+    </dgm:fillClrLst>
+    <dgm:linClrLst meth="repeat">
+      <a:schemeClr val="accent1"/>
+    </dgm:linClrLst>
+    <dgm:effectClrLst/>
+    <dgm:txLinClrLst/>
+    <dgm:txFillClrLst meth="repeat">
+      <a:schemeClr val="dk1"/>
+    </dgm:txFillClrLst>
+    <dgm:txEffectClrLst/>
+  </dgm:styleLbl>
+  <dgm:styleLbl name="solidAlignAcc1">
+    <dgm:fillClrLst meth="repeat">
+      <a:schemeClr val="lt1"/>
+    </dgm:fillClrLst>
+    <dgm:linClrLst meth="repeat">
+      <a:schemeClr val="accent1"/>
+    </dgm:linClrLst>
+    <dgm:effectClrLst/>
+    <dgm:txLinClrLst/>
+    <dgm:txFillClrLst meth="repeat">
+      <a:schemeClr val="dk1"/>
+    </dgm:txFillClrLst>
+    <dgm:txEffectClrLst/>
+  </dgm:styleLbl>
+  <dgm:styleLbl name="solidBgAcc1">
+    <dgm:fillClrLst meth="repeat">
+      <a:schemeClr val="lt1"/>
+    </dgm:fillClrLst>
+    <dgm:linClrLst meth="repeat">
+      <a:schemeClr val="accent1"/>
+    </dgm:linClrLst>
+    <dgm:effectClrLst/>
+    <dgm:txLinClrLst/>
+    <dgm:txFillClrLst meth="repeat">
+      <a:schemeClr val="dk1"/>
+    </dgm:txFillClrLst>
+    <dgm:txEffectClrLst/>
+  </dgm:styleLbl>
+  <dgm:styleLbl name="fgAccFollowNode1">
+    <dgm:fillClrLst meth="repeat">
+      <a:schemeClr val="accent1">
+        <a:alpha val="90000"/>
+        <a:tint val="40000"/>
+      </a:schemeClr>
+    </dgm:fillClrLst>
+    <dgm:linClrLst meth="repeat">
+      <a:schemeClr val="accent1">
+        <a:alpha val="90000"/>
+        <a:tint val="40000"/>
+      </a:schemeClr>
+    </dgm:linClrLst>
+    <dgm:effectClrLst/>
+    <dgm:txLinClrLst/>
+    <dgm:txFillClrLst meth="repeat">
+      <a:schemeClr val="dk1"/>
+    </dgm:txFillClrLst>
+    <dgm:txEffectClrLst/>
+  </dgm:styleLbl>
+  <dgm:styleLbl name="alignAccFollowNode1">
+    <dgm:fillClrLst meth="repeat">
+      <a:schemeClr val="accent1">
+        <a:alpha val="90000"/>
+        <a:tint val="40000"/>
+      </a:schemeClr>
+    </dgm:fillClrLst>
+    <dgm:linClrLst meth="repeat">
+      <a:schemeClr val="accent1">
+        <a:alpha val="90000"/>
+        <a:tint val="40000"/>
+      </a:schemeClr>
+    </dgm:linClrLst>
+    <dgm:effectClrLst/>
+    <dgm:txLinClrLst/>
+    <dgm:txFillClrLst meth="repeat">
+      <a:schemeClr val="dk1"/>
+    </dgm:txFillClrLst>
+    <dgm:txEffectClrLst/>
+  </dgm:styleLbl>
+  <dgm:styleLbl name="bgAccFollowNode1">
+    <dgm:fillClrLst meth="repeat">
+      <a:schemeClr val="accent1">
+        <a:alpha val="90000"/>
+        <a:tint val="40000"/>
+      </a:schemeClr>
+    </dgm:fillClrLst>
+    <dgm:linClrLst meth="repeat">
+      <a:schemeClr val="accent1">
+        <a:alpha val="90000"/>
+        <a:tint val="40000"/>
+      </a:schemeClr>
+    </dgm:linClrLst>
+    <dgm:effectClrLst/>
+    <dgm:txLinClrLst/>
+    <dgm:txFillClrLst meth="repeat">
+      <a:schemeClr val="dk1"/>
+    </dgm:txFillClrLst>
+    <dgm:txEffectClrLst/>
+  </dgm:styleLbl>
+  <dgm:styleLbl name="fgAcc0">
+    <dgm:fillClrLst meth="repeat">
+      <a:schemeClr val="lt1">
+        <a:alpha val="90000"/>
+      </a:schemeClr>
+    </dgm:fillClrLst>
+    <dgm:linClrLst meth="repeat">
+      <a:schemeClr val="accent1"/>
+    </dgm:linClrLst>
+    <dgm:effectClrLst/>
+    <dgm:txLinClrLst/>
+    <dgm:txFillClrLst meth="repeat">
+      <a:schemeClr val="dk1"/>
+    </dgm:txFillClrLst>
+    <dgm:txEffectClrLst/>
+  </dgm:styleLbl>
+  <dgm:styleLbl name="fgAcc2">
+    <dgm:fillClrLst meth="repeat">
+      <a:schemeClr val="lt1">
+        <a:alpha val="90000"/>
+      </a:schemeClr>
+    </dgm:fillClrLst>
+    <dgm:linClrLst meth="repeat">
+      <a:schemeClr val="accent1"/>
+    </dgm:linClrLst>
+    <dgm:effectClrLst/>
+    <dgm:txLinClrLst/>
+    <dgm:txFillClrLst meth="repeat">
+      <a:schemeClr val="dk1"/>
+    </dgm:txFillClrLst>
+    <dgm:txEffectClrLst/>
+  </dgm:styleLbl>
+  <dgm:styleLbl name="fgAcc3">
+    <dgm:fillClrLst meth="repeat">
+      <a:schemeClr val="lt1">
+        <a:alpha val="90000"/>
+      </a:schemeClr>
+    </dgm:fillClrLst>
+    <dgm:linClrLst meth="repeat">
+      <a:schemeClr val="accent1"/>
+    </dgm:linClrLst>
+    <dgm:effectClrLst/>
+    <dgm:txLinClrLst/>
+    <dgm:txFillClrLst meth="repeat">
+      <a:schemeClr val="dk1"/>
+    </dgm:txFillClrLst>
+    <dgm:txEffectClrLst/>
+  </dgm:styleLbl>
+  <dgm:styleLbl name="fgAcc4">
+    <dgm:fillClrLst meth="repeat">
+      <a:schemeClr val="lt1">
+        <a:alpha val="90000"/>
+      </a:schemeClr>
+    </dgm:fillClrLst>
+    <dgm:linClrLst meth="repeat">
+      <a:schemeClr val="accent1"/>
+    </dgm:linClrLst>
+    <dgm:effectClrLst/>
+    <dgm:txLinClrLst/>
+    <dgm:txFillClrLst meth="repeat">
+      <a:schemeClr val="dk1"/>
+    </dgm:txFillClrLst>
+    <dgm:txEffectClrLst/>
+  </dgm:styleLbl>
+  <dgm:styleLbl name="bgShp">
+    <dgm:fillClrLst meth="repeat">
+      <a:schemeClr val="accent1">
+        <a:tint val="40000"/>
+      </a:schemeClr>
+    </dgm:fillClrLst>
+    <dgm:linClrLst meth="repeat">
+      <a:schemeClr val="accent1"/>
+    </dgm:linClrLst>
+    <dgm:effectClrLst/>
+    <dgm:txLinClrLst/>
+    <dgm:txFillClrLst meth="repeat">
+      <a:schemeClr val="dk1"/>
+    </dgm:txFillClrLst>
+    <dgm:txEffectClrLst/>
+  </dgm:styleLbl>
+  <dgm:styleLbl name="dkBgShp">
+    <dgm:fillClrLst meth="repeat">
+      <a:schemeClr val="accent1">
+        <a:shade val="80000"/>
+      </a:schemeClr>
+    </dgm:fillClrLst>
+    <dgm:linClrLst meth="repeat">
+      <a:schemeClr val="accent1"/>
+    </dgm:linClrLst>
+    <dgm:effectClrLst/>
+    <dgm:txLinClrLst/>
+    <dgm:txFillClrLst meth="repeat">
+      <a:schemeClr val="lt1"/>
+    </dgm:txFillClrLst>
+    <dgm:txEffectClrLst/>
+  </dgm:styleLbl>
+  <dgm:styleLbl name="trBgShp">
+    <dgm:fillClrLst meth="repeat">
+      <a:schemeClr val="accent1">
+        <a:tint val="50000"/>
+        <a:alpha val="40000"/>
+      </a:schemeClr>
+    </dgm:fillClrLst>
+    <dgm:linClrLst meth="repeat">
+      <a:schemeClr val="accent1"/>
+    </dgm:linClrLst>
+    <dgm:effectClrLst/>
+    <dgm:txLinClrLst/>
+    <dgm:txFillClrLst meth="repeat">
+      <a:schemeClr val="lt1"/>
+    </dgm:txFillClrLst>
+    <dgm:txEffectClrLst/>
+  </dgm:styleLbl>
+  <dgm:styleLbl name="fgShp">
+    <dgm:fillClrLst meth="repeat">
+      <a:schemeClr val="accent1">
+        <a:tint val="60000"/>
       </a:schemeClr>
     </dgm:fillClrLst>
     <dgm:linClrLst meth="repeat">
@@ -2063,6 +2812,390 @@
   <dgm:extLst>
     <a:ext uri="http://schemas.microsoft.com/office/drawing/2008/diagram">
       <dsp:dataModelExt xmlns:dsp="http://schemas.microsoft.com/office/drawing/2008/diagram" relId="rId7" minVer="http://schemas.openxmlformats.org/drawingml/2006/diagram"/>
+    </a:ext>
+  </dgm:extLst>
+</dgm:dataModel>
+</file>
+
+<file path=ppt/diagrams/data3.xml><?xml version="1.0" encoding="utf-8"?>
+<dgm:dataModel xmlns:dgm="http://schemas.openxmlformats.org/drawingml/2006/diagram" xmlns:a="http://schemas.openxmlformats.org/drawingml/2006/main">
+  <dgm:ptLst>
+    <dgm:pt modelId="{DDA330DF-23A2-4769-BF91-F380336DEC08}" type="doc">
+      <dgm:prSet loTypeId="urn:microsoft.com/office/officeart/2018/2/layout/IconVerticalSolidList" loCatId="icon" qsTypeId="urn:microsoft.com/office/officeart/2005/8/quickstyle/simple1" qsCatId="simple" csTypeId="urn:microsoft.com/office/officeart/2005/8/colors/accent1_2" csCatId="accent1" phldr="1"/>
+      <dgm:spPr/>
+      <dgm:t>
+        <a:bodyPr/>
+        <a:lstStyle/>
+        <a:p>
+          <a:endParaRPr lang="en-US"/>
+        </a:p>
+      </dgm:t>
+    </dgm:pt>
+    <dgm:pt modelId="{9F8D330E-F0E0-4C8C-B0DF-EBADFAF5CA85}">
+      <dgm:prSet/>
+      <dgm:spPr/>
+      <dgm:t>
+        <a:bodyPr/>
+        <a:lstStyle/>
+        <a:p>
+          <a:pPr>
+            <a:lnSpc>
+              <a:spcPct val="100000"/>
+            </a:lnSpc>
+          </a:pPr>
+          <a:r>
+            <a:rPr lang="en-US" b="0" i="0" dirty="0"/>
+            <a:t>Data on typical home value is from Zillow®</a:t>
+          </a:r>
+          <a:endParaRPr lang="en-US" dirty="0"/>
+        </a:p>
+      </dgm:t>
+    </dgm:pt>
+    <dgm:pt modelId="{B6952B0F-BFCB-46F0-BBEF-83A441DF5D98}" type="parTrans" cxnId="{4A22D8E6-7B9D-4886-BB14-1C4F245C0025}">
+      <dgm:prSet/>
+      <dgm:spPr/>
+      <dgm:t>
+        <a:bodyPr/>
+        <a:lstStyle/>
+        <a:p>
+          <a:endParaRPr lang="en-US"/>
+        </a:p>
+      </dgm:t>
+    </dgm:pt>
+    <dgm:pt modelId="{3AA39214-BD3B-48CF-8A99-241193240232}" type="sibTrans" cxnId="{4A22D8E6-7B9D-4886-BB14-1C4F245C0025}">
+      <dgm:prSet/>
+      <dgm:spPr/>
+      <dgm:t>
+        <a:bodyPr/>
+        <a:lstStyle/>
+        <a:p>
+          <a:endParaRPr lang="en-US"/>
+        </a:p>
+      </dgm:t>
+    </dgm:pt>
+    <dgm:pt modelId="{9EAD6F70-3F65-4D1D-BE4C-56A4D3D7FDAC}">
+      <dgm:prSet/>
+      <dgm:spPr/>
+      <dgm:t>
+        <a:bodyPr/>
+        <a:lstStyle/>
+        <a:p>
+          <a:pPr>
+            <a:lnSpc>
+              <a:spcPct val="100000"/>
+            </a:lnSpc>
+          </a:pPr>
+          <a:r>
+            <a:rPr lang="en-US">
+              <a:hlinkClick xmlns:r="http://schemas.openxmlformats.org/officeDocument/2006/relationships" r:id="rId1"/>
+            </a:rPr>
+            <a:t>www.Zillow.com/research/data</a:t>
+          </a:r>
+          <a:endParaRPr lang="en-US"/>
+        </a:p>
+      </dgm:t>
+    </dgm:pt>
+    <dgm:pt modelId="{9E8C2DFE-DDED-41D6-9B03-21182A91E5FC}" type="parTrans" cxnId="{64FF83F2-FDF9-4019-95B0-95049787D419}">
+      <dgm:prSet/>
+      <dgm:spPr/>
+      <dgm:t>
+        <a:bodyPr/>
+        <a:lstStyle/>
+        <a:p>
+          <a:endParaRPr lang="en-US"/>
+        </a:p>
+      </dgm:t>
+    </dgm:pt>
+    <dgm:pt modelId="{B9245F43-0B5A-417C-9745-813BDB2B66E1}" type="sibTrans" cxnId="{64FF83F2-FDF9-4019-95B0-95049787D419}">
+      <dgm:prSet/>
+      <dgm:spPr/>
+      <dgm:t>
+        <a:bodyPr/>
+        <a:lstStyle/>
+        <a:p>
+          <a:endParaRPr lang="en-US"/>
+        </a:p>
+      </dgm:t>
+    </dgm:pt>
+    <dgm:pt modelId="{E4AE002B-835C-45E7-B4FC-4A7B2727E869}">
+      <dgm:prSet/>
+      <dgm:spPr/>
+      <dgm:t>
+        <a:bodyPr/>
+        <a:lstStyle/>
+        <a:p>
+          <a:pPr>
+            <a:lnSpc>
+              <a:spcPct val="100000"/>
+            </a:lnSpc>
+          </a:pPr>
+          <a:r>
+            <a:rPr lang="en-US" b="0" i="0" dirty="0"/>
+            <a:t>Our location data is from Geoapify and OpenStreetMap®</a:t>
+          </a:r>
+          <a:endParaRPr lang="en-US" dirty="0"/>
+        </a:p>
+      </dgm:t>
+    </dgm:pt>
+    <dgm:pt modelId="{ECE0F679-56C7-4EF1-A320-085F42C5F5F3}" type="parTrans" cxnId="{6637E8BF-9ED7-4A28-9EC5-3B3F3448F3EA}">
+      <dgm:prSet/>
+      <dgm:spPr/>
+      <dgm:t>
+        <a:bodyPr/>
+        <a:lstStyle/>
+        <a:p>
+          <a:endParaRPr lang="en-US"/>
+        </a:p>
+      </dgm:t>
+    </dgm:pt>
+    <dgm:pt modelId="{F4101DC6-285D-44E2-A191-0726616A7673}" type="sibTrans" cxnId="{6637E8BF-9ED7-4A28-9EC5-3B3F3448F3EA}">
+      <dgm:prSet/>
+      <dgm:spPr/>
+      <dgm:t>
+        <a:bodyPr/>
+        <a:lstStyle/>
+        <a:p>
+          <a:endParaRPr lang="en-US"/>
+        </a:p>
+      </dgm:t>
+    </dgm:pt>
+    <dgm:pt modelId="{0818A13B-E28C-4938-B8D8-29E769D7D10A}">
+      <dgm:prSet/>
+      <dgm:spPr/>
+      <dgm:t>
+        <a:bodyPr/>
+        <a:lstStyle/>
+        <a:p>
+          <a:pPr>
+            <a:lnSpc>
+              <a:spcPct val="100000"/>
+            </a:lnSpc>
+          </a:pPr>
+          <a:r>
+            <a:rPr lang="en-US" b="0" i="0" dirty="0">
+              <a:hlinkClick xmlns:r="http://schemas.openxmlformats.org/officeDocument/2006/relationships" r:id="rId2"/>
+            </a:rPr>
+            <a:t>https://www.geoapify.com/</a:t>
+          </a:r>
+          <a:endParaRPr lang="en-US" dirty="0"/>
+        </a:p>
+      </dgm:t>
+    </dgm:pt>
+    <dgm:pt modelId="{0BDCF07C-92BC-472C-9721-83BE1F854658}" type="parTrans" cxnId="{0264189D-C12D-4E0C-80E6-BCB0F69A48EC}">
+      <dgm:prSet/>
+      <dgm:spPr/>
+      <dgm:t>
+        <a:bodyPr/>
+        <a:lstStyle/>
+        <a:p>
+          <a:endParaRPr lang="en-US"/>
+        </a:p>
+      </dgm:t>
+    </dgm:pt>
+    <dgm:pt modelId="{0DB886FA-B4B1-4F38-AF05-F4AA74F83D6C}" type="sibTrans" cxnId="{0264189D-C12D-4E0C-80E6-BCB0F69A48EC}">
+      <dgm:prSet/>
+      <dgm:spPr/>
+      <dgm:t>
+        <a:bodyPr/>
+        <a:lstStyle/>
+        <a:p>
+          <a:endParaRPr lang="en-US"/>
+        </a:p>
+      </dgm:t>
+    </dgm:pt>
+    <dgm:pt modelId="{92CC1A0B-CF90-4401-8FBA-171B52170BC0}">
+      <dgm:prSet/>
+      <dgm:spPr/>
+      <dgm:t>
+        <a:bodyPr/>
+        <a:lstStyle/>
+        <a:p>
+          <a:pPr>
+            <a:lnSpc>
+              <a:spcPct val="100000"/>
+            </a:lnSpc>
+          </a:pPr>
+          <a:r>
+            <a:rPr lang="en-US" b="0" i="0">
+              <a:hlinkClick xmlns:r="http://schemas.openxmlformats.org/officeDocument/2006/relationships" r:id="rId2"/>
+            </a:rPr>
+            <a:t>https://www.openstreetmap.org/copyright</a:t>
+          </a:r>
+          <a:endParaRPr lang="en-US"/>
+        </a:p>
+      </dgm:t>
+    </dgm:pt>
+    <dgm:pt modelId="{4F6F66D1-203D-4F69-A3A4-F29C6B1CDCE8}" type="parTrans" cxnId="{40B1207E-7AC1-4AC1-8CD3-4DB9DA2C2A52}">
+      <dgm:prSet/>
+      <dgm:spPr/>
+      <dgm:t>
+        <a:bodyPr/>
+        <a:lstStyle/>
+        <a:p>
+          <a:endParaRPr lang="en-US"/>
+        </a:p>
+      </dgm:t>
+    </dgm:pt>
+    <dgm:pt modelId="{6B2C300E-4E33-4E62-AFD9-038E72C943D8}" type="sibTrans" cxnId="{40B1207E-7AC1-4AC1-8CD3-4DB9DA2C2A52}">
+      <dgm:prSet/>
+      <dgm:spPr/>
+      <dgm:t>
+        <a:bodyPr/>
+        <a:lstStyle/>
+        <a:p>
+          <a:endParaRPr lang="en-US"/>
+        </a:p>
+      </dgm:t>
+    </dgm:pt>
+    <dgm:pt modelId="{7049C5B5-40BD-4552-9D37-4BDEB38ECC1D}" type="pres">
+      <dgm:prSet presAssocID="{DDA330DF-23A2-4769-BF91-F380336DEC08}" presName="root" presStyleCnt="0">
+        <dgm:presLayoutVars>
+          <dgm:dir/>
+          <dgm:resizeHandles val="exact"/>
+        </dgm:presLayoutVars>
+      </dgm:prSet>
+      <dgm:spPr/>
+    </dgm:pt>
+    <dgm:pt modelId="{1C23C8F3-BA85-46C4-A0B8-252792BE2835}" type="pres">
+      <dgm:prSet presAssocID="{9F8D330E-F0E0-4C8C-B0DF-EBADFAF5CA85}" presName="compNode" presStyleCnt="0"/>
+      <dgm:spPr/>
+    </dgm:pt>
+    <dgm:pt modelId="{0E07B3DA-5156-4F0E-8970-892A570CE15F}" type="pres">
+      <dgm:prSet presAssocID="{9F8D330E-F0E0-4C8C-B0DF-EBADFAF5CA85}" presName="bgRect" presStyleLbl="bgShp" presStyleIdx="0" presStyleCnt="2"/>
+      <dgm:spPr/>
+    </dgm:pt>
+    <dgm:pt modelId="{138FF4C6-880B-499F-AEDF-0C810949BCFC}" type="pres">
+      <dgm:prSet presAssocID="{9F8D330E-F0E0-4C8C-B0DF-EBADFAF5CA85}" presName="iconRect" presStyleLbl="node1" presStyleIdx="0" presStyleCnt="2"/>
+      <dgm:spPr>
+        <a:blipFill>
+          <a:blip xmlns:r="http://schemas.openxmlformats.org/officeDocument/2006/relationships" r:embed="rId3">
+            <a:extLst>
+              <a:ext uri="{28A0092B-C50C-407E-A947-70E740481C1C}">
+                <a14:useLocalDpi xmlns:a14="http://schemas.microsoft.com/office/drawing/2010/main" val="0"/>
+              </a:ext>
+              <a:ext uri="{96DAC541-7B7A-43D3-8B79-37D633B846F1}">
+                <asvg:svgBlip xmlns:asvg="http://schemas.microsoft.com/office/drawing/2016/SVG/main" r:embed="rId4"/>
+              </a:ext>
+            </a:extLst>
+          </a:blip>
+          <a:stretch>
+            <a:fillRect/>
+          </a:stretch>
+        </a:blipFill>
+      </dgm:spPr>
+      <dgm:extLst>
+        <a:ext uri="{E40237B7-FDA0-4F09-8148-C483321AD2D9}">
+          <dgm14:cNvPr xmlns:dgm14="http://schemas.microsoft.com/office/drawing/2010/diagram" id="0" name="" descr="House"/>
+        </a:ext>
+      </dgm:extLst>
+    </dgm:pt>
+    <dgm:pt modelId="{95C2AA6D-5991-4ED9-9BE3-10C987F51215}" type="pres">
+      <dgm:prSet presAssocID="{9F8D330E-F0E0-4C8C-B0DF-EBADFAF5CA85}" presName="spaceRect" presStyleCnt="0"/>
+      <dgm:spPr/>
+    </dgm:pt>
+    <dgm:pt modelId="{A3FDA116-2D66-45FE-A817-7E9B0674BF4C}" type="pres">
+      <dgm:prSet presAssocID="{9F8D330E-F0E0-4C8C-B0DF-EBADFAF5CA85}" presName="parTx" presStyleLbl="revTx" presStyleIdx="0" presStyleCnt="4">
+        <dgm:presLayoutVars>
+          <dgm:chMax val="0"/>
+          <dgm:chPref val="0"/>
+        </dgm:presLayoutVars>
+      </dgm:prSet>
+      <dgm:spPr/>
+    </dgm:pt>
+    <dgm:pt modelId="{4254F936-212D-458E-83F0-7D17880D040C}" type="pres">
+      <dgm:prSet presAssocID="{9F8D330E-F0E0-4C8C-B0DF-EBADFAF5CA85}" presName="desTx" presStyleLbl="revTx" presStyleIdx="1" presStyleCnt="4">
+        <dgm:presLayoutVars/>
+      </dgm:prSet>
+      <dgm:spPr/>
+    </dgm:pt>
+    <dgm:pt modelId="{FEDFAC17-1AA4-41BC-B652-09194849BA24}" type="pres">
+      <dgm:prSet presAssocID="{3AA39214-BD3B-48CF-8A99-241193240232}" presName="sibTrans" presStyleCnt="0"/>
+      <dgm:spPr/>
+    </dgm:pt>
+    <dgm:pt modelId="{7BAA47BA-B033-4EE6-850E-D4BD1CADFB3E}" type="pres">
+      <dgm:prSet presAssocID="{E4AE002B-835C-45E7-B4FC-4A7B2727E869}" presName="compNode" presStyleCnt="0"/>
+      <dgm:spPr/>
+    </dgm:pt>
+    <dgm:pt modelId="{A4432867-9169-427D-AD2C-8C5B26886416}" type="pres">
+      <dgm:prSet presAssocID="{E4AE002B-835C-45E7-B4FC-4A7B2727E869}" presName="bgRect" presStyleLbl="bgShp" presStyleIdx="1" presStyleCnt="2"/>
+      <dgm:spPr/>
+    </dgm:pt>
+    <dgm:pt modelId="{40AD6ABF-BF8E-418B-BC25-247D4352BF3F}" type="pres">
+      <dgm:prSet presAssocID="{E4AE002B-835C-45E7-B4FC-4A7B2727E869}" presName="iconRect" presStyleLbl="node1" presStyleIdx="1" presStyleCnt="2"/>
+      <dgm:spPr>
+        <a:blipFill>
+          <a:blip xmlns:r="http://schemas.openxmlformats.org/officeDocument/2006/relationships" r:embed="rId5">
+            <a:extLst>
+              <a:ext uri="{28A0092B-C50C-407E-A947-70E740481C1C}">
+                <a14:useLocalDpi xmlns:a14="http://schemas.microsoft.com/office/drawing/2010/main" val="0"/>
+              </a:ext>
+              <a:ext uri="{96DAC541-7B7A-43D3-8B79-37D633B846F1}">
+                <asvg:svgBlip xmlns:asvg="http://schemas.microsoft.com/office/drawing/2016/SVG/main" r:embed="rId6"/>
+              </a:ext>
+            </a:extLst>
+          </a:blip>
+          <a:stretch>
+            <a:fillRect/>
+          </a:stretch>
+        </a:blipFill>
+      </dgm:spPr>
+      <dgm:extLst>
+        <a:ext uri="{E40237B7-FDA0-4F09-8148-C483321AD2D9}">
+          <dgm14:cNvPr xmlns:dgm14="http://schemas.microsoft.com/office/drawing/2010/diagram" id="0" name="" descr="Marker"/>
+        </a:ext>
+      </dgm:extLst>
+    </dgm:pt>
+    <dgm:pt modelId="{B4E7E72A-147F-4553-AD36-40EC885706D0}" type="pres">
+      <dgm:prSet presAssocID="{E4AE002B-835C-45E7-B4FC-4A7B2727E869}" presName="spaceRect" presStyleCnt="0"/>
+      <dgm:spPr/>
+    </dgm:pt>
+    <dgm:pt modelId="{26F9B7E2-6DCE-4617-BB19-317764A1FAE6}" type="pres">
+      <dgm:prSet presAssocID="{E4AE002B-835C-45E7-B4FC-4A7B2727E869}" presName="parTx" presStyleLbl="revTx" presStyleIdx="2" presStyleCnt="4">
+        <dgm:presLayoutVars>
+          <dgm:chMax val="0"/>
+          <dgm:chPref val="0"/>
+        </dgm:presLayoutVars>
+      </dgm:prSet>
+      <dgm:spPr/>
+    </dgm:pt>
+    <dgm:pt modelId="{297E4BBF-543E-4B9D-983D-F2B59D6C956A}" type="pres">
+      <dgm:prSet presAssocID="{E4AE002B-835C-45E7-B4FC-4A7B2727E869}" presName="desTx" presStyleLbl="revTx" presStyleIdx="3" presStyleCnt="4">
+        <dgm:presLayoutVars/>
+      </dgm:prSet>
+      <dgm:spPr/>
+    </dgm:pt>
+  </dgm:ptLst>
+  <dgm:cxnLst>
+    <dgm:cxn modelId="{717C4F3A-B453-4FA2-BC47-0C90494DD812}" type="presOf" srcId="{DDA330DF-23A2-4769-BF91-F380336DEC08}" destId="{7049C5B5-40BD-4552-9D37-4BDEB38ECC1D}" srcOrd="0" destOrd="0" presId="urn:microsoft.com/office/officeart/2018/2/layout/IconVerticalSolidList"/>
+    <dgm:cxn modelId="{40B1207E-7AC1-4AC1-8CD3-4DB9DA2C2A52}" srcId="{E4AE002B-835C-45E7-B4FC-4A7B2727E869}" destId="{92CC1A0B-CF90-4401-8FBA-171B52170BC0}" srcOrd="1" destOrd="0" parTransId="{4F6F66D1-203D-4F69-A3A4-F29C6B1CDCE8}" sibTransId="{6B2C300E-4E33-4E62-AFD9-038E72C943D8}"/>
+    <dgm:cxn modelId="{0264189D-C12D-4E0C-80E6-BCB0F69A48EC}" srcId="{E4AE002B-835C-45E7-B4FC-4A7B2727E869}" destId="{0818A13B-E28C-4938-B8D8-29E769D7D10A}" srcOrd="0" destOrd="0" parTransId="{0BDCF07C-92BC-472C-9721-83BE1F854658}" sibTransId="{0DB886FA-B4B1-4F38-AF05-F4AA74F83D6C}"/>
+    <dgm:cxn modelId="{0FA129AE-5CAE-4697-940C-3B966C39CF11}" type="presOf" srcId="{92CC1A0B-CF90-4401-8FBA-171B52170BC0}" destId="{297E4BBF-543E-4B9D-983D-F2B59D6C956A}" srcOrd="0" destOrd="1" presId="urn:microsoft.com/office/officeart/2018/2/layout/IconVerticalSolidList"/>
+    <dgm:cxn modelId="{B34575AE-D779-4E1C-AE35-1694827F36E2}" type="presOf" srcId="{E4AE002B-835C-45E7-B4FC-4A7B2727E869}" destId="{26F9B7E2-6DCE-4617-BB19-317764A1FAE6}" srcOrd="0" destOrd="0" presId="urn:microsoft.com/office/officeart/2018/2/layout/IconVerticalSolidList"/>
+    <dgm:cxn modelId="{EB1CB2B4-023C-4C80-B209-34E0BAF53738}" type="presOf" srcId="{9F8D330E-F0E0-4C8C-B0DF-EBADFAF5CA85}" destId="{A3FDA116-2D66-45FE-A817-7E9B0674BF4C}" srcOrd="0" destOrd="0" presId="urn:microsoft.com/office/officeart/2018/2/layout/IconVerticalSolidList"/>
+    <dgm:cxn modelId="{165230BD-A276-4B5C-9F10-E885BE22FFC1}" type="presOf" srcId="{9EAD6F70-3F65-4D1D-BE4C-56A4D3D7FDAC}" destId="{4254F936-212D-458E-83F0-7D17880D040C}" srcOrd="0" destOrd="0" presId="urn:microsoft.com/office/officeart/2018/2/layout/IconVerticalSolidList"/>
+    <dgm:cxn modelId="{6637E8BF-9ED7-4A28-9EC5-3B3F3448F3EA}" srcId="{DDA330DF-23A2-4769-BF91-F380336DEC08}" destId="{E4AE002B-835C-45E7-B4FC-4A7B2727E869}" srcOrd="1" destOrd="0" parTransId="{ECE0F679-56C7-4EF1-A320-085F42C5F5F3}" sibTransId="{F4101DC6-285D-44E2-A191-0726616A7673}"/>
+    <dgm:cxn modelId="{C85512DC-19E0-4B8F-A1DA-618A0BFACA27}" type="presOf" srcId="{0818A13B-E28C-4938-B8D8-29E769D7D10A}" destId="{297E4BBF-543E-4B9D-983D-F2B59D6C956A}" srcOrd="0" destOrd="0" presId="urn:microsoft.com/office/officeart/2018/2/layout/IconVerticalSolidList"/>
+    <dgm:cxn modelId="{4A22D8E6-7B9D-4886-BB14-1C4F245C0025}" srcId="{DDA330DF-23A2-4769-BF91-F380336DEC08}" destId="{9F8D330E-F0E0-4C8C-B0DF-EBADFAF5CA85}" srcOrd="0" destOrd="0" parTransId="{B6952B0F-BFCB-46F0-BBEF-83A441DF5D98}" sibTransId="{3AA39214-BD3B-48CF-8A99-241193240232}"/>
+    <dgm:cxn modelId="{64FF83F2-FDF9-4019-95B0-95049787D419}" srcId="{9F8D330E-F0E0-4C8C-B0DF-EBADFAF5CA85}" destId="{9EAD6F70-3F65-4D1D-BE4C-56A4D3D7FDAC}" srcOrd="0" destOrd="0" parTransId="{9E8C2DFE-DDED-41D6-9B03-21182A91E5FC}" sibTransId="{B9245F43-0B5A-417C-9745-813BDB2B66E1}"/>
+    <dgm:cxn modelId="{98CA5D42-18F9-4D06-A47B-7FE6E714A597}" type="presParOf" srcId="{7049C5B5-40BD-4552-9D37-4BDEB38ECC1D}" destId="{1C23C8F3-BA85-46C4-A0B8-252792BE2835}" srcOrd="0" destOrd="0" presId="urn:microsoft.com/office/officeart/2018/2/layout/IconVerticalSolidList"/>
+    <dgm:cxn modelId="{0119AE3E-DFD1-4F46-BE7D-F49A9D8A5F74}" type="presParOf" srcId="{1C23C8F3-BA85-46C4-A0B8-252792BE2835}" destId="{0E07B3DA-5156-4F0E-8970-892A570CE15F}" srcOrd="0" destOrd="0" presId="urn:microsoft.com/office/officeart/2018/2/layout/IconVerticalSolidList"/>
+    <dgm:cxn modelId="{A09AEF6D-C7A9-433B-93DC-8C3723E76CA2}" type="presParOf" srcId="{1C23C8F3-BA85-46C4-A0B8-252792BE2835}" destId="{138FF4C6-880B-499F-AEDF-0C810949BCFC}" srcOrd="1" destOrd="0" presId="urn:microsoft.com/office/officeart/2018/2/layout/IconVerticalSolidList"/>
+    <dgm:cxn modelId="{129B8453-E387-43B6-9C79-287036C4EAD6}" type="presParOf" srcId="{1C23C8F3-BA85-46C4-A0B8-252792BE2835}" destId="{95C2AA6D-5991-4ED9-9BE3-10C987F51215}" srcOrd="2" destOrd="0" presId="urn:microsoft.com/office/officeart/2018/2/layout/IconVerticalSolidList"/>
+    <dgm:cxn modelId="{B95D73DF-FF2E-414F-9906-2A8E2E1BDC55}" type="presParOf" srcId="{1C23C8F3-BA85-46C4-A0B8-252792BE2835}" destId="{A3FDA116-2D66-45FE-A817-7E9B0674BF4C}" srcOrd="3" destOrd="0" presId="urn:microsoft.com/office/officeart/2018/2/layout/IconVerticalSolidList"/>
+    <dgm:cxn modelId="{1F844592-623D-4F99-8547-9B9A29CA3A85}" type="presParOf" srcId="{1C23C8F3-BA85-46C4-A0B8-252792BE2835}" destId="{4254F936-212D-458E-83F0-7D17880D040C}" srcOrd="4" destOrd="0" presId="urn:microsoft.com/office/officeart/2018/2/layout/IconVerticalSolidList"/>
+    <dgm:cxn modelId="{F83D20E9-63DD-4605-A1D9-B3217C0641DB}" type="presParOf" srcId="{7049C5B5-40BD-4552-9D37-4BDEB38ECC1D}" destId="{FEDFAC17-1AA4-41BC-B652-09194849BA24}" srcOrd="1" destOrd="0" presId="urn:microsoft.com/office/officeart/2018/2/layout/IconVerticalSolidList"/>
+    <dgm:cxn modelId="{0C97F80F-14FD-4C2E-A5A3-2C671308E8CC}" type="presParOf" srcId="{7049C5B5-40BD-4552-9D37-4BDEB38ECC1D}" destId="{7BAA47BA-B033-4EE6-850E-D4BD1CADFB3E}" srcOrd="2" destOrd="0" presId="urn:microsoft.com/office/officeart/2018/2/layout/IconVerticalSolidList"/>
+    <dgm:cxn modelId="{4A264CC4-CDFA-4171-A325-65D3EB1E913B}" type="presParOf" srcId="{7BAA47BA-B033-4EE6-850E-D4BD1CADFB3E}" destId="{A4432867-9169-427D-AD2C-8C5B26886416}" srcOrd="0" destOrd="0" presId="urn:microsoft.com/office/officeart/2018/2/layout/IconVerticalSolidList"/>
+    <dgm:cxn modelId="{A5932BBA-D3E5-4D28-BD21-A657DAC5609D}" type="presParOf" srcId="{7BAA47BA-B033-4EE6-850E-D4BD1CADFB3E}" destId="{40AD6ABF-BF8E-418B-BC25-247D4352BF3F}" srcOrd="1" destOrd="0" presId="urn:microsoft.com/office/officeart/2018/2/layout/IconVerticalSolidList"/>
+    <dgm:cxn modelId="{16307420-7FCF-4F38-A656-904898AC6D65}" type="presParOf" srcId="{7BAA47BA-B033-4EE6-850E-D4BD1CADFB3E}" destId="{B4E7E72A-147F-4553-AD36-40EC885706D0}" srcOrd="2" destOrd="0" presId="urn:microsoft.com/office/officeart/2018/2/layout/IconVerticalSolidList"/>
+    <dgm:cxn modelId="{60BD3DB0-D284-45D1-9601-3EB126901F3E}" type="presParOf" srcId="{7BAA47BA-B033-4EE6-850E-D4BD1CADFB3E}" destId="{26F9B7E2-6DCE-4617-BB19-317764A1FAE6}" srcOrd="3" destOrd="0" presId="urn:microsoft.com/office/officeart/2018/2/layout/IconVerticalSolidList"/>
+    <dgm:cxn modelId="{AB64193A-219D-41FF-AC80-B7740A4ABBF3}" type="presParOf" srcId="{7BAA47BA-B033-4EE6-850E-D4BD1CADFB3E}" destId="{297E4BBF-543E-4B9D-983D-F2B59D6C956A}" srcOrd="4" destOrd="0" presId="urn:microsoft.com/office/officeart/2018/2/layout/IconVerticalSolidList"/>
+  </dgm:cxnLst>
+  <dgm:bg/>
+  <dgm:whole/>
+  <dgm:extLst>
+    <a:ext uri="http://schemas.microsoft.com/office/drawing/2008/diagram">
+      <dsp:dataModelExt xmlns:dsp="http://schemas.microsoft.com/office/drawing/2008/diagram" relId="rId6" minVer="http://schemas.openxmlformats.org/drawingml/2006/diagram"/>
     </a:ext>
   </dgm:extLst>
 </dgm:dataModel>
@@ -2587,6 +3720,485 @@
       <dsp:txXfrm>
         <a:off x="0" y="4077852"/>
         <a:ext cx="2923779" cy="1754267"/>
+      </dsp:txXfrm>
+    </dsp:sp>
+  </dsp:spTree>
+</dsp:drawing>
+</file>
+
+<file path=ppt/diagrams/drawing3.xml><?xml version="1.0" encoding="utf-8"?>
+<dsp:drawing xmlns:dgm="http://schemas.openxmlformats.org/drawingml/2006/diagram" xmlns:dsp="http://schemas.microsoft.com/office/drawing/2008/diagram" xmlns:a="http://schemas.openxmlformats.org/drawingml/2006/main">
+  <dsp:spTree>
+    <dsp:nvGrpSpPr>
+      <dsp:cNvPr id="0" name=""/>
+      <dsp:cNvGrpSpPr/>
+    </dsp:nvGrpSpPr>
+    <dsp:grpSpPr/>
+    <dsp:sp modelId="{0E07B3DA-5156-4F0E-8970-892A570CE15F}">
+      <dsp:nvSpPr>
+        <dsp:cNvPr id="0" name=""/>
+        <dsp:cNvSpPr/>
+      </dsp:nvSpPr>
+      <dsp:spPr>
+        <a:xfrm>
+          <a:off x="0" y="707092"/>
+          <a:ext cx="10515600" cy="1305401"/>
+        </a:xfrm>
+        <a:prstGeom prst="roundRect">
+          <a:avLst>
+            <a:gd name="adj" fmla="val 10000"/>
+          </a:avLst>
+        </a:prstGeom>
+        <a:solidFill>
+          <a:schemeClr val="accent1">
+            <a:tint val="40000"/>
+            <a:hueOff val="0"/>
+            <a:satOff val="0"/>
+            <a:lumOff val="0"/>
+            <a:alphaOff val="0"/>
+          </a:schemeClr>
+        </a:solidFill>
+        <a:ln>
+          <a:noFill/>
+        </a:ln>
+        <a:effectLst/>
+      </dsp:spPr>
+      <dsp:style>
+        <a:lnRef idx="0">
+          <a:scrgbClr r="0" g="0" b="0"/>
+        </a:lnRef>
+        <a:fillRef idx="1">
+          <a:scrgbClr r="0" g="0" b="0"/>
+        </a:fillRef>
+        <a:effectRef idx="0">
+          <a:scrgbClr r="0" g="0" b="0"/>
+        </a:effectRef>
+        <a:fontRef idx="minor"/>
+      </dsp:style>
+    </dsp:sp>
+    <dsp:sp modelId="{138FF4C6-880B-499F-AEDF-0C810949BCFC}">
+      <dsp:nvSpPr>
+        <dsp:cNvPr id="0" name=""/>
+        <dsp:cNvSpPr/>
+      </dsp:nvSpPr>
+      <dsp:spPr>
+        <a:xfrm>
+          <a:off x="394883" y="1000807"/>
+          <a:ext cx="717970" cy="717970"/>
+        </a:xfrm>
+        <a:prstGeom prst="rect">
+          <a:avLst/>
+        </a:prstGeom>
+        <a:blipFill>
+          <a:blip xmlns:r="http://schemas.openxmlformats.org/officeDocument/2006/relationships" r:embed="rId1">
+            <a:extLst>
+              <a:ext uri="{28A0092B-C50C-407E-A947-70E740481C1C}">
+                <a14:useLocalDpi xmlns:a14="http://schemas.microsoft.com/office/drawing/2010/main" val="0"/>
+              </a:ext>
+              <a:ext uri="{96DAC541-7B7A-43D3-8B79-37D633B846F1}">
+                <asvg:svgBlip xmlns:asvg="http://schemas.microsoft.com/office/drawing/2016/SVG/main" r:embed="rId2"/>
+              </a:ext>
+            </a:extLst>
+          </a:blip>
+          <a:stretch>
+            <a:fillRect/>
+          </a:stretch>
+        </a:blipFill>
+        <a:ln w="12700" cap="flat" cmpd="sng" algn="ctr">
+          <a:solidFill>
+            <a:schemeClr val="lt1">
+              <a:hueOff val="0"/>
+              <a:satOff val="0"/>
+              <a:lumOff val="0"/>
+              <a:alphaOff val="0"/>
+            </a:schemeClr>
+          </a:solidFill>
+          <a:prstDash val="solid"/>
+          <a:miter lim="800000"/>
+        </a:ln>
+        <a:effectLst/>
+      </dsp:spPr>
+      <dsp:style>
+        <a:lnRef idx="2">
+          <a:scrgbClr r="0" g="0" b="0"/>
+        </a:lnRef>
+        <a:fillRef idx="1">
+          <a:scrgbClr r="0" g="0" b="0"/>
+        </a:fillRef>
+        <a:effectRef idx="0">
+          <a:scrgbClr r="0" g="0" b="0"/>
+        </a:effectRef>
+        <a:fontRef idx="minor">
+          <a:schemeClr val="lt1"/>
+        </a:fontRef>
+      </dsp:style>
+    </dsp:sp>
+    <dsp:sp modelId="{A3FDA116-2D66-45FE-A817-7E9B0674BF4C}">
+      <dsp:nvSpPr>
+        <dsp:cNvPr id="0" name=""/>
+        <dsp:cNvSpPr/>
+      </dsp:nvSpPr>
+      <dsp:spPr>
+        <a:xfrm>
+          <a:off x="1507738" y="707092"/>
+          <a:ext cx="4732020" cy="1305401"/>
+        </a:xfrm>
+        <a:prstGeom prst="rect">
+          <a:avLst/>
+        </a:prstGeom>
+        <a:noFill/>
+        <a:ln>
+          <a:noFill/>
+        </a:ln>
+        <a:effectLst/>
+      </dsp:spPr>
+      <dsp:style>
+        <a:lnRef idx="0">
+          <a:scrgbClr r="0" g="0" b="0"/>
+        </a:lnRef>
+        <a:fillRef idx="0">
+          <a:scrgbClr r="0" g="0" b="0"/>
+        </a:fillRef>
+        <a:effectRef idx="0">
+          <a:scrgbClr r="0" g="0" b="0"/>
+        </a:effectRef>
+        <a:fontRef idx="minor"/>
+      </dsp:style>
+      <dsp:txBody>
+        <a:bodyPr spcFirstLastPara="0" vert="horz" wrap="square" lIns="138155" tIns="138155" rIns="138155" bIns="138155" numCol="1" spcCol="1270" anchor="ctr" anchorCtr="0">
+          <a:noAutofit/>
+        </a:bodyPr>
+        <a:lstStyle/>
+        <a:p>
+          <a:pPr marL="0" lvl="0" indent="0" algn="l" defTabSz="1022350">
+            <a:lnSpc>
+              <a:spcPct val="100000"/>
+            </a:lnSpc>
+            <a:spcBef>
+              <a:spcPct val="0"/>
+            </a:spcBef>
+            <a:spcAft>
+              <a:spcPct val="35000"/>
+            </a:spcAft>
+            <a:buNone/>
+          </a:pPr>
+          <a:r>
+            <a:rPr lang="en-US" sz="2300" b="0" i="0" kern="1200" dirty="0"/>
+            <a:t>Data on typical home value is from Zillow®</a:t>
+          </a:r>
+          <a:endParaRPr lang="en-US" sz="2300" kern="1200" dirty="0"/>
+        </a:p>
+      </dsp:txBody>
+      <dsp:txXfrm>
+        <a:off x="1507738" y="707092"/>
+        <a:ext cx="4732020" cy="1305401"/>
+      </dsp:txXfrm>
+    </dsp:sp>
+    <dsp:sp modelId="{4254F936-212D-458E-83F0-7D17880D040C}">
+      <dsp:nvSpPr>
+        <dsp:cNvPr id="0" name=""/>
+        <dsp:cNvSpPr/>
+      </dsp:nvSpPr>
+      <dsp:spPr>
+        <a:xfrm>
+          <a:off x="6239758" y="707092"/>
+          <a:ext cx="4275841" cy="1305401"/>
+        </a:xfrm>
+        <a:prstGeom prst="rect">
+          <a:avLst/>
+        </a:prstGeom>
+        <a:noFill/>
+        <a:ln>
+          <a:noFill/>
+        </a:ln>
+        <a:effectLst/>
+      </dsp:spPr>
+      <dsp:style>
+        <a:lnRef idx="0">
+          <a:scrgbClr r="0" g="0" b="0"/>
+        </a:lnRef>
+        <a:fillRef idx="0">
+          <a:scrgbClr r="0" g="0" b="0"/>
+        </a:fillRef>
+        <a:effectRef idx="0">
+          <a:scrgbClr r="0" g="0" b="0"/>
+        </a:effectRef>
+        <a:fontRef idx="minor"/>
+      </dsp:style>
+      <dsp:txBody>
+        <a:bodyPr spcFirstLastPara="0" vert="horz" wrap="square" lIns="138155" tIns="138155" rIns="138155" bIns="138155" numCol="1" spcCol="1270" anchor="ctr" anchorCtr="0">
+          <a:noAutofit/>
+        </a:bodyPr>
+        <a:lstStyle/>
+        <a:p>
+          <a:pPr marL="0" lvl="0" indent="0" algn="l" defTabSz="755650">
+            <a:lnSpc>
+              <a:spcPct val="100000"/>
+            </a:lnSpc>
+            <a:spcBef>
+              <a:spcPct val="0"/>
+            </a:spcBef>
+            <a:spcAft>
+              <a:spcPct val="35000"/>
+            </a:spcAft>
+            <a:buNone/>
+          </a:pPr>
+          <a:r>
+            <a:rPr lang="en-US" sz="1700" kern="1200">
+              <a:hlinkClick xmlns:r="http://schemas.openxmlformats.org/officeDocument/2006/relationships" r:id="rId3"/>
+            </a:rPr>
+            <a:t>www.Zillow.com/research/data</a:t>
+          </a:r>
+          <a:endParaRPr lang="en-US" sz="1700" kern="1200"/>
+        </a:p>
+      </dsp:txBody>
+      <dsp:txXfrm>
+        <a:off x="6239758" y="707092"/>
+        <a:ext cx="4275841" cy="1305401"/>
+      </dsp:txXfrm>
+    </dsp:sp>
+    <dsp:sp modelId="{A4432867-9169-427D-AD2C-8C5B26886416}">
+      <dsp:nvSpPr>
+        <dsp:cNvPr id="0" name=""/>
+        <dsp:cNvSpPr/>
+      </dsp:nvSpPr>
+      <dsp:spPr>
+        <a:xfrm>
+          <a:off x="0" y="2338844"/>
+          <a:ext cx="10515600" cy="1305401"/>
+        </a:xfrm>
+        <a:prstGeom prst="roundRect">
+          <a:avLst>
+            <a:gd name="adj" fmla="val 10000"/>
+          </a:avLst>
+        </a:prstGeom>
+        <a:solidFill>
+          <a:schemeClr val="accent1">
+            <a:tint val="40000"/>
+            <a:hueOff val="0"/>
+            <a:satOff val="0"/>
+            <a:lumOff val="0"/>
+            <a:alphaOff val="0"/>
+          </a:schemeClr>
+        </a:solidFill>
+        <a:ln>
+          <a:noFill/>
+        </a:ln>
+        <a:effectLst/>
+      </dsp:spPr>
+      <dsp:style>
+        <a:lnRef idx="0">
+          <a:scrgbClr r="0" g="0" b="0"/>
+        </a:lnRef>
+        <a:fillRef idx="1">
+          <a:scrgbClr r="0" g="0" b="0"/>
+        </a:fillRef>
+        <a:effectRef idx="0">
+          <a:scrgbClr r="0" g="0" b="0"/>
+        </a:effectRef>
+        <a:fontRef idx="minor"/>
+      </dsp:style>
+    </dsp:sp>
+    <dsp:sp modelId="{40AD6ABF-BF8E-418B-BC25-247D4352BF3F}">
+      <dsp:nvSpPr>
+        <dsp:cNvPr id="0" name=""/>
+        <dsp:cNvSpPr/>
+      </dsp:nvSpPr>
+      <dsp:spPr>
+        <a:xfrm>
+          <a:off x="394883" y="2632559"/>
+          <a:ext cx="717970" cy="717970"/>
+        </a:xfrm>
+        <a:prstGeom prst="rect">
+          <a:avLst/>
+        </a:prstGeom>
+        <a:blipFill>
+          <a:blip xmlns:r="http://schemas.openxmlformats.org/officeDocument/2006/relationships" r:embed="rId4">
+            <a:extLst>
+              <a:ext uri="{28A0092B-C50C-407E-A947-70E740481C1C}">
+                <a14:useLocalDpi xmlns:a14="http://schemas.microsoft.com/office/drawing/2010/main" val="0"/>
+              </a:ext>
+              <a:ext uri="{96DAC541-7B7A-43D3-8B79-37D633B846F1}">
+                <asvg:svgBlip xmlns:asvg="http://schemas.microsoft.com/office/drawing/2016/SVG/main" r:embed="rId5"/>
+              </a:ext>
+            </a:extLst>
+          </a:blip>
+          <a:stretch>
+            <a:fillRect/>
+          </a:stretch>
+        </a:blipFill>
+        <a:ln w="12700" cap="flat" cmpd="sng" algn="ctr">
+          <a:solidFill>
+            <a:schemeClr val="lt1">
+              <a:hueOff val="0"/>
+              <a:satOff val="0"/>
+              <a:lumOff val="0"/>
+              <a:alphaOff val="0"/>
+            </a:schemeClr>
+          </a:solidFill>
+          <a:prstDash val="solid"/>
+          <a:miter lim="800000"/>
+        </a:ln>
+        <a:effectLst/>
+      </dsp:spPr>
+      <dsp:style>
+        <a:lnRef idx="2">
+          <a:scrgbClr r="0" g="0" b="0"/>
+        </a:lnRef>
+        <a:fillRef idx="1">
+          <a:scrgbClr r="0" g="0" b="0"/>
+        </a:fillRef>
+        <a:effectRef idx="0">
+          <a:scrgbClr r="0" g="0" b="0"/>
+        </a:effectRef>
+        <a:fontRef idx="minor">
+          <a:schemeClr val="lt1"/>
+        </a:fontRef>
+      </dsp:style>
+    </dsp:sp>
+    <dsp:sp modelId="{26F9B7E2-6DCE-4617-BB19-317764A1FAE6}">
+      <dsp:nvSpPr>
+        <dsp:cNvPr id="0" name=""/>
+        <dsp:cNvSpPr/>
+      </dsp:nvSpPr>
+      <dsp:spPr>
+        <a:xfrm>
+          <a:off x="1507738" y="2338844"/>
+          <a:ext cx="4732020" cy="1305401"/>
+        </a:xfrm>
+        <a:prstGeom prst="rect">
+          <a:avLst/>
+        </a:prstGeom>
+        <a:noFill/>
+        <a:ln>
+          <a:noFill/>
+        </a:ln>
+        <a:effectLst/>
+      </dsp:spPr>
+      <dsp:style>
+        <a:lnRef idx="0">
+          <a:scrgbClr r="0" g="0" b="0"/>
+        </a:lnRef>
+        <a:fillRef idx="0">
+          <a:scrgbClr r="0" g="0" b="0"/>
+        </a:fillRef>
+        <a:effectRef idx="0">
+          <a:scrgbClr r="0" g="0" b="0"/>
+        </a:effectRef>
+        <a:fontRef idx="minor"/>
+      </dsp:style>
+      <dsp:txBody>
+        <a:bodyPr spcFirstLastPara="0" vert="horz" wrap="square" lIns="138155" tIns="138155" rIns="138155" bIns="138155" numCol="1" spcCol="1270" anchor="ctr" anchorCtr="0">
+          <a:noAutofit/>
+        </a:bodyPr>
+        <a:lstStyle/>
+        <a:p>
+          <a:pPr marL="0" lvl="0" indent="0" algn="l" defTabSz="1022350">
+            <a:lnSpc>
+              <a:spcPct val="100000"/>
+            </a:lnSpc>
+            <a:spcBef>
+              <a:spcPct val="0"/>
+            </a:spcBef>
+            <a:spcAft>
+              <a:spcPct val="35000"/>
+            </a:spcAft>
+            <a:buNone/>
+          </a:pPr>
+          <a:r>
+            <a:rPr lang="en-US" sz="2300" b="0" i="0" kern="1200" dirty="0"/>
+            <a:t>Our location data is from Geoapify and OpenStreetMap®</a:t>
+          </a:r>
+          <a:endParaRPr lang="en-US" sz="2300" kern="1200" dirty="0"/>
+        </a:p>
+      </dsp:txBody>
+      <dsp:txXfrm>
+        <a:off x="1507738" y="2338844"/>
+        <a:ext cx="4732020" cy="1305401"/>
+      </dsp:txXfrm>
+    </dsp:sp>
+    <dsp:sp modelId="{297E4BBF-543E-4B9D-983D-F2B59D6C956A}">
+      <dsp:nvSpPr>
+        <dsp:cNvPr id="0" name=""/>
+        <dsp:cNvSpPr/>
+      </dsp:nvSpPr>
+      <dsp:spPr>
+        <a:xfrm>
+          <a:off x="6239758" y="2338844"/>
+          <a:ext cx="4275841" cy="1305401"/>
+        </a:xfrm>
+        <a:prstGeom prst="rect">
+          <a:avLst/>
+        </a:prstGeom>
+        <a:noFill/>
+        <a:ln>
+          <a:noFill/>
+        </a:ln>
+        <a:effectLst/>
+      </dsp:spPr>
+      <dsp:style>
+        <a:lnRef idx="0">
+          <a:scrgbClr r="0" g="0" b="0"/>
+        </a:lnRef>
+        <a:fillRef idx="0">
+          <a:scrgbClr r="0" g="0" b="0"/>
+        </a:fillRef>
+        <a:effectRef idx="0">
+          <a:scrgbClr r="0" g="0" b="0"/>
+        </a:effectRef>
+        <a:fontRef idx="minor"/>
+      </dsp:style>
+      <dsp:txBody>
+        <a:bodyPr spcFirstLastPara="0" vert="horz" wrap="square" lIns="138155" tIns="138155" rIns="138155" bIns="138155" numCol="1" spcCol="1270" anchor="ctr" anchorCtr="0">
+          <a:noAutofit/>
+        </a:bodyPr>
+        <a:lstStyle/>
+        <a:p>
+          <a:pPr marL="0" lvl="0" indent="0" algn="l" defTabSz="755650">
+            <a:lnSpc>
+              <a:spcPct val="100000"/>
+            </a:lnSpc>
+            <a:spcBef>
+              <a:spcPct val="0"/>
+            </a:spcBef>
+            <a:spcAft>
+              <a:spcPct val="35000"/>
+            </a:spcAft>
+            <a:buNone/>
+          </a:pPr>
+          <a:r>
+            <a:rPr lang="en-US" sz="1700" b="0" i="0" kern="1200" dirty="0">
+              <a:hlinkClick xmlns:r="http://schemas.openxmlformats.org/officeDocument/2006/relationships" r:id="rId6"/>
+            </a:rPr>
+            <a:t>https://www.geoapify.com/</a:t>
+          </a:r>
+          <a:endParaRPr lang="en-US" sz="1700" kern="1200" dirty="0"/>
+        </a:p>
+        <a:p>
+          <a:pPr marL="0" lvl="0" indent="0" algn="l" defTabSz="755650">
+            <a:lnSpc>
+              <a:spcPct val="100000"/>
+            </a:lnSpc>
+            <a:spcBef>
+              <a:spcPct val="0"/>
+            </a:spcBef>
+            <a:spcAft>
+              <a:spcPct val="35000"/>
+            </a:spcAft>
+            <a:buNone/>
+          </a:pPr>
+          <a:r>
+            <a:rPr lang="en-US" sz="1700" b="0" i="0" kern="1200">
+              <a:hlinkClick xmlns:r="http://schemas.openxmlformats.org/officeDocument/2006/relationships" r:id="rId6"/>
+            </a:rPr>
+            <a:t>https://www.openstreetmap.org/copyright</a:t>
+          </a:r>
+          <a:endParaRPr lang="en-US" sz="1700" kern="1200"/>
+        </a:p>
+      </dsp:txBody>
+      <dsp:txXfrm>
+        <a:off x="6239758" y="2338844"/>
+        <a:ext cx="4275841" cy="1305401"/>
       </dsp:txXfrm>
     </dsp:sp>
   </dsp:spTree>
@@ -3303,6 +4915,300 @@
 </dgm:layoutDef>
 </file>
 
+<file path=ppt/diagrams/layout3.xml><?xml version="1.0" encoding="utf-8"?>
+<dgm:layoutDef xmlns:dgm="http://schemas.openxmlformats.org/drawingml/2006/diagram" xmlns:a="http://schemas.openxmlformats.org/drawingml/2006/main" uniqueId="urn:microsoft.com/office/officeart/2018/2/layout/IconVerticalSolidList">
+  <dgm:title val="Icon Vertical Solid List"/>
+  <dgm:desc val="Use to show a series of visuals from top to bottom with Level 1 or Level 1 and Level 2 text grouped in a shape. Works best with icons or small pictures with lengthier descriptions."/>
+  <dgm:catLst>
+    <dgm:cat type="icon" pri="500"/>
+  </dgm:catLst>
+  <dgm:sampData useDef="1">
+    <dgm:dataModel>
+      <dgm:ptLst/>
+      <dgm:bg/>
+      <dgm:whole/>
+    </dgm:dataModel>
+  </dgm:sampData>
+  <dgm:styleData useDef="1">
+    <dgm:dataModel>
+      <dgm:ptLst/>
+      <dgm:bg/>
+      <dgm:whole/>
+    </dgm:dataModel>
+  </dgm:styleData>
+  <dgm:clrData useDef="1">
+    <dgm:dataModel>
+      <dgm:ptLst/>
+      <dgm:bg/>
+      <dgm:whole/>
+    </dgm:dataModel>
+  </dgm:clrData>
+  <dgm:layoutNode name="root">
+    <dgm:varLst>
+      <dgm:dir/>
+      <dgm:resizeHandles val="exact"/>
+    </dgm:varLst>
+    <dgm:choose name="Name0">
+      <dgm:if name="Name1" axis="self" func="var" arg="dir" op="equ" val="norm">
+        <dgm:alg type="lin">
+          <dgm:param type="linDir" val="fromT"/>
+          <dgm:param type="nodeHorzAlign" val="l"/>
+        </dgm:alg>
+      </dgm:if>
+      <dgm:else name="Name2">
+        <dgm:alg type="lin">
+          <dgm:param type="linDir" val="fromT"/>
+          <dgm:param type="nodeHorzAlign" val="r"/>
+        </dgm:alg>
+      </dgm:else>
+    </dgm:choose>
+    <dgm:shape xmlns:r="http://schemas.openxmlformats.org/officeDocument/2006/relationships" r:blip="">
+      <dgm:adjLst/>
+    </dgm:shape>
+    <dgm:presOf/>
+    <dgm:choose name="Name3">
+      <dgm:if name="Name4" axis="ch" ptType="node" func="cnt" op="lte" val="3">
+        <dgm:constrLst>
+          <dgm:constr type="h" for="ch" forName="compNode" refType="h" fact="0.3"/>
+          <dgm:constr type="w" for="ch" forName="compNode" refType="w"/>
+          <dgm:constr type="h" for="ch" forName="sibTrans" refType="h" refFor="ch" refForName="compNode" fact="0.25"/>
+          <dgm:constr type="primFontSz" for="des" forName="parTx" val="25"/>
+          <dgm:constr type="primFontSz" for="des" forName="desTx" refType="primFontSz" refFor="des" refForName="parTx" op="lte" fact="0.75"/>
+          <dgm:constr type="h" for="des" forName="compNode" op="equ"/>
+          <dgm:constr type="h" for="des" forName="bgRect" op="equ"/>
+          <dgm:constr type="h" for="des" forName="iconRect" op="equ"/>
+          <dgm:constr type="w" for="des" forName="iconRect" op="equ"/>
+          <dgm:constr type="h" for="des" forName="spaceRect" op="equ"/>
+          <dgm:constr type="h" for="des" forName="parTx" op="equ"/>
+          <dgm:constr type="h" for="des" forName="desTx" op="equ"/>
+        </dgm:constrLst>
+      </dgm:if>
+      <dgm:if name="Name5" axis="ch" ptType="node" func="cnt" op="lte" val="4">
+        <dgm:constrLst>
+          <dgm:constr type="h" for="ch" forName="compNode" refType="h" fact="0.3"/>
+          <dgm:constr type="w" for="ch" forName="compNode" refType="w"/>
+          <dgm:constr type="h" for="ch" forName="sibTrans" refType="h" refFor="ch" refForName="compNode" fact="0.25"/>
+          <dgm:constr type="primFontSz" for="des" forName="parTx" val="22"/>
+          <dgm:constr type="primFontSz" for="des" forName="desTx" refType="primFontSz" refFor="des" refForName="parTx" op="lte" fact="0.75"/>
+          <dgm:constr type="h" for="des" forName="compNode" op="equ"/>
+          <dgm:constr type="h" for="des" forName="bgRect" op="equ"/>
+          <dgm:constr type="h" for="des" forName="iconRect" op="equ"/>
+          <dgm:constr type="w" for="des" forName="iconRect" op="equ"/>
+          <dgm:constr type="h" for="des" forName="spaceRect" op="equ"/>
+          <dgm:constr type="h" for="des" forName="parTx" op="equ"/>
+          <dgm:constr type="h" for="des" forName="desTx" op="equ"/>
+        </dgm:constrLst>
+      </dgm:if>
+      <dgm:if name="Name6" axis="ch" ptType="node" func="cnt" op="lte" val="6">
+        <dgm:constrLst>
+          <dgm:constr type="h" for="ch" forName="compNode" refType="h" fact="0.3"/>
+          <dgm:constr type="w" for="ch" forName="compNode" refType="w"/>
+          <dgm:constr type="h" for="ch" forName="sibTrans" refType="h" refFor="ch" refForName="compNode" fact="0.25"/>
+          <dgm:constr type="primFontSz" for="des" forName="parTx" val="19"/>
+          <dgm:constr type="primFontSz" for="des" forName="desTx" refType="primFontSz" refFor="des" refForName="parTx" op="lte" fact="0.75"/>
+          <dgm:constr type="h" for="des" forName="compNode" op="equ"/>
+          <dgm:constr type="h" for="des" forName="bgRect" op="equ"/>
+          <dgm:constr type="h" for="des" forName="iconRect" op="equ"/>
+          <dgm:constr type="w" for="des" forName="iconRect" op="equ"/>
+          <dgm:constr type="h" for="des" forName="spaceRect" op="equ"/>
+          <dgm:constr type="h" for="des" forName="parTx" op="equ"/>
+          <dgm:constr type="h" for="des" forName="desTx" op="equ"/>
+        </dgm:constrLst>
+      </dgm:if>
+      <dgm:else name="Name7">
+        <dgm:constrLst>
+          <dgm:constr type="h" for="ch" forName="compNode" refType="h" fact="0.3"/>
+          <dgm:constr type="w" for="ch" forName="compNode" refType="w"/>
+          <dgm:constr type="h" for="ch" forName="sibTrans" refType="h" refFor="ch" refForName="compNode" fact="0.25"/>
+          <dgm:constr type="primFontSz" for="des" forName="parTx" val="16"/>
+          <dgm:constr type="primFontSz" for="des" forName="desTx" refType="primFontSz" refFor="des" refForName="parTx" op="lte" fact="0.75"/>
+          <dgm:constr type="h" for="des" forName="compNode" op="equ"/>
+          <dgm:constr type="h" for="des" forName="bgRect" op="equ"/>
+          <dgm:constr type="h" for="des" forName="iconRect" op="equ"/>
+          <dgm:constr type="w" for="des" forName="iconRect" op="equ"/>
+          <dgm:constr type="h" for="des" forName="spaceRect" op="equ"/>
+          <dgm:constr type="h" for="des" forName="parTx" op="equ"/>
+          <dgm:constr type="h" for="des" forName="desTx" op="equ"/>
+        </dgm:constrLst>
+      </dgm:else>
+    </dgm:choose>
+    <dgm:ruleLst>
+      <dgm:rule type="h" for="ch" forName="compNode" val="0" fact="NaN" max="NaN"/>
+    </dgm:ruleLst>
+    <dgm:forEach name="Name8" axis="ch" ptType="node">
+      <dgm:layoutNode name="compNode">
+        <dgm:alg type="composite"/>
+        <dgm:shape xmlns:r="http://schemas.openxmlformats.org/officeDocument/2006/relationships" r:blip="">
+          <dgm:adjLst/>
+        </dgm:shape>
+        <dgm:presOf axis="self"/>
+        <dgm:choose name="Name9">
+          <dgm:if name="Name10" axis="ch" ptType="node" func="cnt" op="gte" val="1">
+            <dgm:constrLst>
+              <dgm:constr type="w" for="ch" forName="bgRect" refType="w"/>
+              <dgm:constr type="h" for="ch" forName="bgRect" refType="h"/>
+              <dgm:constr type="l" for="ch" forName="bgRect"/>
+              <dgm:constr type="t" for="ch" forName="bgRect"/>
+              <dgm:constr type="h" for="ch" forName="iconRect" refType="h" fact="0.55"/>
+              <dgm:constr type="w" for="ch" forName="iconRect" refType="h" refFor="ch" refForName="iconRect"/>
+              <dgm:constr type="l" for="ch" forName="iconRect" refType="h" refFor="ch" refForName="iconRect" fact="0.55"/>
+              <dgm:constr type="ctrY" for="ch" forName="iconRect" refType="ctrY" refFor="ch" refForName="bgRect"/>
+              <dgm:constr type="w" for="ch" forName="spaceRect" refType="l" refFor="ch" refForName="iconRect"/>
+              <dgm:constr type="h" for="ch" forName="spaceRect" refType="h"/>
+              <dgm:constr type="l" for="ch" forName="spaceRect" refType="r" refFor="ch" refForName="iconRect"/>
+              <dgm:constr type="t" for="ch" forName="spaceRect"/>
+              <dgm:constr type="w" for="ch" forName="parTx" refType="w" fact="0.45"/>
+              <dgm:constr type="h" for="ch" forName="parTx" refType="h"/>
+              <dgm:constr type="l" for="ch" forName="parTx" refType="r" refFor="ch" refForName="spaceRect"/>
+              <dgm:constr type="t" for="ch" forName="parTx"/>
+              <dgm:constr type="h" for="ch" forName="desTx" refType="h"/>
+              <dgm:constr type="l" for="ch" forName="desTx" refType="r" refFor="ch" refForName="parTx"/>
+              <dgm:constr type="t" for="ch" forName="desTx"/>
+            </dgm:constrLst>
+          </dgm:if>
+          <dgm:else name="Name11">
+            <dgm:constrLst>
+              <dgm:constr type="w" for="ch" forName="bgRect" refType="w"/>
+              <dgm:constr type="h" for="ch" forName="bgRect" refType="h"/>
+              <dgm:constr type="l" for="ch" forName="bgRect"/>
+              <dgm:constr type="t" for="ch" forName="bgRect"/>
+              <dgm:constr type="h" for="ch" forName="iconRect" refType="h" fact="0.55"/>
+              <dgm:constr type="w" for="ch" forName="iconRect" refType="h" refFor="ch" refForName="iconRect"/>
+              <dgm:constr type="l" for="ch" forName="iconRect" refType="h" refFor="ch" refForName="iconRect" fact="0.55"/>
+              <dgm:constr type="ctrY" for="ch" forName="iconRect" refType="ctrY" refFor="ch" refForName="bgRect"/>
+              <dgm:constr type="w" for="ch" forName="spaceRect" refType="l" refFor="ch" refForName="iconRect"/>
+              <dgm:constr type="h" for="ch" forName="spaceRect" refType="h"/>
+              <dgm:constr type="l" for="ch" forName="spaceRect" refType="r" refFor="ch" refForName="iconRect"/>
+              <dgm:constr type="t" for="ch" forName="spaceRect"/>
+              <dgm:constr type="h" for="ch" forName="parTx" refType="h"/>
+              <dgm:constr type="l" for="ch" forName="parTx" refType="r" refFor="ch" refForName="spaceRect"/>
+              <dgm:constr type="t" for="ch" forName="parTx"/>
+            </dgm:constrLst>
+          </dgm:else>
+        </dgm:choose>
+        <dgm:ruleLst>
+          <dgm:rule type="h" val="INF" fact="NaN" max="NaN"/>
+        </dgm:ruleLst>
+        <dgm:layoutNode name="bgRect" styleLbl="bgShp">
+          <dgm:alg type="sp"/>
+          <dgm:shape xmlns:r="http://schemas.openxmlformats.org/officeDocument/2006/relationships" type="roundRect" r:blip="">
+            <dgm:adjLst>
+              <dgm:adj idx="1" val="0.1"/>
+            </dgm:adjLst>
+          </dgm:shape>
+          <dgm:presOf/>
+          <dgm:constrLst/>
+          <dgm:ruleLst/>
+        </dgm:layoutNode>
+        <dgm:layoutNode name="iconRect" styleLbl="node1">
+          <dgm:alg type="sp"/>
+          <dgm:shape xmlns:r="http://schemas.openxmlformats.org/officeDocument/2006/relationships" type="rect" r:blip="" blipPhldr="1">
+            <dgm:adjLst/>
+          </dgm:shape>
+          <dgm:presOf/>
+          <dgm:constrLst/>
+          <dgm:ruleLst/>
+        </dgm:layoutNode>
+        <dgm:layoutNode name="spaceRect">
+          <dgm:alg type="sp"/>
+          <dgm:shape xmlns:r="http://schemas.openxmlformats.org/officeDocument/2006/relationships" r:blip="">
+            <dgm:adjLst/>
+          </dgm:shape>
+          <dgm:presOf/>
+          <dgm:constrLst/>
+          <dgm:ruleLst/>
+        </dgm:layoutNode>
+        <dgm:layoutNode name="parTx" styleLbl="revTx">
+          <dgm:varLst>
+            <dgm:chMax val="0"/>
+            <dgm:chPref val="0"/>
+          </dgm:varLst>
+          <dgm:alg type="tx">
+            <dgm:param type="txAnchorVert" val="mid"/>
+            <dgm:param type="parTxLTRAlign" val="l"/>
+            <dgm:param type="shpTxLTRAlignCh" val="l"/>
+            <dgm:param type="parTxRTLAlign" val="r"/>
+            <dgm:param type="shpTxRTLAlignCh" val="r"/>
+          </dgm:alg>
+          <dgm:shape xmlns:r="http://schemas.openxmlformats.org/officeDocument/2006/relationships" type="rect" r:blip="">
+            <dgm:adjLst/>
+          </dgm:shape>
+          <dgm:presOf axis="self" ptType="node"/>
+          <dgm:constrLst>
+            <dgm:constr type="lMarg" refType="h" fact="0.3"/>
+            <dgm:constr type="rMarg" refType="h" fact="0.3"/>
+            <dgm:constr type="tMarg" refType="h" fact="0.3"/>
+            <dgm:constr type="bMarg" refType="h" fact="0.3"/>
+          </dgm:constrLst>
+          <dgm:ruleLst>
+            <dgm:rule type="primFontSz" val="14" fact="NaN" max="NaN"/>
+            <dgm:rule type="h" val="INF" fact="NaN" max="NaN"/>
+          </dgm:ruleLst>
+        </dgm:layoutNode>
+        <dgm:choose name="Name12">
+          <dgm:if name="Name13" axis="ch" ptType="node" func="cnt" op="gte" val="1">
+            <dgm:layoutNode name="desTx" styleLbl="revTx">
+              <dgm:varLst/>
+              <dgm:alg type="tx">
+                <dgm:param type="txAnchorVertCh" val="mid"/>
+                <dgm:param type="parTxLTRAlign" val="l"/>
+                <dgm:param type="shpTxLTRAlignCh" val="l"/>
+                <dgm:param type="parTxRTLAlign" val="r"/>
+                <dgm:param type="shpTxRTLAlignCh" val="r"/>
+                <dgm:param type="stBulletLvl" val="0"/>
+              </dgm:alg>
+              <dgm:shape xmlns:r="http://schemas.openxmlformats.org/officeDocument/2006/relationships" type="rect" r:blip="">
+                <dgm:adjLst/>
+              </dgm:shape>
+              <dgm:presOf axis="des" ptType="node"/>
+              <dgm:constrLst>
+                <dgm:constr type="primFontSz" val="18"/>
+                <dgm:constr type="secFontSz" refType="primFontSz"/>
+                <dgm:constr type="lMarg" refType="h" fact="0.3"/>
+                <dgm:constr type="rMarg" refType="h" fact="0.3"/>
+                <dgm:constr type="tMarg" refType="h" fact="0.3"/>
+                <dgm:constr type="bMarg" refType="h" fact="0.3"/>
+              </dgm:constrLst>
+              <dgm:ruleLst>
+                <dgm:rule type="primFontSz" val="11" fact="NaN" max="NaN"/>
+              </dgm:ruleLst>
+            </dgm:layoutNode>
+          </dgm:if>
+          <dgm:else name="Name14"/>
+        </dgm:choose>
+      </dgm:layoutNode>
+      <dgm:forEach name="Name15" axis="followSib" ptType="sibTrans" cnt="1">
+        <dgm:layoutNode name="sibTrans">
+          <dgm:alg type="sp"/>
+          <dgm:shape xmlns:r="http://schemas.openxmlformats.org/officeDocument/2006/relationships" r:blip="">
+            <dgm:adjLst/>
+          </dgm:shape>
+          <dgm:presOf axis="self"/>
+          <dgm:constrLst/>
+          <dgm:ruleLst/>
+        </dgm:layoutNode>
+      </dgm:forEach>
+    </dgm:forEach>
+  </dgm:layoutNode>
+  <dgm:extLst>
+    <a:ext uri="{68A01E43-0DF5-4B5B-8FA6-DAF915123BFB}">
+      <dgm1612:lstStyle xmlns:dgm1612="http://schemas.microsoft.com/office/drawing/2016/12/diagram">
+        <a:lvl1pPr>
+          <a:lnSpc>
+            <a:spcPct val="100000"/>
+          </a:lnSpc>
+        </a:lvl1pPr>
+        <a:lvl2pPr>
+          <a:lnSpc>
+            <a:spcPct val="100000"/>
+          </a:lnSpc>
+        </a:lvl2pPr>
+      </dgm1612:lstStyle>
+    </a:ext>
+  </dgm:extLst>
+</dgm:layoutDef>
+</file>
+
 <file path=ppt/diagrams/quickStyle1.xml><?xml version="1.0" encoding="utf-8"?>
 <dgm:styleDef xmlns:dgm="http://schemas.openxmlformats.org/drawingml/2006/diagram" xmlns:a="http://schemas.openxmlformats.org/drawingml/2006/main" uniqueId="urn:microsoft.com/office/officeart/2005/8/quickstyle/simple1">
   <dgm:title val=""/>
@@ -4338,6 +6244,1040 @@
 </file>
 
 <file path=ppt/diagrams/quickStyle2.xml><?xml version="1.0" encoding="utf-8"?>
+<dgm:styleDef xmlns:dgm="http://schemas.openxmlformats.org/drawingml/2006/diagram" xmlns:a="http://schemas.openxmlformats.org/drawingml/2006/main" uniqueId="urn:microsoft.com/office/officeart/2005/8/quickstyle/simple1">
+  <dgm:title val=""/>
+  <dgm:desc val=""/>
+  <dgm:catLst>
+    <dgm:cat type="simple" pri="10100"/>
+  </dgm:catLst>
+  <dgm:scene3d>
+    <a:camera prst="orthographicFront"/>
+    <a:lightRig rig="threePt" dir="t"/>
+  </dgm:scene3d>
+  <dgm:styleLbl name="node0">
+    <dgm:scene3d>
+      <a:camera prst="orthographicFront"/>
+      <a:lightRig rig="threePt" dir="t"/>
+    </dgm:scene3d>
+    <dgm:sp3d/>
+    <dgm:txPr/>
+    <dgm:style>
+      <a:lnRef idx="2">
+        <a:scrgbClr r="0" g="0" b="0"/>
+      </a:lnRef>
+      <a:fillRef idx="1">
+        <a:scrgbClr r="0" g="0" b="0"/>
+      </a:fillRef>
+      <a:effectRef idx="0">
+        <a:scrgbClr r="0" g="0" b="0"/>
+      </a:effectRef>
+      <a:fontRef idx="minor">
+        <a:schemeClr val="lt1"/>
+      </a:fontRef>
+    </dgm:style>
+  </dgm:styleLbl>
+  <dgm:styleLbl name="lnNode1">
+    <dgm:scene3d>
+      <a:camera prst="orthographicFront"/>
+      <a:lightRig rig="threePt" dir="t"/>
+    </dgm:scene3d>
+    <dgm:sp3d/>
+    <dgm:txPr/>
+    <dgm:style>
+      <a:lnRef idx="2">
+        <a:scrgbClr r="0" g="0" b="0"/>
+      </a:lnRef>
+      <a:fillRef idx="1">
+        <a:scrgbClr r="0" g="0" b="0"/>
+      </a:fillRef>
+      <a:effectRef idx="0">
+        <a:scrgbClr r="0" g="0" b="0"/>
+      </a:effectRef>
+      <a:fontRef idx="minor">
+        <a:schemeClr val="lt1"/>
+      </a:fontRef>
+    </dgm:style>
+  </dgm:styleLbl>
+  <dgm:styleLbl name="vennNode1">
+    <dgm:scene3d>
+      <a:camera prst="orthographicFront"/>
+      <a:lightRig rig="threePt" dir="t"/>
+    </dgm:scene3d>
+    <dgm:sp3d/>
+    <dgm:txPr/>
+    <dgm:style>
+      <a:lnRef idx="2">
+        <a:scrgbClr r="0" g="0" b="0"/>
+      </a:lnRef>
+      <a:fillRef idx="1">
+        <a:scrgbClr r="0" g="0" b="0"/>
+      </a:fillRef>
+      <a:effectRef idx="0">
+        <a:scrgbClr r="0" g="0" b="0"/>
+      </a:effectRef>
+      <a:fontRef idx="minor">
+        <a:schemeClr val="tx1"/>
+      </a:fontRef>
+    </dgm:style>
+  </dgm:styleLbl>
+  <dgm:styleLbl name="alignNode1">
+    <dgm:scene3d>
+      <a:camera prst="orthographicFront"/>
+      <a:lightRig rig="threePt" dir="t"/>
+    </dgm:scene3d>
+    <dgm:sp3d/>
+    <dgm:txPr/>
+    <dgm:style>
+      <a:lnRef idx="2">
+        <a:scrgbClr r="0" g="0" b="0"/>
+      </a:lnRef>
+      <a:fillRef idx="1">
+        <a:scrgbClr r="0" g="0" b="0"/>
+      </a:fillRef>
+      <a:effectRef idx="0">
+        <a:scrgbClr r="0" g="0" b="0"/>
+      </a:effectRef>
+      <a:fontRef idx="minor">
+        <a:schemeClr val="lt1"/>
+      </a:fontRef>
+    </dgm:style>
+  </dgm:styleLbl>
+  <dgm:styleLbl name="node1">
+    <dgm:scene3d>
+      <a:camera prst="orthographicFront"/>
+      <a:lightRig rig="threePt" dir="t"/>
+    </dgm:scene3d>
+    <dgm:sp3d/>
+    <dgm:txPr/>
+    <dgm:style>
+      <a:lnRef idx="2">
+        <a:scrgbClr r="0" g="0" b="0"/>
+      </a:lnRef>
+      <a:fillRef idx="1">
+        <a:scrgbClr r="0" g="0" b="0"/>
+      </a:fillRef>
+      <a:effectRef idx="0">
+        <a:scrgbClr r="0" g="0" b="0"/>
+      </a:effectRef>
+      <a:fontRef idx="minor">
+        <a:schemeClr val="lt1"/>
+      </a:fontRef>
+    </dgm:style>
+  </dgm:styleLbl>
+  <dgm:styleLbl name="node2">
+    <dgm:scene3d>
+      <a:camera prst="orthographicFront"/>
+      <a:lightRig rig="threePt" dir="t"/>
+    </dgm:scene3d>
+    <dgm:sp3d/>
+    <dgm:txPr/>
+    <dgm:style>
+      <a:lnRef idx="2">
+        <a:scrgbClr r="0" g="0" b="0"/>
+      </a:lnRef>
+      <a:fillRef idx="1">
+        <a:scrgbClr r="0" g="0" b="0"/>
+      </a:fillRef>
+      <a:effectRef idx="0">
+        <a:scrgbClr r="0" g="0" b="0"/>
+      </a:effectRef>
+      <a:fontRef idx="minor">
+        <a:schemeClr val="lt1"/>
+      </a:fontRef>
+    </dgm:style>
+  </dgm:styleLbl>
+  <dgm:styleLbl name="node3">
+    <dgm:scene3d>
+      <a:camera prst="orthographicFront"/>
+      <a:lightRig rig="threePt" dir="t"/>
+    </dgm:scene3d>
+    <dgm:sp3d/>
+    <dgm:txPr/>
+    <dgm:style>
+      <a:lnRef idx="2">
+        <a:scrgbClr r="0" g="0" b="0"/>
+      </a:lnRef>
+      <a:fillRef idx="1">
+        <a:scrgbClr r="0" g="0" b="0"/>
+      </a:fillRef>
+      <a:effectRef idx="0">
+        <a:scrgbClr r="0" g="0" b="0"/>
+      </a:effectRef>
+      <a:fontRef idx="minor">
+        <a:schemeClr val="lt1"/>
+      </a:fontRef>
+    </dgm:style>
+  </dgm:styleLbl>
+  <dgm:styleLbl name="node4">
+    <dgm:scene3d>
+      <a:camera prst="orthographicFront"/>
+      <a:lightRig rig="threePt" dir="t"/>
+    </dgm:scene3d>
+    <dgm:sp3d/>
+    <dgm:txPr/>
+    <dgm:style>
+      <a:lnRef idx="2">
+        <a:scrgbClr r="0" g="0" b="0"/>
+      </a:lnRef>
+      <a:fillRef idx="1">
+        <a:scrgbClr r="0" g="0" b="0"/>
+      </a:fillRef>
+      <a:effectRef idx="0">
+        <a:scrgbClr r="0" g="0" b="0"/>
+      </a:effectRef>
+      <a:fontRef idx="minor">
+        <a:schemeClr val="lt1"/>
+      </a:fontRef>
+    </dgm:style>
+  </dgm:styleLbl>
+  <dgm:styleLbl name="fgImgPlace1">
+    <dgm:scene3d>
+      <a:camera prst="orthographicFront"/>
+      <a:lightRig rig="threePt" dir="t"/>
+    </dgm:scene3d>
+    <dgm:sp3d/>
+    <dgm:txPr/>
+    <dgm:style>
+      <a:lnRef idx="2">
+        <a:scrgbClr r="0" g="0" b="0"/>
+      </a:lnRef>
+      <a:fillRef idx="1">
+        <a:scrgbClr r="0" g="0" b="0"/>
+      </a:fillRef>
+      <a:effectRef idx="0">
+        <a:scrgbClr r="0" g="0" b="0"/>
+      </a:effectRef>
+      <a:fontRef idx="minor"/>
+    </dgm:style>
+  </dgm:styleLbl>
+  <dgm:styleLbl name="alignImgPlace1">
+    <dgm:scene3d>
+      <a:camera prst="orthographicFront"/>
+      <a:lightRig rig="threePt" dir="t"/>
+    </dgm:scene3d>
+    <dgm:sp3d/>
+    <dgm:txPr/>
+    <dgm:style>
+      <a:lnRef idx="2">
+        <a:scrgbClr r="0" g="0" b="0"/>
+      </a:lnRef>
+      <a:fillRef idx="1">
+        <a:scrgbClr r="0" g="0" b="0"/>
+      </a:fillRef>
+      <a:effectRef idx="0">
+        <a:scrgbClr r="0" g="0" b="0"/>
+      </a:effectRef>
+      <a:fontRef idx="minor"/>
+    </dgm:style>
+  </dgm:styleLbl>
+  <dgm:styleLbl name="bgImgPlace1">
+    <dgm:scene3d>
+      <a:camera prst="orthographicFront"/>
+      <a:lightRig rig="threePt" dir="t"/>
+    </dgm:scene3d>
+    <dgm:sp3d/>
+    <dgm:txPr/>
+    <dgm:style>
+      <a:lnRef idx="2">
+        <a:scrgbClr r="0" g="0" b="0"/>
+      </a:lnRef>
+      <a:fillRef idx="1">
+        <a:scrgbClr r="0" g="0" b="0"/>
+      </a:fillRef>
+      <a:effectRef idx="0">
+        <a:scrgbClr r="0" g="0" b="0"/>
+      </a:effectRef>
+      <a:fontRef idx="minor"/>
+    </dgm:style>
+  </dgm:styleLbl>
+  <dgm:styleLbl name="sibTrans2D1">
+    <dgm:scene3d>
+      <a:camera prst="orthographicFront"/>
+      <a:lightRig rig="threePt" dir="t"/>
+    </dgm:scene3d>
+    <dgm:sp3d/>
+    <dgm:txPr/>
+    <dgm:style>
+      <a:lnRef idx="0">
+        <a:scrgbClr r="0" g="0" b="0"/>
+      </a:lnRef>
+      <a:fillRef idx="1">
+        <a:scrgbClr r="0" g="0" b="0"/>
+      </a:fillRef>
+      <a:effectRef idx="0">
+        <a:scrgbClr r="0" g="0" b="0"/>
+      </a:effectRef>
+      <a:fontRef idx="minor">
+        <a:schemeClr val="lt1"/>
+      </a:fontRef>
+    </dgm:style>
+  </dgm:styleLbl>
+  <dgm:styleLbl name="fgSibTrans2D1">
+    <dgm:scene3d>
+      <a:camera prst="orthographicFront"/>
+      <a:lightRig rig="threePt" dir="t"/>
+    </dgm:scene3d>
+    <dgm:sp3d/>
+    <dgm:txPr/>
+    <dgm:style>
+      <a:lnRef idx="0">
+        <a:scrgbClr r="0" g="0" b="0"/>
+      </a:lnRef>
+      <a:fillRef idx="1">
+        <a:scrgbClr r="0" g="0" b="0"/>
+      </a:fillRef>
+      <a:effectRef idx="0">
+        <a:scrgbClr r="0" g="0" b="0"/>
+      </a:effectRef>
+      <a:fontRef idx="minor">
+        <a:schemeClr val="lt1"/>
+      </a:fontRef>
+    </dgm:style>
+  </dgm:styleLbl>
+  <dgm:styleLbl name="bgSibTrans2D1">
+    <dgm:scene3d>
+      <a:camera prst="orthographicFront"/>
+      <a:lightRig rig="threePt" dir="t"/>
+    </dgm:scene3d>
+    <dgm:sp3d/>
+    <dgm:txPr/>
+    <dgm:style>
+      <a:lnRef idx="0">
+        <a:scrgbClr r="0" g="0" b="0"/>
+      </a:lnRef>
+      <a:fillRef idx="1">
+        <a:scrgbClr r="0" g="0" b="0"/>
+      </a:fillRef>
+      <a:effectRef idx="0">
+        <a:scrgbClr r="0" g="0" b="0"/>
+      </a:effectRef>
+      <a:fontRef idx="minor">
+        <a:schemeClr val="lt1"/>
+      </a:fontRef>
+    </dgm:style>
+  </dgm:styleLbl>
+  <dgm:styleLbl name="sibTrans1D1">
+    <dgm:scene3d>
+      <a:camera prst="orthographicFront"/>
+      <a:lightRig rig="threePt" dir="t"/>
+    </dgm:scene3d>
+    <dgm:sp3d/>
+    <dgm:txPr/>
+    <dgm:style>
+      <a:lnRef idx="1">
+        <a:scrgbClr r="0" g="0" b="0"/>
+      </a:lnRef>
+      <a:fillRef idx="0">
+        <a:scrgbClr r="0" g="0" b="0"/>
+      </a:fillRef>
+      <a:effectRef idx="0">
+        <a:scrgbClr r="0" g="0" b="0"/>
+      </a:effectRef>
+      <a:fontRef idx="minor"/>
+    </dgm:style>
+  </dgm:styleLbl>
+  <dgm:styleLbl name="callout">
+    <dgm:scene3d>
+      <a:camera prst="orthographicFront"/>
+      <a:lightRig rig="threePt" dir="t"/>
+    </dgm:scene3d>
+    <dgm:sp3d/>
+    <dgm:txPr/>
+    <dgm:style>
+      <a:lnRef idx="2">
+        <a:scrgbClr r="0" g="0" b="0"/>
+      </a:lnRef>
+      <a:fillRef idx="1">
+        <a:scrgbClr r="0" g="0" b="0"/>
+      </a:fillRef>
+      <a:effectRef idx="0">
+        <a:scrgbClr r="0" g="0" b="0"/>
+      </a:effectRef>
+      <a:fontRef idx="minor"/>
+    </dgm:style>
+  </dgm:styleLbl>
+  <dgm:styleLbl name="asst0">
+    <dgm:scene3d>
+      <a:camera prst="orthographicFront"/>
+      <a:lightRig rig="threePt" dir="t"/>
+    </dgm:scene3d>
+    <dgm:sp3d/>
+    <dgm:txPr/>
+    <dgm:style>
+      <a:lnRef idx="2">
+        <a:scrgbClr r="0" g="0" b="0"/>
+      </a:lnRef>
+      <a:fillRef idx="1">
+        <a:scrgbClr r="0" g="0" b="0"/>
+      </a:fillRef>
+      <a:effectRef idx="0">
+        <a:scrgbClr r="0" g="0" b="0"/>
+      </a:effectRef>
+      <a:fontRef idx="minor">
+        <a:schemeClr val="lt1"/>
+      </a:fontRef>
+    </dgm:style>
+  </dgm:styleLbl>
+  <dgm:styleLbl name="asst1">
+    <dgm:scene3d>
+      <a:camera prst="orthographicFront"/>
+      <a:lightRig rig="threePt" dir="t"/>
+    </dgm:scene3d>
+    <dgm:sp3d/>
+    <dgm:txPr/>
+    <dgm:style>
+      <a:lnRef idx="2">
+        <a:scrgbClr r="0" g="0" b="0"/>
+      </a:lnRef>
+      <a:fillRef idx="1">
+        <a:scrgbClr r="0" g="0" b="0"/>
+      </a:fillRef>
+      <a:effectRef idx="0">
+        <a:scrgbClr r="0" g="0" b="0"/>
+      </a:effectRef>
+      <a:fontRef idx="minor">
+        <a:schemeClr val="lt1"/>
+      </a:fontRef>
+    </dgm:style>
+  </dgm:styleLbl>
+  <dgm:styleLbl name="asst2">
+    <dgm:scene3d>
+      <a:camera prst="orthographicFront"/>
+      <a:lightRig rig="threePt" dir="t"/>
+    </dgm:scene3d>
+    <dgm:sp3d/>
+    <dgm:txPr/>
+    <dgm:style>
+      <a:lnRef idx="2">
+        <a:scrgbClr r="0" g="0" b="0"/>
+      </a:lnRef>
+      <a:fillRef idx="1">
+        <a:scrgbClr r="0" g="0" b="0"/>
+      </a:fillRef>
+      <a:effectRef idx="0">
+        <a:scrgbClr r="0" g="0" b="0"/>
+      </a:effectRef>
+      <a:fontRef idx="minor">
+        <a:schemeClr val="lt1"/>
+      </a:fontRef>
+    </dgm:style>
+  </dgm:styleLbl>
+  <dgm:styleLbl name="asst3">
+    <dgm:scene3d>
+      <a:camera prst="orthographicFront"/>
+      <a:lightRig rig="threePt" dir="t"/>
+    </dgm:scene3d>
+    <dgm:sp3d/>
+    <dgm:txPr/>
+    <dgm:style>
+      <a:lnRef idx="2">
+        <a:scrgbClr r="0" g="0" b="0"/>
+      </a:lnRef>
+      <a:fillRef idx="1">
+        <a:scrgbClr r="0" g="0" b="0"/>
+      </a:fillRef>
+      <a:effectRef idx="0">
+        <a:scrgbClr r="0" g="0" b="0"/>
+      </a:effectRef>
+      <a:fontRef idx="minor">
+        <a:schemeClr val="lt1"/>
+      </a:fontRef>
+    </dgm:style>
+  </dgm:styleLbl>
+  <dgm:styleLbl name="asst4">
+    <dgm:scene3d>
+      <a:camera prst="orthographicFront"/>
+      <a:lightRig rig="threePt" dir="t"/>
+    </dgm:scene3d>
+    <dgm:sp3d/>
+    <dgm:txPr/>
+    <dgm:style>
+      <a:lnRef idx="2">
+        <a:scrgbClr r="0" g="0" b="0"/>
+      </a:lnRef>
+      <a:fillRef idx="1">
+        <a:scrgbClr r="0" g="0" b="0"/>
+      </a:fillRef>
+      <a:effectRef idx="0">
+        <a:scrgbClr r="0" g="0" b="0"/>
+      </a:effectRef>
+      <a:fontRef idx="minor">
+        <a:schemeClr val="lt1"/>
+      </a:fontRef>
+    </dgm:style>
+  </dgm:styleLbl>
+  <dgm:styleLbl name="parChTrans2D1">
+    <dgm:scene3d>
+      <a:camera prst="orthographicFront"/>
+      <a:lightRig rig="threePt" dir="t"/>
+    </dgm:scene3d>
+    <dgm:sp3d/>
+    <dgm:txPr/>
+    <dgm:style>
+      <a:lnRef idx="2">
+        <a:scrgbClr r="0" g="0" b="0"/>
+      </a:lnRef>
+      <a:fillRef idx="1">
+        <a:scrgbClr r="0" g="0" b="0"/>
+      </a:fillRef>
+      <a:effectRef idx="0">
+        <a:scrgbClr r="0" g="0" b="0"/>
+      </a:effectRef>
+      <a:fontRef idx="minor">
+        <a:schemeClr val="lt1"/>
+      </a:fontRef>
+    </dgm:style>
+  </dgm:styleLbl>
+  <dgm:styleLbl name="parChTrans2D2">
+    <dgm:scene3d>
+      <a:camera prst="orthographicFront"/>
+      <a:lightRig rig="threePt" dir="t"/>
+    </dgm:scene3d>
+    <dgm:sp3d/>
+    <dgm:txPr/>
+    <dgm:style>
+      <a:lnRef idx="2">
+        <a:scrgbClr r="0" g="0" b="0"/>
+      </a:lnRef>
+      <a:fillRef idx="1">
+        <a:scrgbClr r="0" g="0" b="0"/>
+      </a:fillRef>
+      <a:effectRef idx="0">
+        <a:scrgbClr r="0" g="0" b="0"/>
+      </a:effectRef>
+      <a:fontRef idx="minor">
+        <a:schemeClr val="lt1"/>
+      </a:fontRef>
+    </dgm:style>
+  </dgm:styleLbl>
+  <dgm:styleLbl name="parChTrans2D3">
+    <dgm:scene3d>
+      <a:camera prst="orthographicFront"/>
+      <a:lightRig rig="threePt" dir="t"/>
+    </dgm:scene3d>
+    <dgm:sp3d/>
+    <dgm:txPr/>
+    <dgm:style>
+      <a:lnRef idx="2">
+        <a:scrgbClr r="0" g="0" b="0"/>
+      </a:lnRef>
+      <a:fillRef idx="1">
+        <a:scrgbClr r="0" g="0" b="0"/>
+      </a:fillRef>
+      <a:effectRef idx="0">
+        <a:scrgbClr r="0" g="0" b="0"/>
+      </a:effectRef>
+      <a:fontRef idx="minor">
+        <a:schemeClr val="lt1"/>
+      </a:fontRef>
+    </dgm:style>
+  </dgm:styleLbl>
+  <dgm:styleLbl name="parChTrans2D4">
+    <dgm:scene3d>
+      <a:camera prst="orthographicFront"/>
+      <a:lightRig rig="threePt" dir="t"/>
+    </dgm:scene3d>
+    <dgm:sp3d/>
+    <dgm:txPr/>
+    <dgm:style>
+      <a:lnRef idx="2">
+        <a:scrgbClr r="0" g="0" b="0"/>
+      </a:lnRef>
+      <a:fillRef idx="1">
+        <a:scrgbClr r="0" g="0" b="0"/>
+      </a:fillRef>
+      <a:effectRef idx="0">
+        <a:scrgbClr r="0" g="0" b="0"/>
+      </a:effectRef>
+      <a:fontRef idx="minor">
+        <a:schemeClr val="lt1"/>
+      </a:fontRef>
+    </dgm:style>
+  </dgm:styleLbl>
+  <dgm:styleLbl name="parChTrans1D1">
+    <dgm:scene3d>
+      <a:camera prst="orthographicFront"/>
+      <a:lightRig rig="threePt" dir="t"/>
+    </dgm:scene3d>
+    <dgm:sp3d/>
+    <dgm:txPr/>
+    <dgm:style>
+      <a:lnRef idx="2">
+        <a:scrgbClr r="0" g="0" b="0"/>
+      </a:lnRef>
+      <a:fillRef idx="0">
+        <a:scrgbClr r="0" g="0" b="0"/>
+      </a:fillRef>
+      <a:effectRef idx="0">
+        <a:scrgbClr r="0" g="0" b="0"/>
+      </a:effectRef>
+      <a:fontRef idx="minor"/>
+    </dgm:style>
+  </dgm:styleLbl>
+  <dgm:styleLbl name="parChTrans1D2">
+    <dgm:scene3d>
+      <a:camera prst="orthographicFront"/>
+      <a:lightRig rig="threePt" dir="t"/>
+    </dgm:scene3d>
+    <dgm:sp3d/>
+    <dgm:txPr/>
+    <dgm:style>
+      <a:lnRef idx="2">
+        <a:scrgbClr r="0" g="0" b="0"/>
+      </a:lnRef>
+      <a:fillRef idx="0">
+        <a:scrgbClr r="0" g="0" b="0"/>
+      </a:fillRef>
+      <a:effectRef idx="0">
+        <a:scrgbClr r="0" g="0" b="0"/>
+      </a:effectRef>
+      <a:fontRef idx="minor"/>
+    </dgm:style>
+  </dgm:styleLbl>
+  <dgm:styleLbl name="parChTrans1D3">
+    <dgm:scene3d>
+      <a:camera prst="orthographicFront"/>
+      <a:lightRig rig="threePt" dir="t"/>
+    </dgm:scene3d>
+    <dgm:sp3d/>
+    <dgm:txPr/>
+    <dgm:style>
+      <a:lnRef idx="2">
+        <a:scrgbClr r="0" g="0" b="0"/>
+      </a:lnRef>
+      <a:fillRef idx="0">
+        <a:scrgbClr r="0" g="0" b="0"/>
+      </a:fillRef>
+      <a:effectRef idx="0">
+        <a:scrgbClr r="0" g="0" b="0"/>
+      </a:effectRef>
+      <a:fontRef idx="minor"/>
+    </dgm:style>
+  </dgm:styleLbl>
+  <dgm:styleLbl name="parChTrans1D4">
+    <dgm:scene3d>
+      <a:camera prst="orthographicFront"/>
+      <a:lightRig rig="threePt" dir="t"/>
+    </dgm:scene3d>
+    <dgm:sp3d/>
+    <dgm:txPr/>
+    <dgm:style>
+      <a:lnRef idx="2">
+        <a:scrgbClr r="0" g="0" b="0"/>
+      </a:lnRef>
+      <a:fillRef idx="0">
+        <a:scrgbClr r="0" g="0" b="0"/>
+      </a:fillRef>
+      <a:effectRef idx="0">
+        <a:scrgbClr r="0" g="0" b="0"/>
+      </a:effectRef>
+      <a:fontRef idx="minor"/>
+    </dgm:style>
+  </dgm:styleLbl>
+  <dgm:styleLbl name="fgAcc1">
+    <dgm:scene3d>
+      <a:camera prst="orthographicFront"/>
+      <a:lightRig rig="threePt" dir="t"/>
+    </dgm:scene3d>
+    <dgm:sp3d/>
+    <dgm:txPr/>
+    <dgm:style>
+      <a:lnRef idx="2">
+        <a:scrgbClr r="0" g="0" b="0"/>
+      </a:lnRef>
+      <a:fillRef idx="1">
+        <a:scrgbClr r="0" g="0" b="0"/>
+      </a:fillRef>
+      <a:effectRef idx="0">
+        <a:scrgbClr r="0" g="0" b="0"/>
+      </a:effectRef>
+      <a:fontRef idx="minor"/>
+    </dgm:style>
+  </dgm:styleLbl>
+  <dgm:styleLbl name="conFgAcc1">
+    <dgm:scene3d>
+      <a:camera prst="orthographicFront"/>
+      <a:lightRig rig="threePt" dir="t"/>
+    </dgm:scene3d>
+    <dgm:sp3d/>
+    <dgm:txPr/>
+    <dgm:style>
+      <a:lnRef idx="2">
+        <a:scrgbClr r="0" g="0" b="0"/>
+      </a:lnRef>
+      <a:fillRef idx="1">
+        <a:scrgbClr r="0" g="0" b="0"/>
+      </a:fillRef>
+      <a:effectRef idx="0">
+        <a:scrgbClr r="0" g="0" b="0"/>
+      </a:effectRef>
+      <a:fontRef idx="minor"/>
+    </dgm:style>
+  </dgm:styleLbl>
+  <dgm:styleLbl name="alignAcc1">
+    <dgm:scene3d>
+      <a:camera prst="orthographicFront"/>
+      <a:lightRig rig="threePt" dir="t"/>
+    </dgm:scene3d>
+    <dgm:sp3d/>
+    <dgm:txPr/>
+    <dgm:style>
+      <a:lnRef idx="2">
+        <a:scrgbClr r="0" g="0" b="0"/>
+      </a:lnRef>
+      <a:fillRef idx="1">
+        <a:scrgbClr r="0" g="0" b="0"/>
+      </a:fillRef>
+      <a:effectRef idx="0">
+        <a:scrgbClr r="0" g="0" b="0"/>
+      </a:effectRef>
+      <a:fontRef idx="minor"/>
+    </dgm:style>
+  </dgm:styleLbl>
+  <dgm:styleLbl name="trAlignAcc1">
+    <dgm:scene3d>
+      <a:camera prst="orthographicFront"/>
+      <a:lightRig rig="threePt" dir="t"/>
+    </dgm:scene3d>
+    <dgm:sp3d/>
+    <dgm:txPr/>
+    <dgm:style>
+      <a:lnRef idx="1">
+        <a:scrgbClr r="0" g="0" b="0"/>
+      </a:lnRef>
+      <a:fillRef idx="1">
+        <a:scrgbClr r="0" g="0" b="0"/>
+      </a:fillRef>
+      <a:effectRef idx="0">
+        <a:scrgbClr r="0" g="0" b="0"/>
+      </a:effectRef>
+      <a:fontRef idx="minor"/>
+    </dgm:style>
+  </dgm:styleLbl>
+  <dgm:styleLbl name="bgAcc1">
+    <dgm:scene3d>
+      <a:camera prst="orthographicFront"/>
+      <a:lightRig rig="threePt" dir="t"/>
+    </dgm:scene3d>
+    <dgm:sp3d/>
+    <dgm:txPr/>
+    <dgm:style>
+      <a:lnRef idx="2">
+        <a:scrgbClr r="0" g="0" b="0"/>
+      </a:lnRef>
+      <a:fillRef idx="1">
+        <a:scrgbClr r="0" g="0" b="0"/>
+      </a:fillRef>
+      <a:effectRef idx="0">
+        <a:scrgbClr r="0" g="0" b="0"/>
+      </a:effectRef>
+      <a:fontRef idx="minor"/>
+    </dgm:style>
+  </dgm:styleLbl>
+  <dgm:styleLbl name="solidFgAcc1">
+    <dgm:scene3d>
+      <a:camera prst="orthographicFront"/>
+      <a:lightRig rig="threePt" dir="t"/>
+    </dgm:scene3d>
+    <dgm:sp3d/>
+    <dgm:txPr/>
+    <dgm:style>
+      <a:lnRef idx="2">
+        <a:scrgbClr r="0" g="0" b="0"/>
+      </a:lnRef>
+      <a:fillRef idx="1">
+        <a:scrgbClr r="0" g="0" b="0"/>
+      </a:fillRef>
+      <a:effectRef idx="0">
+        <a:scrgbClr r="0" g="0" b="0"/>
+      </a:effectRef>
+      <a:fontRef idx="minor"/>
+    </dgm:style>
+  </dgm:styleLbl>
+  <dgm:styleLbl name="solidAlignAcc1">
+    <dgm:scene3d>
+      <a:camera prst="orthographicFront"/>
+      <a:lightRig rig="threePt" dir="t"/>
+    </dgm:scene3d>
+    <dgm:sp3d/>
+    <dgm:txPr/>
+    <dgm:style>
+      <a:lnRef idx="2">
+        <a:scrgbClr r="0" g="0" b="0"/>
+      </a:lnRef>
+      <a:fillRef idx="1">
+        <a:scrgbClr r="0" g="0" b="0"/>
+      </a:fillRef>
+      <a:effectRef idx="0">
+        <a:scrgbClr r="0" g="0" b="0"/>
+      </a:effectRef>
+      <a:fontRef idx="minor"/>
+    </dgm:style>
+  </dgm:styleLbl>
+  <dgm:styleLbl name="solidBgAcc1">
+    <dgm:scene3d>
+      <a:camera prst="orthographicFront"/>
+      <a:lightRig rig="threePt" dir="t"/>
+    </dgm:scene3d>
+    <dgm:sp3d/>
+    <dgm:txPr/>
+    <dgm:style>
+      <a:lnRef idx="2">
+        <a:scrgbClr r="0" g="0" b="0"/>
+      </a:lnRef>
+      <a:fillRef idx="1">
+        <a:scrgbClr r="0" g="0" b="0"/>
+      </a:fillRef>
+      <a:effectRef idx="0">
+        <a:scrgbClr r="0" g="0" b="0"/>
+      </a:effectRef>
+      <a:fontRef idx="minor"/>
+    </dgm:style>
+  </dgm:styleLbl>
+  <dgm:styleLbl name="fgAccFollowNode1">
+    <dgm:scene3d>
+      <a:camera prst="orthographicFront"/>
+      <a:lightRig rig="threePt" dir="t"/>
+    </dgm:scene3d>
+    <dgm:sp3d/>
+    <dgm:txPr/>
+    <dgm:style>
+      <a:lnRef idx="2">
+        <a:scrgbClr r="0" g="0" b="0"/>
+      </a:lnRef>
+      <a:fillRef idx="1">
+        <a:scrgbClr r="0" g="0" b="0"/>
+      </a:fillRef>
+      <a:effectRef idx="0">
+        <a:scrgbClr r="0" g="0" b="0"/>
+      </a:effectRef>
+      <a:fontRef idx="minor"/>
+    </dgm:style>
+  </dgm:styleLbl>
+  <dgm:styleLbl name="alignAccFollowNode1">
+    <dgm:scene3d>
+      <a:camera prst="orthographicFront"/>
+      <a:lightRig rig="threePt" dir="t"/>
+    </dgm:scene3d>
+    <dgm:sp3d/>
+    <dgm:txPr/>
+    <dgm:style>
+      <a:lnRef idx="2">
+        <a:scrgbClr r="0" g="0" b="0"/>
+      </a:lnRef>
+      <a:fillRef idx="1">
+        <a:scrgbClr r="0" g="0" b="0"/>
+      </a:fillRef>
+      <a:effectRef idx="0">
+        <a:scrgbClr r="0" g="0" b="0"/>
+      </a:effectRef>
+      <a:fontRef idx="minor"/>
+    </dgm:style>
+  </dgm:styleLbl>
+  <dgm:styleLbl name="bgAccFollowNode1">
+    <dgm:scene3d>
+      <a:camera prst="orthographicFront"/>
+      <a:lightRig rig="threePt" dir="t"/>
+    </dgm:scene3d>
+    <dgm:sp3d/>
+    <dgm:txPr/>
+    <dgm:style>
+      <a:lnRef idx="2">
+        <a:scrgbClr r="0" g="0" b="0"/>
+      </a:lnRef>
+      <a:fillRef idx="1">
+        <a:scrgbClr r="0" g="0" b="0"/>
+      </a:fillRef>
+      <a:effectRef idx="0">
+        <a:scrgbClr r="0" g="0" b="0"/>
+      </a:effectRef>
+      <a:fontRef idx="minor"/>
+    </dgm:style>
+  </dgm:styleLbl>
+  <dgm:styleLbl name="fgAcc0">
+    <dgm:scene3d>
+      <a:camera prst="orthographicFront"/>
+      <a:lightRig rig="threePt" dir="t"/>
+    </dgm:scene3d>
+    <dgm:sp3d/>
+    <dgm:txPr/>
+    <dgm:style>
+      <a:lnRef idx="2">
+        <a:scrgbClr r="0" g="0" b="0"/>
+      </a:lnRef>
+      <a:fillRef idx="1">
+        <a:scrgbClr r="0" g="0" b="0"/>
+      </a:fillRef>
+      <a:effectRef idx="0">
+        <a:scrgbClr r="0" g="0" b="0"/>
+      </a:effectRef>
+      <a:fontRef idx="minor"/>
+    </dgm:style>
+  </dgm:styleLbl>
+  <dgm:styleLbl name="fgAcc2">
+    <dgm:scene3d>
+      <a:camera prst="orthographicFront"/>
+      <a:lightRig rig="threePt" dir="t"/>
+    </dgm:scene3d>
+    <dgm:sp3d/>
+    <dgm:txPr/>
+    <dgm:style>
+      <a:lnRef idx="2">
+        <a:scrgbClr r="0" g="0" b="0"/>
+      </a:lnRef>
+      <a:fillRef idx="1">
+        <a:scrgbClr r="0" g="0" b="0"/>
+      </a:fillRef>
+      <a:effectRef idx="0">
+        <a:scrgbClr r="0" g="0" b="0"/>
+      </a:effectRef>
+      <a:fontRef idx="minor"/>
+    </dgm:style>
+  </dgm:styleLbl>
+  <dgm:styleLbl name="fgAcc3">
+    <dgm:scene3d>
+      <a:camera prst="orthographicFront"/>
+      <a:lightRig rig="threePt" dir="t"/>
+    </dgm:scene3d>
+    <dgm:sp3d/>
+    <dgm:txPr/>
+    <dgm:style>
+      <a:lnRef idx="2">
+        <a:scrgbClr r="0" g="0" b="0"/>
+      </a:lnRef>
+      <a:fillRef idx="1">
+        <a:scrgbClr r="0" g="0" b="0"/>
+      </a:fillRef>
+      <a:effectRef idx="0">
+        <a:scrgbClr r="0" g="0" b="0"/>
+      </a:effectRef>
+      <a:fontRef idx="minor"/>
+    </dgm:style>
+  </dgm:styleLbl>
+  <dgm:styleLbl name="fgAcc4">
+    <dgm:scene3d>
+      <a:camera prst="orthographicFront"/>
+      <a:lightRig rig="threePt" dir="t"/>
+    </dgm:scene3d>
+    <dgm:sp3d/>
+    <dgm:txPr/>
+    <dgm:style>
+      <a:lnRef idx="2">
+        <a:scrgbClr r="0" g="0" b="0"/>
+      </a:lnRef>
+      <a:fillRef idx="1">
+        <a:scrgbClr r="0" g="0" b="0"/>
+      </a:fillRef>
+      <a:effectRef idx="0">
+        <a:scrgbClr r="0" g="0" b="0"/>
+      </a:effectRef>
+      <a:fontRef idx="minor"/>
+    </dgm:style>
+  </dgm:styleLbl>
+  <dgm:styleLbl name="bgShp">
+    <dgm:scene3d>
+      <a:camera prst="orthographicFront"/>
+      <a:lightRig rig="threePt" dir="t"/>
+    </dgm:scene3d>
+    <dgm:sp3d/>
+    <dgm:txPr/>
+    <dgm:style>
+      <a:lnRef idx="0">
+        <a:scrgbClr r="0" g="0" b="0"/>
+      </a:lnRef>
+      <a:fillRef idx="1">
+        <a:scrgbClr r="0" g="0" b="0"/>
+      </a:fillRef>
+      <a:effectRef idx="0">
+        <a:scrgbClr r="0" g="0" b="0"/>
+      </a:effectRef>
+      <a:fontRef idx="minor"/>
+    </dgm:style>
+  </dgm:styleLbl>
+  <dgm:styleLbl name="dkBgShp">
+    <dgm:scene3d>
+      <a:camera prst="orthographicFront"/>
+      <a:lightRig rig="threePt" dir="t"/>
+    </dgm:scene3d>
+    <dgm:sp3d/>
+    <dgm:txPr/>
+    <dgm:style>
+      <a:lnRef idx="0">
+        <a:scrgbClr r="0" g="0" b="0"/>
+      </a:lnRef>
+      <a:fillRef idx="1">
+        <a:scrgbClr r="0" g="0" b="0"/>
+      </a:fillRef>
+      <a:effectRef idx="0">
+        <a:scrgbClr r="0" g="0" b="0"/>
+      </a:effectRef>
+      <a:fontRef idx="minor"/>
+    </dgm:style>
+  </dgm:styleLbl>
+  <dgm:styleLbl name="trBgShp">
+    <dgm:scene3d>
+      <a:camera prst="orthographicFront"/>
+      <a:lightRig rig="threePt" dir="t"/>
+    </dgm:scene3d>
+    <dgm:sp3d/>
+    <dgm:txPr/>
+    <dgm:style>
+      <a:lnRef idx="0">
+        <a:scrgbClr r="0" g="0" b="0"/>
+      </a:lnRef>
+      <a:fillRef idx="1">
+        <a:scrgbClr r="0" g="0" b="0"/>
+      </a:fillRef>
+      <a:effectRef idx="0">
+        <a:scrgbClr r="0" g="0" b="0"/>
+      </a:effectRef>
+      <a:fontRef idx="minor"/>
+    </dgm:style>
+  </dgm:styleLbl>
+  <dgm:styleLbl name="fgShp">
+    <dgm:scene3d>
+      <a:camera prst="orthographicFront"/>
+      <a:lightRig rig="threePt" dir="t"/>
+    </dgm:scene3d>
+    <dgm:sp3d/>
+    <dgm:txPr/>
+    <dgm:style>
+      <a:lnRef idx="2">
+        <a:scrgbClr r="0" g="0" b="0"/>
+      </a:lnRef>
+      <a:fillRef idx="1">
+        <a:scrgbClr r="0" g="0" b="0"/>
+      </a:fillRef>
+      <a:effectRef idx="0">
+        <a:scrgbClr r="0" g="0" b="0"/>
+      </a:effectRef>
+      <a:fontRef idx="minor"/>
+    </dgm:style>
+  </dgm:styleLbl>
+  <dgm:styleLbl name="revTx">
+    <dgm:scene3d>
+      <a:camera prst="orthographicFront"/>
+      <a:lightRig rig="threePt" dir="t"/>
+    </dgm:scene3d>
+    <dgm:sp3d/>
+    <dgm:txPr/>
+    <dgm:style>
+      <a:lnRef idx="0">
+        <a:scrgbClr r="0" g="0" b="0"/>
+      </a:lnRef>
+      <a:fillRef idx="0">
+        <a:scrgbClr r="0" g="0" b="0"/>
+      </a:fillRef>
+      <a:effectRef idx="0">
+        <a:scrgbClr r="0" g="0" b="0"/>
+      </a:effectRef>
+      <a:fontRef idx="minor"/>
+    </dgm:style>
+  </dgm:styleLbl>
+</dgm:styleDef>
+</file>
+
+<file path=ppt/diagrams/quickStyle3.xml><?xml version="1.0" encoding="utf-8"?>
 <dgm:styleDef xmlns:dgm="http://schemas.openxmlformats.org/drawingml/2006/diagram" xmlns:a="http://schemas.openxmlformats.org/drawingml/2006/main" uniqueId="urn:microsoft.com/office/officeart/2005/8/quickstyle/simple1">
   <dgm:title val=""/>
   <dgm:desc val=""/>
@@ -5453,7 +8393,7 @@
           <a:p>
             <a:fld id="{FFFBAEDC-AF75-4BDD-978D-5D83F3B4ECCC}" type="datetimeFigureOut">
               <a:rPr lang="en-US" smtClean="0"/>
-              <a:t>4/9/2023</a:t>
+              <a:t>4/10/2023</a:t>
             </a:fld>
             <a:endParaRPr lang="en-US"/>
           </a:p>
@@ -6531,7 +9471,7 @@
           <a:p>
             <a:fld id="{6624EA6F-41C5-8449-8FBC-886BDC0FF6B4}" type="slidenum">
               <a:rPr lang="en-US" smtClean="0"/>
-              <a:t>21</a:t>
+              <a:t>23</a:t>
             </a:fld>
             <a:endParaRPr lang="en-US"/>
           </a:p>
@@ -6697,7 +9637,7 @@
           <a:p>
             <a:fld id="{F3E3D61B-7364-4AC2-9DB3-C4410285676E}" type="datetimeFigureOut">
               <a:rPr lang="en-US" smtClean="0"/>
-              <a:t>4/9/2023</a:t>
+              <a:t>4/10/2023</a:t>
             </a:fld>
             <a:endParaRPr lang="en-US"/>
           </a:p>
@@ -6895,7 +9835,7 @@
           <a:p>
             <a:fld id="{F3E3D61B-7364-4AC2-9DB3-C4410285676E}" type="datetimeFigureOut">
               <a:rPr lang="en-US" smtClean="0"/>
-              <a:t>4/9/2023</a:t>
+              <a:t>4/10/2023</a:t>
             </a:fld>
             <a:endParaRPr lang="en-US"/>
           </a:p>
@@ -7103,7 +10043,7 @@
           <a:p>
             <a:fld id="{F3E3D61B-7364-4AC2-9DB3-C4410285676E}" type="datetimeFigureOut">
               <a:rPr lang="en-US" smtClean="0"/>
-              <a:t>4/9/2023</a:t>
+              <a:t>4/10/2023</a:t>
             </a:fld>
             <a:endParaRPr lang="en-US"/>
           </a:p>
@@ -7301,7 +10241,7 @@
           <a:p>
             <a:fld id="{F3E3D61B-7364-4AC2-9DB3-C4410285676E}" type="datetimeFigureOut">
               <a:rPr lang="en-US" smtClean="0"/>
-              <a:t>4/9/2023</a:t>
+              <a:t>4/10/2023</a:t>
             </a:fld>
             <a:endParaRPr lang="en-US"/>
           </a:p>
@@ -7576,7 +10516,7 @@
           <a:p>
             <a:fld id="{F3E3D61B-7364-4AC2-9DB3-C4410285676E}" type="datetimeFigureOut">
               <a:rPr lang="en-US" smtClean="0"/>
-              <a:t>4/9/2023</a:t>
+              <a:t>4/10/2023</a:t>
             </a:fld>
             <a:endParaRPr lang="en-US"/>
           </a:p>
@@ -7841,7 +10781,7 @@
           <a:p>
             <a:fld id="{F3E3D61B-7364-4AC2-9DB3-C4410285676E}" type="datetimeFigureOut">
               <a:rPr lang="en-US" smtClean="0"/>
-              <a:t>4/9/2023</a:t>
+              <a:t>4/10/2023</a:t>
             </a:fld>
             <a:endParaRPr lang="en-US"/>
           </a:p>
@@ -8253,7 +11193,7 @@
           <a:p>
             <a:fld id="{F3E3D61B-7364-4AC2-9DB3-C4410285676E}" type="datetimeFigureOut">
               <a:rPr lang="en-US" smtClean="0"/>
-              <a:t>4/9/2023</a:t>
+              <a:t>4/10/2023</a:t>
             </a:fld>
             <a:endParaRPr lang="en-US"/>
           </a:p>
@@ -8394,7 +11334,7 @@
           <a:p>
             <a:fld id="{F3E3D61B-7364-4AC2-9DB3-C4410285676E}" type="datetimeFigureOut">
               <a:rPr lang="en-US" smtClean="0"/>
-              <a:t>4/9/2023</a:t>
+              <a:t>4/10/2023</a:t>
             </a:fld>
             <a:endParaRPr lang="en-US"/>
           </a:p>
@@ -8507,7 +11447,7 @@
           <a:p>
             <a:fld id="{F3E3D61B-7364-4AC2-9DB3-C4410285676E}" type="datetimeFigureOut">
               <a:rPr lang="en-US" smtClean="0"/>
-              <a:t>4/9/2023</a:t>
+              <a:t>4/10/2023</a:t>
             </a:fld>
             <a:endParaRPr lang="en-US"/>
           </a:p>
@@ -8818,7 +11758,7 @@
           <a:p>
             <a:fld id="{F3E3D61B-7364-4AC2-9DB3-C4410285676E}" type="datetimeFigureOut">
               <a:rPr lang="en-US" smtClean="0"/>
-              <a:t>4/9/2023</a:t>
+              <a:t>4/10/2023</a:t>
             </a:fld>
             <a:endParaRPr lang="en-US"/>
           </a:p>
@@ -9106,7 +12046,7 @@
           <a:p>
             <a:fld id="{F3E3D61B-7364-4AC2-9DB3-C4410285676E}" type="datetimeFigureOut">
               <a:rPr lang="en-US" smtClean="0"/>
-              <a:t>4/9/2023</a:t>
+              <a:t>4/10/2023</a:t>
             </a:fld>
             <a:endParaRPr lang="en-US"/>
           </a:p>
@@ -9347,7 +12287,7 @@
           <a:p>
             <a:fld id="{F3E3D61B-7364-4AC2-9DB3-C4410285676E}" type="datetimeFigureOut">
               <a:rPr lang="en-US" smtClean="0"/>
-              <a:t>4/9/2023</a:t>
+              <a:t>4/10/2023</a:t>
             </a:fld>
             <a:endParaRPr lang="en-US"/>
           </a:p>
@@ -15069,8 +18009,14 @@
             </a:pPr>
             <a:r>
               <a:rPr lang="en-US" sz="1800" dirty="0"/>
-              <a:t>Definition of Healthcare </a:t>
+              <a:t>Definition of Healthcare</a:t>
             </a:r>
+          </a:p>
+          <a:p>
+            <a:pPr marL="0" indent="0">
+              <a:buNone/>
+            </a:pPr>
+            <a:endParaRPr lang="en-US" sz="1800" dirty="0"/>
           </a:p>
           <a:p>
             <a:pPr marL="285750" indent="-285750">
@@ -15079,8 +18025,14 @@
             </a:pPr>
             <a:r>
               <a:rPr lang="en-US" sz="1800" dirty="0"/>
-              <a:t>Radius</a:t>
+              <a:t>Radius 10km</a:t>
             </a:r>
+          </a:p>
+          <a:p>
+            <a:pPr marL="0" indent="0">
+              <a:buNone/>
+            </a:pPr>
+            <a:endParaRPr lang="en-US" sz="1800" dirty="0"/>
           </a:p>
           <a:p>
             <a:pPr marL="285750" indent="-285750">
@@ -15089,17 +18041,17 @@
             </a:pPr>
             <a:r>
               <a:rPr lang="en-US" sz="1800" dirty="0"/>
-              <a:t>R value</a:t>
+              <a:t>R value is -0.25</a:t>
             </a:r>
           </a:p>
         </p:txBody>
       </p:sp>
       <p:pic>
         <p:nvPicPr>
-          <p:cNvPr id="5" name="Picture 4" descr="Chart, scatter chart&#10;&#10;Description automatically generated">
+          <p:cNvPr id="8" name="Picture 7">
             <a:extLst>
               <a:ext uri="{FF2B5EF4-FFF2-40B4-BE49-F238E27FC236}">
-                <a16:creationId xmlns:a16="http://schemas.microsoft.com/office/drawing/2014/main" id="{44840709-885D-8701-2D27-7678B7F7D203}"/>
+                <a16:creationId xmlns:a16="http://schemas.microsoft.com/office/drawing/2014/main" id="{DEE7C152-450F-9FF7-41C3-F1B0A9F38C30}"/>
               </a:ext>
             </a:extLst>
           </p:cNvPr>
@@ -15108,21 +18060,16 @@
           </p:cNvPicPr>
           <p:nvPr/>
         </p:nvPicPr>
-        <p:blipFill rotWithShape="1">
-          <a:blip r:embed="rId2">
-            <a:extLst>
-              <a:ext uri="{28A0092B-C50C-407E-A947-70E740481C1C}">
-                <a14:useLocalDpi xmlns:a14="http://schemas.microsoft.com/office/drawing/2010/main" val="0"/>
-              </a:ext>
-            </a:extLst>
-          </a:blip>
-          <a:srcRect l="6741" t="3219" r="29932" b="2590"/>
-          <a:stretch/>
+        <p:blipFill>
+          <a:blip r:embed="rId2"/>
+          <a:stretch>
+            <a:fillRect/>
+          </a:stretch>
         </p:blipFill>
         <p:spPr>
           <a:xfrm>
-            <a:off x="6812689" y="3207350"/>
-            <a:ext cx="4537795" cy="3650650"/>
+            <a:off x="6249971" y="3280528"/>
+            <a:ext cx="5725239" cy="3487917"/>
           </a:xfrm>
           <a:prstGeom prst="rect">
             <a:avLst/>
@@ -15131,10 +18078,10 @@
       </p:pic>
       <p:pic>
         <p:nvPicPr>
-          <p:cNvPr id="6" name="Content Placeholder 4" descr="Chart, bar chart, histogram&#10;&#10;Description automatically generated">
+          <p:cNvPr id="10" name="Picture 9">
             <a:extLst>
               <a:ext uri="{FF2B5EF4-FFF2-40B4-BE49-F238E27FC236}">
-                <a16:creationId xmlns:a16="http://schemas.microsoft.com/office/drawing/2014/main" id="{01F40FD7-B97D-D688-7AFF-CEE8980E7B65}"/>
+                <a16:creationId xmlns:a16="http://schemas.microsoft.com/office/drawing/2014/main" id="{C7516B7F-35D4-E8BA-1CEB-60769A7E8DEC}"/>
               </a:ext>
             </a:extLst>
           </p:cNvPr>
@@ -15143,21 +18090,16 @@
           </p:cNvPicPr>
           <p:nvPr/>
         </p:nvPicPr>
-        <p:blipFill rotWithShape="1">
-          <a:blip r:embed="rId3">
-            <a:extLst>
-              <a:ext uri="{28A0092B-C50C-407E-A947-70E740481C1C}">
-                <a14:useLocalDpi xmlns:a14="http://schemas.microsoft.com/office/drawing/2010/main" val="0"/>
-              </a:ext>
-            </a:extLst>
-          </a:blip>
-          <a:srcRect l="6589" t="4740" r="36972"/>
-          <a:stretch/>
+        <p:blipFill>
+          <a:blip r:embed="rId3"/>
+          <a:stretch>
+            <a:fillRect/>
+          </a:stretch>
         </p:blipFill>
         <p:spPr>
           <a:xfrm>
-            <a:off x="6947452" y="1"/>
-            <a:ext cx="4078000" cy="3211198"/>
+            <a:off x="6447934" y="89555"/>
+            <a:ext cx="5196075" cy="3294668"/>
           </a:xfrm>
           <a:prstGeom prst="rect">
             <a:avLst/>
@@ -16113,19 +19055,7 @@
               <a:rPr lang="en-US" sz="1800" dirty="0">
                 <a:latin typeface="New time"/>
               </a:rPr>
-              <a:t>For my part of this group project, I used </a:t>
-            </a:r>
-            <a:r>
-              <a:rPr lang="en-US" sz="1800" dirty="0" err="1">
-                <a:latin typeface="New time"/>
-              </a:rPr>
-              <a:t>Geoapify</a:t>
-            </a:r>
-            <a:r>
-              <a:rPr lang="en-US" sz="1800" dirty="0">
-                <a:latin typeface="New time"/>
-              </a:rPr>
-              <a:t> to see if the presence of University increase home price  in the state of Colorado.</a:t>
+              <a:t>For my part of this group project, I used Geoapify to see if the presence of University increase home price  in the state of Colorado.</a:t>
             </a:r>
           </a:p>
           <a:p>
@@ -16344,19 +19274,7 @@
               <a:rPr lang="en-US" sz="2900" dirty="0">
                 <a:latin typeface="New time"/>
               </a:rPr>
-              <a:t>For my part of this group project, I used </a:t>
-            </a:r>
-            <a:r>
-              <a:rPr lang="en-US" sz="2900" dirty="0" err="1">
-                <a:latin typeface="New time"/>
-              </a:rPr>
-              <a:t>Geoapify</a:t>
-            </a:r>
-            <a:r>
-              <a:rPr lang="en-US" sz="2900" dirty="0">
-                <a:latin typeface="New time"/>
-              </a:rPr>
-              <a:t> to see if the presence of University increase home price  in the state of Colorado.</a:t>
+              <a:t>For my part of this group project, I used Geoapify to see if the presence of University increase home price  in the state of Colorado.</a:t>
             </a:r>
           </a:p>
           <a:p>
@@ -17800,6 +20718,880 @@
 </file>
 
 <file path=ppt/slides/slide21.xml><?xml version="1.0" encoding="utf-8"?>
+<p:sld xmlns:a="http://schemas.openxmlformats.org/drawingml/2006/main" xmlns:r="http://schemas.openxmlformats.org/officeDocument/2006/relationships" xmlns:p="http://schemas.openxmlformats.org/presentationml/2006/main">
+  <p:cSld>
+    <p:bg>
+      <p:bgPr>
+        <a:solidFill>
+          <a:schemeClr val="bg1"/>
+        </a:solidFill>
+        <a:effectLst/>
+      </p:bgPr>
+    </p:bg>
+    <p:spTree>
+      <p:nvGrpSpPr>
+        <p:cNvPr id="1" name=""/>
+        <p:cNvGrpSpPr/>
+        <p:nvPr/>
+      </p:nvGrpSpPr>
+      <p:grpSpPr>
+        <a:xfrm>
+          <a:off x="0" y="0"/>
+          <a:ext cx="0" cy="0"/>
+          <a:chOff x="0" y="0"/>
+          <a:chExt cx="0" cy="0"/>
+        </a:xfrm>
+      </p:grpSpPr>
+      <p:sp useBgFill="1">
+        <p:nvSpPr>
+          <p:cNvPr id="12" name="Rectangle 8">
+            <a:extLst>
+              <a:ext uri="{FF2B5EF4-FFF2-40B4-BE49-F238E27FC236}">
+                <a16:creationId xmlns:a16="http://schemas.microsoft.com/office/drawing/2014/main" id="{2C61293E-6EBE-43EF-A52C-9BEBFD7679D4}"/>
+              </a:ext>
+              <a:ext uri="{C183D7F6-B498-43B3-948B-1728B52AA6E4}">
+                <adec:decorative xmlns:adec="http://schemas.microsoft.com/office/drawing/2017/decorative" val="1"/>
+              </a:ext>
+            </a:extLst>
+          </p:cNvPr>
+          <p:cNvSpPr>
+            <a:spLocks noGrp="1" noRot="1" noChangeAspect="1" noMove="1" noResize="1" noEditPoints="1" noAdjustHandles="1" noChangeArrowheads="1" noChangeShapeType="1" noTextEdit="1"/>
+          </p:cNvSpPr>
+          <p:nvPr>
+            <p:extLst>
+              <p:ext uri="{386F3935-93C4-4BCD-93E2-E3B085C9AB24}">
+                <p16:designElem xmlns:p16="http://schemas.microsoft.com/office/powerpoint/2015/main" val="1"/>
+              </p:ext>
+            </p:extLst>
+          </p:nvPr>
+        </p:nvSpPr>
+        <p:spPr>
+          <a:xfrm>
+            <a:off x="0" y="0"/>
+            <a:ext cx="12188952" cy="6858000"/>
+          </a:xfrm>
+          <a:prstGeom prst="rect">
+            <a:avLst/>
+          </a:prstGeom>
+          <a:ln>
+            <a:noFill/>
+          </a:ln>
+        </p:spPr>
+        <p:style>
+          <a:lnRef idx="2">
+            <a:schemeClr val="accent1">
+              <a:shade val="50000"/>
+            </a:schemeClr>
+          </a:lnRef>
+          <a:fillRef idx="1">
+            <a:schemeClr val="accent1"/>
+          </a:fillRef>
+          <a:effectRef idx="0">
+            <a:schemeClr val="accent1"/>
+          </a:effectRef>
+          <a:fontRef idx="minor">
+            <a:schemeClr val="lt1"/>
+          </a:fontRef>
+        </p:style>
+        <p:txBody>
+          <a:bodyPr rtlCol="0" anchor="ctr"/>
+          <a:lstStyle/>
+          <a:p>
+            <a:pPr algn="ctr"/>
+            <a:endParaRPr lang="en-US"/>
+          </a:p>
+        </p:txBody>
+      </p:sp>
+      <p:sp>
+        <p:nvSpPr>
+          <p:cNvPr id="2" name="Title 1">
+            <a:extLst>
+              <a:ext uri="{FF2B5EF4-FFF2-40B4-BE49-F238E27FC236}">
+                <a16:creationId xmlns:a16="http://schemas.microsoft.com/office/drawing/2014/main" id="{5944E2B3-0EE7-1832-59C2-E1210D5B2D7D}"/>
+              </a:ext>
+            </a:extLst>
+          </p:cNvPr>
+          <p:cNvSpPr>
+            <a:spLocks noGrp="1"/>
+          </p:cNvSpPr>
+          <p:nvPr>
+            <p:ph type="title"/>
+          </p:nvPr>
+        </p:nvSpPr>
+        <p:spPr>
+          <a:xfrm>
+            <a:off x="4654296" y="329184"/>
+            <a:ext cx="6894576" cy="1783080"/>
+          </a:xfrm>
+        </p:spPr>
+        <p:txBody>
+          <a:bodyPr anchor="b">
+            <a:normAutofit/>
+          </a:bodyPr>
+          <a:lstStyle/>
+          <a:p>
+            <a:r>
+              <a:rPr lang="en-US" sz="5400"/>
+              <a:t>Next Steps</a:t>
+            </a:r>
+          </a:p>
+        </p:txBody>
+      </p:sp>
+      <p:pic>
+        <p:nvPicPr>
+          <p:cNvPr id="13" name="Picture 4" descr="White puzzle with one red piece">
+            <a:extLst>
+              <a:ext uri="{FF2B5EF4-FFF2-40B4-BE49-F238E27FC236}">
+                <a16:creationId xmlns:a16="http://schemas.microsoft.com/office/drawing/2014/main" id="{8E611FF8-91C8-20E6-035B-9488FA6B2640}"/>
+              </a:ext>
+            </a:extLst>
+          </p:cNvPr>
+          <p:cNvPicPr>
+            <a:picLocks noChangeAspect="1"/>
+          </p:cNvPicPr>
+          <p:nvPr/>
+        </p:nvPicPr>
+        <p:blipFill rotWithShape="1">
+          <a:blip r:embed="rId2"/>
+          <a:srcRect l="34182" r="32578"/>
+          <a:stretch/>
+        </p:blipFill>
+        <p:spPr>
+          <a:xfrm>
+            <a:off x="20" y="1"/>
+            <a:ext cx="4052522" cy="6858000"/>
+          </a:xfrm>
+          <a:custGeom>
+            <a:avLst/>
+            <a:gdLst/>
+            <a:ahLst/>
+            <a:cxnLst/>
+            <a:rect l="l" t="t" r="r" b="b"/>
+            <a:pathLst>
+              <a:path w="4052542" h="6858000">
+                <a:moveTo>
+                  <a:pt x="0" y="0"/>
+                </a:moveTo>
+                <a:lnTo>
+                  <a:pt x="4020923" y="0"/>
+                </a:lnTo>
+                <a:lnTo>
+                  <a:pt x="4022656" y="14697"/>
+                </a:lnTo>
+                <a:cubicBezTo>
+                  <a:pt x="4037606" y="98462"/>
+                  <a:pt x="4035072" y="183369"/>
+                  <a:pt x="4039126" y="267642"/>
+                </a:cubicBezTo>
+                <a:cubicBezTo>
+                  <a:pt x="4043941" y="370699"/>
+                  <a:pt x="4037860" y="474136"/>
+                  <a:pt x="4035579" y="577446"/>
+                </a:cubicBezTo>
+                <a:cubicBezTo>
+                  <a:pt x="4033805" y="665399"/>
+                  <a:pt x="4025063" y="753226"/>
+                  <a:pt x="4027724" y="841306"/>
+                </a:cubicBezTo>
+                <a:cubicBezTo>
+                  <a:pt x="4027914" y="844352"/>
+                  <a:pt x="4027914" y="847398"/>
+                  <a:pt x="4027724" y="850444"/>
+                </a:cubicBezTo>
+                <a:cubicBezTo>
+                  <a:pt x="4019615" y="947281"/>
+                  <a:pt x="4019615" y="1044626"/>
+                  <a:pt x="4027724" y="1141464"/>
+                </a:cubicBezTo>
+                <a:cubicBezTo>
+                  <a:pt x="4030296" y="1181772"/>
+                  <a:pt x="4029574" y="1222221"/>
+                  <a:pt x="4025570" y="1262415"/>
+                </a:cubicBezTo>
+                <a:cubicBezTo>
+                  <a:pt x="4021769" y="1313563"/>
+                  <a:pt x="4009606" y="1365472"/>
+                  <a:pt x="4018348" y="1416238"/>
+                </a:cubicBezTo>
+                <a:cubicBezTo>
+                  <a:pt x="4024037" y="1458058"/>
+                  <a:pt x="4027166" y="1500194"/>
+                  <a:pt x="4027724" y="1542394"/>
+                </a:cubicBezTo>
+                <a:cubicBezTo>
+                  <a:pt x="4032158" y="1636820"/>
+                  <a:pt x="4027977" y="1731753"/>
+                  <a:pt x="4026330" y="1826433"/>
+                </a:cubicBezTo>
+                <a:cubicBezTo>
+                  <a:pt x="4024556" y="1936724"/>
+                  <a:pt x="4027344" y="2047015"/>
+                  <a:pt x="4018475" y="2157432"/>
+                </a:cubicBezTo>
+                <a:cubicBezTo>
+                  <a:pt x="4013597" y="2246629"/>
+                  <a:pt x="4013597" y="2336029"/>
+                  <a:pt x="4018475" y="2425226"/>
+                </a:cubicBezTo>
+                <a:cubicBezTo>
+                  <a:pt x="4020882" y="2506961"/>
+                  <a:pt x="4033172" y="2587934"/>
+                  <a:pt x="4031145" y="2670557"/>
+                </a:cubicBezTo>
+                <a:cubicBezTo>
+                  <a:pt x="4028737" y="2766886"/>
+                  <a:pt x="4017335" y="2862962"/>
+                  <a:pt x="4020882" y="2959546"/>
+                </a:cubicBezTo>
+                <a:cubicBezTo>
+                  <a:pt x="4022529" y="3005617"/>
+                  <a:pt x="4022656" y="3051688"/>
+                  <a:pt x="4023543" y="3097758"/>
+                </a:cubicBezTo>
+                <a:cubicBezTo>
+                  <a:pt x="4024683" y="3153221"/>
+                  <a:pt x="4034692" y="3208556"/>
+                  <a:pt x="4029117" y="3263892"/>
+                </a:cubicBezTo>
+                <a:cubicBezTo>
+                  <a:pt x="4019869" y="3356161"/>
+                  <a:pt x="3995923" y="3446906"/>
+                  <a:pt x="4010873" y="3541459"/>
+                </a:cubicBezTo>
+                <a:cubicBezTo>
+                  <a:pt x="4019108" y="3593495"/>
+                  <a:pt x="4028357" y="3645658"/>
+                  <a:pt x="4033172" y="3698201"/>
+                </a:cubicBezTo>
+                <a:cubicBezTo>
+                  <a:pt x="4037353" y="3745160"/>
+                  <a:pt x="4047868" y="3792881"/>
+                  <a:pt x="4039886" y="3839586"/>
+                </a:cubicBezTo>
+                <a:cubicBezTo>
+                  <a:pt x="4033045" y="3879565"/>
+                  <a:pt x="4036592" y="3919544"/>
+                  <a:pt x="4031271" y="3959523"/>
+                </a:cubicBezTo>
+                <a:cubicBezTo>
+                  <a:pt x="4024303" y="4011939"/>
+                  <a:pt x="4020629" y="4065244"/>
+                  <a:pt x="4015308" y="4118042"/>
+                </a:cubicBezTo>
+                <a:cubicBezTo>
+                  <a:pt x="4010620" y="4165889"/>
+                  <a:pt x="4006946" y="4213610"/>
+                  <a:pt x="4019615" y="4258539"/>
+                </a:cubicBezTo>
+                <a:cubicBezTo>
+                  <a:pt x="4050656" y="4371622"/>
+                  <a:pt x="4033679" y="4484070"/>
+                  <a:pt x="4022023" y="4596391"/>
+                </a:cubicBezTo>
+                <a:cubicBezTo>
+                  <a:pt x="4016321" y="4650965"/>
+                  <a:pt x="4007959" y="4708712"/>
+                  <a:pt x="4020629" y="4758718"/>
+                </a:cubicBezTo>
+                <a:cubicBezTo>
+                  <a:pt x="4043941" y="4847432"/>
+                  <a:pt x="4025697" y="4931705"/>
+                  <a:pt x="4015561" y="5016866"/>
+                </a:cubicBezTo>
+                <a:cubicBezTo>
+                  <a:pt x="4003335" y="5100174"/>
+                  <a:pt x="4005096" y="5184929"/>
+                  <a:pt x="4020756" y="5267654"/>
+                </a:cubicBezTo>
+                <a:cubicBezTo>
+                  <a:pt x="4033172" y="5326035"/>
+                  <a:pt x="4033172" y="5385432"/>
+                  <a:pt x="4034692" y="5444194"/>
+                </a:cubicBezTo>
+                <a:cubicBezTo>
+                  <a:pt x="4035579" y="5481001"/>
+                  <a:pt x="4022023" y="5518441"/>
+                  <a:pt x="4013027" y="5555120"/>
+                </a:cubicBezTo>
+                <a:cubicBezTo>
+                  <a:pt x="3996937" y="5621371"/>
+                  <a:pt x="3991109" y="5688636"/>
+                  <a:pt x="4013027" y="5753237"/>
+                </a:cubicBezTo>
+                <a:cubicBezTo>
+                  <a:pt x="4043561" y="5842713"/>
+                  <a:pt x="4061045" y="5932189"/>
+                  <a:pt x="4048375" y="6026870"/>
+                </a:cubicBezTo>
+                <a:cubicBezTo>
+                  <a:pt x="4041027" y="6085251"/>
+                  <a:pt x="4039380" y="6144902"/>
+                  <a:pt x="4028357" y="6202522"/>
+                </a:cubicBezTo>
+                <a:cubicBezTo>
+                  <a:pt x="4010240" y="6298091"/>
+                  <a:pt x="4016701" y="6393024"/>
+                  <a:pt x="4031145" y="6487196"/>
+                </a:cubicBezTo>
+                <a:cubicBezTo>
+                  <a:pt x="4041293" y="6565885"/>
+                  <a:pt x="4042395" y="6645474"/>
+                  <a:pt x="4034439" y="6724403"/>
+                </a:cubicBezTo>
+                <a:lnTo>
+                  <a:pt x="4025206" y="6858000"/>
+                </a:lnTo>
+                <a:lnTo>
+                  <a:pt x="0" y="6858000"/>
+                </a:lnTo>
+                <a:close/>
+              </a:path>
+            </a:pathLst>
+          </a:custGeom>
+        </p:spPr>
+      </p:pic>
+      <p:sp>
+        <p:nvSpPr>
+          <p:cNvPr id="11" name="sketchy line">
+            <a:extLst>
+              <a:ext uri="{FF2B5EF4-FFF2-40B4-BE49-F238E27FC236}">
+                <a16:creationId xmlns:a16="http://schemas.microsoft.com/office/drawing/2014/main" id="{3FCFB1DE-0B7E-48CC-BA90-B2AB0889F9D6}"/>
+              </a:ext>
+              <a:ext uri="{C183D7F6-B498-43B3-948B-1728B52AA6E4}">
+                <adec:decorative xmlns:adec="http://schemas.microsoft.com/office/drawing/2017/decorative" val="1"/>
+              </a:ext>
+            </a:extLst>
+          </p:cNvPr>
+          <p:cNvSpPr>
+            <a:spLocks noGrp="1" noRot="1" noChangeAspect="1" noMove="1" noResize="1" noEditPoints="1" noAdjustHandles="1" noChangeArrowheads="1" noChangeShapeType="1" noTextEdit="1"/>
+          </p:cNvSpPr>
+          <p:nvPr>
+            <p:extLst>
+              <p:ext uri="{386F3935-93C4-4BCD-93E2-E3B085C9AB24}">
+                <p16:designElem xmlns:p16="http://schemas.microsoft.com/office/powerpoint/2015/main" val="1"/>
+              </p:ext>
+            </p:extLst>
+          </p:nvPr>
+        </p:nvSpPr>
+        <p:spPr>
+          <a:xfrm>
+            <a:off x="4654296" y="2395728"/>
+            <a:ext cx="4243589" cy="18288"/>
+          </a:xfrm>
+          <a:custGeom>
+            <a:avLst/>
+            <a:gdLst>
+              <a:gd name="connsiteX0" fmla="*/ 0 w 4243589"/>
+              <a:gd name="connsiteY0" fmla="*/ 0 h 18288"/>
+              <a:gd name="connsiteX1" fmla="*/ 478919 w 4243589"/>
+              <a:gd name="connsiteY1" fmla="*/ 0 h 18288"/>
+              <a:gd name="connsiteX2" fmla="*/ 957839 w 4243589"/>
+              <a:gd name="connsiteY2" fmla="*/ 0 h 18288"/>
+              <a:gd name="connsiteX3" fmla="*/ 1521630 w 4243589"/>
+              <a:gd name="connsiteY3" fmla="*/ 0 h 18288"/>
+              <a:gd name="connsiteX4" fmla="*/ 2212729 w 4243589"/>
+              <a:gd name="connsiteY4" fmla="*/ 0 h 18288"/>
+              <a:gd name="connsiteX5" fmla="*/ 2734084 w 4243589"/>
+              <a:gd name="connsiteY5" fmla="*/ 0 h 18288"/>
+              <a:gd name="connsiteX6" fmla="*/ 3255439 w 4243589"/>
+              <a:gd name="connsiteY6" fmla="*/ 0 h 18288"/>
+              <a:gd name="connsiteX7" fmla="*/ 4243589 w 4243589"/>
+              <a:gd name="connsiteY7" fmla="*/ 0 h 18288"/>
+              <a:gd name="connsiteX8" fmla="*/ 4243589 w 4243589"/>
+              <a:gd name="connsiteY8" fmla="*/ 18288 h 18288"/>
+              <a:gd name="connsiteX9" fmla="*/ 3594926 w 4243589"/>
+              <a:gd name="connsiteY9" fmla="*/ 18288 h 18288"/>
+              <a:gd name="connsiteX10" fmla="*/ 3073571 w 4243589"/>
+              <a:gd name="connsiteY10" fmla="*/ 18288 h 18288"/>
+              <a:gd name="connsiteX11" fmla="*/ 2552216 w 4243589"/>
+              <a:gd name="connsiteY11" fmla="*/ 18288 h 18288"/>
+              <a:gd name="connsiteX12" fmla="*/ 1903553 w 4243589"/>
+              <a:gd name="connsiteY12" fmla="*/ 18288 h 18288"/>
+              <a:gd name="connsiteX13" fmla="*/ 1212454 w 4243589"/>
+              <a:gd name="connsiteY13" fmla="*/ 18288 h 18288"/>
+              <a:gd name="connsiteX14" fmla="*/ 733535 w 4243589"/>
+              <a:gd name="connsiteY14" fmla="*/ 18288 h 18288"/>
+              <a:gd name="connsiteX15" fmla="*/ 0 w 4243589"/>
+              <a:gd name="connsiteY15" fmla="*/ 18288 h 18288"/>
+              <a:gd name="connsiteX16" fmla="*/ 0 w 4243589"/>
+              <a:gd name="connsiteY16" fmla="*/ 0 h 18288"/>
+            </a:gdLst>
+            <a:ahLst/>
+            <a:cxnLst>
+              <a:cxn ang="0">
+                <a:pos x="connsiteX0" y="connsiteY0"/>
+              </a:cxn>
+              <a:cxn ang="0">
+                <a:pos x="connsiteX1" y="connsiteY1"/>
+              </a:cxn>
+              <a:cxn ang="0">
+                <a:pos x="connsiteX2" y="connsiteY2"/>
+              </a:cxn>
+              <a:cxn ang="0">
+                <a:pos x="connsiteX3" y="connsiteY3"/>
+              </a:cxn>
+              <a:cxn ang="0">
+                <a:pos x="connsiteX4" y="connsiteY4"/>
+              </a:cxn>
+              <a:cxn ang="0">
+                <a:pos x="connsiteX5" y="connsiteY5"/>
+              </a:cxn>
+              <a:cxn ang="0">
+                <a:pos x="connsiteX6" y="connsiteY6"/>
+              </a:cxn>
+              <a:cxn ang="0">
+                <a:pos x="connsiteX7" y="connsiteY7"/>
+              </a:cxn>
+              <a:cxn ang="0">
+                <a:pos x="connsiteX8" y="connsiteY8"/>
+              </a:cxn>
+              <a:cxn ang="0">
+                <a:pos x="connsiteX9" y="connsiteY9"/>
+              </a:cxn>
+              <a:cxn ang="0">
+                <a:pos x="connsiteX10" y="connsiteY10"/>
+              </a:cxn>
+              <a:cxn ang="0">
+                <a:pos x="connsiteX11" y="connsiteY11"/>
+              </a:cxn>
+              <a:cxn ang="0">
+                <a:pos x="connsiteX12" y="connsiteY12"/>
+              </a:cxn>
+              <a:cxn ang="0">
+                <a:pos x="connsiteX13" y="connsiteY13"/>
+              </a:cxn>
+              <a:cxn ang="0">
+                <a:pos x="connsiteX14" y="connsiteY14"/>
+              </a:cxn>
+              <a:cxn ang="0">
+                <a:pos x="connsiteX15" y="connsiteY15"/>
+              </a:cxn>
+              <a:cxn ang="0">
+                <a:pos x="connsiteX16" y="connsiteY16"/>
+              </a:cxn>
+            </a:cxnLst>
+            <a:rect l="l" t="t" r="r" b="b"/>
+            <a:pathLst>
+              <a:path w="4243589" h="18288" fill="none" extrusionOk="0">
+                <a:moveTo>
+                  <a:pt x="0" y="0"/>
+                </a:moveTo>
+                <a:cubicBezTo>
+                  <a:pt x="213395" y="-21006"/>
+                  <a:pt x="307421" y="-18116"/>
+                  <a:pt x="478919" y="0"/>
+                </a:cubicBezTo>
+                <a:cubicBezTo>
+                  <a:pt x="650417" y="18116"/>
+                  <a:pt x="831092" y="-21237"/>
+                  <a:pt x="957839" y="0"/>
+                </a:cubicBezTo>
+                <a:cubicBezTo>
+                  <a:pt x="1084586" y="21237"/>
+                  <a:pt x="1301682" y="25124"/>
+                  <a:pt x="1521630" y="0"/>
+                </a:cubicBezTo>
+                <a:cubicBezTo>
+                  <a:pt x="1741578" y="-25124"/>
+                  <a:pt x="1970269" y="-29139"/>
+                  <a:pt x="2212729" y="0"/>
+                </a:cubicBezTo>
+                <a:cubicBezTo>
+                  <a:pt x="2455189" y="29139"/>
+                  <a:pt x="2558847" y="-4796"/>
+                  <a:pt x="2734084" y="0"/>
+                </a:cubicBezTo>
+                <a:cubicBezTo>
+                  <a:pt x="2909321" y="4796"/>
+                  <a:pt x="3097217" y="-13409"/>
+                  <a:pt x="3255439" y="0"/>
+                </a:cubicBezTo>
+                <a:cubicBezTo>
+                  <a:pt x="3413662" y="13409"/>
+                  <a:pt x="3979999" y="-10121"/>
+                  <a:pt x="4243589" y="0"/>
+                </a:cubicBezTo>
+                <a:cubicBezTo>
+                  <a:pt x="4244484" y="8974"/>
+                  <a:pt x="4243043" y="9359"/>
+                  <a:pt x="4243589" y="18288"/>
+                </a:cubicBezTo>
+                <a:cubicBezTo>
+                  <a:pt x="4058777" y="31246"/>
+                  <a:pt x="3910348" y="3158"/>
+                  <a:pt x="3594926" y="18288"/>
+                </a:cubicBezTo>
+                <a:cubicBezTo>
+                  <a:pt x="3279504" y="33418"/>
+                  <a:pt x="3319955" y="-3977"/>
+                  <a:pt x="3073571" y="18288"/>
+                </a:cubicBezTo>
+                <a:cubicBezTo>
+                  <a:pt x="2827187" y="40553"/>
+                  <a:pt x="2767387" y="1863"/>
+                  <a:pt x="2552216" y="18288"/>
+                </a:cubicBezTo>
+                <a:cubicBezTo>
+                  <a:pt x="2337046" y="34713"/>
+                  <a:pt x="2181871" y="19527"/>
+                  <a:pt x="1903553" y="18288"/>
+                </a:cubicBezTo>
+                <a:cubicBezTo>
+                  <a:pt x="1625235" y="17049"/>
+                  <a:pt x="1557672" y="24174"/>
+                  <a:pt x="1212454" y="18288"/>
+                </a:cubicBezTo>
+                <a:cubicBezTo>
+                  <a:pt x="867236" y="12402"/>
+                  <a:pt x="874382" y="15627"/>
+                  <a:pt x="733535" y="18288"/>
+                </a:cubicBezTo>
+                <a:cubicBezTo>
+                  <a:pt x="592688" y="20949"/>
+                  <a:pt x="183477" y="14753"/>
+                  <a:pt x="0" y="18288"/>
+                </a:cubicBezTo>
+                <a:cubicBezTo>
+                  <a:pt x="-229" y="14222"/>
+                  <a:pt x="509" y="5816"/>
+                  <a:pt x="0" y="0"/>
+                </a:cubicBezTo>
+                <a:close/>
+              </a:path>
+              <a:path w="4243589" h="18288" stroke="0" extrusionOk="0">
+                <a:moveTo>
+                  <a:pt x="0" y="0"/>
+                </a:moveTo>
+                <a:cubicBezTo>
+                  <a:pt x="143690" y="16630"/>
+                  <a:pt x="266667" y="14847"/>
+                  <a:pt x="521355" y="0"/>
+                </a:cubicBezTo>
+                <a:cubicBezTo>
+                  <a:pt x="776043" y="-14847"/>
+                  <a:pt x="814491" y="-17363"/>
+                  <a:pt x="1000275" y="0"/>
+                </a:cubicBezTo>
+                <a:cubicBezTo>
+                  <a:pt x="1186059" y="17363"/>
+                  <a:pt x="1352504" y="-23507"/>
+                  <a:pt x="1521630" y="0"/>
+                </a:cubicBezTo>
+                <a:cubicBezTo>
+                  <a:pt x="1690756" y="23507"/>
+                  <a:pt x="1889525" y="5871"/>
+                  <a:pt x="2127857" y="0"/>
+                </a:cubicBezTo>
+                <a:cubicBezTo>
+                  <a:pt x="2366189" y="-5871"/>
+                  <a:pt x="2620628" y="-27997"/>
+                  <a:pt x="2776520" y="0"/>
+                </a:cubicBezTo>
+                <a:cubicBezTo>
+                  <a:pt x="2932412" y="27997"/>
+                  <a:pt x="3131683" y="-25073"/>
+                  <a:pt x="3467618" y="0"/>
+                </a:cubicBezTo>
+                <a:cubicBezTo>
+                  <a:pt x="3803553" y="25073"/>
+                  <a:pt x="4017371" y="3071"/>
+                  <a:pt x="4243589" y="0"/>
+                </a:cubicBezTo>
+                <a:cubicBezTo>
+                  <a:pt x="4243134" y="6162"/>
+                  <a:pt x="4243492" y="11775"/>
+                  <a:pt x="4243589" y="18288"/>
+                </a:cubicBezTo>
+                <a:cubicBezTo>
+                  <a:pt x="4017834" y="-5779"/>
+                  <a:pt x="3834586" y="13376"/>
+                  <a:pt x="3594926" y="18288"/>
+                </a:cubicBezTo>
+                <a:cubicBezTo>
+                  <a:pt x="3355266" y="23200"/>
+                  <a:pt x="3204179" y="2869"/>
+                  <a:pt x="2903827" y="18288"/>
+                </a:cubicBezTo>
+                <a:cubicBezTo>
+                  <a:pt x="2603475" y="33707"/>
+                  <a:pt x="2526187" y="46187"/>
+                  <a:pt x="2212729" y="18288"/>
+                </a:cubicBezTo>
+                <a:cubicBezTo>
+                  <a:pt x="1899271" y="-9611"/>
+                  <a:pt x="1966289" y="29692"/>
+                  <a:pt x="1733809" y="18288"/>
+                </a:cubicBezTo>
+                <a:cubicBezTo>
+                  <a:pt x="1501329" y="6884"/>
+                  <a:pt x="1343612" y="12492"/>
+                  <a:pt x="1085146" y="18288"/>
+                </a:cubicBezTo>
+                <a:cubicBezTo>
+                  <a:pt x="826680" y="24084"/>
+                  <a:pt x="778184" y="35607"/>
+                  <a:pt x="521355" y="18288"/>
+                </a:cubicBezTo>
+                <a:cubicBezTo>
+                  <a:pt x="264526" y="969"/>
+                  <a:pt x="120277" y="4268"/>
+                  <a:pt x="0" y="18288"/>
+                </a:cubicBezTo>
+                <a:cubicBezTo>
+                  <a:pt x="766" y="10800"/>
+                  <a:pt x="-457" y="8180"/>
+                  <a:pt x="0" y="0"/>
+                </a:cubicBezTo>
+                <a:close/>
+              </a:path>
+            </a:pathLst>
+          </a:custGeom>
+          <a:solidFill>
+            <a:schemeClr val="accent2"/>
+          </a:solidFill>
+          <a:ln w="44450" cap="rnd">
+            <a:solidFill>
+              <a:schemeClr val="accent2"/>
+            </a:solidFill>
+            <a:round/>
+            <a:extLst>
+              <a:ext uri="{C807C97D-BFC1-408E-A445-0C87EB9F89A2}">
+                <ask:lineSketchStyleProps xmlns:ask="http://schemas.microsoft.com/office/drawing/2018/sketchyshapes" sd="2727557108">
+                  <a:prstGeom prst="rect">
+                    <a:avLst/>
+                  </a:prstGeom>
+                  <ask:type>
+                    <ask:lineSketchFreehand/>
+                  </ask:type>
+                </ask:lineSketchStyleProps>
+              </a:ext>
+            </a:extLst>
+          </a:ln>
+        </p:spPr>
+        <p:style>
+          <a:lnRef idx="2">
+            <a:schemeClr val="accent1">
+              <a:shade val="50000"/>
+            </a:schemeClr>
+          </a:lnRef>
+          <a:fillRef idx="1">
+            <a:schemeClr val="accent1"/>
+          </a:fillRef>
+          <a:effectRef idx="0">
+            <a:schemeClr val="accent1"/>
+          </a:effectRef>
+          <a:fontRef idx="minor">
+            <a:schemeClr val="lt1"/>
+          </a:fontRef>
+        </p:style>
+        <p:txBody>
+          <a:bodyPr rtlCol="0" anchor="ctr"/>
+          <a:lstStyle/>
+          <a:p>
+            <a:pPr algn="ctr"/>
+            <a:endParaRPr lang="en-US"/>
+          </a:p>
+        </p:txBody>
+      </p:sp>
+      <p:sp>
+        <p:nvSpPr>
+          <p:cNvPr id="3" name="Content Placeholder 2">
+            <a:extLst>
+              <a:ext uri="{FF2B5EF4-FFF2-40B4-BE49-F238E27FC236}">
+                <a16:creationId xmlns:a16="http://schemas.microsoft.com/office/drawing/2014/main" id="{AEC5F729-1286-B9CB-7C68-543B41DD5F66}"/>
+              </a:ext>
+            </a:extLst>
+          </p:cNvPr>
+          <p:cNvSpPr>
+            <a:spLocks noGrp="1"/>
+          </p:cNvSpPr>
+          <p:nvPr>
+            <p:ph idx="1"/>
+          </p:nvPr>
+        </p:nvSpPr>
+        <p:spPr>
+          <a:xfrm>
+            <a:off x="4654296" y="2706624"/>
+            <a:ext cx="6894576" cy="3483864"/>
+          </a:xfrm>
+        </p:spPr>
+        <p:txBody>
+          <a:bodyPr>
+            <a:normAutofit/>
+          </a:bodyPr>
+          <a:lstStyle/>
+          <a:p>
+            <a:r>
+              <a:rPr lang="en-US" sz="1700"/>
+              <a:t>Given more time with this project we would:</a:t>
+            </a:r>
+          </a:p>
+          <a:p>
+            <a:pPr lvl="1"/>
+            <a:r>
+              <a:rPr lang="en-US" sz="1700"/>
+              <a:t>Dive deeper into each category and further examine individual results</a:t>
+            </a:r>
+          </a:p>
+          <a:p>
+            <a:pPr lvl="2"/>
+            <a:r>
+              <a:rPr lang="en-US" sz="1700"/>
+              <a:t>Only one coffee shop in Breck??</a:t>
+            </a:r>
+          </a:p>
+          <a:p>
+            <a:pPr marL="914400" lvl="2" indent="0">
+              <a:buNone/>
+            </a:pPr>
+            <a:endParaRPr lang="en-US" sz="1700"/>
+          </a:p>
+          <a:p>
+            <a:pPr lvl="1"/>
+            <a:r>
+              <a:rPr lang="en-US" sz="1700"/>
+              <a:t>Use population data to better understand how different categories and home value are affected by the population of a city</a:t>
+            </a:r>
+          </a:p>
+          <a:p>
+            <a:pPr lvl="1"/>
+            <a:endParaRPr lang="en-US" sz="1700"/>
+          </a:p>
+          <a:p>
+            <a:pPr lvl="1"/>
+            <a:r>
+              <a:rPr lang="en-US" sz="1700"/>
+              <a:t>Explore comparisons at different geographical levels:</a:t>
+            </a:r>
+          </a:p>
+          <a:p>
+            <a:pPr lvl="2"/>
+            <a:r>
+              <a:rPr lang="en-US" sz="1700"/>
+              <a:t>Neighborhood level</a:t>
+            </a:r>
+          </a:p>
+          <a:p>
+            <a:pPr lvl="2"/>
+            <a:endParaRPr lang="en-US" sz="1700"/>
+          </a:p>
+          <a:p>
+            <a:pPr lvl="2"/>
+            <a:r>
+              <a:rPr lang="en-US" sz="1700"/>
+              <a:t>State level</a:t>
+            </a:r>
+          </a:p>
+          <a:p>
+            <a:pPr lvl="1"/>
+            <a:endParaRPr lang="en-US" sz="1700"/>
+          </a:p>
+        </p:txBody>
+      </p:sp>
+    </p:spTree>
+    <p:extLst>
+      <p:ext uri="{BB962C8B-B14F-4D97-AF65-F5344CB8AC3E}">
+        <p14:creationId xmlns:p14="http://schemas.microsoft.com/office/powerpoint/2010/main" val="1498983211"/>
+      </p:ext>
+    </p:extLst>
+  </p:cSld>
+  <p:clrMapOvr>
+    <a:masterClrMapping/>
+  </p:clrMapOvr>
+</p:sld>
+</file>
+
+<file path=ppt/slides/slide22.xml><?xml version="1.0" encoding="utf-8"?>
+<p:sld xmlns:a="http://schemas.openxmlformats.org/drawingml/2006/main" xmlns:r="http://schemas.openxmlformats.org/officeDocument/2006/relationships" xmlns:p="http://schemas.openxmlformats.org/presentationml/2006/main">
+  <p:cSld>
+    <p:spTree>
+      <p:nvGrpSpPr>
+        <p:cNvPr id="1" name=""/>
+        <p:cNvGrpSpPr/>
+        <p:nvPr/>
+      </p:nvGrpSpPr>
+      <p:grpSpPr>
+        <a:xfrm>
+          <a:off x="0" y="0"/>
+          <a:ext cx="0" cy="0"/>
+          <a:chOff x="0" y="0"/>
+          <a:chExt cx="0" cy="0"/>
+        </a:xfrm>
+      </p:grpSpPr>
+      <p:sp>
+        <p:nvSpPr>
+          <p:cNvPr id="2" name="Title 1">
+            <a:extLst>
+              <a:ext uri="{FF2B5EF4-FFF2-40B4-BE49-F238E27FC236}">
+                <a16:creationId xmlns:a16="http://schemas.microsoft.com/office/drawing/2014/main" id="{4814A671-52F3-2016-B0AA-B5EB5A2C578B}"/>
+              </a:ext>
+            </a:extLst>
+          </p:cNvPr>
+          <p:cNvSpPr>
+            <a:spLocks noGrp="1"/>
+          </p:cNvSpPr>
+          <p:nvPr>
+            <p:ph type="title"/>
+          </p:nvPr>
+        </p:nvSpPr>
+        <p:spPr/>
+        <p:txBody>
+          <a:bodyPr/>
+          <a:lstStyle/>
+          <a:p>
+            <a:r>
+              <a:rPr lang="en-US"/>
+              <a:t>Acknowledgment </a:t>
+            </a:r>
+            <a:endParaRPr lang="en-US" dirty="0"/>
+          </a:p>
+        </p:txBody>
+      </p:sp>
+      <p:graphicFrame>
+        <p:nvGraphicFramePr>
+          <p:cNvPr id="5" name="Content Placeholder 2">
+            <a:extLst>
+              <a:ext uri="{FF2B5EF4-FFF2-40B4-BE49-F238E27FC236}">
+                <a16:creationId xmlns:a16="http://schemas.microsoft.com/office/drawing/2014/main" id="{E60355D3-26BA-CB16-8F78-5920FF2A3229}"/>
+              </a:ext>
+            </a:extLst>
+          </p:cNvPr>
+          <p:cNvGraphicFramePr>
+            <a:graphicFrameLocks noGrp="1"/>
+          </p:cNvGraphicFramePr>
+          <p:nvPr>
+            <p:ph idx="1"/>
+            <p:extLst>
+              <p:ext uri="{D42A27DB-BD31-4B8C-83A1-F6EECF244321}">
+                <p14:modId xmlns:p14="http://schemas.microsoft.com/office/powerpoint/2010/main" val="3729474119"/>
+              </p:ext>
+            </p:extLst>
+          </p:nvPr>
+        </p:nvGraphicFramePr>
+        <p:xfrm>
+          <a:off x="838200" y="1825625"/>
+          <a:ext cx="10515600" cy="4351338"/>
+        </p:xfrm>
+        <a:graphic>
+          <a:graphicData uri="http://schemas.openxmlformats.org/drawingml/2006/diagram">
+            <dgm:relIds xmlns:dgm="http://schemas.openxmlformats.org/drawingml/2006/diagram" xmlns:r="http://schemas.openxmlformats.org/officeDocument/2006/relationships" r:dm="rId2" r:lo="rId3" r:qs="rId4" r:cs="rId5"/>
+          </a:graphicData>
+        </a:graphic>
+      </p:graphicFrame>
+    </p:spTree>
+    <p:extLst>
+      <p:ext uri="{BB962C8B-B14F-4D97-AF65-F5344CB8AC3E}">
+        <p14:creationId xmlns:p14="http://schemas.microsoft.com/office/powerpoint/2010/main" val="3501349097"/>
+      </p:ext>
+    </p:extLst>
+  </p:cSld>
+  <p:clrMapOvr>
+    <a:masterClrMapping/>
+  </p:clrMapOvr>
+</p:sld>
+</file>
+
+<file path=ppt/slides/slide23.xml><?xml version="1.0" encoding="utf-8"?>
 <p:sld xmlns:a="http://schemas.openxmlformats.org/drawingml/2006/main" xmlns:r="http://schemas.openxmlformats.org/officeDocument/2006/relationships" xmlns:p="http://schemas.openxmlformats.org/presentationml/2006/main" show="0">
   <p:cSld>
     <p:spTree>
@@ -21227,15 +25019,7 @@
           <a:p>
             <a:r>
               <a:rPr lang="en-US" sz="2200" dirty="0"/>
-              <a:t>After getting the typical home value for 19 Colorado cities, we used </a:t>
-            </a:r>
-            <a:r>
-              <a:rPr lang="en-US" sz="2200" dirty="0" err="1"/>
-              <a:t>Geoapify</a:t>
-            </a:r>
-            <a:r>
-              <a:rPr lang="en-US" sz="2200" dirty="0"/>
-              <a:t> to get coordinates for each city</a:t>
+              <a:t>After getting the typical home value for 19 Colorado cities, we used Geoapify to get coordinates for each city</a:t>
             </a:r>
           </a:p>
           <a:p>
@@ -21252,15 +25036,7 @@
             </a:r>
             <a:r>
               <a:rPr lang="en-US" sz="2200" dirty="0"/>
-              <a:t> for each city, we explored the different categories on the </a:t>
-            </a:r>
-            <a:r>
-              <a:rPr lang="en-US" sz="2200" dirty="0" err="1"/>
-              <a:t>Geoapify</a:t>
-            </a:r>
-            <a:r>
-              <a:rPr lang="en-US" sz="2200" dirty="0"/>
-              <a:t> Places API</a:t>
+              <a:t> for each city, we explored the different categories on the Geoapify Places API</a:t>
             </a:r>
           </a:p>
           <a:p>

--- a/Slide_Deck.pptx
+++ b/Slide_Deck.pptx
@@ -2429,7 +2429,7 @@
 <dgm:dataModel xmlns:dgm="http://schemas.openxmlformats.org/drawingml/2006/diagram" xmlns:a="http://schemas.openxmlformats.org/drawingml/2006/main">
   <dgm:ptLst>
     <dgm:pt modelId="{D8CA48D2-4CF7-4350-90CD-1A7ECE3AA0BB}" type="doc">
-      <dgm:prSet loTypeId="urn:microsoft.com/office/officeart/2005/8/layout/hierarchy1" loCatId="hierarchy" qsTypeId="urn:microsoft.com/office/officeart/2005/8/quickstyle/simple1" qsCatId="simple" csTypeId="urn:microsoft.com/office/officeart/2005/8/colors/accent0_3" csCatId="mainScheme"/>
+      <dgm:prSet loTypeId="urn:microsoft.com/office/officeart/2005/8/layout/hierarchy1" loCatId="hierarchy" qsTypeId="urn:microsoft.com/office/officeart/2005/8/quickstyle/simple1" qsCatId="simple" csTypeId="urn:microsoft.com/office/officeart/2005/8/colors/accent0_3" csCatId="mainScheme" phldr="1"/>
       <dgm:spPr/>
       <dgm:t>
         <a:bodyPr/>
@@ -2484,10 +2484,10 @@
         <a:lstStyle/>
         <a:p>
           <a:r>
-            <a:rPr lang="en-US" b="0" i="0"/>
-            <a:t>Typical Home Value vs different variables such as proximity to parks, access to healthcare, schools in the area, ect.</a:t>
+            <a:rPr lang="en-US" b="0" i="0" dirty="0"/>
+            <a:t>Typical Home Value vs different variables such as proximity to parks, access to healthcare, schools in the area, etc.</a:t>
           </a:r>
-          <a:endParaRPr lang="en-US"/>
+          <a:endParaRPr lang="en-US" dirty="0"/>
         </a:p>
       </dgm:t>
     </dgm:pt>
@@ -2628,10 +2628,9 @@
             </a:lnSpc>
           </a:pPr>
           <a:r>
-            <a:rPr lang="en-US"/>
-            <a:t>Read in csv and reduce to only CO date</a:t>
+            <a:rPr lang="en-US" dirty="0"/>
+            <a:t>Read in csv and reduce to only CO data</a:t>
           </a:r>
-          <a:endParaRPr lang="en-US" dirty="0"/>
         </a:p>
       </dgm:t>
     </dgm:pt>
@@ -3462,10 +3461,10 @@
             <a:buNone/>
           </a:pPr>
           <a:r>
-            <a:rPr lang="en-US" sz="2800" b="0" i="0" kern="1200"/>
-            <a:t>Typical Home Value vs different variables such as proximity to parks, access to healthcare, schools in the area, ect.</a:t>
+            <a:rPr lang="en-US" sz="2800" b="0" i="0" kern="1200" dirty="0"/>
+            <a:t>Typical Home Value vs different variables such as proximity to parks, access to healthcare, schools in the area, etc.</a:t>
           </a:r>
-          <a:endParaRPr lang="en-US" sz="2800" kern="1200"/>
+          <a:endParaRPr lang="en-US" sz="2800" kern="1200" dirty="0"/>
         </a:p>
       </dsp:txBody>
       <dsp:txXfrm>
@@ -3553,10 +3552,9 @@
             <a:buNone/>
           </a:pPr>
           <a:r>
-            <a:rPr lang="en-US" sz="3200" kern="1200"/>
-            <a:t>Read in csv and reduce to only CO date</a:t>
+            <a:rPr lang="en-US" sz="3200" kern="1200" dirty="0"/>
+            <a:t>Read in csv and reduce to only CO data</a:t>
           </a:r>
-          <a:endParaRPr lang="en-US" sz="3200" kern="1200" dirty="0"/>
         </a:p>
       </dsp:txBody>
       <dsp:txXfrm>
@@ -8706,15 +8704,15 @@
           <a:p>
             <a:r>
               <a:rPr lang="en-US" dirty="0"/>
-              <a:t>This is the </a:t>
+              <a:t>- More info on ZHVI or to use data for </a:t>
             </a:r>
             <a:r>
               <a:rPr lang="en-US" dirty="0" err="1"/>
-              <a:t>df</a:t>
+              <a:t>yourseld</a:t>
             </a:r>
             <a:r>
               <a:rPr lang="en-US" dirty="0"/>
-              <a:t> after reading in the raw data (csv). Has data for every state at different geographic levels</a:t>
+              <a:t> visit Zillow.com</a:t>
             </a:r>
           </a:p>
         </p:txBody>
@@ -8736,7 +8734,7 @@
           <a:p>
             <a:fld id="{A5852CD4-E4D6-4640-BF52-AD4B3041F0E7}" type="slidenum">
               <a:rPr lang="en-US" smtClean="0"/>
-              <a:t>4</a:t>
+              <a:t>3</a:t>
             </a:fld>
             <a:endParaRPr lang="en-US"/>
           </a:p>
@@ -8745,7 +8743,91 @@
     </p:spTree>
     <p:extLst>
       <p:ext uri="{BB962C8B-B14F-4D97-AF65-F5344CB8AC3E}">
-        <p14:creationId xmlns:p14="http://schemas.microsoft.com/office/powerpoint/2010/main" val="2196681292"/>
+        <p14:creationId xmlns:p14="http://schemas.microsoft.com/office/powerpoint/2010/main" val="1582795677"/>
+      </p:ext>
+    </p:extLst>
+  </p:cSld>
+  <p:clrMapOvr>
+    <a:masterClrMapping/>
+  </p:clrMapOvr>
+</p:notes>
+</file>
+
+<file path=ppt/notesSlides/notesSlide10.xml><?xml version="1.0" encoding="utf-8"?>
+<p:notes xmlns:a="http://schemas.openxmlformats.org/drawingml/2006/main" xmlns:r="http://schemas.openxmlformats.org/officeDocument/2006/relationships" xmlns:p="http://schemas.openxmlformats.org/presentationml/2006/main">
+  <p:cSld>
+    <p:spTree>
+      <p:nvGrpSpPr>
+        <p:cNvPr id="1" name=""/>
+        <p:cNvGrpSpPr/>
+        <p:nvPr/>
+      </p:nvGrpSpPr>
+      <p:grpSpPr>
+        <a:xfrm>
+          <a:off x="0" y="0"/>
+          <a:ext cx="0" cy="0"/>
+          <a:chOff x="0" y="0"/>
+          <a:chExt cx="0" cy="0"/>
+        </a:xfrm>
+      </p:grpSpPr>
+      <p:sp>
+        <p:nvSpPr>
+          <p:cNvPr id="2" name="Slide Image Placeholder 1"/>
+          <p:cNvSpPr>
+            <a:spLocks noGrp="1" noRot="1" noChangeAspect="1"/>
+          </p:cNvSpPr>
+          <p:nvPr>
+            <p:ph type="sldImg"/>
+          </p:nvPr>
+        </p:nvSpPr>
+        <p:spPr/>
+      </p:sp>
+      <p:sp>
+        <p:nvSpPr>
+          <p:cNvPr id="3" name="Notes Placeholder 2"/>
+          <p:cNvSpPr>
+            <a:spLocks noGrp="1"/>
+          </p:cNvSpPr>
+          <p:nvPr>
+            <p:ph type="body" idx="1"/>
+          </p:nvPr>
+        </p:nvSpPr>
+        <p:spPr/>
+        <p:txBody>
+          <a:bodyPr/>
+          <a:lstStyle/>
+          <a:p>
+            <a:endParaRPr lang="en-US" dirty="0"/>
+          </a:p>
+        </p:txBody>
+      </p:sp>
+      <p:sp>
+        <p:nvSpPr>
+          <p:cNvPr id="4" name="Slide Number Placeholder 3"/>
+          <p:cNvSpPr>
+            <a:spLocks noGrp="1"/>
+          </p:cNvSpPr>
+          <p:nvPr>
+            <p:ph type="sldNum" sz="quarter" idx="5"/>
+          </p:nvPr>
+        </p:nvSpPr>
+        <p:spPr/>
+        <p:txBody>
+          <a:bodyPr/>
+          <a:lstStyle/>
+          <a:p>
+            <a:fld id="{6624EA6F-41C5-8449-8FBC-886BDC0FF6B4}" type="slidenum">
+              <a:rPr lang="en-US" smtClean="0"/>
+              <a:t>23</a:t>
+            </a:fld>
+            <a:endParaRPr lang="en-US"/>
+          </a:p>
+        </p:txBody>
+      </p:sp>
+    </p:spTree>
+    <p:extLst>
+      <p:ext uri="{BB962C8B-B14F-4D97-AF65-F5344CB8AC3E}">
+        <p14:creationId xmlns:p14="http://schemas.microsoft.com/office/powerpoint/2010/main" val="2441152608"/>
       </p:ext>
     </p:extLst>
   </p:cSld>
@@ -8799,7 +8881,41 @@
           <a:bodyPr/>
           <a:lstStyle/>
           <a:p>
-            <a:endParaRPr lang="en-US" dirty="0"/>
+            <a:r>
+              <a:rPr lang="en-US" dirty="0"/>
+              <a:t>This is the </a:t>
+            </a:r>
+            <a:r>
+              <a:rPr lang="en-US" dirty="0" err="1"/>
+              <a:t>df</a:t>
+            </a:r>
+            <a:r>
+              <a:rPr lang="en-US" dirty="0"/>
+              <a:t> after reading in the raw data (csv). Has data for every state at different geographic levels</a:t>
+            </a:r>
+            <a:br>
+              <a:rPr lang="en-US" dirty="0"/>
+            </a:br>
+            <a:r>
+              <a:rPr lang="en-US" dirty="0"/>
+              <a:t>dates start </a:t>
+            </a:r>
+            <a:r>
+              <a:rPr lang="en-US" dirty="0" err="1"/>
+              <a:t>jan</a:t>
+            </a:r>
+            <a:r>
+              <a:rPr lang="en-US" dirty="0"/>
+              <a:t> 2000 and go until </a:t>
+            </a:r>
+            <a:r>
+              <a:rPr lang="en-US" dirty="0" err="1"/>
+              <a:t>feb</a:t>
+            </a:r>
+            <a:r>
+              <a:rPr lang="en-US" dirty="0"/>
+              <a:t> 2023</a:t>
+            </a:r>
           </a:p>
         </p:txBody>
       </p:sp>
@@ -8820,7 +8936,7 @@
           <a:p>
             <a:fld id="{A5852CD4-E4D6-4640-BF52-AD4B3041F0E7}" type="slidenum">
               <a:rPr lang="en-US" smtClean="0"/>
-              <a:t>5</a:t>
+              <a:t>4</a:t>
             </a:fld>
             <a:endParaRPr lang="en-US"/>
           </a:p>
@@ -8829,7 +8945,7 @@
     </p:spTree>
     <p:extLst>
       <p:ext uri="{BB962C8B-B14F-4D97-AF65-F5344CB8AC3E}">
-        <p14:creationId xmlns:p14="http://schemas.microsoft.com/office/powerpoint/2010/main" val="194049932"/>
+        <p14:creationId xmlns:p14="http://schemas.microsoft.com/office/powerpoint/2010/main" val="2196681292"/>
       </p:ext>
     </p:extLst>
   </p:cSld>
@@ -8883,18 +8999,7 @@
           <a:bodyPr/>
           <a:lstStyle/>
           <a:p>
-            <a:r>
-              <a:rPr lang="en-US" dirty="0"/>
-              <a:t>This is our </a:t>
-            </a:r>
-            <a:r>
-              <a:rPr lang="en-US" dirty="0" err="1"/>
-              <a:t>df</a:t>
-            </a:r>
-            <a:r>
-              <a:rPr lang="en-US" dirty="0"/>
-              <a:t> after cleaning it up. We grabbed only the most recent entries for Home value for our comparisons. 02/31/23</a:t>
-            </a:r>
+            <a:endParaRPr lang="en-US" dirty="0"/>
           </a:p>
         </p:txBody>
       </p:sp>
@@ -8915,7 +9020,7 @@
           <a:p>
             <a:fld id="{A5852CD4-E4D6-4640-BF52-AD4B3041F0E7}" type="slidenum">
               <a:rPr lang="en-US" smtClean="0"/>
-              <a:t>6</a:t>
+              <a:t>5</a:t>
             </a:fld>
             <a:endParaRPr lang="en-US"/>
           </a:p>
@@ -8924,7 +9029,7 @@
     </p:spTree>
     <p:extLst>
       <p:ext uri="{BB962C8B-B14F-4D97-AF65-F5344CB8AC3E}">
-        <p14:creationId xmlns:p14="http://schemas.microsoft.com/office/powerpoint/2010/main" val="687158072"/>
+        <p14:creationId xmlns:p14="http://schemas.microsoft.com/office/powerpoint/2010/main" val="194049932"/>
       </p:ext>
     </p:extLst>
   </p:cSld>
@@ -8980,7 +9085,7 @@
           <a:p>
             <a:r>
               <a:rPr lang="en-US" dirty="0"/>
-              <a:t>Used for loop and </a:t>
+              <a:t>This is our </a:t>
             </a:r>
             <a:r>
               <a:rPr lang="en-US" dirty="0" err="1"/>
@@ -8988,7 +9093,7 @@
             </a:r>
             <a:r>
               <a:rPr lang="en-US" dirty="0"/>
-              <a:t> to get cords for each city</a:t>
+              <a:t> after cleaning it up. We grabbed only the most recent entries for Home value for our comparisons. 02/31/23</a:t>
             </a:r>
           </a:p>
         </p:txBody>
@@ -9010,7 +9115,7 @@
           <a:p>
             <a:fld id="{A5852CD4-E4D6-4640-BF52-AD4B3041F0E7}" type="slidenum">
               <a:rPr lang="en-US" smtClean="0"/>
-              <a:t>7</a:t>
+              <a:t>6</a:t>
             </a:fld>
             <a:endParaRPr lang="en-US"/>
           </a:p>
@@ -9019,7 +9124,7 @@
     </p:spTree>
     <p:extLst>
       <p:ext uri="{BB962C8B-B14F-4D97-AF65-F5344CB8AC3E}">
-        <p14:creationId xmlns:p14="http://schemas.microsoft.com/office/powerpoint/2010/main" val="1330553941"/>
+        <p14:creationId xmlns:p14="http://schemas.microsoft.com/office/powerpoint/2010/main" val="687158072"/>
       </p:ext>
     </p:extLst>
   </p:cSld>
@@ -9075,20 +9180,20 @@
           <a:p>
             <a:r>
               <a:rPr lang="en-US" dirty="0"/>
-              <a:t>-We should have bought houses 10 years ago. </a:t>
+              <a:t>Used for loop and </a:t>
             </a:r>
-          </a:p>
-          <a:p>
+            <a:r>
+              <a:rPr lang="en-US" dirty="0" err="1"/>
+              <a:t>df</a:t>
+            </a:r>
             <a:r>
               <a:rPr lang="en-US" dirty="0"/>
-              <a:t>-All of the CO cities kind of follow the same pattern</a:t>
+              <a:t> to get cords for each city. </a:t>
             </a:r>
-          </a:p>
-          <a:p>
-            <a:r>
+            <a:br>
               <a:rPr lang="en-US" dirty="0"/>
-              <a:t>-Frisco + Breck are outliers</a:t>
-            </a:r>
+            </a:br>
+            <a:endParaRPr lang="en-US" dirty="0"/>
           </a:p>
         </p:txBody>
       </p:sp>
@@ -9109,7 +9214,7 @@
           <a:p>
             <a:fld id="{A5852CD4-E4D6-4640-BF52-AD4B3041F0E7}" type="slidenum">
               <a:rPr lang="en-US" smtClean="0"/>
-              <a:t>8</a:t>
+              <a:t>7</a:t>
             </a:fld>
             <a:endParaRPr lang="en-US"/>
           </a:p>
@@ -9118,7 +9223,7 @@
     </p:spTree>
     <p:extLst>
       <p:ext uri="{BB962C8B-B14F-4D97-AF65-F5344CB8AC3E}">
-        <p14:creationId xmlns:p14="http://schemas.microsoft.com/office/powerpoint/2010/main" val="1071277244"/>
+        <p14:creationId xmlns:p14="http://schemas.microsoft.com/office/powerpoint/2010/main" val="1330553941"/>
       </p:ext>
     </p:extLst>
   </p:cSld>
@@ -9174,31 +9279,20 @@
           <a:p>
             <a:r>
               <a:rPr lang="en-US" dirty="0"/>
-              <a:t>Used pandas </a:t>
+              <a:t>-We should have bought houses 10 years ago. </a:t>
             </a:r>
-            <a:r>
-              <a:rPr lang="en-US" dirty="0" err="1"/>
-              <a:t>read_html</a:t>
-            </a:r>
+          </a:p>
+          <a:p>
             <a:r>
               <a:rPr lang="en-US" dirty="0"/>
-              <a:t>() to get cat list</a:t>
+              <a:t>-All of the CO cities kind of follow the same pattern</a:t>
             </a:r>
           </a:p>
           <a:p>
             <a:r>
               <a:rPr lang="en-US" dirty="0"/>
-              <a:t>Sea??</a:t>
+              <a:t>-Frisco + Breck are outliers</a:t>
             </a:r>
-          </a:p>
-          <a:p>
-            <a:r>
-              <a:rPr lang="en-US" dirty="0"/>
-              <a:t>Strongest positive correlations are nature related</a:t>
-            </a:r>
-          </a:p>
-          <a:p>
-            <a:endParaRPr lang="en-US" dirty="0"/>
           </a:p>
         </p:txBody>
       </p:sp>
@@ -9219,7 +9313,7 @@
           <a:p>
             <a:fld id="{A5852CD4-E4D6-4640-BF52-AD4B3041F0E7}" type="slidenum">
               <a:rPr lang="en-US" smtClean="0"/>
-              <a:t>9</a:t>
+              <a:t>8</a:t>
             </a:fld>
             <a:endParaRPr lang="en-US"/>
           </a:p>
@@ -9228,7 +9322,7 @@
     </p:spTree>
     <p:extLst>
       <p:ext uri="{BB962C8B-B14F-4D97-AF65-F5344CB8AC3E}">
-        <p14:creationId xmlns:p14="http://schemas.microsoft.com/office/powerpoint/2010/main" val="3371332885"/>
+        <p14:creationId xmlns:p14="http://schemas.microsoft.com/office/powerpoint/2010/main" val="1071277244"/>
       </p:ext>
     </p:extLst>
   </p:cSld>
@@ -9282,7 +9376,33 @@
           <a:bodyPr/>
           <a:lstStyle/>
           <a:p>
-            <a:endParaRPr lang="en-US"/>
+            <a:r>
+              <a:rPr lang="en-US" dirty="0"/>
+              <a:t>Used pandas </a:t>
+            </a:r>
+            <a:r>
+              <a:rPr lang="en-US" dirty="0" err="1"/>
+              <a:t>read_html</a:t>
+            </a:r>
+            <a:r>
+              <a:rPr lang="en-US" dirty="0"/>
+              <a:t>() to get cat list</a:t>
+            </a:r>
+          </a:p>
+          <a:p>
+            <a:r>
+              <a:rPr lang="en-US" dirty="0"/>
+              <a:t>Sea??</a:t>
+            </a:r>
+          </a:p>
+          <a:p>
+            <a:r>
+              <a:rPr lang="en-US" dirty="0"/>
+              <a:t>Strongest positive correlations are nature related</a:t>
+            </a:r>
+          </a:p>
+          <a:p>
+            <a:endParaRPr lang="en-US" dirty="0"/>
           </a:p>
         </p:txBody>
       </p:sp>
@@ -9303,7 +9423,7 @@
           <a:p>
             <a:fld id="{A5852CD4-E4D6-4640-BF52-AD4B3041F0E7}" type="slidenum">
               <a:rPr lang="en-US" smtClean="0"/>
-              <a:t>11</a:t>
+              <a:t>9</a:t>
             </a:fld>
             <a:endParaRPr lang="en-US"/>
           </a:p>
@@ -9312,7 +9432,7 @@
     </p:spTree>
     <p:extLst>
       <p:ext uri="{BB962C8B-B14F-4D97-AF65-F5344CB8AC3E}">
-        <p14:creationId xmlns:p14="http://schemas.microsoft.com/office/powerpoint/2010/main" val="2103441859"/>
+        <p14:creationId xmlns:p14="http://schemas.microsoft.com/office/powerpoint/2010/main" val="3371332885"/>
       </p:ext>
     </p:extLst>
   </p:cSld>
@@ -9366,7 +9486,17 @@
           <a:bodyPr/>
           <a:lstStyle/>
           <a:p>
-            <a:endParaRPr lang="en-US" dirty="0"/>
+            <a:r>
+              <a:rPr lang="en-US" dirty="0"/>
+              <a:t>- Don’t want to go far for a park</a:t>
+            </a:r>
+            <a:br>
+              <a:rPr lang="en-US" dirty="0"/>
+            </a:br>
+            <a:r>
+              <a:rPr lang="en-US" dirty="0"/>
+              <a:t>-why Golden has so many? Deeper look into API results required.</a:t>
+            </a:r>
           </a:p>
         </p:txBody>
       </p:sp>
@@ -9385,9 +9515,9 @@
           <a:bodyPr/>
           <a:lstStyle/>
           <a:p>
-            <a:fld id="{81877F35-DD72-4AEE-98C4-BACA01E52352}" type="slidenum">
+            <a:fld id="{A5852CD4-E4D6-4640-BF52-AD4B3041F0E7}" type="slidenum">
               <a:rPr lang="en-US" smtClean="0"/>
-              <a:t>16</a:t>
+              <a:t>11</a:t>
             </a:fld>
             <a:endParaRPr lang="en-US"/>
           </a:p>
@@ -9396,7 +9526,7 @@
     </p:spTree>
     <p:extLst>
       <p:ext uri="{BB962C8B-B14F-4D97-AF65-F5344CB8AC3E}">
-        <p14:creationId xmlns:p14="http://schemas.microsoft.com/office/powerpoint/2010/main" val="1588665270"/>
+        <p14:creationId xmlns:p14="http://schemas.microsoft.com/office/powerpoint/2010/main" val="2103441859"/>
       </p:ext>
     </p:extLst>
   </p:cSld>
@@ -9469,9 +9599,9 @@
           <a:bodyPr/>
           <a:lstStyle/>
           <a:p>
-            <a:fld id="{6624EA6F-41C5-8449-8FBC-886BDC0FF6B4}" type="slidenum">
+            <a:fld id="{81877F35-DD72-4AEE-98C4-BACA01E52352}" type="slidenum">
               <a:rPr lang="en-US" smtClean="0"/>
-              <a:t>23</a:t>
+              <a:t>16</a:t>
             </a:fld>
             <a:endParaRPr lang="en-US"/>
           </a:p>
@@ -9480,7 +9610,7 @@
     </p:spTree>
     <p:extLst>
       <p:ext uri="{BB962C8B-B14F-4D97-AF65-F5344CB8AC3E}">
-        <p14:creationId xmlns:p14="http://schemas.microsoft.com/office/powerpoint/2010/main" val="2441152608"/>
+        <p14:creationId xmlns:p14="http://schemas.microsoft.com/office/powerpoint/2010/main" val="1588665270"/>
       </p:ext>
     </p:extLst>
   </p:cSld>
@@ -19917,7 +20047,7 @@
             <p:ph idx="1"/>
             <p:extLst>
               <p:ext uri="{D42A27DB-BD31-4B8C-83A1-F6EECF244321}">
-                <p14:modId xmlns:p14="http://schemas.microsoft.com/office/powerpoint/2010/main" val="305392132"/>
+                <p14:modId xmlns:p14="http://schemas.microsoft.com/office/powerpoint/2010/main" val="2712086402"/>
               </p:ext>
             </p:extLst>
           </p:nvPr>
@@ -21839,7 +21969,7 @@
           <p:nvPr/>
         </p:nvPicPr>
         <p:blipFill rotWithShape="1">
-          <a:blip r:embed="rId2"/>
+          <a:blip r:embed="rId3"/>
           <a:srcRect r="15944"/>
           <a:stretch/>
         </p:blipFill>
@@ -22224,7 +22354,7 @@
             <a:r>
               <a:rPr lang="en-US" sz="1800" dirty="0">
                 <a:latin typeface="Roboto" panose="02000000000000000000" pitchFamily="2" charset="0"/>
-                <a:hlinkClick r:id="rId3"/>
+                <a:hlinkClick r:id="rId4"/>
               </a:rPr>
               <a:t>https://www.zillow.com/research/data/</a:t>
             </a:r>
@@ -23588,7 +23718,7 @@
             <p:ph idx="1"/>
             <p:extLst>
               <p:ext uri="{D42A27DB-BD31-4B8C-83A1-F6EECF244321}">
-                <p14:modId xmlns:p14="http://schemas.microsoft.com/office/powerpoint/2010/main" val="3971200005"/>
+                <p14:modId xmlns:p14="http://schemas.microsoft.com/office/powerpoint/2010/main" val="280061289"/>
               </p:ext>
             </p:extLst>
           </p:nvPr>
